--- a/2025/2025-06-27-AI-Updates.pptx
+++ b/2025/2025-06-27-AI-Updates.pptx
@@ -5,7 +5,7 @@
     <p:sldMasterId id="2147483661" r:id="rId1"/>
   </p:sldMasterIdLst>
   <p:notesMasterIdLst>
-    <p:notesMasterId r:id="rId19"/>
+    <p:notesMasterId r:id="rId22"/>
   </p:notesMasterIdLst>
   <p:sldIdLst>
     <p:sldId id="256" r:id="rId2"/>
@@ -25,16 +25,19 @@
     <p:sldId id="270" r:id="rId16"/>
     <p:sldId id="271" r:id="rId17"/>
     <p:sldId id="272" r:id="rId18"/>
+    <p:sldId id="273" r:id="rId19"/>
+    <p:sldId id="274" r:id="rId20"/>
+    <p:sldId id="275" r:id="rId21"/>
   </p:sldIdLst>
   <p:sldSz cx="9144000" cy="5143500" type="screen16x9"/>
   <p:notesSz cx="6858000" cy="9144000"/>
   <p:embeddedFontLst>
     <p:embeddedFont>
       <p:font typeface="Roboto Mono" pitchFamily="49" charset="0"/>
-      <p:regular r:id="rId20"/>
-      <p:bold r:id="rId21"/>
-      <p:italic r:id="rId22"/>
-      <p:boldItalic r:id="rId23"/>
+      <p:regular r:id="rId23"/>
+      <p:bold r:id="rId24"/>
+      <p:italic r:id="rId25"/>
+      <p:boldItalic r:id="rId26"/>
     </p:embeddedFont>
   </p:embeddedFontLst>
   <p:defaultTextStyle>
@@ -975,7 +978,7 @@
   <p:cSld>
     <p:spTree>
       <p:nvGrpSpPr>
-        <p:cNvPr id="1" name="Shape 196"/>
+        <p:cNvPr id="1" name="Shape 199"/>
         <p:cNvGrpSpPr/>
         <p:nvPr/>
       </p:nvGrpSpPr>
@@ -989,7 +992,7 @@
       </p:grpSpPr>
       <p:sp>
         <p:nvSpPr>
-          <p:cNvPr id="197" name="Google Shape;197;g336de3673e7_1_0:notes"/>
+          <p:cNvPr id="200" name="Google Shape;200;g36290bd58a2_1_0:notes"/>
           <p:cNvSpPr>
             <a:spLocks noGrp="1" noRot="1" noChangeAspect="1"/>
           </p:cNvSpPr>
@@ -1040,7 +1043,7 @@
       </p:sp>
       <p:sp>
         <p:nvSpPr>
-          <p:cNvPr id="198" name="Google Shape;198;g336de3673e7_1_0:notes"/>
+          <p:cNvPr id="201" name="Google Shape;201;g36290bd58a2_1_0:notes"/>
           <p:cNvSpPr txBox="1">
             <a:spLocks noGrp="1"/>
           </p:cNvSpPr>
@@ -1097,7 +1100,7 @@
   <p:cSld>
     <p:spTree>
       <p:nvGrpSpPr>
-        <p:cNvPr id="1" name="Shape 203"/>
+        <p:cNvPr id="1" name="Shape 210"/>
         <p:cNvGrpSpPr/>
         <p:nvPr/>
       </p:nvGrpSpPr>
@@ -1111,7 +1114,7 @@
       </p:grpSpPr>
       <p:sp>
         <p:nvSpPr>
-          <p:cNvPr id="204" name="Google Shape;204;g36a65eaa20d_0_1:notes"/>
+          <p:cNvPr id="211" name="Google Shape;211;g36290bd58a2_2_4:notes"/>
           <p:cNvSpPr>
             <a:spLocks noGrp="1" noRot="1" noChangeAspect="1"/>
           </p:cNvSpPr>
@@ -1162,7 +1165,7 @@
       </p:sp>
       <p:sp>
         <p:nvSpPr>
-          <p:cNvPr id="205" name="Google Shape;205;g36a65eaa20d_0_1:notes"/>
+          <p:cNvPr id="212" name="Google Shape;212;g36290bd58a2_2_4:notes"/>
           <p:cNvSpPr txBox="1">
             <a:spLocks noGrp="1"/>
           </p:cNvSpPr>
@@ -1219,7 +1222,7 @@
   <p:cSld>
     <p:spTree>
       <p:nvGrpSpPr>
-        <p:cNvPr id="1" name="Shape 211"/>
+        <p:cNvPr id="1" name="Shape 224"/>
         <p:cNvGrpSpPr/>
         <p:nvPr/>
       </p:nvGrpSpPr>
@@ -1233,7 +1236,7 @@
       </p:grpSpPr>
       <p:sp>
         <p:nvSpPr>
-          <p:cNvPr id="212" name="Google Shape;212;g36a65eaa20d_0_11:notes"/>
+          <p:cNvPr id="225" name="Google Shape;225;g36290bd58a2_2_23:notes"/>
           <p:cNvSpPr>
             <a:spLocks noGrp="1" noRot="1" noChangeAspect="1"/>
           </p:cNvSpPr>
@@ -1284,7 +1287,7 @@
       </p:sp>
       <p:sp>
         <p:nvSpPr>
-          <p:cNvPr id="213" name="Google Shape;213;g36a65eaa20d_0_11:notes"/>
+          <p:cNvPr id="226" name="Google Shape;226;g36290bd58a2_2_23:notes"/>
           <p:cNvSpPr txBox="1">
             <a:spLocks noGrp="1"/>
           </p:cNvSpPr>
@@ -1341,7 +1344,7 @@
   <p:cSld>
     <p:spTree>
       <p:nvGrpSpPr>
-        <p:cNvPr id="1" name="Shape 218"/>
+        <p:cNvPr id="1" name="Shape 233"/>
         <p:cNvGrpSpPr/>
         <p:nvPr/>
       </p:nvGrpSpPr>
@@ -1355,7 +1358,7 @@
       </p:grpSpPr>
       <p:sp>
         <p:nvSpPr>
-          <p:cNvPr id="219" name="Google Shape;219;g36272717752_0_1:notes"/>
+          <p:cNvPr id="234" name="Google Shape;234;g336de3673e7_1_0:notes"/>
           <p:cNvSpPr>
             <a:spLocks noGrp="1" noRot="1" noChangeAspect="1"/>
           </p:cNvSpPr>
@@ -1406,7 +1409,7 @@
       </p:sp>
       <p:sp>
         <p:nvSpPr>
-          <p:cNvPr id="220" name="Google Shape;220;g36272717752_0_1:notes"/>
+          <p:cNvPr id="235" name="Google Shape;235;g336de3673e7_1_0:notes"/>
           <p:cNvSpPr txBox="1">
             <a:spLocks noGrp="1"/>
           </p:cNvSpPr>
@@ -1463,7 +1466,7 @@
   <p:cSld>
     <p:spTree>
       <p:nvGrpSpPr>
-        <p:cNvPr id="1" name="Shape 225"/>
+        <p:cNvPr id="1" name="Shape 240"/>
         <p:cNvGrpSpPr/>
         <p:nvPr/>
       </p:nvGrpSpPr>
@@ -1477,7 +1480,7 @@
       </p:grpSpPr>
       <p:sp>
         <p:nvSpPr>
-          <p:cNvPr id="226" name="Google Shape;226;g3627cf388fb_0_1:notes"/>
+          <p:cNvPr id="241" name="Google Shape;241;g36a65eaa20d_0_1:notes"/>
           <p:cNvSpPr>
             <a:spLocks noGrp="1" noRot="1" noChangeAspect="1"/>
           </p:cNvSpPr>
@@ -1528,7 +1531,7 @@
       </p:sp>
       <p:sp>
         <p:nvSpPr>
-          <p:cNvPr id="227" name="Google Shape;227;g3627cf388fb_0_1:notes"/>
+          <p:cNvPr id="242" name="Google Shape;242;g36a65eaa20d_0_1:notes"/>
           <p:cNvSpPr txBox="1">
             <a:spLocks noGrp="1"/>
           </p:cNvSpPr>
@@ -1585,7 +1588,7 @@
   <p:cSld>
     <p:spTree>
       <p:nvGrpSpPr>
-        <p:cNvPr id="1" name="Shape 233"/>
+        <p:cNvPr id="1" name="Shape 248"/>
         <p:cNvGrpSpPr/>
         <p:nvPr/>
       </p:nvGrpSpPr>
@@ -1599,7 +1602,7 @@
       </p:grpSpPr>
       <p:sp>
         <p:nvSpPr>
-          <p:cNvPr id="234" name="Google Shape;234;p23:notes"/>
+          <p:cNvPr id="249" name="Google Shape;249;g36a65eaa20d_0_11:notes"/>
           <p:cNvSpPr>
             <a:spLocks noGrp="1" noRot="1" noChangeAspect="1"/>
           </p:cNvSpPr>
@@ -1650,7 +1653,7 @@
       </p:sp>
       <p:sp>
         <p:nvSpPr>
-          <p:cNvPr id="235" name="Google Shape;235;p23:notes"/>
+          <p:cNvPr id="250" name="Google Shape;250;g36a65eaa20d_0_11:notes"/>
           <p:cNvSpPr txBox="1">
             <a:spLocks noGrp="1"/>
           </p:cNvSpPr>
@@ -1707,7 +1710,7 @@
   <p:cSld>
     <p:spTree>
       <p:nvGrpSpPr>
-        <p:cNvPr id="1" name="Shape 241"/>
+        <p:cNvPr id="1" name="Shape 255"/>
         <p:cNvGrpSpPr/>
         <p:nvPr/>
       </p:nvGrpSpPr>
@@ -1721,7 +1724,7 @@
       </p:grpSpPr>
       <p:sp>
         <p:nvSpPr>
-          <p:cNvPr id="242" name="Google Shape;242;p24:notes"/>
+          <p:cNvPr id="256" name="Google Shape;256;g36272717752_0_1:notes"/>
           <p:cNvSpPr>
             <a:spLocks noGrp="1" noRot="1" noChangeAspect="1"/>
           </p:cNvSpPr>
@@ -1772,7 +1775,7 @@
       </p:sp>
       <p:sp>
         <p:nvSpPr>
-          <p:cNvPr id="243" name="Google Shape;243;p24:notes"/>
+          <p:cNvPr id="257" name="Google Shape;257;g36272717752_0_1:notes"/>
           <p:cNvSpPr txBox="1">
             <a:spLocks noGrp="1"/>
           </p:cNvSpPr>
@@ -1829,7 +1832,7 @@
   <p:cSld>
     <p:spTree>
       <p:nvGrpSpPr>
-        <p:cNvPr id="1" name="Shape 251"/>
+        <p:cNvPr id="1" name="Shape 262"/>
         <p:cNvGrpSpPr/>
         <p:nvPr/>
       </p:nvGrpSpPr>
@@ -1843,7 +1846,373 @@
       </p:grpSpPr>
       <p:sp>
         <p:nvSpPr>
-          <p:cNvPr id="252" name="Google Shape;252;p25:notes"/>
+          <p:cNvPr id="263" name="Google Shape;263;g3627cf388fb_0_1:notes"/>
+          <p:cNvSpPr>
+            <a:spLocks noGrp="1" noRot="1" noChangeAspect="1"/>
+          </p:cNvSpPr>
+          <p:nvPr>
+            <p:ph type="sldImg" idx="2"/>
+          </p:nvPr>
+        </p:nvSpPr>
+        <p:spPr>
+          <a:xfrm>
+            <a:off x="381000" y="685800"/>
+            <a:ext cx="6096000" cy="3429000"/>
+          </a:xfrm>
+          <a:custGeom>
+            <a:avLst/>
+            <a:gdLst/>
+            <a:ahLst/>
+            <a:cxnLst/>
+            <a:rect l="l" t="t" r="r" b="b"/>
+            <a:pathLst>
+              <a:path w="120000" h="120000" extrusionOk="0">
+                <a:moveTo>
+                  <a:pt x="0" y="0"/>
+                </a:moveTo>
+                <a:lnTo>
+                  <a:pt x="120000" y="0"/>
+                </a:lnTo>
+                <a:lnTo>
+                  <a:pt x="120000" y="120000"/>
+                </a:lnTo>
+                <a:lnTo>
+                  <a:pt x="0" y="120000"/>
+                </a:lnTo>
+                <a:close/>
+              </a:path>
+            </a:pathLst>
+          </a:custGeom>
+          <a:noFill/>
+          <a:ln w="9525" cap="flat" cmpd="sng">
+            <a:solidFill>
+              <a:srgbClr val="000000"/>
+            </a:solidFill>
+            <a:prstDash val="solid"/>
+            <a:round/>
+            <a:headEnd type="none" w="sm" len="sm"/>
+            <a:tailEnd type="none" w="sm" len="sm"/>
+          </a:ln>
+        </p:spPr>
+      </p:sp>
+      <p:sp>
+        <p:nvSpPr>
+          <p:cNvPr id="264" name="Google Shape;264;g3627cf388fb_0_1:notes"/>
+          <p:cNvSpPr txBox="1">
+            <a:spLocks noGrp="1"/>
+          </p:cNvSpPr>
+          <p:nvPr>
+            <p:ph type="body" idx="1"/>
+          </p:nvPr>
+        </p:nvSpPr>
+        <p:spPr>
+          <a:xfrm>
+            <a:off x="685800" y="4343400"/>
+            <a:ext cx="5486400" cy="4114800"/>
+          </a:xfrm>
+          <a:prstGeom prst="rect">
+            <a:avLst/>
+          </a:prstGeom>
+          <a:noFill/>
+          <a:ln>
+            <a:noFill/>
+          </a:ln>
+        </p:spPr>
+        <p:txBody>
+          <a:bodyPr spcFirstLastPara="1" wrap="square" lIns="91425" tIns="91425" rIns="91425" bIns="91425" anchor="t" anchorCtr="0">
+            <a:noAutofit/>
+          </a:bodyPr>
+          <a:lstStyle/>
+          <a:p>
+            <a:pPr marL="0" lvl="0" indent="0" algn="l" rtl="0">
+              <a:lnSpc>
+                <a:spcPct val="100000"/>
+              </a:lnSpc>
+              <a:spcBef>
+                <a:spcPts val="0"/>
+              </a:spcBef>
+              <a:spcAft>
+                <a:spcPts val="0"/>
+              </a:spcAft>
+              <a:buSzPts val="1100"/>
+              <a:buNone/>
+            </a:pPr>
+            <a:endParaRPr/>
+          </a:p>
+        </p:txBody>
+      </p:sp>
+    </p:spTree>
+  </p:cSld>
+  <p:clrMapOvr>
+    <a:masterClrMapping/>
+  </p:clrMapOvr>
+</p:notes>
+</file>
+
+<file path=ppt/notesSlides/notesSlide18.xml><?xml version="1.0" encoding="utf-8"?>
+<p:notes xmlns:a="http://schemas.openxmlformats.org/drawingml/2006/main" xmlns:r="http://schemas.openxmlformats.org/officeDocument/2006/relationships" xmlns:p="http://schemas.openxmlformats.org/presentationml/2006/main" showMasterSp="0" showMasterPhAnim="0">
+  <p:cSld>
+    <p:spTree>
+      <p:nvGrpSpPr>
+        <p:cNvPr id="1" name="Shape 270"/>
+        <p:cNvGrpSpPr/>
+        <p:nvPr/>
+      </p:nvGrpSpPr>
+      <p:grpSpPr>
+        <a:xfrm>
+          <a:off x="0" y="0"/>
+          <a:ext cx="0" cy="0"/>
+          <a:chOff x="0" y="0"/>
+          <a:chExt cx="0" cy="0"/>
+        </a:xfrm>
+      </p:grpSpPr>
+      <p:sp>
+        <p:nvSpPr>
+          <p:cNvPr id="271" name="Google Shape;271;p23:notes"/>
+          <p:cNvSpPr>
+            <a:spLocks noGrp="1" noRot="1" noChangeAspect="1"/>
+          </p:cNvSpPr>
+          <p:nvPr>
+            <p:ph type="sldImg" idx="2"/>
+          </p:nvPr>
+        </p:nvSpPr>
+        <p:spPr>
+          <a:xfrm>
+            <a:off x="381000" y="685800"/>
+            <a:ext cx="6096000" cy="3429000"/>
+          </a:xfrm>
+          <a:custGeom>
+            <a:avLst/>
+            <a:gdLst/>
+            <a:ahLst/>
+            <a:cxnLst/>
+            <a:rect l="l" t="t" r="r" b="b"/>
+            <a:pathLst>
+              <a:path w="120000" h="120000" extrusionOk="0">
+                <a:moveTo>
+                  <a:pt x="0" y="0"/>
+                </a:moveTo>
+                <a:lnTo>
+                  <a:pt x="120000" y="0"/>
+                </a:lnTo>
+                <a:lnTo>
+                  <a:pt x="120000" y="120000"/>
+                </a:lnTo>
+                <a:lnTo>
+                  <a:pt x="0" y="120000"/>
+                </a:lnTo>
+                <a:close/>
+              </a:path>
+            </a:pathLst>
+          </a:custGeom>
+          <a:noFill/>
+          <a:ln w="9525" cap="flat" cmpd="sng">
+            <a:solidFill>
+              <a:srgbClr val="000000"/>
+            </a:solidFill>
+            <a:prstDash val="solid"/>
+            <a:round/>
+            <a:headEnd type="none" w="sm" len="sm"/>
+            <a:tailEnd type="none" w="sm" len="sm"/>
+          </a:ln>
+        </p:spPr>
+      </p:sp>
+      <p:sp>
+        <p:nvSpPr>
+          <p:cNvPr id="272" name="Google Shape;272;p23:notes"/>
+          <p:cNvSpPr txBox="1">
+            <a:spLocks noGrp="1"/>
+          </p:cNvSpPr>
+          <p:nvPr>
+            <p:ph type="body" idx="1"/>
+          </p:nvPr>
+        </p:nvSpPr>
+        <p:spPr>
+          <a:xfrm>
+            <a:off x="685800" y="4343400"/>
+            <a:ext cx="5486400" cy="4114800"/>
+          </a:xfrm>
+          <a:prstGeom prst="rect">
+            <a:avLst/>
+          </a:prstGeom>
+          <a:noFill/>
+          <a:ln>
+            <a:noFill/>
+          </a:ln>
+        </p:spPr>
+        <p:txBody>
+          <a:bodyPr spcFirstLastPara="1" wrap="square" lIns="91425" tIns="91425" rIns="91425" bIns="91425" anchor="t" anchorCtr="0">
+            <a:noAutofit/>
+          </a:bodyPr>
+          <a:lstStyle/>
+          <a:p>
+            <a:pPr marL="0" lvl="0" indent="0" algn="l" rtl="0">
+              <a:lnSpc>
+                <a:spcPct val="100000"/>
+              </a:lnSpc>
+              <a:spcBef>
+                <a:spcPts val="0"/>
+              </a:spcBef>
+              <a:spcAft>
+                <a:spcPts val="0"/>
+              </a:spcAft>
+              <a:buSzPts val="1100"/>
+              <a:buNone/>
+            </a:pPr>
+            <a:endParaRPr/>
+          </a:p>
+        </p:txBody>
+      </p:sp>
+    </p:spTree>
+  </p:cSld>
+  <p:clrMapOvr>
+    <a:masterClrMapping/>
+  </p:clrMapOvr>
+</p:notes>
+</file>
+
+<file path=ppt/notesSlides/notesSlide19.xml><?xml version="1.0" encoding="utf-8"?>
+<p:notes xmlns:a="http://schemas.openxmlformats.org/drawingml/2006/main" xmlns:r="http://schemas.openxmlformats.org/officeDocument/2006/relationships" xmlns:p="http://schemas.openxmlformats.org/presentationml/2006/main" showMasterSp="0" showMasterPhAnim="0">
+  <p:cSld>
+    <p:spTree>
+      <p:nvGrpSpPr>
+        <p:cNvPr id="1" name="Shape 278"/>
+        <p:cNvGrpSpPr/>
+        <p:nvPr/>
+      </p:nvGrpSpPr>
+      <p:grpSpPr>
+        <a:xfrm>
+          <a:off x="0" y="0"/>
+          <a:ext cx="0" cy="0"/>
+          <a:chOff x="0" y="0"/>
+          <a:chExt cx="0" cy="0"/>
+        </a:xfrm>
+      </p:grpSpPr>
+      <p:sp>
+        <p:nvSpPr>
+          <p:cNvPr id="279" name="Google Shape;279;p24:notes"/>
+          <p:cNvSpPr>
+            <a:spLocks noGrp="1" noRot="1" noChangeAspect="1"/>
+          </p:cNvSpPr>
+          <p:nvPr>
+            <p:ph type="sldImg" idx="2"/>
+          </p:nvPr>
+        </p:nvSpPr>
+        <p:spPr>
+          <a:xfrm>
+            <a:off x="381000" y="685800"/>
+            <a:ext cx="6096000" cy="3429000"/>
+          </a:xfrm>
+          <a:custGeom>
+            <a:avLst/>
+            <a:gdLst/>
+            <a:ahLst/>
+            <a:cxnLst/>
+            <a:rect l="l" t="t" r="r" b="b"/>
+            <a:pathLst>
+              <a:path w="120000" h="120000" extrusionOk="0">
+                <a:moveTo>
+                  <a:pt x="0" y="0"/>
+                </a:moveTo>
+                <a:lnTo>
+                  <a:pt x="120000" y="0"/>
+                </a:lnTo>
+                <a:lnTo>
+                  <a:pt x="120000" y="120000"/>
+                </a:lnTo>
+                <a:lnTo>
+                  <a:pt x="0" y="120000"/>
+                </a:lnTo>
+                <a:close/>
+              </a:path>
+            </a:pathLst>
+          </a:custGeom>
+          <a:noFill/>
+          <a:ln w="9525" cap="flat" cmpd="sng">
+            <a:solidFill>
+              <a:srgbClr val="000000"/>
+            </a:solidFill>
+            <a:prstDash val="solid"/>
+            <a:round/>
+            <a:headEnd type="none" w="sm" len="sm"/>
+            <a:tailEnd type="none" w="sm" len="sm"/>
+          </a:ln>
+        </p:spPr>
+      </p:sp>
+      <p:sp>
+        <p:nvSpPr>
+          <p:cNvPr id="280" name="Google Shape;280;p24:notes"/>
+          <p:cNvSpPr txBox="1">
+            <a:spLocks noGrp="1"/>
+          </p:cNvSpPr>
+          <p:nvPr>
+            <p:ph type="body" idx="1"/>
+          </p:nvPr>
+        </p:nvSpPr>
+        <p:spPr>
+          <a:xfrm>
+            <a:off x="685800" y="4343400"/>
+            <a:ext cx="5486400" cy="4114800"/>
+          </a:xfrm>
+          <a:prstGeom prst="rect">
+            <a:avLst/>
+          </a:prstGeom>
+          <a:noFill/>
+          <a:ln>
+            <a:noFill/>
+          </a:ln>
+        </p:spPr>
+        <p:txBody>
+          <a:bodyPr spcFirstLastPara="1" wrap="square" lIns="91425" tIns="91425" rIns="91425" bIns="91425" anchor="t" anchorCtr="0">
+            <a:noAutofit/>
+          </a:bodyPr>
+          <a:lstStyle/>
+          <a:p>
+            <a:pPr marL="0" lvl="0" indent="0" algn="l" rtl="0">
+              <a:lnSpc>
+                <a:spcPct val="100000"/>
+              </a:lnSpc>
+              <a:spcBef>
+                <a:spcPts val="0"/>
+              </a:spcBef>
+              <a:spcAft>
+                <a:spcPts val="0"/>
+              </a:spcAft>
+              <a:buSzPts val="1100"/>
+              <a:buNone/>
+            </a:pPr>
+            <a:endParaRPr/>
+          </a:p>
+        </p:txBody>
+      </p:sp>
+    </p:spTree>
+  </p:cSld>
+  <p:clrMapOvr>
+    <a:masterClrMapping/>
+  </p:clrMapOvr>
+</p:notes>
+</file>
+
+<file path=ppt/notesSlides/notesSlide2.xml><?xml version="1.0" encoding="utf-8"?>
+<p:notes xmlns:a="http://schemas.openxmlformats.org/drawingml/2006/main" xmlns:r="http://schemas.openxmlformats.org/officeDocument/2006/relationships" xmlns:p="http://schemas.openxmlformats.org/presentationml/2006/main" showMasterSp="0" showMasterPhAnim="0">
+  <p:cSld>
+    <p:spTree>
+      <p:nvGrpSpPr>
+        <p:cNvPr id="1" name="Shape 69"/>
+        <p:cNvGrpSpPr/>
+        <p:nvPr/>
+      </p:nvGrpSpPr>
+      <p:grpSpPr>
+        <a:xfrm>
+          <a:off x="0" y="0"/>
+          <a:ext cx="0" cy="0"/>
+          <a:chOff x="0" y="0"/>
+          <a:chExt cx="0" cy="0"/>
+        </a:xfrm>
+      </p:grpSpPr>
+      <p:sp>
+        <p:nvSpPr>
+          <p:cNvPr id="70" name="Google Shape;70;p22:notes"/>
           <p:cNvSpPr>
             <a:spLocks noGrp="1" noRot="1" noChangeAspect="1"/>
           </p:cNvSpPr>
@@ -1894,7 +2263,7 @@
       </p:sp>
       <p:sp>
         <p:nvSpPr>
-          <p:cNvPr id="253" name="Google Shape;253;p25:notes"/>
+          <p:cNvPr id="71" name="Google Shape;71;p22:notes"/>
           <p:cNvSpPr txBox="1">
             <a:spLocks noGrp="1"/>
           </p:cNvSpPr>
@@ -1946,12 +2315,12 @@
 </p:notes>
 </file>
 
-<file path=ppt/notesSlides/notesSlide2.xml><?xml version="1.0" encoding="utf-8"?>
+<file path=ppt/notesSlides/notesSlide20.xml><?xml version="1.0" encoding="utf-8"?>
 <p:notes xmlns:a="http://schemas.openxmlformats.org/drawingml/2006/main" xmlns:r="http://schemas.openxmlformats.org/officeDocument/2006/relationships" xmlns:p="http://schemas.openxmlformats.org/presentationml/2006/main" showMasterSp="0" showMasterPhAnim="0">
   <p:cSld>
     <p:spTree>
       <p:nvGrpSpPr>
-        <p:cNvPr id="1" name="Shape 68"/>
+        <p:cNvPr id="1" name="Shape 288"/>
         <p:cNvGrpSpPr/>
         <p:nvPr/>
       </p:nvGrpSpPr>
@@ -1965,7 +2334,7 @@
       </p:grpSpPr>
       <p:sp>
         <p:nvSpPr>
-          <p:cNvPr id="69" name="Google Shape;69;p22:notes"/>
+          <p:cNvPr id="289" name="Google Shape;289;p25:notes"/>
           <p:cNvSpPr>
             <a:spLocks noGrp="1" noRot="1" noChangeAspect="1"/>
           </p:cNvSpPr>
@@ -2016,7 +2385,7 @@
       </p:sp>
       <p:sp>
         <p:nvSpPr>
-          <p:cNvPr id="70" name="Google Shape;70;p22:notes"/>
+          <p:cNvPr id="290" name="Google Shape;290;p25:notes"/>
           <p:cNvSpPr txBox="1">
             <a:spLocks noGrp="1"/>
           </p:cNvSpPr>
@@ -2073,7 +2442,7 @@
   <p:cSld>
     <p:spTree>
       <p:nvGrpSpPr>
-        <p:cNvPr id="1" name="Shape 127"/>
+        <p:cNvPr id="1" name="Shape 128"/>
         <p:cNvGrpSpPr/>
         <p:nvPr/>
       </p:nvGrpSpPr>
@@ -2087,7 +2456,7 @@
       </p:grpSpPr>
       <p:sp>
         <p:nvSpPr>
-          <p:cNvPr id="128" name="Google Shape;128;g36a64a0ae39_1_0:notes"/>
+          <p:cNvPr id="129" name="Google Shape;129;g36a64a0ae39_1_0:notes"/>
           <p:cNvSpPr>
             <a:spLocks noGrp="1" noRot="1" noChangeAspect="1"/>
           </p:cNvSpPr>
@@ -2138,7 +2507,7 @@
       </p:sp>
       <p:sp>
         <p:nvSpPr>
-          <p:cNvPr id="129" name="Google Shape;129;g36a64a0ae39_1_0:notes"/>
+          <p:cNvPr id="130" name="Google Shape;130;g36a64a0ae39_1_0:notes"/>
           <p:cNvSpPr txBox="1">
             <a:spLocks noGrp="1"/>
           </p:cNvSpPr>
@@ -2195,7 +2564,7 @@
   <p:cSld>
     <p:spTree>
       <p:nvGrpSpPr>
-        <p:cNvPr id="1" name="Shape 144"/>
+        <p:cNvPr id="1" name="Shape 145"/>
         <p:cNvGrpSpPr/>
         <p:nvPr/>
       </p:nvGrpSpPr>
@@ -2209,7 +2578,7 @@
       </p:grpSpPr>
       <p:sp>
         <p:nvSpPr>
-          <p:cNvPr id="145" name="Google Shape;145;g362797a481a_1_0:notes"/>
+          <p:cNvPr id="146" name="Google Shape;146;g362797a481a_1_0:notes"/>
           <p:cNvSpPr>
             <a:spLocks noGrp="1" noRot="1" noChangeAspect="1"/>
           </p:cNvSpPr>
@@ -2260,7 +2629,7 @@
       </p:sp>
       <p:sp>
         <p:nvSpPr>
-          <p:cNvPr id="146" name="Google Shape;146;g362797a481a_1_0:notes"/>
+          <p:cNvPr id="147" name="Google Shape;147;g362797a481a_1_0:notes"/>
           <p:cNvSpPr txBox="1">
             <a:spLocks noGrp="1"/>
           </p:cNvSpPr>
@@ -2317,7 +2686,7 @@
   <p:cSld>
     <p:spTree>
       <p:nvGrpSpPr>
-        <p:cNvPr id="1" name="Shape 151"/>
+        <p:cNvPr id="1" name="Shape 152"/>
         <p:cNvGrpSpPr/>
         <p:nvPr/>
       </p:nvGrpSpPr>
@@ -2331,7 +2700,7 @@
       </p:grpSpPr>
       <p:sp>
         <p:nvSpPr>
-          <p:cNvPr id="152" name="Google Shape;152;g362797a481a_1_19:notes"/>
+          <p:cNvPr id="153" name="Google Shape;153;g362797a481a_1_19:notes"/>
           <p:cNvSpPr>
             <a:spLocks noGrp="1" noRot="1" noChangeAspect="1"/>
           </p:cNvSpPr>
@@ -2382,7 +2751,7 @@
       </p:sp>
       <p:sp>
         <p:nvSpPr>
-          <p:cNvPr id="153" name="Google Shape;153;g362797a481a_1_19:notes"/>
+          <p:cNvPr id="154" name="Google Shape;154;g362797a481a_1_19:notes"/>
           <p:cNvSpPr txBox="1">
             <a:spLocks noGrp="1"/>
           </p:cNvSpPr>
@@ -2439,7 +2808,7 @@
   <p:cSld>
     <p:spTree>
       <p:nvGrpSpPr>
-        <p:cNvPr id="1" name="Shape 158"/>
+        <p:cNvPr id="1" name="Shape 159"/>
         <p:cNvGrpSpPr/>
         <p:nvPr/>
       </p:nvGrpSpPr>
@@ -2453,7 +2822,7 @@
       </p:grpSpPr>
       <p:sp>
         <p:nvSpPr>
-          <p:cNvPr id="159" name="Google Shape;159;g35f406ef591_0_5:notes"/>
+          <p:cNvPr id="160" name="Google Shape;160;g35f406ef591_0_5:notes"/>
           <p:cNvSpPr>
             <a:spLocks noGrp="1" noRot="1" noChangeAspect="1"/>
           </p:cNvSpPr>
@@ -2504,7 +2873,7 @@
       </p:sp>
       <p:sp>
         <p:nvSpPr>
-          <p:cNvPr id="160" name="Google Shape;160;g35f406ef591_0_5:notes"/>
+          <p:cNvPr id="161" name="Google Shape;161;g35f406ef591_0_5:notes"/>
           <p:cNvSpPr txBox="1">
             <a:spLocks noGrp="1"/>
           </p:cNvSpPr>
@@ -2561,7 +2930,7 @@
   <p:cSld>
     <p:spTree>
       <p:nvGrpSpPr>
-        <p:cNvPr id="1" name="Shape 164"/>
+        <p:cNvPr id="1" name="Shape 165"/>
         <p:cNvGrpSpPr/>
         <p:nvPr/>
       </p:nvGrpSpPr>
@@ -2575,7 +2944,7 @@
       </p:grpSpPr>
       <p:sp>
         <p:nvSpPr>
-          <p:cNvPr id="165" name="Google Shape;165;g362797a481a_1_26:notes"/>
+          <p:cNvPr id="166" name="Google Shape;166;g362797a481a_1_26:notes"/>
           <p:cNvSpPr>
             <a:spLocks noGrp="1" noRot="1" noChangeAspect="1"/>
           </p:cNvSpPr>
@@ -2626,7 +2995,7 @@
       </p:sp>
       <p:sp>
         <p:nvSpPr>
-          <p:cNvPr id="166" name="Google Shape;166;g362797a481a_1_26:notes"/>
+          <p:cNvPr id="167" name="Google Shape;167;g362797a481a_1_26:notes"/>
           <p:cNvSpPr txBox="1">
             <a:spLocks noGrp="1"/>
           </p:cNvSpPr>
@@ -2683,7 +3052,7 @@
   <p:cSld>
     <p:spTree>
       <p:nvGrpSpPr>
-        <p:cNvPr id="1" name="Shape 176"/>
+        <p:cNvPr id="1" name="Shape 177"/>
         <p:cNvGrpSpPr/>
         <p:nvPr/>
       </p:nvGrpSpPr>
@@ -2697,7 +3066,7 @@
       </p:grpSpPr>
       <p:sp>
         <p:nvSpPr>
-          <p:cNvPr id="177" name="Google Shape;177;g362797a481a_1_39:notes"/>
+          <p:cNvPr id="178" name="Google Shape;178;g362797a481a_1_39:notes"/>
           <p:cNvSpPr>
             <a:spLocks noGrp="1" noRot="1" noChangeAspect="1"/>
           </p:cNvSpPr>
@@ -2748,7 +3117,7 @@
       </p:sp>
       <p:sp>
         <p:nvSpPr>
-          <p:cNvPr id="178" name="Google Shape;178;g362797a481a_1_39:notes"/>
+          <p:cNvPr id="179" name="Google Shape;179;g362797a481a_1_39:notes"/>
           <p:cNvSpPr txBox="1">
             <a:spLocks noGrp="1"/>
           </p:cNvSpPr>
@@ -2805,7 +3174,7 @@
   <p:cSld>
     <p:spTree>
       <p:nvGrpSpPr>
-        <p:cNvPr id="1" name="Shape 187"/>
+        <p:cNvPr id="1" name="Shape 188"/>
         <p:cNvGrpSpPr/>
         <p:nvPr/>
       </p:nvGrpSpPr>
@@ -2819,7 +3188,7 @@
       </p:grpSpPr>
       <p:sp>
         <p:nvSpPr>
-          <p:cNvPr id="188" name="Google Shape;188;g36ab427bab9_1_0:notes"/>
+          <p:cNvPr id="189" name="Google Shape;189;g36ab427bab9_1_0:notes"/>
           <p:cNvSpPr>
             <a:spLocks noGrp="1" noRot="1" noChangeAspect="1"/>
           </p:cNvSpPr>
@@ -2870,7 +3239,7 @@
       </p:sp>
       <p:sp>
         <p:nvSpPr>
-          <p:cNvPr id="189" name="Google Shape;189;g36ab427bab9_1_0:notes"/>
+          <p:cNvPr id="190" name="Google Shape;190;g36ab427bab9_1_0:notes"/>
           <p:cNvSpPr txBox="1">
             <a:spLocks noGrp="1"/>
           </p:cNvSpPr>
@@ -12673,7 +13042,7 @@
         </p:nvSpPr>
         <p:spPr>
           <a:xfrm>
-            <a:off x="3535800" y="-80500"/>
+            <a:off x="2709675" y="-65475"/>
             <a:ext cx="2072400" cy="818700"/>
           </a:xfrm>
           <a:prstGeom prst="rect">
@@ -12905,8 +13274,8 @@
         </p:nvSpPr>
         <p:spPr>
           <a:xfrm>
-            <a:off x="78651" y="2799151"/>
-            <a:ext cx="4420200" cy="1403700"/>
+            <a:off x="78651" y="2722951"/>
+            <a:ext cx="4420200" cy="2327400"/>
           </a:xfrm>
           <a:prstGeom prst="rect">
             <a:avLst/>
@@ -13169,6 +13538,166 @@
               <a:sym typeface="Calibri"/>
             </a:endParaRPr>
           </a:p>
+          <a:p>
+            <a:pPr marL="228600" marR="0" lvl="0" indent="-209550" algn="l" rtl="0">
+              <a:lnSpc>
+                <a:spcPct val="100000"/>
+              </a:lnSpc>
+              <a:spcBef>
+                <a:spcPts val="0"/>
+              </a:spcBef>
+              <a:spcAft>
+                <a:spcPts val="0"/>
+              </a:spcAft>
+              <a:buClr>
+                <a:srgbClr val="3C78D8"/>
+              </a:buClr>
+              <a:buSzPts val="1500"/>
+              <a:buFont typeface="Calibri"/>
+              <a:buChar char="●"/>
+            </a:pPr>
+            <a:r>
+              <a:rPr lang="en" sz="1500" b="1">
+                <a:solidFill>
+                  <a:srgbClr val="3C78D8"/>
+                </a:solidFill>
+                <a:latin typeface="Calibri"/>
+                <a:ea typeface="Calibri"/>
+                <a:cs typeface="Calibri"/>
+                <a:sym typeface="Calibri"/>
+              </a:rPr>
+              <a:t>Meteor-1 Optical Chip Rivals  RTX 4090</a:t>
+            </a:r>
+            <a:endParaRPr sz="1500" b="1">
+              <a:solidFill>
+                <a:srgbClr val="3C78D8"/>
+              </a:solidFill>
+              <a:latin typeface="Calibri"/>
+              <a:ea typeface="Calibri"/>
+              <a:cs typeface="Calibri"/>
+              <a:sym typeface="Calibri"/>
+            </a:endParaRPr>
+          </a:p>
+          <a:p>
+            <a:pPr marL="228600" marR="0" lvl="0" indent="-209550" algn="l" rtl="0">
+              <a:lnSpc>
+                <a:spcPct val="100000"/>
+              </a:lnSpc>
+              <a:spcBef>
+                <a:spcPts val="0"/>
+              </a:spcBef>
+              <a:spcAft>
+                <a:spcPts val="0"/>
+              </a:spcAft>
+              <a:buClr>
+                <a:srgbClr val="3C78D8"/>
+              </a:buClr>
+              <a:buSzPts val="1500"/>
+              <a:buFont typeface="Calibri"/>
+              <a:buChar char="●"/>
+            </a:pPr>
+            <a:r>
+              <a:rPr lang="en" sz="1500" b="1">
+                <a:solidFill>
+                  <a:srgbClr val="3C78D8"/>
+                </a:solidFill>
+                <a:latin typeface="Calibri"/>
+                <a:ea typeface="Calibri"/>
+                <a:cs typeface="Calibri"/>
+                <a:sym typeface="Calibri"/>
+              </a:rPr>
+              <a:t>LLMs allowed to train on copyrighted books</a:t>
+            </a:r>
+            <a:endParaRPr sz="1500" b="1">
+              <a:solidFill>
+                <a:srgbClr val="3C78D8"/>
+              </a:solidFill>
+              <a:latin typeface="Calibri"/>
+              <a:ea typeface="Calibri"/>
+              <a:cs typeface="Calibri"/>
+              <a:sym typeface="Calibri"/>
+            </a:endParaRPr>
+          </a:p>
+          <a:p>
+            <a:pPr marL="228600" marR="0" lvl="0" indent="-209550" algn="l" rtl="0">
+              <a:lnSpc>
+                <a:spcPct val="100000"/>
+              </a:lnSpc>
+              <a:spcBef>
+                <a:spcPts val="0"/>
+              </a:spcBef>
+              <a:spcAft>
+                <a:spcPts val="0"/>
+              </a:spcAft>
+              <a:buClr>
+                <a:srgbClr val="3C78D8"/>
+              </a:buClr>
+              <a:buSzPts val="1500"/>
+              <a:buFont typeface="Calibri"/>
+              <a:buChar char="●"/>
+            </a:pPr>
+            <a:r>
+              <a:rPr lang="en" sz="1500" b="1">
+                <a:solidFill>
+                  <a:srgbClr val="3C78D8"/>
+                </a:solidFill>
+                <a:latin typeface="Calibri"/>
+                <a:ea typeface="Calibri"/>
+                <a:cs typeface="Calibri"/>
+                <a:sym typeface="Calibri"/>
+              </a:rPr>
+              <a:t>Chrome browser AI Extension for arXiv, ...</a:t>
+            </a:r>
+            <a:endParaRPr sz="1500" b="1">
+              <a:solidFill>
+                <a:srgbClr val="3C78D8"/>
+              </a:solidFill>
+              <a:latin typeface="Calibri"/>
+              <a:ea typeface="Calibri"/>
+              <a:cs typeface="Calibri"/>
+              <a:sym typeface="Calibri"/>
+            </a:endParaRPr>
+          </a:p>
+          <a:p>
+            <a:pPr marL="228600" marR="0" lvl="0" indent="-209550" algn="l" rtl="0">
+              <a:lnSpc>
+                <a:spcPct val="100000"/>
+              </a:lnSpc>
+              <a:spcBef>
+                <a:spcPts val="0"/>
+              </a:spcBef>
+              <a:spcAft>
+                <a:spcPts val="0"/>
+              </a:spcAft>
+              <a:buClr>
+                <a:srgbClr val="3C78D8"/>
+              </a:buClr>
+              <a:buSzPts val="1500"/>
+              <a:buFont typeface="Calibri"/>
+              <a:buChar char="●"/>
+            </a:pPr>
+            <a:r>
+              <a:rPr lang="en" sz="1500" b="1">
+                <a:solidFill>
+                  <a:srgbClr val="3C78D8"/>
+                </a:solidFill>
+                <a:latin typeface="Calibri"/>
+                <a:ea typeface="Calibri"/>
+                <a:cs typeface="Calibri"/>
+                <a:sym typeface="Calibri"/>
+              </a:rPr>
+              <a:t>Gemini CLI open-source AI agent</a:t>
+            </a:r>
+            <a:endParaRPr sz="1500" b="1">
+              <a:solidFill>
+                <a:srgbClr val="3C78D8"/>
+              </a:solidFill>
+              <a:latin typeface="Calibri"/>
+              <a:ea typeface="Calibri"/>
+              <a:cs typeface="Calibri"/>
+              <a:sym typeface="Calibri"/>
+            </a:endParaRPr>
+          </a:p>
         </p:txBody>
       </p:sp>
       <p:sp>
@@ -13180,7 +13709,7 @@
         <p:spPr>
           <a:xfrm>
             <a:off x="4576975" y="787808"/>
-            <a:ext cx="4502400" cy="1403700"/>
+            <a:ext cx="4502400" cy="2558100"/>
           </a:xfrm>
           <a:prstGeom prst="rect">
             <a:avLst/>
@@ -13231,6 +13760,206 @@
                 <a:cs typeface="Calibri"/>
                 <a:sym typeface="Calibri"/>
               </a:rPr>
+              <a:t>Google donates A2A to Linux Foundation</a:t>
+            </a:r>
+            <a:endParaRPr sz="1500" b="1">
+              <a:solidFill>
+                <a:srgbClr val="3C78D8"/>
+              </a:solidFill>
+              <a:latin typeface="Calibri"/>
+              <a:ea typeface="Calibri"/>
+              <a:cs typeface="Calibri"/>
+              <a:sym typeface="Calibri"/>
+            </a:endParaRPr>
+          </a:p>
+          <a:p>
+            <a:pPr marL="228600" marR="0" lvl="0" indent="-209550" algn="l" rtl="0">
+              <a:lnSpc>
+                <a:spcPct val="100000"/>
+              </a:lnSpc>
+              <a:spcBef>
+                <a:spcPts val="0"/>
+              </a:spcBef>
+              <a:spcAft>
+                <a:spcPts val="0"/>
+              </a:spcAft>
+              <a:buClr>
+                <a:srgbClr val="3C78D8"/>
+              </a:buClr>
+              <a:buSzPts val="1500"/>
+              <a:buFont typeface="Calibri"/>
+              <a:buChar char="●"/>
+            </a:pPr>
+            <a:r>
+              <a:rPr lang="en" sz="1500" b="1">
+                <a:solidFill>
+                  <a:srgbClr val="3C78D8"/>
+                </a:solidFill>
+                <a:latin typeface="Calibri"/>
+                <a:ea typeface="Calibri"/>
+                <a:cs typeface="Calibri"/>
+                <a:sym typeface="Calibri"/>
+              </a:rPr>
+              <a:t>Warp - AI agents in terminal</a:t>
+            </a:r>
+            <a:endParaRPr sz="1500" b="1">
+              <a:solidFill>
+                <a:srgbClr val="3C78D8"/>
+              </a:solidFill>
+              <a:latin typeface="Calibri"/>
+              <a:ea typeface="Calibri"/>
+              <a:cs typeface="Calibri"/>
+              <a:sym typeface="Calibri"/>
+            </a:endParaRPr>
+          </a:p>
+          <a:p>
+            <a:pPr marL="228600" marR="0" lvl="0" indent="-209550" algn="l" rtl="0">
+              <a:lnSpc>
+                <a:spcPct val="100000"/>
+              </a:lnSpc>
+              <a:spcBef>
+                <a:spcPts val="0"/>
+              </a:spcBef>
+              <a:spcAft>
+                <a:spcPts val="0"/>
+              </a:spcAft>
+              <a:buClr>
+                <a:srgbClr val="3C78D8"/>
+              </a:buClr>
+              <a:buSzPts val="1500"/>
+              <a:buFont typeface="Calibri"/>
+              <a:buChar char="●"/>
+            </a:pPr>
+            <a:r>
+              <a:rPr lang="en" sz="1500" b="1">
+                <a:solidFill>
+                  <a:srgbClr val="3C78D8"/>
+                </a:solidFill>
+                <a:latin typeface="Calibri"/>
+                <a:ea typeface="Calibri"/>
+                <a:cs typeface="Calibri"/>
+                <a:sym typeface="Calibri"/>
+              </a:rPr>
+              <a:t>Microsoft Mu - on-device Agent in Windows </a:t>
+            </a:r>
+            <a:endParaRPr sz="1500" b="1">
+              <a:solidFill>
+                <a:srgbClr val="3C78D8"/>
+              </a:solidFill>
+              <a:latin typeface="Calibri"/>
+              <a:ea typeface="Calibri"/>
+              <a:cs typeface="Calibri"/>
+              <a:sym typeface="Calibri"/>
+            </a:endParaRPr>
+          </a:p>
+          <a:p>
+            <a:pPr marL="228600" marR="0" lvl="0" indent="-209550" algn="l" rtl="0">
+              <a:lnSpc>
+                <a:spcPct val="100000"/>
+              </a:lnSpc>
+              <a:spcBef>
+                <a:spcPts val="0"/>
+              </a:spcBef>
+              <a:spcAft>
+                <a:spcPts val="0"/>
+              </a:spcAft>
+              <a:buClr>
+                <a:srgbClr val="3C78D8"/>
+              </a:buClr>
+              <a:buSzPts val="1500"/>
+              <a:buFont typeface="Calibri"/>
+              <a:buChar char="●"/>
+            </a:pPr>
+            <a:r>
+              <a:rPr lang="en" sz="1500" b="1">
+                <a:solidFill>
+                  <a:srgbClr val="3C78D8"/>
+                </a:solidFill>
+                <a:latin typeface="Calibri"/>
+                <a:ea typeface="Calibri"/>
+                <a:cs typeface="Calibri"/>
+                <a:sym typeface="Calibri"/>
+              </a:rPr>
+              <a:t>Google DeepMind Gemini Robotics</a:t>
+            </a:r>
+            <a:endParaRPr sz="1500" b="1">
+              <a:solidFill>
+                <a:srgbClr val="3C78D8"/>
+              </a:solidFill>
+              <a:latin typeface="Calibri"/>
+              <a:ea typeface="Calibri"/>
+              <a:cs typeface="Calibri"/>
+              <a:sym typeface="Calibri"/>
+            </a:endParaRPr>
+          </a:p>
+          <a:p>
+            <a:pPr marL="228600" marR="0" lvl="0" indent="-209550" algn="l" rtl="0">
+              <a:lnSpc>
+                <a:spcPct val="100000"/>
+              </a:lnSpc>
+              <a:spcBef>
+                <a:spcPts val="0"/>
+              </a:spcBef>
+              <a:spcAft>
+                <a:spcPts val="0"/>
+              </a:spcAft>
+              <a:buClr>
+                <a:srgbClr val="3C78D8"/>
+              </a:buClr>
+              <a:buSzPts val="1500"/>
+              <a:buFont typeface="Calibri"/>
+              <a:buChar char="●"/>
+            </a:pPr>
+            <a:r>
+              <a:rPr lang="en" sz="1500" b="1">
+                <a:solidFill>
+                  <a:srgbClr val="3C78D8"/>
+                </a:solidFill>
+                <a:latin typeface="Calibri"/>
+                <a:ea typeface="Calibri"/>
+                <a:cs typeface="Calibri"/>
+                <a:sym typeface="Calibri"/>
+              </a:rPr>
+              <a:t>ElevenLabs 11ai voice assistant</a:t>
+            </a:r>
+            <a:endParaRPr sz="1500" b="1">
+              <a:solidFill>
+                <a:srgbClr val="3C78D8"/>
+              </a:solidFill>
+              <a:latin typeface="Calibri"/>
+              <a:ea typeface="Calibri"/>
+              <a:cs typeface="Calibri"/>
+              <a:sym typeface="Calibri"/>
+            </a:endParaRPr>
+          </a:p>
+          <a:p>
+            <a:pPr marL="228600" marR="0" lvl="0" indent="-209550" algn="l" rtl="0">
+              <a:lnSpc>
+                <a:spcPct val="100000"/>
+              </a:lnSpc>
+              <a:spcBef>
+                <a:spcPts val="0"/>
+              </a:spcBef>
+              <a:spcAft>
+                <a:spcPts val="0"/>
+              </a:spcAft>
+              <a:buClr>
+                <a:srgbClr val="3C78D8"/>
+              </a:buClr>
+              <a:buSzPts val="1500"/>
+              <a:buFont typeface="Calibri"/>
+              <a:buChar char="●"/>
+            </a:pPr>
+            <a:r>
+              <a:rPr lang="en" sz="1500" b="1">
+                <a:solidFill>
+                  <a:srgbClr val="3C78D8"/>
+                </a:solidFill>
+                <a:latin typeface="Calibri"/>
+                <a:ea typeface="Calibri"/>
+                <a:cs typeface="Calibri"/>
+                <a:sym typeface="Calibri"/>
+              </a:rPr>
               <a:t>UC Berkeley CyberGym</a:t>
             </a:r>
             <a:endParaRPr sz="1500" b="1">
@@ -13424,6 +14153,72 @@
             <a:endParaRPr sz="1500" b="1">
               <a:solidFill>
                 <a:srgbClr val="3C78D8"/>
+              </a:solidFill>
+              <a:latin typeface="Calibri"/>
+              <a:ea typeface="Calibri"/>
+              <a:cs typeface="Calibri"/>
+              <a:sym typeface="Calibri"/>
+            </a:endParaRPr>
+          </a:p>
+        </p:txBody>
+      </p:sp>
+      <p:sp>
+        <p:nvSpPr>
+          <p:cNvPr id="68" name="Google Shape;68;p15"/>
+          <p:cNvSpPr txBox="1"/>
+          <p:nvPr/>
+        </p:nvSpPr>
+        <p:spPr>
+          <a:xfrm>
+            <a:off x="5325500" y="57525"/>
+            <a:ext cx="3303600" cy="572700"/>
+          </a:xfrm>
+          <a:prstGeom prst="rect">
+            <a:avLst/>
+          </a:prstGeom>
+          <a:noFill/>
+          <a:ln>
+            <a:noFill/>
+          </a:ln>
+        </p:spPr>
+        <p:txBody>
+          <a:bodyPr spcFirstLastPara="1" wrap="square" lIns="9125" tIns="9125" rIns="9125" bIns="9125" anchor="t" anchorCtr="0">
+            <a:spAutoFit/>
+          </a:bodyPr>
+          <a:lstStyle/>
+          <a:p>
+            <a:pPr marL="0" marR="0" lvl="0" indent="0" algn="ctr" rtl="0">
+              <a:lnSpc>
+                <a:spcPct val="100000"/>
+              </a:lnSpc>
+              <a:spcBef>
+                <a:spcPts val="0"/>
+              </a:spcBef>
+              <a:spcAft>
+                <a:spcPts val="0"/>
+              </a:spcAft>
+              <a:buClr>
+                <a:srgbClr val="000000"/>
+              </a:buClr>
+              <a:buSzPts val="3600"/>
+              <a:buFont typeface="Arial"/>
+              <a:buNone/>
+            </a:pPr>
+            <a:r>
+              <a:rPr lang="en" sz="1800" b="1">
+                <a:solidFill>
+                  <a:srgbClr val="FF0000"/>
+                </a:solidFill>
+                <a:latin typeface="Calibri"/>
+                <a:ea typeface="Calibri"/>
+                <a:cs typeface="Calibri"/>
+                <a:sym typeface="Calibri"/>
+              </a:rPr>
+              <a:t>AI is not perfect, It makes errors. But still it is a major amplifier</a:t>
+            </a:r>
+            <a:endParaRPr sz="1800" b="1" i="0" u="none" strike="noStrike" cap="none">
+              <a:solidFill>
+                <a:srgbClr val="FF0000"/>
               </a:solidFill>
               <a:latin typeface="Calibri"/>
               <a:ea typeface="Calibri"/>
@@ -13446,7 +14241,7 @@
   <p:cSld>
     <p:spTree>
       <p:nvGrpSpPr>
-        <p:cNvPr id="1" name="Shape 199"/>
+        <p:cNvPr id="1" name="Shape 202"/>
         <p:cNvGrpSpPr/>
         <p:nvPr/>
       </p:nvGrpSpPr>
@@ -13460,7 +14255,2432 @@
       </p:grpSpPr>
       <p:sp>
         <p:nvSpPr>
-          <p:cNvPr id="200" name="Google Shape;200;p24"/>
+          <p:cNvPr id="203" name="Google Shape;203;p24"/>
+          <p:cNvSpPr txBox="1"/>
+          <p:nvPr/>
+        </p:nvSpPr>
+        <p:spPr>
+          <a:xfrm>
+            <a:off x="55075" y="-23450"/>
+            <a:ext cx="1961400" cy="326400"/>
+          </a:xfrm>
+          <a:prstGeom prst="rect">
+            <a:avLst/>
+          </a:prstGeom>
+          <a:noFill/>
+          <a:ln>
+            <a:noFill/>
+          </a:ln>
+        </p:spPr>
+        <p:txBody>
+          <a:bodyPr spcFirstLastPara="1" wrap="square" lIns="9125" tIns="9125" rIns="9125" bIns="9125" anchor="t" anchorCtr="0">
+            <a:spAutoFit/>
+          </a:bodyPr>
+          <a:lstStyle/>
+          <a:p>
+            <a:pPr marL="0" marR="0" lvl="0" indent="0" algn="l" rtl="0">
+              <a:lnSpc>
+                <a:spcPct val="100000"/>
+              </a:lnSpc>
+              <a:spcBef>
+                <a:spcPts val="0"/>
+              </a:spcBef>
+              <a:spcAft>
+                <a:spcPts val="0"/>
+              </a:spcAft>
+              <a:buClr>
+                <a:schemeClr val="dk1"/>
+              </a:buClr>
+              <a:buSzPts val="1100"/>
+              <a:buFont typeface="Arial"/>
+              <a:buNone/>
+            </a:pPr>
+            <a:r>
+              <a:rPr lang="en" sz="2000" b="1">
+                <a:solidFill>
+                  <a:schemeClr val="dk1"/>
+                </a:solidFill>
+                <a:latin typeface="Calibri"/>
+                <a:ea typeface="Calibri"/>
+                <a:cs typeface="Calibri"/>
+                <a:sym typeface="Calibri"/>
+              </a:rPr>
+              <a:t>AI Updates 4</a:t>
+            </a:r>
+            <a:endParaRPr sz="2000" b="1" i="0" u="none" strike="noStrike" cap="none">
+              <a:solidFill>
+                <a:schemeClr val="dk1"/>
+              </a:solidFill>
+              <a:latin typeface="Calibri"/>
+              <a:ea typeface="Calibri"/>
+              <a:cs typeface="Calibri"/>
+              <a:sym typeface="Calibri"/>
+            </a:endParaRPr>
+          </a:p>
+        </p:txBody>
+      </p:sp>
+      <p:sp>
+        <p:nvSpPr>
+          <p:cNvPr id="204" name="Google Shape;204;p24"/>
+          <p:cNvSpPr txBox="1"/>
+          <p:nvPr/>
+        </p:nvSpPr>
+        <p:spPr>
+          <a:xfrm>
+            <a:off x="80275" y="392875"/>
+            <a:ext cx="4446000" cy="2050200"/>
+          </a:xfrm>
+          <a:prstGeom prst="rect">
+            <a:avLst/>
+          </a:prstGeom>
+          <a:solidFill>
+            <a:srgbClr val="FFF2CC"/>
+          </a:solidFill>
+          <a:ln w="9525" cap="flat" cmpd="sng">
+            <a:solidFill>
+              <a:srgbClr val="FF0000"/>
+            </a:solidFill>
+            <a:prstDash val="solid"/>
+            <a:round/>
+            <a:headEnd type="none" w="sm" len="sm"/>
+            <a:tailEnd type="none" w="sm" len="sm"/>
+          </a:ln>
+        </p:spPr>
+        <p:txBody>
+          <a:bodyPr spcFirstLastPara="1" wrap="square" lIns="9125" tIns="9125" rIns="9125" bIns="9125" anchor="t" anchorCtr="0">
+            <a:spAutoFit/>
+          </a:bodyPr>
+          <a:lstStyle/>
+          <a:p>
+            <a:pPr marL="171450" marR="0" lvl="0" indent="-133350" algn="l" rtl="0">
+              <a:lnSpc>
+                <a:spcPct val="100000"/>
+              </a:lnSpc>
+              <a:spcBef>
+                <a:spcPts val="0"/>
+              </a:spcBef>
+              <a:spcAft>
+                <a:spcPts val="0"/>
+              </a:spcAft>
+              <a:buClr>
+                <a:srgbClr val="FF0000"/>
+              </a:buClr>
+              <a:buSzPts val="1200"/>
+              <a:buFont typeface="Calibri"/>
+              <a:buChar char="●"/>
+            </a:pPr>
+            <a:r>
+              <a:rPr lang="en" sz="1200" b="1">
+                <a:solidFill>
+                  <a:srgbClr val="FF0000"/>
+                </a:solidFill>
+                <a:latin typeface="Calibri"/>
+                <a:ea typeface="Calibri"/>
+                <a:cs typeface="Calibri"/>
+                <a:sym typeface="Calibri"/>
+              </a:rPr>
+              <a:t>LLMs allowed to train on copyrighted books</a:t>
+            </a:r>
+            <a:endParaRPr sz="1200" b="1">
+              <a:solidFill>
+                <a:srgbClr val="FF0000"/>
+              </a:solidFill>
+              <a:latin typeface="Calibri"/>
+              <a:ea typeface="Calibri"/>
+              <a:cs typeface="Calibri"/>
+              <a:sym typeface="Calibri"/>
+            </a:endParaRPr>
+          </a:p>
+          <a:p>
+            <a:pPr marL="171450" marR="0" lvl="0" indent="-133350" algn="l" rtl="0">
+              <a:lnSpc>
+                <a:spcPct val="100000"/>
+              </a:lnSpc>
+              <a:spcBef>
+                <a:spcPts val="0"/>
+              </a:spcBef>
+              <a:spcAft>
+                <a:spcPts val="0"/>
+              </a:spcAft>
+              <a:buClr>
+                <a:schemeClr val="dk1"/>
+              </a:buClr>
+              <a:buSzPts val="1200"/>
+              <a:buFont typeface="Calibri"/>
+              <a:buChar char="●"/>
+            </a:pPr>
+            <a:r>
+              <a:rPr lang="en" sz="1200">
+                <a:solidFill>
+                  <a:schemeClr val="dk1"/>
+                </a:solidFill>
+                <a:latin typeface="Calibri"/>
+                <a:ea typeface="Calibri"/>
+                <a:cs typeface="Calibri"/>
+                <a:sym typeface="Calibri"/>
+              </a:rPr>
+              <a:t>US District Court ruled that training LLMs on copyrighted books constitutes fair use</a:t>
+            </a:r>
+            <a:endParaRPr sz="1200">
+              <a:solidFill>
+                <a:schemeClr val="dk1"/>
+              </a:solidFill>
+              <a:latin typeface="Calibri"/>
+              <a:ea typeface="Calibri"/>
+              <a:cs typeface="Calibri"/>
+              <a:sym typeface="Calibri"/>
+            </a:endParaRPr>
+          </a:p>
+          <a:p>
+            <a:pPr marL="171450" marR="0" lvl="0" indent="-133350" algn="l" rtl="0">
+              <a:lnSpc>
+                <a:spcPct val="100000"/>
+              </a:lnSpc>
+              <a:spcBef>
+                <a:spcPts val="0"/>
+              </a:spcBef>
+              <a:spcAft>
+                <a:spcPts val="0"/>
+              </a:spcAft>
+              <a:buClr>
+                <a:schemeClr val="dk1"/>
+              </a:buClr>
+              <a:buSzPts val="1200"/>
+              <a:buFont typeface="Calibri"/>
+              <a:buChar char="●"/>
+            </a:pPr>
+            <a:r>
+              <a:rPr lang="en" sz="1200">
+                <a:solidFill>
+                  <a:schemeClr val="dk1"/>
+                </a:solidFill>
+                <a:latin typeface="Calibri"/>
+                <a:ea typeface="Calibri"/>
+                <a:cs typeface="Calibri"/>
+                <a:sym typeface="Calibri"/>
+              </a:rPr>
+              <a:t>A number of authors had filed suit against Anthropic for training its models on their books without permission</a:t>
+            </a:r>
+            <a:endParaRPr sz="1200">
+              <a:solidFill>
+                <a:schemeClr val="dk1"/>
+              </a:solidFill>
+              <a:latin typeface="Calibri"/>
+              <a:ea typeface="Calibri"/>
+              <a:cs typeface="Calibri"/>
+              <a:sym typeface="Calibri"/>
+            </a:endParaRPr>
+          </a:p>
+          <a:p>
+            <a:pPr marL="171450" marR="0" lvl="0" indent="-133350" algn="l" rtl="0">
+              <a:lnSpc>
+                <a:spcPct val="100000"/>
+              </a:lnSpc>
+              <a:spcBef>
+                <a:spcPts val="0"/>
+              </a:spcBef>
+              <a:spcAft>
+                <a:spcPts val="0"/>
+              </a:spcAft>
+              <a:buClr>
+                <a:schemeClr val="dk1"/>
+              </a:buClr>
+              <a:buSzPts val="1200"/>
+              <a:buFont typeface="Calibri"/>
+              <a:buChar char="●"/>
+            </a:pPr>
+            <a:r>
+              <a:rPr lang="en" sz="1200">
+                <a:solidFill>
+                  <a:schemeClr val="dk1"/>
+                </a:solidFill>
+                <a:latin typeface="Calibri"/>
+                <a:ea typeface="Calibri"/>
+                <a:cs typeface="Calibri"/>
+                <a:sym typeface="Calibri"/>
+              </a:rPr>
+              <a:t>The judge concluded that it is fair use for AI models to read books the same way people do</a:t>
+            </a:r>
+            <a:endParaRPr sz="1200">
+              <a:solidFill>
+                <a:schemeClr val="dk1"/>
+              </a:solidFill>
+              <a:latin typeface="Calibri"/>
+              <a:ea typeface="Calibri"/>
+              <a:cs typeface="Calibri"/>
+              <a:sym typeface="Calibri"/>
+            </a:endParaRPr>
+          </a:p>
+          <a:p>
+            <a:pPr marL="171450" marR="0" lvl="0" indent="-133350" algn="l" rtl="0">
+              <a:lnSpc>
+                <a:spcPct val="100000"/>
+              </a:lnSpc>
+              <a:spcBef>
+                <a:spcPts val="0"/>
+              </a:spcBef>
+              <a:spcAft>
+                <a:spcPts val="0"/>
+              </a:spcAft>
+              <a:buClr>
+                <a:schemeClr val="dk1"/>
+              </a:buClr>
+              <a:buSzPts val="1200"/>
+              <a:buFont typeface="Calibri"/>
+              <a:buChar char="●"/>
+            </a:pPr>
+            <a:r>
+              <a:rPr lang="en" sz="1200">
+                <a:solidFill>
+                  <a:schemeClr val="dk1"/>
+                </a:solidFill>
+                <a:latin typeface="Calibri"/>
+                <a:ea typeface="Calibri"/>
+                <a:cs typeface="Calibri"/>
+                <a:sym typeface="Calibri"/>
+              </a:rPr>
+              <a:t>Judge wrote that the authors’ lawsuit against anthropic is “no different than it would be if they complained that training school children to write well would result in an explosion of competing works.” </a:t>
+            </a:r>
+            <a:endParaRPr sz="1200">
+              <a:solidFill>
+                <a:schemeClr val="dk1"/>
+              </a:solidFill>
+              <a:latin typeface="Calibri"/>
+              <a:ea typeface="Calibri"/>
+              <a:cs typeface="Calibri"/>
+              <a:sym typeface="Calibri"/>
+            </a:endParaRPr>
+          </a:p>
+        </p:txBody>
+      </p:sp>
+      <p:pic>
+        <p:nvPicPr>
+          <p:cNvPr id="205" name="Google Shape;205;p24"/>
+          <p:cNvPicPr preferRelativeResize="0"/>
+          <p:nvPr/>
+        </p:nvPicPr>
+        <p:blipFill>
+          <a:blip r:embed="rId3" cstate="email">
+            <a:alphaModFix/>
+            <a:extLst>
+              <a:ext uri="{28A0092B-C50C-407E-A947-70E740481C1C}">
+                <a14:useLocalDpi xmlns:a14="http://schemas.microsoft.com/office/drawing/2010/main"/>
+              </a:ext>
+            </a:extLst>
+          </a:blip>
+          <a:stretch>
+            <a:fillRect/>
+          </a:stretch>
+        </p:blipFill>
+        <p:spPr>
+          <a:xfrm>
+            <a:off x="4678675" y="392875"/>
+            <a:ext cx="2050199" cy="2050199"/>
+          </a:xfrm>
+          <a:prstGeom prst="rect">
+            <a:avLst/>
+          </a:prstGeom>
+          <a:noFill/>
+          <a:ln w="9525" cap="flat" cmpd="sng">
+            <a:solidFill>
+              <a:srgbClr val="FF0000"/>
+            </a:solidFill>
+            <a:prstDash val="solid"/>
+            <a:round/>
+            <a:headEnd type="none" w="sm" len="sm"/>
+            <a:tailEnd type="none" w="sm" len="sm"/>
+          </a:ln>
+        </p:spPr>
+      </p:pic>
+      <p:sp>
+        <p:nvSpPr>
+          <p:cNvPr id="206" name="Google Shape;206;p24"/>
+          <p:cNvSpPr txBox="1"/>
+          <p:nvPr/>
+        </p:nvSpPr>
+        <p:spPr>
+          <a:xfrm>
+            <a:off x="80275" y="2491308"/>
+            <a:ext cx="4446000" cy="1434600"/>
+          </a:xfrm>
+          <a:prstGeom prst="rect">
+            <a:avLst/>
+          </a:prstGeom>
+          <a:solidFill>
+            <a:srgbClr val="FFF2CC"/>
+          </a:solidFill>
+          <a:ln w="9525" cap="flat" cmpd="sng">
+            <a:solidFill>
+              <a:srgbClr val="FF0000"/>
+            </a:solidFill>
+            <a:prstDash val="solid"/>
+            <a:round/>
+            <a:headEnd type="none" w="sm" len="sm"/>
+            <a:tailEnd type="none" w="sm" len="sm"/>
+          </a:ln>
+        </p:spPr>
+        <p:txBody>
+          <a:bodyPr spcFirstLastPara="1" wrap="square" lIns="9125" tIns="9125" rIns="9125" bIns="9125" anchor="t" anchorCtr="0">
+            <a:spAutoFit/>
+          </a:bodyPr>
+          <a:lstStyle/>
+          <a:p>
+            <a:pPr marL="171450" marR="0" lvl="0" indent="-133350" algn="l" rtl="0">
+              <a:lnSpc>
+                <a:spcPct val="100000"/>
+              </a:lnSpc>
+              <a:spcBef>
+                <a:spcPts val="0"/>
+              </a:spcBef>
+              <a:spcAft>
+                <a:spcPts val="0"/>
+              </a:spcAft>
+              <a:buClr>
+                <a:srgbClr val="FF0000"/>
+              </a:buClr>
+              <a:buSzPts val="1200"/>
+              <a:buFont typeface="Calibri"/>
+              <a:buChar char="●"/>
+            </a:pPr>
+            <a:r>
+              <a:rPr lang="en" sz="1200" b="1">
+                <a:solidFill>
+                  <a:srgbClr val="FF0000"/>
+                </a:solidFill>
+                <a:latin typeface="Calibri"/>
+                <a:ea typeface="Calibri"/>
+                <a:cs typeface="Calibri"/>
+                <a:sym typeface="Calibri"/>
+              </a:rPr>
+              <a:t>Chrome browser AI Extension for arXiv, ...</a:t>
+            </a:r>
+            <a:endParaRPr sz="1200">
+              <a:solidFill>
+                <a:schemeClr val="dk1"/>
+              </a:solidFill>
+              <a:latin typeface="Calibri"/>
+              <a:ea typeface="Calibri"/>
+              <a:cs typeface="Calibri"/>
+              <a:sym typeface="Calibri"/>
+            </a:endParaRPr>
+          </a:p>
+          <a:p>
+            <a:pPr marL="171450" marR="0" lvl="0" indent="-133350" algn="l" rtl="0">
+              <a:lnSpc>
+                <a:spcPct val="100000"/>
+              </a:lnSpc>
+              <a:spcBef>
+                <a:spcPts val="0"/>
+              </a:spcBef>
+              <a:spcAft>
+                <a:spcPts val="0"/>
+              </a:spcAft>
+              <a:buClr>
+                <a:schemeClr val="dk1"/>
+              </a:buClr>
+              <a:buSzPts val="1200"/>
+              <a:buFont typeface="Calibri"/>
+              <a:buChar char="●"/>
+            </a:pPr>
+            <a:r>
+              <a:rPr lang="en" sz="1200">
+                <a:solidFill>
+                  <a:schemeClr val="dk1"/>
+                </a:solidFill>
+                <a:latin typeface="Calibri"/>
+                <a:ea typeface="Calibri"/>
+                <a:cs typeface="Calibri"/>
+                <a:sym typeface="Calibri"/>
+              </a:rPr>
+              <a:t>Chat with AI on top of (pdf) documents. Highlight any section of the paper and "@" other papers to quickly add context and compare results, benchmarks, etc</a:t>
+            </a:r>
+            <a:endParaRPr sz="1200">
+              <a:solidFill>
+                <a:schemeClr val="dk1"/>
+              </a:solidFill>
+              <a:latin typeface="Calibri"/>
+              <a:ea typeface="Calibri"/>
+              <a:cs typeface="Calibri"/>
+              <a:sym typeface="Calibri"/>
+            </a:endParaRPr>
+          </a:p>
+          <a:p>
+            <a:pPr marL="171450" marR="0" lvl="0" indent="-133350" algn="l" rtl="0">
+              <a:lnSpc>
+                <a:spcPct val="100000"/>
+              </a:lnSpc>
+              <a:spcBef>
+                <a:spcPts val="0"/>
+              </a:spcBef>
+              <a:spcAft>
+                <a:spcPts val="0"/>
+              </a:spcAft>
+              <a:buClr>
+                <a:schemeClr val="dk1"/>
+              </a:buClr>
+              <a:buSzPts val="1200"/>
+              <a:buFont typeface="Calibri"/>
+              <a:buChar char="●"/>
+            </a:pPr>
+            <a:r>
+              <a:rPr lang="en" sz="1200">
+                <a:solidFill>
+                  <a:schemeClr val="dk1"/>
+                </a:solidFill>
+                <a:latin typeface="Calibri"/>
+                <a:ea typeface="Calibri"/>
+                <a:cs typeface="Calibri"/>
+                <a:sym typeface="Calibri"/>
+              </a:rPr>
+              <a:t>Generate beautiful research blogs with figures, key insights, and clear explanations from the paper with just one click</a:t>
+            </a:r>
+            <a:endParaRPr sz="1200">
+              <a:solidFill>
+                <a:schemeClr val="dk1"/>
+              </a:solidFill>
+              <a:latin typeface="Calibri"/>
+              <a:ea typeface="Calibri"/>
+              <a:cs typeface="Calibri"/>
+              <a:sym typeface="Calibri"/>
+            </a:endParaRPr>
+          </a:p>
+          <a:p>
+            <a:pPr marL="171450" marR="0" lvl="0" indent="-133350" algn="l" rtl="0">
+              <a:lnSpc>
+                <a:spcPct val="100000"/>
+              </a:lnSpc>
+              <a:spcBef>
+                <a:spcPts val="0"/>
+              </a:spcBef>
+              <a:spcAft>
+                <a:spcPts val="0"/>
+              </a:spcAft>
+              <a:buClr>
+                <a:schemeClr val="dk1"/>
+              </a:buClr>
+              <a:buSzPts val="1200"/>
+              <a:buFont typeface="Calibri"/>
+              <a:buChar char="●"/>
+            </a:pPr>
+            <a:r>
+              <a:rPr lang="en" sz="1200">
+                <a:solidFill>
+                  <a:schemeClr val="dk1"/>
+                </a:solidFill>
+                <a:latin typeface="Calibri"/>
+                <a:ea typeface="Calibri"/>
+                <a:cs typeface="Calibri"/>
+                <a:sym typeface="Calibri"/>
+              </a:rPr>
+              <a:t>Read in multiple languages; BibTex citations automatically generated</a:t>
+            </a:r>
+            <a:endParaRPr sz="900">
+              <a:solidFill>
+                <a:schemeClr val="dk1"/>
+              </a:solidFill>
+              <a:latin typeface="Calibri"/>
+              <a:ea typeface="Calibri"/>
+              <a:cs typeface="Calibri"/>
+              <a:sym typeface="Calibri"/>
+            </a:endParaRPr>
+          </a:p>
+          <a:p>
+            <a:pPr marL="171450" marR="0" lvl="0" indent="-107950" algn="l" rtl="0">
+              <a:lnSpc>
+                <a:spcPct val="100000"/>
+              </a:lnSpc>
+              <a:spcBef>
+                <a:spcPts val="0"/>
+              </a:spcBef>
+              <a:spcAft>
+                <a:spcPts val="0"/>
+              </a:spcAft>
+              <a:buClr>
+                <a:schemeClr val="dk1"/>
+              </a:buClr>
+              <a:buSzPts val="800"/>
+              <a:buFont typeface="Calibri"/>
+              <a:buChar char="●"/>
+            </a:pPr>
+            <a:r>
+              <a:rPr lang="en" sz="800" u="sng">
+                <a:solidFill>
+                  <a:schemeClr val="hlink"/>
+                </a:solidFill>
+                <a:latin typeface="Calibri"/>
+                <a:ea typeface="Calibri"/>
+                <a:cs typeface="Calibri"/>
+                <a:sym typeface="Calibri"/>
+                <a:hlinkClick r:id="rId4"/>
+              </a:rPr>
+              <a:t>https://chromewebstore.google.com/detail/alphaxiv-understand-resea/liihfcjialakefgidmaadhajjikbjjab</a:t>
+            </a:r>
+            <a:r>
+              <a:rPr lang="en" sz="800">
+                <a:solidFill>
+                  <a:schemeClr val="dk1"/>
+                </a:solidFill>
+                <a:latin typeface="Calibri"/>
+                <a:ea typeface="Calibri"/>
+                <a:cs typeface="Calibri"/>
+                <a:sym typeface="Calibri"/>
+              </a:rPr>
+              <a:t> </a:t>
+            </a:r>
+            <a:endParaRPr sz="800">
+              <a:solidFill>
+                <a:schemeClr val="dk1"/>
+              </a:solidFill>
+              <a:latin typeface="Calibri"/>
+              <a:ea typeface="Calibri"/>
+              <a:cs typeface="Calibri"/>
+              <a:sym typeface="Calibri"/>
+            </a:endParaRPr>
+          </a:p>
+        </p:txBody>
+      </p:sp>
+      <p:pic>
+        <p:nvPicPr>
+          <p:cNvPr id="207" name="Google Shape;207;p24"/>
+          <p:cNvPicPr preferRelativeResize="0"/>
+          <p:nvPr/>
+        </p:nvPicPr>
+        <p:blipFill>
+          <a:blip r:embed="rId5" cstate="email">
+            <a:alphaModFix/>
+            <a:extLst>
+              <a:ext uri="{28A0092B-C50C-407E-A947-70E740481C1C}">
+                <a14:useLocalDpi xmlns:a14="http://schemas.microsoft.com/office/drawing/2010/main"/>
+              </a:ext>
+            </a:extLst>
+          </a:blip>
+          <a:stretch>
+            <a:fillRect/>
+          </a:stretch>
+        </p:blipFill>
+        <p:spPr>
+          <a:xfrm>
+            <a:off x="4678675" y="2732425"/>
+            <a:ext cx="2366875" cy="706850"/>
+          </a:xfrm>
+          <a:prstGeom prst="rect">
+            <a:avLst/>
+          </a:prstGeom>
+          <a:noFill/>
+          <a:ln w="9525" cap="flat" cmpd="sng">
+            <a:solidFill>
+              <a:srgbClr val="FF0000"/>
+            </a:solidFill>
+            <a:prstDash val="solid"/>
+            <a:round/>
+            <a:headEnd type="none" w="sm" len="sm"/>
+            <a:tailEnd type="none" w="sm" len="sm"/>
+          </a:ln>
+        </p:spPr>
+      </p:pic>
+      <p:sp>
+        <p:nvSpPr>
+          <p:cNvPr id="208" name="Google Shape;208;p24"/>
+          <p:cNvSpPr txBox="1"/>
+          <p:nvPr/>
+        </p:nvSpPr>
+        <p:spPr>
+          <a:xfrm>
+            <a:off x="80275" y="3994208"/>
+            <a:ext cx="4446000" cy="664800"/>
+          </a:xfrm>
+          <a:prstGeom prst="rect">
+            <a:avLst/>
+          </a:prstGeom>
+          <a:solidFill>
+            <a:srgbClr val="FFF2CC"/>
+          </a:solidFill>
+          <a:ln w="9525" cap="flat" cmpd="sng">
+            <a:solidFill>
+              <a:srgbClr val="FF0000"/>
+            </a:solidFill>
+            <a:prstDash val="solid"/>
+            <a:round/>
+            <a:headEnd type="none" w="sm" len="sm"/>
+            <a:tailEnd type="none" w="sm" len="sm"/>
+          </a:ln>
+        </p:spPr>
+        <p:txBody>
+          <a:bodyPr spcFirstLastPara="1" wrap="square" lIns="9125" tIns="9125" rIns="9125" bIns="9125" anchor="t" anchorCtr="0">
+            <a:spAutoFit/>
+          </a:bodyPr>
+          <a:lstStyle/>
+          <a:p>
+            <a:pPr marL="171450" marR="0" lvl="0" indent="-133350" algn="l" rtl="0">
+              <a:lnSpc>
+                <a:spcPct val="100000"/>
+              </a:lnSpc>
+              <a:spcBef>
+                <a:spcPts val="0"/>
+              </a:spcBef>
+              <a:spcAft>
+                <a:spcPts val="0"/>
+              </a:spcAft>
+              <a:buClr>
+                <a:srgbClr val="FF0000"/>
+              </a:buClr>
+              <a:buSzPts val="1200"/>
+              <a:buFont typeface="Calibri"/>
+              <a:buChar char="●"/>
+            </a:pPr>
+            <a:r>
+              <a:rPr lang="en" sz="1200" b="1">
+                <a:solidFill>
+                  <a:srgbClr val="FF0000"/>
+                </a:solidFill>
+                <a:latin typeface="Calibri"/>
+                <a:ea typeface="Calibri"/>
+                <a:cs typeface="Calibri"/>
+                <a:sym typeface="Calibri"/>
+              </a:rPr>
+              <a:t>Gemini CLI open-source AI agent</a:t>
+            </a:r>
+            <a:endParaRPr sz="1200" b="1">
+              <a:solidFill>
+                <a:srgbClr val="FF0000"/>
+              </a:solidFill>
+              <a:latin typeface="Calibri"/>
+              <a:ea typeface="Calibri"/>
+              <a:cs typeface="Calibri"/>
+              <a:sym typeface="Calibri"/>
+            </a:endParaRPr>
+          </a:p>
+          <a:p>
+            <a:pPr marL="171450" marR="0" lvl="0" indent="-133350" algn="l" rtl="0">
+              <a:lnSpc>
+                <a:spcPct val="100000"/>
+              </a:lnSpc>
+              <a:spcBef>
+                <a:spcPts val="0"/>
+              </a:spcBef>
+              <a:spcAft>
+                <a:spcPts val="0"/>
+              </a:spcAft>
+              <a:buClr>
+                <a:schemeClr val="dk1"/>
+              </a:buClr>
+              <a:buSzPts val="1200"/>
+              <a:buFont typeface="Calibri"/>
+              <a:buChar char="●"/>
+            </a:pPr>
+            <a:r>
+              <a:rPr lang="en" sz="1200">
+                <a:solidFill>
+                  <a:schemeClr val="dk1"/>
+                </a:solidFill>
+                <a:latin typeface="Calibri"/>
+                <a:ea typeface="Calibri"/>
+                <a:cs typeface="Calibri"/>
+                <a:sym typeface="Calibri"/>
+              </a:rPr>
+              <a:t>Open source, integrated with Google’s AI Gemini Code Assist</a:t>
+            </a:r>
+            <a:endParaRPr sz="1200">
+              <a:solidFill>
+                <a:schemeClr val="dk1"/>
+              </a:solidFill>
+              <a:latin typeface="Calibri"/>
+              <a:ea typeface="Calibri"/>
+              <a:cs typeface="Calibri"/>
+              <a:sym typeface="Calibri"/>
+            </a:endParaRPr>
+          </a:p>
+          <a:p>
+            <a:pPr marL="171450" marR="0" lvl="0" indent="-114300" algn="l" rtl="0">
+              <a:lnSpc>
+                <a:spcPct val="100000"/>
+              </a:lnSpc>
+              <a:spcBef>
+                <a:spcPts val="0"/>
+              </a:spcBef>
+              <a:spcAft>
+                <a:spcPts val="0"/>
+              </a:spcAft>
+              <a:buClr>
+                <a:schemeClr val="dk1"/>
+              </a:buClr>
+              <a:buSzPts val="900"/>
+              <a:buFont typeface="Calibri"/>
+              <a:buChar char="●"/>
+            </a:pPr>
+            <a:r>
+              <a:rPr lang="en" sz="900" u="sng">
+                <a:solidFill>
+                  <a:schemeClr val="hlink"/>
+                </a:solidFill>
+                <a:latin typeface="Calibri"/>
+                <a:ea typeface="Calibri"/>
+                <a:cs typeface="Calibri"/>
+                <a:sym typeface="Calibri"/>
+                <a:hlinkClick r:id="rId6"/>
+              </a:rPr>
+              <a:t>https://x.com/Google/status/1937861715061846241</a:t>
+            </a:r>
+            <a:endParaRPr sz="900">
+              <a:solidFill>
+                <a:schemeClr val="dk1"/>
+              </a:solidFill>
+              <a:latin typeface="Calibri"/>
+              <a:ea typeface="Calibri"/>
+              <a:cs typeface="Calibri"/>
+              <a:sym typeface="Calibri"/>
+            </a:endParaRPr>
+          </a:p>
+          <a:p>
+            <a:pPr marL="171450" marR="0" lvl="0" indent="-114300" algn="l" rtl="0">
+              <a:lnSpc>
+                <a:spcPct val="100000"/>
+              </a:lnSpc>
+              <a:spcBef>
+                <a:spcPts val="0"/>
+              </a:spcBef>
+              <a:spcAft>
+                <a:spcPts val="0"/>
+              </a:spcAft>
+              <a:buClr>
+                <a:schemeClr val="dk1"/>
+              </a:buClr>
+              <a:buSzPts val="900"/>
+              <a:buFont typeface="Calibri"/>
+              <a:buChar char="●"/>
+            </a:pPr>
+            <a:r>
+              <a:rPr lang="en" sz="900" u="sng">
+                <a:solidFill>
+                  <a:schemeClr val="hlink"/>
+                </a:solidFill>
+                <a:latin typeface="Calibri"/>
+                <a:ea typeface="Calibri"/>
+                <a:cs typeface="Calibri"/>
+                <a:sym typeface="Calibri"/>
+                <a:hlinkClick r:id="rId7"/>
+              </a:rPr>
+              <a:t>https://blog.google/technology/developers/introducing-gemini-cli-open-source-ai-agent/</a:t>
+            </a:r>
+            <a:r>
+              <a:rPr lang="en" sz="900">
+                <a:solidFill>
+                  <a:schemeClr val="dk1"/>
+                </a:solidFill>
+                <a:latin typeface="Calibri"/>
+                <a:ea typeface="Calibri"/>
+                <a:cs typeface="Calibri"/>
+                <a:sym typeface="Calibri"/>
+              </a:rPr>
+              <a:t> </a:t>
+            </a:r>
+            <a:endParaRPr sz="900">
+              <a:solidFill>
+                <a:schemeClr val="dk1"/>
+              </a:solidFill>
+              <a:latin typeface="Calibri"/>
+              <a:ea typeface="Calibri"/>
+              <a:cs typeface="Calibri"/>
+              <a:sym typeface="Calibri"/>
+            </a:endParaRPr>
+          </a:p>
+        </p:txBody>
+      </p:sp>
+      <p:pic>
+        <p:nvPicPr>
+          <p:cNvPr id="209" name="Google Shape;209;p24"/>
+          <p:cNvPicPr preferRelativeResize="0"/>
+          <p:nvPr/>
+        </p:nvPicPr>
+        <p:blipFill>
+          <a:blip r:embed="rId8" cstate="email">
+            <a:alphaModFix/>
+            <a:extLst>
+              <a:ext uri="{28A0092B-C50C-407E-A947-70E740481C1C}">
+                <a14:useLocalDpi xmlns:a14="http://schemas.microsoft.com/office/drawing/2010/main"/>
+              </a:ext>
+            </a:extLst>
+          </a:blip>
+          <a:stretch>
+            <a:fillRect/>
+          </a:stretch>
+        </p:blipFill>
+        <p:spPr>
+          <a:xfrm>
+            <a:off x="4678675" y="3667875"/>
+            <a:ext cx="2366875" cy="1325450"/>
+          </a:xfrm>
+          <a:prstGeom prst="rect">
+            <a:avLst/>
+          </a:prstGeom>
+          <a:noFill/>
+          <a:ln w="9525" cap="flat" cmpd="sng">
+            <a:solidFill>
+              <a:srgbClr val="FF0000"/>
+            </a:solidFill>
+            <a:prstDash val="solid"/>
+            <a:round/>
+            <a:headEnd type="none" w="sm" len="sm"/>
+            <a:tailEnd type="none" w="sm" len="sm"/>
+          </a:ln>
+        </p:spPr>
+      </p:pic>
+    </p:spTree>
+  </p:cSld>
+  <p:clrMapOvr>
+    <a:masterClrMapping/>
+  </p:clrMapOvr>
+</p:sld>
+</file>
+
+<file path=ppt/slides/slide11.xml><?xml version="1.0" encoding="utf-8"?>
+<p:sld xmlns:a="http://schemas.openxmlformats.org/drawingml/2006/main" xmlns:r="http://schemas.openxmlformats.org/officeDocument/2006/relationships" xmlns:p="http://schemas.openxmlformats.org/presentationml/2006/main">
+  <p:cSld>
+    <p:spTree>
+      <p:nvGrpSpPr>
+        <p:cNvPr id="1" name="Shape 213"/>
+        <p:cNvGrpSpPr/>
+        <p:nvPr/>
+      </p:nvGrpSpPr>
+      <p:grpSpPr>
+        <a:xfrm>
+          <a:off x="0" y="0"/>
+          <a:ext cx="0" cy="0"/>
+          <a:chOff x="0" y="0"/>
+          <a:chExt cx="0" cy="0"/>
+        </a:xfrm>
+      </p:grpSpPr>
+      <p:sp>
+        <p:nvSpPr>
+          <p:cNvPr id="214" name="Google Shape;214;p25"/>
+          <p:cNvSpPr txBox="1"/>
+          <p:nvPr/>
+        </p:nvSpPr>
+        <p:spPr>
+          <a:xfrm>
+            <a:off x="55075" y="-23450"/>
+            <a:ext cx="1961400" cy="326400"/>
+          </a:xfrm>
+          <a:prstGeom prst="rect">
+            <a:avLst/>
+          </a:prstGeom>
+          <a:noFill/>
+          <a:ln>
+            <a:noFill/>
+          </a:ln>
+        </p:spPr>
+        <p:txBody>
+          <a:bodyPr spcFirstLastPara="1" wrap="square" lIns="9125" tIns="9125" rIns="9125" bIns="9125" anchor="t" anchorCtr="0">
+            <a:spAutoFit/>
+          </a:bodyPr>
+          <a:lstStyle/>
+          <a:p>
+            <a:pPr marL="0" marR="0" lvl="0" indent="0" algn="l" rtl="0">
+              <a:lnSpc>
+                <a:spcPct val="100000"/>
+              </a:lnSpc>
+              <a:spcBef>
+                <a:spcPts val="0"/>
+              </a:spcBef>
+              <a:spcAft>
+                <a:spcPts val="0"/>
+              </a:spcAft>
+              <a:buClr>
+                <a:schemeClr val="dk1"/>
+              </a:buClr>
+              <a:buSzPts val="1100"/>
+              <a:buFont typeface="Arial"/>
+              <a:buNone/>
+            </a:pPr>
+            <a:r>
+              <a:rPr lang="en" sz="2000" b="1">
+                <a:solidFill>
+                  <a:schemeClr val="dk1"/>
+                </a:solidFill>
+                <a:latin typeface="Calibri"/>
+                <a:ea typeface="Calibri"/>
+                <a:cs typeface="Calibri"/>
+                <a:sym typeface="Calibri"/>
+              </a:rPr>
+              <a:t>AI Updates 5</a:t>
+            </a:r>
+            <a:endParaRPr sz="2000" b="1" i="0" u="none" strike="noStrike" cap="none">
+              <a:solidFill>
+                <a:schemeClr val="dk1"/>
+              </a:solidFill>
+              <a:latin typeface="Calibri"/>
+              <a:ea typeface="Calibri"/>
+              <a:cs typeface="Calibri"/>
+              <a:sym typeface="Calibri"/>
+            </a:endParaRPr>
+          </a:p>
+        </p:txBody>
+      </p:sp>
+      <p:sp>
+        <p:nvSpPr>
+          <p:cNvPr id="215" name="Google Shape;215;p25"/>
+          <p:cNvSpPr txBox="1"/>
+          <p:nvPr/>
+        </p:nvSpPr>
+        <p:spPr>
+          <a:xfrm>
+            <a:off x="80275" y="342589"/>
+            <a:ext cx="4446000" cy="711000"/>
+          </a:xfrm>
+          <a:prstGeom prst="rect">
+            <a:avLst/>
+          </a:prstGeom>
+          <a:solidFill>
+            <a:srgbClr val="FFF2CC"/>
+          </a:solidFill>
+          <a:ln w="9525" cap="flat" cmpd="sng">
+            <a:solidFill>
+              <a:srgbClr val="FF0000"/>
+            </a:solidFill>
+            <a:prstDash val="solid"/>
+            <a:round/>
+            <a:headEnd type="none" w="sm" len="sm"/>
+            <a:tailEnd type="none" w="sm" len="sm"/>
+          </a:ln>
+        </p:spPr>
+        <p:txBody>
+          <a:bodyPr spcFirstLastPara="1" wrap="square" lIns="9125" tIns="9125" rIns="9125" bIns="9125" anchor="t" anchorCtr="0">
+            <a:spAutoFit/>
+          </a:bodyPr>
+          <a:lstStyle/>
+          <a:p>
+            <a:pPr marL="171450" marR="0" lvl="0" indent="-133350" algn="l" rtl="0">
+              <a:lnSpc>
+                <a:spcPct val="100000"/>
+              </a:lnSpc>
+              <a:spcBef>
+                <a:spcPts val="0"/>
+              </a:spcBef>
+              <a:spcAft>
+                <a:spcPts val="0"/>
+              </a:spcAft>
+              <a:buClr>
+                <a:srgbClr val="FF0000"/>
+              </a:buClr>
+              <a:buSzPts val="1200"/>
+              <a:buFont typeface="Calibri"/>
+              <a:buChar char="●"/>
+            </a:pPr>
+            <a:r>
+              <a:rPr lang="en" sz="1200" b="1">
+                <a:solidFill>
+                  <a:srgbClr val="FF0000"/>
+                </a:solidFill>
+                <a:latin typeface="Calibri"/>
+                <a:ea typeface="Calibri"/>
+                <a:cs typeface="Calibri"/>
+                <a:sym typeface="Calibri"/>
+              </a:rPr>
+              <a:t>Google donates A2A to Linux Foundation</a:t>
+            </a:r>
+            <a:endParaRPr sz="1200" b="1">
+              <a:solidFill>
+                <a:srgbClr val="FF0000"/>
+              </a:solidFill>
+              <a:latin typeface="Calibri"/>
+              <a:ea typeface="Calibri"/>
+              <a:cs typeface="Calibri"/>
+              <a:sym typeface="Calibri"/>
+            </a:endParaRPr>
+          </a:p>
+          <a:p>
+            <a:pPr marL="171450" marR="0" lvl="0" indent="-133350" algn="l" rtl="0">
+              <a:lnSpc>
+                <a:spcPct val="100000"/>
+              </a:lnSpc>
+              <a:spcBef>
+                <a:spcPts val="0"/>
+              </a:spcBef>
+              <a:spcAft>
+                <a:spcPts val="0"/>
+              </a:spcAft>
+              <a:buClr>
+                <a:schemeClr val="dk1"/>
+              </a:buClr>
+              <a:buSzPts val="1200"/>
+              <a:buFont typeface="Calibri"/>
+              <a:buChar char="●"/>
+            </a:pPr>
+            <a:r>
+              <a:rPr lang="en" sz="1200">
+                <a:solidFill>
+                  <a:schemeClr val="dk1"/>
+                </a:solidFill>
+                <a:latin typeface="Calibri"/>
+                <a:ea typeface="Calibri"/>
+                <a:cs typeface="Calibri"/>
+                <a:sym typeface="Calibri"/>
+              </a:rPr>
+              <a:t>Agent2Agent (A2) project with Amazon Web Services, Cisco, Google, Microsoft, Salesforce, SAP, and ServiceNow</a:t>
+            </a:r>
+            <a:endParaRPr sz="900">
+              <a:solidFill>
+                <a:schemeClr val="dk1"/>
+              </a:solidFill>
+              <a:latin typeface="Calibri"/>
+              <a:ea typeface="Calibri"/>
+              <a:cs typeface="Calibri"/>
+              <a:sym typeface="Calibri"/>
+            </a:endParaRPr>
+          </a:p>
+          <a:p>
+            <a:pPr marL="171450" marR="0" lvl="0" indent="-114300" algn="l" rtl="0">
+              <a:lnSpc>
+                <a:spcPct val="100000"/>
+              </a:lnSpc>
+              <a:spcBef>
+                <a:spcPts val="0"/>
+              </a:spcBef>
+              <a:spcAft>
+                <a:spcPts val="0"/>
+              </a:spcAft>
+              <a:buClr>
+                <a:schemeClr val="dk1"/>
+              </a:buClr>
+              <a:buSzPts val="900"/>
+              <a:buFont typeface="Calibri"/>
+              <a:buChar char="●"/>
+            </a:pPr>
+            <a:r>
+              <a:rPr lang="en" sz="900" u="sng">
+                <a:solidFill>
+                  <a:schemeClr val="hlink"/>
+                </a:solidFill>
+                <a:latin typeface="Calibri"/>
+                <a:ea typeface="Calibri"/>
+                <a:cs typeface="Calibri"/>
+                <a:sym typeface="Calibri"/>
+                <a:hlinkClick r:id="rId3"/>
+              </a:rPr>
+              <a:t>https://developers.googleblog.com/en/google-cloud-donates-a2a-to-linux-foundation/</a:t>
+            </a:r>
+            <a:r>
+              <a:rPr lang="en" sz="900">
+                <a:solidFill>
+                  <a:schemeClr val="dk1"/>
+                </a:solidFill>
+                <a:latin typeface="Calibri"/>
+                <a:ea typeface="Calibri"/>
+                <a:cs typeface="Calibri"/>
+                <a:sym typeface="Calibri"/>
+              </a:rPr>
+              <a:t> </a:t>
+            </a:r>
+            <a:endParaRPr sz="900">
+              <a:solidFill>
+                <a:schemeClr val="dk1"/>
+              </a:solidFill>
+              <a:latin typeface="Calibri"/>
+              <a:ea typeface="Calibri"/>
+              <a:cs typeface="Calibri"/>
+              <a:sym typeface="Calibri"/>
+            </a:endParaRPr>
+          </a:p>
+        </p:txBody>
+      </p:sp>
+      <p:pic>
+        <p:nvPicPr>
+          <p:cNvPr id="216" name="Google Shape;216;p25"/>
+          <p:cNvPicPr preferRelativeResize="0"/>
+          <p:nvPr/>
+        </p:nvPicPr>
+        <p:blipFill>
+          <a:blip r:embed="rId4" cstate="email">
+            <a:alphaModFix/>
+            <a:extLst>
+              <a:ext uri="{28A0092B-C50C-407E-A947-70E740481C1C}">
+                <a14:useLocalDpi xmlns:a14="http://schemas.microsoft.com/office/drawing/2010/main"/>
+              </a:ext>
+            </a:extLst>
+          </a:blip>
+          <a:stretch>
+            <a:fillRect/>
+          </a:stretch>
+        </p:blipFill>
+        <p:spPr>
+          <a:xfrm>
+            <a:off x="4691075" y="364140"/>
+            <a:ext cx="1944952" cy="711000"/>
+          </a:xfrm>
+          <a:prstGeom prst="rect">
+            <a:avLst/>
+          </a:prstGeom>
+          <a:noFill/>
+          <a:ln w="9525" cap="flat" cmpd="sng">
+            <a:solidFill>
+              <a:srgbClr val="FF0000"/>
+            </a:solidFill>
+            <a:prstDash val="solid"/>
+            <a:round/>
+            <a:headEnd type="none" w="sm" len="sm"/>
+            <a:tailEnd type="none" w="sm" len="sm"/>
+          </a:ln>
+        </p:spPr>
+      </p:pic>
+      <p:sp>
+        <p:nvSpPr>
+          <p:cNvPr id="217" name="Google Shape;217;p25"/>
+          <p:cNvSpPr txBox="1"/>
+          <p:nvPr/>
+        </p:nvSpPr>
+        <p:spPr>
+          <a:xfrm>
+            <a:off x="80275" y="3916949"/>
+            <a:ext cx="4446000" cy="1034400"/>
+          </a:xfrm>
+          <a:prstGeom prst="rect">
+            <a:avLst/>
+          </a:prstGeom>
+          <a:solidFill>
+            <a:srgbClr val="FFF2CC"/>
+          </a:solidFill>
+          <a:ln w="9525" cap="flat" cmpd="sng">
+            <a:solidFill>
+              <a:srgbClr val="FF0000"/>
+            </a:solidFill>
+            <a:prstDash val="solid"/>
+            <a:round/>
+            <a:headEnd type="none" w="sm" len="sm"/>
+            <a:tailEnd type="none" w="sm" len="sm"/>
+          </a:ln>
+        </p:spPr>
+        <p:txBody>
+          <a:bodyPr spcFirstLastPara="1" wrap="square" lIns="9125" tIns="9125" rIns="9125" bIns="9125" anchor="t" anchorCtr="0">
+            <a:spAutoFit/>
+          </a:bodyPr>
+          <a:lstStyle/>
+          <a:p>
+            <a:pPr marL="171450" marR="0" lvl="0" indent="-133350" algn="l" rtl="0">
+              <a:lnSpc>
+                <a:spcPct val="100000"/>
+              </a:lnSpc>
+              <a:spcBef>
+                <a:spcPts val="0"/>
+              </a:spcBef>
+              <a:spcAft>
+                <a:spcPts val="0"/>
+              </a:spcAft>
+              <a:buClr>
+                <a:schemeClr val="dk1"/>
+              </a:buClr>
+              <a:buSzPts val="1200"/>
+              <a:buFont typeface="Calibri"/>
+              <a:buChar char="●"/>
+            </a:pPr>
+            <a:r>
+              <a:rPr lang="en" sz="1200" b="1">
+                <a:solidFill>
+                  <a:srgbClr val="FF0000"/>
+                </a:solidFill>
+                <a:latin typeface="Calibri"/>
+                <a:ea typeface="Calibri"/>
+                <a:cs typeface="Calibri"/>
+                <a:sym typeface="Calibri"/>
+              </a:rPr>
+              <a:t>Microsoft Mu - on-device Agent in Windows</a:t>
+            </a:r>
+            <a:r>
+              <a:rPr lang="en" sz="900">
+                <a:latin typeface="Calibri"/>
+                <a:ea typeface="Calibri"/>
+                <a:cs typeface="Calibri"/>
+                <a:sym typeface="Calibri"/>
+              </a:rPr>
+              <a:t> </a:t>
+            </a:r>
+            <a:endParaRPr sz="900">
+              <a:latin typeface="Calibri"/>
+              <a:ea typeface="Calibri"/>
+              <a:cs typeface="Calibri"/>
+              <a:sym typeface="Calibri"/>
+            </a:endParaRPr>
+          </a:p>
+          <a:p>
+            <a:pPr marL="171450" marR="0" lvl="0" indent="-133350" algn="l" rtl="0">
+              <a:lnSpc>
+                <a:spcPct val="100000"/>
+              </a:lnSpc>
+              <a:spcBef>
+                <a:spcPts val="0"/>
+              </a:spcBef>
+              <a:spcAft>
+                <a:spcPts val="0"/>
+              </a:spcAft>
+              <a:buSzPts val="1200"/>
+              <a:buFont typeface="Calibri"/>
+              <a:buChar char="●"/>
+            </a:pPr>
+            <a:r>
+              <a:rPr lang="en" sz="1200">
+                <a:latin typeface="Calibri"/>
+                <a:ea typeface="Calibri"/>
+                <a:cs typeface="Calibri"/>
+                <a:sym typeface="Calibri"/>
+              </a:rPr>
+              <a:t>Mu is an efficient 330M encoder–decoder language model optimized for small-scale deployment, particularly on the NPUs on Copilot+ PCs. 100+ tokens/sec.</a:t>
+            </a:r>
+            <a:endParaRPr sz="1200">
+              <a:latin typeface="Calibri"/>
+              <a:ea typeface="Calibri"/>
+              <a:cs typeface="Calibri"/>
+              <a:sym typeface="Calibri"/>
+            </a:endParaRPr>
+          </a:p>
+          <a:p>
+            <a:pPr marL="171450" marR="0" lvl="0" indent="-114300" algn="l" rtl="0">
+              <a:lnSpc>
+                <a:spcPct val="100000"/>
+              </a:lnSpc>
+              <a:spcBef>
+                <a:spcPts val="0"/>
+              </a:spcBef>
+              <a:spcAft>
+                <a:spcPts val="0"/>
+              </a:spcAft>
+              <a:buClr>
+                <a:schemeClr val="dk1"/>
+              </a:buClr>
+              <a:buSzPts val="900"/>
+              <a:buFont typeface="Calibri"/>
+              <a:buChar char="●"/>
+            </a:pPr>
+            <a:r>
+              <a:rPr lang="en" sz="900" u="sng">
+                <a:solidFill>
+                  <a:schemeClr val="hlink"/>
+                </a:solidFill>
+                <a:latin typeface="Calibri"/>
+                <a:ea typeface="Calibri"/>
+                <a:cs typeface="Calibri"/>
+                <a:sym typeface="Calibri"/>
+                <a:hlinkClick r:id="rId5"/>
+              </a:rPr>
+              <a:t>https://blogs.windows.com/windowsexperience/2025/06/23/introducing-mu-language-model-and-how-it-enabled-the-agent-in-windows-settings/</a:t>
+            </a:r>
+            <a:r>
+              <a:rPr lang="en" sz="900">
+                <a:solidFill>
+                  <a:schemeClr val="dk1"/>
+                </a:solidFill>
+                <a:latin typeface="Calibri"/>
+                <a:ea typeface="Calibri"/>
+                <a:cs typeface="Calibri"/>
+                <a:sym typeface="Calibri"/>
+              </a:rPr>
+              <a:t> </a:t>
+            </a:r>
+            <a:endParaRPr sz="900">
+              <a:solidFill>
+                <a:schemeClr val="dk1"/>
+              </a:solidFill>
+              <a:latin typeface="Calibri"/>
+              <a:ea typeface="Calibri"/>
+              <a:cs typeface="Calibri"/>
+              <a:sym typeface="Calibri"/>
+            </a:endParaRPr>
+          </a:p>
+        </p:txBody>
+      </p:sp>
+      <p:pic>
+        <p:nvPicPr>
+          <p:cNvPr id="218" name="Google Shape;218;p25"/>
+          <p:cNvPicPr preferRelativeResize="0"/>
+          <p:nvPr/>
+        </p:nvPicPr>
+        <p:blipFill>
+          <a:blip r:embed="rId6" cstate="email">
+            <a:alphaModFix/>
+            <a:extLst>
+              <a:ext uri="{28A0092B-C50C-407E-A947-70E740481C1C}">
+                <a14:useLocalDpi xmlns:a14="http://schemas.microsoft.com/office/drawing/2010/main"/>
+              </a:ext>
+            </a:extLst>
+          </a:blip>
+          <a:stretch>
+            <a:fillRect/>
+          </a:stretch>
+        </p:blipFill>
+        <p:spPr>
+          <a:xfrm>
+            <a:off x="4678675" y="1201000"/>
+            <a:ext cx="1368300" cy="848525"/>
+          </a:xfrm>
+          <a:prstGeom prst="rect">
+            <a:avLst/>
+          </a:prstGeom>
+          <a:noFill/>
+          <a:ln>
+            <a:noFill/>
+          </a:ln>
+        </p:spPr>
+      </p:pic>
+      <p:pic>
+        <p:nvPicPr>
+          <p:cNvPr id="219" name="Google Shape;219;p25"/>
+          <p:cNvPicPr preferRelativeResize="0"/>
+          <p:nvPr/>
+        </p:nvPicPr>
+        <p:blipFill>
+          <a:blip r:embed="rId7" cstate="email">
+            <a:alphaModFix/>
+            <a:extLst>
+              <a:ext uri="{28A0092B-C50C-407E-A947-70E740481C1C}">
+                <a14:useLocalDpi xmlns:a14="http://schemas.microsoft.com/office/drawing/2010/main"/>
+              </a:ext>
+            </a:extLst>
+          </a:blip>
+          <a:stretch>
+            <a:fillRect/>
+          </a:stretch>
+        </p:blipFill>
+        <p:spPr>
+          <a:xfrm>
+            <a:off x="4678675" y="2561212"/>
+            <a:ext cx="4292224" cy="637125"/>
+          </a:xfrm>
+          <a:prstGeom prst="rect">
+            <a:avLst/>
+          </a:prstGeom>
+          <a:noFill/>
+          <a:ln>
+            <a:noFill/>
+          </a:ln>
+        </p:spPr>
+      </p:pic>
+      <p:pic>
+        <p:nvPicPr>
+          <p:cNvPr id="220" name="Google Shape;220;p25"/>
+          <p:cNvPicPr preferRelativeResize="0"/>
+          <p:nvPr/>
+        </p:nvPicPr>
+        <p:blipFill>
+          <a:blip r:embed="rId8" cstate="email">
+            <a:alphaModFix/>
+            <a:extLst>
+              <a:ext uri="{28A0092B-C50C-407E-A947-70E740481C1C}">
+                <a14:useLocalDpi xmlns:a14="http://schemas.microsoft.com/office/drawing/2010/main"/>
+              </a:ext>
+            </a:extLst>
+          </a:blip>
+          <a:stretch>
+            <a:fillRect/>
+          </a:stretch>
+        </p:blipFill>
+        <p:spPr>
+          <a:xfrm>
+            <a:off x="7474200" y="1362199"/>
+            <a:ext cx="1492100" cy="526150"/>
+          </a:xfrm>
+          <a:prstGeom prst="rect">
+            <a:avLst/>
+          </a:prstGeom>
+          <a:noFill/>
+          <a:ln>
+            <a:noFill/>
+          </a:ln>
+        </p:spPr>
+      </p:pic>
+      <p:pic>
+        <p:nvPicPr>
+          <p:cNvPr id="221" name="Google Shape;221;p25"/>
+          <p:cNvPicPr preferRelativeResize="0"/>
+          <p:nvPr/>
+        </p:nvPicPr>
+        <p:blipFill>
+          <a:blip r:embed="rId9" cstate="email">
+            <a:alphaModFix/>
+            <a:extLst>
+              <a:ext uri="{28A0092B-C50C-407E-A947-70E740481C1C}">
+                <a14:useLocalDpi xmlns:a14="http://schemas.microsoft.com/office/drawing/2010/main"/>
+              </a:ext>
+            </a:extLst>
+          </a:blip>
+          <a:stretch>
+            <a:fillRect/>
+          </a:stretch>
+        </p:blipFill>
+        <p:spPr>
+          <a:xfrm>
+            <a:off x="6106275" y="1201000"/>
+            <a:ext cx="1308625" cy="1308625"/>
+          </a:xfrm>
+          <a:prstGeom prst="rect">
+            <a:avLst/>
+          </a:prstGeom>
+          <a:noFill/>
+          <a:ln w="9525" cap="flat" cmpd="sng">
+            <a:solidFill>
+              <a:srgbClr val="FF0000"/>
+            </a:solidFill>
+            <a:prstDash val="solid"/>
+            <a:round/>
+            <a:headEnd type="none" w="sm" len="sm"/>
+            <a:tailEnd type="none" w="sm" len="sm"/>
+          </a:ln>
+        </p:spPr>
+      </p:pic>
+      <p:sp>
+        <p:nvSpPr>
+          <p:cNvPr id="222" name="Google Shape;222;p25"/>
+          <p:cNvSpPr txBox="1"/>
+          <p:nvPr/>
+        </p:nvSpPr>
+        <p:spPr>
+          <a:xfrm>
+            <a:off x="80275" y="1110082"/>
+            <a:ext cx="4446000" cy="2742900"/>
+          </a:xfrm>
+          <a:prstGeom prst="rect">
+            <a:avLst/>
+          </a:prstGeom>
+          <a:solidFill>
+            <a:srgbClr val="FFF2CC"/>
+          </a:solidFill>
+          <a:ln w="9525" cap="flat" cmpd="sng">
+            <a:solidFill>
+              <a:srgbClr val="FF0000"/>
+            </a:solidFill>
+            <a:prstDash val="solid"/>
+            <a:round/>
+            <a:headEnd type="none" w="sm" len="sm"/>
+            <a:tailEnd type="none" w="sm" len="sm"/>
+          </a:ln>
+        </p:spPr>
+        <p:txBody>
+          <a:bodyPr spcFirstLastPara="1" wrap="square" lIns="9125" tIns="9125" rIns="9125" bIns="9125" anchor="t" anchorCtr="0">
+            <a:spAutoFit/>
+          </a:bodyPr>
+          <a:lstStyle/>
+          <a:p>
+            <a:pPr marL="171450" marR="0" lvl="0" indent="-133350" algn="l" rtl="0">
+              <a:lnSpc>
+                <a:spcPct val="100000"/>
+              </a:lnSpc>
+              <a:spcBef>
+                <a:spcPts val="0"/>
+              </a:spcBef>
+              <a:spcAft>
+                <a:spcPts val="0"/>
+              </a:spcAft>
+              <a:buClr>
+                <a:srgbClr val="FF0000"/>
+              </a:buClr>
+              <a:buSzPts val="1200"/>
+              <a:buFont typeface="Calibri"/>
+              <a:buChar char="●"/>
+            </a:pPr>
+            <a:r>
+              <a:rPr lang="en" sz="1200" b="1">
+                <a:solidFill>
+                  <a:srgbClr val="FF0000"/>
+                </a:solidFill>
+                <a:latin typeface="Calibri"/>
+                <a:ea typeface="Calibri"/>
+                <a:cs typeface="Calibri"/>
+                <a:sym typeface="Calibri"/>
+              </a:rPr>
+              <a:t>Warp - AI agents in terminal</a:t>
+            </a:r>
+            <a:endParaRPr sz="1200" b="1">
+              <a:solidFill>
+                <a:srgbClr val="FF0000"/>
+              </a:solidFill>
+              <a:latin typeface="Calibri"/>
+              <a:ea typeface="Calibri"/>
+              <a:cs typeface="Calibri"/>
+              <a:sym typeface="Calibri"/>
+            </a:endParaRPr>
+          </a:p>
+          <a:p>
+            <a:pPr marL="171450" marR="0" lvl="0" indent="-114300" algn="l" rtl="0">
+              <a:lnSpc>
+                <a:spcPct val="100000"/>
+              </a:lnSpc>
+              <a:spcBef>
+                <a:spcPts val="0"/>
+              </a:spcBef>
+              <a:spcAft>
+                <a:spcPts val="0"/>
+              </a:spcAft>
+              <a:buClr>
+                <a:schemeClr val="dk1"/>
+              </a:buClr>
+              <a:buSzPts val="900"/>
+              <a:buFont typeface="Calibri"/>
+              <a:buChar char="●"/>
+            </a:pPr>
+            <a:r>
+              <a:rPr lang="en" sz="900" u="sng">
+                <a:solidFill>
+                  <a:schemeClr val="hlink"/>
+                </a:solidFill>
+                <a:latin typeface="Calibri"/>
+                <a:ea typeface="Calibri"/>
+                <a:cs typeface="Calibri"/>
+                <a:sym typeface="Calibri"/>
+                <a:hlinkClick r:id="rId10"/>
+              </a:rPr>
+              <a:t>https://www.warp.dev</a:t>
+            </a:r>
+            <a:r>
+              <a:rPr lang="en" sz="900">
+                <a:solidFill>
+                  <a:schemeClr val="dk1"/>
+                </a:solidFill>
+                <a:latin typeface="Calibri"/>
+                <a:ea typeface="Calibri"/>
+                <a:cs typeface="Calibri"/>
+                <a:sym typeface="Calibri"/>
+              </a:rPr>
+              <a:t>  - </a:t>
+            </a:r>
+            <a:r>
+              <a:rPr lang="en" sz="900" u="sng">
+                <a:solidFill>
+                  <a:schemeClr val="hlink"/>
+                </a:solidFill>
+                <a:latin typeface="Calibri"/>
+                <a:ea typeface="Calibri"/>
+                <a:cs typeface="Calibri"/>
+                <a:sym typeface="Calibri"/>
+                <a:hlinkClick r:id="rId11"/>
+              </a:rPr>
+              <a:t>https://docs.warp.dev/getting-started/what-is-warp</a:t>
+            </a:r>
+            <a:r>
+              <a:rPr lang="en" sz="900">
+                <a:solidFill>
+                  <a:schemeClr val="dk1"/>
+                </a:solidFill>
+                <a:latin typeface="Calibri"/>
+                <a:ea typeface="Calibri"/>
+                <a:cs typeface="Calibri"/>
+                <a:sym typeface="Calibri"/>
+              </a:rPr>
+              <a:t> </a:t>
+            </a:r>
+            <a:endParaRPr sz="900">
+              <a:solidFill>
+                <a:schemeClr val="dk1"/>
+              </a:solidFill>
+              <a:latin typeface="Calibri"/>
+              <a:ea typeface="Calibri"/>
+              <a:cs typeface="Calibri"/>
+              <a:sym typeface="Calibri"/>
+            </a:endParaRPr>
+          </a:p>
+          <a:p>
+            <a:pPr marL="171450" marR="0" lvl="0" indent="-133350" algn="l" rtl="0">
+              <a:lnSpc>
+                <a:spcPct val="100000"/>
+              </a:lnSpc>
+              <a:spcBef>
+                <a:spcPts val="0"/>
+              </a:spcBef>
+              <a:spcAft>
+                <a:spcPts val="0"/>
+              </a:spcAft>
+              <a:buClr>
+                <a:schemeClr val="dk1"/>
+              </a:buClr>
+              <a:buSzPts val="1200"/>
+              <a:buFont typeface="Calibri"/>
+              <a:buChar char="●"/>
+            </a:pPr>
+            <a:r>
+              <a:rPr lang="en" sz="1200">
+                <a:solidFill>
+                  <a:schemeClr val="dk1"/>
+                </a:solidFill>
+                <a:latin typeface="Calibri"/>
+                <a:ea typeface="Calibri"/>
+                <a:cs typeface="Calibri"/>
+                <a:sym typeface="Calibri"/>
+              </a:rPr>
+              <a:t>Warp offers IDE-like editing experience in the terminal; combines code editing, terminal commands, AI-driven automation, and workflow management; run multiple AI agents in parallel - write code, debug, create pull requests, deploy projects, ...; use plain English or shell commands; centralized dashboard for managing all running agents; </a:t>
+            </a:r>
+            <a:endParaRPr sz="1200">
+              <a:solidFill>
+                <a:schemeClr val="dk1"/>
+              </a:solidFill>
+              <a:latin typeface="Calibri"/>
+              <a:ea typeface="Calibri"/>
+              <a:cs typeface="Calibri"/>
+              <a:sym typeface="Calibri"/>
+            </a:endParaRPr>
+          </a:p>
+          <a:p>
+            <a:pPr marL="171450" marR="0" lvl="0" indent="-133350" algn="l" rtl="0">
+              <a:lnSpc>
+                <a:spcPct val="100000"/>
+              </a:lnSpc>
+              <a:spcBef>
+                <a:spcPts val="0"/>
+              </a:spcBef>
+              <a:spcAft>
+                <a:spcPts val="0"/>
+              </a:spcAft>
+              <a:buClr>
+                <a:schemeClr val="dk1"/>
+              </a:buClr>
+              <a:buSzPts val="1200"/>
+              <a:buFont typeface="Calibri"/>
+              <a:buChar char="●"/>
+            </a:pPr>
+            <a:r>
+              <a:rPr lang="en" sz="1200">
+                <a:solidFill>
+                  <a:schemeClr val="dk1"/>
+                </a:solidFill>
+                <a:latin typeface="Calibri"/>
+                <a:ea typeface="Calibri"/>
+                <a:cs typeface="Calibri"/>
+                <a:sym typeface="Calibri"/>
+              </a:rPr>
+              <a:t>Warp supports popular shells (bash, zsh, fish, PowerShell) and runs on Mac, Linux, and Windows</a:t>
+            </a:r>
+            <a:endParaRPr sz="1200">
+              <a:solidFill>
+                <a:schemeClr val="dk1"/>
+              </a:solidFill>
+              <a:latin typeface="Calibri"/>
+              <a:ea typeface="Calibri"/>
+              <a:cs typeface="Calibri"/>
+              <a:sym typeface="Calibri"/>
+            </a:endParaRPr>
+          </a:p>
+          <a:p>
+            <a:pPr marL="171450" marR="0" lvl="0" indent="-133350" algn="l" rtl="0">
+              <a:lnSpc>
+                <a:spcPct val="100000"/>
+              </a:lnSpc>
+              <a:spcBef>
+                <a:spcPts val="0"/>
+              </a:spcBef>
+              <a:spcAft>
+                <a:spcPts val="0"/>
+              </a:spcAft>
+              <a:buClr>
+                <a:schemeClr val="dk1"/>
+              </a:buClr>
+              <a:buSzPts val="1200"/>
+              <a:buFont typeface="Calibri"/>
+              <a:buChar char="●"/>
+            </a:pPr>
+            <a:r>
+              <a:rPr lang="en" sz="1200">
+                <a:solidFill>
+                  <a:schemeClr val="dk1"/>
+                </a:solidFill>
+                <a:latin typeface="Calibri"/>
+                <a:ea typeface="Calibri"/>
+                <a:cs typeface="Calibri"/>
+                <a:sym typeface="Calibri"/>
+              </a:rPr>
+              <a:t>Built in Rust for speed and security</a:t>
+            </a:r>
+            <a:endParaRPr sz="1200">
+              <a:solidFill>
+                <a:schemeClr val="dk1"/>
+              </a:solidFill>
+              <a:latin typeface="Calibri"/>
+              <a:ea typeface="Calibri"/>
+              <a:cs typeface="Calibri"/>
+              <a:sym typeface="Calibri"/>
+            </a:endParaRPr>
+          </a:p>
+          <a:p>
+            <a:pPr marL="171450" marR="0" lvl="0" indent="-133350" algn="l" rtl="0">
+              <a:lnSpc>
+                <a:spcPct val="100000"/>
+              </a:lnSpc>
+              <a:spcBef>
+                <a:spcPts val="0"/>
+              </a:spcBef>
+              <a:spcAft>
+                <a:spcPts val="0"/>
+              </a:spcAft>
+              <a:buClr>
+                <a:schemeClr val="dk1"/>
+              </a:buClr>
+              <a:buSzPts val="1200"/>
+              <a:buFont typeface="Calibri"/>
+              <a:buChar char="●"/>
+            </a:pPr>
+            <a:r>
+              <a:rPr lang="en" sz="1200">
+                <a:solidFill>
+                  <a:schemeClr val="dk1"/>
+                </a:solidFill>
+                <a:latin typeface="Calibri"/>
+                <a:ea typeface="Calibri"/>
+                <a:cs typeface="Calibri"/>
+                <a:sym typeface="Calibri"/>
+              </a:rPr>
+              <a:t>Warp Drive - notebooks, workflows, and environment vars that can be shared with teams, with all data available as context for AI agents</a:t>
+            </a:r>
+            <a:endParaRPr sz="1200">
+              <a:solidFill>
+                <a:schemeClr val="dk1"/>
+              </a:solidFill>
+              <a:latin typeface="Calibri"/>
+              <a:ea typeface="Calibri"/>
+              <a:cs typeface="Calibri"/>
+              <a:sym typeface="Calibri"/>
+            </a:endParaRPr>
+          </a:p>
+          <a:p>
+            <a:pPr marL="171450" marR="0" lvl="0" indent="-133350" algn="l" rtl="0">
+              <a:lnSpc>
+                <a:spcPct val="100000"/>
+              </a:lnSpc>
+              <a:spcBef>
+                <a:spcPts val="0"/>
+              </a:spcBef>
+              <a:spcAft>
+                <a:spcPts val="0"/>
+              </a:spcAft>
+              <a:buClr>
+                <a:schemeClr val="dk1"/>
+              </a:buClr>
+              <a:buSzPts val="1200"/>
+              <a:buFont typeface="Calibri"/>
+              <a:buChar char="●"/>
+            </a:pPr>
+            <a:r>
+              <a:rPr lang="en" sz="1200">
+                <a:solidFill>
+                  <a:schemeClr val="dk1"/>
+                </a:solidFill>
+                <a:latin typeface="Calibri"/>
+                <a:ea typeface="Calibri"/>
+                <a:cs typeface="Calibri"/>
+                <a:sym typeface="Calibri"/>
+              </a:rPr>
+              <a:t>Warp is a venture-capital backed startup in New York City. Founded in June 2020 by </a:t>
+            </a:r>
+            <a:r>
+              <a:rPr lang="en" sz="1200" b="1">
+                <a:solidFill>
+                  <a:srgbClr val="FF0000"/>
+                </a:solidFill>
+                <a:latin typeface="Calibri"/>
+                <a:ea typeface="Calibri"/>
+                <a:cs typeface="Calibri"/>
+                <a:sym typeface="Calibri"/>
+              </a:rPr>
+              <a:t>Zach Lloyd</a:t>
+            </a:r>
+            <a:r>
+              <a:rPr lang="en" sz="1200">
+                <a:solidFill>
+                  <a:schemeClr val="dk1"/>
+                </a:solidFill>
+                <a:latin typeface="Calibri"/>
+                <a:ea typeface="Calibri"/>
+                <a:cs typeface="Calibri"/>
+                <a:sym typeface="Calibri"/>
+              </a:rPr>
+              <a:t>. 60+ employees, 0.5 Mln users.</a:t>
+            </a:r>
+            <a:endParaRPr sz="1200">
+              <a:solidFill>
+                <a:schemeClr val="dk1"/>
+              </a:solidFill>
+              <a:latin typeface="Calibri"/>
+              <a:ea typeface="Calibri"/>
+              <a:cs typeface="Calibri"/>
+              <a:sym typeface="Calibri"/>
+            </a:endParaRPr>
+          </a:p>
+        </p:txBody>
+      </p:sp>
+      <p:pic>
+        <p:nvPicPr>
+          <p:cNvPr id="223" name="Google Shape;223;p25"/>
+          <p:cNvPicPr preferRelativeResize="0"/>
+          <p:nvPr/>
+        </p:nvPicPr>
+        <p:blipFill>
+          <a:blip r:embed="rId12" cstate="email">
+            <a:alphaModFix/>
+            <a:extLst>
+              <a:ext uri="{28A0092B-C50C-407E-A947-70E740481C1C}">
+                <a14:useLocalDpi xmlns:a14="http://schemas.microsoft.com/office/drawing/2010/main"/>
+              </a:ext>
+            </a:extLst>
+          </a:blip>
+          <a:stretch>
+            <a:fillRect/>
+          </a:stretch>
+        </p:blipFill>
+        <p:spPr>
+          <a:xfrm>
+            <a:off x="4678675" y="3807375"/>
+            <a:ext cx="1578299" cy="1183724"/>
+          </a:xfrm>
+          <a:prstGeom prst="rect">
+            <a:avLst/>
+          </a:prstGeom>
+          <a:noFill/>
+          <a:ln w="9525" cap="flat" cmpd="sng">
+            <a:solidFill>
+              <a:srgbClr val="FF0000"/>
+            </a:solidFill>
+            <a:prstDash val="solid"/>
+            <a:round/>
+            <a:headEnd type="none" w="sm" len="sm"/>
+            <a:tailEnd type="none" w="sm" len="sm"/>
+          </a:ln>
+        </p:spPr>
+      </p:pic>
+    </p:spTree>
+  </p:cSld>
+  <p:clrMapOvr>
+    <a:masterClrMapping/>
+  </p:clrMapOvr>
+</p:sld>
+</file>
+
+<file path=ppt/slides/slide12.xml><?xml version="1.0" encoding="utf-8"?>
+<p:sld xmlns:a="http://schemas.openxmlformats.org/drawingml/2006/main" xmlns:r="http://schemas.openxmlformats.org/officeDocument/2006/relationships" xmlns:p="http://schemas.openxmlformats.org/presentationml/2006/main">
+  <p:cSld>
+    <p:spTree>
+      <p:nvGrpSpPr>
+        <p:cNvPr id="1" name="Shape 227"/>
+        <p:cNvGrpSpPr/>
+        <p:nvPr/>
+      </p:nvGrpSpPr>
+      <p:grpSpPr>
+        <a:xfrm>
+          <a:off x="0" y="0"/>
+          <a:ext cx="0" cy="0"/>
+          <a:chOff x="0" y="0"/>
+          <a:chExt cx="0" cy="0"/>
+        </a:xfrm>
+      </p:grpSpPr>
+      <p:sp>
+        <p:nvSpPr>
+          <p:cNvPr id="228" name="Google Shape;228;p26"/>
+          <p:cNvSpPr txBox="1"/>
+          <p:nvPr/>
+        </p:nvSpPr>
+        <p:spPr>
+          <a:xfrm>
+            <a:off x="55075" y="-23450"/>
+            <a:ext cx="1961400" cy="326400"/>
+          </a:xfrm>
+          <a:prstGeom prst="rect">
+            <a:avLst/>
+          </a:prstGeom>
+          <a:noFill/>
+          <a:ln>
+            <a:noFill/>
+          </a:ln>
+        </p:spPr>
+        <p:txBody>
+          <a:bodyPr spcFirstLastPara="1" wrap="square" lIns="9125" tIns="9125" rIns="9125" bIns="9125" anchor="t" anchorCtr="0">
+            <a:spAutoFit/>
+          </a:bodyPr>
+          <a:lstStyle/>
+          <a:p>
+            <a:pPr marL="0" marR="0" lvl="0" indent="0" algn="l" rtl="0">
+              <a:lnSpc>
+                <a:spcPct val="100000"/>
+              </a:lnSpc>
+              <a:spcBef>
+                <a:spcPts val="0"/>
+              </a:spcBef>
+              <a:spcAft>
+                <a:spcPts val="0"/>
+              </a:spcAft>
+              <a:buClr>
+                <a:schemeClr val="dk1"/>
+              </a:buClr>
+              <a:buSzPts val="1100"/>
+              <a:buFont typeface="Arial"/>
+              <a:buNone/>
+            </a:pPr>
+            <a:r>
+              <a:rPr lang="en" sz="2000" b="1">
+                <a:solidFill>
+                  <a:schemeClr val="dk1"/>
+                </a:solidFill>
+                <a:latin typeface="Calibri"/>
+                <a:ea typeface="Calibri"/>
+                <a:cs typeface="Calibri"/>
+                <a:sym typeface="Calibri"/>
+              </a:rPr>
+              <a:t>AI Updates 6</a:t>
+            </a:r>
+            <a:endParaRPr sz="2000" b="1" i="0" u="none" strike="noStrike" cap="none">
+              <a:solidFill>
+                <a:schemeClr val="dk1"/>
+              </a:solidFill>
+              <a:latin typeface="Calibri"/>
+              <a:ea typeface="Calibri"/>
+              <a:cs typeface="Calibri"/>
+              <a:sym typeface="Calibri"/>
+            </a:endParaRPr>
+          </a:p>
+        </p:txBody>
+      </p:sp>
+      <p:sp>
+        <p:nvSpPr>
+          <p:cNvPr id="229" name="Google Shape;229;p26"/>
+          <p:cNvSpPr txBox="1"/>
+          <p:nvPr/>
+        </p:nvSpPr>
+        <p:spPr>
+          <a:xfrm>
+            <a:off x="80275" y="342589"/>
+            <a:ext cx="4446000" cy="664800"/>
+          </a:xfrm>
+          <a:prstGeom prst="rect">
+            <a:avLst/>
+          </a:prstGeom>
+          <a:solidFill>
+            <a:srgbClr val="FFF2CC"/>
+          </a:solidFill>
+          <a:ln w="9525" cap="flat" cmpd="sng">
+            <a:solidFill>
+              <a:srgbClr val="FF0000"/>
+            </a:solidFill>
+            <a:prstDash val="solid"/>
+            <a:round/>
+            <a:headEnd type="none" w="sm" len="sm"/>
+            <a:tailEnd type="none" w="sm" len="sm"/>
+          </a:ln>
+        </p:spPr>
+        <p:txBody>
+          <a:bodyPr spcFirstLastPara="1" wrap="square" lIns="9125" tIns="9125" rIns="9125" bIns="9125" anchor="t" anchorCtr="0">
+            <a:spAutoFit/>
+          </a:bodyPr>
+          <a:lstStyle/>
+          <a:p>
+            <a:pPr marL="171450" marR="0" lvl="0" indent="-133350" algn="l" rtl="0">
+              <a:lnSpc>
+                <a:spcPct val="100000"/>
+              </a:lnSpc>
+              <a:spcBef>
+                <a:spcPts val="0"/>
+              </a:spcBef>
+              <a:spcAft>
+                <a:spcPts val="0"/>
+              </a:spcAft>
+              <a:buClr>
+                <a:schemeClr val="dk1"/>
+              </a:buClr>
+              <a:buSzPts val="1200"/>
+              <a:buFont typeface="Calibri"/>
+              <a:buChar char="●"/>
+            </a:pPr>
+            <a:r>
+              <a:rPr lang="en" sz="1200" b="1">
+                <a:solidFill>
+                  <a:srgbClr val="FF0000"/>
+                </a:solidFill>
+                <a:latin typeface="Calibri"/>
+                <a:ea typeface="Calibri"/>
+                <a:cs typeface="Calibri"/>
+                <a:sym typeface="Calibri"/>
+              </a:rPr>
+              <a:t>Google DeepMind Gemini Robotics</a:t>
+            </a:r>
+            <a:r>
+              <a:rPr lang="en" sz="1200">
+                <a:solidFill>
+                  <a:schemeClr val="dk1"/>
+                </a:solidFill>
+                <a:latin typeface="Calibri"/>
+                <a:ea typeface="Calibri"/>
+                <a:cs typeface="Calibri"/>
+                <a:sym typeface="Calibri"/>
+              </a:rPr>
+              <a:t> </a:t>
+            </a:r>
+            <a:endParaRPr sz="1200">
+              <a:solidFill>
+                <a:schemeClr val="dk1"/>
+              </a:solidFill>
+              <a:latin typeface="Calibri"/>
+              <a:ea typeface="Calibri"/>
+              <a:cs typeface="Calibri"/>
+              <a:sym typeface="Calibri"/>
+            </a:endParaRPr>
+          </a:p>
+          <a:p>
+            <a:pPr marL="171450" marR="0" lvl="0" indent="-133350" algn="l" rtl="0">
+              <a:lnSpc>
+                <a:spcPct val="100000"/>
+              </a:lnSpc>
+              <a:spcBef>
+                <a:spcPts val="0"/>
+              </a:spcBef>
+              <a:spcAft>
+                <a:spcPts val="0"/>
+              </a:spcAft>
+              <a:buClr>
+                <a:schemeClr val="dk1"/>
+              </a:buClr>
+              <a:buSzPts val="1200"/>
+              <a:buFont typeface="Calibri"/>
+              <a:buChar char="●"/>
+            </a:pPr>
+            <a:r>
+              <a:rPr lang="en" sz="1200">
+                <a:solidFill>
+                  <a:schemeClr val="dk1"/>
+                </a:solidFill>
+                <a:latin typeface="Calibri"/>
+                <a:ea typeface="Calibri"/>
+                <a:cs typeface="Calibri"/>
+                <a:sym typeface="Calibri"/>
+              </a:rPr>
+              <a:t>On-Device LLM, controls robot's movements</a:t>
+            </a:r>
+            <a:endParaRPr sz="900">
+              <a:solidFill>
+                <a:schemeClr val="dk1"/>
+              </a:solidFill>
+              <a:latin typeface="Calibri"/>
+              <a:ea typeface="Calibri"/>
+              <a:cs typeface="Calibri"/>
+              <a:sym typeface="Calibri"/>
+            </a:endParaRPr>
+          </a:p>
+          <a:p>
+            <a:pPr marL="171450" marR="0" lvl="0" indent="-114300" algn="l" rtl="0">
+              <a:lnSpc>
+                <a:spcPct val="100000"/>
+              </a:lnSpc>
+              <a:spcBef>
+                <a:spcPts val="0"/>
+              </a:spcBef>
+              <a:spcAft>
+                <a:spcPts val="0"/>
+              </a:spcAft>
+              <a:buClr>
+                <a:schemeClr val="dk1"/>
+              </a:buClr>
+              <a:buSzPts val="900"/>
+              <a:buFont typeface="Calibri"/>
+              <a:buChar char="●"/>
+            </a:pPr>
+            <a:r>
+              <a:rPr lang="en" sz="900" u="sng">
+                <a:solidFill>
+                  <a:schemeClr val="hlink"/>
+                </a:solidFill>
+                <a:latin typeface="Calibri"/>
+                <a:ea typeface="Calibri"/>
+                <a:cs typeface="Calibri"/>
+                <a:sym typeface="Calibri"/>
+                <a:hlinkClick r:id="rId3"/>
+              </a:rPr>
+              <a:t>https://techcrunch.com/2025/06/24/google-rolls-out-new-gemini-model-that-can-run-on-robots-locally/</a:t>
+            </a:r>
+            <a:r>
+              <a:rPr lang="en" sz="900">
+                <a:solidFill>
+                  <a:schemeClr val="dk1"/>
+                </a:solidFill>
+                <a:latin typeface="Calibri"/>
+                <a:ea typeface="Calibri"/>
+                <a:cs typeface="Calibri"/>
+                <a:sym typeface="Calibri"/>
+              </a:rPr>
+              <a:t> </a:t>
+            </a:r>
+            <a:endParaRPr sz="900">
+              <a:solidFill>
+                <a:schemeClr val="dk1"/>
+              </a:solidFill>
+              <a:latin typeface="Calibri"/>
+              <a:ea typeface="Calibri"/>
+              <a:cs typeface="Calibri"/>
+              <a:sym typeface="Calibri"/>
+            </a:endParaRPr>
+          </a:p>
+        </p:txBody>
+      </p:sp>
+      <p:pic>
+        <p:nvPicPr>
+          <p:cNvPr id="230" name="Google Shape;230;p26"/>
+          <p:cNvPicPr preferRelativeResize="0"/>
+          <p:nvPr/>
+        </p:nvPicPr>
+        <p:blipFill rotWithShape="1">
+          <a:blip r:embed="rId4" cstate="email">
+            <a:alphaModFix/>
+            <a:extLst>
+              <a:ext uri="{28A0092B-C50C-407E-A947-70E740481C1C}">
+                <a14:useLocalDpi xmlns:a14="http://schemas.microsoft.com/office/drawing/2010/main"/>
+              </a:ext>
+            </a:extLst>
+          </a:blip>
+          <a:srcRect/>
+          <a:stretch/>
+        </p:blipFill>
+        <p:spPr>
+          <a:xfrm>
+            <a:off x="4619075" y="57475"/>
+            <a:ext cx="1669307" cy="949925"/>
+          </a:xfrm>
+          <a:prstGeom prst="rect">
+            <a:avLst/>
+          </a:prstGeom>
+          <a:noFill/>
+          <a:ln w="9525" cap="flat" cmpd="sng">
+            <a:solidFill>
+              <a:srgbClr val="FF0000"/>
+            </a:solidFill>
+            <a:prstDash val="solid"/>
+            <a:round/>
+            <a:headEnd type="none" w="sm" len="sm"/>
+            <a:tailEnd type="none" w="sm" len="sm"/>
+          </a:ln>
+        </p:spPr>
+      </p:pic>
+      <p:sp>
+        <p:nvSpPr>
+          <p:cNvPr id="231" name="Google Shape;231;p26"/>
+          <p:cNvSpPr txBox="1"/>
+          <p:nvPr/>
+        </p:nvSpPr>
+        <p:spPr>
+          <a:xfrm>
+            <a:off x="80275" y="1147164"/>
+            <a:ext cx="4446000" cy="711000"/>
+          </a:xfrm>
+          <a:prstGeom prst="rect">
+            <a:avLst/>
+          </a:prstGeom>
+          <a:solidFill>
+            <a:srgbClr val="FFF2CC"/>
+          </a:solidFill>
+          <a:ln w="9525" cap="flat" cmpd="sng">
+            <a:solidFill>
+              <a:srgbClr val="FF0000"/>
+            </a:solidFill>
+            <a:prstDash val="solid"/>
+            <a:round/>
+            <a:headEnd type="none" w="sm" len="sm"/>
+            <a:tailEnd type="none" w="sm" len="sm"/>
+          </a:ln>
+        </p:spPr>
+        <p:txBody>
+          <a:bodyPr spcFirstLastPara="1" wrap="square" lIns="9125" tIns="9125" rIns="9125" bIns="9125" anchor="t" anchorCtr="0">
+            <a:spAutoFit/>
+          </a:bodyPr>
+          <a:lstStyle/>
+          <a:p>
+            <a:pPr marL="171450" marR="0" lvl="0" indent="-133350" algn="l" rtl="0">
+              <a:lnSpc>
+                <a:spcPct val="100000"/>
+              </a:lnSpc>
+              <a:spcBef>
+                <a:spcPts val="0"/>
+              </a:spcBef>
+              <a:spcAft>
+                <a:spcPts val="0"/>
+              </a:spcAft>
+              <a:buClr>
+                <a:srgbClr val="FF0000"/>
+              </a:buClr>
+              <a:buSzPts val="1200"/>
+              <a:buFont typeface="Calibri"/>
+              <a:buChar char="●"/>
+            </a:pPr>
+            <a:r>
+              <a:rPr lang="en" sz="1200" b="1">
+                <a:solidFill>
+                  <a:srgbClr val="FF0000"/>
+                </a:solidFill>
+                <a:latin typeface="Calibri"/>
+                <a:ea typeface="Calibri"/>
+                <a:cs typeface="Calibri"/>
+                <a:sym typeface="Calibri"/>
+              </a:rPr>
+              <a:t>ElevenLabs 11ai voice assistant</a:t>
+            </a:r>
+            <a:endParaRPr sz="1200" b="1">
+              <a:solidFill>
+                <a:srgbClr val="FF0000"/>
+              </a:solidFill>
+              <a:latin typeface="Calibri"/>
+              <a:ea typeface="Calibri"/>
+              <a:cs typeface="Calibri"/>
+              <a:sym typeface="Calibri"/>
+            </a:endParaRPr>
+          </a:p>
+          <a:p>
+            <a:pPr marL="171450" marR="0" lvl="0" indent="-133350" algn="l" rtl="0">
+              <a:lnSpc>
+                <a:spcPct val="100000"/>
+              </a:lnSpc>
+              <a:spcBef>
+                <a:spcPts val="0"/>
+              </a:spcBef>
+              <a:spcAft>
+                <a:spcPts val="0"/>
+              </a:spcAft>
+              <a:buClr>
+                <a:schemeClr val="dk1"/>
+              </a:buClr>
+              <a:buSzPts val="1200"/>
+              <a:buFont typeface="Calibri"/>
+              <a:buChar char="●"/>
+            </a:pPr>
+            <a:r>
+              <a:rPr lang="en" sz="1200">
+                <a:solidFill>
+                  <a:schemeClr val="dk1"/>
+                </a:solidFill>
+                <a:latin typeface="Calibri"/>
+                <a:ea typeface="Calibri"/>
+                <a:cs typeface="Calibri"/>
+                <a:sym typeface="Calibri"/>
+              </a:rPr>
+              <a:t>Connects to MCP to execute tasks; 5K+ voice options, voice cloning, running on ElevenLabs’ infrastructure</a:t>
+            </a:r>
+            <a:endParaRPr sz="900">
+              <a:solidFill>
+                <a:schemeClr val="dk1"/>
+              </a:solidFill>
+              <a:latin typeface="Calibri"/>
+              <a:ea typeface="Calibri"/>
+              <a:cs typeface="Calibri"/>
+              <a:sym typeface="Calibri"/>
+            </a:endParaRPr>
+          </a:p>
+          <a:p>
+            <a:pPr marL="171450" marR="0" lvl="0" indent="-114300" algn="l" rtl="0">
+              <a:lnSpc>
+                <a:spcPct val="100000"/>
+              </a:lnSpc>
+              <a:spcBef>
+                <a:spcPts val="0"/>
+              </a:spcBef>
+              <a:spcAft>
+                <a:spcPts val="0"/>
+              </a:spcAft>
+              <a:buClr>
+                <a:schemeClr val="dk1"/>
+              </a:buClr>
+              <a:buSzPts val="900"/>
+              <a:buFont typeface="Calibri"/>
+              <a:buChar char="●"/>
+            </a:pPr>
+            <a:r>
+              <a:rPr lang="en" sz="900" u="sng">
+                <a:solidFill>
+                  <a:schemeClr val="hlink"/>
+                </a:solidFill>
+                <a:latin typeface="Calibri"/>
+                <a:ea typeface="Calibri"/>
+                <a:cs typeface="Calibri"/>
+                <a:sym typeface="Calibri"/>
+                <a:hlinkClick r:id="rId5"/>
+              </a:rPr>
+              <a:t>https://elevenlabs.io/blog/introducing-11ai</a:t>
+            </a:r>
+            <a:r>
+              <a:rPr lang="en" sz="900">
+                <a:solidFill>
+                  <a:schemeClr val="dk1"/>
+                </a:solidFill>
+                <a:latin typeface="Calibri"/>
+                <a:ea typeface="Calibri"/>
+                <a:cs typeface="Calibri"/>
+                <a:sym typeface="Calibri"/>
+              </a:rPr>
+              <a:t> </a:t>
+            </a:r>
+            <a:endParaRPr sz="900">
+              <a:solidFill>
+                <a:schemeClr val="dk1"/>
+              </a:solidFill>
+              <a:latin typeface="Calibri"/>
+              <a:ea typeface="Calibri"/>
+              <a:cs typeface="Calibri"/>
+              <a:sym typeface="Calibri"/>
+            </a:endParaRPr>
+          </a:p>
+        </p:txBody>
+      </p:sp>
+      <p:pic>
+        <p:nvPicPr>
+          <p:cNvPr id="232" name="Google Shape;232;p26"/>
+          <p:cNvPicPr preferRelativeResize="0"/>
+          <p:nvPr/>
+        </p:nvPicPr>
+        <p:blipFill>
+          <a:blip r:embed="rId6" cstate="email">
+            <a:alphaModFix/>
+            <a:extLst>
+              <a:ext uri="{28A0092B-C50C-407E-A947-70E740481C1C}">
+                <a14:useLocalDpi xmlns:a14="http://schemas.microsoft.com/office/drawing/2010/main"/>
+              </a:ext>
+            </a:extLst>
+          </a:blip>
+          <a:stretch>
+            <a:fillRect/>
+          </a:stretch>
+        </p:blipFill>
+        <p:spPr>
+          <a:xfrm>
+            <a:off x="4619075" y="1147174"/>
+            <a:ext cx="1367060" cy="711000"/>
+          </a:xfrm>
+          <a:prstGeom prst="rect">
+            <a:avLst/>
+          </a:prstGeom>
+          <a:noFill/>
+          <a:ln w="9525" cap="flat" cmpd="sng">
+            <a:solidFill>
+              <a:srgbClr val="FF0000"/>
+            </a:solidFill>
+            <a:prstDash val="solid"/>
+            <a:round/>
+            <a:headEnd type="none" w="sm" len="sm"/>
+            <a:tailEnd type="none" w="sm" len="sm"/>
+          </a:ln>
+        </p:spPr>
+      </p:pic>
+    </p:spTree>
+  </p:cSld>
+  <p:clrMapOvr>
+    <a:masterClrMapping/>
+  </p:clrMapOvr>
+</p:sld>
+</file>
+
+<file path=ppt/slides/slide13.xml><?xml version="1.0" encoding="utf-8"?>
+<p:sld xmlns:a="http://schemas.openxmlformats.org/drawingml/2006/main" xmlns:r="http://schemas.openxmlformats.org/officeDocument/2006/relationships" xmlns:p="http://schemas.openxmlformats.org/presentationml/2006/main">
+  <p:cSld>
+    <p:spTree>
+      <p:nvGrpSpPr>
+        <p:cNvPr id="1" name="Shape 236"/>
+        <p:cNvGrpSpPr/>
+        <p:nvPr/>
+      </p:nvGrpSpPr>
+      <p:grpSpPr>
+        <a:xfrm>
+          <a:off x="0" y="0"/>
+          <a:ext cx="0" cy="0"/>
+          <a:chOff x="0" y="0"/>
+          <a:chExt cx="0" cy="0"/>
+        </a:xfrm>
+      </p:grpSpPr>
+      <p:sp>
+        <p:nvSpPr>
+          <p:cNvPr id="237" name="Google Shape;237;p27"/>
           <p:cNvSpPr txBox="1"/>
           <p:nvPr/>
         </p:nvSpPr>
@@ -13526,7 +16746,7 @@
       </p:sp>
       <p:sp>
         <p:nvSpPr>
-          <p:cNvPr id="201" name="Google Shape;201;p24"/>
+          <p:cNvPr id="238" name="Google Shape;238;p27"/>
           <p:cNvSpPr txBox="1"/>
           <p:nvPr/>
         </p:nvSpPr>
@@ -14016,7 +17236,7 @@
       </p:sp>
       <p:pic>
         <p:nvPicPr>
-          <p:cNvPr id="202" name="Google Shape;202;p24"/>
+          <p:cNvPr id="239" name="Google Shape;239;p27"/>
           <p:cNvPicPr preferRelativeResize="0"/>
           <p:nvPr/>
         </p:nvPicPr>
@@ -14056,12 +17276,12 @@
 </p:sld>
 </file>
 
-<file path=ppt/slides/slide11.xml><?xml version="1.0" encoding="utf-8"?>
+<file path=ppt/slides/slide14.xml><?xml version="1.0" encoding="utf-8"?>
 <p:sld xmlns:a="http://schemas.openxmlformats.org/drawingml/2006/main" xmlns:r="http://schemas.openxmlformats.org/officeDocument/2006/relationships" xmlns:p="http://schemas.openxmlformats.org/presentationml/2006/main">
   <p:cSld>
     <p:spTree>
       <p:nvGrpSpPr>
-        <p:cNvPr id="1" name="Shape 206"/>
+        <p:cNvPr id="1" name="Shape 243"/>
         <p:cNvGrpSpPr/>
         <p:nvPr/>
       </p:nvGrpSpPr>
@@ -14075,7 +17295,7 @@
       </p:grpSpPr>
       <p:sp>
         <p:nvSpPr>
-          <p:cNvPr id="207" name="Google Shape;207;p25"/>
+          <p:cNvPr id="244" name="Google Shape;244;p28"/>
           <p:cNvSpPr txBox="1"/>
           <p:nvPr/>
         </p:nvSpPr>
@@ -14141,7 +17361,7 @@
       </p:sp>
       <p:sp>
         <p:nvSpPr>
-          <p:cNvPr id="208" name="Google Shape;208;p25"/>
+          <p:cNvPr id="245" name="Google Shape;245;p28"/>
           <p:cNvSpPr txBox="1"/>
           <p:nvPr/>
         </p:nvSpPr>
@@ -14574,7 +17794,7 @@
       </p:sp>
       <p:sp>
         <p:nvSpPr>
-          <p:cNvPr id="209" name="Google Shape;209;p25"/>
+          <p:cNvPr id="246" name="Google Shape;246;p28"/>
           <p:cNvSpPr txBox="1"/>
           <p:nvPr/>
         </p:nvSpPr>
@@ -14808,7 +18028,7 @@
       </p:sp>
       <p:pic>
         <p:nvPicPr>
-          <p:cNvPr id="210" name="Google Shape;210;p25"/>
+          <p:cNvPr id="247" name="Google Shape;247;p28"/>
           <p:cNvPicPr preferRelativeResize="0"/>
           <p:nvPr/>
         </p:nvPicPr>
@@ -14853,12 +18073,12 @@
 </p:sld>
 </file>
 
-<file path=ppt/slides/slide12.xml><?xml version="1.0" encoding="utf-8"?>
+<file path=ppt/slides/slide15.xml><?xml version="1.0" encoding="utf-8"?>
 <p:sld xmlns:a="http://schemas.openxmlformats.org/drawingml/2006/main" xmlns:r="http://schemas.openxmlformats.org/officeDocument/2006/relationships" xmlns:p="http://schemas.openxmlformats.org/presentationml/2006/main">
   <p:cSld>
     <p:spTree>
       <p:nvGrpSpPr>
-        <p:cNvPr id="1" name="Shape 214"/>
+        <p:cNvPr id="1" name="Shape 251"/>
         <p:cNvGrpSpPr/>
         <p:nvPr/>
       </p:nvGrpSpPr>
@@ -14872,7 +18092,7 @@
       </p:grpSpPr>
       <p:sp>
         <p:nvSpPr>
-          <p:cNvPr id="215" name="Google Shape;215;p26"/>
+          <p:cNvPr id="252" name="Google Shape;252;p29"/>
           <p:cNvSpPr txBox="1"/>
           <p:nvPr/>
         </p:nvSpPr>
@@ -14938,7 +18158,7 @@
       </p:sp>
       <p:sp>
         <p:nvSpPr>
-          <p:cNvPr id="216" name="Google Shape;216;p26"/>
+          <p:cNvPr id="253" name="Google Shape;253;p29"/>
           <p:cNvSpPr txBox="1"/>
           <p:nvPr/>
         </p:nvSpPr>
@@ -15585,7 +18805,7 @@
       </p:sp>
       <p:pic>
         <p:nvPicPr>
-          <p:cNvPr id="217" name="Google Shape;217;p26"/>
+          <p:cNvPr id="254" name="Google Shape;254;p29"/>
           <p:cNvPicPr preferRelativeResize="0"/>
           <p:nvPr/>
         </p:nvPicPr>
@@ -15624,12 +18844,12 @@
 </p:sld>
 </file>
 
-<file path=ppt/slides/slide13.xml><?xml version="1.0" encoding="utf-8"?>
+<file path=ppt/slides/slide16.xml><?xml version="1.0" encoding="utf-8"?>
 <p:sld xmlns:a="http://schemas.openxmlformats.org/drawingml/2006/main" xmlns:r="http://schemas.openxmlformats.org/officeDocument/2006/relationships" xmlns:p="http://schemas.openxmlformats.org/presentationml/2006/main">
   <p:cSld>
     <p:spTree>
       <p:nvGrpSpPr>
-        <p:cNvPr id="1" name="Shape 221"/>
+        <p:cNvPr id="1" name="Shape 258"/>
         <p:cNvGrpSpPr/>
         <p:nvPr/>
       </p:nvGrpSpPr>
@@ -15643,7 +18863,7 @@
       </p:grpSpPr>
       <p:sp>
         <p:nvSpPr>
-          <p:cNvPr id="222" name="Google Shape;222;p27"/>
+          <p:cNvPr id="259" name="Google Shape;259;p30"/>
           <p:cNvSpPr txBox="1"/>
           <p:nvPr/>
         </p:nvSpPr>
@@ -15709,7 +18929,7 @@
       </p:sp>
       <p:sp>
         <p:nvSpPr>
-          <p:cNvPr id="223" name="Google Shape;223;p27"/>
+          <p:cNvPr id="260" name="Google Shape;260;p30"/>
           <p:cNvSpPr txBox="1"/>
           <p:nvPr/>
         </p:nvSpPr>
@@ -16207,7 +19427,7 @@
       </p:sp>
       <p:pic>
         <p:nvPicPr>
-          <p:cNvPr id="224" name="Google Shape;224;p27"/>
+          <p:cNvPr id="261" name="Google Shape;261;p30"/>
           <p:cNvPicPr preferRelativeResize="0"/>
           <p:nvPr/>
         </p:nvPicPr>
@@ -16252,12 +19472,12 @@
 </p:sld>
 </file>
 
-<file path=ppt/slides/slide14.xml><?xml version="1.0" encoding="utf-8"?>
+<file path=ppt/slides/slide17.xml><?xml version="1.0" encoding="utf-8"?>
 <p:sld xmlns:a="http://schemas.openxmlformats.org/drawingml/2006/main" xmlns:r="http://schemas.openxmlformats.org/officeDocument/2006/relationships" xmlns:p="http://schemas.openxmlformats.org/presentationml/2006/main">
   <p:cSld>
     <p:spTree>
       <p:nvGrpSpPr>
-        <p:cNvPr id="1" name="Shape 228"/>
+        <p:cNvPr id="1" name="Shape 265"/>
         <p:cNvGrpSpPr/>
         <p:nvPr/>
       </p:nvGrpSpPr>
@@ -16271,7 +19491,7 @@
       </p:grpSpPr>
       <p:sp>
         <p:nvSpPr>
-          <p:cNvPr id="229" name="Google Shape;229;p28"/>
+          <p:cNvPr id="266" name="Google Shape;266;p31"/>
           <p:cNvSpPr txBox="1"/>
           <p:nvPr/>
         </p:nvSpPr>
@@ -16337,7 +19557,7 @@
       </p:sp>
       <p:sp>
         <p:nvSpPr>
-          <p:cNvPr id="230" name="Google Shape;230;p28"/>
+          <p:cNvPr id="267" name="Google Shape;267;p31"/>
           <p:cNvSpPr txBox="1"/>
           <p:nvPr/>
         </p:nvSpPr>
@@ -16860,7 +20080,7 @@
       </p:sp>
       <p:sp>
         <p:nvSpPr>
-          <p:cNvPr id="231" name="Google Shape;231;p28"/>
+          <p:cNvPr id="268" name="Google Shape;268;p31"/>
           <p:cNvSpPr txBox="1"/>
           <p:nvPr/>
         </p:nvSpPr>
@@ -17206,7 +20426,7 @@
       </p:sp>
       <p:pic>
         <p:nvPicPr>
-          <p:cNvPr id="232" name="Google Shape;232;p28"/>
+          <p:cNvPr id="269" name="Google Shape;269;p31"/>
           <p:cNvPicPr preferRelativeResize="0"/>
           <p:nvPr/>
         </p:nvPicPr>
@@ -17246,12 +20466,12 @@
 </p:sld>
 </file>
 
-<file path=ppt/slides/slide15.xml><?xml version="1.0" encoding="utf-8"?>
+<file path=ppt/slides/slide18.xml><?xml version="1.0" encoding="utf-8"?>
 <p:sld xmlns:a="http://schemas.openxmlformats.org/drawingml/2006/main" xmlns:r="http://schemas.openxmlformats.org/officeDocument/2006/relationships" xmlns:p="http://schemas.openxmlformats.org/presentationml/2006/main">
   <p:cSld>
     <p:spTree>
       <p:nvGrpSpPr>
-        <p:cNvPr id="1" name="Shape 236"/>
+        <p:cNvPr id="1" name="Shape 273"/>
         <p:cNvGrpSpPr/>
         <p:nvPr/>
       </p:nvGrpSpPr>
@@ -17265,7 +20485,7 @@
       </p:grpSpPr>
       <p:sp>
         <p:nvSpPr>
-          <p:cNvPr id="237" name="Google Shape;237;p29"/>
+          <p:cNvPr id="274" name="Google Shape;274;p32"/>
           <p:cNvSpPr txBox="1"/>
           <p:nvPr/>
         </p:nvSpPr>
@@ -17331,7 +20551,7 @@
       </p:sp>
       <p:sp>
         <p:nvSpPr>
-          <p:cNvPr id="238" name="Google Shape;238;p29"/>
+          <p:cNvPr id="275" name="Google Shape;275;p32"/>
           <p:cNvSpPr txBox="1"/>
           <p:nvPr/>
         </p:nvSpPr>
@@ -17459,7 +20679,7 @@
       </p:sp>
       <p:pic>
         <p:nvPicPr>
-          <p:cNvPr id="239" name="Google Shape;239;p29"/>
+          <p:cNvPr id="276" name="Google Shape;276;p32"/>
           <p:cNvPicPr preferRelativeResize="0"/>
           <p:nvPr/>
         </p:nvPicPr>
@@ -17498,7 +20718,7 @@
       </p:pic>
       <p:pic>
         <p:nvPicPr>
-          <p:cNvPr id="240" name="Google Shape;240;p29"/>
+          <p:cNvPr id="277" name="Google Shape;277;p32"/>
           <p:cNvPicPr preferRelativeResize="0"/>
           <p:nvPr/>
         </p:nvPicPr>
@@ -17543,12 +20763,12 @@
 </p:sld>
 </file>
 
-<file path=ppt/slides/slide16.xml><?xml version="1.0" encoding="utf-8"?>
+<file path=ppt/slides/slide19.xml><?xml version="1.0" encoding="utf-8"?>
 <p:sld xmlns:a="http://schemas.openxmlformats.org/drawingml/2006/main" xmlns:r="http://schemas.openxmlformats.org/officeDocument/2006/relationships" xmlns:p="http://schemas.openxmlformats.org/presentationml/2006/main">
   <p:cSld>
     <p:spTree>
       <p:nvGrpSpPr>
-        <p:cNvPr id="1" name="Shape 244"/>
+        <p:cNvPr id="1" name="Shape 281"/>
         <p:cNvGrpSpPr/>
         <p:nvPr/>
       </p:nvGrpSpPr>
@@ -17562,7 +20782,7 @@
       </p:grpSpPr>
       <p:pic>
         <p:nvPicPr>
-          <p:cNvPr id="245" name="Google Shape;245;p30"/>
+          <p:cNvPr id="282" name="Google Shape;282;p33"/>
           <p:cNvPicPr preferRelativeResize="0"/>
           <p:nvPr/>
         </p:nvPicPr>
@@ -17594,7 +20814,7 @@
       </p:pic>
       <p:sp>
         <p:nvSpPr>
-          <p:cNvPr id="246" name="Google Shape;246;p30"/>
+          <p:cNvPr id="283" name="Google Shape;283;p33"/>
           <p:cNvSpPr txBox="1"/>
           <p:nvPr/>
         </p:nvSpPr>
@@ -17660,7 +20880,7 @@
       </p:sp>
       <p:sp>
         <p:nvSpPr>
-          <p:cNvPr id="247" name="Google Shape;247;p30"/>
+          <p:cNvPr id="284" name="Google Shape;284;p33"/>
           <p:cNvSpPr txBox="1"/>
           <p:nvPr/>
         </p:nvSpPr>
@@ -18090,7 +21310,7 @@
       </p:sp>
       <p:pic>
         <p:nvPicPr>
-          <p:cNvPr id="248" name="Google Shape;248;p30"/>
+          <p:cNvPr id="285" name="Google Shape;285;p33"/>
           <p:cNvPicPr preferRelativeResize="0"/>
           <p:nvPr/>
         </p:nvPicPr>
@@ -18122,7 +21342,7 @@
       </p:pic>
       <p:sp>
         <p:nvSpPr>
-          <p:cNvPr id="249" name="Google Shape;249;p30"/>
+          <p:cNvPr id="286" name="Google Shape;286;p33"/>
           <p:cNvSpPr txBox="1"/>
           <p:nvPr/>
         </p:nvSpPr>
@@ -18201,7 +21421,7 @@
       </p:sp>
       <p:sp>
         <p:nvSpPr>
-          <p:cNvPr id="250" name="Google Shape;250;p30"/>
+          <p:cNvPr id="287" name="Google Shape;287;p33"/>
           <p:cNvSpPr txBox="1"/>
           <p:nvPr/>
         </p:nvSpPr>
@@ -18273,12 +21493,12 @@
 </p:sld>
 </file>
 
-<file path=ppt/slides/slide17.xml><?xml version="1.0" encoding="utf-8"?>
+<file path=ppt/slides/slide2.xml><?xml version="1.0" encoding="utf-8"?>
 <p:sld xmlns:a="http://schemas.openxmlformats.org/drawingml/2006/main" xmlns:r="http://schemas.openxmlformats.org/officeDocument/2006/relationships" xmlns:p="http://schemas.openxmlformats.org/presentationml/2006/main">
   <p:cSld>
     <p:spTree>
       <p:nvGrpSpPr>
-        <p:cNvPr id="1" name="Shape 254"/>
+        <p:cNvPr id="1" name="Shape 72"/>
         <p:cNvGrpSpPr/>
         <p:nvPr/>
       </p:nvGrpSpPr>
@@ -18292,98 +21512,7 @@
       </p:grpSpPr>
       <p:sp>
         <p:nvSpPr>
-          <p:cNvPr id="255" name="Google Shape;255;p31"/>
-          <p:cNvSpPr txBox="1"/>
-          <p:nvPr/>
-        </p:nvSpPr>
-        <p:spPr>
-          <a:xfrm>
-            <a:off x="2151375" y="1533150"/>
-            <a:ext cx="4632600" cy="1262100"/>
-          </a:xfrm>
-          <a:prstGeom prst="rect">
-            <a:avLst/>
-          </a:prstGeom>
-          <a:noFill/>
-          <a:ln>
-            <a:noFill/>
-          </a:ln>
-        </p:spPr>
-        <p:txBody>
-          <a:bodyPr spcFirstLastPara="1" wrap="square" lIns="91425" tIns="91425" rIns="91425" bIns="91425" anchor="t" anchorCtr="0">
-            <a:spAutoFit/>
-          </a:bodyPr>
-          <a:lstStyle/>
-          <a:p>
-            <a:pPr marL="0" marR="0" lvl="0" indent="0" algn="ctr" rtl="0">
-              <a:lnSpc>
-                <a:spcPct val="100000"/>
-              </a:lnSpc>
-              <a:spcBef>
-                <a:spcPts val="0"/>
-              </a:spcBef>
-              <a:spcAft>
-                <a:spcPts val="0"/>
-              </a:spcAft>
-              <a:buClr>
-                <a:srgbClr val="000000"/>
-              </a:buClr>
-              <a:buSzPts val="7000"/>
-              <a:buFont typeface="Arial"/>
-              <a:buNone/>
-            </a:pPr>
-            <a:r>
-              <a:rPr lang="en" sz="7000" b="1" i="0" u="none" strike="noStrike" cap="none">
-                <a:solidFill>
-                  <a:srgbClr val="3C78D8"/>
-                </a:solidFill>
-                <a:latin typeface="Calibri"/>
-                <a:ea typeface="Calibri"/>
-                <a:cs typeface="Calibri"/>
-                <a:sym typeface="Calibri"/>
-              </a:rPr>
-              <a:t>Thank You!</a:t>
-            </a:r>
-            <a:endParaRPr sz="7000" b="1" i="0" u="none" strike="noStrike" cap="none">
-              <a:solidFill>
-                <a:srgbClr val="3C78D8"/>
-              </a:solidFill>
-              <a:latin typeface="Calibri"/>
-              <a:ea typeface="Calibri"/>
-              <a:cs typeface="Calibri"/>
-              <a:sym typeface="Calibri"/>
-            </a:endParaRPr>
-          </a:p>
-        </p:txBody>
-      </p:sp>
-    </p:spTree>
-  </p:cSld>
-  <p:clrMapOvr>
-    <a:masterClrMapping/>
-  </p:clrMapOvr>
-</p:sld>
-</file>
-
-<file path=ppt/slides/slide2.xml><?xml version="1.0" encoding="utf-8"?>
-<p:sld xmlns:a="http://schemas.openxmlformats.org/drawingml/2006/main" xmlns:r="http://schemas.openxmlformats.org/officeDocument/2006/relationships" xmlns:p="http://schemas.openxmlformats.org/presentationml/2006/main">
-  <p:cSld>
-    <p:spTree>
-      <p:nvGrpSpPr>
-        <p:cNvPr id="1" name="Shape 71"/>
-        <p:cNvGrpSpPr/>
-        <p:nvPr/>
-      </p:nvGrpSpPr>
-      <p:grpSpPr>
-        <a:xfrm>
-          <a:off x="0" y="0"/>
-          <a:ext cx="0" cy="0"/>
-          <a:chOff x="0" y="0"/>
-          <a:chExt cx="0" cy="0"/>
-        </a:xfrm>
-      </p:grpSpPr>
-      <p:sp>
-        <p:nvSpPr>
-          <p:cNvPr id="72" name="Google Shape;72;p16"/>
+          <p:cNvPr id="73" name="Google Shape;73;p16"/>
           <p:cNvSpPr txBox="1"/>
           <p:nvPr/>
         </p:nvSpPr>
@@ -18510,7 +21639,7 @@
       </p:sp>
       <p:sp>
         <p:nvSpPr>
-          <p:cNvPr id="73" name="Google Shape;73;p16"/>
+          <p:cNvPr id="74" name="Google Shape;74;p16"/>
           <p:cNvSpPr txBox="1"/>
           <p:nvPr/>
         </p:nvSpPr>
@@ -18576,7 +21705,7 @@
       </p:sp>
       <p:sp>
         <p:nvSpPr>
-          <p:cNvPr id="74" name="Google Shape;74;p16"/>
+          <p:cNvPr id="75" name="Google Shape;75;p16"/>
           <p:cNvSpPr txBox="1"/>
           <p:nvPr/>
         </p:nvSpPr>
@@ -18814,7 +21943,7 @@
       </p:sp>
       <p:sp>
         <p:nvSpPr>
-          <p:cNvPr id="75" name="Google Shape;75;p16"/>
+          <p:cNvPr id="76" name="Google Shape;76;p16"/>
           <p:cNvSpPr txBox="1"/>
           <p:nvPr/>
         </p:nvSpPr>
@@ -18888,7 +22017,7 @@
       </p:sp>
       <p:sp>
         <p:nvSpPr>
-          <p:cNvPr id="76" name="Google Shape;76;p16"/>
+          <p:cNvPr id="77" name="Google Shape;77;p16"/>
           <p:cNvSpPr txBox="1"/>
           <p:nvPr/>
         </p:nvSpPr>
@@ -18962,7 +22091,7 @@
       </p:sp>
       <p:sp>
         <p:nvSpPr>
-          <p:cNvPr id="77" name="Google Shape;77;p16"/>
+          <p:cNvPr id="78" name="Google Shape;78;p16"/>
           <p:cNvSpPr/>
           <p:nvPr/>
         </p:nvSpPr>
@@ -19024,7 +22153,7 @@
       </p:sp>
       <p:sp>
         <p:nvSpPr>
-          <p:cNvPr id="78" name="Google Shape;78;p16"/>
+          <p:cNvPr id="79" name="Google Shape;79;p16"/>
           <p:cNvSpPr txBox="1"/>
           <p:nvPr/>
         </p:nvSpPr>
@@ -19102,7 +22231,7 @@
       </p:sp>
       <p:sp>
         <p:nvSpPr>
-          <p:cNvPr id="79" name="Google Shape;79;p16"/>
+          <p:cNvPr id="80" name="Google Shape;80;p16"/>
           <p:cNvSpPr/>
           <p:nvPr/>
         </p:nvSpPr>
@@ -19164,7 +22293,7 @@
       </p:sp>
       <p:sp>
         <p:nvSpPr>
-          <p:cNvPr id="80" name="Google Shape;80;p16"/>
+          <p:cNvPr id="81" name="Google Shape;81;p16"/>
           <p:cNvSpPr/>
           <p:nvPr/>
         </p:nvSpPr>
@@ -19226,7 +22355,7 @@
       </p:sp>
       <p:sp>
         <p:nvSpPr>
-          <p:cNvPr id="81" name="Google Shape;81;p16"/>
+          <p:cNvPr id="82" name="Google Shape;82;p16"/>
           <p:cNvSpPr/>
           <p:nvPr/>
         </p:nvSpPr>
@@ -19288,7 +22417,7 @@
       </p:sp>
       <p:sp>
         <p:nvSpPr>
-          <p:cNvPr id="82" name="Google Shape;82;p16"/>
+          <p:cNvPr id="83" name="Google Shape;83;p16"/>
           <p:cNvSpPr/>
           <p:nvPr/>
         </p:nvSpPr>
@@ -19350,7 +22479,7 @@
       </p:sp>
       <p:sp>
         <p:nvSpPr>
-          <p:cNvPr id="83" name="Google Shape;83;p16"/>
+          <p:cNvPr id="84" name="Google Shape;84;p16"/>
           <p:cNvSpPr/>
           <p:nvPr/>
         </p:nvSpPr>
@@ -19412,7 +22541,7 @@
       </p:sp>
       <p:sp>
         <p:nvSpPr>
-          <p:cNvPr id="84" name="Google Shape;84;p16"/>
+          <p:cNvPr id="85" name="Google Shape;85;p16"/>
           <p:cNvSpPr/>
           <p:nvPr/>
         </p:nvSpPr>
@@ -19474,7 +22603,7 @@
       </p:sp>
       <p:sp>
         <p:nvSpPr>
-          <p:cNvPr id="85" name="Google Shape;85;p16"/>
+          <p:cNvPr id="86" name="Google Shape;86;p16"/>
           <p:cNvSpPr/>
           <p:nvPr/>
         </p:nvSpPr>
@@ -19536,7 +22665,7 @@
       </p:sp>
       <p:sp>
         <p:nvSpPr>
-          <p:cNvPr id="86" name="Google Shape;86;p16"/>
+          <p:cNvPr id="87" name="Google Shape;87;p16"/>
           <p:cNvSpPr txBox="1"/>
           <p:nvPr/>
         </p:nvSpPr>
@@ -20050,7 +23179,7 @@
       </p:sp>
       <p:sp>
         <p:nvSpPr>
-          <p:cNvPr id="87" name="Google Shape;87;p16"/>
+          <p:cNvPr id="88" name="Google Shape;88;p16"/>
           <p:cNvSpPr txBox="1"/>
           <p:nvPr/>
         </p:nvSpPr>
@@ -20128,7 +23257,7 @@
       </p:sp>
       <p:sp>
         <p:nvSpPr>
-          <p:cNvPr id="88" name="Google Shape;88;p16"/>
+          <p:cNvPr id="89" name="Google Shape;89;p16"/>
           <p:cNvSpPr/>
           <p:nvPr/>
         </p:nvSpPr>
@@ -20190,7 +23319,7 @@
       </p:sp>
       <p:sp>
         <p:nvSpPr>
-          <p:cNvPr id="89" name="Google Shape;89;p16"/>
+          <p:cNvPr id="90" name="Google Shape;90;p16"/>
           <p:cNvSpPr/>
           <p:nvPr/>
         </p:nvSpPr>
@@ -20252,7 +23381,7 @@
       </p:sp>
       <p:sp>
         <p:nvSpPr>
-          <p:cNvPr id="90" name="Google Shape;90;p16"/>
+          <p:cNvPr id="91" name="Google Shape;91;p16"/>
           <p:cNvSpPr/>
           <p:nvPr/>
         </p:nvSpPr>
@@ -20314,7 +23443,7 @@
       </p:sp>
       <p:sp>
         <p:nvSpPr>
-          <p:cNvPr id="91" name="Google Shape;91;p16"/>
+          <p:cNvPr id="92" name="Google Shape;92;p16"/>
           <p:cNvSpPr txBox="1"/>
           <p:nvPr/>
         </p:nvSpPr>
@@ -20388,7 +23517,7 @@
       </p:sp>
       <p:sp>
         <p:nvSpPr>
-          <p:cNvPr id="92" name="Google Shape;92;p16"/>
+          <p:cNvPr id="93" name="Google Shape;93;p16"/>
           <p:cNvSpPr txBox="1"/>
           <p:nvPr/>
         </p:nvSpPr>
@@ -20457,7 +23586,7 @@
       </p:sp>
       <p:sp>
         <p:nvSpPr>
-          <p:cNvPr id="93" name="Google Shape;93;p16"/>
+          <p:cNvPr id="94" name="Google Shape;94;p16"/>
           <p:cNvSpPr/>
           <p:nvPr/>
         </p:nvSpPr>
@@ -20519,7 +23648,7 @@
       </p:sp>
       <p:sp>
         <p:nvSpPr>
-          <p:cNvPr id="94" name="Google Shape;94;p16"/>
+          <p:cNvPr id="95" name="Google Shape;95;p16"/>
           <p:cNvSpPr/>
           <p:nvPr/>
         </p:nvSpPr>
@@ -20581,7 +23710,7 @@
       </p:sp>
       <p:sp>
         <p:nvSpPr>
-          <p:cNvPr id="95" name="Google Shape;95;p16"/>
+          <p:cNvPr id="96" name="Google Shape;96;p16"/>
           <p:cNvSpPr/>
           <p:nvPr/>
         </p:nvSpPr>
@@ -20643,7 +23772,7 @@
       </p:sp>
       <p:sp>
         <p:nvSpPr>
-          <p:cNvPr id="96" name="Google Shape;96;p16"/>
+          <p:cNvPr id="97" name="Google Shape;97;p16"/>
           <p:cNvSpPr/>
           <p:nvPr/>
         </p:nvSpPr>
@@ -20705,7 +23834,7 @@
       </p:sp>
       <p:sp>
         <p:nvSpPr>
-          <p:cNvPr id="97" name="Google Shape;97;p16"/>
+          <p:cNvPr id="98" name="Google Shape;98;p16"/>
           <p:cNvSpPr txBox="1"/>
           <p:nvPr/>
         </p:nvSpPr>
@@ -20783,7 +23912,7 @@
       </p:sp>
       <p:sp>
         <p:nvSpPr>
-          <p:cNvPr id="98" name="Google Shape;98;p16"/>
+          <p:cNvPr id="99" name="Google Shape;99;p16"/>
           <p:cNvSpPr/>
           <p:nvPr/>
         </p:nvSpPr>
@@ -20845,7 +23974,7 @@
       </p:sp>
       <p:sp>
         <p:nvSpPr>
-          <p:cNvPr id="99" name="Google Shape;99;p16"/>
+          <p:cNvPr id="100" name="Google Shape;100;p16"/>
           <p:cNvSpPr/>
           <p:nvPr/>
         </p:nvSpPr>
@@ -20907,7 +24036,7 @@
       </p:sp>
       <p:sp>
         <p:nvSpPr>
-          <p:cNvPr id="100" name="Google Shape;100;p16"/>
+          <p:cNvPr id="101" name="Google Shape;101;p16"/>
           <p:cNvSpPr/>
           <p:nvPr/>
         </p:nvSpPr>
@@ -20969,7 +24098,7 @@
       </p:sp>
       <p:sp>
         <p:nvSpPr>
-          <p:cNvPr id="101" name="Google Shape;101;p16"/>
+          <p:cNvPr id="102" name="Google Shape;102;p16"/>
           <p:cNvSpPr txBox="1"/>
           <p:nvPr/>
         </p:nvSpPr>
@@ -21047,7 +24176,7 @@
       </p:sp>
       <p:sp>
         <p:nvSpPr>
-          <p:cNvPr id="102" name="Google Shape;102;p16"/>
+          <p:cNvPr id="103" name="Google Shape;103;p16"/>
           <p:cNvSpPr/>
           <p:nvPr/>
         </p:nvSpPr>
@@ -21109,7 +24238,7 @@
       </p:sp>
       <p:sp>
         <p:nvSpPr>
-          <p:cNvPr id="103" name="Google Shape;103;p16"/>
+          <p:cNvPr id="104" name="Google Shape;104;p16"/>
           <p:cNvSpPr txBox="1"/>
           <p:nvPr/>
         </p:nvSpPr>
@@ -21187,7 +24316,7 @@
       </p:sp>
       <p:sp>
         <p:nvSpPr>
-          <p:cNvPr id="104" name="Google Shape;104;p16"/>
+          <p:cNvPr id="105" name="Google Shape;105;p16"/>
           <p:cNvSpPr/>
           <p:nvPr/>
         </p:nvSpPr>
@@ -21249,7 +24378,7 @@
       </p:sp>
       <p:sp>
         <p:nvSpPr>
-          <p:cNvPr id="105" name="Google Shape;105;p16"/>
+          <p:cNvPr id="106" name="Google Shape;106;p16"/>
           <p:cNvSpPr/>
           <p:nvPr/>
         </p:nvSpPr>
@@ -21311,7 +24440,7 @@
       </p:sp>
       <p:sp>
         <p:nvSpPr>
-          <p:cNvPr id="106" name="Google Shape;106;p16"/>
+          <p:cNvPr id="107" name="Google Shape;107;p16"/>
           <p:cNvSpPr/>
           <p:nvPr/>
         </p:nvSpPr>
@@ -21373,7 +24502,7 @@
       </p:sp>
       <p:sp>
         <p:nvSpPr>
-          <p:cNvPr id="107" name="Google Shape;107;p16"/>
+          <p:cNvPr id="108" name="Google Shape;108;p16"/>
           <p:cNvSpPr/>
           <p:nvPr/>
         </p:nvSpPr>
@@ -21435,7 +24564,7 @@
       </p:sp>
       <p:sp>
         <p:nvSpPr>
-          <p:cNvPr id="108" name="Google Shape;108;p16"/>
+          <p:cNvPr id="109" name="Google Shape;109;p16"/>
           <p:cNvSpPr/>
           <p:nvPr/>
         </p:nvSpPr>
@@ -21497,7 +24626,7 @@
       </p:sp>
       <p:sp>
         <p:nvSpPr>
-          <p:cNvPr id="109" name="Google Shape;109;p16"/>
+          <p:cNvPr id="110" name="Google Shape;110;p16"/>
           <p:cNvSpPr/>
           <p:nvPr/>
         </p:nvSpPr>
@@ -21559,7 +24688,7 @@
       </p:sp>
       <p:sp>
         <p:nvSpPr>
-          <p:cNvPr id="110" name="Google Shape;110;p16"/>
+          <p:cNvPr id="111" name="Google Shape;111;p16"/>
           <p:cNvSpPr/>
           <p:nvPr/>
         </p:nvSpPr>
@@ -21621,7 +24750,7 @@
       </p:sp>
       <p:sp>
         <p:nvSpPr>
-          <p:cNvPr id="111" name="Google Shape;111;p16"/>
+          <p:cNvPr id="112" name="Google Shape;112;p16"/>
           <p:cNvSpPr/>
           <p:nvPr/>
         </p:nvSpPr>
@@ -21683,7 +24812,7 @@
       </p:sp>
       <p:sp>
         <p:nvSpPr>
-          <p:cNvPr id="112" name="Google Shape;112;p16"/>
+          <p:cNvPr id="113" name="Google Shape;113;p16"/>
           <p:cNvSpPr/>
           <p:nvPr/>
         </p:nvSpPr>
@@ -21745,7 +24874,7 @@
       </p:sp>
       <p:sp>
         <p:nvSpPr>
-          <p:cNvPr id="113" name="Google Shape;113;p16"/>
+          <p:cNvPr id="114" name="Google Shape;114;p16"/>
           <p:cNvSpPr txBox="1"/>
           <p:nvPr/>
         </p:nvSpPr>
@@ -21819,7 +24948,7 @@
       </p:sp>
       <p:sp>
         <p:nvSpPr>
-          <p:cNvPr id="114" name="Google Shape;114;p16"/>
+          <p:cNvPr id="115" name="Google Shape;115;p16"/>
           <p:cNvSpPr/>
           <p:nvPr/>
         </p:nvSpPr>
@@ -21881,7 +25010,7 @@
       </p:sp>
       <p:sp>
         <p:nvSpPr>
-          <p:cNvPr id="115" name="Google Shape;115;p16"/>
+          <p:cNvPr id="116" name="Google Shape;116;p16"/>
           <p:cNvSpPr/>
           <p:nvPr/>
         </p:nvSpPr>
@@ -21943,7 +25072,7 @@
       </p:sp>
       <p:sp>
         <p:nvSpPr>
-          <p:cNvPr id="116" name="Google Shape;116;p16"/>
+          <p:cNvPr id="117" name="Google Shape;117;p16"/>
           <p:cNvSpPr/>
           <p:nvPr/>
         </p:nvSpPr>
@@ -22005,7 +25134,7 @@
       </p:sp>
       <p:graphicFrame>
         <p:nvGraphicFramePr>
-          <p:cNvPr id="117" name="Google Shape;117;p16"/>
+          <p:cNvPr id="118" name="Google Shape;118;p16"/>
           <p:cNvGraphicFramePr/>
           <p:nvPr/>
         </p:nvGraphicFramePr>
@@ -22018,7 +25147,7 @@
             <a:tbl>
               <a:tblPr>
                 <a:noFill/>
-                <a:tableStyleId>{BA983C8A-4F02-45C5-8845-A744AD905ABD}</a:tableStyleId>
+                <a:tableStyleId>{E5414D47-7274-47CD-8CD2-5CE76CFFF132}</a:tableStyleId>
               </a:tblPr>
               <a:tblGrid>
                 <a:gridCol w="2247900">
@@ -25583,7 +28712,7 @@
       </p:graphicFrame>
       <p:graphicFrame>
         <p:nvGraphicFramePr>
-          <p:cNvPr id="118" name="Google Shape;118;p16"/>
+          <p:cNvPr id="119" name="Google Shape;119;p16"/>
           <p:cNvGraphicFramePr/>
           <p:nvPr/>
         </p:nvGraphicFramePr>
@@ -25596,7 +28725,7 @@
             <a:tbl>
               <a:tblPr>
                 <a:noFill/>
-                <a:tableStyleId>{BA983C8A-4F02-45C5-8845-A744AD905ABD}</a:tableStyleId>
+                <a:tableStyleId>{E5414D47-7274-47CD-8CD2-5CE76CFFF132}</a:tableStyleId>
               </a:tblPr>
               <a:tblGrid>
                 <a:gridCol w="1809750">
@@ -29161,7 +32290,7 @@
       </p:graphicFrame>
       <p:sp>
         <p:nvSpPr>
-          <p:cNvPr id="119" name="Google Shape;119;p16"/>
+          <p:cNvPr id="120" name="Google Shape;120;p16"/>
           <p:cNvSpPr txBox="1"/>
           <p:nvPr/>
         </p:nvSpPr>
@@ -29239,7 +32368,7 @@
       </p:sp>
       <p:sp>
         <p:nvSpPr>
-          <p:cNvPr id="120" name="Google Shape;120;p16"/>
+          <p:cNvPr id="121" name="Google Shape;121;p16"/>
           <p:cNvSpPr/>
           <p:nvPr/>
         </p:nvSpPr>
@@ -29301,7 +32430,7 @@
       </p:sp>
       <p:sp>
         <p:nvSpPr>
-          <p:cNvPr id="121" name="Google Shape;121;p16"/>
+          <p:cNvPr id="122" name="Google Shape;122;p16"/>
           <p:cNvSpPr txBox="1"/>
           <p:nvPr/>
         </p:nvSpPr>
@@ -29379,7 +32508,7 @@
       </p:sp>
       <p:sp>
         <p:nvSpPr>
-          <p:cNvPr id="122" name="Google Shape;122;p16"/>
+          <p:cNvPr id="123" name="Google Shape;123;p16"/>
           <p:cNvSpPr/>
           <p:nvPr/>
         </p:nvSpPr>
@@ -29441,7 +32570,7 @@
       </p:sp>
       <p:sp>
         <p:nvSpPr>
-          <p:cNvPr id="123" name="Google Shape;123;p16"/>
+          <p:cNvPr id="124" name="Google Shape;124;p16"/>
           <p:cNvSpPr/>
           <p:nvPr/>
         </p:nvSpPr>
@@ -29503,7 +32632,7 @@
       </p:sp>
       <p:sp>
         <p:nvSpPr>
-          <p:cNvPr id="124" name="Google Shape;124;p16"/>
+          <p:cNvPr id="125" name="Google Shape;125;p16"/>
           <p:cNvSpPr/>
           <p:nvPr/>
         </p:nvSpPr>
@@ -29565,7 +32694,7 @@
       </p:sp>
       <p:sp>
         <p:nvSpPr>
-          <p:cNvPr id="125" name="Google Shape;125;p16"/>
+          <p:cNvPr id="126" name="Google Shape;126;p16"/>
           <p:cNvSpPr txBox="1"/>
           <p:nvPr/>
         </p:nvSpPr>
@@ -29643,7 +32772,7 @@
       </p:sp>
       <p:sp>
         <p:nvSpPr>
-          <p:cNvPr id="126" name="Google Shape;126;p16"/>
+          <p:cNvPr id="127" name="Google Shape;127;p16"/>
           <p:cNvSpPr/>
           <p:nvPr/>
         </p:nvSpPr>
@@ -29711,12 +32840,12 @@
 </p:sld>
 </file>
 
-<file path=ppt/slides/slide3.xml><?xml version="1.0" encoding="utf-8"?>
+<file path=ppt/slides/slide20.xml><?xml version="1.0" encoding="utf-8"?>
 <p:sld xmlns:a="http://schemas.openxmlformats.org/drawingml/2006/main" xmlns:r="http://schemas.openxmlformats.org/officeDocument/2006/relationships" xmlns:p="http://schemas.openxmlformats.org/presentationml/2006/main">
   <p:cSld>
     <p:spTree>
       <p:nvGrpSpPr>
-        <p:cNvPr id="1" name="Shape 130"/>
+        <p:cNvPr id="1" name="Shape 291"/>
         <p:cNvGrpSpPr/>
         <p:nvPr/>
       </p:nvGrpSpPr>
@@ -29730,7 +32859,98 @@
       </p:grpSpPr>
       <p:sp>
         <p:nvSpPr>
-          <p:cNvPr id="131" name="Google Shape;131;p17"/>
+          <p:cNvPr id="292" name="Google Shape;292;p34"/>
+          <p:cNvSpPr txBox="1"/>
+          <p:nvPr/>
+        </p:nvSpPr>
+        <p:spPr>
+          <a:xfrm>
+            <a:off x="2151375" y="1533150"/>
+            <a:ext cx="4632600" cy="1262100"/>
+          </a:xfrm>
+          <a:prstGeom prst="rect">
+            <a:avLst/>
+          </a:prstGeom>
+          <a:noFill/>
+          <a:ln>
+            <a:noFill/>
+          </a:ln>
+        </p:spPr>
+        <p:txBody>
+          <a:bodyPr spcFirstLastPara="1" wrap="square" lIns="91425" tIns="91425" rIns="91425" bIns="91425" anchor="t" anchorCtr="0">
+            <a:spAutoFit/>
+          </a:bodyPr>
+          <a:lstStyle/>
+          <a:p>
+            <a:pPr marL="0" marR="0" lvl="0" indent="0" algn="ctr" rtl="0">
+              <a:lnSpc>
+                <a:spcPct val="100000"/>
+              </a:lnSpc>
+              <a:spcBef>
+                <a:spcPts val="0"/>
+              </a:spcBef>
+              <a:spcAft>
+                <a:spcPts val="0"/>
+              </a:spcAft>
+              <a:buClr>
+                <a:srgbClr val="000000"/>
+              </a:buClr>
+              <a:buSzPts val="7000"/>
+              <a:buFont typeface="Arial"/>
+              <a:buNone/>
+            </a:pPr>
+            <a:r>
+              <a:rPr lang="en" sz="7000" b="1" i="0" u="none" strike="noStrike" cap="none">
+                <a:solidFill>
+                  <a:srgbClr val="3C78D8"/>
+                </a:solidFill>
+                <a:latin typeface="Calibri"/>
+                <a:ea typeface="Calibri"/>
+                <a:cs typeface="Calibri"/>
+                <a:sym typeface="Calibri"/>
+              </a:rPr>
+              <a:t>Thank You!</a:t>
+            </a:r>
+            <a:endParaRPr sz="7000" b="1" i="0" u="none" strike="noStrike" cap="none">
+              <a:solidFill>
+                <a:srgbClr val="3C78D8"/>
+              </a:solidFill>
+              <a:latin typeface="Calibri"/>
+              <a:ea typeface="Calibri"/>
+              <a:cs typeface="Calibri"/>
+              <a:sym typeface="Calibri"/>
+            </a:endParaRPr>
+          </a:p>
+        </p:txBody>
+      </p:sp>
+    </p:spTree>
+  </p:cSld>
+  <p:clrMapOvr>
+    <a:masterClrMapping/>
+  </p:clrMapOvr>
+</p:sld>
+</file>
+
+<file path=ppt/slides/slide3.xml><?xml version="1.0" encoding="utf-8"?>
+<p:sld xmlns:a="http://schemas.openxmlformats.org/drawingml/2006/main" xmlns:r="http://schemas.openxmlformats.org/officeDocument/2006/relationships" xmlns:p="http://schemas.openxmlformats.org/presentationml/2006/main">
+  <p:cSld>
+    <p:spTree>
+      <p:nvGrpSpPr>
+        <p:cNvPr id="1" name="Shape 131"/>
+        <p:cNvGrpSpPr/>
+        <p:nvPr/>
+      </p:nvGrpSpPr>
+      <p:grpSpPr>
+        <a:xfrm>
+          <a:off x="0" y="0"/>
+          <a:ext cx="0" cy="0"/>
+          <a:chOff x="0" y="0"/>
+          <a:chExt cx="0" cy="0"/>
+        </a:xfrm>
+      </p:grpSpPr>
+      <p:sp>
+        <p:nvSpPr>
+          <p:cNvPr id="132" name="Google Shape;132;p17"/>
           <p:cNvSpPr txBox="1"/>
           <p:nvPr/>
         </p:nvSpPr>
@@ -29796,7 +33016,7 @@
       </p:sp>
       <p:sp>
         <p:nvSpPr>
-          <p:cNvPr id="132" name="Google Shape;132;p17"/>
+          <p:cNvPr id="133" name="Google Shape;133;p17"/>
           <p:cNvSpPr txBox="1"/>
           <p:nvPr/>
         </p:nvSpPr>
@@ -29990,7 +33210,7 @@
       </p:sp>
       <p:sp>
         <p:nvSpPr>
-          <p:cNvPr id="133" name="Google Shape;133;p17"/>
+          <p:cNvPr id="134" name="Google Shape;134;p17"/>
           <p:cNvSpPr txBox="1"/>
           <p:nvPr/>
         </p:nvSpPr>
@@ -30117,7 +33337,7 @@
       </p:sp>
       <p:sp>
         <p:nvSpPr>
-          <p:cNvPr id="134" name="Google Shape;134;p17"/>
+          <p:cNvPr id="135" name="Google Shape;135;p17"/>
           <p:cNvSpPr txBox="1"/>
           <p:nvPr/>
         </p:nvSpPr>
@@ -30400,7 +33620,7 @@
       </p:sp>
       <p:sp>
         <p:nvSpPr>
-          <p:cNvPr id="135" name="Google Shape;135;p17"/>
+          <p:cNvPr id="136" name="Google Shape;136;p17"/>
           <p:cNvSpPr txBox="1"/>
           <p:nvPr/>
         </p:nvSpPr>
@@ -30647,7 +33867,7 @@
       </p:sp>
       <p:sp>
         <p:nvSpPr>
-          <p:cNvPr id="136" name="Google Shape;136;p17"/>
+          <p:cNvPr id="137" name="Google Shape;137;p17"/>
           <p:cNvSpPr txBox="1"/>
           <p:nvPr/>
         </p:nvSpPr>
@@ -30801,7 +34021,7 @@
       </p:sp>
       <p:pic>
         <p:nvPicPr>
-          <p:cNvPr id="137" name="Google Shape;137;p17"/>
+          <p:cNvPr id="138" name="Google Shape;138;p17"/>
           <p:cNvPicPr preferRelativeResize="0"/>
           <p:nvPr/>
         </p:nvPicPr>
@@ -30840,7 +34060,7 @@
       </p:pic>
       <p:pic>
         <p:nvPicPr>
-          <p:cNvPr id="138" name="Google Shape;138;p17"/>
+          <p:cNvPr id="139" name="Google Shape;139;p17"/>
           <p:cNvPicPr preferRelativeResize="0"/>
           <p:nvPr/>
         </p:nvPicPr>
@@ -30879,7 +34099,7 @@
       </p:pic>
       <p:pic>
         <p:nvPicPr>
-          <p:cNvPr id="139" name="Google Shape;139;p17"/>
+          <p:cNvPr id="140" name="Google Shape;140;p17"/>
           <p:cNvPicPr preferRelativeResize="0"/>
           <p:nvPr/>
         </p:nvPicPr>
@@ -30918,7 +34138,7 @@
       </p:pic>
       <p:pic>
         <p:nvPicPr>
-          <p:cNvPr id="140" name="Google Shape;140;p17"/>
+          <p:cNvPr id="141" name="Google Shape;141;p17"/>
           <p:cNvPicPr preferRelativeResize="0"/>
           <p:nvPr/>
         </p:nvPicPr>
@@ -30957,7 +34177,7 @@
       </p:pic>
       <p:pic>
         <p:nvPicPr>
-          <p:cNvPr id="141" name="Google Shape;141;p17"/>
+          <p:cNvPr id="142" name="Google Shape;142;p17"/>
           <p:cNvPicPr preferRelativeResize="0"/>
           <p:nvPr/>
         </p:nvPicPr>
@@ -30996,7 +34216,7 @@
       </p:pic>
       <p:pic>
         <p:nvPicPr>
-          <p:cNvPr id="142" name="Google Shape;142;p17"/>
+          <p:cNvPr id="143" name="Google Shape;143;p17"/>
           <p:cNvPicPr preferRelativeResize="0"/>
           <p:nvPr/>
         </p:nvPicPr>
@@ -31034,7 +34254,7 @@
       </p:pic>
       <p:sp>
         <p:nvSpPr>
-          <p:cNvPr id="143" name="Google Shape;143;p17"/>
+          <p:cNvPr id="144" name="Google Shape;144;p17"/>
           <p:cNvSpPr/>
           <p:nvPr/>
         </p:nvSpPr>
@@ -31089,7 +34309,7 @@
   <p:cSld>
     <p:spTree>
       <p:nvGrpSpPr>
-        <p:cNvPr id="1" name="Shape 147"/>
+        <p:cNvPr id="1" name="Shape 148"/>
         <p:cNvGrpSpPr/>
         <p:nvPr/>
       </p:nvGrpSpPr>
@@ -31103,7 +34323,7 @@
       </p:grpSpPr>
       <p:sp>
         <p:nvSpPr>
-          <p:cNvPr id="148" name="Google Shape;148;p18"/>
+          <p:cNvPr id="149" name="Google Shape;149;p18"/>
           <p:cNvSpPr txBox="1"/>
           <p:nvPr/>
         </p:nvSpPr>
@@ -31169,7 +34389,7 @@
       </p:sp>
       <p:sp>
         <p:nvSpPr>
-          <p:cNvPr id="149" name="Google Shape;149;p18"/>
+          <p:cNvPr id="150" name="Google Shape;150;p18"/>
           <p:cNvSpPr txBox="1"/>
           <p:nvPr/>
         </p:nvSpPr>
@@ -31589,7 +34809,7 @@
       </p:sp>
       <p:pic>
         <p:nvPicPr>
-          <p:cNvPr id="150" name="Google Shape;150;p18"/>
+          <p:cNvPr id="151" name="Google Shape;151;p18"/>
           <p:cNvPicPr preferRelativeResize="0"/>
           <p:nvPr/>
         </p:nvPicPr>
@@ -31633,7 +34853,7 @@
   <p:cSld>
     <p:spTree>
       <p:nvGrpSpPr>
-        <p:cNvPr id="1" name="Shape 154"/>
+        <p:cNvPr id="1" name="Shape 155"/>
         <p:cNvGrpSpPr/>
         <p:nvPr/>
       </p:nvGrpSpPr>
@@ -31647,7 +34867,7 @@
       </p:grpSpPr>
       <p:sp>
         <p:nvSpPr>
-          <p:cNvPr id="155" name="Google Shape;155;p19"/>
+          <p:cNvPr id="156" name="Google Shape;156;p19"/>
           <p:cNvSpPr txBox="1"/>
           <p:nvPr/>
         </p:nvSpPr>
@@ -31713,7 +34933,7 @@
       </p:sp>
       <p:sp>
         <p:nvSpPr>
-          <p:cNvPr id="156" name="Google Shape;156;p19"/>
+          <p:cNvPr id="157" name="Google Shape;157;p19"/>
           <p:cNvSpPr txBox="1"/>
           <p:nvPr/>
         </p:nvSpPr>
@@ -32383,7 +35603,7 @@
       </p:sp>
       <p:pic>
         <p:nvPicPr>
-          <p:cNvPr id="157" name="Google Shape;157;p19"/>
+          <p:cNvPr id="158" name="Google Shape;158;p19"/>
           <p:cNvPicPr preferRelativeResize="0"/>
           <p:nvPr/>
         </p:nvPicPr>
@@ -32433,7 +35653,7 @@
   <p:cSld>
     <p:spTree>
       <p:nvGrpSpPr>
-        <p:cNvPr id="1" name="Shape 161"/>
+        <p:cNvPr id="1" name="Shape 162"/>
         <p:cNvGrpSpPr/>
         <p:nvPr/>
       </p:nvGrpSpPr>
@@ -32447,7 +35667,7 @@
       </p:grpSpPr>
       <p:sp>
         <p:nvSpPr>
-          <p:cNvPr id="162" name="Google Shape;162;p20"/>
+          <p:cNvPr id="163" name="Google Shape;163;p20"/>
           <p:cNvSpPr txBox="1"/>
           <p:nvPr/>
         </p:nvSpPr>
@@ -32762,7 +35982,7 @@
       </p:sp>
       <p:pic>
         <p:nvPicPr>
-          <p:cNvPr id="163" name="Google Shape;163;p20"/>
+          <p:cNvPr id="164" name="Google Shape;164;p20"/>
           <p:cNvPicPr preferRelativeResize="0"/>
           <p:nvPr/>
         </p:nvPicPr>
@@ -32811,7 +36031,7 @@
   <p:cSld>
     <p:spTree>
       <p:nvGrpSpPr>
-        <p:cNvPr id="1" name="Shape 167"/>
+        <p:cNvPr id="1" name="Shape 168"/>
         <p:cNvGrpSpPr/>
         <p:nvPr/>
       </p:nvGrpSpPr>
@@ -32825,7 +36045,7 @@
       </p:grpSpPr>
       <p:sp>
         <p:nvSpPr>
-          <p:cNvPr id="168" name="Google Shape;168;p21"/>
+          <p:cNvPr id="169" name="Google Shape;169;p21"/>
           <p:cNvSpPr txBox="1"/>
           <p:nvPr/>
         </p:nvSpPr>
@@ -32891,7 +36111,7 @@
       </p:sp>
       <p:sp>
         <p:nvSpPr>
-          <p:cNvPr id="169" name="Google Shape;169;p21"/>
+          <p:cNvPr id="170" name="Google Shape;170;p21"/>
           <p:cNvSpPr txBox="1"/>
           <p:nvPr/>
         </p:nvSpPr>
@@ -33220,7 +36440,7 @@
       </p:sp>
       <p:pic>
         <p:nvPicPr>
-          <p:cNvPr id="170" name="Google Shape;170;p21"/>
+          <p:cNvPr id="171" name="Google Shape;171;p21"/>
           <p:cNvPicPr preferRelativeResize="0"/>
           <p:nvPr/>
         </p:nvPicPr>
@@ -33252,7 +36472,7 @@
       </p:pic>
       <p:pic>
         <p:nvPicPr>
-          <p:cNvPr id="171" name="Google Shape;171;p21"/>
+          <p:cNvPr id="172" name="Google Shape;172;p21"/>
           <p:cNvPicPr preferRelativeResize="0"/>
           <p:nvPr/>
         </p:nvPicPr>
@@ -33284,7 +36504,7 @@
       </p:pic>
       <p:sp>
         <p:nvSpPr>
-          <p:cNvPr id="172" name="Google Shape;172;p21"/>
+          <p:cNvPr id="173" name="Google Shape;173;p21"/>
           <p:cNvSpPr txBox="1"/>
           <p:nvPr/>
         </p:nvSpPr>
@@ -33621,7 +36841,7 @@
       </p:sp>
       <p:sp>
         <p:nvSpPr>
-          <p:cNvPr id="173" name="Google Shape;173;p21"/>
+          <p:cNvPr id="174" name="Google Shape;174;p21"/>
           <p:cNvSpPr txBox="1"/>
           <p:nvPr/>
         </p:nvSpPr>
@@ -33828,7 +37048,7 @@
       </p:sp>
       <p:pic>
         <p:nvPicPr>
-          <p:cNvPr id="174" name="Google Shape;174;p21"/>
+          <p:cNvPr id="175" name="Google Shape;175;p21"/>
           <p:cNvPicPr preferRelativeResize="0"/>
           <p:nvPr/>
         </p:nvPicPr>
@@ -33867,7 +37087,7 @@
       </p:pic>
       <p:pic>
         <p:nvPicPr>
-          <p:cNvPr id="175" name="Google Shape;175;p21"/>
+          <p:cNvPr id="176" name="Google Shape;176;p21"/>
           <p:cNvPicPr preferRelativeResize="0"/>
           <p:nvPr/>
         </p:nvPicPr>
@@ -33916,7 +37136,7 @@
   <p:cSld>
     <p:spTree>
       <p:nvGrpSpPr>
-        <p:cNvPr id="1" name="Shape 179"/>
+        <p:cNvPr id="1" name="Shape 180"/>
         <p:cNvGrpSpPr/>
         <p:nvPr/>
       </p:nvGrpSpPr>
@@ -33930,7 +37150,7 @@
       </p:grpSpPr>
       <p:sp>
         <p:nvSpPr>
-          <p:cNvPr id="180" name="Google Shape;180;p22"/>
+          <p:cNvPr id="181" name="Google Shape;181;p22"/>
           <p:cNvSpPr txBox="1"/>
           <p:nvPr/>
         </p:nvSpPr>
@@ -33996,7 +37216,7 @@
       </p:sp>
       <p:sp>
         <p:nvSpPr>
-          <p:cNvPr id="181" name="Google Shape;181;p22"/>
+          <p:cNvPr id="182" name="Google Shape;182;p22"/>
           <p:cNvSpPr txBox="1"/>
           <p:nvPr/>
         </p:nvSpPr>
@@ -34197,7 +37417,7 @@
       </p:sp>
       <p:pic>
         <p:nvPicPr>
-          <p:cNvPr id="182" name="Google Shape;182;p22"/>
+          <p:cNvPr id="183" name="Google Shape;183;p22"/>
           <p:cNvPicPr preferRelativeResize="0"/>
           <p:nvPr/>
         </p:nvPicPr>
@@ -34236,7 +37456,7 @@
       </p:pic>
       <p:sp>
         <p:nvSpPr>
-          <p:cNvPr id="183" name="Google Shape;183;p22"/>
+          <p:cNvPr id="184" name="Google Shape;184;p22"/>
           <p:cNvSpPr txBox="1"/>
           <p:nvPr/>
         </p:nvSpPr>
@@ -34523,7 +37743,7 @@
       </p:sp>
       <p:pic>
         <p:nvPicPr>
-          <p:cNvPr id="184" name="Google Shape;184;p22"/>
+          <p:cNvPr id="185" name="Google Shape;185;p22"/>
           <p:cNvPicPr preferRelativeResize="0"/>
           <p:nvPr/>
         </p:nvPicPr>
@@ -34562,7 +37782,7 @@
       </p:pic>
       <p:sp>
         <p:nvSpPr>
-          <p:cNvPr id="185" name="Google Shape;185;p22"/>
+          <p:cNvPr id="186" name="Google Shape;186;p22"/>
           <p:cNvSpPr txBox="1"/>
           <p:nvPr/>
         </p:nvSpPr>
@@ -34822,7 +38042,7 @@
       </p:sp>
       <p:pic>
         <p:nvPicPr>
-          <p:cNvPr id="186" name="Google Shape;186;p22"/>
+          <p:cNvPr id="187" name="Google Shape;187;p22"/>
           <p:cNvPicPr preferRelativeResize="0"/>
           <p:nvPr/>
         </p:nvPicPr>
@@ -34865,7 +38085,7 @@
   <p:cSld>
     <p:spTree>
       <p:nvGrpSpPr>
-        <p:cNvPr id="1" name="Shape 190"/>
+        <p:cNvPr id="1" name="Shape 191"/>
         <p:cNvGrpSpPr/>
         <p:nvPr/>
       </p:nvGrpSpPr>
@@ -34879,7 +38099,7 @@
       </p:grpSpPr>
       <p:sp>
         <p:nvSpPr>
-          <p:cNvPr id="191" name="Google Shape;191;p23"/>
+          <p:cNvPr id="192" name="Google Shape;192;p23"/>
           <p:cNvSpPr txBox="1"/>
           <p:nvPr/>
         </p:nvSpPr>
@@ -34945,7 +38165,7 @@
       </p:sp>
       <p:sp>
         <p:nvSpPr>
-          <p:cNvPr id="192" name="Google Shape;192;p23"/>
+          <p:cNvPr id="193" name="Google Shape;193;p23"/>
           <p:cNvSpPr txBox="1"/>
           <p:nvPr/>
         </p:nvSpPr>
@@ -35112,7 +38332,7 @@
       </p:sp>
       <p:pic>
         <p:nvPicPr>
-          <p:cNvPr id="193" name="Google Shape;193;p23"/>
+          <p:cNvPr id="194" name="Google Shape;194;p23"/>
           <p:cNvPicPr preferRelativeResize="0"/>
           <p:nvPr/>
         </p:nvPicPr>
@@ -35131,7 +38351,7 @@
         </p:blipFill>
         <p:spPr>
           <a:xfrm>
-            <a:off x="4709271" y="1762250"/>
+            <a:off x="4623071" y="1865800"/>
             <a:ext cx="2812926" cy="1486149"/>
           </a:xfrm>
           <a:prstGeom prst="rect">
@@ -35151,14 +38371,14 @@
       </p:pic>
       <p:sp>
         <p:nvSpPr>
-          <p:cNvPr id="194" name="Google Shape;194;p23"/>
+          <p:cNvPr id="195" name="Google Shape;195;p23"/>
           <p:cNvSpPr txBox="1"/>
           <p:nvPr/>
         </p:nvSpPr>
         <p:spPr>
           <a:xfrm>
-            <a:off x="73033" y="1408600"/>
-            <a:ext cx="4446000" cy="2912100"/>
+            <a:off x="73033" y="1437335"/>
+            <a:ext cx="4446000" cy="2696700"/>
           </a:xfrm>
           <a:prstGeom prst="rect">
             <a:avLst/>
@@ -35314,7 +38534,7 @@
               </a:spcAft>
               <a:buNone/>
             </a:pPr>
-            <a:endParaRPr sz="1000">
+            <a:endParaRPr sz="800">
               <a:solidFill>
                 <a:srgbClr val="3C78D8"/>
               </a:solidFill>
@@ -35338,7 +38558,7 @@
               <a:buNone/>
             </a:pPr>
             <a:r>
-              <a:rPr lang="en" sz="1000">
+              <a:rPr lang="en" sz="800">
                 <a:solidFill>
                   <a:srgbClr val="3C78D8"/>
                 </a:solidFill>
@@ -35349,7 +38569,7 @@
               </a:rPr>
               <a:t>git clone https://github.com/Gen-Verse/MMaDA</a:t>
             </a:r>
-            <a:endParaRPr sz="1000">
+            <a:endParaRPr sz="800">
               <a:solidFill>
                 <a:srgbClr val="3C78D8"/>
               </a:solidFill>
@@ -35373,7 +38593,7 @@
               <a:buNone/>
             </a:pPr>
             <a:r>
-              <a:rPr lang="en" sz="1000">
+              <a:rPr lang="en" sz="800">
                 <a:solidFill>
                   <a:srgbClr val="3C78D8"/>
                 </a:solidFill>
@@ -35384,7 +38604,7 @@
               </a:rPr>
               <a:t>cd MMaDA</a:t>
             </a:r>
-            <a:endParaRPr sz="1000">
+            <a:endParaRPr sz="800">
               <a:solidFill>
                 <a:srgbClr val="3C78D8"/>
               </a:solidFill>
@@ -35408,7 +38628,7 @@
               <a:buNone/>
             </a:pPr>
             <a:r>
-              <a:rPr lang="en" sz="1000">
+              <a:rPr lang="en" sz="800">
                 <a:solidFill>
                   <a:srgbClr val="3C78D8"/>
                 </a:solidFill>
@@ -35419,7 +38639,7 @@
               </a:rPr>
               <a:t>pip install -r requirements.txt</a:t>
             </a:r>
-            <a:endParaRPr sz="1000">
+            <a:endParaRPr sz="800">
               <a:solidFill>
                 <a:srgbClr val="3C78D8"/>
               </a:solidFill>
@@ -35443,7 +38663,7 @@
               <a:buNone/>
             </a:pPr>
             <a:r>
-              <a:rPr lang="en" sz="1000">
+              <a:rPr lang="en" sz="800">
                 <a:solidFill>
                   <a:srgbClr val="3C78D8"/>
                 </a:solidFill>
@@ -35454,7 +38674,7 @@
               </a:rPr>
               <a:t>python app.py</a:t>
             </a:r>
-            <a:endParaRPr sz="1000">
+            <a:endParaRPr sz="800">
               <a:solidFill>
                 <a:srgbClr val="3C78D8"/>
               </a:solidFill>
@@ -35477,7 +38697,7 @@
               </a:spcAft>
               <a:buNone/>
             </a:pPr>
-            <a:endParaRPr sz="1200">
+            <a:endParaRPr sz="800">
               <a:solidFill>
                 <a:schemeClr val="dk1"/>
               </a:solidFill>
@@ -35756,7 +38976,7 @@
       </p:sp>
       <p:pic>
         <p:nvPicPr>
-          <p:cNvPr id="195" name="Google Shape;195;p23"/>
+          <p:cNvPr id="196" name="Google Shape;196;p23"/>
           <p:cNvPicPr preferRelativeResize="0"/>
           <p:nvPr/>
         </p:nvPicPr>
@@ -35774,8 +38994,161 @@
         </p:blipFill>
         <p:spPr>
           <a:xfrm>
-            <a:off x="4709275" y="155900"/>
+            <a:off x="4623075" y="469075"/>
             <a:ext cx="1996875" cy="849600"/>
+          </a:xfrm>
+          <a:prstGeom prst="rect">
+            <a:avLst/>
+          </a:prstGeom>
+          <a:noFill/>
+          <a:ln w="9525" cap="flat" cmpd="sng">
+            <a:solidFill>
+              <a:srgbClr val="FF0000"/>
+            </a:solidFill>
+            <a:prstDash val="solid"/>
+            <a:round/>
+            <a:headEnd type="none" w="sm" len="sm"/>
+            <a:tailEnd type="none" w="sm" len="sm"/>
+          </a:ln>
+        </p:spPr>
+      </p:pic>
+      <p:sp>
+        <p:nvSpPr>
+          <p:cNvPr id="197" name="Google Shape;197;p23"/>
+          <p:cNvSpPr txBox="1"/>
+          <p:nvPr/>
+        </p:nvSpPr>
+        <p:spPr>
+          <a:xfrm>
+            <a:off x="73033" y="4271102"/>
+            <a:ext cx="4446000" cy="757200"/>
+          </a:xfrm>
+          <a:prstGeom prst="rect">
+            <a:avLst/>
+          </a:prstGeom>
+          <a:solidFill>
+            <a:srgbClr val="FFF2CC"/>
+          </a:solidFill>
+          <a:ln w="9525" cap="flat" cmpd="sng">
+            <a:solidFill>
+              <a:srgbClr val="FF0000"/>
+            </a:solidFill>
+            <a:prstDash val="solid"/>
+            <a:round/>
+            <a:headEnd type="none" w="sm" len="sm"/>
+            <a:tailEnd type="none" w="sm" len="sm"/>
+          </a:ln>
+        </p:spPr>
+        <p:txBody>
+          <a:bodyPr spcFirstLastPara="1" wrap="square" lIns="9125" tIns="9125" rIns="9125" bIns="9125" anchor="t" anchorCtr="0">
+            <a:spAutoFit/>
+          </a:bodyPr>
+          <a:lstStyle/>
+          <a:p>
+            <a:pPr marL="171450" marR="0" lvl="0" indent="-133350" algn="l" rtl="0">
+              <a:lnSpc>
+                <a:spcPct val="100000"/>
+              </a:lnSpc>
+              <a:spcBef>
+                <a:spcPts val="0"/>
+              </a:spcBef>
+              <a:spcAft>
+                <a:spcPts val="0"/>
+              </a:spcAft>
+              <a:buClr>
+                <a:srgbClr val="FF0000"/>
+              </a:buClr>
+              <a:buSzPts val="1200"/>
+              <a:buFont typeface="Calibri"/>
+              <a:buChar char="●"/>
+            </a:pPr>
+            <a:r>
+              <a:rPr lang="en" sz="1200" b="1">
+                <a:solidFill>
+                  <a:srgbClr val="FF0000"/>
+                </a:solidFill>
+                <a:latin typeface="Calibri"/>
+                <a:ea typeface="Calibri"/>
+                <a:cs typeface="Calibri"/>
+                <a:sym typeface="Calibri"/>
+              </a:rPr>
+              <a:t>Meteor-1 Optical Chip Rivals  RTX 4090</a:t>
+            </a:r>
+            <a:endParaRPr sz="1200" b="1">
+              <a:solidFill>
+                <a:srgbClr val="FF0000"/>
+              </a:solidFill>
+              <a:latin typeface="Calibri"/>
+              <a:ea typeface="Calibri"/>
+              <a:cs typeface="Calibri"/>
+              <a:sym typeface="Calibri"/>
+            </a:endParaRPr>
+          </a:p>
+          <a:p>
+            <a:pPr marL="171450" marR="0" lvl="0" indent="-133350" algn="l" rtl="0">
+              <a:lnSpc>
+                <a:spcPct val="100000"/>
+              </a:lnSpc>
+              <a:spcBef>
+                <a:spcPts val="0"/>
+              </a:spcBef>
+              <a:spcAft>
+                <a:spcPts val="0"/>
+              </a:spcAft>
+              <a:buClr>
+                <a:schemeClr val="dk1"/>
+              </a:buClr>
+              <a:buSzPts val="1200"/>
+              <a:buFont typeface="Calibri"/>
+              <a:buChar char="●"/>
+            </a:pPr>
+            <a:r>
+              <a:rPr lang="en" sz="1200">
+                <a:solidFill>
+                  <a:schemeClr val="dk1"/>
+                </a:solidFill>
+                <a:latin typeface="Calibri"/>
+                <a:ea typeface="Calibri"/>
+                <a:cs typeface="Calibri"/>
+                <a:sym typeface="Calibri"/>
+              </a:rPr>
+              <a:t>Chinese researches have unveiled the world’s first highly parallel optical computing chip (up to 2,560 Tera-ops/sec, rivals the performance of RTX 4090 (and approaches that of RTX 5090)</a:t>
+            </a:r>
+            <a:endParaRPr sz="1200">
+              <a:solidFill>
+                <a:schemeClr val="dk1"/>
+              </a:solidFill>
+              <a:latin typeface="Calibri"/>
+              <a:ea typeface="Calibri"/>
+              <a:cs typeface="Calibri"/>
+              <a:sym typeface="Calibri"/>
+            </a:endParaRPr>
+          </a:p>
+        </p:txBody>
+      </p:sp>
+      <p:pic>
+        <p:nvPicPr>
+          <p:cNvPr id="198" name="Google Shape;198;p23"/>
+          <p:cNvPicPr preferRelativeResize="0"/>
+          <p:nvPr/>
+        </p:nvPicPr>
+        <p:blipFill>
+          <a:blip r:embed="rId11" cstate="email">
+            <a:alphaModFix/>
+            <a:extLst>
+              <a:ext uri="{28A0092B-C50C-407E-A947-70E740481C1C}">
+                <a14:useLocalDpi xmlns:a14="http://schemas.microsoft.com/office/drawing/2010/main"/>
+              </a:ext>
+            </a:extLst>
+          </a:blip>
+          <a:stretch>
+            <a:fillRect/>
+          </a:stretch>
+        </p:blipFill>
+        <p:spPr>
+          <a:xfrm>
+            <a:off x="4623070" y="4003500"/>
+            <a:ext cx="1415752" cy="1024801"/>
           </a:xfrm>
           <a:prstGeom prst="rect">
             <a:avLst/>

--- a/2025/2025-06-27-AI-Updates.pptx
+++ b/2025/2025-06-27-AI-Updates.pptx
@@ -978,7 +978,7 @@
   <p:cSld>
     <p:spTree>
       <p:nvGrpSpPr>
-        <p:cNvPr id="1" name="Shape 199"/>
+        <p:cNvPr id="1" name="Shape 200"/>
         <p:cNvGrpSpPr/>
         <p:nvPr/>
       </p:nvGrpSpPr>
@@ -992,7 +992,7 @@
       </p:grpSpPr>
       <p:sp>
         <p:nvSpPr>
-          <p:cNvPr id="200" name="Google Shape;200;g36290bd58a2_1_0:notes"/>
+          <p:cNvPr id="201" name="Google Shape;201;g36290bd58a2_1_0:notes"/>
           <p:cNvSpPr>
             <a:spLocks noGrp="1" noRot="1" noChangeAspect="1"/>
           </p:cNvSpPr>
@@ -1043,7 +1043,7 @@
       </p:sp>
       <p:sp>
         <p:nvSpPr>
-          <p:cNvPr id="201" name="Google Shape;201;g36290bd58a2_1_0:notes"/>
+          <p:cNvPr id="202" name="Google Shape;202;g36290bd58a2_1_0:notes"/>
           <p:cNvSpPr txBox="1">
             <a:spLocks noGrp="1"/>
           </p:cNvSpPr>
@@ -1100,7 +1100,7 @@
   <p:cSld>
     <p:spTree>
       <p:nvGrpSpPr>
-        <p:cNvPr id="1" name="Shape 210"/>
+        <p:cNvPr id="1" name="Shape 211"/>
         <p:cNvGrpSpPr/>
         <p:nvPr/>
       </p:nvGrpSpPr>
@@ -1114,7 +1114,7 @@
       </p:grpSpPr>
       <p:sp>
         <p:nvSpPr>
-          <p:cNvPr id="211" name="Google Shape;211;g36290bd58a2_2_4:notes"/>
+          <p:cNvPr id="212" name="Google Shape;212;g36290bd58a2_2_4:notes"/>
           <p:cNvSpPr>
             <a:spLocks noGrp="1" noRot="1" noChangeAspect="1"/>
           </p:cNvSpPr>
@@ -1165,7 +1165,7 @@
       </p:sp>
       <p:sp>
         <p:nvSpPr>
-          <p:cNvPr id="212" name="Google Shape;212;g36290bd58a2_2_4:notes"/>
+          <p:cNvPr id="213" name="Google Shape;213;g36290bd58a2_2_4:notes"/>
           <p:cNvSpPr txBox="1">
             <a:spLocks noGrp="1"/>
           </p:cNvSpPr>
@@ -1222,7 +1222,7 @@
   <p:cSld>
     <p:spTree>
       <p:nvGrpSpPr>
-        <p:cNvPr id="1" name="Shape 224"/>
+        <p:cNvPr id="1" name="Shape 225"/>
         <p:cNvGrpSpPr/>
         <p:nvPr/>
       </p:nvGrpSpPr>
@@ -1236,7 +1236,7 @@
       </p:grpSpPr>
       <p:sp>
         <p:nvSpPr>
-          <p:cNvPr id="225" name="Google Shape;225;g36290bd58a2_2_23:notes"/>
+          <p:cNvPr id="226" name="Google Shape;226;g36290bd58a2_2_23:notes"/>
           <p:cNvSpPr>
             <a:spLocks noGrp="1" noRot="1" noChangeAspect="1"/>
           </p:cNvSpPr>
@@ -1287,7 +1287,7 @@
       </p:sp>
       <p:sp>
         <p:nvSpPr>
-          <p:cNvPr id="226" name="Google Shape;226;g36290bd58a2_2_23:notes"/>
+          <p:cNvPr id="227" name="Google Shape;227;g36290bd58a2_2_23:notes"/>
           <p:cNvSpPr txBox="1">
             <a:spLocks noGrp="1"/>
           </p:cNvSpPr>
@@ -1344,7 +1344,7 @@
   <p:cSld>
     <p:spTree>
       <p:nvGrpSpPr>
-        <p:cNvPr id="1" name="Shape 233"/>
+        <p:cNvPr id="1" name="Shape 236"/>
         <p:cNvGrpSpPr/>
         <p:nvPr/>
       </p:nvGrpSpPr>
@@ -1358,7 +1358,7 @@
       </p:grpSpPr>
       <p:sp>
         <p:nvSpPr>
-          <p:cNvPr id="234" name="Google Shape;234;g336de3673e7_1_0:notes"/>
+          <p:cNvPr id="237" name="Google Shape;237;g336de3673e7_1_0:notes"/>
           <p:cNvSpPr>
             <a:spLocks noGrp="1" noRot="1" noChangeAspect="1"/>
           </p:cNvSpPr>
@@ -1409,7 +1409,7 @@
       </p:sp>
       <p:sp>
         <p:nvSpPr>
-          <p:cNvPr id="235" name="Google Shape;235;g336de3673e7_1_0:notes"/>
+          <p:cNvPr id="238" name="Google Shape;238;g336de3673e7_1_0:notes"/>
           <p:cNvSpPr txBox="1">
             <a:spLocks noGrp="1"/>
           </p:cNvSpPr>
@@ -1466,7 +1466,7 @@
   <p:cSld>
     <p:spTree>
       <p:nvGrpSpPr>
-        <p:cNvPr id="1" name="Shape 240"/>
+        <p:cNvPr id="1" name="Shape 243"/>
         <p:cNvGrpSpPr/>
         <p:nvPr/>
       </p:nvGrpSpPr>
@@ -1480,7 +1480,7 @@
       </p:grpSpPr>
       <p:sp>
         <p:nvSpPr>
-          <p:cNvPr id="241" name="Google Shape;241;g36a65eaa20d_0_1:notes"/>
+          <p:cNvPr id="244" name="Google Shape;244;g36a65eaa20d_0_1:notes"/>
           <p:cNvSpPr>
             <a:spLocks noGrp="1" noRot="1" noChangeAspect="1"/>
           </p:cNvSpPr>
@@ -1531,7 +1531,7 @@
       </p:sp>
       <p:sp>
         <p:nvSpPr>
-          <p:cNvPr id="242" name="Google Shape;242;g36a65eaa20d_0_1:notes"/>
+          <p:cNvPr id="245" name="Google Shape;245;g36a65eaa20d_0_1:notes"/>
           <p:cNvSpPr txBox="1">
             <a:spLocks noGrp="1"/>
           </p:cNvSpPr>
@@ -1588,7 +1588,7 @@
   <p:cSld>
     <p:spTree>
       <p:nvGrpSpPr>
-        <p:cNvPr id="1" name="Shape 248"/>
+        <p:cNvPr id="1" name="Shape 251"/>
         <p:cNvGrpSpPr/>
         <p:nvPr/>
       </p:nvGrpSpPr>
@@ -1602,7 +1602,7 @@
       </p:grpSpPr>
       <p:sp>
         <p:nvSpPr>
-          <p:cNvPr id="249" name="Google Shape;249;g36a65eaa20d_0_11:notes"/>
+          <p:cNvPr id="252" name="Google Shape;252;g36a65eaa20d_0_11:notes"/>
           <p:cNvSpPr>
             <a:spLocks noGrp="1" noRot="1" noChangeAspect="1"/>
           </p:cNvSpPr>
@@ -1653,7 +1653,7 @@
       </p:sp>
       <p:sp>
         <p:nvSpPr>
-          <p:cNvPr id="250" name="Google Shape;250;g36a65eaa20d_0_11:notes"/>
+          <p:cNvPr id="253" name="Google Shape;253;g36a65eaa20d_0_11:notes"/>
           <p:cNvSpPr txBox="1">
             <a:spLocks noGrp="1"/>
           </p:cNvSpPr>
@@ -1710,7 +1710,7 @@
   <p:cSld>
     <p:spTree>
       <p:nvGrpSpPr>
-        <p:cNvPr id="1" name="Shape 255"/>
+        <p:cNvPr id="1" name="Shape 258"/>
         <p:cNvGrpSpPr/>
         <p:nvPr/>
       </p:nvGrpSpPr>
@@ -1724,7 +1724,7 @@
       </p:grpSpPr>
       <p:sp>
         <p:nvSpPr>
-          <p:cNvPr id="256" name="Google Shape;256;g36272717752_0_1:notes"/>
+          <p:cNvPr id="259" name="Google Shape;259;g36272717752_0_1:notes"/>
           <p:cNvSpPr>
             <a:spLocks noGrp="1" noRot="1" noChangeAspect="1"/>
           </p:cNvSpPr>
@@ -1775,7 +1775,7 @@
       </p:sp>
       <p:sp>
         <p:nvSpPr>
-          <p:cNvPr id="257" name="Google Shape;257;g36272717752_0_1:notes"/>
+          <p:cNvPr id="260" name="Google Shape;260;g36272717752_0_1:notes"/>
           <p:cNvSpPr txBox="1">
             <a:spLocks noGrp="1"/>
           </p:cNvSpPr>
@@ -1832,7 +1832,7 @@
   <p:cSld>
     <p:spTree>
       <p:nvGrpSpPr>
-        <p:cNvPr id="1" name="Shape 262"/>
+        <p:cNvPr id="1" name="Shape 265"/>
         <p:cNvGrpSpPr/>
         <p:nvPr/>
       </p:nvGrpSpPr>
@@ -1846,7 +1846,7 @@
       </p:grpSpPr>
       <p:sp>
         <p:nvSpPr>
-          <p:cNvPr id="263" name="Google Shape;263;g3627cf388fb_0_1:notes"/>
+          <p:cNvPr id="266" name="Google Shape;266;g3627cf388fb_0_1:notes"/>
           <p:cNvSpPr>
             <a:spLocks noGrp="1" noRot="1" noChangeAspect="1"/>
           </p:cNvSpPr>
@@ -1897,7 +1897,7 @@
       </p:sp>
       <p:sp>
         <p:nvSpPr>
-          <p:cNvPr id="264" name="Google Shape;264;g3627cf388fb_0_1:notes"/>
+          <p:cNvPr id="267" name="Google Shape;267;g3627cf388fb_0_1:notes"/>
           <p:cNvSpPr txBox="1">
             <a:spLocks noGrp="1"/>
           </p:cNvSpPr>
@@ -1954,7 +1954,7 @@
   <p:cSld>
     <p:spTree>
       <p:nvGrpSpPr>
-        <p:cNvPr id="1" name="Shape 270"/>
+        <p:cNvPr id="1" name="Shape 273"/>
         <p:cNvGrpSpPr/>
         <p:nvPr/>
       </p:nvGrpSpPr>
@@ -1968,7 +1968,7 @@
       </p:grpSpPr>
       <p:sp>
         <p:nvSpPr>
-          <p:cNvPr id="271" name="Google Shape;271;p23:notes"/>
+          <p:cNvPr id="274" name="Google Shape;274;p23:notes"/>
           <p:cNvSpPr>
             <a:spLocks noGrp="1" noRot="1" noChangeAspect="1"/>
           </p:cNvSpPr>
@@ -2019,7 +2019,7 @@
       </p:sp>
       <p:sp>
         <p:nvSpPr>
-          <p:cNvPr id="272" name="Google Shape;272;p23:notes"/>
+          <p:cNvPr id="275" name="Google Shape;275;p23:notes"/>
           <p:cNvSpPr txBox="1">
             <a:spLocks noGrp="1"/>
           </p:cNvSpPr>
@@ -2076,7 +2076,7 @@
   <p:cSld>
     <p:spTree>
       <p:nvGrpSpPr>
-        <p:cNvPr id="1" name="Shape 278"/>
+        <p:cNvPr id="1" name="Shape 281"/>
         <p:cNvGrpSpPr/>
         <p:nvPr/>
       </p:nvGrpSpPr>
@@ -2090,7 +2090,7 @@
       </p:grpSpPr>
       <p:sp>
         <p:nvSpPr>
-          <p:cNvPr id="279" name="Google Shape;279;p24:notes"/>
+          <p:cNvPr id="282" name="Google Shape;282;p24:notes"/>
           <p:cNvSpPr>
             <a:spLocks noGrp="1" noRot="1" noChangeAspect="1"/>
           </p:cNvSpPr>
@@ -2141,7 +2141,7 @@
       </p:sp>
       <p:sp>
         <p:nvSpPr>
-          <p:cNvPr id="280" name="Google Shape;280;p24:notes"/>
+          <p:cNvPr id="283" name="Google Shape;283;p24:notes"/>
           <p:cNvSpPr txBox="1">
             <a:spLocks noGrp="1"/>
           </p:cNvSpPr>
@@ -2320,7 +2320,7 @@
   <p:cSld>
     <p:spTree>
       <p:nvGrpSpPr>
-        <p:cNvPr id="1" name="Shape 288"/>
+        <p:cNvPr id="1" name="Shape 291"/>
         <p:cNvGrpSpPr/>
         <p:nvPr/>
       </p:nvGrpSpPr>
@@ -2334,7 +2334,7 @@
       </p:grpSpPr>
       <p:sp>
         <p:nvSpPr>
-          <p:cNvPr id="289" name="Google Shape;289;p25:notes"/>
+          <p:cNvPr id="292" name="Google Shape;292;p25:notes"/>
           <p:cNvSpPr>
             <a:spLocks noGrp="1" noRot="1" noChangeAspect="1"/>
           </p:cNvSpPr>
@@ -2385,7 +2385,7 @@
       </p:sp>
       <p:sp>
         <p:nvSpPr>
-          <p:cNvPr id="290" name="Google Shape;290;p25:notes"/>
+          <p:cNvPr id="293" name="Google Shape;293;p25:notes"/>
           <p:cNvSpPr txBox="1">
             <a:spLocks noGrp="1"/>
           </p:cNvSpPr>
@@ -2442,7 +2442,7 @@
   <p:cSld>
     <p:spTree>
       <p:nvGrpSpPr>
-        <p:cNvPr id="1" name="Shape 128"/>
+        <p:cNvPr id="1" name="Shape 129"/>
         <p:cNvGrpSpPr/>
         <p:nvPr/>
       </p:nvGrpSpPr>
@@ -2456,7 +2456,7 @@
       </p:grpSpPr>
       <p:sp>
         <p:nvSpPr>
-          <p:cNvPr id="129" name="Google Shape;129;g36a64a0ae39_1_0:notes"/>
+          <p:cNvPr id="130" name="Google Shape;130;g36a64a0ae39_1_0:notes"/>
           <p:cNvSpPr>
             <a:spLocks noGrp="1" noRot="1" noChangeAspect="1"/>
           </p:cNvSpPr>
@@ -2507,7 +2507,7 @@
       </p:sp>
       <p:sp>
         <p:nvSpPr>
-          <p:cNvPr id="130" name="Google Shape;130;g36a64a0ae39_1_0:notes"/>
+          <p:cNvPr id="131" name="Google Shape;131;g36a64a0ae39_1_0:notes"/>
           <p:cNvSpPr txBox="1">
             <a:spLocks noGrp="1"/>
           </p:cNvSpPr>
@@ -2564,7 +2564,7 @@
   <p:cSld>
     <p:spTree>
       <p:nvGrpSpPr>
-        <p:cNvPr id="1" name="Shape 145"/>
+        <p:cNvPr id="1" name="Shape 146"/>
         <p:cNvGrpSpPr/>
         <p:nvPr/>
       </p:nvGrpSpPr>
@@ -2578,7 +2578,7 @@
       </p:grpSpPr>
       <p:sp>
         <p:nvSpPr>
-          <p:cNvPr id="146" name="Google Shape;146;g362797a481a_1_0:notes"/>
+          <p:cNvPr id="147" name="Google Shape;147;g362797a481a_1_0:notes"/>
           <p:cNvSpPr>
             <a:spLocks noGrp="1" noRot="1" noChangeAspect="1"/>
           </p:cNvSpPr>
@@ -2629,7 +2629,7 @@
       </p:sp>
       <p:sp>
         <p:nvSpPr>
-          <p:cNvPr id="147" name="Google Shape;147;g362797a481a_1_0:notes"/>
+          <p:cNvPr id="148" name="Google Shape;148;g362797a481a_1_0:notes"/>
           <p:cNvSpPr txBox="1">
             <a:spLocks noGrp="1"/>
           </p:cNvSpPr>
@@ -2686,7 +2686,7 @@
   <p:cSld>
     <p:spTree>
       <p:nvGrpSpPr>
-        <p:cNvPr id="1" name="Shape 152"/>
+        <p:cNvPr id="1" name="Shape 153"/>
         <p:cNvGrpSpPr/>
         <p:nvPr/>
       </p:nvGrpSpPr>
@@ -2700,7 +2700,7 @@
       </p:grpSpPr>
       <p:sp>
         <p:nvSpPr>
-          <p:cNvPr id="153" name="Google Shape;153;g362797a481a_1_19:notes"/>
+          <p:cNvPr id="154" name="Google Shape;154;g362797a481a_1_19:notes"/>
           <p:cNvSpPr>
             <a:spLocks noGrp="1" noRot="1" noChangeAspect="1"/>
           </p:cNvSpPr>
@@ -2751,7 +2751,7 @@
       </p:sp>
       <p:sp>
         <p:nvSpPr>
-          <p:cNvPr id="154" name="Google Shape;154;g362797a481a_1_19:notes"/>
+          <p:cNvPr id="155" name="Google Shape;155;g362797a481a_1_19:notes"/>
           <p:cNvSpPr txBox="1">
             <a:spLocks noGrp="1"/>
           </p:cNvSpPr>
@@ -2808,7 +2808,7 @@
   <p:cSld>
     <p:spTree>
       <p:nvGrpSpPr>
-        <p:cNvPr id="1" name="Shape 159"/>
+        <p:cNvPr id="1" name="Shape 160"/>
         <p:cNvGrpSpPr/>
         <p:nvPr/>
       </p:nvGrpSpPr>
@@ -2822,7 +2822,7 @@
       </p:grpSpPr>
       <p:sp>
         <p:nvSpPr>
-          <p:cNvPr id="160" name="Google Shape;160;g35f406ef591_0_5:notes"/>
+          <p:cNvPr id="161" name="Google Shape;161;g35f406ef591_0_5:notes"/>
           <p:cNvSpPr>
             <a:spLocks noGrp="1" noRot="1" noChangeAspect="1"/>
           </p:cNvSpPr>
@@ -2873,7 +2873,7 @@
       </p:sp>
       <p:sp>
         <p:nvSpPr>
-          <p:cNvPr id="161" name="Google Shape;161;g35f406ef591_0_5:notes"/>
+          <p:cNvPr id="162" name="Google Shape;162;g35f406ef591_0_5:notes"/>
           <p:cNvSpPr txBox="1">
             <a:spLocks noGrp="1"/>
           </p:cNvSpPr>
@@ -2930,7 +2930,7 @@
   <p:cSld>
     <p:spTree>
       <p:nvGrpSpPr>
-        <p:cNvPr id="1" name="Shape 165"/>
+        <p:cNvPr id="1" name="Shape 166"/>
         <p:cNvGrpSpPr/>
         <p:nvPr/>
       </p:nvGrpSpPr>
@@ -2944,7 +2944,7 @@
       </p:grpSpPr>
       <p:sp>
         <p:nvSpPr>
-          <p:cNvPr id="166" name="Google Shape;166;g362797a481a_1_26:notes"/>
+          <p:cNvPr id="167" name="Google Shape;167;g362797a481a_1_26:notes"/>
           <p:cNvSpPr>
             <a:spLocks noGrp="1" noRot="1" noChangeAspect="1"/>
           </p:cNvSpPr>
@@ -2995,7 +2995,7 @@
       </p:sp>
       <p:sp>
         <p:nvSpPr>
-          <p:cNvPr id="167" name="Google Shape;167;g362797a481a_1_26:notes"/>
+          <p:cNvPr id="168" name="Google Shape;168;g362797a481a_1_26:notes"/>
           <p:cNvSpPr txBox="1">
             <a:spLocks noGrp="1"/>
           </p:cNvSpPr>
@@ -3052,7 +3052,7 @@
   <p:cSld>
     <p:spTree>
       <p:nvGrpSpPr>
-        <p:cNvPr id="1" name="Shape 177"/>
+        <p:cNvPr id="1" name="Shape 178"/>
         <p:cNvGrpSpPr/>
         <p:nvPr/>
       </p:nvGrpSpPr>
@@ -3066,7 +3066,7 @@
       </p:grpSpPr>
       <p:sp>
         <p:nvSpPr>
-          <p:cNvPr id="178" name="Google Shape;178;g362797a481a_1_39:notes"/>
+          <p:cNvPr id="179" name="Google Shape;179;g362797a481a_1_39:notes"/>
           <p:cNvSpPr>
             <a:spLocks noGrp="1" noRot="1" noChangeAspect="1"/>
           </p:cNvSpPr>
@@ -3117,7 +3117,7 @@
       </p:sp>
       <p:sp>
         <p:nvSpPr>
-          <p:cNvPr id="179" name="Google Shape;179;g362797a481a_1_39:notes"/>
+          <p:cNvPr id="180" name="Google Shape;180;g362797a481a_1_39:notes"/>
           <p:cNvSpPr txBox="1">
             <a:spLocks noGrp="1"/>
           </p:cNvSpPr>
@@ -3174,7 +3174,7 @@
   <p:cSld>
     <p:spTree>
       <p:nvGrpSpPr>
-        <p:cNvPr id="1" name="Shape 188"/>
+        <p:cNvPr id="1" name="Shape 189"/>
         <p:cNvGrpSpPr/>
         <p:nvPr/>
       </p:nvGrpSpPr>
@@ -3188,7 +3188,7 @@
       </p:grpSpPr>
       <p:sp>
         <p:nvSpPr>
-          <p:cNvPr id="189" name="Google Shape;189;g36ab427bab9_1_0:notes"/>
+          <p:cNvPr id="190" name="Google Shape;190;g36ab427bab9_1_0:notes"/>
           <p:cNvSpPr>
             <a:spLocks noGrp="1" noRot="1" noChangeAspect="1"/>
           </p:cNvSpPr>
@@ -3239,7 +3239,7 @@
       </p:sp>
       <p:sp>
         <p:nvSpPr>
-          <p:cNvPr id="190" name="Google Shape;190;g36ab427bab9_1_0:notes"/>
+          <p:cNvPr id="191" name="Google Shape;191;g36ab427bab9_1_0:notes"/>
           <p:cNvSpPr txBox="1">
             <a:spLocks noGrp="1"/>
           </p:cNvSpPr>
@@ -13160,7 +13160,7 @@
         </p:nvSpPr>
         <p:spPr>
           <a:xfrm>
-            <a:off x="4576975" y="3670445"/>
+            <a:off x="4576975" y="4551747"/>
             <a:ext cx="4502400" cy="480300"/>
           </a:xfrm>
           <a:prstGeom prst="rect">
@@ -13709,7 +13709,7 @@
         <p:spPr>
           <a:xfrm>
             <a:off x="4576975" y="787808"/>
-            <a:ext cx="4502400" cy="2558100"/>
+            <a:ext cx="4502400" cy="2789100"/>
           </a:xfrm>
           <a:prstGeom prst="rect">
             <a:avLst/>
@@ -13960,6 +13960,46 @@
                 <a:cs typeface="Calibri"/>
                 <a:sym typeface="Calibri"/>
               </a:rPr>
+              <a:t>China Wins Against USA in Sciences</a:t>
+            </a:r>
+            <a:endParaRPr sz="1500" b="1">
+              <a:solidFill>
+                <a:srgbClr val="3C78D8"/>
+              </a:solidFill>
+              <a:latin typeface="Calibri"/>
+              <a:ea typeface="Calibri"/>
+              <a:cs typeface="Calibri"/>
+              <a:sym typeface="Calibri"/>
+            </a:endParaRPr>
+          </a:p>
+          <a:p>
+            <a:pPr marL="228600" marR="0" lvl="0" indent="-209550" algn="l" rtl="0">
+              <a:lnSpc>
+                <a:spcPct val="100000"/>
+              </a:lnSpc>
+              <a:spcBef>
+                <a:spcPts val="0"/>
+              </a:spcBef>
+              <a:spcAft>
+                <a:spcPts val="0"/>
+              </a:spcAft>
+              <a:buClr>
+                <a:srgbClr val="3C78D8"/>
+              </a:buClr>
+              <a:buSzPts val="1500"/>
+              <a:buFont typeface="Calibri"/>
+              <a:buChar char="●"/>
+            </a:pPr>
+            <a:r>
+              <a:rPr lang="en" sz="1500" b="1">
+                <a:solidFill>
+                  <a:srgbClr val="3C78D8"/>
+                </a:solidFill>
+                <a:latin typeface="Calibri"/>
+                <a:ea typeface="Calibri"/>
+                <a:cs typeface="Calibri"/>
+                <a:sym typeface="Calibri"/>
+              </a:rPr>
               <a:t>UC Berkeley CyberGym</a:t>
             </a:r>
             <a:endParaRPr sz="1500" b="1">
@@ -14150,6 +14190,18 @@
               <a:buFont typeface="Calibri"/>
               <a:buChar char="●"/>
             </a:pPr>
+            <a:r>
+              <a:rPr lang="en" sz="1500" b="1">
+                <a:solidFill>
+                  <a:srgbClr val="3C78D8"/>
+                </a:solidFill>
+                <a:latin typeface="Calibri"/>
+                <a:ea typeface="Calibri"/>
+                <a:cs typeface="Calibri"/>
+                <a:sym typeface="Calibri"/>
+              </a:rPr>
+              <a:t>xxx</a:t>
+            </a:r>
             <a:endParaRPr sz="1500" b="1">
               <a:solidFill>
                 <a:srgbClr val="3C78D8"/>
@@ -14241,7 +14293,7 @@
   <p:cSld>
     <p:spTree>
       <p:nvGrpSpPr>
-        <p:cNvPr id="1" name="Shape 202"/>
+        <p:cNvPr id="1" name="Shape 203"/>
         <p:cNvGrpSpPr/>
         <p:nvPr/>
       </p:nvGrpSpPr>
@@ -14255,7 +14307,7 @@
       </p:grpSpPr>
       <p:sp>
         <p:nvSpPr>
-          <p:cNvPr id="203" name="Google Shape;203;p24"/>
+          <p:cNvPr id="204" name="Google Shape;204;p24"/>
           <p:cNvSpPr txBox="1"/>
           <p:nvPr/>
         </p:nvSpPr>
@@ -14321,7 +14373,7 @@
       </p:sp>
       <p:sp>
         <p:nvSpPr>
-          <p:cNvPr id="204" name="Google Shape;204;p24"/>
+          <p:cNvPr id="205" name="Google Shape;205;p24"/>
           <p:cNvSpPr txBox="1"/>
           <p:nvPr/>
         </p:nvSpPr>
@@ -14555,7 +14607,7 @@
       </p:sp>
       <p:pic>
         <p:nvPicPr>
-          <p:cNvPr id="205" name="Google Shape;205;p24"/>
+          <p:cNvPr id="206" name="Google Shape;206;p24"/>
           <p:cNvPicPr preferRelativeResize="0"/>
           <p:nvPr/>
         </p:nvPicPr>
@@ -14594,7 +14646,7 @@
       </p:pic>
       <p:sp>
         <p:nvSpPr>
-          <p:cNvPr id="206" name="Google Shape;206;p24"/>
+          <p:cNvPr id="207" name="Google Shape;207;p24"/>
           <p:cNvSpPr txBox="1"/>
           <p:nvPr/>
         </p:nvSpPr>
@@ -14841,7 +14893,7 @@
       </p:sp>
       <p:pic>
         <p:nvPicPr>
-          <p:cNvPr id="207" name="Google Shape;207;p24"/>
+          <p:cNvPr id="208" name="Google Shape;208;p24"/>
           <p:cNvPicPr preferRelativeResize="0"/>
           <p:nvPr/>
         </p:nvPicPr>
@@ -14880,7 +14932,7 @@
       </p:pic>
       <p:sp>
         <p:nvSpPr>
-          <p:cNvPr id="208" name="Google Shape;208;p24"/>
+          <p:cNvPr id="209" name="Google Shape;209;p24"/>
           <p:cNvSpPr txBox="1"/>
           <p:nvPr/>
         </p:nvSpPr>
@@ -15088,7 +15140,7 @@
       </p:sp>
       <p:pic>
         <p:nvPicPr>
-          <p:cNvPr id="209" name="Google Shape;209;p24"/>
+          <p:cNvPr id="210" name="Google Shape;210;p24"/>
           <p:cNvPicPr preferRelativeResize="0"/>
           <p:nvPr/>
         </p:nvPicPr>
@@ -15138,7 +15190,7 @@
   <p:cSld>
     <p:spTree>
       <p:nvGrpSpPr>
-        <p:cNvPr id="1" name="Shape 213"/>
+        <p:cNvPr id="1" name="Shape 214"/>
         <p:cNvGrpSpPr/>
         <p:nvPr/>
       </p:nvGrpSpPr>
@@ -15152,7 +15204,7 @@
       </p:grpSpPr>
       <p:sp>
         <p:nvSpPr>
-          <p:cNvPr id="214" name="Google Shape;214;p25"/>
+          <p:cNvPr id="215" name="Google Shape;215;p25"/>
           <p:cNvSpPr txBox="1"/>
           <p:nvPr/>
         </p:nvSpPr>
@@ -15218,7 +15270,7 @@
       </p:sp>
       <p:sp>
         <p:nvSpPr>
-          <p:cNvPr id="215" name="Google Shape;215;p25"/>
+          <p:cNvPr id="216" name="Google Shape;216;p25"/>
           <p:cNvSpPr txBox="1"/>
           <p:nvPr/>
         </p:nvSpPr>
@@ -15385,7 +15437,7 @@
       </p:sp>
       <p:pic>
         <p:nvPicPr>
-          <p:cNvPr id="216" name="Google Shape;216;p25"/>
+          <p:cNvPr id="217" name="Google Shape;217;p25"/>
           <p:cNvPicPr preferRelativeResize="0"/>
           <p:nvPr/>
         </p:nvPicPr>
@@ -15424,7 +15476,7 @@
       </p:pic>
       <p:sp>
         <p:nvSpPr>
-          <p:cNvPr id="217" name="Google Shape;217;p25"/>
+          <p:cNvPr id="218" name="Google Shape;218;p25"/>
           <p:cNvSpPr txBox="1"/>
           <p:nvPr/>
         </p:nvSpPr>
@@ -15588,7 +15640,7 @@
       </p:sp>
       <p:pic>
         <p:nvPicPr>
-          <p:cNvPr id="218" name="Google Shape;218;p25"/>
+          <p:cNvPr id="219" name="Google Shape;219;p25"/>
           <p:cNvPicPr preferRelativeResize="0"/>
           <p:nvPr/>
         </p:nvPicPr>
@@ -15621,7 +15673,7 @@
       </p:pic>
       <p:pic>
         <p:nvPicPr>
-          <p:cNvPr id="219" name="Google Shape;219;p25"/>
+          <p:cNvPr id="220" name="Google Shape;220;p25"/>
           <p:cNvPicPr preferRelativeResize="0"/>
           <p:nvPr/>
         </p:nvPicPr>
@@ -15654,7 +15706,7 @@
       </p:pic>
       <p:pic>
         <p:nvPicPr>
-          <p:cNvPr id="220" name="Google Shape;220;p25"/>
+          <p:cNvPr id="221" name="Google Shape;221;p25"/>
           <p:cNvPicPr preferRelativeResize="0"/>
           <p:nvPr/>
         </p:nvPicPr>
@@ -15687,7 +15739,7 @@
       </p:pic>
       <p:pic>
         <p:nvPicPr>
-          <p:cNvPr id="221" name="Google Shape;221;p25"/>
+          <p:cNvPr id="222" name="Google Shape;222;p25"/>
           <p:cNvPicPr preferRelativeResize="0"/>
           <p:nvPr/>
         </p:nvPicPr>
@@ -15726,7 +15778,7 @@
       </p:pic>
       <p:sp>
         <p:nvSpPr>
-          <p:cNvPr id="222" name="Google Shape;222;p25"/>
+          <p:cNvPr id="223" name="Google Shape;223;p25"/>
           <p:cNvSpPr txBox="1"/>
           <p:nvPr/>
         </p:nvSpPr>
@@ -16102,7 +16154,7 @@
       </p:sp>
       <p:pic>
         <p:nvPicPr>
-          <p:cNvPr id="223" name="Google Shape;223;p25"/>
+          <p:cNvPr id="224" name="Google Shape;224;p25"/>
           <p:cNvPicPr preferRelativeResize="0"/>
           <p:nvPr/>
         </p:nvPicPr>
@@ -16152,7 +16204,7 @@
   <p:cSld>
     <p:spTree>
       <p:nvGrpSpPr>
-        <p:cNvPr id="1" name="Shape 227"/>
+        <p:cNvPr id="1" name="Shape 228"/>
         <p:cNvGrpSpPr/>
         <p:nvPr/>
       </p:nvGrpSpPr>
@@ -16166,7 +16218,7 @@
       </p:grpSpPr>
       <p:sp>
         <p:nvSpPr>
-          <p:cNvPr id="228" name="Google Shape;228;p26"/>
+          <p:cNvPr id="229" name="Google Shape;229;p26"/>
           <p:cNvSpPr txBox="1"/>
           <p:nvPr/>
         </p:nvSpPr>
@@ -16232,7 +16284,7 @@
       </p:sp>
       <p:sp>
         <p:nvSpPr>
-          <p:cNvPr id="229" name="Google Shape;229;p26"/>
+          <p:cNvPr id="230" name="Google Shape;230;p26"/>
           <p:cNvSpPr txBox="1"/>
           <p:nvPr/>
         </p:nvSpPr>
@@ -16411,7 +16463,7 @@
       </p:sp>
       <p:pic>
         <p:nvPicPr>
-          <p:cNvPr id="230" name="Google Shape;230;p26"/>
+          <p:cNvPr id="231" name="Google Shape;231;p26"/>
           <p:cNvPicPr preferRelativeResize="0"/>
           <p:nvPr/>
         </p:nvPicPr>
@@ -16449,7 +16501,7 @@
       </p:pic>
       <p:sp>
         <p:nvSpPr>
-          <p:cNvPr id="231" name="Google Shape;231;p26"/>
+          <p:cNvPr id="232" name="Google Shape;232;p26"/>
           <p:cNvSpPr txBox="1"/>
           <p:nvPr/>
         </p:nvSpPr>
@@ -16616,7 +16668,7 @@
       </p:sp>
       <p:pic>
         <p:nvPicPr>
-          <p:cNvPr id="232" name="Google Shape;232;p26"/>
+          <p:cNvPr id="233" name="Google Shape;233;p26"/>
           <p:cNvPicPr preferRelativeResize="0"/>
           <p:nvPr/>
         </p:nvPicPr>
@@ -16653,6 +16705,149 @@
           </a:ln>
         </p:spPr>
       </p:pic>
+      <p:sp>
+        <p:nvSpPr>
+          <p:cNvPr id="234" name="Google Shape;234;p26"/>
+          <p:cNvSpPr txBox="1"/>
+          <p:nvPr/>
+        </p:nvSpPr>
+        <p:spPr>
+          <a:xfrm>
+            <a:off x="6861650" y="3727650"/>
+            <a:ext cx="1881000" cy="341700"/>
+          </a:xfrm>
+          <a:prstGeom prst="rect">
+            <a:avLst/>
+          </a:prstGeom>
+          <a:solidFill>
+            <a:srgbClr val="FFF2CC"/>
+          </a:solidFill>
+          <a:ln w="9525" cap="flat" cmpd="sng">
+            <a:solidFill>
+              <a:srgbClr val="FF0000"/>
+            </a:solidFill>
+            <a:prstDash val="solid"/>
+            <a:round/>
+            <a:headEnd type="none" w="sm" len="sm"/>
+            <a:tailEnd type="none" w="sm" len="sm"/>
+          </a:ln>
+        </p:spPr>
+        <p:txBody>
+          <a:bodyPr spcFirstLastPara="1" wrap="square" lIns="9125" tIns="9125" rIns="9125" bIns="9125" anchor="t" anchorCtr="0">
+            <a:spAutoFit/>
+          </a:bodyPr>
+          <a:lstStyle/>
+          <a:p>
+            <a:pPr marL="0" marR="0" lvl="0" indent="0" algn="ctr" rtl="0">
+              <a:lnSpc>
+                <a:spcPct val="100000"/>
+              </a:lnSpc>
+              <a:spcBef>
+                <a:spcPts val="0"/>
+              </a:spcBef>
+              <a:spcAft>
+                <a:spcPts val="0"/>
+              </a:spcAft>
+              <a:buNone/>
+            </a:pPr>
+            <a:r>
+              <a:rPr lang="en" sz="1200" b="1">
+                <a:solidFill>
+                  <a:srgbClr val="FF0000"/>
+                </a:solidFill>
+                <a:latin typeface="Calibri"/>
+                <a:ea typeface="Calibri"/>
+                <a:cs typeface="Calibri"/>
+                <a:sym typeface="Calibri"/>
+              </a:rPr>
+              <a:t>China Wins Against USA</a:t>
+            </a:r>
+            <a:endParaRPr sz="1200" b="1">
+              <a:solidFill>
+                <a:srgbClr val="FF0000"/>
+              </a:solidFill>
+              <a:latin typeface="Calibri"/>
+              <a:ea typeface="Calibri"/>
+              <a:cs typeface="Calibri"/>
+              <a:sym typeface="Calibri"/>
+            </a:endParaRPr>
+          </a:p>
+          <a:p>
+            <a:pPr marL="0" marR="0" lvl="0" indent="0" algn="ctr" rtl="0">
+              <a:lnSpc>
+                <a:spcPct val="100000"/>
+              </a:lnSpc>
+              <a:spcBef>
+                <a:spcPts val="0"/>
+              </a:spcBef>
+              <a:spcAft>
+                <a:spcPts val="0"/>
+              </a:spcAft>
+              <a:buNone/>
+            </a:pPr>
+            <a:r>
+              <a:rPr lang="en" sz="900">
+                <a:solidFill>
+                  <a:schemeClr val="dk1"/>
+                </a:solidFill>
+                <a:latin typeface="Calibri"/>
+                <a:ea typeface="Calibri"/>
+                <a:cs typeface="Calibri"/>
+                <a:sym typeface="Calibri"/>
+              </a:rPr>
+              <a:t>Nature Index</a:t>
+            </a:r>
+            <a:endParaRPr sz="900">
+              <a:solidFill>
+                <a:schemeClr val="dk1"/>
+              </a:solidFill>
+              <a:latin typeface="Calibri"/>
+              <a:ea typeface="Calibri"/>
+              <a:cs typeface="Calibri"/>
+              <a:sym typeface="Calibri"/>
+            </a:endParaRPr>
+          </a:p>
+        </p:txBody>
+      </p:sp>
+      <p:pic>
+        <p:nvPicPr>
+          <p:cNvPr id="235" name="Google Shape;235;p26" title="photo_2025-06-21 20.40.37.jpg"/>
+          <p:cNvPicPr preferRelativeResize="0"/>
+          <p:nvPr/>
+        </p:nvPicPr>
+        <p:blipFill>
+          <a:blip r:embed="rId7" cstate="email">
+            <a:alphaModFix/>
+            <a:extLst>
+              <a:ext uri="{28A0092B-C50C-407E-A947-70E740481C1C}">
+                <a14:useLocalDpi xmlns:a14="http://schemas.microsoft.com/office/drawing/2010/main"/>
+              </a:ext>
+            </a:extLst>
+          </a:blip>
+          <a:stretch>
+            <a:fillRect/>
+          </a:stretch>
+        </p:blipFill>
+        <p:spPr>
+          <a:xfrm>
+            <a:off x="6381176" y="57475"/>
+            <a:ext cx="2706151" cy="3586161"/>
+          </a:xfrm>
+          <a:prstGeom prst="rect">
+            <a:avLst/>
+          </a:prstGeom>
+          <a:noFill/>
+          <a:ln w="9525" cap="flat" cmpd="sng">
+            <a:solidFill>
+              <a:srgbClr val="FF0000"/>
+            </a:solidFill>
+            <a:prstDash val="solid"/>
+            <a:round/>
+            <a:headEnd type="none" w="sm" len="sm"/>
+            <a:tailEnd type="none" w="sm" len="sm"/>
+          </a:ln>
+        </p:spPr>
+      </p:pic>
     </p:spTree>
   </p:cSld>
   <p:clrMapOvr>
@@ -16666,7 +16861,7 @@
   <p:cSld>
     <p:spTree>
       <p:nvGrpSpPr>
-        <p:cNvPr id="1" name="Shape 236"/>
+        <p:cNvPr id="1" name="Shape 239"/>
         <p:cNvGrpSpPr/>
         <p:nvPr/>
       </p:nvGrpSpPr>
@@ -16680,7 +16875,7 @@
       </p:grpSpPr>
       <p:sp>
         <p:nvSpPr>
-          <p:cNvPr id="237" name="Google Shape;237;p27"/>
+          <p:cNvPr id="240" name="Google Shape;240;p27"/>
           <p:cNvSpPr txBox="1"/>
           <p:nvPr/>
         </p:nvSpPr>
@@ -16746,7 +16941,7 @@
       </p:sp>
       <p:sp>
         <p:nvSpPr>
-          <p:cNvPr id="238" name="Google Shape;238;p27"/>
+          <p:cNvPr id="241" name="Google Shape;241;p27"/>
           <p:cNvSpPr txBox="1"/>
           <p:nvPr/>
         </p:nvSpPr>
@@ -17236,7 +17431,7 @@
       </p:sp>
       <p:pic>
         <p:nvPicPr>
-          <p:cNvPr id="239" name="Google Shape;239;p27"/>
+          <p:cNvPr id="242" name="Google Shape;242;p27"/>
           <p:cNvPicPr preferRelativeResize="0"/>
           <p:nvPr/>
         </p:nvPicPr>
@@ -17281,7 +17476,7 @@
   <p:cSld>
     <p:spTree>
       <p:nvGrpSpPr>
-        <p:cNvPr id="1" name="Shape 243"/>
+        <p:cNvPr id="1" name="Shape 246"/>
         <p:cNvGrpSpPr/>
         <p:nvPr/>
       </p:nvGrpSpPr>
@@ -17295,7 +17490,7 @@
       </p:grpSpPr>
       <p:sp>
         <p:nvSpPr>
-          <p:cNvPr id="244" name="Google Shape;244;p28"/>
+          <p:cNvPr id="247" name="Google Shape;247;p28"/>
           <p:cNvSpPr txBox="1"/>
           <p:nvPr/>
         </p:nvSpPr>
@@ -17361,7 +17556,7 @@
       </p:sp>
       <p:sp>
         <p:nvSpPr>
-          <p:cNvPr id="245" name="Google Shape;245;p28"/>
+          <p:cNvPr id="248" name="Google Shape;248;p28"/>
           <p:cNvSpPr txBox="1"/>
           <p:nvPr/>
         </p:nvSpPr>
@@ -17794,7 +17989,7 @@
       </p:sp>
       <p:sp>
         <p:nvSpPr>
-          <p:cNvPr id="246" name="Google Shape;246;p28"/>
+          <p:cNvPr id="249" name="Google Shape;249;p28"/>
           <p:cNvSpPr txBox="1"/>
           <p:nvPr/>
         </p:nvSpPr>
@@ -18028,7 +18223,7 @@
       </p:sp>
       <p:pic>
         <p:nvPicPr>
-          <p:cNvPr id="247" name="Google Shape;247;p28"/>
+          <p:cNvPr id="250" name="Google Shape;250;p28"/>
           <p:cNvPicPr preferRelativeResize="0"/>
           <p:nvPr/>
         </p:nvPicPr>
@@ -18078,7 +18273,7 @@
   <p:cSld>
     <p:spTree>
       <p:nvGrpSpPr>
-        <p:cNvPr id="1" name="Shape 251"/>
+        <p:cNvPr id="1" name="Shape 254"/>
         <p:cNvGrpSpPr/>
         <p:nvPr/>
       </p:nvGrpSpPr>
@@ -18092,7 +18287,7 @@
       </p:grpSpPr>
       <p:sp>
         <p:nvSpPr>
-          <p:cNvPr id="252" name="Google Shape;252;p29"/>
+          <p:cNvPr id="255" name="Google Shape;255;p29"/>
           <p:cNvSpPr txBox="1"/>
           <p:nvPr/>
         </p:nvSpPr>
@@ -18158,7 +18353,7 @@
       </p:sp>
       <p:sp>
         <p:nvSpPr>
-          <p:cNvPr id="253" name="Google Shape;253;p29"/>
+          <p:cNvPr id="256" name="Google Shape;256;p29"/>
           <p:cNvSpPr txBox="1"/>
           <p:nvPr/>
         </p:nvSpPr>
@@ -18805,7 +19000,7 @@
       </p:sp>
       <p:pic>
         <p:nvPicPr>
-          <p:cNvPr id="254" name="Google Shape;254;p29"/>
+          <p:cNvPr id="257" name="Google Shape;257;p29"/>
           <p:cNvPicPr preferRelativeResize="0"/>
           <p:nvPr/>
         </p:nvPicPr>
@@ -18849,7 +19044,7 @@
   <p:cSld>
     <p:spTree>
       <p:nvGrpSpPr>
-        <p:cNvPr id="1" name="Shape 258"/>
+        <p:cNvPr id="1" name="Shape 261"/>
         <p:cNvGrpSpPr/>
         <p:nvPr/>
       </p:nvGrpSpPr>
@@ -18863,7 +19058,7 @@
       </p:grpSpPr>
       <p:sp>
         <p:nvSpPr>
-          <p:cNvPr id="259" name="Google Shape;259;p30"/>
+          <p:cNvPr id="262" name="Google Shape;262;p30"/>
           <p:cNvSpPr txBox="1"/>
           <p:nvPr/>
         </p:nvSpPr>
@@ -18929,7 +19124,7 @@
       </p:sp>
       <p:sp>
         <p:nvSpPr>
-          <p:cNvPr id="260" name="Google Shape;260;p30"/>
+          <p:cNvPr id="263" name="Google Shape;263;p30"/>
           <p:cNvSpPr txBox="1"/>
           <p:nvPr/>
         </p:nvSpPr>
@@ -19427,7 +19622,7 @@
       </p:sp>
       <p:pic>
         <p:nvPicPr>
-          <p:cNvPr id="261" name="Google Shape;261;p30"/>
+          <p:cNvPr id="264" name="Google Shape;264;p30"/>
           <p:cNvPicPr preferRelativeResize="0"/>
           <p:nvPr/>
         </p:nvPicPr>
@@ -19477,7 +19672,7 @@
   <p:cSld>
     <p:spTree>
       <p:nvGrpSpPr>
-        <p:cNvPr id="1" name="Shape 265"/>
+        <p:cNvPr id="1" name="Shape 268"/>
         <p:cNvGrpSpPr/>
         <p:nvPr/>
       </p:nvGrpSpPr>
@@ -19491,7 +19686,7 @@
       </p:grpSpPr>
       <p:sp>
         <p:nvSpPr>
-          <p:cNvPr id="266" name="Google Shape;266;p31"/>
+          <p:cNvPr id="269" name="Google Shape;269;p31"/>
           <p:cNvSpPr txBox="1"/>
           <p:nvPr/>
         </p:nvSpPr>
@@ -19557,7 +19752,7 @@
       </p:sp>
       <p:sp>
         <p:nvSpPr>
-          <p:cNvPr id="267" name="Google Shape;267;p31"/>
+          <p:cNvPr id="270" name="Google Shape;270;p31"/>
           <p:cNvSpPr txBox="1"/>
           <p:nvPr/>
         </p:nvSpPr>
@@ -20080,7 +20275,7 @@
       </p:sp>
       <p:sp>
         <p:nvSpPr>
-          <p:cNvPr id="268" name="Google Shape;268;p31"/>
+          <p:cNvPr id="271" name="Google Shape;271;p31"/>
           <p:cNvSpPr txBox="1"/>
           <p:nvPr/>
         </p:nvSpPr>
@@ -20426,7 +20621,7 @@
       </p:sp>
       <p:pic>
         <p:nvPicPr>
-          <p:cNvPr id="269" name="Google Shape;269;p31"/>
+          <p:cNvPr id="272" name="Google Shape;272;p31"/>
           <p:cNvPicPr preferRelativeResize="0"/>
           <p:nvPr/>
         </p:nvPicPr>
@@ -20471,7 +20666,7 @@
   <p:cSld>
     <p:spTree>
       <p:nvGrpSpPr>
-        <p:cNvPr id="1" name="Shape 273"/>
+        <p:cNvPr id="1" name="Shape 276"/>
         <p:cNvGrpSpPr/>
         <p:nvPr/>
       </p:nvGrpSpPr>
@@ -20485,7 +20680,7 @@
       </p:grpSpPr>
       <p:sp>
         <p:nvSpPr>
-          <p:cNvPr id="274" name="Google Shape;274;p32"/>
+          <p:cNvPr id="277" name="Google Shape;277;p32"/>
           <p:cNvSpPr txBox="1"/>
           <p:nvPr/>
         </p:nvSpPr>
@@ -20551,7 +20746,7 @@
       </p:sp>
       <p:sp>
         <p:nvSpPr>
-          <p:cNvPr id="275" name="Google Shape;275;p32"/>
+          <p:cNvPr id="278" name="Google Shape;278;p32"/>
           <p:cNvSpPr txBox="1"/>
           <p:nvPr/>
         </p:nvSpPr>
@@ -20679,7 +20874,7 @@
       </p:sp>
       <p:pic>
         <p:nvPicPr>
-          <p:cNvPr id="276" name="Google Shape;276;p32"/>
+          <p:cNvPr id="279" name="Google Shape;279;p32"/>
           <p:cNvPicPr preferRelativeResize="0"/>
           <p:nvPr/>
         </p:nvPicPr>
@@ -20718,7 +20913,7 @@
       </p:pic>
       <p:pic>
         <p:nvPicPr>
-          <p:cNvPr id="277" name="Google Shape;277;p32"/>
+          <p:cNvPr id="280" name="Google Shape;280;p32"/>
           <p:cNvPicPr preferRelativeResize="0"/>
           <p:nvPr/>
         </p:nvPicPr>
@@ -20768,7 +20963,7 @@
   <p:cSld>
     <p:spTree>
       <p:nvGrpSpPr>
-        <p:cNvPr id="1" name="Shape 281"/>
+        <p:cNvPr id="1" name="Shape 284"/>
         <p:cNvGrpSpPr/>
         <p:nvPr/>
       </p:nvGrpSpPr>
@@ -20782,7 +20977,7 @@
       </p:grpSpPr>
       <p:pic>
         <p:nvPicPr>
-          <p:cNvPr id="282" name="Google Shape;282;p33"/>
+          <p:cNvPr id="285" name="Google Shape;285;p33"/>
           <p:cNvPicPr preferRelativeResize="0"/>
           <p:nvPr/>
         </p:nvPicPr>
@@ -20814,7 +21009,7 @@
       </p:pic>
       <p:sp>
         <p:nvSpPr>
-          <p:cNvPr id="283" name="Google Shape;283;p33"/>
+          <p:cNvPr id="286" name="Google Shape;286;p33"/>
           <p:cNvSpPr txBox="1"/>
           <p:nvPr/>
         </p:nvSpPr>
@@ -20880,7 +21075,7 @@
       </p:sp>
       <p:sp>
         <p:nvSpPr>
-          <p:cNvPr id="284" name="Google Shape;284;p33"/>
+          <p:cNvPr id="287" name="Google Shape;287;p33"/>
           <p:cNvSpPr txBox="1"/>
           <p:nvPr/>
         </p:nvSpPr>
@@ -21310,7 +21505,7 @@
       </p:sp>
       <p:pic>
         <p:nvPicPr>
-          <p:cNvPr id="285" name="Google Shape;285;p33"/>
+          <p:cNvPr id="288" name="Google Shape;288;p33"/>
           <p:cNvPicPr preferRelativeResize="0"/>
           <p:nvPr/>
         </p:nvPicPr>
@@ -21342,7 +21537,7 @@
       </p:pic>
       <p:sp>
         <p:nvSpPr>
-          <p:cNvPr id="286" name="Google Shape;286;p33"/>
+          <p:cNvPr id="289" name="Google Shape;289;p33"/>
           <p:cNvSpPr txBox="1"/>
           <p:nvPr/>
         </p:nvSpPr>
@@ -21421,7 +21616,7 @@
       </p:sp>
       <p:sp>
         <p:nvSpPr>
-          <p:cNvPr id="287" name="Google Shape;287;p33"/>
+          <p:cNvPr id="290" name="Google Shape;290;p33"/>
           <p:cNvSpPr txBox="1"/>
           <p:nvPr/>
         </p:nvSpPr>
@@ -22001,7 +22196,7 @@
                 <a:cs typeface="Calibri"/>
                 <a:sym typeface="Calibri"/>
               </a:rPr>
-              <a:t>Text - June 17</a:t>
+              <a:t>Text - June 25</a:t>
             </a:r>
             <a:endParaRPr sz="1200" b="0" i="0" u="none" strike="noStrike" cap="none">
               <a:solidFill>
@@ -24104,7 +24299,7 @@
         </p:nvSpPr>
         <p:spPr>
           <a:xfrm>
-            <a:off x="345398" y="3202122"/>
+            <a:off x="345398" y="3611857"/>
             <a:ext cx="287100" cy="141600"/>
           </a:xfrm>
           <a:prstGeom prst="rect">
@@ -24182,7 +24377,7 @@
         </p:nvSpPr>
         <p:spPr>
           <a:xfrm>
-            <a:off x="644664" y="3209369"/>
+            <a:off x="644664" y="3619104"/>
             <a:ext cx="125400" cy="125400"/>
           </a:xfrm>
           <a:prstGeom prst="ellipse">
@@ -24954,7 +25149,7 @@
         </p:nvSpPr>
         <p:spPr>
           <a:xfrm>
-            <a:off x="646893" y="4009866"/>
+            <a:off x="646893" y="4223216"/>
             <a:ext cx="125400" cy="125400"/>
           </a:xfrm>
           <a:prstGeom prst="ellipse">
@@ -25016,7 +25211,7 @@
         </p:nvSpPr>
         <p:spPr>
           <a:xfrm>
-            <a:off x="637010" y="3617009"/>
+            <a:off x="630837" y="3221642"/>
             <a:ext cx="125400" cy="125400"/>
           </a:xfrm>
           <a:prstGeom prst="ellipse">
@@ -25078,7 +25273,7 @@
         </p:nvSpPr>
         <p:spPr>
           <a:xfrm>
-            <a:off x="646910" y="3810005"/>
+            <a:off x="633554" y="3414637"/>
             <a:ext cx="125400" cy="125400"/>
           </a:xfrm>
           <a:prstGeom prst="ellipse">
@@ -25139,3584 +25334,6 @@
           <p:nvPr/>
         </p:nvGraphicFramePr>
         <p:xfrm>
-          <a:off x="774300" y="775925"/>
-          <a:ext cx="3000000" cy="3000000"/>
-        </p:xfrm>
-        <a:graphic>
-          <a:graphicData uri="http://schemas.openxmlformats.org/drawingml/2006/table">
-            <a:tbl>
-              <a:tblPr>
-                <a:noFill/>
-                <a:tableStyleId>{E5414D47-7274-47CD-8CD2-5CE76CFFF132}</a:tableStyleId>
-              </a:tblPr>
-              <a:tblGrid>
-                <a:gridCol w="2247900">
-                  <a:extLst>
-                    <a:ext uri="{9D8B030D-6E8A-4147-A177-3AD203B41FA5}">
-                      <a16:colId xmlns:a16="http://schemas.microsoft.com/office/drawing/2014/main" val="20000"/>
-                    </a:ext>
-                  </a:extLst>
-                </a:gridCol>
-                <a:gridCol w="400050">
-                  <a:extLst>
-                    <a:ext uri="{9D8B030D-6E8A-4147-A177-3AD203B41FA5}">
-                      <a16:colId xmlns:a16="http://schemas.microsoft.com/office/drawing/2014/main" val="20001"/>
-                    </a:ext>
-                  </a:extLst>
-                </a:gridCol>
-              </a:tblGrid>
-              <a:tr h="189500">
-                <a:tc>
-                  <a:txBody>
-                    <a:bodyPr/>
-                    <a:lstStyle/>
-                    <a:p>
-                      <a:pPr marL="0" lvl="0" indent="0" algn="l" rtl="0">
-                        <a:lnSpc>
-                          <a:spcPct val="115000"/>
-                        </a:lnSpc>
-                        <a:spcBef>
-                          <a:spcPts val="0"/>
-                        </a:spcBef>
-                        <a:spcAft>
-                          <a:spcPts val="0"/>
-                        </a:spcAft>
-                        <a:buNone/>
-                      </a:pPr>
-                      <a:r>
-                        <a:rPr lang="en" sz="900">
-                          <a:latin typeface="Calibri"/>
-                          <a:ea typeface="Calibri"/>
-                          <a:cs typeface="Calibri"/>
-                          <a:sym typeface="Calibri"/>
-                        </a:rPr>
-                        <a:t>Model</a:t>
-                      </a:r>
-                      <a:endParaRPr sz="900">
-                        <a:latin typeface="Calibri"/>
-                        <a:ea typeface="Calibri"/>
-                        <a:cs typeface="Calibri"/>
-                        <a:sym typeface="Calibri"/>
-                      </a:endParaRPr>
-                    </a:p>
-                  </a:txBody>
-                  <a:tcPr marL="28575" marR="28575" marT="19050" marB="19050" anchor="b">
-                    <a:lnL w="9525" cap="flat" cmpd="sng">
-                      <a:solidFill>
-                        <a:srgbClr val="FF0000"/>
-                      </a:solidFill>
-                      <a:prstDash val="solid"/>
-                      <a:round/>
-                      <a:headEnd type="none" w="sm" len="sm"/>
-                      <a:tailEnd type="none" w="sm" len="sm"/>
-                    </a:lnL>
-                    <a:lnR w="9525" cap="flat" cmpd="sng">
-                      <a:solidFill>
-                        <a:srgbClr val="FF0000"/>
-                      </a:solidFill>
-                      <a:prstDash val="solid"/>
-                      <a:round/>
-                      <a:headEnd type="none" w="sm" len="sm"/>
-                      <a:tailEnd type="none" w="sm" len="sm"/>
-                    </a:lnR>
-                    <a:lnT w="9525" cap="flat" cmpd="sng">
-                      <a:solidFill>
-                        <a:srgbClr val="FF0000"/>
-                      </a:solidFill>
-                      <a:prstDash val="solid"/>
-                      <a:round/>
-                      <a:headEnd type="none" w="sm" len="sm"/>
-                      <a:tailEnd type="none" w="sm" len="sm"/>
-                    </a:lnT>
-                    <a:lnB w="9525" cap="flat" cmpd="sng">
-                      <a:solidFill>
-                        <a:srgbClr val="FF0000"/>
-                      </a:solidFill>
-                      <a:prstDash val="solid"/>
-                      <a:round/>
-                      <a:headEnd type="none" w="sm" len="sm"/>
-                      <a:tailEnd type="none" w="sm" len="sm"/>
-                    </a:lnB>
-                    <a:solidFill>
-                      <a:srgbClr val="FFFFFF"/>
-                    </a:solidFill>
-                  </a:tcPr>
-                </a:tc>
-                <a:tc>
-                  <a:txBody>
-                    <a:bodyPr/>
-                    <a:lstStyle/>
-                    <a:p>
-                      <a:pPr marL="0" lvl="0" indent="0" algn="l" rtl="0">
-                        <a:lnSpc>
-                          <a:spcPct val="115000"/>
-                        </a:lnSpc>
-                        <a:spcBef>
-                          <a:spcPts val="0"/>
-                        </a:spcBef>
-                        <a:spcAft>
-                          <a:spcPts val="0"/>
-                        </a:spcAft>
-                        <a:buNone/>
-                      </a:pPr>
-                      <a:r>
-                        <a:rPr lang="en" sz="900">
-                          <a:latin typeface="Calibri"/>
-                          <a:ea typeface="Calibri"/>
-                          <a:cs typeface="Calibri"/>
-                          <a:sym typeface="Calibri"/>
-                        </a:rPr>
-                        <a:t>Score</a:t>
-                      </a:r>
-                      <a:endParaRPr sz="900">
-                        <a:latin typeface="Calibri"/>
-                        <a:ea typeface="Calibri"/>
-                        <a:cs typeface="Calibri"/>
-                        <a:sym typeface="Calibri"/>
-                      </a:endParaRPr>
-                    </a:p>
-                  </a:txBody>
-                  <a:tcPr marL="28575" marR="28575" marT="19050" marB="19050" anchor="b">
-                    <a:lnL w="9525" cap="flat" cmpd="sng">
-                      <a:solidFill>
-                        <a:srgbClr val="FF0000"/>
-                      </a:solidFill>
-                      <a:prstDash val="solid"/>
-                      <a:round/>
-                      <a:headEnd type="none" w="sm" len="sm"/>
-                      <a:tailEnd type="none" w="sm" len="sm"/>
-                    </a:lnL>
-                    <a:lnR w="9525" cap="flat" cmpd="sng">
-                      <a:solidFill>
-                        <a:srgbClr val="FF0000"/>
-                      </a:solidFill>
-                      <a:prstDash val="solid"/>
-                      <a:round/>
-                      <a:headEnd type="none" w="sm" len="sm"/>
-                      <a:tailEnd type="none" w="sm" len="sm"/>
-                    </a:lnR>
-                    <a:lnT w="9525" cap="flat" cmpd="sng">
-                      <a:solidFill>
-                        <a:srgbClr val="FF0000"/>
-                      </a:solidFill>
-                      <a:prstDash val="solid"/>
-                      <a:round/>
-                      <a:headEnd type="none" w="sm" len="sm"/>
-                      <a:tailEnd type="none" w="sm" len="sm"/>
-                    </a:lnT>
-                    <a:lnB w="9525" cap="flat" cmpd="sng">
-                      <a:solidFill>
-                        <a:srgbClr val="FF0000"/>
-                      </a:solidFill>
-                      <a:prstDash val="solid"/>
-                      <a:round/>
-                      <a:headEnd type="none" w="sm" len="sm"/>
-                      <a:tailEnd type="none" w="sm" len="sm"/>
-                    </a:lnB>
-                    <a:solidFill>
-                      <a:srgbClr val="FFFFFF"/>
-                    </a:solidFill>
-                  </a:tcPr>
-                </a:tc>
-                <a:extLst>
-                  <a:ext uri="{0D108BD9-81ED-4DB2-BD59-A6C34878D82A}">
-                    <a16:rowId xmlns:a16="http://schemas.microsoft.com/office/drawing/2014/main" val="10000"/>
-                  </a:ext>
-                </a:extLst>
-              </a:tr>
-              <a:tr h="189500">
-                <a:tc>
-                  <a:txBody>
-                    <a:bodyPr/>
-                    <a:lstStyle/>
-                    <a:p>
-                      <a:pPr marL="0" lvl="0" indent="0" algn="l" rtl="0">
-                        <a:lnSpc>
-                          <a:spcPct val="115000"/>
-                        </a:lnSpc>
-                        <a:spcBef>
-                          <a:spcPts val="0"/>
-                        </a:spcBef>
-                        <a:spcAft>
-                          <a:spcPts val="0"/>
-                        </a:spcAft>
-                        <a:buNone/>
-                      </a:pPr>
-                      <a:r>
-                        <a:rPr lang="en" sz="900" u="sng">
-                          <a:solidFill>
-                            <a:srgbClr val="1155CC"/>
-                          </a:solidFill>
-                          <a:latin typeface="Calibri"/>
-                          <a:ea typeface="Calibri"/>
-                          <a:cs typeface="Calibri"/>
-                          <a:sym typeface="Calibri"/>
-                          <a:hlinkClick r:id="rId14">
-                            <a:extLst>
-                              <a:ext uri="{A12FA001-AC4F-418D-AE19-62706E023703}">
-                                <ahyp:hlinkClr xmlns:ahyp="http://schemas.microsoft.com/office/drawing/2018/hyperlinkcolor" val="tx"/>
-                              </a:ext>
-                            </a:extLst>
-                          </a:hlinkClick>
-                        </a:rPr>
-                        <a:t>gemini-2.5-pro-preview-06-05</a:t>
-                      </a:r>
-                      <a:endParaRPr sz="900" u="sng">
-                        <a:solidFill>
-                          <a:srgbClr val="1155CC"/>
-                        </a:solidFill>
-                        <a:latin typeface="Calibri"/>
-                        <a:ea typeface="Calibri"/>
-                        <a:cs typeface="Calibri"/>
-                        <a:sym typeface="Calibri"/>
-                      </a:endParaRPr>
-                    </a:p>
-                  </a:txBody>
-                  <a:tcPr marL="28575" marR="28575" marT="19050" marB="19050" anchor="b">
-                    <a:lnL w="9525" cap="flat" cmpd="sng">
-                      <a:solidFill>
-                        <a:srgbClr val="FF0000"/>
-                      </a:solidFill>
-                      <a:prstDash val="solid"/>
-                      <a:round/>
-                      <a:headEnd type="none" w="sm" len="sm"/>
-                      <a:tailEnd type="none" w="sm" len="sm"/>
-                    </a:lnL>
-                    <a:lnR w="9525" cap="flat" cmpd="sng">
-                      <a:solidFill>
-                        <a:srgbClr val="FF0000"/>
-                      </a:solidFill>
-                      <a:prstDash val="solid"/>
-                      <a:round/>
-                      <a:headEnd type="none" w="sm" len="sm"/>
-                      <a:tailEnd type="none" w="sm" len="sm"/>
-                    </a:lnR>
-                    <a:lnT w="9525" cap="flat" cmpd="sng">
-                      <a:solidFill>
-                        <a:srgbClr val="FF0000"/>
-                      </a:solidFill>
-                      <a:prstDash val="solid"/>
-                      <a:round/>
-                      <a:headEnd type="none" w="sm" len="sm"/>
-                      <a:tailEnd type="none" w="sm" len="sm"/>
-                    </a:lnT>
-                    <a:lnB w="9525" cap="flat" cmpd="sng">
-                      <a:solidFill>
-                        <a:srgbClr val="FF0000"/>
-                      </a:solidFill>
-                      <a:prstDash val="solid"/>
-                      <a:round/>
-                      <a:headEnd type="none" w="sm" len="sm"/>
-                      <a:tailEnd type="none" w="sm" len="sm"/>
-                    </a:lnB>
-                    <a:solidFill>
-                      <a:srgbClr val="FFFFFF"/>
-                    </a:solidFill>
-                  </a:tcPr>
-                </a:tc>
-                <a:tc>
-                  <a:txBody>
-                    <a:bodyPr/>
-                    <a:lstStyle/>
-                    <a:p>
-                      <a:pPr marL="0" lvl="0" indent="0" algn="r" rtl="0">
-                        <a:lnSpc>
-                          <a:spcPct val="115000"/>
-                        </a:lnSpc>
-                        <a:spcBef>
-                          <a:spcPts val="0"/>
-                        </a:spcBef>
-                        <a:spcAft>
-                          <a:spcPts val="0"/>
-                        </a:spcAft>
-                        <a:buNone/>
-                      </a:pPr>
-                      <a:r>
-                        <a:rPr lang="en" sz="900">
-                          <a:solidFill>
-                            <a:srgbClr val="5D6272"/>
-                          </a:solidFill>
-                          <a:latin typeface="Calibri"/>
-                          <a:ea typeface="Calibri"/>
-                          <a:cs typeface="Calibri"/>
-                          <a:sym typeface="Calibri"/>
-                        </a:rPr>
-                        <a:t>1470</a:t>
-                      </a:r>
-                      <a:endParaRPr sz="900">
-                        <a:solidFill>
-                          <a:srgbClr val="5D6272"/>
-                        </a:solidFill>
-                        <a:latin typeface="Calibri"/>
-                        <a:ea typeface="Calibri"/>
-                        <a:cs typeface="Calibri"/>
-                        <a:sym typeface="Calibri"/>
-                      </a:endParaRPr>
-                    </a:p>
-                  </a:txBody>
-                  <a:tcPr marL="28575" marR="28575" marT="19050" marB="19050" anchor="b">
-                    <a:lnL w="9525" cap="flat" cmpd="sng">
-                      <a:solidFill>
-                        <a:srgbClr val="FF0000"/>
-                      </a:solidFill>
-                      <a:prstDash val="solid"/>
-                      <a:round/>
-                      <a:headEnd type="none" w="sm" len="sm"/>
-                      <a:tailEnd type="none" w="sm" len="sm"/>
-                    </a:lnL>
-                    <a:lnR w="9525" cap="flat" cmpd="sng">
-                      <a:solidFill>
-                        <a:srgbClr val="FF0000"/>
-                      </a:solidFill>
-                      <a:prstDash val="solid"/>
-                      <a:round/>
-                      <a:headEnd type="none" w="sm" len="sm"/>
-                      <a:tailEnd type="none" w="sm" len="sm"/>
-                    </a:lnR>
-                    <a:lnT w="9525" cap="flat" cmpd="sng">
-                      <a:solidFill>
-                        <a:srgbClr val="FF0000"/>
-                      </a:solidFill>
-                      <a:prstDash val="solid"/>
-                      <a:round/>
-                      <a:headEnd type="none" w="sm" len="sm"/>
-                      <a:tailEnd type="none" w="sm" len="sm"/>
-                    </a:lnT>
-                    <a:lnB w="9525" cap="flat" cmpd="sng">
-                      <a:solidFill>
-                        <a:srgbClr val="FF0000"/>
-                      </a:solidFill>
-                      <a:prstDash val="solid"/>
-                      <a:round/>
-                      <a:headEnd type="none" w="sm" len="sm"/>
-                      <a:tailEnd type="none" w="sm" len="sm"/>
-                    </a:lnB>
-                    <a:solidFill>
-                      <a:srgbClr val="FFFFFF"/>
-                    </a:solidFill>
-                  </a:tcPr>
-                </a:tc>
-                <a:extLst>
-                  <a:ext uri="{0D108BD9-81ED-4DB2-BD59-A6C34878D82A}">
-                    <a16:rowId xmlns:a16="http://schemas.microsoft.com/office/drawing/2014/main" val="10001"/>
-                  </a:ext>
-                </a:extLst>
-              </a:tr>
-              <a:tr h="189500">
-                <a:tc>
-                  <a:txBody>
-                    <a:bodyPr/>
-                    <a:lstStyle/>
-                    <a:p>
-                      <a:pPr marL="0" lvl="0" indent="0" algn="l" rtl="0">
-                        <a:lnSpc>
-                          <a:spcPct val="115000"/>
-                        </a:lnSpc>
-                        <a:spcBef>
-                          <a:spcPts val="0"/>
-                        </a:spcBef>
-                        <a:spcAft>
-                          <a:spcPts val="0"/>
-                        </a:spcAft>
-                        <a:buNone/>
-                      </a:pPr>
-                      <a:r>
-                        <a:rPr lang="en" sz="900" u="sng">
-                          <a:solidFill>
-                            <a:srgbClr val="1155CC"/>
-                          </a:solidFill>
-                          <a:latin typeface="Calibri"/>
-                          <a:ea typeface="Calibri"/>
-                          <a:cs typeface="Calibri"/>
-                          <a:sym typeface="Calibri"/>
-                          <a:hlinkClick r:id="rId15">
-                            <a:extLst>
-                              <a:ext uri="{A12FA001-AC4F-418D-AE19-62706E023703}">
-                                <ahyp:hlinkClr xmlns:ahyp="http://schemas.microsoft.com/office/drawing/2018/hyperlinkcolor" val="tx"/>
-                              </a:ext>
-                            </a:extLst>
-                          </a:hlinkClick>
-                        </a:rPr>
-                        <a:t>o3-2025-04-16</a:t>
-                      </a:r>
-                      <a:endParaRPr sz="900" u="sng">
-                        <a:solidFill>
-                          <a:srgbClr val="1155CC"/>
-                        </a:solidFill>
-                        <a:latin typeface="Calibri"/>
-                        <a:ea typeface="Calibri"/>
-                        <a:cs typeface="Calibri"/>
-                        <a:sym typeface="Calibri"/>
-                      </a:endParaRPr>
-                    </a:p>
-                  </a:txBody>
-                  <a:tcPr marL="28575" marR="28575" marT="19050" marB="19050" anchor="b">
-                    <a:lnL w="9525" cap="flat" cmpd="sng">
-                      <a:solidFill>
-                        <a:srgbClr val="FF0000"/>
-                      </a:solidFill>
-                      <a:prstDash val="solid"/>
-                      <a:round/>
-                      <a:headEnd type="none" w="sm" len="sm"/>
-                      <a:tailEnd type="none" w="sm" len="sm"/>
-                    </a:lnL>
-                    <a:lnR w="9525" cap="flat" cmpd="sng">
-                      <a:solidFill>
-                        <a:srgbClr val="FF0000"/>
-                      </a:solidFill>
-                      <a:prstDash val="solid"/>
-                      <a:round/>
-                      <a:headEnd type="none" w="sm" len="sm"/>
-                      <a:tailEnd type="none" w="sm" len="sm"/>
-                    </a:lnR>
-                    <a:lnT w="9525" cap="flat" cmpd="sng">
-                      <a:solidFill>
-                        <a:srgbClr val="FF0000"/>
-                      </a:solidFill>
-                      <a:prstDash val="solid"/>
-                      <a:round/>
-                      <a:headEnd type="none" w="sm" len="sm"/>
-                      <a:tailEnd type="none" w="sm" len="sm"/>
-                    </a:lnT>
-                    <a:lnB w="9525" cap="flat" cmpd="sng">
-                      <a:solidFill>
-                        <a:srgbClr val="FF0000"/>
-                      </a:solidFill>
-                      <a:prstDash val="solid"/>
-                      <a:round/>
-                      <a:headEnd type="none" w="sm" len="sm"/>
-                      <a:tailEnd type="none" w="sm" len="sm"/>
-                    </a:lnB>
-                    <a:solidFill>
-                      <a:srgbClr val="FFFFFF"/>
-                    </a:solidFill>
-                  </a:tcPr>
-                </a:tc>
-                <a:tc>
-                  <a:txBody>
-                    <a:bodyPr/>
-                    <a:lstStyle/>
-                    <a:p>
-                      <a:pPr marL="0" lvl="0" indent="0" algn="r" rtl="0">
-                        <a:lnSpc>
-                          <a:spcPct val="115000"/>
-                        </a:lnSpc>
-                        <a:spcBef>
-                          <a:spcPts val="0"/>
-                        </a:spcBef>
-                        <a:spcAft>
-                          <a:spcPts val="0"/>
-                        </a:spcAft>
-                        <a:buNone/>
-                      </a:pPr>
-                      <a:r>
-                        <a:rPr lang="en" sz="900">
-                          <a:solidFill>
-                            <a:srgbClr val="5D6272"/>
-                          </a:solidFill>
-                          <a:latin typeface="Calibri"/>
-                          <a:ea typeface="Calibri"/>
-                          <a:cs typeface="Calibri"/>
-                          <a:sym typeface="Calibri"/>
-                        </a:rPr>
-                        <a:t>1449</a:t>
-                      </a:r>
-                      <a:endParaRPr sz="900">
-                        <a:solidFill>
-                          <a:srgbClr val="5D6272"/>
-                        </a:solidFill>
-                        <a:latin typeface="Calibri"/>
-                        <a:ea typeface="Calibri"/>
-                        <a:cs typeface="Calibri"/>
-                        <a:sym typeface="Calibri"/>
-                      </a:endParaRPr>
-                    </a:p>
-                  </a:txBody>
-                  <a:tcPr marL="28575" marR="28575" marT="19050" marB="19050" anchor="b">
-                    <a:lnL w="9525" cap="flat" cmpd="sng">
-                      <a:solidFill>
-                        <a:srgbClr val="FF0000"/>
-                      </a:solidFill>
-                      <a:prstDash val="solid"/>
-                      <a:round/>
-                      <a:headEnd type="none" w="sm" len="sm"/>
-                      <a:tailEnd type="none" w="sm" len="sm"/>
-                    </a:lnL>
-                    <a:lnR w="9525" cap="flat" cmpd="sng">
-                      <a:solidFill>
-                        <a:srgbClr val="FF0000"/>
-                      </a:solidFill>
-                      <a:prstDash val="solid"/>
-                      <a:round/>
-                      <a:headEnd type="none" w="sm" len="sm"/>
-                      <a:tailEnd type="none" w="sm" len="sm"/>
-                    </a:lnR>
-                    <a:lnT w="9525" cap="flat" cmpd="sng">
-                      <a:solidFill>
-                        <a:srgbClr val="FF0000"/>
-                      </a:solidFill>
-                      <a:prstDash val="solid"/>
-                      <a:round/>
-                      <a:headEnd type="none" w="sm" len="sm"/>
-                      <a:tailEnd type="none" w="sm" len="sm"/>
-                    </a:lnT>
-                    <a:lnB w="9525" cap="flat" cmpd="sng">
-                      <a:solidFill>
-                        <a:srgbClr val="FF0000"/>
-                      </a:solidFill>
-                      <a:prstDash val="solid"/>
-                      <a:round/>
-                      <a:headEnd type="none" w="sm" len="sm"/>
-                      <a:tailEnd type="none" w="sm" len="sm"/>
-                    </a:lnB>
-                    <a:solidFill>
-                      <a:srgbClr val="FFFFFF"/>
-                    </a:solidFill>
-                  </a:tcPr>
-                </a:tc>
-                <a:extLst>
-                  <a:ext uri="{0D108BD9-81ED-4DB2-BD59-A6C34878D82A}">
-                    <a16:rowId xmlns:a16="http://schemas.microsoft.com/office/drawing/2014/main" val="10002"/>
-                  </a:ext>
-                </a:extLst>
-              </a:tr>
-              <a:tr h="189500">
-                <a:tc>
-                  <a:txBody>
-                    <a:bodyPr/>
-                    <a:lstStyle/>
-                    <a:p>
-                      <a:pPr marL="0" lvl="0" indent="0" algn="l" rtl="0">
-                        <a:lnSpc>
-                          <a:spcPct val="115000"/>
-                        </a:lnSpc>
-                        <a:spcBef>
-                          <a:spcPts val="0"/>
-                        </a:spcBef>
-                        <a:spcAft>
-                          <a:spcPts val="0"/>
-                        </a:spcAft>
-                        <a:buNone/>
-                      </a:pPr>
-                      <a:r>
-                        <a:rPr lang="en" sz="900" u="sng">
-                          <a:solidFill>
-                            <a:srgbClr val="1155CC"/>
-                          </a:solidFill>
-                          <a:latin typeface="Calibri"/>
-                          <a:ea typeface="Calibri"/>
-                          <a:cs typeface="Calibri"/>
-                          <a:sym typeface="Calibri"/>
-                          <a:hlinkClick r:id="rId16">
-                            <a:extLst>
-                              <a:ext uri="{A12FA001-AC4F-418D-AE19-62706E023703}">
-                                <ahyp:hlinkClr xmlns:ahyp="http://schemas.microsoft.com/office/drawing/2018/hyperlinkcolor" val="tx"/>
-                              </a:ext>
-                            </a:extLst>
-                          </a:hlinkClick>
-                        </a:rPr>
-                        <a:t>gemini-2.5-pro-preview-05-06</a:t>
-                      </a:r>
-                      <a:endParaRPr sz="900" u="sng">
-                        <a:solidFill>
-                          <a:srgbClr val="1155CC"/>
-                        </a:solidFill>
-                        <a:latin typeface="Calibri"/>
-                        <a:ea typeface="Calibri"/>
-                        <a:cs typeface="Calibri"/>
-                        <a:sym typeface="Calibri"/>
-                      </a:endParaRPr>
-                    </a:p>
-                  </a:txBody>
-                  <a:tcPr marL="28575" marR="28575" marT="19050" marB="19050" anchor="b">
-                    <a:lnL w="9525" cap="flat" cmpd="sng">
-                      <a:solidFill>
-                        <a:srgbClr val="FF0000"/>
-                      </a:solidFill>
-                      <a:prstDash val="solid"/>
-                      <a:round/>
-                      <a:headEnd type="none" w="sm" len="sm"/>
-                      <a:tailEnd type="none" w="sm" len="sm"/>
-                    </a:lnL>
-                    <a:lnR w="9525" cap="flat" cmpd="sng">
-                      <a:solidFill>
-                        <a:srgbClr val="FF0000"/>
-                      </a:solidFill>
-                      <a:prstDash val="solid"/>
-                      <a:round/>
-                      <a:headEnd type="none" w="sm" len="sm"/>
-                      <a:tailEnd type="none" w="sm" len="sm"/>
-                    </a:lnR>
-                    <a:lnT w="9525" cap="flat" cmpd="sng">
-                      <a:solidFill>
-                        <a:srgbClr val="FF0000"/>
-                      </a:solidFill>
-                      <a:prstDash val="solid"/>
-                      <a:round/>
-                      <a:headEnd type="none" w="sm" len="sm"/>
-                      <a:tailEnd type="none" w="sm" len="sm"/>
-                    </a:lnT>
-                    <a:lnB w="9525" cap="flat" cmpd="sng">
-                      <a:solidFill>
-                        <a:srgbClr val="FF0000"/>
-                      </a:solidFill>
-                      <a:prstDash val="solid"/>
-                      <a:round/>
-                      <a:headEnd type="none" w="sm" len="sm"/>
-                      <a:tailEnd type="none" w="sm" len="sm"/>
-                    </a:lnB>
-                    <a:solidFill>
-                      <a:srgbClr val="FFFFFF"/>
-                    </a:solidFill>
-                  </a:tcPr>
-                </a:tc>
-                <a:tc>
-                  <a:txBody>
-                    <a:bodyPr/>
-                    <a:lstStyle/>
-                    <a:p>
-                      <a:pPr marL="0" lvl="0" indent="0" algn="r" rtl="0">
-                        <a:lnSpc>
-                          <a:spcPct val="115000"/>
-                        </a:lnSpc>
-                        <a:spcBef>
-                          <a:spcPts val="0"/>
-                        </a:spcBef>
-                        <a:spcAft>
-                          <a:spcPts val="0"/>
-                        </a:spcAft>
-                        <a:buNone/>
-                      </a:pPr>
-                      <a:r>
-                        <a:rPr lang="en" sz="900">
-                          <a:solidFill>
-                            <a:srgbClr val="5D6272"/>
-                          </a:solidFill>
-                          <a:latin typeface="Calibri"/>
-                          <a:ea typeface="Calibri"/>
-                          <a:cs typeface="Calibri"/>
-                          <a:sym typeface="Calibri"/>
-                        </a:rPr>
-                        <a:t>1446</a:t>
-                      </a:r>
-                      <a:endParaRPr sz="900">
-                        <a:solidFill>
-                          <a:srgbClr val="5D6272"/>
-                        </a:solidFill>
-                        <a:latin typeface="Calibri"/>
-                        <a:ea typeface="Calibri"/>
-                        <a:cs typeface="Calibri"/>
-                        <a:sym typeface="Calibri"/>
-                      </a:endParaRPr>
-                    </a:p>
-                  </a:txBody>
-                  <a:tcPr marL="28575" marR="28575" marT="19050" marB="19050" anchor="b">
-                    <a:lnL w="9525" cap="flat" cmpd="sng">
-                      <a:solidFill>
-                        <a:srgbClr val="FF0000"/>
-                      </a:solidFill>
-                      <a:prstDash val="solid"/>
-                      <a:round/>
-                      <a:headEnd type="none" w="sm" len="sm"/>
-                      <a:tailEnd type="none" w="sm" len="sm"/>
-                    </a:lnL>
-                    <a:lnR w="9525" cap="flat" cmpd="sng">
-                      <a:solidFill>
-                        <a:srgbClr val="FF0000"/>
-                      </a:solidFill>
-                      <a:prstDash val="solid"/>
-                      <a:round/>
-                      <a:headEnd type="none" w="sm" len="sm"/>
-                      <a:tailEnd type="none" w="sm" len="sm"/>
-                    </a:lnR>
-                    <a:lnT w="9525" cap="flat" cmpd="sng">
-                      <a:solidFill>
-                        <a:srgbClr val="FF0000"/>
-                      </a:solidFill>
-                      <a:prstDash val="solid"/>
-                      <a:round/>
-                      <a:headEnd type="none" w="sm" len="sm"/>
-                      <a:tailEnd type="none" w="sm" len="sm"/>
-                    </a:lnT>
-                    <a:lnB w="9525" cap="flat" cmpd="sng">
-                      <a:solidFill>
-                        <a:srgbClr val="FF0000"/>
-                      </a:solidFill>
-                      <a:prstDash val="solid"/>
-                      <a:round/>
-                      <a:headEnd type="none" w="sm" len="sm"/>
-                      <a:tailEnd type="none" w="sm" len="sm"/>
-                    </a:lnB>
-                    <a:solidFill>
-                      <a:srgbClr val="FFFFFF"/>
-                    </a:solidFill>
-                  </a:tcPr>
-                </a:tc>
-                <a:extLst>
-                  <a:ext uri="{0D108BD9-81ED-4DB2-BD59-A6C34878D82A}">
-                    <a16:rowId xmlns:a16="http://schemas.microsoft.com/office/drawing/2014/main" val="10003"/>
-                  </a:ext>
-                </a:extLst>
-              </a:tr>
-              <a:tr h="189500">
-                <a:tc>
-                  <a:txBody>
-                    <a:bodyPr/>
-                    <a:lstStyle/>
-                    <a:p>
-                      <a:pPr marL="0" lvl="0" indent="0" algn="l" rtl="0">
-                        <a:lnSpc>
-                          <a:spcPct val="115000"/>
-                        </a:lnSpc>
-                        <a:spcBef>
-                          <a:spcPts val="0"/>
-                        </a:spcBef>
-                        <a:spcAft>
-                          <a:spcPts val="0"/>
-                        </a:spcAft>
-                        <a:buNone/>
-                      </a:pPr>
-                      <a:r>
-                        <a:rPr lang="en" sz="900" u="sng">
-                          <a:solidFill>
-                            <a:srgbClr val="1155CC"/>
-                          </a:solidFill>
-                          <a:latin typeface="Calibri"/>
-                          <a:ea typeface="Calibri"/>
-                          <a:cs typeface="Calibri"/>
-                          <a:sym typeface="Calibri"/>
-                          <a:hlinkClick r:id="rId17">
-                            <a:extLst>
-                              <a:ext uri="{A12FA001-AC4F-418D-AE19-62706E023703}">
-                                <ahyp:hlinkClr xmlns:ahyp="http://schemas.microsoft.com/office/drawing/2018/hyperlinkcolor" val="tx"/>
-                              </a:ext>
-                            </a:extLst>
-                          </a:hlinkClick>
-                        </a:rPr>
-                        <a:t>chatgpt-4o-latest-20250326</a:t>
-                      </a:r>
-                      <a:endParaRPr sz="900" u="sng">
-                        <a:solidFill>
-                          <a:srgbClr val="1155CC"/>
-                        </a:solidFill>
-                        <a:latin typeface="Calibri"/>
-                        <a:ea typeface="Calibri"/>
-                        <a:cs typeface="Calibri"/>
-                        <a:sym typeface="Calibri"/>
-                      </a:endParaRPr>
-                    </a:p>
-                  </a:txBody>
-                  <a:tcPr marL="28575" marR="28575" marT="19050" marB="19050" anchor="b">
-                    <a:lnL w="9525" cap="flat" cmpd="sng">
-                      <a:solidFill>
-                        <a:srgbClr val="FF0000"/>
-                      </a:solidFill>
-                      <a:prstDash val="solid"/>
-                      <a:round/>
-                      <a:headEnd type="none" w="sm" len="sm"/>
-                      <a:tailEnd type="none" w="sm" len="sm"/>
-                    </a:lnL>
-                    <a:lnR w="9525" cap="flat" cmpd="sng">
-                      <a:solidFill>
-                        <a:srgbClr val="FF0000"/>
-                      </a:solidFill>
-                      <a:prstDash val="solid"/>
-                      <a:round/>
-                      <a:headEnd type="none" w="sm" len="sm"/>
-                      <a:tailEnd type="none" w="sm" len="sm"/>
-                    </a:lnR>
-                    <a:lnT w="9525" cap="flat" cmpd="sng">
-                      <a:solidFill>
-                        <a:srgbClr val="FF0000"/>
-                      </a:solidFill>
-                      <a:prstDash val="solid"/>
-                      <a:round/>
-                      <a:headEnd type="none" w="sm" len="sm"/>
-                      <a:tailEnd type="none" w="sm" len="sm"/>
-                    </a:lnT>
-                    <a:lnB w="9525" cap="flat" cmpd="sng">
-                      <a:solidFill>
-                        <a:srgbClr val="FF0000"/>
-                      </a:solidFill>
-                      <a:prstDash val="solid"/>
-                      <a:round/>
-                      <a:headEnd type="none" w="sm" len="sm"/>
-                      <a:tailEnd type="none" w="sm" len="sm"/>
-                    </a:lnB>
-                    <a:solidFill>
-                      <a:srgbClr val="FFFFFF"/>
-                    </a:solidFill>
-                  </a:tcPr>
-                </a:tc>
-                <a:tc>
-                  <a:txBody>
-                    <a:bodyPr/>
-                    <a:lstStyle/>
-                    <a:p>
-                      <a:pPr marL="0" lvl="0" indent="0" algn="r" rtl="0">
-                        <a:lnSpc>
-                          <a:spcPct val="115000"/>
-                        </a:lnSpc>
-                        <a:spcBef>
-                          <a:spcPts val="0"/>
-                        </a:spcBef>
-                        <a:spcAft>
-                          <a:spcPts val="0"/>
-                        </a:spcAft>
-                        <a:buNone/>
-                      </a:pPr>
-                      <a:r>
-                        <a:rPr lang="en" sz="900">
-                          <a:solidFill>
-                            <a:srgbClr val="5D6272"/>
-                          </a:solidFill>
-                          <a:latin typeface="Calibri"/>
-                          <a:ea typeface="Calibri"/>
-                          <a:cs typeface="Calibri"/>
-                          <a:sym typeface="Calibri"/>
-                        </a:rPr>
-                        <a:t>1440</a:t>
-                      </a:r>
-                      <a:endParaRPr sz="900">
-                        <a:solidFill>
-                          <a:srgbClr val="5D6272"/>
-                        </a:solidFill>
-                        <a:latin typeface="Calibri"/>
-                        <a:ea typeface="Calibri"/>
-                        <a:cs typeface="Calibri"/>
-                        <a:sym typeface="Calibri"/>
-                      </a:endParaRPr>
-                    </a:p>
-                  </a:txBody>
-                  <a:tcPr marL="28575" marR="28575" marT="19050" marB="19050" anchor="b">
-                    <a:lnL w="9525" cap="flat" cmpd="sng">
-                      <a:solidFill>
-                        <a:srgbClr val="FF0000"/>
-                      </a:solidFill>
-                      <a:prstDash val="solid"/>
-                      <a:round/>
-                      <a:headEnd type="none" w="sm" len="sm"/>
-                      <a:tailEnd type="none" w="sm" len="sm"/>
-                    </a:lnL>
-                    <a:lnR w="9525" cap="flat" cmpd="sng">
-                      <a:solidFill>
-                        <a:srgbClr val="FF0000"/>
-                      </a:solidFill>
-                      <a:prstDash val="solid"/>
-                      <a:round/>
-                      <a:headEnd type="none" w="sm" len="sm"/>
-                      <a:tailEnd type="none" w="sm" len="sm"/>
-                    </a:lnR>
-                    <a:lnT w="9525" cap="flat" cmpd="sng">
-                      <a:solidFill>
-                        <a:srgbClr val="FF0000"/>
-                      </a:solidFill>
-                      <a:prstDash val="solid"/>
-                      <a:round/>
-                      <a:headEnd type="none" w="sm" len="sm"/>
-                      <a:tailEnd type="none" w="sm" len="sm"/>
-                    </a:lnT>
-                    <a:lnB w="9525" cap="flat" cmpd="sng">
-                      <a:solidFill>
-                        <a:srgbClr val="FF0000"/>
-                      </a:solidFill>
-                      <a:prstDash val="solid"/>
-                      <a:round/>
-                      <a:headEnd type="none" w="sm" len="sm"/>
-                      <a:tailEnd type="none" w="sm" len="sm"/>
-                    </a:lnB>
-                    <a:solidFill>
-                      <a:srgbClr val="FFFFFF"/>
-                    </a:solidFill>
-                  </a:tcPr>
-                </a:tc>
-                <a:extLst>
-                  <a:ext uri="{0D108BD9-81ED-4DB2-BD59-A6C34878D82A}">
-                    <a16:rowId xmlns:a16="http://schemas.microsoft.com/office/drawing/2014/main" val="10004"/>
-                  </a:ext>
-                </a:extLst>
-              </a:tr>
-              <a:tr h="189500">
-                <a:tc>
-                  <a:txBody>
-                    <a:bodyPr/>
-                    <a:lstStyle/>
-                    <a:p>
-                      <a:pPr marL="0" lvl="0" indent="0" algn="l" rtl="0">
-                        <a:lnSpc>
-                          <a:spcPct val="115000"/>
-                        </a:lnSpc>
-                        <a:spcBef>
-                          <a:spcPts val="0"/>
-                        </a:spcBef>
-                        <a:spcAft>
-                          <a:spcPts val="0"/>
-                        </a:spcAft>
-                        <a:buNone/>
-                      </a:pPr>
-                      <a:r>
-                        <a:rPr lang="en" sz="900" u="sng">
-                          <a:solidFill>
-                            <a:srgbClr val="1155CC"/>
-                          </a:solidFill>
-                          <a:latin typeface="Calibri"/>
-                          <a:ea typeface="Calibri"/>
-                          <a:cs typeface="Calibri"/>
-                          <a:sym typeface="Calibri"/>
-                          <a:hlinkClick r:id="rId18">
-                            <a:extLst>
-                              <a:ext uri="{A12FA001-AC4F-418D-AE19-62706E023703}">
-                                <ahyp:hlinkClr xmlns:ahyp="http://schemas.microsoft.com/office/drawing/2018/hyperlinkcolor" val="tx"/>
-                              </a:ext>
-                            </a:extLst>
-                          </a:hlinkClick>
-                        </a:rPr>
-                        <a:t>gpt-4.5-preview-2025-02-27</a:t>
-                      </a:r>
-                      <a:endParaRPr sz="900" u="sng">
-                        <a:solidFill>
-                          <a:srgbClr val="1155CC"/>
-                        </a:solidFill>
-                        <a:latin typeface="Calibri"/>
-                        <a:ea typeface="Calibri"/>
-                        <a:cs typeface="Calibri"/>
-                        <a:sym typeface="Calibri"/>
-                      </a:endParaRPr>
-                    </a:p>
-                  </a:txBody>
-                  <a:tcPr marL="28575" marR="28575" marT="19050" marB="19050" anchor="b">
-                    <a:lnL w="9525" cap="flat" cmpd="sng">
-                      <a:solidFill>
-                        <a:srgbClr val="FF0000"/>
-                      </a:solidFill>
-                      <a:prstDash val="solid"/>
-                      <a:round/>
-                      <a:headEnd type="none" w="sm" len="sm"/>
-                      <a:tailEnd type="none" w="sm" len="sm"/>
-                    </a:lnL>
-                    <a:lnR w="9525" cap="flat" cmpd="sng">
-                      <a:solidFill>
-                        <a:srgbClr val="FF0000"/>
-                      </a:solidFill>
-                      <a:prstDash val="solid"/>
-                      <a:round/>
-                      <a:headEnd type="none" w="sm" len="sm"/>
-                      <a:tailEnd type="none" w="sm" len="sm"/>
-                    </a:lnR>
-                    <a:lnT w="9525" cap="flat" cmpd="sng">
-                      <a:solidFill>
-                        <a:srgbClr val="FF0000"/>
-                      </a:solidFill>
-                      <a:prstDash val="solid"/>
-                      <a:round/>
-                      <a:headEnd type="none" w="sm" len="sm"/>
-                      <a:tailEnd type="none" w="sm" len="sm"/>
-                    </a:lnT>
-                    <a:lnB w="9525" cap="flat" cmpd="sng">
-                      <a:solidFill>
-                        <a:srgbClr val="FF0000"/>
-                      </a:solidFill>
-                      <a:prstDash val="solid"/>
-                      <a:round/>
-                      <a:headEnd type="none" w="sm" len="sm"/>
-                      <a:tailEnd type="none" w="sm" len="sm"/>
-                    </a:lnB>
-                    <a:solidFill>
-                      <a:srgbClr val="FFFFFF"/>
-                    </a:solidFill>
-                  </a:tcPr>
-                </a:tc>
-                <a:tc>
-                  <a:txBody>
-                    <a:bodyPr/>
-                    <a:lstStyle/>
-                    <a:p>
-                      <a:pPr marL="0" lvl="0" indent="0" algn="r" rtl="0">
-                        <a:lnSpc>
-                          <a:spcPct val="115000"/>
-                        </a:lnSpc>
-                        <a:spcBef>
-                          <a:spcPts val="0"/>
-                        </a:spcBef>
-                        <a:spcAft>
-                          <a:spcPts val="0"/>
-                        </a:spcAft>
-                        <a:buNone/>
-                      </a:pPr>
-                      <a:r>
-                        <a:rPr lang="en" sz="900">
-                          <a:solidFill>
-                            <a:srgbClr val="5D6272"/>
-                          </a:solidFill>
-                          <a:latin typeface="Calibri"/>
-                          <a:ea typeface="Calibri"/>
-                          <a:cs typeface="Calibri"/>
-                          <a:sym typeface="Calibri"/>
-                        </a:rPr>
-                        <a:t>1434</a:t>
-                      </a:r>
-                      <a:endParaRPr sz="900">
-                        <a:solidFill>
-                          <a:srgbClr val="5D6272"/>
-                        </a:solidFill>
-                        <a:latin typeface="Calibri"/>
-                        <a:ea typeface="Calibri"/>
-                        <a:cs typeface="Calibri"/>
-                        <a:sym typeface="Calibri"/>
-                      </a:endParaRPr>
-                    </a:p>
-                  </a:txBody>
-                  <a:tcPr marL="28575" marR="28575" marT="19050" marB="19050" anchor="b">
-                    <a:lnL w="9525" cap="flat" cmpd="sng">
-                      <a:solidFill>
-                        <a:srgbClr val="FF0000"/>
-                      </a:solidFill>
-                      <a:prstDash val="solid"/>
-                      <a:round/>
-                      <a:headEnd type="none" w="sm" len="sm"/>
-                      <a:tailEnd type="none" w="sm" len="sm"/>
-                    </a:lnL>
-                    <a:lnR w="9525" cap="flat" cmpd="sng">
-                      <a:solidFill>
-                        <a:srgbClr val="FF0000"/>
-                      </a:solidFill>
-                      <a:prstDash val="solid"/>
-                      <a:round/>
-                      <a:headEnd type="none" w="sm" len="sm"/>
-                      <a:tailEnd type="none" w="sm" len="sm"/>
-                    </a:lnR>
-                    <a:lnT w="9525" cap="flat" cmpd="sng">
-                      <a:solidFill>
-                        <a:srgbClr val="FF0000"/>
-                      </a:solidFill>
-                      <a:prstDash val="solid"/>
-                      <a:round/>
-                      <a:headEnd type="none" w="sm" len="sm"/>
-                      <a:tailEnd type="none" w="sm" len="sm"/>
-                    </a:lnT>
-                    <a:lnB w="9525" cap="flat" cmpd="sng">
-                      <a:solidFill>
-                        <a:srgbClr val="FF0000"/>
-                      </a:solidFill>
-                      <a:prstDash val="solid"/>
-                      <a:round/>
-                      <a:headEnd type="none" w="sm" len="sm"/>
-                      <a:tailEnd type="none" w="sm" len="sm"/>
-                    </a:lnB>
-                    <a:solidFill>
-                      <a:srgbClr val="FFFFFF"/>
-                    </a:solidFill>
-                  </a:tcPr>
-                </a:tc>
-                <a:extLst>
-                  <a:ext uri="{0D108BD9-81ED-4DB2-BD59-A6C34878D82A}">
-                    <a16:rowId xmlns:a16="http://schemas.microsoft.com/office/drawing/2014/main" val="10005"/>
-                  </a:ext>
-                </a:extLst>
-              </a:tr>
-              <a:tr h="189500">
-                <a:tc>
-                  <a:txBody>
-                    <a:bodyPr/>
-                    <a:lstStyle/>
-                    <a:p>
-                      <a:pPr marL="0" lvl="0" indent="0" algn="l" rtl="0">
-                        <a:lnSpc>
-                          <a:spcPct val="115000"/>
-                        </a:lnSpc>
-                        <a:spcBef>
-                          <a:spcPts val="0"/>
-                        </a:spcBef>
-                        <a:spcAft>
-                          <a:spcPts val="0"/>
-                        </a:spcAft>
-                        <a:buNone/>
-                      </a:pPr>
-                      <a:r>
-                        <a:rPr lang="en" sz="900" u="sng">
-                          <a:solidFill>
-                            <a:srgbClr val="1155CC"/>
-                          </a:solidFill>
-                          <a:latin typeface="Calibri"/>
-                          <a:ea typeface="Calibri"/>
-                          <a:cs typeface="Calibri"/>
-                          <a:sym typeface="Calibri"/>
-                          <a:hlinkClick r:id="rId19">
-                            <a:extLst>
-                              <a:ext uri="{A12FA001-AC4F-418D-AE19-62706E023703}">
-                                <ahyp:hlinkClr xmlns:ahyp="http://schemas.microsoft.com/office/drawing/2018/hyperlinkcolor" val="tx"/>
-                              </a:ext>
-                            </a:extLst>
-                          </a:hlinkClick>
-                        </a:rPr>
-                        <a:t>claude-opus-4-20250514</a:t>
-                      </a:r>
-                      <a:endParaRPr sz="900" u="sng">
-                        <a:solidFill>
-                          <a:srgbClr val="1155CC"/>
-                        </a:solidFill>
-                        <a:latin typeface="Calibri"/>
-                        <a:ea typeface="Calibri"/>
-                        <a:cs typeface="Calibri"/>
-                        <a:sym typeface="Calibri"/>
-                      </a:endParaRPr>
-                    </a:p>
-                  </a:txBody>
-                  <a:tcPr marL="28575" marR="28575" marT="19050" marB="19050" anchor="b">
-                    <a:lnL w="9525" cap="flat" cmpd="sng">
-                      <a:solidFill>
-                        <a:srgbClr val="FF0000"/>
-                      </a:solidFill>
-                      <a:prstDash val="solid"/>
-                      <a:round/>
-                      <a:headEnd type="none" w="sm" len="sm"/>
-                      <a:tailEnd type="none" w="sm" len="sm"/>
-                    </a:lnL>
-                    <a:lnR w="9525" cap="flat" cmpd="sng">
-                      <a:solidFill>
-                        <a:srgbClr val="FF0000"/>
-                      </a:solidFill>
-                      <a:prstDash val="solid"/>
-                      <a:round/>
-                      <a:headEnd type="none" w="sm" len="sm"/>
-                      <a:tailEnd type="none" w="sm" len="sm"/>
-                    </a:lnR>
-                    <a:lnT w="9525" cap="flat" cmpd="sng">
-                      <a:solidFill>
-                        <a:srgbClr val="FF0000"/>
-                      </a:solidFill>
-                      <a:prstDash val="solid"/>
-                      <a:round/>
-                      <a:headEnd type="none" w="sm" len="sm"/>
-                      <a:tailEnd type="none" w="sm" len="sm"/>
-                    </a:lnT>
-                    <a:lnB w="9525" cap="flat" cmpd="sng">
-                      <a:solidFill>
-                        <a:srgbClr val="FF0000"/>
-                      </a:solidFill>
-                      <a:prstDash val="solid"/>
-                      <a:round/>
-                      <a:headEnd type="none" w="sm" len="sm"/>
-                      <a:tailEnd type="none" w="sm" len="sm"/>
-                    </a:lnB>
-                    <a:solidFill>
-                      <a:srgbClr val="FFFFFF"/>
-                    </a:solidFill>
-                  </a:tcPr>
-                </a:tc>
-                <a:tc>
-                  <a:txBody>
-                    <a:bodyPr/>
-                    <a:lstStyle/>
-                    <a:p>
-                      <a:pPr marL="0" lvl="0" indent="0" algn="r" rtl="0">
-                        <a:lnSpc>
-                          <a:spcPct val="115000"/>
-                        </a:lnSpc>
-                        <a:spcBef>
-                          <a:spcPts val="0"/>
-                        </a:spcBef>
-                        <a:spcAft>
-                          <a:spcPts val="0"/>
-                        </a:spcAft>
-                        <a:buNone/>
-                      </a:pPr>
-                      <a:r>
-                        <a:rPr lang="en" sz="900">
-                          <a:solidFill>
-                            <a:srgbClr val="5D6272"/>
-                          </a:solidFill>
-                          <a:latin typeface="Calibri"/>
-                          <a:ea typeface="Calibri"/>
-                          <a:cs typeface="Calibri"/>
-                          <a:sym typeface="Calibri"/>
-                        </a:rPr>
-                        <a:t>1419</a:t>
-                      </a:r>
-                      <a:endParaRPr sz="900">
-                        <a:solidFill>
-                          <a:srgbClr val="5D6272"/>
-                        </a:solidFill>
-                        <a:latin typeface="Calibri"/>
-                        <a:ea typeface="Calibri"/>
-                        <a:cs typeface="Calibri"/>
-                        <a:sym typeface="Calibri"/>
-                      </a:endParaRPr>
-                    </a:p>
-                  </a:txBody>
-                  <a:tcPr marL="28575" marR="28575" marT="19050" marB="19050" anchor="b">
-                    <a:lnL w="9525" cap="flat" cmpd="sng">
-                      <a:solidFill>
-                        <a:srgbClr val="FF0000"/>
-                      </a:solidFill>
-                      <a:prstDash val="solid"/>
-                      <a:round/>
-                      <a:headEnd type="none" w="sm" len="sm"/>
-                      <a:tailEnd type="none" w="sm" len="sm"/>
-                    </a:lnL>
-                    <a:lnR w="9525" cap="flat" cmpd="sng">
-                      <a:solidFill>
-                        <a:srgbClr val="FF0000"/>
-                      </a:solidFill>
-                      <a:prstDash val="solid"/>
-                      <a:round/>
-                      <a:headEnd type="none" w="sm" len="sm"/>
-                      <a:tailEnd type="none" w="sm" len="sm"/>
-                    </a:lnR>
-                    <a:lnT w="9525" cap="flat" cmpd="sng">
-                      <a:solidFill>
-                        <a:srgbClr val="FF0000"/>
-                      </a:solidFill>
-                      <a:prstDash val="solid"/>
-                      <a:round/>
-                      <a:headEnd type="none" w="sm" len="sm"/>
-                      <a:tailEnd type="none" w="sm" len="sm"/>
-                    </a:lnT>
-                    <a:lnB w="9525" cap="flat" cmpd="sng">
-                      <a:solidFill>
-                        <a:srgbClr val="FF0000"/>
-                      </a:solidFill>
-                      <a:prstDash val="solid"/>
-                      <a:round/>
-                      <a:headEnd type="none" w="sm" len="sm"/>
-                      <a:tailEnd type="none" w="sm" len="sm"/>
-                    </a:lnB>
-                    <a:solidFill>
-                      <a:srgbClr val="FFFFFF"/>
-                    </a:solidFill>
-                  </a:tcPr>
-                </a:tc>
-                <a:extLst>
-                  <a:ext uri="{0D108BD9-81ED-4DB2-BD59-A6C34878D82A}">
-                    <a16:rowId xmlns:a16="http://schemas.microsoft.com/office/drawing/2014/main" val="10006"/>
-                  </a:ext>
-                </a:extLst>
-              </a:tr>
-              <a:tr h="189500">
-                <a:tc>
-                  <a:txBody>
-                    <a:bodyPr/>
-                    <a:lstStyle/>
-                    <a:p>
-                      <a:pPr marL="0" lvl="0" indent="0" algn="l" rtl="0">
-                        <a:lnSpc>
-                          <a:spcPct val="115000"/>
-                        </a:lnSpc>
-                        <a:spcBef>
-                          <a:spcPts val="0"/>
-                        </a:spcBef>
-                        <a:spcAft>
-                          <a:spcPts val="0"/>
-                        </a:spcAft>
-                        <a:buNone/>
-                      </a:pPr>
-                      <a:r>
-                        <a:rPr lang="en" sz="900" u="sng">
-                          <a:solidFill>
-                            <a:srgbClr val="1155CC"/>
-                          </a:solidFill>
-                          <a:latin typeface="Calibri"/>
-                          <a:ea typeface="Calibri"/>
-                          <a:cs typeface="Calibri"/>
-                          <a:sym typeface="Calibri"/>
-                          <a:hlinkClick r:id="rId20">
-                            <a:extLst>
-                              <a:ext uri="{A12FA001-AC4F-418D-AE19-62706E023703}">
-                                <ahyp:hlinkClr xmlns:ahyp="http://schemas.microsoft.com/office/drawing/2018/hyperlinkcolor" val="tx"/>
-                              </a:ext>
-                            </a:extLst>
-                          </a:hlinkClick>
-                        </a:rPr>
-                        <a:t>gemini-2.5-flash-preview-05-20</a:t>
-                      </a:r>
-                      <a:endParaRPr sz="900" u="sng">
-                        <a:solidFill>
-                          <a:srgbClr val="1155CC"/>
-                        </a:solidFill>
-                        <a:latin typeface="Calibri"/>
-                        <a:ea typeface="Calibri"/>
-                        <a:cs typeface="Calibri"/>
-                        <a:sym typeface="Calibri"/>
-                      </a:endParaRPr>
-                    </a:p>
-                  </a:txBody>
-                  <a:tcPr marL="28575" marR="28575" marT="19050" marB="19050" anchor="b">
-                    <a:lnL w="9525" cap="flat" cmpd="sng">
-                      <a:solidFill>
-                        <a:srgbClr val="FF0000"/>
-                      </a:solidFill>
-                      <a:prstDash val="solid"/>
-                      <a:round/>
-                      <a:headEnd type="none" w="sm" len="sm"/>
-                      <a:tailEnd type="none" w="sm" len="sm"/>
-                    </a:lnL>
-                    <a:lnR w="9525" cap="flat" cmpd="sng">
-                      <a:solidFill>
-                        <a:srgbClr val="FF0000"/>
-                      </a:solidFill>
-                      <a:prstDash val="solid"/>
-                      <a:round/>
-                      <a:headEnd type="none" w="sm" len="sm"/>
-                      <a:tailEnd type="none" w="sm" len="sm"/>
-                    </a:lnR>
-                    <a:lnT w="9525" cap="flat" cmpd="sng">
-                      <a:solidFill>
-                        <a:srgbClr val="FF0000"/>
-                      </a:solidFill>
-                      <a:prstDash val="solid"/>
-                      <a:round/>
-                      <a:headEnd type="none" w="sm" len="sm"/>
-                      <a:tailEnd type="none" w="sm" len="sm"/>
-                    </a:lnT>
-                    <a:lnB w="9525" cap="flat" cmpd="sng">
-                      <a:solidFill>
-                        <a:srgbClr val="FF0000"/>
-                      </a:solidFill>
-                      <a:prstDash val="solid"/>
-                      <a:round/>
-                      <a:headEnd type="none" w="sm" len="sm"/>
-                      <a:tailEnd type="none" w="sm" len="sm"/>
-                    </a:lnB>
-                    <a:solidFill>
-                      <a:srgbClr val="FFFFFF"/>
-                    </a:solidFill>
-                  </a:tcPr>
-                </a:tc>
-                <a:tc>
-                  <a:txBody>
-                    <a:bodyPr/>
-                    <a:lstStyle/>
-                    <a:p>
-                      <a:pPr marL="0" lvl="0" indent="0" algn="r" rtl="0">
-                        <a:lnSpc>
-                          <a:spcPct val="115000"/>
-                        </a:lnSpc>
-                        <a:spcBef>
-                          <a:spcPts val="0"/>
-                        </a:spcBef>
-                        <a:spcAft>
-                          <a:spcPts val="0"/>
-                        </a:spcAft>
-                        <a:buNone/>
-                      </a:pPr>
-                      <a:r>
-                        <a:rPr lang="en" sz="900">
-                          <a:solidFill>
-                            <a:srgbClr val="5D6272"/>
-                          </a:solidFill>
-                          <a:latin typeface="Calibri"/>
-                          <a:ea typeface="Calibri"/>
-                          <a:cs typeface="Calibri"/>
-                          <a:sym typeface="Calibri"/>
-                        </a:rPr>
-                        <a:t>1417</a:t>
-                      </a:r>
-                      <a:endParaRPr sz="900">
-                        <a:solidFill>
-                          <a:srgbClr val="5D6272"/>
-                        </a:solidFill>
-                        <a:latin typeface="Calibri"/>
-                        <a:ea typeface="Calibri"/>
-                        <a:cs typeface="Calibri"/>
-                        <a:sym typeface="Calibri"/>
-                      </a:endParaRPr>
-                    </a:p>
-                  </a:txBody>
-                  <a:tcPr marL="28575" marR="28575" marT="19050" marB="19050" anchor="b">
-                    <a:lnL w="9525" cap="flat" cmpd="sng">
-                      <a:solidFill>
-                        <a:srgbClr val="FF0000"/>
-                      </a:solidFill>
-                      <a:prstDash val="solid"/>
-                      <a:round/>
-                      <a:headEnd type="none" w="sm" len="sm"/>
-                      <a:tailEnd type="none" w="sm" len="sm"/>
-                    </a:lnL>
-                    <a:lnR w="9525" cap="flat" cmpd="sng">
-                      <a:solidFill>
-                        <a:srgbClr val="FF0000"/>
-                      </a:solidFill>
-                      <a:prstDash val="solid"/>
-                      <a:round/>
-                      <a:headEnd type="none" w="sm" len="sm"/>
-                      <a:tailEnd type="none" w="sm" len="sm"/>
-                    </a:lnR>
-                    <a:lnT w="9525" cap="flat" cmpd="sng">
-                      <a:solidFill>
-                        <a:srgbClr val="FF0000"/>
-                      </a:solidFill>
-                      <a:prstDash val="solid"/>
-                      <a:round/>
-                      <a:headEnd type="none" w="sm" len="sm"/>
-                      <a:tailEnd type="none" w="sm" len="sm"/>
-                    </a:lnT>
-                    <a:lnB w="9525" cap="flat" cmpd="sng">
-                      <a:solidFill>
-                        <a:srgbClr val="FF0000"/>
-                      </a:solidFill>
-                      <a:prstDash val="solid"/>
-                      <a:round/>
-                      <a:headEnd type="none" w="sm" len="sm"/>
-                      <a:tailEnd type="none" w="sm" len="sm"/>
-                    </a:lnB>
-                    <a:solidFill>
-                      <a:srgbClr val="FFFFFF"/>
-                    </a:solidFill>
-                  </a:tcPr>
-                </a:tc>
-                <a:extLst>
-                  <a:ext uri="{0D108BD9-81ED-4DB2-BD59-A6C34878D82A}">
-                    <a16:rowId xmlns:a16="http://schemas.microsoft.com/office/drawing/2014/main" val="10007"/>
-                  </a:ext>
-                </a:extLst>
-              </a:tr>
-              <a:tr h="189500">
-                <a:tc>
-                  <a:txBody>
-                    <a:bodyPr/>
-                    <a:lstStyle/>
-                    <a:p>
-                      <a:pPr marL="0" lvl="0" indent="0" algn="l" rtl="0">
-                        <a:lnSpc>
-                          <a:spcPct val="115000"/>
-                        </a:lnSpc>
-                        <a:spcBef>
-                          <a:spcPts val="0"/>
-                        </a:spcBef>
-                        <a:spcAft>
-                          <a:spcPts val="0"/>
-                        </a:spcAft>
-                        <a:buNone/>
-                      </a:pPr>
-                      <a:r>
-                        <a:rPr lang="en" sz="900" u="sng">
-                          <a:solidFill>
-                            <a:srgbClr val="1155CC"/>
-                          </a:solidFill>
-                          <a:latin typeface="Calibri"/>
-                          <a:ea typeface="Calibri"/>
-                          <a:cs typeface="Calibri"/>
-                          <a:sym typeface="Calibri"/>
-                          <a:hlinkClick r:id="rId21">
-                            <a:extLst>
-                              <a:ext uri="{A12FA001-AC4F-418D-AE19-62706E023703}">
-                                <ahyp:hlinkClr xmlns:ahyp="http://schemas.microsoft.com/office/drawing/2018/hyperlinkcolor" val="tx"/>
-                              </a:ext>
-                            </a:extLst>
-                          </a:hlinkClick>
-                        </a:rPr>
-                        <a:t>deepseek-r1-0528</a:t>
-                      </a:r>
-                      <a:endParaRPr sz="900" u="sng">
-                        <a:solidFill>
-                          <a:srgbClr val="1155CC"/>
-                        </a:solidFill>
-                        <a:latin typeface="Calibri"/>
-                        <a:ea typeface="Calibri"/>
-                        <a:cs typeface="Calibri"/>
-                        <a:sym typeface="Calibri"/>
-                      </a:endParaRPr>
-                    </a:p>
-                  </a:txBody>
-                  <a:tcPr marL="28575" marR="28575" marT="19050" marB="19050" anchor="b">
-                    <a:lnL w="9525" cap="flat" cmpd="sng">
-                      <a:solidFill>
-                        <a:srgbClr val="FF0000"/>
-                      </a:solidFill>
-                      <a:prstDash val="solid"/>
-                      <a:round/>
-                      <a:headEnd type="none" w="sm" len="sm"/>
-                      <a:tailEnd type="none" w="sm" len="sm"/>
-                    </a:lnL>
-                    <a:lnR w="9525" cap="flat" cmpd="sng">
-                      <a:solidFill>
-                        <a:srgbClr val="FF0000"/>
-                      </a:solidFill>
-                      <a:prstDash val="solid"/>
-                      <a:round/>
-                      <a:headEnd type="none" w="sm" len="sm"/>
-                      <a:tailEnd type="none" w="sm" len="sm"/>
-                    </a:lnR>
-                    <a:lnT w="9525" cap="flat" cmpd="sng">
-                      <a:solidFill>
-                        <a:srgbClr val="FF0000"/>
-                      </a:solidFill>
-                      <a:prstDash val="solid"/>
-                      <a:round/>
-                      <a:headEnd type="none" w="sm" len="sm"/>
-                      <a:tailEnd type="none" w="sm" len="sm"/>
-                    </a:lnT>
-                    <a:lnB w="9525" cap="flat" cmpd="sng">
-                      <a:solidFill>
-                        <a:srgbClr val="FF0000"/>
-                      </a:solidFill>
-                      <a:prstDash val="solid"/>
-                      <a:round/>
-                      <a:headEnd type="none" w="sm" len="sm"/>
-                      <a:tailEnd type="none" w="sm" len="sm"/>
-                    </a:lnB>
-                    <a:solidFill>
-                      <a:srgbClr val="FFFFFF"/>
-                    </a:solidFill>
-                  </a:tcPr>
-                </a:tc>
-                <a:tc>
-                  <a:txBody>
-                    <a:bodyPr/>
-                    <a:lstStyle/>
-                    <a:p>
-                      <a:pPr marL="0" lvl="0" indent="0" algn="r" rtl="0">
-                        <a:lnSpc>
-                          <a:spcPct val="115000"/>
-                        </a:lnSpc>
-                        <a:spcBef>
-                          <a:spcPts val="0"/>
-                        </a:spcBef>
-                        <a:spcAft>
-                          <a:spcPts val="0"/>
-                        </a:spcAft>
-                        <a:buNone/>
-                      </a:pPr>
-                      <a:r>
-                        <a:rPr lang="en" sz="900">
-                          <a:solidFill>
-                            <a:srgbClr val="5D6272"/>
-                          </a:solidFill>
-                          <a:latin typeface="Calibri"/>
-                          <a:ea typeface="Calibri"/>
-                          <a:cs typeface="Calibri"/>
-                          <a:sym typeface="Calibri"/>
-                        </a:rPr>
-                        <a:t>1411</a:t>
-                      </a:r>
-                      <a:endParaRPr sz="900">
-                        <a:solidFill>
-                          <a:srgbClr val="5D6272"/>
-                        </a:solidFill>
-                        <a:latin typeface="Calibri"/>
-                        <a:ea typeface="Calibri"/>
-                        <a:cs typeface="Calibri"/>
-                        <a:sym typeface="Calibri"/>
-                      </a:endParaRPr>
-                    </a:p>
-                  </a:txBody>
-                  <a:tcPr marL="28575" marR="28575" marT="19050" marB="19050" anchor="b">
-                    <a:lnL w="9525" cap="flat" cmpd="sng">
-                      <a:solidFill>
-                        <a:srgbClr val="FF0000"/>
-                      </a:solidFill>
-                      <a:prstDash val="solid"/>
-                      <a:round/>
-                      <a:headEnd type="none" w="sm" len="sm"/>
-                      <a:tailEnd type="none" w="sm" len="sm"/>
-                    </a:lnL>
-                    <a:lnR w="9525" cap="flat" cmpd="sng">
-                      <a:solidFill>
-                        <a:srgbClr val="FF0000"/>
-                      </a:solidFill>
-                      <a:prstDash val="solid"/>
-                      <a:round/>
-                      <a:headEnd type="none" w="sm" len="sm"/>
-                      <a:tailEnd type="none" w="sm" len="sm"/>
-                    </a:lnR>
-                    <a:lnT w="9525" cap="flat" cmpd="sng">
-                      <a:solidFill>
-                        <a:srgbClr val="FF0000"/>
-                      </a:solidFill>
-                      <a:prstDash val="solid"/>
-                      <a:round/>
-                      <a:headEnd type="none" w="sm" len="sm"/>
-                      <a:tailEnd type="none" w="sm" len="sm"/>
-                    </a:lnT>
-                    <a:lnB w="9525" cap="flat" cmpd="sng">
-                      <a:solidFill>
-                        <a:srgbClr val="FF0000"/>
-                      </a:solidFill>
-                      <a:prstDash val="solid"/>
-                      <a:round/>
-                      <a:headEnd type="none" w="sm" len="sm"/>
-                      <a:tailEnd type="none" w="sm" len="sm"/>
-                    </a:lnB>
-                    <a:solidFill>
-                      <a:srgbClr val="FFFFFF"/>
-                    </a:solidFill>
-                  </a:tcPr>
-                </a:tc>
-                <a:extLst>
-                  <a:ext uri="{0D108BD9-81ED-4DB2-BD59-A6C34878D82A}">
-                    <a16:rowId xmlns:a16="http://schemas.microsoft.com/office/drawing/2014/main" val="10008"/>
-                  </a:ext>
-                </a:extLst>
-              </a:tr>
-              <a:tr h="189500">
-                <a:tc>
-                  <a:txBody>
-                    <a:bodyPr/>
-                    <a:lstStyle/>
-                    <a:p>
-                      <a:pPr marL="0" lvl="0" indent="0" algn="l" rtl="0">
-                        <a:lnSpc>
-                          <a:spcPct val="115000"/>
-                        </a:lnSpc>
-                        <a:spcBef>
-                          <a:spcPts val="0"/>
-                        </a:spcBef>
-                        <a:spcAft>
-                          <a:spcPts val="0"/>
-                        </a:spcAft>
-                        <a:buNone/>
-                      </a:pPr>
-                      <a:r>
-                        <a:rPr lang="en" sz="900" u="sng">
-                          <a:solidFill>
-                            <a:srgbClr val="1155CC"/>
-                          </a:solidFill>
-                          <a:latin typeface="Calibri"/>
-                          <a:ea typeface="Calibri"/>
-                          <a:cs typeface="Calibri"/>
-                          <a:sym typeface="Calibri"/>
-                          <a:hlinkClick r:id="rId22">
-                            <a:extLst>
-                              <a:ext uri="{A12FA001-AC4F-418D-AE19-62706E023703}">
-                                <ahyp:hlinkClr xmlns:ahyp="http://schemas.microsoft.com/office/drawing/2018/hyperlinkcolor" val="tx"/>
-                              </a:ext>
-                            </a:extLst>
-                          </a:hlinkClick>
-                        </a:rPr>
-                        <a:t>gpt-4.1-2025-04-14</a:t>
-                      </a:r>
-                      <a:endParaRPr sz="900" u="sng">
-                        <a:solidFill>
-                          <a:srgbClr val="1155CC"/>
-                        </a:solidFill>
-                        <a:latin typeface="Calibri"/>
-                        <a:ea typeface="Calibri"/>
-                        <a:cs typeface="Calibri"/>
-                        <a:sym typeface="Calibri"/>
-                      </a:endParaRPr>
-                    </a:p>
-                  </a:txBody>
-                  <a:tcPr marL="28575" marR="28575" marT="19050" marB="19050" anchor="b">
-                    <a:lnL w="9525" cap="flat" cmpd="sng">
-                      <a:solidFill>
-                        <a:srgbClr val="FF0000"/>
-                      </a:solidFill>
-                      <a:prstDash val="solid"/>
-                      <a:round/>
-                      <a:headEnd type="none" w="sm" len="sm"/>
-                      <a:tailEnd type="none" w="sm" len="sm"/>
-                    </a:lnL>
-                    <a:lnR w="9525" cap="flat" cmpd="sng">
-                      <a:solidFill>
-                        <a:srgbClr val="FF0000"/>
-                      </a:solidFill>
-                      <a:prstDash val="solid"/>
-                      <a:round/>
-                      <a:headEnd type="none" w="sm" len="sm"/>
-                      <a:tailEnd type="none" w="sm" len="sm"/>
-                    </a:lnR>
-                    <a:lnT w="9525" cap="flat" cmpd="sng">
-                      <a:solidFill>
-                        <a:srgbClr val="FF0000"/>
-                      </a:solidFill>
-                      <a:prstDash val="solid"/>
-                      <a:round/>
-                      <a:headEnd type="none" w="sm" len="sm"/>
-                      <a:tailEnd type="none" w="sm" len="sm"/>
-                    </a:lnT>
-                    <a:lnB w="9525" cap="flat" cmpd="sng">
-                      <a:solidFill>
-                        <a:srgbClr val="FF0000"/>
-                      </a:solidFill>
-                      <a:prstDash val="solid"/>
-                      <a:round/>
-                      <a:headEnd type="none" w="sm" len="sm"/>
-                      <a:tailEnd type="none" w="sm" len="sm"/>
-                    </a:lnB>
-                    <a:solidFill>
-                      <a:srgbClr val="FFFFFF"/>
-                    </a:solidFill>
-                  </a:tcPr>
-                </a:tc>
-                <a:tc>
-                  <a:txBody>
-                    <a:bodyPr/>
-                    <a:lstStyle/>
-                    <a:p>
-                      <a:pPr marL="0" lvl="0" indent="0" algn="r" rtl="0">
-                        <a:lnSpc>
-                          <a:spcPct val="115000"/>
-                        </a:lnSpc>
-                        <a:spcBef>
-                          <a:spcPts val="0"/>
-                        </a:spcBef>
-                        <a:spcAft>
-                          <a:spcPts val="0"/>
-                        </a:spcAft>
-                        <a:buNone/>
-                      </a:pPr>
-                      <a:r>
-                        <a:rPr lang="en" sz="900">
-                          <a:solidFill>
-                            <a:srgbClr val="5D6272"/>
-                          </a:solidFill>
-                          <a:latin typeface="Calibri"/>
-                          <a:ea typeface="Calibri"/>
-                          <a:cs typeface="Calibri"/>
-                          <a:sym typeface="Calibri"/>
-                        </a:rPr>
-                        <a:t>1410</a:t>
-                      </a:r>
-                      <a:endParaRPr sz="900">
-                        <a:solidFill>
-                          <a:srgbClr val="5D6272"/>
-                        </a:solidFill>
-                        <a:latin typeface="Calibri"/>
-                        <a:ea typeface="Calibri"/>
-                        <a:cs typeface="Calibri"/>
-                        <a:sym typeface="Calibri"/>
-                      </a:endParaRPr>
-                    </a:p>
-                  </a:txBody>
-                  <a:tcPr marL="28575" marR="28575" marT="19050" marB="19050" anchor="b">
-                    <a:lnL w="9525" cap="flat" cmpd="sng">
-                      <a:solidFill>
-                        <a:srgbClr val="FF0000"/>
-                      </a:solidFill>
-                      <a:prstDash val="solid"/>
-                      <a:round/>
-                      <a:headEnd type="none" w="sm" len="sm"/>
-                      <a:tailEnd type="none" w="sm" len="sm"/>
-                    </a:lnL>
-                    <a:lnR w="9525" cap="flat" cmpd="sng">
-                      <a:solidFill>
-                        <a:srgbClr val="FF0000"/>
-                      </a:solidFill>
-                      <a:prstDash val="solid"/>
-                      <a:round/>
-                      <a:headEnd type="none" w="sm" len="sm"/>
-                      <a:tailEnd type="none" w="sm" len="sm"/>
-                    </a:lnR>
-                    <a:lnT w="9525" cap="flat" cmpd="sng">
-                      <a:solidFill>
-                        <a:srgbClr val="FF0000"/>
-                      </a:solidFill>
-                      <a:prstDash val="solid"/>
-                      <a:round/>
-                      <a:headEnd type="none" w="sm" len="sm"/>
-                      <a:tailEnd type="none" w="sm" len="sm"/>
-                    </a:lnT>
-                    <a:lnB w="9525" cap="flat" cmpd="sng">
-                      <a:solidFill>
-                        <a:srgbClr val="FF0000"/>
-                      </a:solidFill>
-                      <a:prstDash val="solid"/>
-                      <a:round/>
-                      <a:headEnd type="none" w="sm" len="sm"/>
-                      <a:tailEnd type="none" w="sm" len="sm"/>
-                    </a:lnB>
-                    <a:solidFill>
-                      <a:srgbClr val="FFFFFF"/>
-                    </a:solidFill>
-                  </a:tcPr>
-                </a:tc>
-                <a:extLst>
-                  <a:ext uri="{0D108BD9-81ED-4DB2-BD59-A6C34878D82A}">
-                    <a16:rowId xmlns:a16="http://schemas.microsoft.com/office/drawing/2014/main" val="10009"/>
-                  </a:ext>
-                </a:extLst>
-              </a:tr>
-              <a:tr h="189500">
-                <a:tc>
-                  <a:txBody>
-                    <a:bodyPr/>
-                    <a:lstStyle/>
-                    <a:p>
-                      <a:pPr marL="0" lvl="0" indent="0" algn="l" rtl="0">
-                        <a:lnSpc>
-                          <a:spcPct val="115000"/>
-                        </a:lnSpc>
-                        <a:spcBef>
-                          <a:spcPts val="0"/>
-                        </a:spcBef>
-                        <a:spcAft>
-                          <a:spcPts val="0"/>
-                        </a:spcAft>
-                        <a:buNone/>
-                      </a:pPr>
-                      <a:r>
-                        <a:rPr lang="en" sz="900" u="sng">
-                          <a:solidFill>
-                            <a:srgbClr val="1155CC"/>
-                          </a:solidFill>
-                          <a:latin typeface="Calibri"/>
-                          <a:ea typeface="Calibri"/>
-                          <a:cs typeface="Calibri"/>
-                          <a:sym typeface="Calibri"/>
-                          <a:hlinkClick r:id="rId23">
-                            <a:extLst>
-                              <a:ext uri="{A12FA001-AC4F-418D-AE19-62706E023703}">
-                                <ahyp:hlinkClr xmlns:ahyp="http://schemas.microsoft.com/office/drawing/2018/hyperlinkcolor" val="tx"/>
-                              </a:ext>
-                            </a:extLst>
-                          </a:hlinkClick>
-                        </a:rPr>
-                        <a:t>grok-3-preview-02-24</a:t>
-                      </a:r>
-                      <a:endParaRPr sz="900" u="sng">
-                        <a:solidFill>
-                          <a:srgbClr val="1155CC"/>
-                        </a:solidFill>
-                        <a:latin typeface="Calibri"/>
-                        <a:ea typeface="Calibri"/>
-                        <a:cs typeface="Calibri"/>
-                        <a:sym typeface="Calibri"/>
-                      </a:endParaRPr>
-                    </a:p>
-                  </a:txBody>
-                  <a:tcPr marL="28575" marR="28575" marT="19050" marB="19050" anchor="b">
-                    <a:lnL w="9525" cap="flat" cmpd="sng">
-                      <a:solidFill>
-                        <a:srgbClr val="FF0000"/>
-                      </a:solidFill>
-                      <a:prstDash val="solid"/>
-                      <a:round/>
-                      <a:headEnd type="none" w="sm" len="sm"/>
-                      <a:tailEnd type="none" w="sm" len="sm"/>
-                    </a:lnL>
-                    <a:lnR w="9525" cap="flat" cmpd="sng">
-                      <a:solidFill>
-                        <a:srgbClr val="FF0000"/>
-                      </a:solidFill>
-                      <a:prstDash val="solid"/>
-                      <a:round/>
-                      <a:headEnd type="none" w="sm" len="sm"/>
-                      <a:tailEnd type="none" w="sm" len="sm"/>
-                    </a:lnR>
-                    <a:lnT w="9525" cap="flat" cmpd="sng">
-                      <a:solidFill>
-                        <a:srgbClr val="FF0000"/>
-                      </a:solidFill>
-                      <a:prstDash val="solid"/>
-                      <a:round/>
-                      <a:headEnd type="none" w="sm" len="sm"/>
-                      <a:tailEnd type="none" w="sm" len="sm"/>
-                    </a:lnT>
-                    <a:lnB w="9525" cap="flat" cmpd="sng">
-                      <a:solidFill>
-                        <a:srgbClr val="FF0000"/>
-                      </a:solidFill>
-                      <a:prstDash val="solid"/>
-                      <a:round/>
-                      <a:headEnd type="none" w="sm" len="sm"/>
-                      <a:tailEnd type="none" w="sm" len="sm"/>
-                    </a:lnB>
-                    <a:solidFill>
-                      <a:srgbClr val="FFFFFF"/>
-                    </a:solidFill>
-                  </a:tcPr>
-                </a:tc>
-                <a:tc>
-                  <a:txBody>
-                    <a:bodyPr/>
-                    <a:lstStyle/>
-                    <a:p>
-                      <a:pPr marL="0" lvl="0" indent="0" algn="r" rtl="0">
-                        <a:lnSpc>
-                          <a:spcPct val="115000"/>
-                        </a:lnSpc>
-                        <a:spcBef>
-                          <a:spcPts val="0"/>
-                        </a:spcBef>
-                        <a:spcAft>
-                          <a:spcPts val="0"/>
-                        </a:spcAft>
-                        <a:buNone/>
-                      </a:pPr>
-                      <a:r>
-                        <a:rPr lang="en" sz="900">
-                          <a:solidFill>
-                            <a:srgbClr val="5D6272"/>
-                          </a:solidFill>
-                          <a:latin typeface="Calibri"/>
-                          <a:ea typeface="Calibri"/>
-                          <a:cs typeface="Calibri"/>
-                          <a:sym typeface="Calibri"/>
-                        </a:rPr>
-                        <a:t>1406</a:t>
-                      </a:r>
-                      <a:endParaRPr sz="900">
-                        <a:solidFill>
-                          <a:srgbClr val="5D6272"/>
-                        </a:solidFill>
-                        <a:latin typeface="Calibri"/>
-                        <a:ea typeface="Calibri"/>
-                        <a:cs typeface="Calibri"/>
-                        <a:sym typeface="Calibri"/>
-                      </a:endParaRPr>
-                    </a:p>
-                  </a:txBody>
-                  <a:tcPr marL="28575" marR="28575" marT="19050" marB="19050" anchor="b">
-                    <a:lnL w="9525" cap="flat" cmpd="sng">
-                      <a:solidFill>
-                        <a:srgbClr val="FF0000"/>
-                      </a:solidFill>
-                      <a:prstDash val="solid"/>
-                      <a:round/>
-                      <a:headEnd type="none" w="sm" len="sm"/>
-                      <a:tailEnd type="none" w="sm" len="sm"/>
-                    </a:lnL>
-                    <a:lnR w="9525" cap="flat" cmpd="sng">
-                      <a:solidFill>
-                        <a:srgbClr val="FF0000"/>
-                      </a:solidFill>
-                      <a:prstDash val="solid"/>
-                      <a:round/>
-                      <a:headEnd type="none" w="sm" len="sm"/>
-                      <a:tailEnd type="none" w="sm" len="sm"/>
-                    </a:lnR>
-                    <a:lnT w="9525" cap="flat" cmpd="sng">
-                      <a:solidFill>
-                        <a:srgbClr val="FF0000"/>
-                      </a:solidFill>
-                      <a:prstDash val="solid"/>
-                      <a:round/>
-                      <a:headEnd type="none" w="sm" len="sm"/>
-                      <a:tailEnd type="none" w="sm" len="sm"/>
-                    </a:lnT>
-                    <a:lnB w="9525" cap="flat" cmpd="sng">
-                      <a:solidFill>
-                        <a:srgbClr val="FF0000"/>
-                      </a:solidFill>
-                      <a:prstDash val="solid"/>
-                      <a:round/>
-                      <a:headEnd type="none" w="sm" len="sm"/>
-                      <a:tailEnd type="none" w="sm" len="sm"/>
-                    </a:lnB>
-                    <a:solidFill>
-                      <a:srgbClr val="FFFFFF"/>
-                    </a:solidFill>
-                  </a:tcPr>
-                </a:tc>
-                <a:extLst>
-                  <a:ext uri="{0D108BD9-81ED-4DB2-BD59-A6C34878D82A}">
-                    <a16:rowId xmlns:a16="http://schemas.microsoft.com/office/drawing/2014/main" val="10010"/>
-                  </a:ext>
-                </a:extLst>
-              </a:tr>
-              <a:tr h="189500">
-                <a:tc>
-                  <a:txBody>
-                    <a:bodyPr/>
-                    <a:lstStyle/>
-                    <a:p>
-                      <a:pPr marL="0" lvl="0" indent="0" algn="l" rtl="0">
-                        <a:lnSpc>
-                          <a:spcPct val="115000"/>
-                        </a:lnSpc>
-                        <a:spcBef>
-                          <a:spcPts val="0"/>
-                        </a:spcBef>
-                        <a:spcAft>
-                          <a:spcPts val="0"/>
-                        </a:spcAft>
-                        <a:buNone/>
-                      </a:pPr>
-                      <a:r>
-                        <a:rPr lang="en" sz="900" u="sng">
-                          <a:solidFill>
-                            <a:srgbClr val="1155CC"/>
-                          </a:solidFill>
-                          <a:latin typeface="Calibri"/>
-                          <a:ea typeface="Calibri"/>
-                          <a:cs typeface="Calibri"/>
-                          <a:sym typeface="Calibri"/>
-                          <a:hlinkClick r:id="rId24">
-                            <a:extLst>
-                              <a:ext uri="{A12FA001-AC4F-418D-AE19-62706E023703}">
-                                <ahyp:hlinkClr xmlns:ahyp="http://schemas.microsoft.com/office/drawing/2018/hyperlinkcolor" val="tx"/>
-                              </a:ext>
-                            </a:extLst>
-                          </a:hlinkClick>
-                        </a:rPr>
-                        <a:t>gemini-2.5-flash-preview-04-17</a:t>
-                      </a:r>
-                      <a:endParaRPr sz="900" u="sng">
-                        <a:solidFill>
-                          <a:srgbClr val="1155CC"/>
-                        </a:solidFill>
-                        <a:latin typeface="Calibri"/>
-                        <a:ea typeface="Calibri"/>
-                        <a:cs typeface="Calibri"/>
-                        <a:sym typeface="Calibri"/>
-                      </a:endParaRPr>
-                    </a:p>
-                  </a:txBody>
-                  <a:tcPr marL="28575" marR="28575" marT="19050" marB="19050" anchor="b">
-                    <a:lnL w="9525" cap="flat" cmpd="sng">
-                      <a:solidFill>
-                        <a:srgbClr val="FF0000"/>
-                      </a:solidFill>
-                      <a:prstDash val="solid"/>
-                      <a:round/>
-                      <a:headEnd type="none" w="sm" len="sm"/>
-                      <a:tailEnd type="none" w="sm" len="sm"/>
-                    </a:lnL>
-                    <a:lnR w="9525" cap="flat" cmpd="sng">
-                      <a:solidFill>
-                        <a:srgbClr val="FF0000"/>
-                      </a:solidFill>
-                      <a:prstDash val="solid"/>
-                      <a:round/>
-                      <a:headEnd type="none" w="sm" len="sm"/>
-                      <a:tailEnd type="none" w="sm" len="sm"/>
-                    </a:lnR>
-                    <a:lnT w="9525" cap="flat" cmpd="sng">
-                      <a:solidFill>
-                        <a:srgbClr val="FF0000"/>
-                      </a:solidFill>
-                      <a:prstDash val="solid"/>
-                      <a:round/>
-                      <a:headEnd type="none" w="sm" len="sm"/>
-                      <a:tailEnd type="none" w="sm" len="sm"/>
-                    </a:lnT>
-                    <a:lnB w="9525" cap="flat" cmpd="sng">
-                      <a:solidFill>
-                        <a:srgbClr val="FF0000"/>
-                      </a:solidFill>
-                      <a:prstDash val="solid"/>
-                      <a:round/>
-                      <a:headEnd type="none" w="sm" len="sm"/>
-                      <a:tailEnd type="none" w="sm" len="sm"/>
-                    </a:lnB>
-                    <a:solidFill>
-                      <a:srgbClr val="FFFFFF"/>
-                    </a:solidFill>
-                  </a:tcPr>
-                </a:tc>
-                <a:tc>
-                  <a:txBody>
-                    <a:bodyPr/>
-                    <a:lstStyle/>
-                    <a:p>
-                      <a:pPr marL="0" lvl="0" indent="0" algn="r" rtl="0">
-                        <a:lnSpc>
-                          <a:spcPct val="115000"/>
-                        </a:lnSpc>
-                        <a:spcBef>
-                          <a:spcPts val="0"/>
-                        </a:spcBef>
-                        <a:spcAft>
-                          <a:spcPts val="0"/>
-                        </a:spcAft>
-                        <a:buNone/>
-                      </a:pPr>
-                      <a:r>
-                        <a:rPr lang="en" sz="900">
-                          <a:solidFill>
-                            <a:srgbClr val="5D6272"/>
-                          </a:solidFill>
-                          <a:latin typeface="Calibri"/>
-                          <a:ea typeface="Calibri"/>
-                          <a:cs typeface="Calibri"/>
-                          <a:sym typeface="Calibri"/>
-                        </a:rPr>
-                        <a:t>1405</a:t>
-                      </a:r>
-                      <a:endParaRPr sz="900">
-                        <a:solidFill>
-                          <a:srgbClr val="5D6272"/>
-                        </a:solidFill>
-                        <a:latin typeface="Calibri"/>
-                        <a:ea typeface="Calibri"/>
-                        <a:cs typeface="Calibri"/>
-                        <a:sym typeface="Calibri"/>
-                      </a:endParaRPr>
-                    </a:p>
-                  </a:txBody>
-                  <a:tcPr marL="28575" marR="28575" marT="19050" marB="19050" anchor="b">
-                    <a:lnL w="9525" cap="flat" cmpd="sng">
-                      <a:solidFill>
-                        <a:srgbClr val="FF0000"/>
-                      </a:solidFill>
-                      <a:prstDash val="solid"/>
-                      <a:round/>
-                      <a:headEnd type="none" w="sm" len="sm"/>
-                      <a:tailEnd type="none" w="sm" len="sm"/>
-                    </a:lnL>
-                    <a:lnR w="9525" cap="flat" cmpd="sng">
-                      <a:solidFill>
-                        <a:srgbClr val="FF0000"/>
-                      </a:solidFill>
-                      <a:prstDash val="solid"/>
-                      <a:round/>
-                      <a:headEnd type="none" w="sm" len="sm"/>
-                      <a:tailEnd type="none" w="sm" len="sm"/>
-                    </a:lnR>
-                    <a:lnT w="9525" cap="flat" cmpd="sng">
-                      <a:solidFill>
-                        <a:srgbClr val="FF0000"/>
-                      </a:solidFill>
-                      <a:prstDash val="solid"/>
-                      <a:round/>
-                      <a:headEnd type="none" w="sm" len="sm"/>
-                      <a:tailEnd type="none" w="sm" len="sm"/>
-                    </a:lnT>
-                    <a:lnB w="9525" cap="flat" cmpd="sng">
-                      <a:solidFill>
-                        <a:srgbClr val="FF0000"/>
-                      </a:solidFill>
-                      <a:prstDash val="solid"/>
-                      <a:round/>
-                      <a:headEnd type="none" w="sm" len="sm"/>
-                      <a:tailEnd type="none" w="sm" len="sm"/>
-                    </a:lnB>
-                    <a:solidFill>
-                      <a:srgbClr val="FFFFFF"/>
-                    </a:solidFill>
-                  </a:tcPr>
-                </a:tc>
-                <a:extLst>
-                  <a:ext uri="{0D108BD9-81ED-4DB2-BD59-A6C34878D82A}">
-                    <a16:rowId xmlns:a16="http://schemas.microsoft.com/office/drawing/2014/main" val="10011"/>
-                  </a:ext>
-                </a:extLst>
-              </a:tr>
-              <a:tr h="189500">
-                <a:tc>
-                  <a:txBody>
-                    <a:bodyPr/>
-                    <a:lstStyle/>
-                    <a:p>
-                      <a:pPr marL="0" lvl="0" indent="0" algn="l" rtl="0">
-                        <a:lnSpc>
-                          <a:spcPct val="115000"/>
-                        </a:lnSpc>
-                        <a:spcBef>
-                          <a:spcPts val="0"/>
-                        </a:spcBef>
-                        <a:spcAft>
-                          <a:spcPts val="0"/>
-                        </a:spcAft>
-                        <a:buNone/>
-                      </a:pPr>
-                      <a:r>
-                        <a:rPr lang="en" sz="900" u="sng">
-                          <a:solidFill>
-                            <a:srgbClr val="1155CC"/>
-                          </a:solidFill>
-                          <a:latin typeface="Calibri"/>
-                          <a:ea typeface="Calibri"/>
-                          <a:cs typeface="Calibri"/>
-                          <a:sym typeface="Calibri"/>
-                          <a:hlinkClick r:id="rId25">
-                            <a:extLst>
-                              <a:ext uri="{A12FA001-AC4F-418D-AE19-62706E023703}">
-                                <ahyp:hlinkClr xmlns:ahyp="http://schemas.microsoft.com/office/drawing/2018/hyperlinkcolor" val="tx"/>
-                              </a:ext>
-                            </a:extLst>
-                          </a:hlinkClick>
-                        </a:rPr>
-                        <a:t>qwen3-235b-a22b-no-thinking</a:t>
-                      </a:r>
-                      <a:endParaRPr sz="900" u="sng">
-                        <a:solidFill>
-                          <a:srgbClr val="1155CC"/>
-                        </a:solidFill>
-                        <a:latin typeface="Calibri"/>
-                        <a:ea typeface="Calibri"/>
-                        <a:cs typeface="Calibri"/>
-                        <a:sym typeface="Calibri"/>
-                      </a:endParaRPr>
-                    </a:p>
-                  </a:txBody>
-                  <a:tcPr marL="28575" marR="28575" marT="19050" marB="19050" anchor="b">
-                    <a:lnL w="9525" cap="flat" cmpd="sng">
-                      <a:solidFill>
-                        <a:srgbClr val="FF0000"/>
-                      </a:solidFill>
-                      <a:prstDash val="solid"/>
-                      <a:round/>
-                      <a:headEnd type="none" w="sm" len="sm"/>
-                      <a:tailEnd type="none" w="sm" len="sm"/>
-                    </a:lnL>
-                    <a:lnR w="9525" cap="flat" cmpd="sng">
-                      <a:solidFill>
-                        <a:srgbClr val="FF0000"/>
-                      </a:solidFill>
-                      <a:prstDash val="solid"/>
-                      <a:round/>
-                      <a:headEnd type="none" w="sm" len="sm"/>
-                      <a:tailEnd type="none" w="sm" len="sm"/>
-                    </a:lnR>
-                    <a:lnT w="9525" cap="flat" cmpd="sng">
-                      <a:solidFill>
-                        <a:srgbClr val="FF0000"/>
-                      </a:solidFill>
-                      <a:prstDash val="solid"/>
-                      <a:round/>
-                      <a:headEnd type="none" w="sm" len="sm"/>
-                      <a:tailEnd type="none" w="sm" len="sm"/>
-                    </a:lnT>
-                    <a:lnB w="9525" cap="flat" cmpd="sng">
-                      <a:solidFill>
-                        <a:srgbClr val="FF0000"/>
-                      </a:solidFill>
-                      <a:prstDash val="solid"/>
-                      <a:round/>
-                      <a:headEnd type="none" w="sm" len="sm"/>
-                      <a:tailEnd type="none" w="sm" len="sm"/>
-                    </a:lnB>
-                    <a:solidFill>
-                      <a:srgbClr val="FFFFFF"/>
-                    </a:solidFill>
-                  </a:tcPr>
-                </a:tc>
-                <a:tc>
-                  <a:txBody>
-                    <a:bodyPr/>
-                    <a:lstStyle/>
-                    <a:p>
-                      <a:pPr marL="0" lvl="0" indent="0" algn="r" rtl="0">
-                        <a:lnSpc>
-                          <a:spcPct val="115000"/>
-                        </a:lnSpc>
-                        <a:spcBef>
-                          <a:spcPts val="0"/>
-                        </a:spcBef>
-                        <a:spcAft>
-                          <a:spcPts val="0"/>
-                        </a:spcAft>
-                        <a:buNone/>
-                      </a:pPr>
-                      <a:r>
-                        <a:rPr lang="en" sz="900">
-                          <a:solidFill>
-                            <a:srgbClr val="5D6272"/>
-                          </a:solidFill>
-                          <a:latin typeface="Calibri"/>
-                          <a:ea typeface="Calibri"/>
-                          <a:cs typeface="Calibri"/>
-                          <a:sym typeface="Calibri"/>
-                        </a:rPr>
-                        <a:t>1395</a:t>
-                      </a:r>
-                      <a:endParaRPr sz="900">
-                        <a:solidFill>
-                          <a:srgbClr val="5D6272"/>
-                        </a:solidFill>
-                        <a:latin typeface="Calibri"/>
-                        <a:ea typeface="Calibri"/>
-                        <a:cs typeface="Calibri"/>
-                        <a:sym typeface="Calibri"/>
-                      </a:endParaRPr>
-                    </a:p>
-                  </a:txBody>
-                  <a:tcPr marL="28575" marR="28575" marT="19050" marB="19050" anchor="b">
-                    <a:lnL w="9525" cap="flat" cmpd="sng">
-                      <a:solidFill>
-                        <a:srgbClr val="FF0000"/>
-                      </a:solidFill>
-                      <a:prstDash val="solid"/>
-                      <a:round/>
-                      <a:headEnd type="none" w="sm" len="sm"/>
-                      <a:tailEnd type="none" w="sm" len="sm"/>
-                    </a:lnL>
-                    <a:lnR w="9525" cap="flat" cmpd="sng">
-                      <a:solidFill>
-                        <a:srgbClr val="FF0000"/>
-                      </a:solidFill>
-                      <a:prstDash val="solid"/>
-                      <a:round/>
-                      <a:headEnd type="none" w="sm" len="sm"/>
-                      <a:tailEnd type="none" w="sm" len="sm"/>
-                    </a:lnR>
-                    <a:lnT w="9525" cap="flat" cmpd="sng">
-                      <a:solidFill>
-                        <a:srgbClr val="FF0000"/>
-                      </a:solidFill>
-                      <a:prstDash val="solid"/>
-                      <a:round/>
-                      <a:headEnd type="none" w="sm" len="sm"/>
-                      <a:tailEnd type="none" w="sm" len="sm"/>
-                    </a:lnT>
-                    <a:lnB w="9525" cap="flat" cmpd="sng">
-                      <a:solidFill>
-                        <a:srgbClr val="FF0000"/>
-                      </a:solidFill>
-                      <a:prstDash val="solid"/>
-                      <a:round/>
-                      <a:headEnd type="none" w="sm" len="sm"/>
-                      <a:tailEnd type="none" w="sm" len="sm"/>
-                    </a:lnB>
-                    <a:solidFill>
-                      <a:srgbClr val="FFFFFF"/>
-                    </a:solidFill>
-                  </a:tcPr>
-                </a:tc>
-                <a:extLst>
-                  <a:ext uri="{0D108BD9-81ED-4DB2-BD59-A6C34878D82A}">
-                    <a16:rowId xmlns:a16="http://schemas.microsoft.com/office/drawing/2014/main" val="10012"/>
-                  </a:ext>
-                </a:extLst>
-              </a:tr>
-              <a:tr h="189500">
-                <a:tc>
-                  <a:txBody>
-                    <a:bodyPr/>
-                    <a:lstStyle/>
-                    <a:p>
-                      <a:pPr marL="0" lvl="0" indent="0" algn="l" rtl="0">
-                        <a:lnSpc>
-                          <a:spcPct val="115000"/>
-                        </a:lnSpc>
-                        <a:spcBef>
-                          <a:spcPts val="0"/>
-                        </a:spcBef>
-                        <a:spcAft>
-                          <a:spcPts val="0"/>
-                        </a:spcAft>
-                        <a:buNone/>
-                      </a:pPr>
-                      <a:r>
-                        <a:rPr lang="en" sz="900" u="sng">
-                          <a:solidFill>
-                            <a:srgbClr val="1155CC"/>
-                          </a:solidFill>
-                          <a:latin typeface="Calibri"/>
-                          <a:ea typeface="Calibri"/>
-                          <a:cs typeface="Calibri"/>
-                          <a:sym typeface="Calibri"/>
-                          <a:hlinkClick r:id="rId26">
-                            <a:extLst>
-                              <a:ext uri="{A12FA001-AC4F-418D-AE19-62706E023703}">
-                                <ahyp:hlinkClr xmlns:ahyp="http://schemas.microsoft.com/office/drawing/2018/hyperlinkcolor" val="tx"/>
-                              </a:ext>
-                            </a:extLst>
-                          </a:hlinkClick>
-                        </a:rPr>
-                        <a:t>deepseek-v3-0324</a:t>
-                      </a:r>
-                      <a:endParaRPr sz="900" u="sng">
-                        <a:solidFill>
-                          <a:srgbClr val="1155CC"/>
-                        </a:solidFill>
-                        <a:latin typeface="Calibri"/>
-                        <a:ea typeface="Calibri"/>
-                        <a:cs typeface="Calibri"/>
-                        <a:sym typeface="Calibri"/>
-                      </a:endParaRPr>
-                    </a:p>
-                  </a:txBody>
-                  <a:tcPr marL="28575" marR="28575" marT="19050" marB="19050" anchor="b">
-                    <a:lnL w="9525" cap="flat" cmpd="sng">
-                      <a:solidFill>
-                        <a:srgbClr val="FF0000"/>
-                      </a:solidFill>
-                      <a:prstDash val="solid"/>
-                      <a:round/>
-                      <a:headEnd type="none" w="sm" len="sm"/>
-                      <a:tailEnd type="none" w="sm" len="sm"/>
-                    </a:lnL>
-                    <a:lnR w="9525" cap="flat" cmpd="sng">
-                      <a:solidFill>
-                        <a:srgbClr val="FF0000"/>
-                      </a:solidFill>
-                      <a:prstDash val="solid"/>
-                      <a:round/>
-                      <a:headEnd type="none" w="sm" len="sm"/>
-                      <a:tailEnd type="none" w="sm" len="sm"/>
-                    </a:lnR>
-                    <a:lnT w="9525" cap="flat" cmpd="sng">
-                      <a:solidFill>
-                        <a:srgbClr val="FF0000"/>
-                      </a:solidFill>
-                      <a:prstDash val="solid"/>
-                      <a:round/>
-                      <a:headEnd type="none" w="sm" len="sm"/>
-                      <a:tailEnd type="none" w="sm" len="sm"/>
-                    </a:lnT>
-                    <a:lnB w="9525" cap="flat" cmpd="sng">
-                      <a:solidFill>
-                        <a:srgbClr val="FF0000"/>
-                      </a:solidFill>
-                      <a:prstDash val="solid"/>
-                      <a:round/>
-                      <a:headEnd type="none" w="sm" len="sm"/>
-                      <a:tailEnd type="none" w="sm" len="sm"/>
-                    </a:lnB>
-                    <a:solidFill>
-                      <a:srgbClr val="FFFFFF"/>
-                    </a:solidFill>
-                  </a:tcPr>
-                </a:tc>
-                <a:tc>
-                  <a:txBody>
-                    <a:bodyPr/>
-                    <a:lstStyle/>
-                    <a:p>
-                      <a:pPr marL="0" lvl="0" indent="0" algn="r" rtl="0">
-                        <a:lnSpc>
-                          <a:spcPct val="115000"/>
-                        </a:lnSpc>
-                        <a:spcBef>
-                          <a:spcPts val="0"/>
-                        </a:spcBef>
-                        <a:spcAft>
-                          <a:spcPts val="0"/>
-                        </a:spcAft>
-                        <a:buNone/>
-                      </a:pPr>
-                      <a:r>
-                        <a:rPr lang="en" sz="900">
-                          <a:solidFill>
-                            <a:srgbClr val="5D6272"/>
-                          </a:solidFill>
-                          <a:latin typeface="Calibri"/>
-                          <a:ea typeface="Calibri"/>
-                          <a:cs typeface="Calibri"/>
-                          <a:sym typeface="Calibri"/>
-                        </a:rPr>
-                        <a:t>1396</a:t>
-                      </a:r>
-                      <a:endParaRPr sz="900">
-                        <a:solidFill>
-                          <a:srgbClr val="5D6272"/>
-                        </a:solidFill>
-                        <a:latin typeface="Calibri"/>
-                        <a:ea typeface="Calibri"/>
-                        <a:cs typeface="Calibri"/>
-                        <a:sym typeface="Calibri"/>
-                      </a:endParaRPr>
-                    </a:p>
-                  </a:txBody>
-                  <a:tcPr marL="28575" marR="28575" marT="19050" marB="19050" anchor="b">
-                    <a:lnL w="9525" cap="flat" cmpd="sng">
-                      <a:solidFill>
-                        <a:srgbClr val="FF0000"/>
-                      </a:solidFill>
-                      <a:prstDash val="solid"/>
-                      <a:round/>
-                      <a:headEnd type="none" w="sm" len="sm"/>
-                      <a:tailEnd type="none" w="sm" len="sm"/>
-                    </a:lnL>
-                    <a:lnR w="9525" cap="flat" cmpd="sng">
-                      <a:solidFill>
-                        <a:srgbClr val="FF0000"/>
-                      </a:solidFill>
-                      <a:prstDash val="solid"/>
-                      <a:round/>
-                      <a:headEnd type="none" w="sm" len="sm"/>
-                      <a:tailEnd type="none" w="sm" len="sm"/>
-                    </a:lnR>
-                    <a:lnT w="9525" cap="flat" cmpd="sng">
-                      <a:solidFill>
-                        <a:srgbClr val="FF0000"/>
-                      </a:solidFill>
-                      <a:prstDash val="solid"/>
-                      <a:round/>
-                      <a:headEnd type="none" w="sm" len="sm"/>
-                      <a:tailEnd type="none" w="sm" len="sm"/>
-                    </a:lnT>
-                    <a:lnB w="9525" cap="flat" cmpd="sng">
-                      <a:solidFill>
-                        <a:srgbClr val="FF0000"/>
-                      </a:solidFill>
-                      <a:prstDash val="solid"/>
-                      <a:round/>
-                      <a:headEnd type="none" w="sm" len="sm"/>
-                      <a:tailEnd type="none" w="sm" len="sm"/>
-                    </a:lnB>
-                    <a:solidFill>
-                      <a:srgbClr val="FFFFFF"/>
-                    </a:solidFill>
-                  </a:tcPr>
-                </a:tc>
-                <a:extLst>
-                  <a:ext uri="{0D108BD9-81ED-4DB2-BD59-A6C34878D82A}">
-                    <a16:rowId xmlns:a16="http://schemas.microsoft.com/office/drawing/2014/main" val="10013"/>
-                  </a:ext>
-                </a:extLst>
-              </a:tr>
-              <a:tr h="189500">
-                <a:tc>
-                  <a:txBody>
-                    <a:bodyPr/>
-                    <a:lstStyle/>
-                    <a:p>
-                      <a:pPr marL="0" lvl="0" indent="0" algn="l" rtl="0">
-                        <a:lnSpc>
-                          <a:spcPct val="115000"/>
-                        </a:lnSpc>
-                        <a:spcBef>
-                          <a:spcPts val="0"/>
-                        </a:spcBef>
-                        <a:spcAft>
-                          <a:spcPts val="0"/>
-                        </a:spcAft>
-                        <a:buNone/>
-                      </a:pPr>
-                      <a:r>
-                        <a:rPr lang="en" sz="900" u="sng">
-                          <a:solidFill>
-                            <a:srgbClr val="1155CC"/>
-                          </a:solidFill>
-                          <a:latin typeface="Calibri"/>
-                          <a:ea typeface="Calibri"/>
-                          <a:cs typeface="Calibri"/>
-                          <a:sym typeface="Calibri"/>
-                          <a:hlinkClick r:id="rId15">
-                            <a:extLst>
-                              <a:ext uri="{A12FA001-AC4F-418D-AE19-62706E023703}">
-                                <ahyp:hlinkClr xmlns:ahyp="http://schemas.microsoft.com/office/drawing/2018/hyperlinkcolor" val="tx"/>
-                              </a:ext>
-                            </a:extLst>
-                          </a:hlinkClick>
-                        </a:rPr>
-                        <a:t>o4-mini-2025-04-16</a:t>
-                      </a:r>
-                      <a:endParaRPr sz="900" u="sng">
-                        <a:solidFill>
-                          <a:srgbClr val="1155CC"/>
-                        </a:solidFill>
-                        <a:latin typeface="Calibri"/>
-                        <a:ea typeface="Calibri"/>
-                        <a:cs typeface="Calibri"/>
-                        <a:sym typeface="Calibri"/>
-                      </a:endParaRPr>
-                    </a:p>
-                  </a:txBody>
-                  <a:tcPr marL="28575" marR="28575" marT="19050" marB="19050" anchor="b">
-                    <a:lnL w="9525" cap="flat" cmpd="sng">
-                      <a:solidFill>
-                        <a:srgbClr val="FF0000"/>
-                      </a:solidFill>
-                      <a:prstDash val="solid"/>
-                      <a:round/>
-                      <a:headEnd type="none" w="sm" len="sm"/>
-                      <a:tailEnd type="none" w="sm" len="sm"/>
-                    </a:lnL>
-                    <a:lnR w="9525" cap="flat" cmpd="sng">
-                      <a:solidFill>
-                        <a:srgbClr val="FF0000"/>
-                      </a:solidFill>
-                      <a:prstDash val="solid"/>
-                      <a:round/>
-                      <a:headEnd type="none" w="sm" len="sm"/>
-                      <a:tailEnd type="none" w="sm" len="sm"/>
-                    </a:lnR>
-                    <a:lnT w="9525" cap="flat" cmpd="sng">
-                      <a:solidFill>
-                        <a:srgbClr val="FF0000"/>
-                      </a:solidFill>
-                      <a:prstDash val="solid"/>
-                      <a:round/>
-                      <a:headEnd type="none" w="sm" len="sm"/>
-                      <a:tailEnd type="none" w="sm" len="sm"/>
-                    </a:lnT>
-                    <a:lnB w="9525" cap="flat" cmpd="sng">
-                      <a:solidFill>
-                        <a:srgbClr val="FF0000"/>
-                      </a:solidFill>
-                      <a:prstDash val="solid"/>
-                      <a:round/>
-                      <a:headEnd type="none" w="sm" len="sm"/>
-                      <a:tailEnd type="none" w="sm" len="sm"/>
-                    </a:lnB>
-                    <a:solidFill>
-                      <a:srgbClr val="FFFFFF"/>
-                    </a:solidFill>
-                  </a:tcPr>
-                </a:tc>
-                <a:tc>
-                  <a:txBody>
-                    <a:bodyPr/>
-                    <a:lstStyle/>
-                    <a:p>
-                      <a:pPr marL="0" lvl="0" indent="0" algn="r" rtl="0">
-                        <a:lnSpc>
-                          <a:spcPct val="115000"/>
-                        </a:lnSpc>
-                        <a:spcBef>
-                          <a:spcPts val="0"/>
-                        </a:spcBef>
-                        <a:spcAft>
-                          <a:spcPts val="0"/>
-                        </a:spcAft>
-                        <a:buNone/>
-                      </a:pPr>
-                      <a:r>
-                        <a:rPr lang="en" sz="900">
-                          <a:solidFill>
-                            <a:srgbClr val="5D6272"/>
-                          </a:solidFill>
-                          <a:latin typeface="Calibri"/>
-                          <a:ea typeface="Calibri"/>
-                          <a:cs typeface="Calibri"/>
-                          <a:sym typeface="Calibri"/>
-                        </a:rPr>
-                        <a:t>1396</a:t>
-                      </a:r>
-                      <a:endParaRPr sz="900">
-                        <a:solidFill>
-                          <a:srgbClr val="5D6272"/>
-                        </a:solidFill>
-                        <a:latin typeface="Calibri"/>
-                        <a:ea typeface="Calibri"/>
-                        <a:cs typeface="Calibri"/>
-                        <a:sym typeface="Calibri"/>
-                      </a:endParaRPr>
-                    </a:p>
-                  </a:txBody>
-                  <a:tcPr marL="28575" marR="28575" marT="19050" marB="19050" anchor="b">
-                    <a:lnL w="9525" cap="flat" cmpd="sng">
-                      <a:solidFill>
-                        <a:srgbClr val="FF0000"/>
-                      </a:solidFill>
-                      <a:prstDash val="solid"/>
-                      <a:round/>
-                      <a:headEnd type="none" w="sm" len="sm"/>
-                      <a:tailEnd type="none" w="sm" len="sm"/>
-                    </a:lnL>
-                    <a:lnR w="9525" cap="flat" cmpd="sng">
-                      <a:solidFill>
-                        <a:srgbClr val="FF0000"/>
-                      </a:solidFill>
-                      <a:prstDash val="solid"/>
-                      <a:round/>
-                      <a:headEnd type="none" w="sm" len="sm"/>
-                      <a:tailEnd type="none" w="sm" len="sm"/>
-                    </a:lnR>
-                    <a:lnT w="9525" cap="flat" cmpd="sng">
-                      <a:solidFill>
-                        <a:srgbClr val="FF0000"/>
-                      </a:solidFill>
-                      <a:prstDash val="solid"/>
-                      <a:round/>
-                      <a:headEnd type="none" w="sm" len="sm"/>
-                      <a:tailEnd type="none" w="sm" len="sm"/>
-                    </a:lnT>
-                    <a:lnB w="9525" cap="flat" cmpd="sng">
-                      <a:solidFill>
-                        <a:srgbClr val="FF0000"/>
-                      </a:solidFill>
-                      <a:prstDash val="solid"/>
-                      <a:round/>
-                      <a:headEnd type="none" w="sm" len="sm"/>
-                      <a:tailEnd type="none" w="sm" len="sm"/>
-                    </a:lnB>
-                    <a:solidFill>
-                      <a:srgbClr val="FFFFFF"/>
-                    </a:solidFill>
-                  </a:tcPr>
-                </a:tc>
-                <a:extLst>
-                  <a:ext uri="{0D108BD9-81ED-4DB2-BD59-A6C34878D82A}">
-                    <a16:rowId xmlns:a16="http://schemas.microsoft.com/office/drawing/2014/main" val="10014"/>
-                  </a:ext>
-                </a:extLst>
-              </a:tr>
-              <a:tr h="189500">
-                <a:tc>
-                  <a:txBody>
-                    <a:bodyPr/>
-                    <a:lstStyle/>
-                    <a:p>
-                      <a:pPr marL="0" lvl="0" indent="0" algn="l" rtl="0">
-                        <a:lnSpc>
-                          <a:spcPct val="115000"/>
-                        </a:lnSpc>
-                        <a:spcBef>
-                          <a:spcPts val="0"/>
-                        </a:spcBef>
-                        <a:spcAft>
-                          <a:spcPts val="0"/>
-                        </a:spcAft>
-                        <a:buNone/>
-                      </a:pPr>
-                      <a:r>
-                        <a:rPr lang="en" sz="900" u="sng">
-                          <a:solidFill>
-                            <a:srgbClr val="1155CC"/>
-                          </a:solidFill>
-                          <a:latin typeface="Calibri"/>
-                          <a:ea typeface="Calibri"/>
-                          <a:cs typeface="Calibri"/>
-                          <a:sym typeface="Calibri"/>
-                          <a:hlinkClick r:id="rId27">
-                            <a:extLst>
-                              <a:ext uri="{A12FA001-AC4F-418D-AE19-62706E023703}">
-                                <ahyp:hlinkClr xmlns:ahyp="http://schemas.microsoft.com/office/drawing/2018/hyperlinkcolor" val="tx"/>
-                              </a:ext>
-                            </a:extLst>
-                          </a:hlinkClick>
-                        </a:rPr>
-                        <a:t>o1-2024-12-17</a:t>
-                      </a:r>
-                      <a:endParaRPr sz="900" u="sng">
-                        <a:solidFill>
-                          <a:srgbClr val="1155CC"/>
-                        </a:solidFill>
-                        <a:latin typeface="Calibri"/>
-                        <a:ea typeface="Calibri"/>
-                        <a:cs typeface="Calibri"/>
-                        <a:sym typeface="Calibri"/>
-                      </a:endParaRPr>
-                    </a:p>
-                  </a:txBody>
-                  <a:tcPr marL="28575" marR="28575" marT="19050" marB="19050" anchor="b">
-                    <a:lnL w="9525" cap="flat" cmpd="sng">
-                      <a:solidFill>
-                        <a:srgbClr val="FF0000"/>
-                      </a:solidFill>
-                      <a:prstDash val="solid"/>
-                      <a:round/>
-                      <a:headEnd type="none" w="sm" len="sm"/>
-                      <a:tailEnd type="none" w="sm" len="sm"/>
-                    </a:lnL>
-                    <a:lnR w="9525" cap="flat" cmpd="sng">
-                      <a:solidFill>
-                        <a:srgbClr val="FF0000"/>
-                      </a:solidFill>
-                      <a:prstDash val="solid"/>
-                      <a:round/>
-                      <a:headEnd type="none" w="sm" len="sm"/>
-                      <a:tailEnd type="none" w="sm" len="sm"/>
-                    </a:lnR>
-                    <a:lnT w="9525" cap="flat" cmpd="sng">
-                      <a:solidFill>
-                        <a:srgbClr val="FF0000"/>
-                      </a:solidFill>
-                      <a:prstDash val="solid"/>
-                      <a:round/>
-                      <a:headEnd type="none" w="sm" len="sm"/>
-                      <a:tailEnd type="none" w="sm" len="sm"/>
-                    </a:lnT>
-                    <a:lnB w="9525" cap="flat" cmpd="sng">
-                      <a:solidFill>
-                        <a:srgbClr val="FF0000"/>
-                      </a:solidFill>
-                      <a:prstDash val="solid"/>
-                      <a:round/>
-                      <a:headEnd type="none" w="sm" len="sm"/>
-                      <a:tailEnd type="none" w="sm" len="sm"/>
-                    </a:lnB>
-                    <a:solidFill>
-                      <a:srgbClr val="FFFFFF"/>
-                    </a:solidFill>
-                  </a:tcPr>
-                </a:tc>
-                <a:tc>
-                  <a:txBody>
-                    <a:bodyPr/>
-                    <a:lstStyle/>
-                    <a:p>
-                      <a:pPr marL="0" lvl="0" indent="0" algn="r" rtl="0">
-                        <a:lnSpc>
-                          <a:spcPct val="115000"/>
-                        </a:lnSpc>
-                        <a:spcBef>
-                          <a:spcPts val="0"/>
-                        </a:spcBef>
-                        <a:spcAft>
-                          <a:spcPts val="0"/>
-                        </a:spcAft>
-                        <a:buNone/>
-                      </a:pPr>
-                      <a:r>
-                        <a:rPr lang="en" sz="900">
-                          <a:solidFill>
-                            <a:srgbClr val="5D6272"/>
-                          </a:solidFill>
-                          <a:latin typeface="Calibri"/>
-                          <a:ea typeface="Calibri"/>
-                          <a:cs typeface="Calibri"/>
-                          <a:sym typeface="Calibri"/>
-                        </a:rPr>
-                        <a:t>1397</a:t>
-                      </a:r>
-                      <a:endParaRPr sz="900">
-                        <a:solidFill>
-                          <a:srgbClr val="5D6272"/>
-                        </a:solidFill>
-                        <a:latin typeface="Calibri"/>
-                        <a:ea typeface="Calibri"/>
-                        <a:cs typeface="Calibri"/>
-                        <a:sym typeface="Calibri"/>
-                      </a:endParaRPr>
-                    </a:p>
-                  </a:txBody>
-                  <a:tcPr marL="28575" marR="28575" marT="19050" marB="19050" anchor="b">
-                    <a:lnL w="9525" cap="flat" cmpd="sng">
-                      <a:solidFill>
-                        <a:srgbClr val="FF0000"/>
-                      </a:solidFill>
-                      <a:prstDash val="solid"/>
-                      <a:round/>
-                      <a:headEnd type="none" w="sm" len="sm"/>
-                      <a:tailEnd type="none" w="sm" len="sm"/>
-                    </a:lnL>
-                    <a:lnR w="9525" cap="flat" cmpd="sng">
-                      <a:solidFill>
-                        <a:srgbClr val="FF0000"/>
-                      </a:solidFill>
-                      <a:prstDash val="solid"/>
-                      <a:round/>
-                      <a:headEnd type="none" w="sm" len="sm"/>
-                      <a:tailEnd type="none" w="sm" len="sm"/>
-                    </a:lnR>
-                    <a:lnT w="9525" cap="flat" cmpd="sng">
-                      <a:solidFill>
-                        <a:srgbClr val="FF0000"/>
-                      </a:solidFill>
-                      <a:prstDash val="solid"/>
-                      <a:round/>
-                      <a:headEnd type="none" w="sm" len="sm"/>
-                      <a:tailEnd type="none" w="sm" len="sm"/>
-                    </a:lnT>
-                    <a:lnB w="9525" cap="flat" cmpd="sng">
-                      <a:solidFill>
-                        <a:srgbClr val="FF0000"/>
-                      </a:solidFill>
-                      <a:prstDash val="solid"/>
-                      <a:round/>
-                      <a:headEnd type="none" w="sm" len="sm"/>
-                      <a:tailEnd type="none" w="sm" len="sm"/>
-                    </a:lnB>
-                    <a:solidFill>
-                      <a:srgbClr val="FFFFFF"/>
-                    </a:solidFill>
-                  </a:tcPr>
-                </a:tc>
-                <a:extLst>
-                  <a:ext uri="{0D108BD9-81ED-4DB2-BD59-A6C34878D82A}">
-                    <a16:rowId xmlns:a16="http://schemas.microsoft.com/office/drawing/2014/main" val="10015"/>
-                  </a:ext>
-                </a:extLst>
-              </a:tr>
-              <a:tr h="189500">
-                <a:tc>
-                  <a:txBody>
-                    <a:bodyPr/>
-                    <a:lstStyle/>
-                    <a:p>
-                      <a:pPr marL="0" lvl="0" indent="0" algn="l" rtl="0">
-                        <a:lnSpc>
-                          <a:spcPct val="115000"/>
-                        </a:lnSpc>
-                        <a:spcBef>
-                          <a:spcPts val="0"/>
-                        </a:spcBef>
-                        <a:spcAft>
-                          <a:spcPts val="0"/>
-                        </a:spcAft>
-                        <a:buNone/>
-                      </a:pPr>
-                      <a:r>
-                        <a:rPr lang="en" sz="900" u="sng">
-                          <a:solidFill>
-                            <a:srgbClr val="1155CC"/>
-                          </a:solidFill>
-                          <a:latin typeface="Calibri"/>
-                          <a:ea typeface="Calibri"/>
-                          <a:cs typeface="Calibri"/>
-                          <a:sym typeface="Calibri"/>
-                          <a:hlinkClick r:id="rId19">
-                            <a:extLst>
-                              <a:ext uri="{A12FA001-AC4F-418D-AE19-62706E023703}">
-                                <ahyp:hlinkClr xmlns:ahyp="http://schemas.microsoft.com/office/drawing/2018/hyperlinkcolor" val="tx"/>
-                              </a:ext>
-                            </a:extLst>
-                          </a:hlinkClick>
-                        </a:rPr>
-                        <a:t>claude-sonnet-4-20250514</a:t>
-                      </a:r>
-                      <a:endParaRPr sz="900" u="sng">
-                        <a:solidFill>
-                          <a:srgbClr val="1155CC"/>
-                        </a:solidFill>
-                        <a:latin typeface="Calibri"/>
-                        <a:ea typeface="Calibri"/>
-                        <a:cs typeface="Calibri"/>
-                        <a:sym typeface="Calibri"/>
-                      </a:endParaRPr>
-                    </a:p>
-                  </a:txBody>
-                  <a:tcPr marL="28575" marR="28575" marT="19050" marB="19050" anchor="b">
-                    <a:lnL w="9525" cap="flat" cmpd="sng">
-                      <a:solidFill>
-                        <a:srgbClr val="FF0000"/>
-                      </a:solidFill>
-                      <a:prstDash val="solid"/>
-                      <a:round/>
-                      <a:headEnd type="none" w="sm" len="sm"/>
-                      <a:tailEnd type="none" w="sm" len="sm"/>
-                    </a:lnL>
-                    <a:lnR w="9525" cap="flat" cmpd="sng">
-                      <a:solidFill>
-                        <a:srgbClr val="FF0000"/>
-                      </a:solidFill>
-                      <a:prstDash val="solid"/>
-                      <a:round/>
-                      <a:headEnd type="none" w="sm" len="sm"/>
-                      <a:tailEnd type="none" w="sm" len="sm"/>
-                    </a:lnR>
-                    <a:lnT w="9525" cap="flat" cmpd="sng">
-                      <a:solidFill>
-                        <a:srgbClr val="FF0000"/>
-                      </a:solidFill>
-                      <a:prstDash val="solid"/>
-                      <a:round/>
-                      <a:headEnd type="none" w="sm" len="sm"/>
-                      <a:tailEnd type="none" w="sm" len="sm"/>
-                    </a:lnT>
-                    <a:lnB w="9525" cap="flat" cmpd="sng">
-                      <a:solidFill>
-                        <a:srgbClr val="FF0000"/>
-                      </a:solidFill>
-                      <a:prstDash val="solid"/>
-                      <a:round/>
-                      <a:headEnd type="none" w="sm" len="sm"/>
-                      <a:tailEnd type="none" w="sm" len="sm"/>
-                    </a:lnB>
-                    <a:solidFill>
-                      <a:srgbClr val="FFFFFF"/>
-                    </a:solidFill>
-                  </a:tcPr>
-                </a:tc>
-                <a:tc>
-                  <a:txBody>
-                    <a:bodyPr/>
-                    <a:lstStyle/>
-                    <a:p>
-                      <a:pPr marL="0" lvl="0" indent="0" algn="r" rtl="0">
-                        <a:lnSpc>
-                          <a:spcPct val="115000"/>
-                        </a:lnSpc>
-                        <a:spcBef>
-                          <a:spcPts val="0"/>
-                        </a:spcBef>
-                        <a:spcAft>
-                          <a:spcPts val="0"/>
-                        </a:spcAft>
-                        <a:buNone/>
-                      </a:pPr>
-                      <a:r>
-                        <a:rPr lang="en" sz="900">
-                          <a:solidFill>
-                            <a:srgbClr val="5D6272"/>
-                          </a:solidFill>
-                          <a:latin typeface="Calibri"/>
-                          <a:ea typeface="Calibri"/>
-                          <a:cs typeface="Calibri"/>
-                          <a:sym typeface="Calibri"/>
-                        </a:rPr>
-                        <a:t>1394</a:t>
-                      </a:r>
-                      <a:endParaRPr sz="900">
-                        <a:solidFill>
-                          <a:srgbClr val="5D6272"/>
-                        </a:solidFill>
-                        <a:latin typeface="Calibri"/>
-                        <a:ea typeface="Calibri"/>
-                        <a:cs typeface="Calibri"/>
-                        <a:sym typeface="Calibri"/>
-                      </a:endParaRPr>
-                    </a:p>
-                  </a:txBody>
-                  <a:tcPr marL="28575" marR="28575" marT="19050" marB="19050" anchor="b">
-                    <a:lnL w="9525" cap="flat" cmpd="sng">
-                      <a:solidFill>
-                        <a:srgbClr val="FF0000"/>
-                      </a:solidFill>
-                      <a:prstDash val="solid"/>
-                      <a:round/>
-                      <a:headEnd type="none" w="sm" len="sm"/>
-                      <a:tailEnd type="none" w="sm" len="sm"/>
-                    </a:lnL>
-                    <a:lnR w="9525" cap="flat" cmpd="sng">
-                      <a:solidFill>
-                        <a:srgbClr val="FF0000"/>
-                      </a:solidFill>
-                      <a:prstDash val="solid"/>
-                      <a:round/>
-                      <a:headEnd type="none" w="sm" len="sm"/>
-                      <a:tailEnd type="none" w="sm" len="sm"/>
-                    </a:lnR>
-                    <a:lnT w="9525" cap="flat" cmpd="sng">
-                      <a:solidFill>
-                        <a:srgbClr val="FF0000"/>
-                      </a:solidFill>
-                      <a:prstDash val="solid"/>
-                      <a:round/>
-                      <a:headEnd type="none" w="sm" len="sm"/>
-                      <a:tailEnd type="none" w="sm" len="sm"/>
-                    </a:lnT>
-                    <a:lnB w="9525" cap="flat" cmpd="sng">
-                      <a:solidFill>
-                        <a:srgbClr val="FF0000"/>
-                      </a:solidFill>
-                      <a:prstDash val="solid"/>
-                      <a:round/>
-                      <a:headEnd type="none" w="sm" len="sm"/>
-                      <a:tailEnd type="none" w="sm" len="sm"/>
-                    </a:lnB>
-                    <a:solidFill>
-                      <a:srgbClr val="FFFFFF"/>
-                    </a:solidFill>
-                  </a:tcPr>
-                </a:tc>
-                <a:extLst>
-                  <a:ext uri="{0D108BD9-81ED-4DB2-BD59-A6C34878D82A}">
-                    <a16:rowId xmlns:a16="http://schemas.microsoft.com/office/drawing/2014/main" val="10016"/>
-                  </a:ext>
-                </a:extLst>
-              </a:tr>
-              <a:tr h="189500">
-                <a:tc>
-                  <a:txBody>
-                    <a:bodyPr/>
-                    <a:lstStyle/>
-                    <a:p>
-                      <a:pPr marL="0" lvl="0" indent="0" algn="l" rtl="0">
-                        <a:lnSpc>
-                          <a:spcPct val="115000"/>
-                        </a:lnSpc>
-                        <a:spcBef>
-                          <a:spcPts val="0"/>
-                        </a:spcBef>
-                        <a:spcAft>
-                          <a:spcPts val="0"/>
-                        </a:spcAft>
-                        <a:buNone/>
-                      </a:pPr>
-                      <a:r>
-                        <a:rPr lang="en" sz="900" u="sng">
-                          <a:solidFill>
-                            <a:srgbClr val="1155CC"/>
-                          </a:solidFill>
-                          <a:latin typeface="Calibri"/>
-                          <a:ea typeface="Calibri"/>
-                          <a:cs typeface="Calibri"/>
-                          <a:sym typeface="Calibri"/>
-                          <a:hlinkClick r:id="rId28">
-                            <a:extLst>
-                              <a:ext uri="{A12FA001-AC4F-418D-AE19-62706E023703}">
-                                <ahyp:hlinkClr xmlns:ahyp="http://schemas.microsoft.com/office/drawing/2018/hyperlinkcolor" val="tx"/>
-                              </a:ext>
-                            </a:extLst>
-                          </a:hlinkClick>
-                        </a:rPr>
-                        <a:t>deepseek-r1</a:t>
-                      </a:r>
-                      <a:endParaRPr sz="900" u="sng">
-                        <a:solidFill>
-                          <a:srgbClr val="1155CC"/>
-                        </a:solidFill>
-                        <a:latin typeface="Calibri"/>
-                        <a:ea typeface="Calibri"/>
-                        <a:cs typeface="Calibri"/>
-                        <a:sym typeface="Calibri"/>
-                      </a:endParaRPr>
-                    </a:p>
-                  </a:txBody>
-                  <a:tcPr marL="28575" marR="28575" marT="19050" marB="19050" anchor="b">
-                    <a:lnL w="9525" cap="flat" cmpd="sng">
-                      <a:solidFill>
-                        <a:srgbClr val="FF0000"/>
-                      </a:solidFill>
-                      <a:prstDash val="solid"/>
-                      <a:round/>
-                      <a:headEnd type="none" w="sm" len="sm"/>
-                      <a:tailEnd type="none" w="sm" len="sm"/>
-                    </a:lnL>
-                    <a:lnR w="9525" cap="flat" cmpd="sng">
-                      <a:solidFill>
-                        <a:srgbClr val="FF0000"/>
-                      </a:solidFill>
-                      <a:prstDash val="solid"/>
-                      <a:round/>
-                      <a:headEnd type="none" w="sm" len="sm"/>
-                      <a:tailEnd type="none" w="sm" len="sm"/>
-                    </a:lnR>
-                    <a:lnT w="9525" cap="flat" cmpd="sng">
-                      <a:solidFill>
-                        <a:srgbClr val="FF0000"/>
-                      </a:solidFill>
-                      <a:prstDash val="solid"/>
-                      <a:round/>
-                      <a:headEnd type="none" w="sm" len="sm"/>
-                      <a:tailEnd type="none" w="sm" len="sm"/>
-                    </a:lnT>
-                    <a:lnB w="9525" cap="flat" cmpd="sng">
-                      <a:solidFill>
-                        <a:srgbClr val="FF0000"/>
-                      </a:solidFill>
-                      <a:prstDash val="solid"/>
-                      <a:round/>
-                      <a:headEnd type="none" w="sm" len="sm"/>
-                      <a:tailEnd type="none" w="sm" len="sm"/>
-                    </a:lnB>
-                    <a:solidFill>
-                      <a:srgbClr val="FFFFFF"/>
-                    </a:solidFill>
-                  </a:tcPr>
-                </a:tc>
-                <a:tc>
-                  <a:txBody>
-                    <a:bodyPr/>
-                    <a:lstStyle/>
-                    <a:p>
-                      <a:pPr marL="0" lvl="0" indent="0" algn="r" rtl="0">
-                        <a:lnSpc>
-                          <a:spcPct val="115000"/>
-                        </a:lnSpc>
-                        <a:spcBef>
-                          <a:spcPts val="0"/>
-                        </a:spcBef>
-                        <a:spcAft>
-                          <a:spcPts val="0"/>
-                        </a:spcAft>
-                        <a:buNone/>
-                      </a:pPr>
-                      <a:r>
-                        <a:rPr lang="en" sz="900">
-                          <a:solidFill>
-                            <a:srgbClr val="5D6272"/>
-                          </a:solidFill>
-                          <a:latin typeface="Calibri"/>
-                          <a:ea typeface="Calibri"/>
-                          <a:cs typeface="Calibri"/>
-                          <a:sym typeface="Calibri"/>
-                        </a:rPr>
-                        <a:t>1393</a:t>
-                      </a:r>
-                      <a:endParaRPr sz="900">
-                        <a:solidFill>
-                          <a:srgbClr val="5D6272"/>
-                        </a:solidFill>
-                        <a:latin typeface="Calibri"/>
-                        <a:ea typeface="Calibri"/>
-                        <a:cs typeface="Calibri"/>
-                        <a:sym typeface="Calibri"/>
-                      </a:endParaRPr>
-                    </a:p>
-                  </a:txBody>
-                  <a:tcPr marL="28575" marR="28575" marT="19050" marB="19050" anchor="b">
-                    <a:lnL w="9525" cap="flat" cmpd="sng">
-                      <a:solidFill>
-                        <a:srgbClr val="FF0000"/>
-                      </a:solidFill>
-                      <a:prstDash val="solid"/>
-                      <a:round/>
-                      <a:headEnd type="none" w="sm" len="sm"/>
-                      <a:tailEnd type="none" w="sm" len="sm"/>
-                    </a:lnL>
-                    <a:lnR w="9525" cap="flat" cmpd="sng">
-                      <a:solidFill>
-                        <a:srgbClr val="FF0000"/>
-                      </a:solidFill>
-                      <a:prstDash val="solid"/>
-                      <a:round/>
-                      <a:headEnd type="none" w="sm" len="sm"/>
-                      <a:tailEnd type="none" w="sm" len="sm"/>
-                    </a:lnR>
-                    <a:lnT w="9525" cap="flat" cmpd="sng">
-                      <a:solidFill>
-                        <a:srgbClr val="FF0000"/>
-                      </a:solidFill>
-                      <a:prstDash val="solid"/>
-                      <a:round/>
-                      <a:headEnd type="none" w="sm" len="sm"/>
-                      <a:tailEnd type="none" w="sm" len="sm"/>
-                    </a:lnT>
-                    <a:lnB w="9525" cap="flat" cmpd="sng">
-                      <a:solidFill>
-                        <a:srgbClr val="FF0000"/>
-                      </a:solidFill>
-                      <a:prstDash val="solid"/>
-                      <a:round/>
-                      <a:headEnd type="none" w="sm" len="sm"/>
-                      <a:tailEnd type="none" w="sm" len="sm"/>
-                    </a:lnB>
-                    <a:solidFill>
-                      <a:srgbClr val="FFFFFF"/>
-                    </a:solidFill>
-                  </a:tcPr>
-                </a:tc>
-                <a:extLst>
-                  <a:ext uri="{0D108BD9-81ED-4DB2-BD59-A6C34878D82A}">
-                    <a16:rowId xmlns:a16="http://schemas.microsoft.com/office/drawing/2014/main" val="10017"/>
-                  </a:ext>
-                </a:extLst>
-              </a:tr>
-              <a:tr h="144150">
-                <a:tc>
-                  <a:txBody>
-                    <a:bodyPr/>
-                    <a:lstStyle/>
-                    <a:p>
-                      <a:pPr marL="0" lvl="0" indent="0" algn="l" rtl="0">
-                        <a:lnSpc>
-                          <a:spcPct val="115000"/>
-                        </a:lnSpc>
-                        <a:spcBef>
-                          <a:spcPts val="0"/>
-                        </a:spcBef>
-                        <a:spcAft>
-                          <a:spcPts val="0"/>
-                        </a:spcAft>
-                        <a:buNone/>
-                      </a:pPr>
-                      <a:r>
-                        <a:rPr lang="en" sz="900" u="sng">
-                          <a:solidFill>
-                            <a:srgbClr val="1155CC"/>
-                          </a:solidFill>
-                          <a:latin typeface="Calibri"/>
-                          <a:ea typeface="Calibri"/>
-                          <a:cs typeface="Calibri"/>
-                          <a:sym typeface="Calibri"/>
-                          <a:hlinkClick r:id="rId29">
-                            <a:extLst>
-                              <a:ext uri="{A12FA001-AC4F-418D-AE19-62706E023703}">
-                                <ahyp:hlinkClr xmlns:ahyp="http://schemas.microsoft.com/office/drawing/2018/hyperlinkcolor" val="tx"/>
-                              </a:ext>
-                            </a:extLst>
-                          </a:hlinkClick>
-                        </a:rPr>
-                        <a:t>gemini-2.5-flash-lite-preview-06-17-thinking</a:t>
-                      </a:r>
-                      <a:endParaRPr sz="900" u="sng">
-                        <a:solidFill>
-                          <a:srgbClr val="1155CC"/>
-                        </a:solidFill>
-                        <a:latin typeface="Calibri"/>
-                        <a:ea typeface="Calibri"/>
-                        <a:cs typeface="Calibri"/>
-                        <a:sym typeface="Calibri"/>
-                      </a:endParaRPr>
-                    </a:p>
-                  </a:txBody>
-                  <a:tcPr marL="28575" marR="28575" marT="19050" marB="19050" anchor="b">
-                    <a:lnL w="9525" cap="flat" cmpd="sng">
-                      <a:solidFill>
-                        <a:srgbClr val="FF0000"/>
-                      </a:solidFill>
-                      <a:prstDash val="solid"/>
-                      <a:round/>
-                      <a:headEnd type="none" w="sm" len="sm"/>
-                      <a:tailEnd type="none" w="sm" len="sm"/>
-                    </a:lnL>
-                    <a:lnR w="9525" cap="flat" cmpd="sng">
-                      <a:solidFill>
-                        <a:srgbClr val="FF0000"/>
-                      </a:solidFill>
-                      <a:prstDash val="solid"/>
-                      <a:round/>
-                      <a:headEnd type="none" w="sm" len="sm"/>
-                      <a:tailEnd type="none" w="sm" len="sm"/>
-                    </a:lnR>
-                    <a:lnT w="9525" cap="flat" cmpd="sng">
-                      <a:solidFill>
-                        <a:srgbClr val="FF0000"/>
-                      </a:solidFill>
-                      <a:prstDash val="solid"/>
-                      <a:round/>
-                      <a:headEnd type="none" w="sm" len="sm"/>
-                      <a:tailEnd type="none" w="sm" len="sm"/>
-                    </a:lnT>
-                    <a:lnB w="9525" cap="flat" cmpd="sng">
-                      <a:solidFill>
-                        <a:srgbClr val="FF0000"/>
-                      </a:solidFill>
-                      <a:prstDash val="solid"/>
-                      <a:round/>
-                      <a:headEnd type="none" w="sm" len="sm"/>
-                      <a:tailEnd type="none" w="sm" len="sm"/>
-                    </a:lnB>
-                    <a:solidFill>
-                      <a:srgbClr val="FFFFFF"/>
-                    </a:solidFill>
-                  </a:tcPr>
-                </a:tc>
-                <a:tc>
-                  <a:txBody>
-                    <a:bodyPr/>
-                    <a:lstStyle/>
-                    <a:p>
-                      <a:pPr marL="0" lvl="0" indent="0" algn="r" rtl="0">
-                        <a:lnSpc>
-                          <a:spcPct val="115000"/>
-                        </a:lnSpc>
-                        <a:spcBef>
-                          <a:spcPts val="0"/>
-                        </a:spcBef>
-                        <a:spcAft>
-                          <a:spcPts val="0"/>
-                        </a:spcAft>
-                        <a:buNone/>
-                      </a:pPr>
-                      <a:r>
-                        <a:rPr lang="en" sz="900">
-                          <a:solidFill>
-                            <a:srgbClr val="5D6272"/>
-                          </a:solidFill>
-                          <a:latin typeface="Calibri"/>
-                          <a:ea typeface="Calibri"/>
-                          <a:cs typeface="Calibri"/>
-                          <a:sym typeface="Calibri"/>
-                        </a:rPr>
-                        <a:t>1387</a:t>
-                      </a:r>
-                      <a:endParaRPr sz="900">
-                        <a:solidFill>
-                          <a:srgbClr val="5D6272"/>
-                        </a:solidFill>
-                        <a:latin typeface="Calibri"/>
-                        <a:ea typeface="Calibri"/>
-                        <a:cs typeface="Calibri"/>
-                        <a:sym typeface="Calibri"/>
-                      </a:endParaRPr>
-                    </a:p>
-                  </a:txBody>
-                  <a:tcPr marL="28575" marR="28575" marT="19050" marB="19050" anchor="b">
-                    <a:lnL w="9525" cap="flat" cmpd="sng">
-                      <a:solidFill>
-                        <a:srgbClr val="FF0000"/>
-                      </a:solidFill>
-                      <a:prstDash val="solid"/>
-                      <a:round/>
-                      <a:headEnd type="none" w="sm" len="sm"/>
-                      <a:tailEnd type="none" w="sm" len="sm"/>
-                    </a:lnL>
-                    <a:lnR w="9525" cap="flat" cmpd="sng">
-                      <a:solidFill>
-                        <a:srgbClr val="FF0000"/>
-                      </a:solidFill>
-                      <a:prstDash val="solid"/>
-                      <a:round/>
-                      <a:headEnd type="none" w="sm" len="sm"/>
-                      <a:tailEnd type="none" w="sm" len="sm"/>
-                    </a:lnR>
-                    <a:lnT w="9525" cap="flat" cmpd="sng">
-                      <a:solidFill>
-                        <a:srgbClr val="FF0000"/>
-                      </a:solidFill>
-                      <a:prstDash val="solid"/>
-                      <a:round/>
-                      <a:headEnd type="none" w="sm" len="sm"/>
-                      <a:tailEnd type="none" w="sm" len="sm"/>
-                    </a:lnT>
-                    <a:lnB w="9525" cap="flat" cmpd="sng">
-                      <a:solidFill>
-                        <a:srgbClr val="FF0000"/>
-                      </a:solidFill>
-                      <a:prstDash val="solid"/>
-                      <a:round/>
-                      <a:headEnd type="none" w="sm" len="sm"/>
-                      <a:tailEnd type="none" w="sm" len="sm"/>
-                    </a:lnB>
-                    <a:solidFill>
-                      <a:srgbClr val="FFFFFF"/>
-                    </a:solidFill>
-                  </a:tcPr>
-                </a:tc>
-                <a:extLst>
-                  <a:ext uri="{0D108BD9-81ED-4DB2-BD59-A6C34878D82A}">
-                    <a16:rowId xmlns:a16="http://schemas.microsoft.com/office/drawing/2014/main" val="10018"/>
-                  </a:ext>
-                </a:extLst>
-              </a:tr>
-              <a:tr h="189500">
-                <a:tc>
-                  <a:txBody>
-                    <a:bodyPr/>
-                    <a:lstStyle/>
-                    <a:p>
-                      <a:pPr marL="0" lvl="0" indent="0" algn="l" rtl="0">
-                        <a:lnSpc>
-                          <a:spcPct val="115000"/>
-                        </a:lnSpc>
-                        <a:spcBef>
-                          <a:spcPts val="0"/>
-                        </a:spcBef>
-                        <a:spcAft>
-                          <a:spcPts val="0"/>
-                        </a:spcAft>
-                        <a:buNone/>
-                      </a:pPr>
-                      <a:r>
-                        <a:rPr lang="en" sz="900" u="sng">
-                          <a:solidFill>
-                            <a:srgbClr val="1155CC"/>
-                          </a:solidFill>
-                          <a:latin typeface="Calibri"/>
-                          <a:ea typeface="Calibri"/>
-                          <a:cs typeface="Calibri"/>
-                          <a:sym typeface="Calibri"/>
-                          <a:hlinkClick r:id="rId30">
-                            <a:extLst>
-                              <a:ext uri="{A12FA001-AC4F-418D-AE19-62706E023703}">
-                                <ahyp:hlinkClr xmlns:ahyp="http://schemas.microsoft.com/office/drawing/2018/hyperlinkcolor" val="tx"/>
-                              </a:ext>
-                            </a:extLst>
-                          </a:hlinkClick>
-                        </a:rPr>
-                        <a:t>claude-3-7-sonnet-20250219-thinking-32k</a:t>
-                      </a:r>
-                      <a:endParaRPr sz="900" u="sng">
-                        <a:solidFill>
-                          <a:srgbClr val="1155CC"/>
-                        </a:solidFill>
-                        <a:latin typeface="Calibri"/>
-                        <a:ea typeface="Calibri"/>
-                        <a:cs typeface="Calibri"/>
-                        <a:sym typeface="Calibri"/>
-                      </a:endParaRPr>
-                    </a:p>
-                  </a:txBody>
-                  <a:tcPr marL="28575" marR="28575" marT="19050" marB="19050" anchor="b">
-                    <a:lnL w="9525" cap="flat" cmpd="sng">
-                      <a:solidFill>
-                        <a:srgbClr val="FF0000"/>
-                      </a:solidFill>
-                      <a:prstDash val="solid"/>
-                      <a:round/>
-                      <a:headEnd type="none" w="sm" len="sm"/>
-                      <a:tailEnd type="none" w="sm" len="sm"/>
-                    </a:lnL>
-                    <a:lnR w="9525" cap="flat" cmpd="sng">
-                      <a:solidFill>
-                        <a:srgbClr val="FF0000"/>
-                      </a:solidFill>
-                      <a:prstDash val="solid"/>
-                      <a:round/>
-                      <a:headEnd type="none" w="sm" len="sm"/>
-                      <a:tailEnd type="none" w="sm" len="sm"/>
-                    </a:lnR>
-                    <a:lnT w="9525" cap="flat" cmpd="sng">
-                      <a:solidFill>
-                        <a:srgbClr val="FF0000"/>
-                      </a:solidFill>
-                      <a:prstDash val="solid"/>
-                      <a:round/>
-                      <a:headEnd type="none" w="sm" len="sm"/>
-                      <a:tailEnd type="none" w="sm" len="sm"/>
-                    </a:lnT>
-                    <a:lnB w="9525" cap="flat" cmpd="sng">
-                      <a:solidFill>
-                        <a:srgbClr val="FF0000"/>
-                      </a:solidFill>
-                      <a:prstDash val="solid"/>
-                      <a:round/>
-                      <a:headEnd type="none" w="sm" len="sm"/>
-                      <a:tailEnd type="none" w="sm" len="sm"/>
-                    </a:lnB>
-                    <a:solidFill>
-                      <a:srgbClr val="FFFFFF"/>
-                    </a:solidFill>
-                  </a:tcPr>
-                </a:tc>
-                <a:tc>
-                  <a:txBody>
-                    <a:bodyPr/>
-                    <a:lstStyle/>
-                    <a:p>
-                      <a:pPr marL="0" lvl="0" indent="0" algn="r" rtl="0">
-                        <a:lnSpc>
-                          <a:spcPct val="115000"/>
-                        </a:lnSpc>
-                        <a:spcBef>
-                          <a:spcPts val="0"/>
-                        </a:spcBef>
-                        <a:spcAft>
-                          <a:spcPts val="0"/>
-                        </a:spcAft>
-                        <a:buNone/>
-                      </a:pPr>
-                      <a:r>
-                        <a:rPr lang="en" sz="900">
-                          <a:solidFill>
-                            <a:srgbClr val="5D6272"/>
-                          </a:solidFill>
-                          <a:latin typeface="Calibri"/>
-                          <a:ea typeface="Calibri"/>
-                          <a:cs typeface="Calibri"/>
-                          <a:sym typeface="Calibri"/>
-                        </a:rPr>
-                        <a:t>1385</a:t>
-                      </a:r>
-                      <a:endParaRPr sz="900">
-                        <a:solidFill>
-                          <a:srgbClr val="5D6272"/>
-                        </a:solidFill>
-                        <a:latin typeface="Calibri"/>
-                        <a:ea typeface="Calibri"/>
-                        <a:cs typeface="Calibri"/>
-                        <a:sym typeface="Calibri"/>
-                      </a:endParaRPr>
-                    </a:p>
-                  </a:txBody>
-                  <a:tcPr marL="28575" marR="28575" marT="19050" marB="19050" anchor="b">
-                    <a:lnL w="9525" cap="flat" cmpd="sng">
-                      <a:solidFill>
-                        <a:srgbClr val="FF0000"/>
-                      </a:solidFill>
-                      <a:prstDash val="solid"/>
-                      <a:round/>
-                      <a:headEnd type="none" w="sm" len="sm"/>
-                      <a:tailEnd type="none" w="sm" len="sm"/>
-                    </a:lnL>
-                    <a:lnR w="9525" cap="flat" cmpd="sng">
-                      <a:solidFill>
-                        <a:srgbClr val="FF0000"/>
-                      </a:solidFill>
-                      <a:prstDash val="solid"/>
-                      <a:round/>
-                      <a:headEnd type="none" w="sm" len="sm"/>
-                      <a:tailEnd type="none" w="sm" len="sm"/>
-                    </a:lnR>
-                    <a:lnT w="9525" cap="flat" cmpd="sng">
-                      <a:solidFill>
-                        <a:srgbClr val="FF0000"/>
-                      </a:solidFill>
-                      <a:prstDash val="solid"/>
-                      <a:round/>
-                      <a:headEnd type="none" w="sm" len="sm"/>
-                      <a:tailEnd type="none" w="sm" len="sm"/>
-                    </a:lnT>
-                    <a:lnB w="9525" cap="flat" cmpd="sng">
-                      <a:solidFill>
-                        <a:srgbClr val="FF0000"/>
-                      </a:solidFill>
-                      <a:prstDash val="solid"/>
-                      <a:round/>
-                      <a:headEnd type="none" w="sm" len="sm"/>
-                      <a:tailEnd type="none" w="sm" len="sm"/>
-                    </a:lnB>
-                    <a:solidFill>
-                      <a:srgbClr val="FFFFFF"/>
-                    </a:solidFill>
-                  </a:tcPr>
-                </a:tc>
-                <a:extLst>
-                  <a:ext uri="{0D108BD9-81ED-4DB2-BD59-A6C34878D82A}">
-                    <a16:rowId xmlns:a16="http://schemas.microsoft.com/office/drawing/2014/main" val="10019"/>
-                  </a:ext>
-                </a:extLst>
-              </a:tr>
-            </a:tbl>
-          </a:graphicData>
-        </a:graphic>
-      </p:graphicFrame>
-      <p:graphicFrame>
-        <p:nvGraphicFramePr>
-          <p:cNvPr id="119" name="Google Shape;119;p16"/>
-          <p:cNvGraphicFramePr/>
-          <p:nvPr/>
-        </p:nvGraphicFramePr>
-        <p:xfrm>
           <a:off x="3962400" y="796927"/>
           <a:ext cx="3000000" cy="3000000"/>
         </p:xfrm>
@@ -28725,7 +25342,7 @@
             <a:tbl>
               <a:tblPr>
                 <a:noFill/>
-                <a:tableStyleId>{E5414D47-7274-47CD-8CD2-5CE76CFFF132}</a:tableStyleId>
+                <a:tableStyleId>{0BB52890-E6D8-4B36-8DF2-08EE67B56AEC}</a:tableStyleId>
               </a:tblPr>
               <a:tblGrid>
                 <a:gridCol w="1809750">
@@ -29107,7 +25724,7 @@
                           <a:ea typeface="Calibri"/>
                           <a:cs typeface="Calibri"/>
                           <a:sym typeface="Calibri"/>
-                          <a:hlinkClick r:id="rId21">
+                          <a:hlinkClick r:id="rId15">
                             <a:extLst>
                               <a:ext uri="{A12FA001-AC4F-418D-AE19-62706E023703}">
                                 <ahyp:hlinkClr xmlns:ahyp="http://schemas.microsoft.com/office/drawing/2018/hyperlinkcolor" val="tx"/>
@@ -29463,7 +26080,7 @@
                           <a:ea typeface="Calibri"/>
                           <a:cs typeface="Calibri"/>
                           <a:sym typeface="Calibri"/>
-                          <a:hlinkClick r:id="rId19">
+                          <a:hlinkClick r:id="rId17">
                             <a:extLst>
                               <a:ext uri="{A12FA001-AC4F-418D-AE19-62706E023703}">
                                 <ahyp:hlinkClr xmlns:ahyp="http://schemas.microsoft.com/office/drawing/2018/hyperlinkcolor" val="tx"/>
@@ -29641,7 +26258,7 @@
                           <a:ea typeface="Calibri"/>
                           <a:cs typeface="Calibri"/>
                           <a:sym typeface="Calibri"/>
-                          <a:hlinkClick r:id="rId19">
+                          <a:hlinkClick r:id="rId17">
                             <a:extLst>
                               <a:ext uri="{A12FA001-AC4F-418D-AE19-62706E023703}">
                                 <ahyp:hlinkClr xmlns:ahyp="http://schemas.microsoft.com/office/drawing/2018/hyperlinkcolor" val="tx"/>
@@ -29819,7 +26436,7 @@
                           <a:ea typeface="Calibri"/>
                           <a:cs typeface="Calibri"/>
                           <a:sym typeface="Calibri"/>
-                          <a:hlinkClick r:id="rId30">
+                          <a:hlinkClick r:id="rId18">
                             <a:extLst>
                               <a:ext uri="{A12FA001-AC4F-418D-AE19-62706E023703}">
                                 <ahyp:hlinkClr xmlns:ahyp="http://schemas.microsoft.com/office/drawing/2018/hyperlinkcolor" val="tx"/>
@@ -29997,7 +26614,7 @@
                           <a:ea typeface="Calibri"/>
                           <a:cs typeface="Calibri"/>
                           <a:sym typeface="Calibri"/>
-                          <a:hlinkClick r:id="rId20">
+                          <a:hlinkClick r:id="rId19">
                             <a:extLst>
                               <a:ext uri="{A12FA001-AC4F-418D-AE19-62706E023703}">
                                 <ahyp:hlinkClr xmlns:ahyp="http://schemas.microsoft.com/office/drawing/2018/hyperlinkcolor" val="tx"/>
@@ -30175,7 +26792,7 @@
                           <a:ea typeface="Calibri"/>
                           <a:cs typeface="Calibri"/>
                           <a:sym typeface="Calibri"/>
-                          <a:hlinkClick r:id="rId22">
+                          <a:hlinkClick r:id="rId20">
                             <a:extLst>
                               <a:ext uri="{A12FA001-AC4F-418D-AE19-62706E023703}">
                                 <ahyp:hlinkClr xmlns:ahyp="http://schemas.microsoft.com/office/drawing/2018/hyperlinkcolor" val="tx"/>
@@ -30353,7 +26970,7 @@
                           <a:ea typeface="Calibri"/>
                           <a:cs typeface="Calibri"/>
                           <a:sym typeface="Calibri"/>
-                          <a:hlinkClick r:id="rId31">
+                          <a:hlinkClick r:id="rId21">
                             <a:extLst>
                               <a:ext uri="{A12FA001-AC4F-418D-AE19-62706E023703}">
                                 <ahyp:hlinkClr xmlns:ahyp="http://schemas.microsoft.com/office/drawing/2018/hyperlinkcolor" val="tx"/>
@@ -30531,7 +27148,7 @@
                           <a:ea typeface="Calibri"/>
                           <a:cs typeface="Calibri"/>
                           <a:sym typeface="Calibri"/>
-                          <a:hlinkClick r:id="rId32">
+                          <a:hlinkClick r:id="rId22">
                             <a:extLst>
                               <a:ext uri="{A12FA001-AC4F-418D-AE19-62706E023703}">
                                 <ahyp:hlinkClr xmlns:ahyp="http://schemas.microsoft.com/office/drawing/2018/hyperlinkcolor" val="tx"/>
@@ -30709,7 +27326,7 @@
                           <a:ea typeface="Calibri"/>
                           <a:cs typeface="Calibri"/>
                           <a:sym typeface="Calibri"/>
-                          <a:hlinkClick r:id="rId28">
+                          <a:hlinkClick r:id="rId23">
                             <a:extLst>
                               <a:ext uri="{A12FA001-AC4F-418D-AE19-62706E023703}">
                                 <ahyp:hlinkClr xmlns:ahyp="http://schemas.microsoft.com/office/drawing/2018/hyperlinkcolor" val="tx"/>
@@ -30887,7 +27504,7 @@
                           <a:ea typeface="Calibri"/>
                           <a:cs typeface="Calibri"/>
                           <a:sym typeface="Calibri"/>
-                          <a:hlinkClick r:id="rId15">
+                          <a:hlinkClick r:id="rId24">
                             <a:extLst>
                               <a:ext uri="{A12FA001-AC4F-418D-AE19-62706E023703}">
                                 <ahyp:hlinkClr xmlns:ahyp="http://schemas.microsoft.com/office/drawing/2018/hyperlinkcolor" val="tx"/>
@@ -31065,7 +27682,7 @@
                           <a:ea typeface="Calibri"/>
                           <a:cs typeface="Calibri"/>
                           <a:sym typeface="Calibri"/>
-                          <a:hlinkClick r:id="rId22">
+                          <a:hlinkClick r:id="rId20">
                             <a:extLst>
                               <a:ext uri="{A12FA001-AC4F-418D-AE19-62706E023703}">
                                 <ahyp:hlinkClr xmlns:ahyp="http://schemas.microsoft.com/office/drawing/2018/hyperlinkcolor" val="tx"/>
@@ -31421,7 +28038,7 @@
                           <a:ea typeface="Calibri"/>
                           <a:cs typeface="Calibri"/>
                           <a:sym typeface="Calibri"/>
-                          <a:hlinkClick r:id="rId33">
+                          <a:hlinkClick r:id="rId26">
                             <a:extLst>
                               <a:ext uri="{A12FA001-AC4F-418D-AE19-62706E023703}">
                                 <ahyp:hlinkClr xmlns:ahyp="http://schemas.microsoft.com/office/drawing/2018/hyperlinkcolor" val="tx"/>
@@ -31599,7 +28216,7 @@
                           <a:ea typeface="Calibri"/>
                           <a:cs typeface="Calibri"/>
                           <a:sym typeface="Calibri"/>
-                          <a:hlinkClick r:id="rId24">
+                          <a:hlinkClick r:id="rId27">
                             <a:extLst>
                               <a:ext uri="{A12FA001-AC4F-418D-AE19-62706E023703}">
                                 <ahyp:hlinkClr xmlns:ahyp="http://schemas.microsoft.com/office/drawing/2018/hyperlinkcolor" val="tx"/>
@@ -31777,7 +28394,7 @@
                           <a:ea typeface="Calibri"/>
                           <a:cs typeface="Calibri"/>
                           <a:sym typeface="Calibri"/>
-                          <a:hlinkClick r:id="rId34">
+                          <a:hlinkClick r:id="rId28">
                             <a:extLst>
                               <a:ext uri="{A12FA001-AC4F-418D-AE19-62706E023703}">
                                 <ahyp:hlinkClr xmlns:ahyp="http://schemas.microsoft.com/office/drawing/2018/hyperlinkcolor" val="tx"/>
@@ -31955,7 +28572,7 @@
                           <a:ea typeface="Calibri"/>
                           <a:cs typeface="Calibri"/>
                           <a:sym typeface="Calibri"/>
-                          <a:hlinkClick r:id="rId35">
+                          <a:hlinkClick r:id="rId29">
                             <a:extLst>
                               <a:ext uri="{A12FA001-AC4F-418D-AE19-62706E023703}">
                                 <ahyp:hlinkClr xmlns:ahyp="http://schemas.microsoft.com/office/drawing/2018/hyperlinkcolor" val="tx"/>
@@ -32133,7 +28750,7 @@
                           <a:ea typeface="Calibri"/>
                           <a:cs typeface="Calibri"/>
                           <a:sym typeface="Calibri"/>
-                          <a:hlinkClick r:id="rId15">
+                          <a:hlinkClick r:id="rId24">
                             <a:extLst>
                               <a:ext uri="{A12FA001-AC4F-418D-AE19-62706E023703}">
                                 <ahyp:hlinkClr xmlns:ahyp="http://schemas.microsoft.com/office/drawing/2018/hyperlinkcolor" val="tx"/>
@@ -32290,13 +28907,13 @@
       </p:graphicFrame>
       <p:sp>
         <p:nvSpPr>
-          <p:cNvPr id="120" name="Google Shape;120;p16"/>
+          <p:cNvPr id="119" name="Google Shape;119;p16"/>
           <p:cNvSpPr txBox="1"/>
           <p:nvPr/>
         </p:nvSpPr>
         <p:spPr>
           <a:xfrm>
-            <a:off x="345398" y="3402780"/>
+            <a:off x="345398" y="3812515"/>
             <a:ext cx="287100" cy="141600"/>
           </a:xfrm>
           <a:prstGeom prst="rect">
@@ -32368,13 +28985,13 @@
       </p:sp>
       <p:sp>
         <p:nvSpPr>
-          <p:cNvPr id="121" name="Google Shape;121;p16"/>
+          <p:cNvPr id="120" name="Google Shape;120;p16"/>
           <p:cNvSpPr/>
           <p:nvPr/>
         </p:nvSpPr>
         <p:spPr>
           <a:xfrm>
-            <a:off x="644664" y="3410027"/>
+            <a:off x="644664" y="3819762"/>
             <a:ext cx="125400" cy="125400"/>
           </a:xfrm>
           <a:prstGeom prst="ellipse">
@@ -32430,13 +29047,13 @@
       </p:sp>
       <p:sp>
         <p:nvSpPr>
-          <p:cNvPr id="122" name="Google Shape;122;p16"/>
+          <p:cNvPr id="121" name="Google Shape;121;p16"/>
           <p:cNvSpPr txBox="1"/>
           <p:nvPr/>
         </p:nvSpPr>
         <p:spPr>
           <a:xfrm>
-            <a:off x="345398" y="4206693"/>
+            <a:off x="345398" y="4021195"/>
             <a:ext cx="287100" cy="141600"/>
           </a:xfrm>
           <a:prstGeom prst="rect">
@@ -32508,13 +29125,13 @@
       </p:sp>
       <p:sp>
         <p:nvSpPr>
-          <p:cNvPr id="123" name="Google Shape;123;p16"/>
+          <p:cNvPr id="122" name="Google Shape;122;p16"/>
           <p:cNvSpPr/>
           <p:nvPr/>
         </p:nvSpPr>
         <p:spPr>
           <a:xfrm>
-            <a:off x="644664" y="4213940"/>
+            <a:off x="644664" y="4028442"/>
             <a:ext cx="125400" cy="125400"/>
           </a:xfrm>
           <a:prstGeom prst="ellipse">
@@ -32570,13 +29187,13 @@
       </p:sp>
       <p:sp>
         <p:nvSpPr>
-          <p:cNvPr id="124" name="Google Shape;124;p16"/>
+          <p:cNvPr id="123" name="Google Shape;123;p16"/>
           <p:cNvSpPr/>
           <p:nvPr/>
         </p:nvSpPr>
         <p:spPr>
           <a:xfrm>
-            <a:off x="646893" y="4612480"/>
+            <a:off x="646893" y="4812346"/>
             <a:ext cx="125400" cy="125400"/>
           </a:xfrm>
           <a:prstGeom prst="ellipse">
@@ -32632,13 +29249,13 @@
       </p:sp>
       <p:sp>
         <p:nvSpPr>
-          <p:cNvPr id="125" name="Google Shape;125;p16"/>
+          <p:cNvPr id="124" name="Google Shape;124;p16"/>
           <p:cNvSpPr/>
           <p:nvPr/>
         </p:nvSpPr>
         <p:spPr>
           <a:xfrm>
-            <a:off x="637009" y="4417994"/>
+            <a:off x="637009" y="4624109"/>
             <a:ext cx="125400" cy="125400"/>
           </a:xfrm>
           <a:prstGeom prst="ellipse">
@@ -32694,7 +29311,7 @@
       </p:sp>
       <p:sp>
         <p:nvSpPr>
-          <p:cNvPr id="126" name="Google Shape;126;p16"/>
+          <p:cNvPr id="125" name="Google Shape;125;p16"/>
           <p:cNvSpPr txBox="1"/>
           <p:nvPr/>
         </p:nvSpPr>
@@ -32772,7 +29389,7 @@
       </p:sp>
       <p:sp>
         <p:nvSpPr>
-          <p:cNvPr id="127" name="Google Shape;127;p16"/>
+          <p:cNvPr id="126" name="Google Shape;126;p16"/>
           <p:cNvSpPr/>
           <p:nvPr/>
         </p:nvSpPr>
@@ -32832,6 +29449,3714 @@
           </a:p>
         </p:txBody>
       </p:sp>
+      <p:graphicFrame>
+        <p:nvGraphicFramePr>
+          <p:cNvPr id="127" name="Google Shape;127;p16"/>
+          <p:cNvGraphicFramePr/>
+          <p:nvPr/>
+        </p:nvGraphicFramePr>
+        <p:xfrm>
+          <a:off x="790348" y="790121"/>
+          <a:ext cx="3000000" cy="3000000"/>
+        </p:xfrm>
+        <a:graphic>
+          <a:graphicData uri="http://schemas.openxmlformats.org/drawingml/2006/table">
+            <a:tbl>
+              <a:tblPr>
+                <a:noFill/>
+                <a:tableStyleId>{0BB52890-E6D8-4B36-8DF2-08EE67B56AEC}</a:tableStyleId>
+              </a:tblPr>
+              <a:tblGrid>
+                <a:gridCol w="2112775">
+                  <a:extLst>
+                    <a:ext uri="{9D8B030D-6E8A-4147-A177-3AD203B41FA5}">
+                      <a16:colId xmlns:a16="http://schemas.microsoft.com/office/drawing/2014/main" val="20000"/>
+                    </a:ext>
+                  </a:extLst>
+                </a:gridCol>
+                <a:gridCol w="349675">
+                  <a:extLst>
+                    <a:ext uri="{9D8B030D-6E8A-4147-A177-3AD203B41FA5}">
+                      <a16:colId xmlns:a16="http://schemas.microsoft.com/office/drawing/2014/main" val="20001"/>
+                    </a:ext>
+                  </a:extLst>
+                </a:gridCol>
+              </a:tblGrid>
+              <a:tr h="152400">
+                <a:tc>
+                  <a:txBody>
+                    <a:bodyPr/>
+                    <a:lstStyle/>
+                    <a:p>
+                      <a:pPr marL="0" lvl="0" indent="0" algn="l" rtl="0">
+                        <a:lnSpc>
+                          <a:spcPct val="115000"/>
+                        </a:lnSpc>
+                        <a:spcBef>
+                          <a:spcPts val="0"/>
+                        </a:spcBef>
+                        <a:spcAft>
+                          <a:spcPts val="0"/>
+                        </a:spcAft>
+                        <a:buNone/>
+                      </a:pPr>
+                      <a:r>
+                        <a:rPr lang="en" sz="900">
+                          <a:latin typeface="Calibri"/>
+                          <a:ea typeface="Calibri"/>
+                          <a:cs typeface="Calibri"/>
+                          <a:sym typeface="Calibri"/>
+                        </a:rPr>
+                        <a:t>Model</a:t>
+                      </a:r>
+                      <a:endParaRPr sz="900">
+                        <a:latin typeface="Calibri"/>
+                        <a:ea typeface="Calibri"/>
+                        <a:cs typeface="Calibri"/>
+                        <a:sym typeface="Calibri"/>
+                      </a:endParaRPr>
+                    </a:p>
+                  </a:txBody>
+                  <a:tcPr marL="28575" marR="28575" marT="19050" marB="19050" anchor="b">
+                    <a:lnL w="9525" cap="flat" cmpd="sng">
+                      <a:solidFill>
+                        <a:srgbClr val="FF0000"/>
+                      </a:solidFill>
+                      <a:prstDash val="solid"/>
+                      <a:round/>
+                      <a:headEnd type="none" w="sm" len="sm"/>
+                      <a:tailEnd type="none" w="sm" len="sm"/>
+                    </a:lnL>
+                    <a:lnR w="9525" cap="flat" cmpd="sng">
+                      <a:solidFill>
+                        <a:srgbClr val="FF0000"/>
+                      </a:solidFill>
+                      <a:prstDash val="solid"/>
+                      <a:round/>
+                      <a:headEnd type="none" w="sm" len="sm"/>
+                      <a:tailEnd type="none" w="sm" len="sm"/>
+                    </a:lnR>
+                    <a:lnT w="9525" cap="flat" cmpd="sng">
+                      <a:solidFill>
+                        <a:srgbClr val="FF0000"/>
+                      </a:solidFill>
+                      <a:prstDash val="solid"/>
+                      <a:round/>
+                      <a:headEnd type="none" w="sm" len="sm"/>
+                      <a:tailEnd type="none" w="sm" len="sm"/>
+                    </a:lnT>
+                    <a:lnB w="9525" cap="flat" cmpd="sng">
+                      <a:solidFill>
+                        <a:srgbClr val="FF0000"/>
+                      </a:solidFill>
+                      <a:prstDash val="solid"/>
+                      <a:round/>
+                      <a:headEnd type="none" w="sm" len="sm"/>
+                      <a:tailEnd type="none" w="sm" len="sm"/>
+                    </a:lnB>
+                  </a:tcPr>
+                </a:tc>
+                <a:tc>
+                  <a:txBody>
+                    <a:bodyPr/>
+                    <a:lstStyle/>
+                    <a:p>
+                      <a:pPr marL="0" lvl="0" indent="0" algn="l" rtl="0">
+                        <a:lnSpc>
+                          <a:spcPct val="115000"/>
+                        </a:lnSpc>
+                        <a:spcBef>
+                          <a:spcPts val="0"/>
+                        </a:spcBef>
+                        <a:spcAft>
+                          <a:spcPts val="0"/>
+                        </a:spcAft>
+                        <a:buNone/>
+                      </a:pPr>
+                      <a:r>
+                        <a:rPr lang="en" sz="900">
+                          <a:latin typeface="Calibri"/>
+                          <a:ea typeface="Calibri"/>
+                          <a:cs typeface="Calibri"/>
+                          <a:sym typeface="Calibri"/>
+                        </a:rPr>
+                        <a:t>Score</a:t>
+                      </a:r>
+                      <a:endParaRPr sz="900">
+                        <a:latin typeface="Calibri"/>
+                        <a:ea typeface="Calibri"/>
+                        <a:cs typeface="Calibri"/>
+                        <a:sym typeface="Calibri"/>
+                      </a:endParaRPr>
+                    </a:p>
+                  </a:txBody>
+                  <a:tcPr marL="28575" marR="28575" marT="19050" marB="19050" anchor="b">
+                    <a:lnL w="9525" cap="flat" cmpd="sng">
+                      <a:solidFill>
+                        <a:srgbClr val="FF0000"/>
+                      </a:solidFill>
+                      <a:prstDash val="solid"/>
+                      <a:round/>
+                      <a:headEnd type="none" w="sm" len="sm"/>
+                      <a:tailEnd type="none" w="sm" len="sm"/>
+                    </a:lnL>
+                    <a:lnR w="9525" cap="flat" cmpd="sng">
+                      <a:solidFill>
+                        <a:srgbClr val="FF0000"/>
+                      </a:solidFill>
+                      <a:prstDash val="solid"/>
+                      <a:round/>
+                      <a:headEnd type="none" w="sm" len="sm"/>
+                      <a:tailEnd type="none" w="sm" len="sm"/>
+                    </a:lnR>
+                    <a:lnT w="9525" cap="flat" cmpd="sng">
+                      <a:solidFill>
+                        <a:srgbClr val="FF0000"/>
+                      </a:solidFill>
+                      <a:prstDash val="solid"/>
+                      <a:round/>
+                      <a:headEnd type="none" w="sm" len="sm"/>
+                      <a:tailEnd type="none" w="sm" len="sm"/>
+                    </a:lnT>
+                    <a:lnB w="9525" cap="flat" cmpd="sng">
+                      <a:solidFill>
+                        <a:srgbClr val="FF0000"/>
+                      </a:solidFill>
+                      <a:prstDash val="solid"/>
+                      <a:round/>
+                      <a:headEnd type="none" w="sm" len="sm"/>
+                      <a:tailEnd type="none" w="sm" len="sm"/>
+                    </a:lnB>
+                  </a:tcPr>
+                </a:tc>
+                <a:extLst>
+                  <a:ext uri="{0D108BD9-81ED-4DB2-BD59-A6C34878D82A}">
+                    <a16:rowId xmlns:a16="http://schemas.microsoft.com/office/drawing/2014/main" val="10000"/>
+                  </a:ext>
+                </a:extLst>
+              </a:tr>
+              <a:tr h="152400">
+                <a:tc>
+                  <a:txBody>
+                    <a:bodyPr/>
+                    <a:lstStyle/>
+                    <a:p>
+                      <a:pPr marL="0" lvl="0" indent="0" algn="l" rtl="0">
+                        <a:lnSpc>
+                          <a:spcPct val="115000"/>
+                        </a:lnSpc>
+                        <a:spcBef>
+                          <a:spcPts val="0"/>
+                        </a:spcBef>
+                        <a:spcAft>
+                          <a:spcPts val="0"/>
+                        </a:spcAft>
+                        <a:buNone/>
+                      </a:pPr>
+                      <a:r>
+                        <a:rPr lang="en" sz="900" u="sng">
+                          <a:solidFill>
+                            <a:srgbClr val="1155CC"/>
+                          </a:solidFill>
+                          <a:latin typeface="Calibri"/>
+                          <a:ea typeface="Calibri"/>
+                          <a:cs typeface="Calibri"/>
+                          <a:sym typeface="Calibri"/>
+                          <a:hlinkClick r:id="rId30">
+                            <a:extLst>
+                              <a:ext uri="{A12FA001-AC4F-418D-AE19-62706E023703}">
+                                <ahyp:hlinkClr xmlns:ahyp="http://schemas.microsoft.com/office/drawing/2018/hyperlinkcolor" val="tx"/>
+                              </a:ext>
+                            </a:extLst>
+                          </a:hlinkClick>
+                        </a:rPr>
+                        <a:t>gemini-2.5-pro</a:t>
+                      </a:r>
+                      <a:endParaRPr sz="900" u="sng">
+                        <a:solidFill>
+                          <a:srgbClr val="1155CC"/>
+                        </a:solidFill>
+                        <a:latin typeface="Calibri"/>
+                        <a:ea typeface="Calibri"/>
+                        <a:cs typeface="Calibri"/>
+                        <a:sym typeface="Calibri"/>
+                      </a:endParaRPr>
+                    </a:p>
+                  </a:txBody>
+                  <a:tcPr marL="28575" marR="28575" marT="19050" marB="19050" anchor="b">
+                    <a:lnL w="9525" cap="flat" cmpd="sng">
+                      <a:solidFill>
+                        <a:srgbClr val="FF0000"/>
+                      </a:solidFill>
+                      <a:prstDash val="solid"/>
+                      <a:round/>
+                      <a:headEnd type="none" w="sm" len="sm"/>
+                      <a:tailEnd type="none" w="sm" len="sm"/>
+                    </a:lnL>
+                    <a:lnR w="9525" cap="flat" cmpd="sng">
+                      <a:solidFill>
+                        <a:srgbClr val="FF0000"/>
+                      </a:solidFill>
+                      <a:prstDash val="solid"/>
+                      <a:round/>
+                      <a:headEnd type="none" w="sm" len="sm"/>
+                      <a:tailEnd type="none" w="sm" len="sm"/>
+                    </a:lnR>
+                    <a:lnT w="9525" cap="flat" cmpd="sng">
+                      <a:solidFill>
+                        <a:srgbClr val="FF0000"/>
+                      </a:solidFill>
+                      <a:prstDash val="solid"/>
+                      <a:round/>
+                      <a:headEnd type="none" w="sm" len="sm"/>
+                      <a:tailEnd type="none" w="sm" len="sm"/>
+                    </a:lnT>
+                    <a:lnB w="9525" cap="flat" cmpd="sng">
+                      <a:solidFill>
+                        <a:srgbClr val="FF0000"/>
+                      </a:solidFill>
+                      <a:prstDash val="solid"/>
+                      <a:round/>
+                      <a:headEnd type="none" w="sm" len="sm"/>
+                      <a:tailEnd type="none" w="sm" len="sm"/>
+                    </a:lnB>
+                  </a:tcPr>
+                </a:tc>
+                <a:tc>
+                  <a:txBody>
+                    <a:bodyPr/>
+                    <a:lstStyle/>
+                    <a:p>
+                      <a:pPr marL="0" lvl="0" indent="0" algn="r" rtl="0">
+                        <a:lnSpc>
+                          <a:spcPct val="115000"/>
+                        </a:lnSpc>
+                        <a:spcBef>
+                          <a:spcPts val="0"/>
+                        </a:spcBef>
+                        <a:spcAft>
+                          <a:spcPts val="0"/>
+                        </a:spcAft>
+                        <a:buNone/>
+                      </a:pPr>
+                      <a:r>
+                        <a:rPr lang="en" sz="900">
+                          <a:solidFill>
+                            <a:srgbClr val="5D6272"/>
+                          </a:solidFill>
+                          <a:latin typeface="Calibri"/>
+                          <a:ea typeface="Calibri"/>
+                          <a:cs typeface="Calibri"/>
+                          <a:sym typeface="Calibri"/>
+                        </a:rPr>
+                        <a:t>1467</a:t>
+                      </a:r>
+                      <a:endParaRPr sz="900">
+                        <a:solidFill>
+                          <a:srgbClr val="5D6272"/>
+                        </a:solidFill>
+                        <a:latin typeface="Calibri"/>
+                        <a:ea typeface="Calibri"/>
+                        <a:cs typeface="Calibri"/>
+                        <a:sym typeface="Calibri"/>
+                      </a:endParaRPr>
+                    </a:p>
+                  </a:txBody>
+                  <a:tcPr marL="28575" marR="28575" marT="19050" marB="19050" anchor="b">
+                    <a:lnL w="9525" cap="flat" cmpd="sng">
+                      <a:solidFill>
+                        <a:srgbClr val="FF0000"/>
+                      </a:solidFill>
+                      <a:prstDash val="solid"/>
+                      <a:round/>
+                      <a:headEnd type="none" w="sm" len="sm"/>
+                      <a:tailEnd type="none" w="sm" len="sm"/>
+                    </a:lnL>
+                    <a:lnR w="9525" cap="flat" cmpd="sng">
+                      <a:solidFill>
+                        <a:srgbClr val="FF0000"/>
+                      </a:solidFill>
+                      <a:prstDash val="solid"/>
+                      <a:round/>
+                      <a:headEnd type="none" w="sm" len="sm"/>
+                      <a:tailEnd type="none" w="sm" len="sm"/>
+                    </a:lnR>
+                    <a:lnT w="9525" cap="flat" cmpd="sng">
+                      <a:solidFill>
+                        <a:srgbClr val="FF0000"/>
+                      </a:solidFill>
+                      <a:prstDash val="solid"/>
+                      <a:round/>
+                      <a:headEnd type="none" w="sm" len="sm"/>
+                      <a:tailEnd type="none" w="sm" len="sm"/>
+                    </a:lnT>
+                    <a:lnB w="9525" cap="flat" cmpd="sng">
+                      <a:solidFill>
+                        <a:srgbClr val="FF0000"/>
+                      </a:solidFill>
+                      <a:prstDash val="solid"/>
+                      <a:round/>
+                      <a:headEnd type="none" w="sm" len="sm"/>
+                      <a:tailEnd type="none" w="sm" len="sm"/>
+                    </a:lnB>
+                  </a:tcPr>
+                </a:tc>
+                <a:extLst>
+                  <a:ext uri="{0D108BD9-81ED-4DB2-BD59-A6C34878D82A}">
+                    <a16:rowId xmlns:a16="http://schemas.microsoft.com/office/drawing/2014/main" val="10001"/>
+                  </a:ext>
+                </a:extLst>
+              </a:tr>
+              <a:tr h="152400">
+                <a:tc>
+                  <a:txBody>
+                    <a:bodyPr/>
+                    <a:lstStyle/>
+                    <a:p>
+                      <a:pPr marL="0" lvl="0" indent="0" algn="l" rtl="0">
+                        <a:lnSpc>
+                          <a:spcPct val="115000"/>
+                        </a:lnSpc>
+                        <a:spcBef>
+                          <a:spcPts val="0"/>
+                        </a:spcBef>
+                        <a:spcAft>
+                          <a:spcPts val="0"/>
+                        </a:spcAft>
+                        <a:buNone/>
+                      </a:pPr>
+                      <a:r>
+                        <a:rPr lang="en" sz="900" u="sng">
+                          <a:solidFill>
+                            <a:srgbClr val="1155CC"/>
+                          </a:solidFill>
+                          <a:latin typeface="Calibri"/>
+                          <a:ea typeface="Calibri"/>
+                          <a:cs typeface="Calibri"/>
+                          <a:sym typeface="Calibri"/>
+                          <a:hlinkClick r:id="rId24">
+                            <a:extLst>
+                              <a:ext uri="{A12FA001-AC4F-418D-AE19-62706E023703}">
+                                <ahyp:hlinkClr xmlns:ahyp="http://schemas.microsoft.com/office/drawing/2018/hyperlinkcolor" val="tx"/>
+                              </a:ext>
+                            </a:extLst>
+                          </a:hlinkClick>
+                        </a:rPr>
+                        <a:t>o3-2025-04-16</a:t>
+                      </a:r>
+                      <a:endParaRPr sz="900" u="sng">
+                        <a:solidFill>
+                          <a:srgbClr val="1155CC"/>
+                        </a:solidFill>
+                        <a:latin typeface="Calibri"/>
+                        <a:ea typeface="Calibri"/>
+                        <a:cs typeface="Calibri"/>
+                        <a:sym typeface="Calibri"/>
+                      </a:endParaRPr>
+                    </a:p>
+                  </a:txBody>
+                  <a:tcPr marL="28575" marR="28575" marT="19050" marB="19050" anchor="b">
+                    <a:lnL w="9525" cap="flat" cmpd="sng">
+                      <a:solidFill>
+                        <a:srgbClr val="FF0000"/>
+                      </a:solidFill>
+                      <a:prstDash val="solid"/>
+                      <a:round/>
+                      <a:headEnd type="none" w="sm" len="sm"/>
+                      <a:tailEnd type="none" w="sm" len="sm"/>
+                    </a:lnL>
+                    <a:lnR w="9525" cap="flat" cmpd="sng">
+                      <a:solidFill>
+                        <a:srgbClr val="FF0000"/>
+                      </a:solidFill>
+                      <a:prstDash val="solid"/>
+                      <a:round/>
+                      <a:headEnd type="none" w="sm" len="sm"/>
+                      <a:tailEnd type="none" w="sm" len="sm"/>
+                    </a:lnR>
+                    <a:lnT w="9525" cap="flat" cmpd="sng">
+                      <a:solidFill>
+                        <a:srgbClr val="FF0000"/>
+                      </a:solidFill>
+                      <a:prstDash val="solid"/>
+                      <a:round/>
+                      <a:headEnd type="none" w="sm" len="sm"/>
+                      <a:tailEnd type="none" w="sm" len="sm"/>
+                    </a:lnT>
+                    <a:lnB w="9525" cap="flat" cmpd="sng">
+                      <a:solidFill>
+                        <a:srgbClr val="FF0000"/>
+                      </a:solidFill>
+                      <a:prstDash val="solid"/>
+                      <a:round/>
+                      <a:headEnd type="none" w="sm" len="sm"/>
+                      <a:tailEnd type="none" w="sm" len="sm"/>
+                    </a:lnB>
+                  </a:tcPr>
+                </a:tc>
+                <a:tc>
+                  <a:txBody>
+                    <a:bodyPr/>
+                    <a:lstStyle/>
+                    <a:p>
+                      <a:pPr marL="0" lvl="0" indent="0" algn="r" rtl="0">
+                        <a:lnSpc>
+                          <a:spcPct val="115000"/>
+                        </a:lnSpc>
+                        <a:spcBef>
+                          <a:spcPts val="0"/>
+                        </a:spcBef>
+                        <a:spcAft>
+                          <a:spcPts val="0"/>
+                        </a:spcAft>
+                        <a:buNone/>
+                      </a:pPr>
+                      <a:r>
+                        <a:rPr lang="en" sz="900">
+                          <a:solidFill>
+                            <a:srgbClr val="5D6272"/>
+                          </a:solidFill>
+                          <a:latin typeface="Calibri"/>
+                          <a:ea typeface="Calibri"/>
+                          <a:cs typeface="Calibri"/>
+                          <a:sym typeface="Calibri"/>
+                        </a:rPr>
+                        <a:t>1451</a:t>
+                      </a:r>
+                      <a:endParaRPr sz="900">
+                        <a:solidFill>
+                          <a:srgbClr val="5D6272"/>
+                        </a:solidFill>
+                        <a:latin typeface="Calibri"/>
+                        <a:ea typeface="Calibri"/>
+                        <a:cs typeface="Calibri"/>
+                        <a:sym typeface="Calibri"/>
+                      </a:endParaRPr>
+                    </a:p>
+                  </a:txBody>
+                  <a:tcPr marL="28575" marR="28575" marT="19050" marB="19050" anchor="b">
+                    <a:lnL w="9525" cap="flat" cmpd="sng">
+                      <a:solidFill>
+                        <a:srgbClr val="FF0000"/>
+                      </a:solidFill>
+                      <a:prstDash val="solid"/>
+                      <a:round/>
+                      <a:headEnd type="none" w="sm" len="sm"/>
+                      <a:tailEnd type="none" w="sm" len="sm"/>
+                    </a:lnL>
+                    <a:lnR w="9525" cap="flat" cmpd="sng">
+                      <a:solidFill>
+                        <a:srgbClr val="FF0000"/>
+                      </a:solidFill>
+                      <a:prstDash val="solid"/>
+                      <a:round/>
+                      <a:headEnd type="none" w="sm" len="sm"/>
+                      <a:tailEnd type="none" w="sm" len="sm"/>
+                    </a:lnR>
+                    <a:lnT w="9525" cap="flat" cmpd="sng">
+                      <a:solidFill>
+                        <a:srgbClr val="FF0000"/>
+                      </a:solidFill>
+                      <a:prstDash val="solid"/>
+                      <a:round/>
+                      <a:headEnd type="none" w="sm" len="sm"/>
+                      <a:tailEnd type="none" w="sm" len="sm"/>
+                    </a:lnT>
+                    <a:lnB w="9525" cap="flat" cmpd="sng">
+                      <a:solidFill>
+                        <a:srgbClr val="FF0000"/>
+                      </a:solidFill>
+                      <a:prstDash val="solid"/>
+                      <a:round/>
+                      <a:headEnd type="none" w="sm" len="sm"/>
+                      <a:tailEnd type="none" w="sm" len="sm"/>
+                    </a:lnB>
+                  </a:tcPr>
+                </a:tc>
+                <a:extLst>
+                  <a:ext uri="{0D108BD9-81ED-4DB2-BD59-A6C34878D82A}">
+                    <a16:rowId xmlns:a16="http://schemas.microsoft.com/office/drawing/2014/main" val="10002"/>
+                  </a:ext>
+                </a:extLst>
+              </a:tr>
+              <a:tr h="152400">
+                <a:tc>
+                  <a:txBody>
+                    <a:bodyPr/>
+                    <a:lstStyle/>
+                    <a:p>
+                      <a:pPr marL="0" lvl="0" indent="0" algn="l" rtl="0">
+                        <a:lnSpc>
+                          <a:spcPct val="115000"/>
+                        </a:lnSpc>
+                        <a:spcBef>
+                          <a:spcPts val="0"/>
+                        </a:spcBef>
+                        <a:spcAft>
+                          <a:spcPts val="0"/>
+                        </a:spcAft>
+                        <a:buNone/>
+                      </a:pPr>
+                      <a:r>
+                        <a:rPr lang="en" sz="900" u="sng">
+                          <a:solidFill>
+                            <a:srgbClr val="1155CC"/>
+                          </a:solidFill>
+                          <a:latin typeface="Calibri"/>
+                          <a:ea typeface="Calibri"/>
+                          <a:cs typeface="Calibri"/>
+                          <a:sym typeface="Calibri"/>
+                          <a:hlinkClick r:id="rId16">
+                            <a:extLst>
+                              <a:ext uri="{A12FA001-AC4F-418D-AE19-62706E023703}">
+                                <ahyp:hlinkClr xmlns:ahyp="http://schemas.microsoft.com/office/drawing/2018/hyperlinkcolor" val="tx"/>
+                              </a:ext>
+                            </a:extLst>
+                          </a:hlinkClick>
+                        </a:rPr>
+                        <a:t>gemini-2.5-pro-preview-05-06</a:t>
+                      </a:r>
+                      <a:endParaRPr sz="900" u="sng">
+                        <a:solidFill>
+                          <a:srgbClr val="1155CC"/>
+                        </a:solidFill>
+                        <a:latin typeface="Calibri"/>
+                        <a:ea typeface="Calibri"/>
+                        <a:cs typeface="Calibri"/>
+                        <a:sym typeface="Calibri"/>
+                      </a:endParaRPr>
+                    </a:p>
+                  </a:txBody>
+                  <a:tcPr marL="28575" marR="28575" marT="19050" marB="19050" anchor="b">
+                    <a:lnL w="9525" cap="flat" cmpd="sng">
+                      <a:solidFill>
+                        <a:srgbClr val="FF0000"/>
+                      </a:solidFill>
+                      <a:prstDash val="solid"/>
+                      <a:round/>
+                      <a:headEnd type="none" w="sm" len="sm"/>
+                      <a:tailEnd type="none" w="sm" len="sm"/>
+                    </a:lnL>
+                    <a:lnR w="9525" cap="flat" cmpd="sng">
+                      <a:solidFill>
+                        <a:srgbClr val="FF0000"/>
+                      </a:solidFill>
+                      <a:prstDash val="solid"/>
+                      <a:round/>
+                      <a:headEnd type="none" w="sm" len="sm"/>
+                      <a:tailEnd type="none" w="sm" len="sm"/>
+                    </a:lnR>
+                    <a:lnT w="9525" cap="flat" cmpd="sng">
+                      <a:solidFill>
+                        <a:srgbClr val="FF0000"/>
+                      </a:solidFill>
+                      <a:prstDash val="solid"/>
+                      <a:round/>
+                      <a:headEnd type="none" w="sm" len="sm"/>
+                      <a:tailEnd type="none" w="sm" len="sm"/>
+                    </a:lnT>
+                    <a:lnB w="9525" cap="flat" cmpd="sng">
+                      <a:solidFill>
+                        <a:srgbClr val="FF0000"/>
+                      </a:solidFill>
+                      <a:prstDash val="solid"/>
+                      <a:round/>
+                      <a:headEnd type="none" w="sm" len="sm"/>
+                      <a:tailEnd type="none" w="sm" len="sm"/>
+                    </a:lnB>
+                  </a:tcPr>
+                </a:tc>
+                <a:tc>
+                  <a:txBody>
+                    <a:bodyPr/>
+                    <a:lstStyle/>
+                    <a:p>
+                      <a:pPr marL="0" lvl="0" indent="0" algn="r" rtl="0">
+                        <a:lnSpc>
+                          <a:spcPct val="115000"/>
+                        </a:lnSpc>
+                        <a:spcBef>
+                          <a:spcPts val="0"/>
+                        </a:spcBef>
+                        <a:spcAft>
+                          <a:spcPts val="0"/>
+                        </a:spcAft>
+                        <a:buNone/>
+                      </a:pPr>
+                      <a:r>
+                        <a:rPr lang="en" sz="900">
+                          <a:solidFill>
+                            <a:srgbClr val="5D6272"/>
+                          </a:solidFill>
+                          <a:latin typeface="Calibri"/>
+                          <a:ea typeface="Calibri"/>
+                          <a:cs typeface="Calibri"/>
+                          <a:sym typeface="Calibri"/>
+                        </a:rPr>
+                        <a:t>1446</a:t>
+                      </a:r>
+                      <a:endParaRPr sz="900">
+                        <a:solidFill>
+                          <a:srgbClr val="5D6272"/>
+                        </a:solidFill>
+                        <a:latin typeface="Calibri"/>
+                        <a:ea typeface="Calibri"/>
+                        <a:cs typeface="Calibri"/>
+                        <a:sym typeface="Calibri"/>
+                      </a:endParaRPr>
+                    </a:p>
+                  </a:txBody>
+                  <a:tcPr marL="28575" marR="28575" marT="19050" marB="19050" anchor="b">
+                    <a:lnL w="9525" cap="flat" cmpd="sng">
+                      <a:solidFill>
+                        <a:srgbClr val="FF0000"/>
+                      </a:solidFill>
+                      <a:prstDash val="solid"/>
+                      <a:round/>
+                      <a:headEnd type="none" w="sm" len="sm"/>
+                      <a:tailEnd type="none" w="sm" len="sm"/>
+                    </a:lnL>
+                    <a:lnR w="9525" cap="flat" cmpd="sng">
+                      <a:solidFill>
+                        <a:srgbClr val="FF0000"/>
+                      </a:solidFill>
+                      <a:prstDash val="solid"/>
+                      <a:round/>
+                      <a:headEnd type="none" w="sm" len="sm"/>
+                      <a:tailEnd type="none" w="sm" len="sm"/>
+                    </a:lnR>
+                    <a:lnT w="9525" cap="flat" cmpd="sng">
+                      <a:solidFill>
+                        <a:srgbClr val="FF0000"/>
+                      </a:solidFill>
+                      <a:prstDash val="solid"/>
+                      <a:round/>
+                      <a:headEnd type="none" w="sm" len="sm"/>
+                      <a:tailEnd type="none" w="sm" len="sm"/>
+                    </a:lnT>
+                    <a:lnB w="9525" cap="flat" cmpd="sng">
+                      <a:solidFill>
+                        <a:srgbClr val="FF0000"/>
+                      </a:solidFill>
+                      <a:prstDash val="solid"/>
+                      <a:round/>
+                      <a:headEnd type="none" w="sm" len="sm"/>
+                      <a:tailEnd type="none" w="sm" len="sm"/>
+                    </a:lnB>
+                  </a:tcPr>
+                </a:tc>
+                <a:extLst>
+                  <a:ext uri="{0D108BD9-81ED-4DB2-BD59-A6C34878D82A}">
+                    <a16:rowId xmlns:a16="http://schemas.microsoft.com/office/drawing/2014/main" val="10003"/>
+                  </a:ext>
+                </a:extLst>
+              </a:tr>
+              <a:tr h="152400">
+                <a:tc>
+                  <a:txBody>
+                    <a:bodyPr/>
+                    <a:lstStyle/>
+                    <a:p>
+                      <a:pPr marL="0" lvl="0" indent="0" algn="l" rtl="0">
+                        <a:lnSpc>
+                          <a:spcPct val="115000"/>
+                        </a:lnSpc>
+                        <a:spcBef>
+                          <a:spcPts val="0"/>
+                        </a:spcBef>
+                        <a:spcAft>
+                          <a:spcPts val="0"/>
+                        </a:spcAft>
+                        <a:buNone/>
+                      </a:pPr>
+                      <a:r>
+                        <a:rPr lang="en" sz="900" u="sng">
+                          <a:solidFill>
+                            <a:srgbClr val="1155CC"/>
+                          </a:solidFill>
+                          <a:latin typeface="Calibri"/>
+                          <a:ea typeface="Calibri"/>
+                          <a:cs typeface="Calibri"/>
+                          <a:sym typeface="Calibri"/>
+                          <a:hlinkClick r:id="rId31">
+                            <a:extLst>
+                              <a:ext uri="{A12FA001-AC4F-418D-AE19-62706E023703}">
+                                <ahyp:hlinkClr xmlns:ahyp="http://schemas.microsoft.com/office/drawing/2018/hyperlinkcolor" val="tx"/>
+                              </a:ext>
+                            </a:extLst>
+                          </a:hlinkClick>
+                        </a:rPr>
+                        <a:t>chatgpt-4o-latest-20250326</a:t>
+                      </a:r>
+                      <a:endParaRPr sz="900" u="sng">
+                        <a:solidFill>
+                          <a:srgbClr val="1155CC"/>
+                        </a:solidFill>
+                        <a:latin typeface="Calibri"/>
+                        <a:ea typeface="Calibri"/>
+                        <a:cs typeface="Calibri"/>
+                        <a:sym typeface="Calibri"/>
+                      </a:endParaRPr>
+                    </a:p>
+                  </a:txBody>
+                  <a:tcPr marL="28575" marR="28575" marT="19050" marB="19050" anchor="b">
+                    <a:lnL w="9525" cap="flat" cmpd="sng">
+                      <a:solidFill>
+                        <a:srgbClr val="FF0000"/>
+                      </a:solidFill>
+                      <a:prstDash val="solid"/>
+                      <a:round/>
+                      <a:headEnd type="none" w="sm" len="sm"/>
+                      <a:tailEnd type="none" w="sm" len="sm"/>
+                    </a:lnL>
+                    <a:lnR w="9525" cap="flat" cmpd="sng">
+                      <a:solidFill>
+                        <a:srgbClr val="FF0000"/>
+                      </a:solidFill>
+                      <a:prstDash val="solid"/>
+                      <a:round/>
+                      <a:headEnd type="none" w="sm" len="sm"/>
+                      <a:tailEnd type="none" w="sm" len="sm"/>
+                    </a:lnR>
+                    <a:lnT w="9525" cap="flat" cmpd="sng">
+                      <a:solidFill>
+                        <a:srgbClr val="FF0000"/>
+                      </a:solidFill>
+                      <a:prstDash val="solid"/>
+                      <a:round/>
+                      <a:headEnd type="none" w="sm" len="sm"/>
+                      <a:tailEnd type="none" w="sm" len="sm"/>
+                    </a:lnT>
+                    <a:lnB w="9525" cap="flat" cmpd="sng">
+                      <a:solidFill>
+                        <a:srgbClr val="FF0000"/>
+                      </a:solidFill>
+                      <a:prstDash val="solid"/>
+                      <a:round/>
+                      <a:headEnd type="none" w="sm" len="sm"/>
+                      <a:tailEnd type="none" w="sm" len="sm"/>
+                    </a:lnB>
+                  </a:tcPr>
+                </a:tc>
+                <a:tc>
+                  <a:txBody>
+                    <a:bodyPr/>
+                    <a:lstStyle/>
+                    <a:p>
+                      <a:pPr marL="0" lvl="0" indent="0" algn="r" rtl="0">
+                        <a:lnSpc>
+                          <a:spcPct val="115000"/>
+                        </a:lnSpc>
+                        <a:spcBef>
+                          <a:spcPts val="0"/>
+                        </a:spcBef>
+                        <a:spcAft>
+                          <a:spcPts val="0"/>
+                        </a:spcAft>
+                        <a:buNone/>
+                      </a:pPr>
+                      <a:r>
+                        <a:rPr lang="en" sz="900">
+                          <a:solidFill>
+                            <a:srgbClr val="5D6272"/>
+                          </a:solidFill>
+                          <a:latin typeface="Calibri"/>
+                          <a:ea typeface="Calibri"/>
+                          <a:cs typeface="Calibri"/>
+                          <a:sym typeface="Calibri"/>
+                        </a:rPr>
+                        <a:t>1442</a:t>
+                      </a:r>
+                      <a:endParaRPr sz="900">
+                        <a:solidFill>
+                          <a:srgbClr val="5D6272"/>
+                        </a:solidFill>
+                        <a:latin typeface="Calibri"/>
+                        <a:ea typeface="Calibri"/>
+                        <a:cs typeface="Calibri"/>
+                        <a:sym typeface="Calibri"/>
+                      </a:endParaRPr>
+                    </a:p>
+                  </a:txBody>
+                  <a:tcPr marL="28575" marR="28575" marT="19050" marB="19050" anchor="b">
+                    <a:lnL w="9525" cap="flat" cmpd="sng">
+                      <a:solidFill>
+                        <a:srgbClr val="FF0000"/>
+                      </a:solidFill>
+                      <a:prstDash val="solid"/>
+                      <a:round/>
+                      <a:headEnd type="none" w="sm" len="sm"/>
+                      <a:tailEnd type="none" w="sm" len="sm"/>
+                    </a:lnL>
+                    <a:lnR w="9525" cap="flat" cmpd="sng">
+                      <a:solidFill>
+                        <a:srgbClr val="FF0000"/>
+                      </a:solidFill>
+                      <a:prstDash val="solid"/>
+                      <a:round/>
+                      <a:headEnd type="none" w="sm" len="sm"/>
+                      <a:tailEnd type="none" w="sm" len="sm"/>
+                    </a:lnR>
+                    <a:lnT w="9525" cap="flat" cmpd="sng">
+                      <a:solidFill>
+                        <a:srgbClr val="FF0000"/>
+                      </a:solidFill>
+                      <a:prstDash val="solid"/>
+                      <a:round/>
+                      <a:headEnd type="none" w="sm" len="sm"/>
+                      <a:tailEnd type="none" w="sm" len="sm"/>
+                    </a:lnT>
+                    <a:lnB w="9525" cap="flat" cmpd="sng">
+                      <a:solidFill>
+                        <a:srgbClr val="FF0000"/>
+                      </a:solidFill>
+                      <a:prstDash val="solid"/>
+                      <a:round/>
+                      <a:headEnd type="none" w="sm" len="sm"/>
+                      <a:tailEnd type="none" w="sm" len="sm"/>
+                    </a:lnB>
+                  </a:tcPr>
+                </a:tc>
+                <a:extLst>
+                  <a:ext uri="{0D108BD9-81ED-4DB2-BD59-A6C34878D82A}">
+                    <a16:rowId xmlns:a16="http://schemas.microsoft.com/office/drawing/2014/main" val="10004"/>
+                  </a:ext>
+                </a:extLst>
+              </a:tr>
+              <a:tr h="152400">
+                <a:tc>
+                  <a:txBody>
+                    <a:bodyPr/>
+                    <a:lstStyle/>
+                    <a:p>
+                      <a:pPr marL="0" lvl="0" indent="0" algn="l" rtl="0">
+                        <a:lnSpc>
+                          <a:spcPct val="115000"/>
+                        </a:lnSpc>
+                        <a:spcBef>
+                          <a:spcPts val="0"/>
+                        </a:spcBef>
+                        <a:spcAft>
+                          <a:spcPts val="0"/>
+                        </a:spcAft>
+                        <a:buNone/>
+                      </a:pPr>
+                      <a:r>
+                        <a:rPr lang="en" sz="900" u="sng">
+                          <a:solidFill>
+                            <a:srgbClr val="1155CC"/>
+                          </a:solidFill>
+                          <a:latin typeface="Calibri"/>
+                          <a:ea typeface="Calibri"/>
+                          <a:cs typeface="Calibri"/>
+                          <a:sym typeface="Calibri"/>
+                          <a:hlinkClick r:id="rId32">
+                            <a:extLst>
+                              <a:ext uri="{A12FA001-AC4F-418D-AE19-62706E023703}">
+                                <ahyp:hlinkClr xmlns:ahyp="http://schemas.microsoft.com/office/drawing/2018/hyperlinkcolor" val="tx"/>
+                              </a:ext>
+                            </a:extLst>
+                          </a:hlinkClick>
+                        </a:rPr>
+                        <a:t>gpt-4.5-preview-2025-02-27</a:t>
+                      </a:r>
+                      <a:endParaRPr sz="900" u="sng">
+                        <a:solidFill>
+                          <a:srgbClr val="1155CC"/>
+                        </a:solidFill>
+                        <a:latin typeface="Calibri"/>
+                        <a:ea typeface="Calibri"/>
+                        <a:cs typeface="Calibri"/>
+                        <a:sym typeface="Calibri"/>
+                      </a:endParaRPr>
+                    </a:p>
+                  </a:txBody>
+                  <a:tcPr marL="28575" marR="28575" marT="19050" marB="19050" anchor="b">
+                    <a:lnL w="9525" cap="flat" cmpd="sng">
+                      <a:solidFill>
+                        <a:srgbClr val="FF0000"/>
+                      </a:solidFill>
+                      <a:prstDash val="solid"/>
+                      <a:round/>
+                      <a:headEnd type="none" w="sm" len="sm"/>
+                      <a:tailEnd type="none" w="sm" len="sm"/>
+                    </a:lnL>
+                    <a:lnR w="9525" cap="flat" cmpd="sng">
+                      <a:solidFill>
+                        <a:srgbClr val="FF0000"/>
+                      </a:solidFill>
+                      <a:prstDash val="solid"/>
+                      <a:round/>
+                      <a:headEnd type="none" w="sm" len="sm"/>
+                      <a:tailEnd type="none" w="sm" len="sm"/>
+                    </a:lnR>
+                    <a:lnT w="9525" cap="flat" cmpd="sng">
+                      <a:solidFill>
+                        <a:srgbClr val="FF0000"/>
+                      </a:solidFill>
+                      <a:prstDash val="solid"/>
+                      <a:round/>
+                      <a:headEnd type="none" w="sm" len="sm"/>
+                      <a:tailEnd type="none" w="sm" len="sm"/>
+                    </a:lnT>
+                    <a:lnB w="9525" cap="flat" cmpd="sng">
+                      <a:solidFill>
+                        <a:srgbClr val="FF0000"/>
+                      </a:solidFill>
+                      <a:prstDash val="solid"/>
+                      <a:round/>
+                      <a:headEnd type="none" w="sm" len="sm"/>
+                      <a:tailEnd type="none" w="sm" len="sm"/>
+                    </a:lnB>
+                  </a:tcPr>
+                </a:tc>
+                <a:tc>
+                  <a:txBody>
+                    <a:bodyPr/>
+                    <a:lstStyle/>
+                    <a:p>
+                      <a:pPr marL="0" lvl="0" indent="0" algn="r" rtl="0">
+                        <a:lnSpc>
+                          <a:spcPct val="115000"/>
+                        </a:lnSpc>
+                        <a:spcBef>
+                          <a:spcPts val="0"/>
+                        </a:spcBef>
+                        <a:spcAft>
+                          <a:spcPts val="0"/>
+                        </a:spcAft>
+                        <a:buNone/>
+                      </a:pPr>
+                      <a:r>
+                        <a:rPr lang="en" sz="900">
+                          <a:solidFill>
+                            <a:srgbClr val="5D6272"/>
+                          </a:solidFill>
+                          <a:latin typeface="Calibri"/>
+                          <a:ea typeface="Calibri"/>
+                          <a:cs typeface="Calibri"/>
+                          <a:sym typeface="Calibri"/>
+                        </a:rPr>
+                        <a:t>1437</a:t>
+                      </a:r>
+                      <a:endParaRPr sz="900">
+                        <a:solidFill>
+                          <a:srgbClr val="5D6272"/>
+                        </a:solidFill>
+                        <a:latin typeface="Calibri"/>
+                        <a:ea typeface="Calibri"/>
+                        <a:cs typeface="Calibri"/>
+                        <a:sym typeface="Calibri"/>
+                      </a:endParaRPr>
+                    </a:p>
+                  </a:txBody>
+                  <a:tcPr marL="28575" marR="28575" marT="19050" marB="19050" anchor="b">
+                    <a:lnL w="9525" cap="flat" cmpd="sng">
+                      <a:solidFill>
+                        <a:srgbClr val="FF0000"/>
+                      </a:solidFill>
+                      <a:prstDash val="solid"/>
+                      <a:round/>
+                      <a:headEnd type="none" w="sm" len="sm"/>
+                      <a:tailEnd type="none" w="sm" len="sm"/>
+                    </a:lnL>
+                    <a:lnR w="9525" cap="flat" cmpd="sng">
+                      <a:solidFill>
+                        <a:srgbClr val="FF0000"/>
+                      </a:solidFill>
+                      <a:prstDash val="solid"/>
+                      <a:round/>
+                      <a:headEnd type="none" w="sm" len="sm"/>
+                      <a:tailEnd type="none" w="sm" len="sm"/>
+                    </a:lnR>
+                    <a:lnT w="9525" cap="flat" cmpd="sng">
+                      <a:solidFill>
+                        <a:srgbClr val="FF0000"/>
+                      </a:solidFill>
+                      <a:prstDash val="solid"/>
+                      <a:round/>
+                      <a:headEnd type="none" w="sm" len="sm"/>
+                      <a:tailEnd type="none" w="sm" len="sm"/>
+                    </a:lnT>
+                    <a:lnB w="9525" cap="flat" cmpd="sng">
+                      <a:solidFill>
+                        <a:srgbClr val="FF0000"/>
+                      </a:solidFill>
+                      <a:prstDash val="solid"/>
+                      <a:round/>
+                      <a:headEnd type="none" w="sm" len="sm"/>
+                      <a:tailEnd type="none" w="sm" len="sm"/>
+                    </a:lnB>
+                  </a:tcPr>
+                </a:tc>
+                <a:extLst>
+                  <a:ext uri="{0D108BD9-81ED-4DB2-BD59-A6C34878D82A}">
+                    <a16:rowId xmlns:a16="http://schemas.microsoft.com/office/drawing/2014/main" val="10005"/>
+                  </a:ext>
+                </a:extLst>
+              </a:tr>
+              <a:tr h="152400">
+                <a:tc>
+                  <a:txBody>
+                    <a:bodyPr/>
+                    <a:lstStyle/>
+                    <a:p>
+                      <a:pPr marL="0" lvl="0" indent="0" algn="l" rtl="0">
+                        <a:lnSpc>
+                          <a:spcPct val="115000"/>
+                        </a:lnSpc>
+                        <a:spcBef>
+                          <a:spcPts val="0"/>
+                        </a:spcBef>
+                        <a:spcAft>
+                          <a:spcPts val="0"/>
+                        </a:spcAft>
+                        <a:buNone/>
+                      </a:pPr>
+                      <a:r>
+                        <a:rPr lang="en" sz="900" u="sng">
+                          <a:solidFill>
+                            <a:srgbClr val="1155CC"/>
+                          </a:solidFill>
+                          <a:latin typeface="Calibri"/>
+                          <a:ea typeface="Calibri"/>
+                          <a:cs typeface="Calibri"/>
+                          <a:sym typeface="Calibri"/>
+                          <a:hlinkClick r:id="rId17">
+                            <a:extLst>
+                              <a:ext uri="{A12FA001-AC4F-418D-AE19-62706E023703}">
+                                <ahyp:hlinkClr xmlns:ahyp="http://schemas.microsoft.com/office/drawing/2018/hyperlinkcolor" val="tx"/>
+                              </a:ext>
+                            </a:extLst>
+                          </a:hlinkClick>
+                        </a:rPr>
+                        <a:t>claude-opus-4-20250514</a:t>
+                      </a:r>
+                      <a:endParaRPr sz="900" u="sng">
+                        <a:solidFill>
+                          <a:srgbClr val="1155CC"/>
+                        </a:solidFill>
+                        <a:latin typeface="Calibri"/>
+                        <a:ea typeface="Calibri"/>
+                        <a:cs typeface="Calibri"/>
+                        <a:sym typeface="Calibri"/>
+                      </a:endParaRPr>
+                    </a:p>
+                  </a:txBody>
+                  <a:tcPr marL="28575" marR="28575" marT="19050" marB="19050" anchor="b">
+                    <a:lnL w="9525" cap="flat" cmpd="sng">
+                      <a:solidFill>
+                        <a:srgbClr val="FF0000"/>
+                      </a:solidFill>
+                      <a:prstDash val="solid"/>
+                      <a:round/>
+                      <a:headEnd type="none" w="sm" len="sm"/>
+                      <a:tailEnd type="none" w="sm" len="sm"/>
+                    </a:lnL>
+                    <a:lnR w="9525" cap="flat" cmpd="sng">
+                      <a:solidFill>
+                        <a:srgbClr val="FF0000"/>
+                      </a:solidFill>
+                      <a:prstDash val="solid"/>
+                      <a:round/>
+                      <a:headEnd type="none" w="sm" len="sm"/>
+                      <a:tailEnd type="none" w="sm" len="sm"/>
+                    </a:lnR>
+                    <a:lnT w="9525" cap="flat" cmpd="sng">
+                      <a:solidFill>
+                        <a:srgbClr val="FF0000"/>
+                      </a:solidFill>
+                      <a:prstDash val="solid"/>
+                      <a:round/>
+                      <a:headEnd type="none" w="sm" len="sm"/>
+                      <a:tailEnd type="none" w="sm" len="sm"/>
+                    </a:lnT>
+                    <a:lnB w="9525" cap="flat" cmpd="sng">
+                      <a:solidFill>
+                        <a:srgbClr val="FF0000"/>
+                      </a:solidFill>
+                      <a:prstDash val="solid"/>
+                      <a:round/>
+                      <a:headEnd type="none" w="sm" len="sm"/>
+                      <a:tailEnd type="none" w="sm" len="sm"/>
+                    </a:lnB>
+                  </a:tcPr>
+                </a:tc>
+                <a:tc>
+                  <a:txBody>
+                    <a:bodyPr/>
+                    <a:lstStyle/>
+                    <a:p>
+                      <a:pPr marL="0" lvl="0" indent="0" algn="r" rtl="0">
+                        <a:lnSpc>
+                          <a:spcPct val="115000"/>
+                        </a:lnSpc>
+                        <a:spcBef>
+                          <a:spcPts val="0"/>
+                        </a:spcBef>
+                        <a:spcAft>
+                          <a:spcPts val="0"/>
+                        </a:spcAft>
+                        <a:buNone/>
+                      </a:pPr>
+                      <a:r>
+                        <a:rPr lang="en" sz="900">
+                          <a:solidFill>
+                            <a:srgbClr val="5D6272"/>
+                          </a:solidFill>
+                          <a:latin typeface="Calibri"/>
+                          <a:ea typeface="Calibri"/>
+                          <a:cs typeface="Calibri"/>
+                          <a:sym typeface="Calibri"/>
+                        </a:rPr>
+                        <a:t>1418</a:t>
+                      </a:r>
+                      <a:endParaRPr sz="900">
+                        <a:solidFill>
+                          <a:srgbClr val="5D6272"/>
+                        </a:solidFill>
+                        <a:latin typeface="Calibri"/>
+                        <a:ea typeface="Calibri"/>
+                        <a:cs typeface="Calibri"/>
+                        <a:sym typeface="Calibri"/>
+                      </a:endParaRPr>
+                    </a:p>
+                  </a:txBody>
+                  <a:tcPr marL="28575" marR="28575" marT="19050" marB="19050" anchor="b">
+                    <a:lnL w="9525" cap="flat" cmpd="sng">
+                      <a:solidFill>
+                        <a:srgbClr val="FF0000"/>
+                      </a:solidFill>
+                      <a:prstDash val="solid"/>
+                      <a:round/>
+                      <a:headEnd type="none" w="sm" len="sm"/>
+                      <a:tailEnd type="none" w="sm" len="sm"/>
+                    </a:lnL>
+                    <a:lnR w="9525" cap="flat" cmpd="sng">
+                      <a:solidFill>
+                        <a:srgbClr val="FF0000"/>
+                      </a:solidFill>
+                      <a:prstDash val="solid"/>
+                      <a:round/>
+                      <a:headEnd type="none" w="sm" len="sm"/>
+                      <a:tailEnd type="none" w="sm" len="sm"/>
+                    </a:lnR>
+                    <a:lnT w="9525" cap="flat" cmpd="sng">
+                      <a:solidFill>
+                        <a:srgbClr val="FF0000"/>
+                      </a:solidFill>
+                      <a:prstDash val="solid"/>
+                      <a:round/>
+                      <a:headEnd type="none" w="sm" len="sm"/>
+                      <a:tailEnd type="none" w="sm" len="sm"/>
+                    </a:lnT>
+                    <a:lnB w="9525" cap="flat" cmpd="sng">
+                      <a:solidFill>
+                        <a:srgbClr val="FF0000"/>
+                      </a:solidFill>
+                      <a:prstDash val="solid"/>
+                      <a:round/>
+                      <a:headEnd type="none" w="sm" len="sm"/>
+                      <a:tailEnd type="none" w="sm" len="sm"/>
+                    </a:lnB>
+                  </a:tcPr>
+                </a:tc>
+                <a:extLst>
+                  <a:ext uri="{0D108BD9-81ED-4DB2-BD59-A6C34878D82A}">
+                    <a16:rowId xmlns:a16="http://schemas.microsoft.com/office/drawing/2014/main" val="10006"/>
+                  </a:ext>
+                </a:extLst>
+              </a:tr>
+              <a:tr h="152400">
+                <a:tc>
+                  <a:txBody>
+                    <a:bodyPr/>
+                    <a:lstStyle/>
+                    <a:p>
+                      <a:pPr marL="0" lvl="0" indent="0" algn="l" rtl="0">
+                        <a:lnSpc>
+                          <a:spcPct val="115000"/>
+                        </a:lnSpc>
+                        <a:spcBef>
+                          <a:spcPts val="0"/>
+                        </a:spcBef>
+                        <a:spcAft>
+                          <a:spcPts val="0"/>
+                        </a:spcAft>
+                        <a:buNone/>
+                      </a:pPr>
+                      <a:r>
+                        <a:rPr lang="en" sz="900" u="sng">
+                          <a:solidFill>
+                            <a:srgbClr val="1155CC"/>
+                          </a:solidFill>
+                          <a:latin typeface="Calibri"/>
+                          <a:ea typeface="Calibri"/>
+                          <a:cs typeface="Calibri"/>
+                          <a:sym typeface="Calibri"/>
+                          <a:hlinkClick r:id="rId33">
+                            <a:extLst>
+                              <a:ext uri="{A12FA001-AC4F-418D-AE19-62706E023703}">
+                                <ahyp:hlinkClr xmlns:ahyp="http://schemas.microsoft.com/office/drawing/2018/hyperlinkcolor" val="tx"/>
+                              </a:ext>
+                            </a:extLst>
+                          </a:hlinkClick>
+                        </a:rPr>
+                        <a:t>gemini-2.5-flash</a:t>
+                      </a:r>
+                      <a:endParaRPr sz="900" u="sng">
+                        <a:solidFill>
+                          <a:srgbClr val="1155CC"/>
+                        </a:solidFill>
+                        <a:latin typeface="Calibri"/>
+                        <a:ea typeface="Calibri"/>
+                        <a:cs typeface="Calibri"/>
+                        <a:sym typeface="Calibri"/>
+                      </a:endParaRPr>
+                    </a:p>
+                  </a:txBody>
+                  <a:tcPr marL="28575" marR="28575" marT="19050" marB="19050" anchor="b">
+                    <a:lnL w="9525" cap="flat" cmpd="sng">
+                      <a:solidFill>
+                        <a:srgbClr val="FF0000"/>
+                      </a:solidFill>
+                      <a:prstDash val="solid"/>
+                      <a:round/>
+                      <a:headEnd type="none" w="sm" len="sm"/>
+                      <a:tailEnd type="none" w="sm" len="sm"/>
+                    </a:lnL>
+                    <a:lnR w="9525" cap="flat" cmpd="sng">
+                      <a:solidFill>
+                        <a:srgbClr val="FF0000"/>
+                      </a:solidFill>
+                      <a:prstDash val="solid"/>
+                      <a:round/>
+                      <a:headEnd type="none" w="sm" len="sm"/>
+                      <a:tailEnd type="none" w="sm" len="sm"/>
+                    </a:lnR>
+                    <a:lnT w="9525" cap="flat" cmpd="sng">
+                      <a:solidFill>
+                        <a:srgbClr val="FF0000"/>
+                      </a:solidFill>
+                      <a:prstDash val="solid"/>
+                      <a:round/>
+                      <a:headEnd type="none" w="sm" len="sm"/>
+                      <a:tailEnd type="none" w="sm" len="sm"/>
+                    </a:lnT>
+                    <a:lnB w="9525" cap="flat" cmpd="sng">
+                      <a:solidFill>
+                        <a:srgbClr val="FF0000"/>
+                      </a:solidFill>
+                      <a:prstDash val="solid"/>
+                      <a:round/>
+                      <a:headEnd type="none" w="sm" len="sm"/>
+                      <a:tailEnd type="none" w="sm" len="sm"/>
+                    </a:lnB>
+                  </a:tcPr>
+                </a:tc>
+                <a:tc>
+                  <a:txBody>
+                    <a:bodyPr/>
+                    <a:lstStyle/>
+                    <a:p>
+                      <a:pPr marL="0" lvl="0" indent="0" algn="r" rtl="0">
+                        <a:lnSpc>
+                          <a:spcPct val="115000"/>
+                        </a:lnSpc>
+                        <a:spcBef>
+                          <a:spcPts val="0"/>
+                        </a:spcBef>
+                        <a:spcAft>
+                          <a:spcPts val="0"/>
+                        </a:spcAft>
+                        <a:buNone/>
+                      </a:pPr>
+                      <a:r>
+                        <a:rPr lang="en" sz="900">
+                          <a:solidFill>
+                            <a:srgbClr val="5D6272"/>
+                          </a:solidFill>
+                          <a:latin typeface="Calibri"/>
+                          <a:ea typeface="Calibri"/>
+                          <a:cs typeface="Calibri"/>
+                          <a:sym typeface="Calibri"/>
+                        </a:rPr>
+                        <a:t>1418</a:t>
+                      </a:r>
+                      <a:endParaRPr sz="900">
+                        <a:solidFill>
+                          <a:srgbClr val="5D6272"/>
+                        </a:solidFill>
+                        <a:latin typeface="Calibri"/>
+                        <a:ea typeface="Calibri"/>
+                        <a:cs typeface="Calibri"/>
+                        <a:sym typeface="Calibri"/>
+                      </a:endParaRPr>
+                    </a:p>
+                  </a:txBody>
+                  <a:tcPr marL="28575" marR="28575" marT="19050" marB="19050" anchor="b">
+                    <a:lnL w="9525" cap="flat" cmpd="sng">
+                      <a:solidFill>
+                        <a:srgbClr val="FF0000"/>
+                      </a:solidFill>
+                      <a:prstDash val="solid"/>
+                      <a:round/>
+                      <a:headEnd type="none" w="sm" len="sm"/>
+                      <a:tailEnd type="none" w="sm" len="sm"/>
+                    </a:lnL>
+                    <a:lnR w="9525" cap="flat" cmpd="sng">
+                      <a:solidFill>
+                        <a:srgbClr val="FF0000"/>
+                      </a:solidFill>
+                      <a:prstDash val="solid"/>
+                      <a:round/>
+                      <a:headEnd type="none" w="sm" len="sm"/>
+                      <a:tailEnd type="none" w="sm" len="sm"/>
+                    </a:lnR>
+                    <a:lnT w="9525" cap="flat" cmpd="sng">
+                      <a:solidFill>
+                        <a:srgbClr val="FF0000"/>
+                      </a:solidFill>
+                      <a:prstDash val="solid"/>
+                      <a:round/>
+                      <a:headEnd type="none" w="sm" len="sm"/>
+                      <a:tailEnd type="none" w="sm" len="sm"/>
+                    </a:lnT>
+                    <a:lnB w="9525" cap="flat" cmpd="sng">
+                      <a:solidFill>
+                        <a:srgbClr val="FF0000"/>
+                      </a:solidFill>
+                      <a:prstDash val="solid"/>
+                      <a:round/>
+                      <a:headEnd type="none" w="sm" len="sm"/>
+                      <a:tailEnd type="none" w="sm" len="sm"/>
+                    </a:lnB>
+                  </a:tcPr>
+                </a:tc>
+                <a:extLst>
+                  <a:ext uri="{0D108BD9-81ED-4DB2-BD59-A6C34878D82A}">
+                    <a16:rowId xmlns:a16="http://schemas.microsoft.com/office/drawing/2014/main" val="10007"/>
+                  </a:ext>
+                </a:extLst>
+              </a:tr>
+              <a:tr h="152400">
+                <a:tc>
+                  <a:txBody>
+                    <a:bodyPr/>
+                    <a:lstStyle/>
+                    <a:p>
+                      <a:pPr marL="0" lvl="0" indent="0" algn="l" rtl="0">
+                        <a:lnSpc>
+                          <a:spcPct val="115000"/>
+                        </a:lnSpc>
+                        <a:spcBef>
+                          <a:spcPts val="0"/>
+                        </a:spcBef>
+                        <a:spcAft>
+                          <a:spcPts val="0"/>
+                        </a:spcAft>
+                        <a:buNone/>
+                      </a:pPr>
+                      <a:r>
+                        <a:rPr lang="en" sz="900" u="sng">
+                          <a:solidFill>
+                            <a:srgbClr val="1155CC"/>
+                          </a:solidFill>
+                          <a:latin typeface="Calibri"/>
+                          <a:ea typeface="Calibri"/>
+                          <a:cs typeface="Calibri"/>
+                          <a:sym typeface="Calibri"/>
+                          <a:hlinkClick r:id="rId15">
+                            <a:extLst>
+                              <a:ext uri="{A12FA001-AC4F-418D-AE19-62706E023703}">
+                                <ahyp:hlinkClr xmlns:ahyp="http://schemas.microsoft.com/office/drawing/2018/hyperlinkcolor" val="tx"/>
+                              </a:ext>
+                            </a:extLst>
+                          </a:hlinkClick>
+                        </a:rPr>
+                        <a:t>deepseek-r1-0528</a:t>
+                      </a:r>
+                      <a:endParaRPr sz="900" u="sng">
+                        <a:solidFill>
+                          <a:srgbClr val="1155CC"/>
+                        </a:solidFill>
+                        <a:latin typeface="Calibri"/>
+                        <a:ea typeface="Calibri"/>
+                        <a:cs typeface="Calibri"/>
+                        <a:sym typeface="Calibri"/>
+                      </a:endParaRPr>
+                    </a:p>
+                  </a:txBody>
+                  <a:tcPr marL="28575" marR="28575" marT="19050" marB="19050" anchor="b">
+                    <a:lnL w="9525" cap="flat" cmpd="sng">
+                      <a:solidFill>
+                        <a:srgbClr val="FF0000"/>
+                      </a:solidFill>
+                      <a:prstDash val="solid"/>
+                      <a:round/>
+                      <a:headEnd type="none" w="sm" len="sm"/>
+                      <a:tailEnd type="none" w="sm" len="sm"/>
+                    </a:lnL>
+                    <a:lnR w="9525" cap="flat" cmpd="sng">
+                      <a:solidFill>
+                        <a:srgbClr val="FF0000"/>
+                      </a:solidFill>
+                      <a:prstDash val="solid"/>
+                      <a:round/>
+                      <a:headEnd type="none" w="sm" len="sm"/>
+                      <a:tailEnd type="none" w="sm" len="sm"/>
+                    </a:lnR>
+                    <a:lnT w="9525" cap="flat" cmpd="sng">
+                      <a:solidFill>
+                        <a:srgbClr val="FF0000"/>
+                      </a:solidFill>
+                      <a:prstDash val="solid"/>
+                      <a:round/>
+                      <a:headEnd type="none" w="sm" len="sm"/>
+                      <a:tailEnd type="none" w="sm" len="sm"/>
+                    </a:lnT>
+                    <a:lnB w="9525" cap="flat" cmpd="sng">
+                      <a:solidFill>
+                        <a:srgbClr val="FF0000"/>
+                      </a:solidFill>
+                      <a:prstDash val="solid"/>
+                      <a:round/>
+                      <a:headEnd type="none" w="sm" len="sm"/>
+                      <a:tailEnd type="none" w="sm" len="sm"/>
+                    </a:lnB>
+                  </a:tcPr>
+                </a:tc>
+                <a:tc>
+                  <a:txBody>
+                    <a:bodyPr/>
+                    <a:lstStyle/>
+                    <a:p>
+                      <a:pPr marL="0" lvl="0" indent="0" algn="r" rtl="0">
+                        <a:lnSpc>
+                          <a:spcPct val="115000"/>
+                        </a:lnSpc>
+                        <a:spcBef>
+                          <a:spcPts val="0"/>
+                        </a:spcBef>
+                        <a:spcAft>
+                          <a:spcPts val="0"/>
+                        </a:spcAft>
+                        <a:buNone/>
+                      </a:pPr>
+                      <a:r>
+                        <a:rPr lang="en" sz="900">
+                          <a:solidFill>
+                            <a:srgbClr val="5D6272"/>
+                          </a:solidFill>
+                          <a:latin typeface="Calibri"/>
+                          <a:ea typeface="Calibri"/>
+                          <a:cs typeface="Calibri"/>
+                          <a:sym typeface="Calibri"/>
+                        </a:rPr>
+                        <a:t>1413</a:t>
+                      </a:r>
+                      <a:endParaRPr sz="900">
+                        <a:solidFill>
+                          <a:srgbClr val="5D6272"/>
+                        </a:solidFill>
+                        <a:latin typeface="Calibri"/>
+                        <a:ea typeface="Calibri"/>
+                        <a:cs typeface="Calibri"/>
+                        <a:sym typeface="Calibri"/>
+                      </a:endParaRPr>
+                    </a:p>
+                  </a:txBody>
+                  <a:tcPr marL="28575" marR="28575" marT="19050" marB="19050" anchor="b">
+                    <a:lnL w="9525" cap="flat" cmpd="sng">
+                      <a:solidFill>
+                        <a:srgbClr val="FF0000"/>
+                      </a:solidFill>
+                      <a:prstDash val="solid"/>
+                      <a:round/>
+                      <a:headEnd type="none" w="sm" len="sm"/>
+                      <a:tailEnd type="none" w="sm" len="sm"/>
+                    </a:lnL>
+                    <a:lnR w="9525" cap="flat" cmpd="sng">
+                      <a:solidFill>
+                        <a:srgbClr val="FF0000"/>
+                      </a:solidFill>
+                      <a:prstDash val="solid"/>
+                      <a:round/>
+                      <a:headEnd type="none" w="sm" len="sm"/>
+                      <a:tailEnd type="none" w="sm" len="sm"/>
+                    </a:lnR>
+                    <a:lnT w="9525" cap="flat" cmpd="sng">
+                      <a:solidFill>
+                        <a:srgbClr val="FF0000"/>
+                      </a:solidFill>
+                      <a:prstDash val="solid"/>
+                      <a:round/>
+                      <a:headEnd type="none" w="sm" len="sm"/>
+                      <a:tailEnd type="none" w="sm" len="sm"/>
+                    </a:lnT>
+                    <a:lnB w="9525" cap="flat" cmpd="sng">
+                      <a:solidFill>
+                        <a:srgbClr val="FF0000"/>
+                      </a:solidFill>
+                      <a:prstDash val="solid"/>
+                      <a:round/>
+                      <a:headEnd type="none" w="sm" len="sm"/>
+                      <a:tailEnd type="none" w="sm" len="sm"/>
+                    </a:lnB>
+                  </a:tcPr>
+                </a:tc>
+                <a:extLst>
+                  <a:ext uri="{0D108BD9-81ED-4DB2-BD59-A6C34878D82A}">
+                    <a16:rowId xmlns:a16="http://schemas.microsoft.com/office/drawing/2014/main" val="10008"/>
+                  </a:ext>
+                </a:extLst>
+              </a:tr>
+              <a:tr h="152400">
+                <a:tc>
+                  <a:txBody>
+                    <a:bodyPr/>
+                    <a:lstStyle/>
+                    <a:p>
+                      <a:pPr marL="0" lvl="0" indent="0" algn="l" rtl="0">
+                        <a:lnSpc>
+                          <a:spcPct val="115000"/>
+                        </a:lnSpc>
+                        <a:spcBef>
+                          <a:spcPts val="0"/>
+                        </a:spcBef>
+                        <a:spcAft>
+                          <a:spcPts val="0"/>
+                        </a:spcAft>
+                        <a:buNone/>
+                      </a:pPr>
+                      <a:r>
+                        <a:rPr lang="en" sz="900" u="sng">
+                          <a:solidFill>
+                            <a:srgbClr val="1155CC"/>
+                          </a:solidFill>
+                          <a:latin typeface="Calibri"/>
+                          <a:ea typeface="Calibri"/>
+                          <a:cs typeface="Calibri"/>
+                          <a:sym typeface="Calibri"/>
+                          <a:hlinkClick r:id="rId20">
+                            <a:extLst>
+                              <a:ext uri="{A12FA001-AC4F-418D-AE19-62706E023703}">
+                                <ahyp:hlinkClr xmlns:ahyp="http://schemas.microsoft.com/office/drawing/2018/hyperlinkcolor" val="tx"/>
+                              </a:ext>
+                            </a:extLst>
+                          </a:hlinkClick>
+                        </a:rPr>
+                        <a:t>gpt-4.1-2025-04-14</a:t>
+                      </a:r>
+                      <a:endParaRPr sz="900" u="sng">
+                        <a:solidFill>
+                          <a:srgbClr val="1155CC"/>
+                        </a:solidFill>
+                        <a:latin typeface="Calibri"/>
+                        <a:ea typeface="Calibri"/>
+                        <a:cs typeface="Calibri"/>
+                        <a:sym typeface="Calibri"/>
+                      </a:endParaRPr>
+                    </a:p>
+                  </a:txBody>
+                  <a:tcPr marL="28575" marR="28575" marT="19050" marB="19050" anchor="b">
+                    <a:lnL w="9525" cap="flat" cmpd="sng">
+                      <a:solidFill>
+                        <a:srgbClr val="FF0000"/>
+                      </a:solidFill>
+                      <a:prstDash val="solid"/>
+                      <a:round/>
+                      <a:headEnd type="none" w="sm" len="sm"/>
+                      <a:tailEnd type="none" w="sm" len="sm"/>
+                    </a:lnL>
+                    <a:lnR w="9525" cap="flat" cmpd="sng">
+                      <a:solidFill>
+                        <a:srgbClr val="FF0000"/>
+                      </a:solidFill>
+                      <a:prstDash val="solid"/>
+                      <a:round/>
+                      <a:headEnd type="none" w="sm" len="sm"/>
+                      <a:tailEnd type="none" w="sm" len="sm"/>
+                    </a:lnR>
+                    <a:lnT w="9525" cap="flat" cmpd="sng">
+                      <a:solidFill>
+                        <a:srgbClr val="FF0000"/>
+                      </a:solidFill>
+                      <a:prstDash val="solid"/>
+                      <a:round/>
+                      <a:headEnd type="none" w="sm" len="sm"/>
+                      <a:tailEnd type="none" w="sm" len="sm"/>
+                    </a:lnT>
+                    <a:lnB w="9525" cap="flat" cmpd="sng">
+                      <a:solidFill>
+                        <a:srgbClr val="FF0000"/>
+                      </a:solidFill>
+                      <a:prstDash val="solid"/>
+                      <a:round/>
+                      <a:headEnd type="none" w="sm" len="sm"/>
+                      <a:tailEnd type="none" w="sm" len="sm"/>
+                    </a:lnB>
+                  </a:tcPr>
+                </a:tc>
+                <a:tc>
+                  <a:txBody>
+                    <a:bodyPr/>
+                    <a:lstStyle/>
+                    <a:p>
+                      <a:pPr marL="0" lvl="0" indent="0" algn="r" rtl="0">
+                        <a:lnSpc>
+                          <a:spcPct val="115000"/>
+                        </a:lnSpc>
+                        <a:spcBef>
+                          <a:spcPts val="0"/>
+                        </a:spcBef>
+                        <a:spcAft>
+                          <a:spcPts val="0"/>
+                        </a:spcAft>
+                        <a:buNone/>
+                      </a:pPr>
+                      <a:r>
+                        <a:rPr lang="en" sz="900">
+                          <a:solidFill>
+                            <a:srgbClr val="5D6272"/>
+                          </a:solidFill>
+                          <a:latin typeface="Calibri"/>
+                          <a:ea typeface="Calibri"/>
+                          <a:cs typeface="Calibri"/>
+                          <a:sym typeface="Calibri"/>
+                        </a:rPr>
+                        <a:t>1411</a:t>
+                      </a:r>
+                      <a:endParaRPr sz="900">
+                        <a:solidFill>
+                          <a:srgbClr val="5D6272"/>
+                        </a:solidFill>
+                        <a:latin typeface="Calibri"/>
+                        <a:ea typeface="Calibri"/>
+                        <a:cs typeface="Calibri"/>
+                        <a:sym typeface="Calibri"/>
+                      </a:endParaRPr>
+                    </a:p>
+                  </a:txBody>
+                  <a:tcPr marL="28575" marR="28575" marT="19050" marB="19050" anchor="b">
+                    <a:lnL w="9525" cap="flat" cmpd="sng">
+                      <a:solidFill>
+                        <a:srgbClr val="FF0000"/>
+                      </a:solidFill>
+                      <a:prstDash val="solid"/>
+                      <a:round/>
+                      <a:headEnd type="none" w="sm" len="sm"/>
+                      <a:tailEnd type="none" w="sm" len="sm"/>
+                    </a:lnL>
+                    <a:lnR w="9525" cap="flat" cmpd="sng">
+                      <a:solidFill>
+                        <a:srgbClr val="FF0000"/>
+                      </a:solidFill>
+                      <a:prstDash val="solid"/>
+                      <a:round/>
+                      <a:headEnd type="none" w="sm" len="sm"/>
+                      <a:tailEnd type="none" w="sm" len="sm"/>
+                    </a:lnR>
+                    <a:lnT w="9525" cap="flat" cmpd="sng">
+                      <a:solidFill>
+                        <a:srgbClr val="FF0000"/>
+                      </a:solidFill>
+                      <a:prstDash val="solid"/>
+                      <a:round/>
+                      <a:headEnd type="none" w="sm" len="sm"/>
+                      <a:tailEnd type="none" w="sm" len="sm"/>
+                    </a:lnT>
+                    <a:lnB w="9525" cap="flat" cmpd="sng">
+                      <a:solidFill>
+                        <a:srgbClr val="FF0000"/>
+                      </a:solidFill>
+                      <a:prstDash val="solid"/>
+                      <a:round/>
+                      <a:headEnd type="none" w="sm" len="sm"/>
+                      <a:tailEnd type="none" w="sm" len="sm"/>
+                    </a:lnB>
+                  </a:tcPr>
+                </a:tc>
+                <a:extLst>
+                  <a:ext uri="{0D108BD9-81ED-4DB2-BD59-A6C34878D82A}">
+                    <a16:rowId xmlns:a16="http://schemas.microsoft.com/office/drawing/2014/main" val="10009"/>
+                  </a:ext>
+                </a:extLst>
+              </a:tr>
+              <a:tr h="152400">
+                <a:tc>
+                  <a:txBody>
+                    <a:bodyPr/>
+                    <a:lstStyle/>
+                    <a:p>
+                      <a:pPr marL="0" lvl="0" indent="0" algn="l" rtl="0">
+                        <a:lnSpc>
+                          <a:spcPct val="115000"/>
+                        </a:lnSpc>
+                        <a:spcBef>
+                          <a:spcPts val="0"/>
+                        </a:spcBef>
+                        <a:spcAft>
+                          <a:spcPts val="0"/>
+                        </a:spcAft>
+                        <a:buNone/>
+                      </a:pPr>
+                      <a:r>
+                        <a:rPr lang="en" sz="900" u="sng">
+                          <a:solidFill>
+                            <a:srgbClr val="1155CC"/>
+                          </a:solidFill>
+                          <a:latin typeface="Calibri"/>
+                          <a:ea typeface="Calibri"/>
+                          <a:cs typeface="Calibri"/>
+                          <a:sym typeface="Calibri"/>
+                          <a:hlinkClick r:id="rId34">
+                            <a:extLst>
+                              <a:ext uri="{A12FA001-AC4F-418D-AE19-62706E023703}">
+                                <ahyp:hlinkClr xmlns:ahyp="http://schemas.microsoft.com/office/drawing/2018/hyperlinkcolor" val="tx"/>
+                              </a:ext>
+                            </a:extLst>
+                          </a:hlinkClick>
+                        </a:rPr>
+                        <a:t>grok-3-preview-02-24</a:t>
+                      </a:r>
+                      <a:endParaRPr sz="900" u="sng">
+                        <a:solidFill>
+                          <a:srgbClr val="1155CC"/>
+                        </a:solidFill>
+                        <a:latin typeface="Calibri"/>
+                        <a:ea typeface="Calibri"/>
+                        <a:cs typeface="Calibri"/>
+                        <a:sym typeface="Calibri"/>
+                      </a:endParaRPr>
+                    </a:p>
+                  </a:txBody>
+                  <a:tcPr marL="28575" marR="28575" marT="19050" marB="19050" anchor="b">
+                    <a:lnL w="9525" cap="flat" cmpd="sng">
+                      <a:solidFill>
+                        <a:srgbClr val="FF0000"/>
+                      </a:solidFill>
+                      <a:prstDash val="solid"/>
+                      <a:round/>
+                      <a:headEnd type="none" w="sm" len="sm"/>
+                      <a:tailEnd type="none" w="sm" len="sm"/>
+                    </a:lnL>
+                    <a:lnR w="9525" cap="flat" cmpd="sng">
+                      <a:solidFill>
+                        <a:srgbClr val="FF0000"/>
+                      </a:solidFill>
+                      <a:prstDash val="solid"/>
+                      <a:round/>
+                      <a:headEnd type="none" w="sm" len="sm"/>
+                      <a:tailEnd type="none" w="sm" len="sm"/>
+                    </a:lnR>
+                    <a:lnT w="9525" cap="flat" cmpd="sng">
+                      <a:solidFill>
+                        <a:srgbClr val="FF0000"/>
+                      </a:solidFill>
+                      <a:prstDash val="solid"/>
+                      <a:round/>
+                      <a:headEnd type="none" w="sm" len="sm"/>
+                      <a:tailEnd type="none" w="sm" len="sm"/>
+                    </a:lnT>
+                    <a:lnB w="9525" cap="flat" cmpd="sng">
+                      <a:solidFill>
+                        <a:srgbClr val="FF0000"/>
+                      </a:solidFill>
+                      <a:prstDash val="solid"/>
+                      <a:round/>
+                      <a:headEnd type="none" w="sm" len="sm"/>
+                      <a:tailEnd type="none" w="sm" len="sm"/>
+                    </a:lnB>
+                  </a:tcPr>
+                </a:tc>
+                <a:tc>
+                  <a:txBody>
+                    <a:bodyPr/>
+                    <a:lstStyle/>
+                    <a:p>
+                      <a:pPr marL="0" lvl="0" indent="0" algn="r" rtl="0">
+                        <a:lnSpc>
+                          <a:spcPct val="115000"/>
+                        </a:lnSpc>
+                        <a:spcBef>
+                          <a:spcPts val="0"/>
+                        </a:spcBef>
+                        <a:spcAft>
+                          <a:spcPts val="0"/>
+                        </a:spcAft>
+                        <a:buNone/>
+                      </a:pPr>
+                      <a:r>
+                        <a:rPr lang="en" sz="900">
+                          <a:solidFill>
+                            <a:srgbClr val="5D6272"/>
+                          </a:solidFill>
+                          <a:latin typeface="Calibri"/>
+                          <a:ea typeface="Calibri"/>
+                          <a:cs typeface="Calibri"/>
+                          <a:sym typeface="Calibri"/>
+                        </a:rPr>
+                        <a:t>1409</a:t>
+                      </a:r>
+                      <a:endParaRPr sz="900">
+                        <a:solidFill>
+                          <a:srgbClr val="5D6272"/>
+                        </a:solidFill>
+                        <a:latin typeface="Calibri"/>
+                        <a:ea typeface="Calibri"/>
+                        <a:cs typeface="Calibri"/>
+                        <a:sym typeface="Calibri"/>
+                      </a:endParaRPr>
+                    </a:p>
+                  </a:txBody>
+                  <a:tcPr marL="28575" marR="28575" marT="19050" marB="19050" anchor="b">
+                    <a:lnL w="9525" cap="flat" cmpd="sng">
+                      <a:solidFill>
+                        <a:srgbClr val="FF0000"/>
+                      </a:solidFill>
+                      <a:prstDash val="solid"/>
+                      <a:round/>
+                      <a:headEnd type="none" w="sm" len="sm"/>
+                      <a:tailEnd type="none" w="sm" len="sm"/>
+                    </a:lnL>
+                    <a:lnR w="9525" cap="flat" cmpd="sng">
+                      <a:solidFill>
+                        <a:srgbClr val="FF0000"/>
+                      </a:solidFill>
+                      <a:prstDash val="solid"/>
+                      <a:round/>
+                      <a:headEnd type="none" w="sm" len="sm"/>
+                      <a:tailEnd type="none" w="sm" len="sm"/>
+                    </a:lnR>
+                    <a:lnT w="9525" cap="flat" cmpd="sng">
+                      <a:solidFill>
+                        <a:srgbClr val="FF0000"/>
+                      </a:solidFill>
+                      <a:prstDash val="solid"/>
+                      <a:round/>
+                      <a:headEnd type="none" w="sm" len="sm"/>
+                      <a:tailEnd type="none" w="sm" len="sm"/>
+                    </a:lnT>
+                    <a:lnB w="9525" cap="flat" cmpd="sng">
+                      <a:solidFill>
+                        <a:srgbClr val="FF0000"/>
+                      </a:solidFill>
+                      <a:prstDash val="solid"/>
+                      <a:round/>
+                      <a:headEnd type="none" w="sm" len="sm"/>
+                      <a:tailEnd type="none" w="sm" len="sm"/>
+                    </a:lnB>
+                  </a:tcPr>
+                </a:tc>
+                <a:extLst>
+                  <a:ext uri="{0D108BD9-81ED-4DB2-BD59-A6C34878D82A}">
+                    <a16:rowId xmlns:a16="http://schemas.microsoft.com/office/drawing/2014/main" val="10010"/>
+                  </a:ext>
+                </a:extLst>
+              </a:tr>
+              <a:tr h="152400">
+                <a:tc>
+                  <a:txBody>
+                    <a:bodyPr/>
+                    <a:lstStyle/>
+                    <a:p>
+                      <a:pPr marL="0" lvl="0" indent="0" algn="l" rtl="0">
+                        <a:lnSpc>
+                          <a:spcPct val="115000"/>
+                        </a:lnSpc>
+                        <a:spcBef>
+                          <a:spcPts val="0"/>
+                        </a:spcBef>
+                        <a:spcAft>
+                          <a:spcPts val="0"/>
+                        </a:spcAft>
+                        <a:buNone/>
+                      </a:pPr>
+                      <a:r>
+                        <a:rPr lang="en" sz="900" u="sng">
+                          <a:solidFill>
+                            <a:srgbClr val="1155CC"/>
+                          </a:solidFill>
+                          <a:latin typeface="Calibri"/>
+                          <a:ea typeface="Calibri"/>
+                          <a:cs typeface="Calibri"/>
+                          <a:sym typeface="Calibri"/>
+                          <a:hlinkClick r:id="rId27">
+                            <a:extLst>
+                              <a:ext uri="{A12FA001-AC4F-418D-AE19-62706E023703}">
+                                <ahyp:hlinkClr xmlns:ahyp="http://schemas.microsoft.com/office/drawing/2018/hyperlinkcolor" val="tx"/>
+                              </a:ext>
+                            </a:extLst>
+                          </a:hlinkClick>
+                        </a:rPr>
+                        <a:t>gemini-2.5-flash-preview-04-17</a:t>
+                      </a:r>
+                      <a:endParaRPr sz="900" u="sng">
+                        <a:solidFill>
+                          <a:srgbClr val="1155CC"/>
+                        </a:solidFill>
+                        <a:latin typeface="Calibri"/>
+                        <a:ea typeface="Calibri"/>
+                        <a:cs typeface="Calibri"/>
+                        <a:sym typeface="Calibri"/>
+                      </a:endParaRPr>
+                    </a:p>
+                  </a:txBody>
+                  <a:tcPr marL="28575" marR="28575" marT="19050" marB="19050" anchor="b">
+                    <a:lnL w="9525" cap="flat" cmpd="sng">
+                      <a:solidFill>
+                        <a:srgbClr val="FF0000"/>
+                      </a:solidFill>
+                      <a:prstDash val="solid"/>
+                      <a:round/>
+                      <a:headEnd type="none" w="sm" len="sm"/>
+                      <a:tailEnd type="none" w="sm" len="sm"/>
+                    </a:lnL>
+                    <a:lnR w="9525" cap="flat" cmpd="sng">
+                      <a:solidFill>
+                        <a:srgbClr val="FF0000"/>
+                      </a:solidFill>
+                      <a:prstDash val="solid"/>
+                      <a:round/>
+                      <a:headEnd type="none" w="sm" len="sm"/>
+                      <a:tailEnd type="none" w="sm" len="sm"/>
+                    </a:lnR>
+                    <a:lnT w="9525" cap="flat" cmpd="sng">
+                      <a:solidFill>
+                        <a:srgbClr val="FF0000"/>
+                      </a:solidFill>
+                      <a:prstDash val="solid"/>
+                      <a:round/>
+                      <a:headEnd type="none" w="sm" len="sm"/>
+                      <a:tailEnd type="none" w="sm" len="sm"/>
+                    </a:lnT>
+                    <a:lnB w="9525" cap="flat" cmpd="sng">
+                      <a:solidFill>
+                        <a:srgbClr val="FF0000"/>
+                      </a:solidFill>
+                      <a:prstDash val="solid"/>
+                      <a:round/>
+                      <a:headEnd type="none" w="sm" len="sm"/>
+                      <a:tailEnd type="none" w="sm" len="sm"/>
+                    </a:lnB>
+                  </a:tcPr>
+                </a:tc>
+                <a:tc>
+                  <a:txBody>
+                    <a:bodyPr/>
+                    <a:lstStyle/>
+                    <a:p>
+                      <a:pPr marL="0" lvl="0" indent="0" algn="r" rtl="0">
+                        <a:lnSpc>
+                          <a:spcPct val="115000"/>
+                        </a:lnSpc>
+                        <a:spcBef>
+                          <a:spcPts val="0"/>
+                        </a:spcBef>
+                        <a:spcAft>
+                          <a:spcPts val="0"/>
+                        </a:spcAft>
+                        <a:buNone/>
+                      </a:pPr>
+                      <a:r>
+                        <a:rPr lang="en" sz="900">
+                          <a:solidFill>
+                            <a:srgbClr val="5D6272"/>
+                          </a:solidFill>
+                          <a:latin typeface="Calibri"/>
+                          <a:ea typeface="Calibri"/>
+                          <a:cs typeface="Calibri"/>
+                          <a:sym typeface="Calibri"/>
+                        </a:rPr>
+                        <a:t>1407</a:t>
+                      </a:r>
+                      <a:endParaRPr sz="900">
+                        <a:solidFill>
+                          <a:srgbClr val="5D6272"/>
+                        </a:solidFill>
+                        <a:latin typeface="Calibri"/>
+                        <a:ea typeface="Calibri"/>
+                        <a:cs typeface="Calibri"/>
+                        <a:sym typeface="Calibri"/>
+                      </a:endParaRPr>
+                    </a:p>
+                  </a:txBody>
+                  <a:tcPr marL="28575" marR="28575" marT="19050" marB="19050" anchor="b">
+                    <a:lnL w="9525" cap="flat" cmpd="sng">
+                      <a:solidFill>
+                        <a:srgbClr val="FF0000"/>
+                      </a:solidFill>
+                      <a:prstDash val="solid"/>
+                      <a:round/>
+                      <a:headEnd type="none" w="sm" len="sm"/>
+                      <a:tailEnd type="none" w="sm" len="sm"/>
+                    </a:lnL>
+                    <a:lnR w="9525" cap="flat" cmpd="sng">
+                      <a:solidFill>
+                        <a:srgbClr val="FF0000"/>
+                      </a:solidFill>
+                      <a:prstDash val="solid"/>
+                      <a:round/>
+                      <a:headEnd type="none" w="sm" len="sm"/>
+                      <a:tailEnd type="none" w="sm" len="sm"/>
+                    </a:lnR>
+                    <a:lnT w="9525" cap="flat" cmpd="sng">
+                      <a:solidFill>
+                        <a:srgbClr val="FF0000"/>
+                      </a:solidFill>
+                      <a:prstDash val="solid"/>
+                      <a:round/>
+                      <a:headEnd type="none" w="sm" len="sm"/>
+                      <a:tailEnd type="none" w="sm" len="sm"/>
+                    </a:lnT>
+                    <a:lnB w="9525" cap="flat" cmpd="sng">
+                      <a:solidFill>
+                        <a:srgbClr val="FF0000"/>
+                      </a:solidFill>
+                      <a:prstDash val="solid"/>
+                      <a:round/>
+                      <a:headEnd type="none" w="sm" len="sm"/>
+                      <a:tailEnd type="none" w="sm" len="sm"/>
+                    </a:lnB>
+                  </a:tcPr>
+                </a:tc>
+                <a:extLst>
+                  <a:ext uri="{0D108BD9-81ED-4DB2-BD59-A6C34878D82A}">
+                    <a16:rowId xmlns:a16="http://schemas.microsoft.com/office/drawing/2014/main" val="10011"/>
+                  </a:ext>
+                </a:extLst>
+              </a:tr>
+              <a:tr h="152400">
+                <a:tc>
+                  <a:txBody>
+                    <a:bodyPr/>
+                    <a:lstStyle/>
+                    <a:p>
+                      <a:pPr marL="0" lvl="0" indent="0" algn="l" rtl="0">
+                        <a:lnSpc>
+                          <a:spcPct val="115000"/>
+                        </a:lnSpc>
+                        <a:spcBef>
+                          <a:spcPts val="0"/>
+                        </a:spcBef>
+                        <a:spcAft>
+                          <a:spcPts val="0"/>
+                        </a:spcAft>
+                        <a:buNone/>
+                      </a:pPr>
+                      <a:r>
+                        <a:rPr lang="en" sz="900" u="sng">
+                          <a:solidFill>
+                            <a:srgbClr val="1155CC"/>
+                          </a:solidFill>
+                          <a:latin typeface="Calibri"/>
+                          <a:ea typeface="Calibri"/>
+                          <a:cs typeface="Calibri"/>
+                          <a:sym typeface="Calibri"/>
+                          <a:hlinkClick r:id="rId24">
+                            <a:extLst>
+                              <a:ext uri="{A12FA001-AC4F-418D-AE19-62706E023703}">
+                                <ahyp:hlinkClr xmlns:ahyp="http://schemas.microsoft.com/office/drawing/2018/hyperlinkcolor" val="tx"/>
+                              </a:ext>
+                            </a:extLst>
+                          </a:hlinkClick>
+                        </a:rPr>
+                        <a:t>o4-mini-2025-04-16</a:t>
+                      </a:r>
+                      <a:endParaRPr sz="900" u="sng">
+                        <a:solidFill>
+                          <a:srgbClr val="1155CC"/>
+                        </a:solidFill>
+                        <a:latin typeface="Calibri"/>
+                        <a:ea typeface="Calibri"/>
+                        <a:cs typeface="Calibri"/>
+                        <a:sym typeface="Calibri"/>
+                      </a:endParaRPr>
+                    </a:p>
+                  </a:txBody>
+                  <a:tcPr marL="28575" marR="28575" marT="19050" marB="19050" anchor="b">
+                    <a:lnL w="9525" cap="flat" cmpd="sng">
+                      <a:solidFill>
+                        <a:srgbClr val="FF0000"/>
+                      </a:solidFill>
+                      <a:prstDash val="solid"/>
+                      <a:round/>
+                      <a:headEnd type="none" w="sm" len="sm"/>
+                      <a:tailEnd type="none" w="sm" len="sm"/>
+                    </a:lnL>
+                    <a:lnR w="9525" cap="flat" cmpd="sng">
+                      <a:solidFill>
+                        <a:srgbClr val="FF0000"/>
+                      </a:solidFill>
+                      <a:prstDash val="solid"/>
+                      <a:round/>
+                      <a:headEnd type="none" w="sm" len="sm"/>
+                      <a:tailEnd type="none" w="sm" len="sm"/>
+                    </a:lnR>
+                    <a:lnT w="9525" cap="flat" cmpd="sng">
+                      <a:solidFill>
+                        <a:srgbClr val="FF0000"/>
+                      </a:solidFill>
+                      <a:prstDash val="solid"/>
+                      <a:round/>
+                      <a:headEnd type="none" w="sm" len="sm"/>
+                      <a:tailEnd type="none" w="sm" len="sm"/>
+                    </a:lnT>
+                    <a:lnB w="9525" cap="flat" cmpd="sng">
+                      <a:solidFill>
+                        <a:srgbClr val="FF0000"/>
+                      </a:solidFill>
+                      <a:prstDash val="solid"/>
+                      <a:round/>
+                      <a:headEnd type="none" w="sm" len="sm"/>
+                      <a:tailEnd type="none" w="sm" len="sm"/>
+                    </a:lnB>
+                  </a:tcPr>
+                </a:tc>
+                <a:tc>
+                  <a:txBody>
+                    <a:bodyPr/>
+                    <a:lstStyle/>
+                    <a:p>
+                      <a:pPr marL="0" lvl="0" indent="0" algn="r" rtl="0">
+                        <a:lnSpc>
+                          <a:spcPct val="115000"/>
+                        </a:lnSpc>
+                        <a:spcBef>
+                          <a:spcPts val="0"/>
+                        </a:spcBef>
+                        <a:spcAft>
+                          <a:spcPts val="0"/>
+                        </a:spcAft>
+                        <a:buNone/>
+                      </a:pPr>
+                      <a:r>
+                        <a:rPr lang="en" sz="900">
+                          <a:solidFill>
+                            <a:srgbClr val="5D6272"/>
+                          </a:solidFill>
+                          <a:latin typeface="Calibri"/>
+                          <a:ea typeface="Calibri"/>
+                          <a:cs typeface="Calibri"/>
+                          <a:sym typeface="Calibri"/>
+                        </a:rPr>
+                        <a:t>1398</a:t>
+                      </a:r>
+                      <a:endParaRPr sz="900">
+                        <a:solidFill>
+                          <a:srgbClr val="5D6272"/>
+                        </a:solidFill>
+                        <a:latin typeface="Calibri"/>
+                        <a:ea typeface="Calibri"/>
+                        <a:cs typeface="Calibri"/>
+                        <a:sym typeface="Calibri"/>
+                      </a:endParaRPr>
+                    </a:p>
+                  </a:txBody>
+                  <a:tcPr marL="28575" marR="28575" marT="19050" marB="19050" anchor="b">
+                    <a:lnL w="9525" cap="flat" cmpd="sng">
+                      <a:solidFill>
+                        <a:srgbClr val="FF0000"/>
+                      </a:solidFill>
+                      <a:prstDash val="solid"/>
+                      <a:round/>
+                      <a:headEnd type="none" w="sm" len="sm"/>
+                      <a:tailEnd type="none" w="sm" len="sm"/>
+                    </a:lnL>
+                    <a:lnR w="9525" cap="flat" cmpd="sng">
+                      <a:solidFill>
+                        <a:srgbClr val="FF0000"/>
+                      </a:solidFill>
+                      <a:prstDash val="solid"/>
+                      <a:round/>
+                      <a:headEnd type="none" w="sm" len="sm"/>
+                      <a:tailEnd type="none" w="sm" len="sm"/>
+                    </a:lnR>
+                    <a:lnT w="9525" cap="flat" cmpd="sng">
+                      <a:solidFill>
+                        <a:srgbClr val="FF0000"/>
+                      </a:solidFill>
+                      <a:prstDash val="solid"/>
+                      <a:round/>
+                      <a:headEnd type="none" w="sm" len="sm"/>
+                      <a:tailEnd type="none" w="sm" len="sm"/>
+                    </a:lnT>
+                    <a:lnB w="9525" cap="flat" cmpd="sng">
+                      <a:solidFill>
+                        <a:srgbClr val="FF0000"/>
+                      </a:solidFill>
+                      <a:prstDash val="solid"/>
+                      <a:round/>
+                      <a:headEnd type="none" w="sm" len="sm"/>
+                      <a:tailEnd type="none" w="sm" len="sm"/>
+                    </a:lnB>
+                  </a:tcPr>
+                </a:tc>
+                <a:extLst>
+                  <a:ext uri="{0D108BD9-81ED-4DB2-BD59-A6C34878D82A}">
+                    <a16:rowId xmlns:a16="http://schemas.microsoft.com/office/drawing/2014/main" val="10012"/>
+                  </a:ext>
+                </a:extLst>
+              </a:tr>
+              <a:tr h="152400">
+                <a:tc>
+                  <a:txBody>
+                    <a:bodyPr/>
+                    <a:lstStyle/>
+                    <a:p>
+                      <a:pPr marL="0" lvl="0" indent="0" algn="l" rtl="0">
+                        <a:lnSpc>
+                          <a:spcPct val="115000"/>
+                        </a:lnSpc>
+                        <a:spcBef>
+                          <a:spcPts val="0"/>
+                        </a:spcBef>
+                        <a:spcAft>
+                          <a:spcPts val="0"/>
+                        </a:spcAft>
+                        <a:buNone/>
+                      </a:pPr>
+                      <a:r>
+                        <a:rPr lang="en" sz="900" u="sng">
+                          <a:solidFill>
+                            <a:srgbClr val="1155CC"/>
+                          </a:solidFill>
+                          <a:latin typeface="Calibri"/>
+                          <a:ea typeface="Calibri"/>
+                          <a:cs typeface="Calibri"/>
+                          <a:sym typeface="Calibri"/>
+                          <a:hlinkClick r:id="rId35">
+                            <a:extLst>
+                              <a:ext uri="{A12FA001-AC4F-418D-AE19-62706E023703}">
+                                <ahyp:hlinkClr xmlns:ahyp="http://schemas.microsoft.com/office/drawing/2018/hyperlinkcolor" val="tx"/>
+                              </a:ext>
+                            </a:extLst>
+                          </a:hlinkClick>
+                        </a:rPr>
+                        <a:t>o1-2024-12-17</a:t>
+                      </a:r>
+                      <a:endParaRPr sz="900" u="sng">
+                        <a:solidFill>
+                          <a:srgbClr val="1155CC"/>
+                        </a:solidFill>
+                        <a:latin typeface="Calibri"/>
+                        <a:ea typeface="Calibri"/>
+                        <a:cs typeface="Calibri"/>
+                        <a:sym typeface="Calibri"/>
+                      </a:endParaRPr>
+                    </a:p>
+                  </a:txBody>
+                  <a:tcPr marL="28575" marR="28575" marT="19050" marB="19050" anchor="b">
+                    <a:lnL w="9525" cap="flat" cmpd="sng">
+                      <a:solidFill>
+                        <a:srgbClr val="FF0000"/>
+                      </a:solidFill>
+                      <a:prstDash val="solid"/>
+                      <a:round/>
+                      <a:headEnd type="none" w="sm" len="sm"/>
+                      <a:tailEnd type="none" w="sm" len="sm"/>
+                    </a:lnL>
+                    <a:lnR w="9525" cap="flat" cmpd="sng">
+                      <a:solidFill>
+                        <a:srgbClr val="FF0000"/>
+                      </a:solidFill>
+                      <a:prstDash val="solid"/>
+                      <a:round/>
+                      <a:headEnd type="none" w="sm" len="sm"/>
+                      <a:tailEnd type="none" w="sm" len="sm"/>
+                    </a:lnR>
+                    <a:lnT w="9525" cap="flat" cmpd="sng">
+                      <a:solidFill>
+                        <a:srgbClr val="FF0000"/>
+                      </a:solidFill>
+                      <a:prstDash val="solid"/>
+                      <a:round/>
+                      <a:headEnd type="none" w="sm" len="sm"/>
+                      <a:tailEnd type="none" w="sm" len="sm"/>
+                    </a:lnT>
+                    <a:lnB w="9525" cap="flat" cmpd="sng">
+                      <a:solidFill>
+                        <a:srgbClr val="FF0000"/>
+                      </a:solidFill>
+                      <a:prstDash val="solid"/>
+                      <a:round/>
+                      <a:headEnd type="none" w="sm" len="sm"/>
+                      <a:tailEnd type="none" w="sm" len="sm"/>
+                    </a:lnB>
+                  </a:tcPr>
+                </a:tc>
+                <a:tc>
+                  <a:txBody>
+                    <a:bodyPr/>
+                    <a:lstStyle/>
+                    <a:p>
+                      <a:pPr marL="0" lvl="0" indent="0" algn="r" rtl="0">
+                        <a:lnSpc>
+                          <a:spcPct val="115000"/>
+                        </a:lnSpc>
+                        <a:spcBef>
+                          <a:spcPts val="0"/>
+                        </a:spcBef>
+                        <a:spcAft>
+                          <a:spcPts val="0"/>
+                        </a:spcAft>
+                        <a:buNone/>
+                      </a:pPr>
+                      <a:r>
+                        <a:rPr lang="en" sz="900">
+                          <a:solidFill>
+                            <a:srgbClr val="5D6272"/>
+                          </a:solidFill>
+                          <a:latin typeface="Calibri"/>
+                          <a:ea typeface="Calibri"/>
+                          <a:cs typeface="Calibri"/>
+                          <a:sym typeface="Calibri"/>
+                        </a:rPr>
+                        <a:t>1399</a:t>
+                      </a:r>
+                      <a:endParaRPr sz="900">
+                        <a:solidFill>
+                          <a:srgbClr val="5D6272"/>
+                        </a:solidFill>
+                        <a:latin typeface="Calibri"/>
+                        <a:ea typeface="Calibri"/>
+                        <a:cs typeface="Calibri"/>
+                        <a:sym typeface="Calibri"/>
+                      </a:endParaRPr>
+                    </a:p>
+                  </a:txBody>
+                  <a:tcPr marL="28575" marR="28575" marT="19050" marB="19050" anchor="b">
+                    <a:lnL w="9525" cap="flat" cmpd="sng">
+                      <a:solidFill>
+                        <a:srgbClr val="FF0000"/>
+                      </a:solidFill>
+                      <a:prstDash val="solid"/>
+                      <a:round/>
+                      <a:headEnd type="none" w="sm" len="sm"/>
+                      <a:tailEnd type="none" w="sm" len="sm"/>
+                    </a:lnL>
+                    <a:lnR w="9525" cap="flat" cmpd="sng">
+                      <a:solidFill>
+                        <a:srgbClr val="FF0000"/>
+                      </a:solidFill>
+                      <a:prstDash val="solid"/>
+                      <a:round/>
+                      <a:headEnd type="none" w="sm" len="sm"/>
+                      <a:tailEnd type="none" w="sm" len="sm"/>
+                    </a:lnR>
+                    <a:lnT w="9525" cap="flat" cmpd="sng">
+                      <a:solidFill>
+                        <a:srgbClr val="FF0000"/>
+                      </a:solidFill>
+                      <a:prstDash val="solid"/>
+                      <a:round/>
+                      <a:headEnd type="none" w="sm" len="sm"/>
+                      <a:tailEnd type="none" w="sm" len="sm"/>
+                    </a:lnT>
+                    <a:lnB w="9525" cap="flat" cmpd="sng">
+                      <a:solidFill>
+                        <a:srgbClr val="FF0000"/>
+                      </a:solidFill>
+                      <a:prstDash val="solid"/>
+                      <a:round/>
+                      <a:headEnd type="none" w="sm" len="sm"/>
+                      <a:tailEnd type="none" w="sm" len="sm"/>
+                    </a:lnB>
+                  </a:tcPr>
+                </a:tc>
+                <a:extLst>
+                  <a:ext uri="{0D108BD9-81ED-4DB2-BD59-A6C34878D82A}">
+                    <a16:rowId xmlns:a16="http://schemas.microsoft.com/office/drawing/2014/main" val="10013"/>
+                  </a:ext>
+                </a:extLst>
+              </a:tr>
+              <a:tr h="152400">
+                <a:tc>
+                  <a:txBody>
+                    <a:bodyPr/>
+                    <a:lstStyle/>
+                    <a:p>
+                      <a:pPr marL="0" lvl="0" indent="0" algn="l" rtl="0">
+                        <a:lnSpc>
+                          <a:spcPct val="115000"/>
+                        </a:lnSpc>
+                        <a:spcBef>
+                          <a:spcPts val="0"/>
+                        </a:spcBef>
+                        <a:spcAft>
+                          <a:spcPts val="0"/>
+                        </a:spcAft>
+                        <a:buNone/>
+                      </a:pPr>
+                      <a:r>
+                        <a:rPr lang="en" sz="900" u="sng">
+                          <a:solidFill>
+                            <a:srgbClr val="1155CC"/>
+                          </a:solidFill>
+                          <a:latin typeface="Calibri"/>
+                          <a:ea typeface="Calibri"/>
+                          <a:cs typeface="Calibri"/>
+                          <a:sym typeface="Calibri"/>
+                          <a:hlinkClick r:id="rId36">
+                            <a:extLst>
+                              <a:ext uri="{A12FA001-AC4F-418D-AE19-62706E023703}">
+                                <ahyp:hlinkClr xmlns:ahyp="http://schemas.microsoft.com/office/drawing/2018/hyperlinkcolor" val="tx"/>
+                              </a:ext>
+                            </a:extLst>
+                          </a:hlinkClick>
+                        </a:rPr>
+                        <a:t>deepseek-v3-0324</a:t>
+                      </a:r>
+                      <a:endParaRPr sz="900" u="sng">
+                        <a:solidFill>
+                          <a:srgbClr val="1155CC"/>
+                        </a:solidFill>
+                        <a:latin typeface="Calibri"/>
+                        <a:ea typeface="Calibri"/>
+                        <a:cs typeface="Calibri"/>
+                        <a:sym typeface="Calibri"/>
+                      </a:endParaRPr>
+                    </a:p>
+                  </a:txBody>
+                  <a:tcPr marL="28575" marR="28575" marT="19050" marB="19050" anchor="b">
+                    <a:lnL w="9525" cap="flat" cmpd="sng">
+                      <a:solidFill>
+                        <a:srgbClr val="FF0000"/>
+                      </a:solidFill>
+                      <a:prstDash val="solid"/>
+                      <a:round/>
+                      <a:headEnd type="none" w="sm" len="sm"/>
+                      <a:tailEnd type="none" w="sm" len="sm"/>
+                    </a:lnL>
+                    <a:lnR w="9525" cap="flat" cmpd="sng">
+                      <a:solidFill>
+                        <a:srgbClr val="FF0000"/>
+                      </a:solidFill>
+                      <a:prstDash val="solid"/>
+                      <a:round/>
+                      <a:headEnd type="none" w="sm" len="sm"/>
+                      <a:tailEnd type="none" w="sm" len="sm"/>
+                    </a:lnR>
+                    <a:lnT w="9525" cap="flat" cmpd="sng">
+                      <a:solidFill>
+                        <a:srgbClr val="FF0000"/>
+                      </a:solidFill>
+                      <a:prstDash val="solid"/>
+                      <a:round/>
+                      <a:headEnd type="none" w="sm" len="sm"/>
+                      <a:tailEnd type="none" w="sm" len="sm"/>
+                    </a:lnT>
+                    <a:lnB w="9525" cap="flat" cmpd="sng">
+                      <a:solidFill>
+                        <a:srgbClr val="FF0000"/>
+                      </a:solidFill>
+                      <a:prstDash val="solid"/>
+                      <a:round/>
+                      <a:headEnd type="none" w="sm" len="sm"/>
+                      <a:tailEnd type="none" w="sm" len="sm"/>
+                    </a:lnB>
+                  </a:tcPr>
+                </a:tc>
+                <a:tc>
+                  <a:txBody>
+                    <a:bodyPr/>
+                    <a:lstStyle/>
+                    <a:p>
+                      <a:pPr marL="0" lvl="0" indent="0" algn="r" rtl="0">
+                        <a:lnSpc>
+                          <a:spcPct val="115000"/>
+                        </a:lnSpc>
+                        <a:spcBef>
+                          <a:spcPts val="0"/>
+                        </a:spcBef>
+                        <a:spcAft>
+                          <a:spcPts val="0"/>
+                        </a:spcAft>
+                        <a:buNone/>
+                      </a:pPr>
+                      <a:r>
+                        <a:rPr lang="en" sz="900">
+                          <a:solidFill>
+                            <a:srgbClr val="5D6272"/>
+                          </a:solidFill>
+                          <a:latin typeface="Calibri"/>
+                          <a:ea typeface="Calibri"/>
+                          <a:cs typeface="Calibri"/>
+                          <a:sym typeface="Calibri"/>
+                        </a:rPr>
+                        <a:t>1397</a:t>
+                      </a:r>
+                      <a:endParaRPr sz="900">
+                        <a:solidFill>
+                          <a:srgbClr val="5D6272"/>
+                        </a:solidFill>
+                        <a:latin typeface="Calibri"/>
+                        <a:ea typeface="Calibri"/>
+                        <a:cs typeface="Calibri"/>
+                        <a:sym typeface="Calibri"/>
+                      </a:endParaRPr>
+                    </a:p>
+                  </a:txBody>
+                  <a:tcPr marL="28575" marR="28575" marT="19050" marB="19050" anchor="b">
+                    <a:lnL w="9525" cap="flat" cmpd="sng">
+                      <a:solidFill>
+                        <a:srgbClr val="FF0000"/>
+                      </a:solidFill>
+                      <a:prstDash val="solid"/>
+                      <a:round/>
+                      <a:headEnd type="none" w="sm" len="sm"/>
+                      <a:tailEnd type="none" w="sm" len="sm"/>
+                    </a:lnL>
+                    <a:lnR w="9525" cap="flat" cmpd="sng">
+                      <a:solidFill>
+                        <a:srgbClr val="FF0000"/>
+                      </a:solidFill>
+                      <a:prstDash val="solid"/>
+                      <a:round/>
+                      <a:headEnd type="none" w="sm" len="sm"/>
+                      <a:tailEnd type="none" w="sm" len="sm"/>
+                    </a:lnR>
+                    <a:lnT w="9525" cap="flat" cmpd="sng">
+                      <a:solidFill>
+                        <a:srgbClr val="FF0000"/>
+                      </a:solidFill>
+                      <a:prstDash val="solid"/>
+                      <a:round/>
+                      <a:headEnd type="none" w="sm" len="sm"/>
+                      <a:tailEnd type="none" w="sm" len="sm"/>
+                    </a:lnT>
+                    <a:lnB w="9525" cap="flat" cmpd="sng">
+                      <a:solidFill>
+                        <a:srgbClr val="FF0000"/>
+                      </a:solidFill>
+                      <a:prstDash val="solid"/>
+                      <a:round/>
+                      <a:headEnd type="none" w="sm" len="sm"/>
+                      <a:tailEnd type="none" w="sm" len="sm"/>
+                    </a:lnB>
+                  </a:tcPr>
+                </a:tc>
+                <a:extLst>
+                  <a:ext uri="{0D108BD9-81ED-4DB2-BD59-A6C34878D82A}">
+                    <a16:rowId xmlns:a16="http://schemas.microsoft.com/office/drawing/2014/main" val="10014"/>
+                  </a:ext>
+                </a:extLst>
+              </a:tr>
+              <a:tr h="152400">
+                <a:tc>
+                  <a:txBody>
+                    <a:bodyPr/>
+                    <a:lstStyle/>
+                    <a:p>
+                      <a:pPr marL="0" lvl="0" indent="0" algn="l" rtl="0">
+                        <a:lnSpc>
+                          <a:spcPct val="115000"/>
+                        </a:lnSpc>
+                        <a:spcBef>
+                          <a:spcPts val="0"/>
+                        </a:spcBef>
+                        <a:spcAft>
+                          <a:spcPts val="0"/>
+                        </a:spcAft>
+                        <a:buNone/>
+                      </a:pPr>
+                      <a:r>
+                        <a:rPr lang="en" sz="900" u="sng">
+                          <a:solidFill>
+                            <a:srgbClr val="1155CC"/>
+                          </a:solidFill>
+                          <a:latin typeface="Calibri"/>
+                          <a:ea typeface="Calibri"/>
+                          <a:cs typeface="Calibri"/>
+                          <a:sym typeface="Calibri"/>
+                          <a:hlinkClick r:id="rId25">
+                            <a:extLst>
+                              <a:ext uri="{A12FA001-AC4F-418D-AE19-62706E023703}">
+                                <ahyp:hlinkClr xmlns:ahyp="http://schemas.microsoft.com/office/drawing/2018/hyperlinkcolor" val="tx"/>
+                              </a:ext>
+                            </a:extLst>
+                          </a:hlinkClick>
+                        </a:rPr>
+                        <a:t>qwen3-235b-a22b-no-thinking</a:t>
+                      </a:r>
+                      <a:endParaRPr sz="900" u="sng">
+                        <a:solidFill>
+                          <a:srgbClr val="1155CC"/>
+                        </a:solidFill>
+                        <a:latin typeface="Calibri"/>
+                        <a:ea typeface="Calibri"/>
+                        <a:cs typeface="Calibri"/>
+                        <a:sym typeface="Calibri"/>
+                      </a:endParaRPr>
+                    </a:p>
+                  </a:txBody>
+                  <a:tcPr marL="28575" marR="28575" marT="19050" marB="19050" anchor="b">
+                    <a:lnL w="9525" cap="flat" cmpd="sng">
+                      <a:solidFill>
+                        <a:srgbClr val="FF0000"/>
+                      </a:solidFill>
+                      <a:prstDash val="solid"/>
+                      <a:round/>
+                      <a:headEnd type="none" w="sm" len="sm"/>
+                      <a:tailEnd type="none" w="sm" len="sm"/>
+                    </a:lnL>
+                    <a:lnR w="9525" cap="flat" cmpd="sng">
+                      <a:solidFill>
+                        <a:srgbClr val="FF0000"/>
+                      </a:solidFill>
+                      <a:prstDash val="solid"/>
+                      <a:round/>
+                      <a:headEnd type="none" w="sm" len="sm"/>
+                      <a:tailEnd type="none" w="sm" len="sm"/>
+                    </a:lnR>
+                    <a:lnT w="9525" cap="flat" cmpd="sng">
+                      <a:solidFill>
+                        <a:srgbClr val="FF0000"/>
+                      </a:solidFill>
+                      <a:prstDash val="solid"/>
+                      <a:round/>
+                      <a:headEnd type="none" w="sm" len="sm"/>
+                      <a:tailEnd type="none" w="sm" len="sm"/>
+                    </a:lnT>
+                    <a:lnB w="9525" cap="flat" cmpd="sng">
+                      <a:solidFill>
+                        <a:srgbClr val="FF0000"/>
+                      </a:solidFill>
+                      <a:prstDash val="solid"/>
+                      <a:round/>
+                      <a:headEnd type="none" w="sm" len="sm"/>
+                      <a:tailEnd type="none" w="sm" len="sm"/>
+                    </a:lnB>
+                  </a:tcPr>
+                </a:tc>
+                <a:tc>
+                  <a:txBody>
+                    <a:bodyPr/>
+                    <a:lstStyle/>
+                    <a:p>
+                      <a:pPr marL="0" lvl="0" indent="0" algn="r" rtl="0">
+                        <a:lnSpc>
+                          <a:spcPct val="115000"/>
+                        </a:lnSpc>
+                        <a:spcBef>
+                          <a:spcPts val="0"/>
+                        </a:spcBef>
+                        <a:spcAft>
+                          <a:spcPts val="0"/>
+                        </a:spcAft>
+                        <a:buNone/>
+                      </a:pPr>
+                      <a:r>
+                        <a:rPr lang="en" sz="900">
+                          <a:solidFill>
+                            <a:srgbClr val="5D6272"/>
+                          </a:solidFill>
+                          <a:latin typeface="Calibri"/>
+                          <a:ea typeface="Calibri"/>
+                          <a:cs typeface="Calibri"/>
+                          <a:sym typeface="Calibri"/>
+                        </a:rPr>
+                        <a:t>1396</a:t>
+                      </a:r>
+                      <a:endParaRPr sz="900">
+                        <a:solidFill>
+                          <a:srgbClr val="5D6272"/>
+                        </a:solidFill>
+                        <a:latin typeface="Calibri"/>
+                        <a:ea typeface="Calibri"/>
+                        <a:cs typeface="Calibri"/>
+                        <a:sym typeface="Calibri"/>
+                      </a:endParaRPr>
+                    </a:p>
+                  </a:txBody>
+                  <a:tcPr marL="28575" marR="28575" marT="19050" marB="19050" anchor="b">
+                    <a:lnL w="9525" cap="flat" cmpd="sng">
+                      <a:solidFill>
+                        <a:srgbClr val="FF0000"/>
+                      </a:solidFill>
+                      <a:prstDash val="solid"/>
+                      <a:round/>
+                      <a:headEnd type="none" w="sm" len="sm"/>
+                      <a:tailEnd type="none" w="sm" len="sm"/>
+                    </a:lnL>
+                    <a:lnR w="9525" cap="flat" cmpd="sng">
+                      <a:solidFill>
+                        <a:srgbClr val="FF0000"/>
+                      </a:solidFill>
+                      <a:prstDash val="solid"/>
+                      <a:round/>
+                      <a:headEnd type="none" w="sm" len="sm"/>
+                      <a:tailEnd type="none" w="sm" len="sm"/>
+                    </a:lnR>
+                    <a:lnT w="9525" cap="flat" cmpd="sng">
+                      <a:solidFill>
+                        <a:srgbClr val="FF0000"/>
+                      </a:solidFill>
+                      <a:prstDash val="solid"/>
+                      <a:round/>
+                      <a:headEnd type="none" w="sm" len="sm"/>
+                      <a:tailEnd type="none" w="sm" len="sm"/>
+                    </a:lnT>
+                    <a:lnB w="9525" cap="flat" cmpd="sng">
+                      <a:solidFill>
+                        <a:srgbClr val="FF0000"/>
+                      </a:solidFill>
+                      <a:prstDash val="solid"/>
+                      <a:round/>
+                      <a:headEnd type="none" w="sm" len="sm"/>
+                      <a:tailEnd type="none" w="sm" len="sm"/>
+                    </a:lnB>
+                  </a:tcPr>
+                </a:tc>
+                <a:extLst>
+                  <a:ext uri="{0D108BD9-81ED-4DB2-BD59-A6C34878D82A}">
+                    <a16:rowId xmlns:a16="http://schemas.microsoft.com/office/drawing/2014/main" val="10015"/>
+                  </a:ext>
+                </a:extLst>
+              </a:tr>
+              <a:tr h="152400">
+                <a:tc>
+                  <a:txBody>
+                    <a:bodyPr/>
+                    <a:lstStyle/>
+                    <a:p>
+                      <a:pPr marL="0" lvl="0" indent="0" algn="l" rtl="0">
+                        <a:lnSpc>
+                          <a:spcPct val="115000"/>
+                        </a:lnSpc>
+                        <a:spcBef>
+                          <a:spcPts val="0"/>
+                        </a:spcBef>
+                        <a:spcAft>
+                          <a:spcPts val="0"/>
+                        </a:spcAft>
+                        <a:buNone/>
+                      </a:pPr>
+                      <a:r>
+                        <a:rPr lang="en" sz="900" u="sng">
+                          <a:solidFill>
+                            <a:srgbClr val="1155CC"/>
+                          </a:solidFill>
+                          <a:latin typeface="Calibri"/>
+                          <a:ea typeface="Calibri"/>
+                          <a:cs typeface="Calibri"/>
+                          <a:sym typeface="Calibri"/>
+                          <a:hlinkClick r:id="rId23">
+                            <a:extLst>
+                              <a:ext uri="{A12FA001-AC4F-418D-AE19-62706E023703}">
+                                <ahyp:hlinkClr xmlns:ahyp="http://schemas.microsoft.com/office/drawing/2018/hyperlinkcolor" val="tx"/>
+                              </a:ext>
+                            </a:extLst>
+                          </a:hlinkClick>
+                        </a:rPr>
+                        <a:t>deepseek-r1</a:t>
+                      </a:r>
+                      <a:endParaRPr sz="900" u="sng">
+                        <a:solidFill>
+                          <a:srgbClr val="1155CC"/>
+                        </a:solidFill>
+                        <a:latin typeface="Calibri"/>
+                        <a:ea typeface="Calibri"/>
+                        <a:cs typeface="Calibri"/>
+                        <a:sym typeface="Calibri"/>
+                      </a:endParaRPr>
+                    </a:p>
+                  </a:txBody>
+                  <a:tcPr marL="28575" marR="28575" marT="19050" marB="19050" anchor="b">
+                    <a:lnL w="9525" cap="flat" cmpd="sng">
+                      <a:solidFill>
+                        <a:srgbClr val="FF0000"/>
+                      </a:solidFill>
+                      <a:prstDash val="solid"/>
+                      <a:round/>
+                      <a:headEnd type="none" w="sm" len="sm"/>
+                      <a:tailEnd type="none" w="sm" len="sm"/>
+                    </a:lnL>
+                    <a:lnR w="9525" cap="flat" cmpd="sng">
+                      <a:solidFill>
+                        <a:srgbClr val="FF0000"/>
+                      </a:solidFill>
+                      <a:prstDash val="solid"/>
+                      <a:round/>
+                      <a:headEnd type="none" w="sm" len="sm"/>
+                      <a:tailEnd type="none" w="sm" len="sm"/>
+                    </a:lnR>
+                    <a:lnT w="9525" cap="flat" cmpd="sng">
+                      <a:solidFill>
+                        <a:srgbClr val="FF0000"/>
+                      </a:solidFill>
+                      <a:prstDash val="solid"/>
+                      <a:round/>
+                      <a:headEnd type="none" w="sm" len="sm"/>
+                      <a:tailEnd type="none" w="sm" len="sm"/>
+                    </a:lnT>
+                    <a:lnB w="9525" cap="flat" cmpd="sng">
+                      <a:solidFill>
+                        <a:srgbClr val="FF0000"/>
+                      </a:solidFill>
+                      <a:prstDash val="solid"/>
+                      <a:round/>
+                      <a:headEnd type="none" w="sm" len="sm"/>
+                      <a:tailEnd type="none" w="sm" len="sm"/>
+                    </a:lnB>
+                  </a:tcPr>
+                </a:tc>
+                <a:tc>
+                  <a:txBody>
+                    <a:bodyPr/>
+                    <a:lstStyle/>
+                    <a:p>
+                      <a:pPr marL="0" lvl="0" indent="0" algn="r" rtl="0">
+                        <a:lnSpc>
+                          <a:spcPct val="115000"/>
+                        </a:lnSpc>
+                        <a:spcBef>
+                          <a:spcPts val="0"/>
+                        </a:spcBef>
+                        <a:spcAft>
+                          <a:spcPts val="0"/>
+                        </a:spcAft>
+                        <a:buNone/>
+                      </a:pPr>
+                      <a:r>
+                        <a:rPr lang="en" sz="900">
+                          <a:solidFill>
+                            <a:srgbClr val="5D6272"/>
+                          </a:solidFill>
+                          <a:latin typeface="Calibri"/>
+                          <a:ea typeface="Calibri"/>
+                          <a:cs typeface="Calibri"/>
+                          <a:sym typeface="Calibri"/>
+                        </a:rPr>
+                        <a:t>1395</a:t>
+                      </a:r>
+                      <a:endParaRPr sz="900">
+                        <a:solidFill>
+                          <a:srgbClr val="5D6272"/>
+                        </a:solidFill>
+                        <a:latin typeface="Calibri"/>
+                        <a:ea typeface="Calibri"/>
+                        <a:cs typeface="Calibri"/>
+                        <a:sym typeface="Calibri"/>
+                      </a:endParaRPr>
+                    </a:p>
+                  </a:txBody>
+                  <a:tcPr marL="28575" marR="28575" marT="19050" marB="19050" anchor="b">
+                    <a:lnL w="9525" cap="flat" cmpd="sng">
+                      <a:solidFill>
+                        <a:srgbClr val="FF0000"/>
+                      </a:solidFill>
+                      <a:prstDash val="solid"/>
+                      <a:round/>
+                      <a:headEnd type="none" w="sm" len="sm"/>
+                      <a:tailEnd type="none" w="sm" len="sm"/>
+                    </a:lnL>
+                    <a:lnR w="9525" cap="flat" cmpd="sng">
+                      <a:solidFill>
+                        <a:srgbClr val="FF0000"/>
+                      </a:solidFill>
+                      <a:prstDash val="solid"/>
+                      <a:round/>
+                      <a:headEnd type="none" w="sm" len="sm"/>
+                      <a:tailEnd type="none" w="sm" len="sm"/>
+                    </a:lnR>
+                    <a:lnT w="9525" cap="flat" cmpd="sng">
+                      <a:solidFill>
+                        <a:srgbClr val="FF0000"/>
+                      </a:solidFill>
+                      <a:prstDash val="solid"/>
+                      <a:round/>
+                      <a:headEnd type="none" w="sm" len="sm"/>
+                      <a:tailEnd type="none" w="sm" len="sm"/>
+                    </a:lnT>
+                    <a:lnB w="9525" cap="flat" cmpd="sng">
+                      <a:solidFill>
+                        <a:srgbClr val="FF0000"/>
+                      </a:solidFill>
+                      <a:prstDash val="solid"/>
+                      <a:round/>
+                      <a:headEnd type="none" w="sm" len="sm"/>
+                      <a:tailEnd type="none" w="sm" len="sm"/>
+                    </a:lnB>
+                  </a:tcPr>
+                </a:tc>
+                <a:extLst>
+                  <a:ext uri="{0D108BD9-81ED-4DB2-BD59-A6C34878D82A}">
+                    <a16:rowId xmlns:a16="http://schemas.microsoft.com/office/drawing/2014/main" val="10016"/>
+                  </a:ext>
+                </a:extLst>
+              </a:tr>
+              <a:tr h="152400">
+                <a:tc>
+                  <a:txBody>
+                    <a:bodyPr/>
+                    <a:lstStyle/>
+                    <a:p>
+                      <a:pPr marL="0" lvl="0" indent="0" algn="l" rtl="0">
+                        <a:lnSpc>
+                          <a:spcPct val="115000"/>
+                        </a:lnSpc>
+                        <a:spcBef>
+                          <a:spcPts val="0"/>
+                        </a:spcBef>
+                        <a:spcAft>
+                          <a:spcPts val="0"/>
+                        </a:spcAft>
+                        <a:buNone/>
+                      </a:pPr>
+                      <a:r>
+                        <a:rPr lang="en" sz="900" u="sng">
+                          <a:solidFill>
+                            <a:srgbClr val="1155CC"/>
+                          </a:solidFill>
+                          <a:latin typeface="Calibri"/>
+                          <a:ea typeface="Calibri"/>
+                          <a:cs typeface="Calibri"/>
+                          <a:sym typeface="Calibri"/>
+                          <a:hlinkClick r:id="rId17">
+                            <a:extLst>
+                              <a:ext uri="{A12FA001-AC4F-418D-AE19-62706E023703}">
+                                <ahyp:hlinkClr xmlns:ahyp="http://schemas.microsoft.com/office/drawing/2018/hyperlinkcolor" val="tx"/>
+                              </a:ext>
+                            </a:extLst>
+                          </a:hlinkClick>
+                        </a:rPr>
+                        <a:t>claude-sonnet-4-20250514</a:t>
+                      </a:r>
+                      <a:endParaRPr sz="900" u="sng">
+                        <a:solidFill>
+                          <a:srgbClr val="1155CC"/>
+                        </a:solidFill>
+                        <a:latin typeface="Calibri"/>
+                        <a:ea typeface="Calibri"/>
+                        <a:cs typeface="Calibri"/>
+                        <a:sym typeface="Calibri"/>
+                      </a:endParaRPr>
+                    </a:p>
+                  </a:txBody>
+                  <a:tcPr marL="28575" marR="28575" marT="19050" marB="19050" anchor="b">
+                    <a:lnL w="9525" cap="flat" cmpd="sng">
+                      <a:solidFill>
+                        <a:srgbClr val="FF0000"/>
+                      </a:solidFill>
+                      <a:prstDash val="solid"/>
+                      <a:round/>
+                      <a:headEnd type="none" w="sm" len="sm"/>
+                      <a:tailEnd type="none" w="sm" len="sm"/>
+                    </a:lnL>
+                    <a:lnR w="9525" cap="flat" cmpd="sng">
+                      <a:solidFill>
+                        <a:srgbClr val="FF0000"/>
+                      </a:solidFill>
+                      <a:prstDash val="solid"/>
+                      <a:round/>
+                      <a:headEnd type="none" w="sm" len="sm"/>
+                      <a:tailEnd type="none" w="sm" len="sm"/>
+                    </a:lnR>
+                    <a:lnT w="9525" cap="flat" cmpd="sng">
+                      <a:solidFill>
+                        <a:srgbClr val="FF0000"/>
+                      </a:solidFill>
+                      <a:prstDash val="solid"/>
+                      <a:round/>
+                      <a:headEnd type="none" w="sm" len="sm"/>
+                      <a:tailEnd type="none" w="sm" len="sm"/>
+                    </a:lnT>
+                    <a:lnB w="9525" cap="flat" cmpd="sng">
+                      <a:solidFill>
+                        <a:srgbClr val="FF0000"/>
+                      </a:solidFill>
+                      <a:prstDash val="solid"/>
+                      <a:round/>
+                      <a:headEnd type="none" w="sm" len="sm"/>
+                      <a:tailEnd type="none" w="sm" len="sm"/>
+                    </a:lnB>
+                  </a:tcPr>
+                </a:tc>
+                <a:tc>
+                  <a:txBody>
+                    <a:bodyPr/>
+                    <a:lstStyle/>
+                    <a:p>
+                      <a:pPr marL="0" lvl="0" indent="0" algn="r" rtl="0">
+                        <a:lnSpc>
+                          <a:spcPct val="115000"/>
+                        </a:lnSpc>
+                        <a:spcBef>
+                          <a:spcPts val="0"/>
+                        </a:spcBef>
+                        <a:spcAft>
+                          <a:spcPts val="0"/>
+                        </a:spcAft>
+                        <a:buNone/>
+                      </a:pPr>
+                      <a:r>
+                        <a:rPr lang="en" sz="900">
+                          <a:solidFill>
+                            <a:srgbClr val="5D6272"/>
+                          </a:solidFill>
+                          <a:latin typeface="Calibri"/>
+                          <a:ea typeface="Calibri"/>
+                          <a:cs typeface="Calibri"/>
+                          <a:sym typeface="Calibri"/>
+                        </a:rPr>
+                        <a:t>1393</a:t>
+                      </a:r>
+                      <a:endParaRPr sz="900">
+                        <a:solidFill>
+                          <a:srgbClr val="5D6272"/>
+                        </a:solidFill>
+                        <a:latin typeface="Calibri"/>
+                        <a:ea typeface="Calibri"/>
+                        <a:cs typeface="Calibri"/>
+                        <a:sym typeface="Calibri"/>
+                      </a:endParaRPr>
+                    </a:p>
+                  </a:txBody>
+                  <a:tcPr marL="28575" marR="28575" marT="19050" marB="19050" anchor="b">
+                    <a:lnL w="9525" cap="flat" cmpd="sng">
+                      <a:solidFill>
+                        <a:srgbClr val="FF0000"/>
+                      </a:solidFill>
+                      <a:prstDash val="solid"/>
+                      <a:round/>
+                      <a:headEnd type="none" w="sm" len="sm"/>
+                      <a:tailEnd type="none" w="sm" len="sm"/>
+                    </a:lnL>
+                    <a:lnR w="9525" cap="flat" cmpd="sng">
+                      <a:solidFill>
+                        <a:srgbClr val="FF0000"/>
+                      </a:solidFill>
+                      <a:prstDash val="solid"/>
+                      <a:round/>
+                      <a:headEnd type="none" w="sm" len="sm"/>
+                      <a:tailEnd type="none" w="sm" len="sm"/>
+                    </a:lnR>
+                    <a:lnT w="9525" cap="flat" cmpd="sng">
+                      <a:solidFill>
+                        <a:srgbClr val="FF0000"/>
+                      </a:solidFill>
+                      <a:prstDash val="solid"/>
+                      <a:round/>
+                      <a:headEnd type="none" w="sm" len="sm"/>
+                      <a:tailEnd type="none" w="sm" len="sm"/>
+                    </a:lnT>
+                    <a:lnB w="9525" cap="flat" cmpd="sng">
+                      <a:solidFill>
+                        <a:srgbClr val="FF0000"/>
+                      </a:solidFill>
+                      <a:prstDash val="solid"/>
+                      <a:round/>
+                      <a:headEnd type="none" w="sm" len="sm"/>
+                      <a:tailEnd type="none" w="sm" len="sm"/>
+                    </a:lnB>
+                  </a:tcPr>
+                </a:tc>
+                <a:extLst>
+                  <a:ext uri="{0D108BD9-81ED-4DB2-BD59-A6C34878D82A}">
+                    <a16:rowId xmlns:a16="http://schemas.microsoft.com/office/drawing/2014/main" val="10017"/>
+                  </a:ext>
+                </a:extLst>
+              </a:tr>
+              <a:tr h="152400">
+                <a:tc>
+                  <a:txBody>
+                    <a:bodyPr/>
+                    <a:lstStyle/>
+                    <a:p>
+                      <a:pPr marL="0" lvl="0" indent="0" algn="l" rtl="0">
+                        <a:lnSpc>
+                          <a:spcPct val="115000"/>
+                        </a:lnSpc>
+                        <a:spcBef>
+                          <a:spcPts val="0"/>
+                        </a:spcBef>
+                        <a:spcAft>
+                          <a:spcPts val="0"/>
+                        </a:spcAft>
+                        <a:buNone/>
+                      </a:pPr>
+                      <a:r>
+                        <a:rPr lang="en" sz="900" u="sng">
+                          <a:solidFill>
+                            <a:srgbClr val="1155CC"/>
+                          </a:solidFill>
+                          <a:latin typeface="Calibri"/>
+                          <a:ea typeface="Calibri"/>
+                          <a:cs typeface="Calibri"/>
+                          <a:sym typeface="Calibri"/>
+                          <a:hlinkClick r:id="rId37">
+                            <a:extLst>
+                              <a:ext uri="{A12FA001-AC4F-418D-AE19-62706E023703}">
+                                <ahyp:hlinkClr xmlns:ahyp="http://schemas.microsoft.com/office/drawing/2018/hyperlinkcolor" val="tx"/>
+                              </a:ext>
+                            </a:extLst>
+                          </a:hlinkClick>
+                        </a:rPr>
+                        <a:t>minimax-m1</a:t>
+                      </a:r>
+                      <a:endParaRPr sz="900" u="sng">
+                        <a:solidFill>
+                          <a:srgbClr val="1155CC"/>
+                        </a:solidFill>
+                        <a:latin typeface="Calibri"/>
+                        <a:ea typeface="Calibri"/>
+                        <a:cs typeface="Calibri"/>
+                        <a:sym typeface="Calibri"/>
+                      </a:endParaRPr>
+                    </a:p>
+                  </a:txBody>
+                  <a:tcPr marL="28575" marR="28575" marT="19050" marB="19050" anchor="b">
+                    <a:lnL w="9525" cap="flat" cmpd="sng">
+                      <a:solidFill>
+                        <a:srgbClr val="FF0000"/>
+                      </a:solidFill>
+                      <a:prstDash val="solid"/>
+                      <a:round/>
+                      <a:headEnd type="none" w="sm" len="sm"/>
+                      <a:tailEnd type="none" w="sm" len="sm"/>
+                    </a:lnL>
+                    <a:lnR w="9525" cap="flat" cmpd="sng">
+                      <a:solidFill>
+                        <a:srgbClr val="FF0000"/>
+                      </a:solidFill>
+                      <a:prstDash val="solid"/>
+                      <a:round/>
+                      <a:headEnd type="none" w="sm" len="sm"/>
+                      <a:tailEnd type="none" w="sm" len="sm"/>
+                    </a:lnR>
+                    <a:lnT w="9525" cap="flat" cmpd="sng">
+                      <a:solidFill>
+                        <a:srgbClr val="FF0000"/>
+                      </a:solidFill>
+                      <a:prstDash val="solid"/>
+                      <a:round/>
+                      <a:headEnd type="none" w="sm" len="sm"/>
+                      <a:tailEnd type="none" w="sm" len="sm"/>
+                    </a:lnT>
+                    <a:lnB w="9525" cap="flat" cmpd="sng">
+                      <a:solidFill>
+                        <a:srgbClr val="FF0000"/>
+                      </a:solidFill>
+                      <a:prstDash val="solid"/>
+                      <a:round/>
+                      <a:headEnd type="none" w="sm" len="sm"/>
+                      <a:tailEnd type="none" w="sm" len="sm"/>
+                    </a:lnB>
+                  </a:tcPr>
+                </a:tc>
+                <a:tc>
+                  <a:txBody>
+                    <a:bodyPr/>
+                    <a:lstStyle/>
+                    <a:p>
+                      <a:pPr marL="0" lvl="0" indent="0" algn="r" rtl="0">
+                        <a:lnSpc>
+                          <a:spcPct val="115000"/>
+                        </a:lnSpc>
+                        <a:spcBef>
+                          <a:spcPts val="0"/>
+                        </a:spcBef>
+                        <a:spcAft>
+                          <a:spcPts val="0"/>
+                        </a:spcAft>
+                        <a:buNone/>
+                      </a:pPr>
+                      <a:r>
+                        <a:rPr lang="en" sz="900">
+                          <a:solidFill>
+                            <a:srgbClr val="5D6272"/>
+                          </a:solidFill>
+                          <a:latin typeface="Calibri"/>
+                          <a:ea typeface="Calibri"/>
+                          <a:cs typeface="Calibri"/>
+                          <a:sym typeface="Calibri"/>
+                        </a:rPr>
+                        <a:t>1391</a:t>
+                      </a:r>
+                      <a:endParaRPr sz="900">
+                        <a:solidFill>
+                          <a:srgbClr val="5D6272"/>
+                        </a:solidFill>
+                        <a:latin typeface="Calibri"/>
+                        <a:ea typeface="Calibri"/>
+                        <a:cs typeface="Calibri"/>
+                        <a:sym typeface="Calibri"/>
+                      </a:endParaRPr>
+                    </a:p>
+                  </a:txBody>
+                  <a:tcPr marL="28575" marR="28575" marT="19050" marB="19050" anchor="b">
+                    <a:lnL w="9525" cap="flat" cmpd="sng">
+                      <a:solidFill>
+                        <a:srgbClr val="FF0000"/>
+                      </a:solidFill>
+                      <a:prstDash val="solid"/>
+                      <a:round/>
+                      <a:headEnd type="none" w="sm" len="sm"/>
+                      <a:tailEnd type="none" w="sm" len="sm"/>
+                    </a:lnL>
+                    <a:lnR w="9525" cap="flat" cmpd="sng">
+                      <a:solidFill>
+                        <a:srgbClr val="FF0000"/>
+                      </a:solidFill>
+                      <a:prstDash val="solid"/>
+                      <a:round/>
+                      <a:headEnd type="none" w="sm" len="sm"/>
+                      <a:tailEnd type="none" w="sm" len="sm"/>
+                    </a:lnR>
+                    <a:lnT w="9525" cap="flat" cmpd="sng">
+                      <a:solidFill>
+                        <a:srgbClr val="FF0000"/>
+                      </a:solidFill>
+                      <a:prstDash val="solid"/>
+                      <a:round/>
+                      <a:headEnd type="none" w="sm" len="sm"/>
+                      <a:tailEnd type="none" w="sm" len="sm"/>
+                    </a:lnT>
+                    <a:lnB w="9525" cap="flat" cmpd="sng">
+                      <a:solidFill>
+                        <a:srgbClr val="FF0000"/>
+                      </a:solidFill>
+                      <a:prstDash val="solid"/>
+                      <a:round/>
+                      <a:headEnd type="none" w="sm" len="sm"/>
+                      <a:tailEnd type="none" w="sm" len="sm"/>
+                    </a:lnB>
+                  </a:tcPr>
+                </a:tc>
+                <a:extLst>
+                  <a:ext uri="{0D108BD9-81ED-4DB2-BD59-A6C34878D82A}">
+                    <a16:rowId xmlns:a16="http://schemas.microsoft.com/office/drawing/2014/main" val="10018"/>
+                  </a:ext>
+                </a:extLst>
+              </a:tr>
+              <a:tr h="152400">
+                <a:tc>
+                  <a:txBody>
+                    <a:bodyPr/>
+                    <a:lstStyle/>
+                    <a:p>
+                      <a:pPr marL="0" lvl="0" indent="0" algn="l" rtl="0">
+                        <a:lnSpc>
+                          <a:spcPct val="115000"/>
+                        </a:lnSpc>
+                        <a:spcBef>
+                          <a:spcPts val="0"/>
+                        </a:spcBef>
+                        <a:spcAft>
+                          <a:spcPts val="0"/>
+                        </a:spcAft>
+                        <a:buNone/>
+                      </a:pPr>
+                      <a:r>
+                        <a:rPr lang="en" sz="900" u="sng">
+                          <a:solidFill>
+                            <a:srgbClr val="1155CC"/>
+                          </a:solidFill>
+                          <a:latin typeface="Calibri"/>
+                          <a:ea typeface="Calibri"/>
+                          <a:cs typeface="Calibri"/>
+                          <a:sym typeface="Calibri"/>
+                          <a:hlinkClick r:id="rId38">
+                            <a:extLst>
+                              <a:ext uri="{A12FA001-AC4F-418D-AE19-62706E023703}">
+                                <ahyp:hlinkClr xmlns:ahyp="http://schemas.microsoft.com/office/drawing/2018/hyperlinkcolor" val="tx"/>
+                              </a:ext>
+                            </a:extLst>
+                          </a:hlinkClick>
+                        </a:rPr>
+                        <a:t>gemini-2.5-flash-lite-preview-06-17-thinking</a:t>
+                      </a:r>
+                      <a:endParaRPr sz="900" u="sng">
+                        <a:solidFill>
+                          <a:srgbClr val="1155CC"/>
+                        </a:solidFill>
+                        <a:latin typeface="Calibri"/>
+                        <a:ea typeface="Calibri"/>
+                        <a:cs typeface="Calibri"/>
+                        <a:sym typeface="Calibri"/>
+                      </a:endParaRPr>
+                    </a:p>
+                  </a:txBody>
+                  <a:tcPr marL="28575" marR="28575" marT="19050" marB="19050" anchor="b">
+                    <a:lnL w="9525" cap="flat" cmpd="sng">
+                      <a:solidFill>
+                        <a:srgbClr val="FF0000"/>
+                      </a:solidFill>
+                      <a:prstDash val="solid"/>
+                      <a:round/>
+                      <a:headEnd type="none" w="sm" len="sm"/>
+                      <a:tailEnd type="none" w="sm" len="sm"/>
+                    </a:lnL>
+                    <a:lnR w="9525" cap="flat" cmpd="sng">
+                      <a:solidFill>
+                        <a:srgbClr val="FF0000"/>
+                      </a:solidFill>
+                      <a:prstDash val="solid"/>
+                      <a:round/>
+                      <a:headEnd type="none" w="sm" len="sm"/>
+                      <a:tailEnd type="none" w="sm" len="sm"/>
+                    </a:lnR>
+                    <a:lnT w="9525" cap="flat" cmpd="sng">
+                      <a:solidFill>
+                        <a:srgbClr val="FF0000"/>
+                      </a:solidFill>
+                      <a:prstDash val="solid"/>
+                      <a:round/>
+                      <a:headEnd type="none" w="sm" len="sm"/>
+                      <a:tailEnd type="none" w="sm" len="sm"/>
+                    </a:lnT>
+                    <a:lnB w="9525" cap="flat" cmpd="sng">
+                      <a:solidFill>
+                        <a:srgbClr val="FF0000"/>
+                      </a:solidFill>
+                      <a:prstDash val="solid"/>
+                      <a:round/>
+                      <a:headEnd type="none" w="sm" len="sm"/>
+                      <a:tailEnd type="none" w="sm" len="sm"/>
+                    </a:lnB>
+                  </a:tcPr>
+                </a:tc>
+                <a:tc>
+                  <a:txBody>
+                    <a:bodyPr/>
+                    <a:lstStyle/>
+                    <a:p>
+                      <a:pPr marL="0" lvl="0" indent="0" algn="r" rtl="0">
+                        <a:lnSpc>
+                          <a:spcPct val="115000"/>
+                        </a:lnSpc>
+                        <a:spcBef>
+                          <a:spcPts val="0"/>
+                        </a:spcBef>
+                        <a:spcAft>
+                          <a:spcPts val="0"/>
+                        </a:spcAft>
+                        <a:buNone/>
+                      </a:pPr>
+                      <a:r>
+                        <a:rPr lang="en" sz="900">
+                          <a:solidFill>
+                            <a:srgbClr val="5D6272"/>
+                          </a:solidFill>
+                          <a:latin typeface="Calibri"/>
+                          <a:ea typeface="Calibri"/>
+                          <a:cs typeface="Calibri"/>
+                          <a:sym typeface="Calibri"/>
+                        </a:rPr>
+                        <a:t>1387</a:t>
+                      </a:r>
+                      <a:endParaRPr sz="900">
+                        <a:solidFill>
+                          <a:srgbClr val="5D6272"/>
+                        </a:solidFill>
+                        <a:latin typeface="Calibri"/>
+                        <a:ea typeface="Calibri"/>
+                        <a:cs typeface="Calibri"/>
+                        <a:sym typeface="Calibri"/>
+                      </a:endParaRPr>
+                    </a:p>
+                  </a:txBody>
+                  <a:tcPr marL="28575" marR="28575" marT="19050" marB="19050" anchor="b">
+                    <a:lnL w="9525" cap="flat" cmpd="sng">
+                      <a:solidFill>
+                        <a:srgbClr val="FF0000"/>
+                      </a:solidFill>
+                      <a:prstDash val="solid"/>
+                      <a:round/>
+                      <a:headEnd type="none" w="sm" len="sm"/>
+                      <a:tailEnd type="none" w="sm" len="sm"/>
+                    </a:lnL>
+                    <a:lnR w="9525" cap="flat" cmpd="sng">
+                      <a:solidFill>
+                        <a:srgbClr val="FF0000"/>
+                      </a:solidFill>
+                      <a:prstDash val="solid"/>
+                      <a:round/>
+                      <a:headEnd type="none" w="sm" len="sm"/>
+                      <a:tailEnd type="none" w="sm" len="sm"/>
+                    </a:lnR>
+                    <a:lnT w="9525" cap="flat" cmpd="sng">
+                      <a:solidFill>
+                        <a:srgbClr val="FF0000"/>
+                      </a:solidFill>
+                      <a:prstDash val="solid"/>
+                      <a:round/>
+                      <a:headEnd type="none" w="sm" len="sm"/>
+                      <a:tailEnd type="none" w="sm" len="sm"/>
+                    </a:lnT>
+                    <a:lnB w="9525" cap="flat" cmpd="sng">
+                      <a:solidFill>
+                        <a:srgbClr val="FF0000"/>
+                      </a:solidFill>
+                      <a:prstDash val="solid"/>
+                      <a:round/>
+                      <a:headEnd type="none" w="sm" len="sm"/>
+                      <a:tailEnd type="none" w="sm" len="sm"/>
+                    </a:lnB>
+                  </a:tcPr>
+                </a:tc>
+                <a:extLst>
+                  <a:ext uri="{0D108BD9-81ED-4DB2-BD59-A6C34878D82A}">
+                    <a16:rowId xmlns:a16="http://schemas.microsoft.com/office/drawing/2014/main" val="10019"/>
+                  </a:ext>
+                </a:extLst>
+              </a:tr>
+              <a:tr h="152400">
+                <a:tc>
+                  <a:txBody>
+                    <a:bodyPr/>
+                    <a:lstStyle/>
+                    <a:p>
+                      <a:pPr marL="0" lvl="0" indent="0" algn="l" rtl="0">
+                        <a:lnSpc>
+                          <a:spcPct val="115000"/>
+                        </a:lnSpc>
+                        <a:spcBef>
+                          <a:spcPts val="0"/>
+                        </a:spcBef>
+                        <a:spcAft>
+                          <a:spcPts val="0"/>
+                        </a:spcAft>
+                        <a:buNone/>
+                      </a:pPr>
+                      <a:r>
+                        <a:rPr lang="en" sz="900" u="sng">
+                          <a:solidFill>
+                            <a:srgbClr val="1155CC"/>
+                          </a:solidFill>
+                          <a:latin typeface="Calibri"/>
+                          <a:ea typeface="Calibri"/>
+                          <a:cs typeface="Calibri"/>
+                          <a:sym typeface="Calibri"/>
+                          <a:hlinkClick r:id="rId18">
+                            <a:extLst>
+                              <a:ext uri="{A12FA001-AC4F-418D-AE19-62706E023703}">
+                                <ahyp:hlinkClr xmlns:ahyp="http://schemas.microsoft.com/office/drawing/2018/hyperlinkcolor" val="tx"/>
+                              </a:ext>
+                            </a:extLst>
+                          </a:hlinkClick>
+                        </a:rPr>
+                        <a:t>claude-3-7-sonnet-20250219-thinking-32k</a:t>
+                      </a:r>
+                      <a:endParaRPr sz="900" u="sng">
+                        <a:solidFill>
+                          <a:srgbClr val="1155CC"/>
+                        </a:solidFill>
+                        <a:latin typeface="Calibri"/>
+                        <a:ea typeface="Calibri"/>
+                        <a:cs typeface="Calibri"/>
+                        <a:sym typeface="Calibri"/>
+                      </a:endParaRPr>
+                    </a:p>
+                  </a:txBody>
+                  <a:tcPr marL="28575" marR="28575" marT="19050" marB="19050" anchor="b">
+                    <a:lnL w="9525" cap="flat" cmpd="sng">
+                      <a:solidFill>
+                        <a:srgbClr val="FF0000"/>
+                      </a:solidFill>
+                      <a:prstDash val="solid"/>
+                      <a:round/>
+                      <a:headEnd type="none" w="sm" len="sm"/>
+                      <a:tailEnd type="none" w="sm" len="sm"/>
+                    </a:lnL>
+                    <a:lnR w="9525" cap="flat" cmpd="sng">
+                      <a:solidFill>
+                        <a:srgbClr val="FF0000"/>
+                      </a:solidFill>
+                      <a:prstDash val="solid"/>
+                      <a:round/>
+                      <a:headEnd type="none" w="sm" len="sm"/>
+                      <a:tailEnd type="none" w="sm" len="sm"/>
+                    </a:lnR>
+                    <a:lnT w="9525" cap="flat" cmpd="sng">
+                      <a:solidFill>
+                        <a:srgbClr val="FF0000"/>
+                      </a:solidFill>
+                      <a:prstDash val="solid"/>
+                      <a:round/>
+                      <a:headEnd type="none" w="sm" len="sm"/>
+                      <a:tailEnd type="none" w="sm" len="sm"/>
+                    </a:lnT>
+                    <a:lnB w="9525" cap="flat" cmpd="sng">
+                      <a:solidFill>
+                        <a:srgbClr val="FF0000"/>
+                      </a:solidFill>
+                      <a:prstDash val="solid"/>
+                      <a:round/>
+                      <a:headEnd type="none" w="sm" len="sm"/>
+                      <a:tailEnd type="none" w="sm" len="sm"/>
+                    </a:lnB>
+                  </a:tcPr>
+                </a:tc>
+                <a:tc>
+                  <a:txBody>
+                    <a:bodyPr/>
+                    <a:lstStyle/>
+                    <a:p>
+                      <a:pPr marL="0" lvl="0" indent="0" algn="r" rtl="0">
+                        <a:lnSpc>
+                          <a:spcPct val="115000"/>
+                        </a:lnSpc>
+                        <a:spcBef>
+                          <a:spcPts val="0"/>
+                        </a:spcBef>
+                        <a:spcAft>
+                          <a:spcPts val="0"/>
+                        </a:spcAft>
+                        <a:buNone/>
+                      </a:pPr>
+                      <a:r>
+                        <a:rPr lang="en" sz="900">
+                          <a:solidFill>
+                            <a:srgbClr val="5D6272"/>
+                          </a:solidFill>
+                          <a:latin typeface="Calibri"/>
+                          <a:ea typeface="Calibri"/>
+                          <a:cs typeface="Calibri"/>
+                          <a:sym typeface="Calibri"/>
+                        </a:rPr>
+                        <a:t>1387</a:t>
+                      </a:r>
+                      <a:endParaRPr sz="900">
+                        <a:solidFill>
+                          <a:srgbClr val="5D6272"/>
+                        </a:solidFill>
+                        <a:latin typeface="Calibri"/>
+                        <a:ea typeface="Calibri"/>
+                        <a:cs typeface="Calibri"/>
+                        <a:sym typeface="Calibri"/>
+                      </a:endParaRPr>
+                    </a:p>
+                  </a:txBody>
+                  <a:tcPr marL="28575" marR="28575" marT="19050" marB="19050" anchor="b">
+                    <a:lnL w="9525" cap="flat" cmpd="sng">
+                      <a:solidFill>
+                        <a:srgbClr val="FF0000"/>
+                      </a:solidFill>
+                      <a:prstDash val="solid"/>
+                      <a:round/>
+                      <a:headEnd type="none" w="sm" len="sm"/>
+                      <a:tailEnd type="none" w="sm" len="sm"/>
+                    </a:lnL>
+                    <a:lnR w="9525" cap="flat" cmpd="sng">
+                      <a:solidFill>
+                        <a:srgbClr val="FF0000"/>
+                      </a:solidFill>
+                      <a:prstDash val="solid"/>
+                      <a:round/>
+                      <a:headEnd type="none" w="sm" len="sm"/>
+                      <a:tailEnd type="none" w="sm" len="sm"/>
+                    </a:lnR>
+                    <a:lnT w="9525" cap="flat" cmpd="sng">
+                      <a:solidFill>
+                        <a:srgbClr val="FF0000"/>
+                      </a:solidFill>
+                      <a:prstDash val="solid"/>
+                      <a:round/>
+                      <a:headEnd type="none" w="sm" len="sm"/>
+                      <a:tailEnd type="none" w="sm" len="sm"/>
+                    </a:lnT>
+                    <a:lnB w="9525" cap="flat" cmpd="sng">
+                      <a:solidFill>
+                        <a:srgbClr val="FF0000"/>
+                      </a:solidFill>
+                      <a:prstDash val="solid"/>
+                      <a:round/>
+                      <a:headEnd type="none" w="sm" len="sm"/>
+                      <a:tailEnd type="none" w="sm" len="sm"/>
+                    </a:lnB>
+                  </a:tcPr>
+                </a:tc>
+                <a:extLst>
+                  <a:ext uri="{0D108BD9-81ED-4DB2-BD59-A6C34878D82A}">
+                    <a16:rowId xmlns:a16="http://schemas.microsoft.com/office/drawing/2014/main" val="10020"/>
+                  </a:ext>
+                </a:extLst>
+              </a:tr>
+            </a:tbl>
+          </a:graphicData>
+        </a:graphic>
+      </p:graphicFrame>
+      <p:sp>
+        <p:nvSpPr>
+          <p:cNvPr id="128" name="Google Shape;128;p16"/>
+          <p:cNvSpPr txBox="1"/>
+          <p:nvPr/>
+        </p:nvSpPr>
+        <p:spPr>
+          <a:xfrm>
+            <a:off x="482808" y="4417186"/>
+            <a:ext cx="287100" cy="141600"/>
+          </a:xfrm>
+          <a:prstGeom prst="rect">
+            <a:avLst/>
+          </a:prstGeom>
+          <a:noFill/>
+          <a:ln w="9525" cap="flat" cmpd="sng">
+            <a:solidFill>
+              <a:srgbClr val="FF0000"/>
+            </a:solidFill>
+            <a:prstDash val="solid"/>
+            <a:round/>
+            <a:headEnd type="none" w="sm" len="sm"/>
+            <a:tailEnd type="none" w="sm" len="sm"/>
+          </a:ln>
+        </p:spPr>
+        <p:txBody>
+          <a:bodyPr spcFirstLastPara="1" wrap="square" lIns="9125" tIns="9125" rIns="9125" bIns="9125" anchor="t" anchorCtr="0">
+            <a:spAutoFit/>
+          </a:bodyPr>
+          <a:lstStyle/>
+          <a:p>
+            <a:pPr marL="0" marR="0" lvl="0" indent="0" algn="l" rtl="0">
+              <a:lnSpc>
+                <a:spcPct val="100000"/>
+              </a:lnSpc>
+              <a:spcBef>
+                <a:spcPts val="0"/>
+              </a:spcBef>
+              <a:spcAft>
+                <a:spcPts val="0"/>
+              </a:spcAft>
+              <a:buClr>
+                <a:srgbClr val="000000"/>
+              </a:buClr>
+              <a:buSzPts val="1100"/>
+              <a:buFont typeface="Arial"/>
+              <a:buNone/>
+            </a:pPr>
+            <a:r>
+              <a:rPr lang="en" sz="800" b="0" i="0" u="none" strike="noStrike" cap="none">
+                <a:solidFill>
+                  <a:srgbClr val="1F2937"/>
+                </a:solidFill>
+                <a:highlight>
+                  <a:srgbClr val="FFFFFF"/>
+                </a:highlight>
+                <a:latin typeface="Calibri"/>
+                <a:ea typeface="Calibri"/>
+                <a:cs typeface="Calibri"/>
+                <a:sym typeface="Calibri"/>
+              </a:rPr>
+              <a:t>China</a:t>
+            </a:r>
+            <a:endParaRPr sz="800" b="0" i="0" u="none" strike="noStrike" cap="none">
+              <a:solidFill>
+                <a:srgbClr val="1F2937"/>
+              </a:solidFill>
+              <a:highlight>
+                <a:srgbClr val="FFFFFF"/>
+              </a:highlight>
+              <a:latin typeface="Calibri"/>
+              <a:ea typeface="Calibri"/>
+              <a:cs typeface="Calibri"/>
+              <a:sym typeface="Calibri"/>
+            </a:endParaRPr>
+          </a:p>
+        </p:txBody>
+      </p:sp>
     </p:spTree>
   </p:cSld>
   <p:clrMapOvr>
@@ -32845,7 +33170,7 @@
   <p:cSld>
     <p:spTree>
       <p:nvGrpSpPr>
-        <p:cNvPr id="1" name="Shape 291"/>
+        <p:cNvPr id="1" name="Shape 294"/>
         <p:cNvGrpSpPr/>
         <p:nvPr/>
       </p:nvGrpSpPr>
@@ -32859,7 +33184,7 @@
       </p:grpSpPr>
       <p:sp>
         <p:nvSpPr>
-          <p:cNvPr id="292" name="Google Shape;292;p34"/>
+          <p:cNvPr id="295" name="Google Shape;295;p34"/>
           <p:cNvSpPr txBox="1"/>
           <p:nvPr/>
         </p:nvSpPr>
@@ -32936,7 +33261,7 @@
   <p:cSld>
     <p:spTree>
       <p:nvGrpSpPr>
-        <p:cNvPr id="1" name="Shape 131"/>
+        <p:cNvPr id="1" name="Shape 132"/>
         <p:cNvGrpSpPr/>
         <p:nvPr/>
       </p:nvGrpSpPr>
@@ -32950,7 +33275,7 @@
       </p:grpSpPr>
       <p:sp>
         <p:nvSpPr>
-          <p:cNvPr id="132" name="Google Shape;132;p17"/>
+          <p:cNvPr id="133" name="Google Shape;133;p17"/>
           <p:cNvSpPr txBox="1"/>
           <p:nvPr/>
         </p:nvSpPr>
@@ -33016,7 +33341,7 @@
       </p:sp>
       <p:sp>
         <p:nvSpPr>
-          <p:cNvPr id="133" name="Google Shape;133;p17"/>
+          <p:cNvPr id="134" name="Google Shape;134;p17"/>
           <p:cNvSpPr txBox="1"/>
           <p:nvPr/>
         </p:nvSpPr>
@@ -33210,7 +33535,7 @@
       </p:sp>
       <p:sp>
         <p:nvSpPr>
-          <p:cNvPr id="134" name="Google Shape;134;p17"/>
+          <p:cNvPr id="135" name="Google Shape;135;p17"/>
           <p:cNvSpPr txBox="1"/>
           <p:nvPr/>
         </p:nvSpPr>
@@ -33337,7 +33662,7 @@
       </p:sp>
       <p:sp>
         <p:nvSpPr>
-          <p:cNvPr id="135" name="Google Shape;135;p17"/>
+          <p:cNvPr id="136" name="Google Shape;136;p17"/>
           <p:cNvSpPr txBox="1"/>
           <p:nvPr/>
         </p:nvSpPr>
@@ -33620,7 +33945,7 @@
       </p:sp>
       <p:sp>
         <p:nvSpPr>
-          <p:cNvPr id="136" name="Google Shape;136;p17"/>
+          <p:cNvPr id="137" name="Google Shape;137;p17"/>
           <p:cNvSpPr txBox="1"/>
           <p:nvPr/>
         </p:nvSpPr>
@@ -33867,7 +34192,7 @@
       </p:sp>
       <p:sp>
         <p:nvSpPr>
-          <p:cNvPr id="137" name="Google Shape;137;p17"/>
+          <p:cNvPr id="138" name="Google Shape;138;p17"/>
           <p:cNvSpPr txBox="1"/>
           <p:nvPr/>
         </p:nvSpPr>
@@ -34021,7 +34346,7 @@
       </p:sp>
       <p:pic>
         <p:nvPicPr>
-          <p:cNvPr id="138" name="Google Shape;138;p17"/>
+          <p:cNvPr id="139" name="Google Shape;139;p17"/>
           <p:cNvPicPr preferRelativeResize="0"/>
           <p:nvPr/>
         </p:nvPicPr>
@@ -34060,7 +34385,7 @@
       </p:pic>
       <p:pic>
         <p:nvPicPr>
-          <p:cNvPr id="139" name="Google Shape;139;p17"/>
+          <p:cNvPr id="140" name="Google Shape;140;p17"/>
           <p:cNvPicPr preferRelativeResize="0"/>
           <p:nvPr/>
         </p:nvPicPr>
@@ -34099,7 +34424,7 @@
       </p:pic>
       <p:pic>
         <p:nvPicPr>
-          <p:cNvPr id="140" name="Google Shape;140;p17"/>
+          <p:cNvPr id="141" name="Google Shape;141;p17"/>
           <p:cNvPicPr preferRelativeResize="0"/>
           <p:nvPr/>
         </p:nvPicPr>
@@ -34138,7 +34463,7 @@
       </p:pic>
       <p:pic>
         <p:nvPicPr>
-          <p:cNvPr id="141" name="Google Shape;141;p17"/>
+          <p:cNvPr id="142" name="Google Shape;142;p17"/>
           <p:cNvPicPr preferRelativeResize="0"/>
           <p:nvPr/>
         </p:nvPicPr>
@@ -34177,7 +34502,7 @@
       </p:pic>
       <p:pic>
         <p:nvPicPr>
-          <p:cNvPr id="142" name="Google Shape;142;p17"/>
+          <p:cNvPr id="143" name="Google Shape;143;p17"/>
           <p:cNvPicPr preferRelativeResize="0"/>
           <p:nvPr/>
         </p:nvPicPr>
@@ -34216,7 +34541,7 @@
       </p:pic>
       <p:pic>
         <p:nvPicPr>
-          <p:cNvPr id="143" name="Google Shape;143;p17"/>
+          <p:cNvPr id="144" name="Google Shape;144;p17"/>
           <p:cNvPicPr preferRelativeResize="0"/>
           <p:nvPr/>
         </p:nvPicPr>
@@ -34254,7 +34579,7 @@
       </p:pic>
       <p:sp>
         <p:nvSpPr>
-          <p:cNvPr id="144" name="Google Shape;144;p17"/>
+          <p:cNvPr id="145" name="Google Shape;145;p17"/>
           <p:cNvSpPr/>
           <p:nvPr/>
         </p:nvSpPr>
@@ -34309,7 +34634,7 @@
   <p:cSld>
     <p:spTree>
       <p:nvGrpSpPr>
-        <p:cNvPr id="1" name="Shape 148"/>
+        <p:cNvPr id="1" name="Shape 149"/>
         <p:cNvGrpSpPr/>
         <p:nvPr/>
       </p:nvGrpSpPr>
@@ -34323,7 +34648,7 @@
       </p:grpSpPr>
       <p:sp>
         <p:nvSpPr>
-          <p:cNvPr id="149" name="Google Shape;149;p18"/>
+          <p:cNvPr id="150" name="Google Shape;150;p18"/>
           <p:cNvSpPr txBox="1"/>
           <p:nvPr/>
         </p:nvSpPr>
@@ -34389,7 +34714,7 @@
       </p:sp>
       <p:sp>
         <p:nvSpPr>
-          <p:cNvPr id="150" name="Google Shape;150;p18"/>
+          <p:cNvPr id="151" name="Google Shape;151;p18"/>
           <p:cNvSpPr txBox="1"/>
           <p:nvPr/>
         </p:nvSpPr>
@@ -34809,7 +35134,7 @@
       </p:sp>
       <p:pic>
         <p:nvPicPr>
-          <p:cNvPr id="151" name="Google Shape;151;p18"/>
+          <p:cNvPr id="152" name="Google Shape;152;p18"/>
           <p:cNvPicPr preferRelativeResize="0"/>
           <p:nvPr/>
         </p:nvPicPr>
@@ -34853,7 +35178,7 @@
   <p:cSld>
     <p:spTree>
       <p:nvGrpSpPr>
-        <p:cNvPr id="1" name="Shape 155"/>
+        <p:cNvPr id="1" name="Shape 156"/>
         <p:cNvGrpSpPr/>
         <p:nvPr/>
       </p:nvGrpSpPr>
@@ -34867,7 +35192,7 @@
       </p:grpSpPr>
       <p:sp>
         <p:nvSpPr>
-          <p:cNvPr id="156" name="Google Shape;156;p19"/>
+          <p:cNvPr id="157" name="Google Shape;157;p19"/>
           <p:cNvSpPr txBox="1"/>
           <p:nvPr/>
         </p:nvSpPr>
@@ -34933,7 +35258,7 @@
       </p:sp>
       <p:sp>
         <p:nvSpPr>
-          <p:cNvPr id="157" name="Google Shape;157;p19"/>
+          <p:cNvPr id="158" name="Google Shape;158;p19"/>
           <p:cNvSpPr txBox="1"/>
           <p:nvPr/>
         </p:nvSpPr>
@@ -35603,7 +35928,7 @@
       </p:sp>
       <p:pic>
         <p:nvPicPr>
-          <p:cNvPr id="158" name="Google Shape;158;p19"/>
+          <p:cNvPr id="159" name="Google Shape;159;p19"/>
           <p:cNvPicPr preferRelativeResize="0"/>
           <p:nvPr/>
         </p:nvPicPr>
@@ -35653,7 +35978,7 @@
   <p:cSld>
     <p:spTree>
       <p:nvGrpSpPr>
-        <p:cNvPr id="1" name="Shape 162"/>
+        <p:cNvPr id="1" name="Shape 163"/>
         <p:cNvGrpSpPr/>
         <p:nvPr/>
       </p:nvGrpSpPr>
@@ -35667,7 +35992,7 @@
       </p:grpSpPr>
       <p:sp>
         <p:nvSpPr>
-          <p:cNvPr id="163" name="Google Shape;163;p20"/>
+          <p:cNvPr id="164" name="Google Shape;164;p20"/>
           <p:cNvSpPr txBox="1"/>
           <p:nvPr/>
         </p:nvSpPr>
@@ -35982,7 +36307,7 @@
       </p:sp>
       <p:pic>
         <p:nvPicPr>
-          <p:cNvPr id="164" name="Google Shape;164;p20"/>
+          <p:cNvPr id="165" name="Google Shape;165;p20"/>
           <p:cNvPicPr preferRelativeResize="0"/>
           <p:nvPr/>
         </p:nvPicPr>
@@ -36031,7 +36356,7 @@
   <p:cSld>
     <p:spTree>
       <p:nvGrpSpPr>
-        <p:cNvPr id="1" name="Shape 168"/>
+        <p:cNvPr id="1" name="Shape 169"/>
         <p:cNvGrpSpPr/>
         <p:nvPr/>
       </p:nvGrpSpPr>
@@ -36045,7 +36370,7 @@
       </p:grpSpPr>
       <p:sp>
         <p:nvSpPr>
-          <p:cNvPr id="169" name="Google Shape;169;p21"/>
+          <p:cNvPr id="170" name="Google Shape;170;p21"/>
           <p:cNvSpPr txBox="1"/>
           <p:nvPr/>
         </p:nvSpPr>
@@ -36111,7 +36436,7 @@
       </p:sp>
       <p:sp>
         <p:nvSpPr>
-          <p:cNvPr id="170" name="Google Shape;170;p21"/>
+          <p:cNvPr id="171" name="Google Shape;171;p21"/>
           <p:cNvSpPr txBox="1"/>
           <p:nvPr/>
         </p:nvSpPr>
@@ -36440,7 +36765,7 @@
       </p:sp>
       <p:pic>
         <p:nvPicPr>
-          <p:cNvPr id="171" name="Google Shape;171;p21"/>
+          <p:cNvPr id="172" name="Google Shape;172;p21"/>
           <p:cNvPicPr preferRelativeResize="0"/>
           <p:nvPr/>
         </p:nvPicPr>
@@ -36472,7 +36797,7 @@
       </p:pic>
       <p:pic>
         <p:nvPicPr>
-          <p:cNvPr id="172" name="Google Shape;172;p21"/>
+          <p:cNvPr id="173" name="Google Shape;173;p21"/>
           <p:cNvPicPr preferRelativeResize="0"/>
           <p:nvPr/>
         </p:nvPicPr>
@@ -36504,7 +36829,7 @@
       </p:pic>
       <p:sp>
         <p:nvSpPr>
-          <p:cNvPr id="173" name="Google Shape;173;p21"/>
+          <p:cNvPr id="174" name="Google Shape;174;p21"/>
           <p:cNvSpPr txBox="1"/>
           <p:nvPr/>
         </p:nvSpPr>
@@ -36841,7 +37166,7 @@
       </p:sp>
       <p:sp>
         <p:nvSpPr>
-          <p:cNvPr id="174" name="Google Shape;174;p21"/>
+          <p:cNvPr id="175" name="Google Shape;175;p21"/>
           <p:cNvSpPr txBox="1"/>
           <p:nvPr/>
         </p:nvSpPr>
@@ -37048,7 +37373,7 @@
       </p:sp>
       <p:pic>
         <p:nvPicPr>
-          <p:cNvPr id="175" name="Google Shape;175;p21"/>
+          <p:cNvPr id="176" name="Google Shape;176;p21"/>
           <p:cNvPicPr preferRelativeResize="0"/>
           <p:nvPr/>
         </p:nvPicPr>
@@ -37087,7 +37412,7 @@
       </p:pic>
       <p:pic>
         <p:nvPicPr>
-          <p:cNvPr id="176" name="Google Shape;176;p21"/>
+          <p:cNvPr id="177" name="Google Shape;177;p21"/>
           <p:cNvPicPr preferRelativeResize="0"/>
           <p:nvPr/>
         </p:nvPicPr>
@@ -37136,7 +37461,7 @@
   <p:cSld>
     <p:spTree>
       <p:nvGrpSpPr>
-        <p:cNvPr id="1" name="Shape 180"/>
+        <p:cNvPr id="1" name="Shape 181"/>
         <p:cNvGrpSpPr/>
         <p:nvPr/>
       </p:nvGrpSpPr>
@@ -37150,7 +37475,7 @@
       </p:grpSpPr>
       <p:sp>
         <p:nvSpPr>
-          <p:cNvPr id="181" name="Google Shape;181;p22"/>
+          <p:cNvPr id="182" name="Google Shape;182;p22"/>
           <p:cNvSpPr txBox="1"/>
           <p:nvPr/>
         </p:nvSpPr>
@@ -37216,7 +37541,7 @@
       </p:sp>
       <p:sp>
         <p:nvSpPr>
-          <p:cNvPr id="182" name="Google Shape;182;p22"/>
+          <p:cNvPr id="183" name="Google Shape;183;p22"/>
           <p:cNvSpPr txBox="1"/>
           <p:nvPr/>
         </p:nvSpPr>
@@ -37417,7 +37742,7 @@
       </p:sp>
       <p:pic>
         <p:nvPicPr>
-          <p:cNvPr id="183" name="Google Shape;183;p22"/>
+          <p:cNvPr id="184" name="Google Shape;184;p22"/>
           <p:cNvPicPr preferRelativeResize="0"/>
           <p:nvPr/>
         </p:nvPicPr>
@@ -37456,7 +37781,7 @@
       </p:pic>
       <p:sp>
         <p:nvSpPr>
-          <p:cNvPr id="184" name="Google Shape;184;p22"/>
+          <p:cNvPr id="185" name="Google Shape;185;p22"/>
           <p:cNvSpPr txBox="1"/>
           <p:nvPr/>
         </p:nvSpPr>
@@ -37743,7 +38068,7 @@
       </p:sp>
       <p:pic>
         <p:nvPicPr>
-          <p:cNvPr id="185" name="Google Shape;185;p22"/>
+          <p:cNvPr id="186" name="Google Shape;186;p22"/>
           <p:cNvPicPr preferRelativeResize="0"/>
           <p:nvPr/>
         </p:nvPicPr>
@@ -37782,7 +38107,7 @@
       </p:pic>
       <p:sp>
         <p:nvSpPr>
-          <p:cNvPr id="186" name="Google Shape;186;p22"/>
+          <p:cNvPr id="187" name="Google Shape;187;p22"/>
           <p:cNvSpPr txBox="1"/>
           <p:nvPr/>
         </p:nvSpPr>
@@ -38042,7 +38367,7 @@
       </p:sp>
       <p:pic>
         <p:nvPicPr>
-          <p:cNvPr id="187" name="Google Shape;187;p22"/>
+          <p:cNvPr id="188" name="Google Shape;188;p22"/>
           <p:cNvPicPr preferRelativeResize="0"/>
           <p:nvPr/>
         </p:nvPicPr>
@@ -38085,7 +38410,7 @@
   <p:cSld>
     <p:spTree>
       <p:nvGrpSpPr>
-        <p:cNvPr id="1" name="Shape 191"/>
+        <p:cNvPr id="1" name="Shape 192"/>
         <p:cNvGrpSpPr/>
         <p:nvPr/>
       </p:nvGrpSpPr>
@@ -38099,7 +38424,7 @@
       </p:grpSpPr>
       <p:sp>
         <p:nvSpPr>
-          <p:cNvPr id="192" name="Google Shape;192;p23"/>
+          <p:cNvPr id="193" name="Google Shape;193;p23"/>
           <p:cNvSpPr txBox="1"/>
           <p:nvPr/>
         </p:nvSpPr>
@@ -38165,7 +38490,7 @@
       </p:sp>
       <p:sp>
         <p:nvSpPr>
-          <p:cNvPr id="193" name="Google Shape;193;p23"/>
+          <p:cNvPr id="194" name="Google Shape;194;p23"/>
           <p:cNvSpPr txBox="1"/>
           <p:nvPr/>
         </p:nvSpPr>
@@ -38332,7 +38657,7 @@
       </p:sp>
       <p:pic>
         <p:nvPicPr>
-          <p:cNvPr id="194" name="Google Shape;194;p23"/>
+          <p:cNvPr id="195" name="Google Shape;195;p23"/>
           <p:cNvPicPr preferRelativeResize="0"/>
           <p:nvPr/>
         </p:nvPicPr>
@@ -38371,7 +38696,7 @@
       </p:pic>
       <p:sp>
         <p:nvSpPr>
-          <p:cNvPr id="195" name="Google Shape;195;p23"/>
+          <p:cNvPr id="196" name="Google Shape;196;p23"/>
           <p:cNvSpPr txBox="1"/>
           <p:nvPr/>
         </p:nvSpPr>
@@ -38976,7 +39301,7 @@
       </p:sp>
       <p:pic>
         <p:nvPicPr>
-          <p:cNvPr id="196" name="Google Shape;196;p23"/>
+          <p:cNvPr id="197" name="Google Shape;197;p23"/>
           <p:cNvPicPr preferRelativeResize="0"/>
           <p:nvPr/>
         </p:nvPicPr>
@@ -39014,7 +39339,7 @@
       </p:pic>
       <p:sp>
         <p:nvSpPr>
-          <p:cNvPr id="197" name="Google Shape;197;p23"/>
+          <p:cNvPr id="198" name="Google Shape;198;p23"/>
           <p:cNvSpPr txBox="1"/>
           <p:nvPr/>
         </p:nvSpPr>
@@ -39128,7 +39453,7 @@
       </p:sp>
       <p:pic>
         <p:nvPicPr>
-          <p:cNvPr id="198" name="Google Shape;198;p23"/>
+          <p:cNvPr id="199" name="Google Shape;199;p23"/>
           <p:cNvPicPr preferRelativeResize="0"/>
           <p:nvPr/>
         </p:nvPicPr>

--- a/2025/2025-06-27-AI-Updates.pptx
+++ b/2025/2025-06-27-AI-Updates.pptx
@@ -5,7 +5,7 @@
     <p:sldMasterId id="2147483661" r:id="rId1"/>
   </p:sldMasterIdLst>
   <p:notesMasterIdLst>
-    <p:notesMasterId r:id="rId22"/>
+    <p:notesMasterId r:id="rId25"/>
   </p:notesMasterIdLst>
   <p:sldIdLst>
     <p:sldId id="256" r:id="rId2"/>
@@ -28,16 +28,19 @@
     <p:sldId id="273" r:id="rId19"/>
     <p:sldId id="274" r:id="rId20"/>
     <p:sldId id="275" r:id="rId21"/>
+    <p:sldId id="276" r:id="rId22"/>
+    <p:sldId id="277" r:id="rId23"/>
+    <p:sldId id="278" r:id="rId24"/>
   </p:sldIdLst>
   <p:sldSz cx="9144000" cy="5143500" type="screen16x9"/>
   <p:notesSz cx="6858000" cy="9144000"/>
   <p:embeddedFontLst>
     <p:embeddedFont>
       <p:font typeface="Roboto Mono" pitchFamily="49" charset="0"/>
-      <p:regular r:id="rId23"/>
-      <p:bold r:id="rId24"/>
-      <p:italic r:id="rId25"/>
-      <p:boldItalic r:id="rId26"/>
+      <p:regular r:id="rId26"/>
+      <p:bold r:id="rId27"/>
+      <p:italic r:id="rId28"/>
+      <p:boldItalic r:id="rId29"/>
     </p:embeddedFont>
   </p:embeddedFontLst>
   <p:defaultTextStyle>
@@ -1344,7 +1347,7 @@
   <p:cSld>
     <p:spTree>
       <p:nvGrpSpPr>
-        <p:cNvPr id="1" name="Shape 236"/>
+        <p:cNvPr id="1" name="Shape 238"/>
         <p:cNvGrpSpPr/>
         <p:nvPr/>
       </p:nvGrpSpPr>
@@ -1358,7 +1361,7 @@
       </p:grpSpPr>
       <p:sp>
         <p:nvSpPr>
-          <p:cNvPr id="237" name="Google Shape;237;g336de3673e7_1_0:notes"/>
+          <p:cNvPr id="239" name="Google Shape;239;g36296d9ef48_0_2:notes"/>
           <p:cNvSpPr>
             <a:spLocks noGrp="1" noRot="1" noChangeAspect="1"/>
           </p:cNvSpPr>
@@ -1409,7 +1412,7 @@
       </p:sp>
       <p:sp>
         <p:nvSpPr>
-          <p:cNvPr id="238" name="Google Shape;238;g336de3673e7_1_0:notes"/>
+          <p:cNvPr id="240" name="Google Shape;240;g36296d9ef48_0_2:notes"/>
           <p:cNvSpPr txBox="1">
             <a:spLocks noGrp="1"/>
           </p:cNvSpPr>
@@ -1466,7 +1469,7 @@
   <p:cSld>
     <p:spTree>
       <p:nvGrpSpPr>
-        <p:cNvPr id="1" name="Shape 243"/>
+        <p:cNvPr id="1" name="Shape 247"/>
         <p:cNvGrpSpPr/>
         <p:nvPr/>
       </p:nvGrpSpPr>
@@ -1480,7 +1483,7 @@
       </p:grpSpPr>
       <p:sp>
         <p:nvSpPr>
-          <p:cNvPr id="244" name="Google Shape;244;g36a65eaa20d_0_1:notes"/>
+          <p:cNvPr id="248" name="Google Shape;248;g33d4c850b00_0_8:notes"/>
           <p:cNvSpPr>
             <a:spLocks noGrp="1" noRot="1" noChangeAspect="1"/>
           </p:cNvSpPr>
@@ -1531,7 +1534,7 @@
       </p:sp>
       <p:sp>
         <p:nvSpPr>
-          <p:cNvPr id="245" name="Google Shape;245;g36a65eaa20d_0_1:notes"/>
+          <p:cNvPr id="249" name="Google Shape;249;g33d4c850b00_0_8:notes"/>
           <p:cNvSpPr txBox="1">
             <a:spLocks noGrp="1"/>
           </p:cNvSpPr>
@@ -1588,7 +1591,7 @@
   <p:cSld>
     <p:spTree>
       <p:nvGrpSpPr>
-        <p:cNvPr id="1" name="Shape 251"/>
+        <p:cNvPr id="1" name="Shape 255"/>
         <p:cNvGrpSpPr/>
         <p:nvPr/>
       </p:nvGrpSpPr>
@@ -1602,7 +1605,7 @@
       </p:grpSpPr>
       <p:sp>
         <p:nvSpPr>
-          <p:cNvPr id="252" name="Google Shape;252;g36a65eaa20d_0_11:notes"/>
+          <p:cNvPr id="256" name="Google Shape;256;g33d4c850b00_0_21:notes"/>
           <p:cNvSpPr>
             <a:spLocks noGrp="1" noRot="1" noChangeAspect="1"/>
           </p:cNvSpPr>
@@ -1653,7 +1656,7 @@
       </p:sp>
       <p:sp>
         <p:nvSpPr>
-          <p:cNvPr id="253" name="Google Shape;253;g36a65eaa20d_0_11:notes"/>
+          <p:cNvPr id="257" name="Google Shape;257;g33d4c850b00_0_21:notes"/>
           <p:cNvSpPr txBox="1">
             <a:spLocks noGrp="1"/>
           </p:cNvSpPr>
@@ -1710,7 +1713,7 @@
   <p:cSld>
     <p:spTree>
       <p:nvGrpSpPr>
-        <p:cNvPr id="1" name="Shape 258"/>
+        <p:cNvPr id="1" name="Shape 262"/>
         <p:cNvGrpSpPr/>
         <p:nvPr/>
       </p:nvGrpSpPr>
@@ -1724,7 +1727,7 @@
       </p:grpSpPr>
       <p:sp>
         <p:nvSpPr>
-          <p:cNvPr id="259" name="Google Shape;259;g36272717752_0_1:notes"/>
+          <p:cNvPr id="263" name="Google Shape;263;g336de3673e7_1_0:notes"/>
           <p:cNvSpPr>
             <a:spLocks noGrp="1" noRot="1" noChangeAspect="1"/>
           </p:cNvSpPr>
@@ -1775,7 +1778,7 @@
       </p:sp>
       <p:sp>
         <p:nvSpPr>
-          <p:cNvPr id="260" name="Google Shape;260;g36272717752_0_1:notes"/>
+          <p:cNvPr id="264" name="Google Shape;264;g336de3673e7_1_0:notes"/>
           <p:cNvSpPr txBox="1">
             <a:spLocks noGrp="1"/>
           </p:cNvSpPr>
@@ -1832,7 +1835,7 @@
   <p:cSld>
     <p:spTree>
       <p:nvGrpSpPr>
-        <p:cNvPr id="1" name="Shape 265"/>
+        <p:cNvPr id="1" name="Shape 269"/>
         <p:cNvGrpSpPr/>
         <p:nvPr/>
       </p:nvGrpSpPr>
@@ -1846,7 +1849,7 @@
       </p:grpSpPr>
       <p:sp>
         <p:nvSpPr>
-          <p:cNvPr id="266" name="Google Shape;266;g3627cf388fb_0_1:notes"/>
+          <p:cNvPr id="270" name="Google Shape;270;g36a65eaa20d_0_1:notes"/>
           <p:cNvSpPr>
             <a:spLocks noGrp="1" noRot="1" noChangeAspect="1"/>
           </p:cNvSpPr>
@@ -1897,7 +1900,7 @@
       </p:sp>
       <p:sp>
         <p:nvSpPr>
-          <p:cNvPr id="267" name="Google Shape;267;g3627cf388fb_0_1:notes"/>
+          <p:cNvPr id="271" name="Google Shape;271;g36a65eaa20d_0_1:notes"/>
           <p:cNvSpPr txBox="1">
             <a:spLocks noGrp="1"/>
           </p:cNvSpPr>
@@ -1954,7 +1957,7 @@
   <p:cSld>
     <p:spTree>
       <p:nvGrpSpPr>
-        <p:cNvPr id="1" name="Shape 273"/>
+        <p:cNvPr id="1" name="Shape 277"/>
         <p:cNvGrpSpPr/>
         <p:nvPr/>
       </p:nvGrpSpPr>
@@ -1968,7 +1971,7 @@
       </p:grpSpPr>
       <p:sp>
         <p:nvSpPr>
-          <p:cNvPr id="274" name="Google Shape;274;p23:notes"/>
+          <p:cNvPr id="278" name="Google Shape;278;g36a65eaa20d_0_11:notes"/>
           <p:cNvSpPr>
             <a:spLocks noGrp="1" noRot="1" noChangeAspect="1"/>
           </p:cNvSpPr>
@@ -2019,7 +2022,7 @@
       </p:sp>
       <p:sp>
         <p:nvSpPr>
-          <p:cNvPr id="275" name="Google Shape;275;p23:notes"/>
+          <p:cNvPr id="279" name="Google Shape;279;g36a65eaa20d_0_11:notes"/>
           <p:cNvSpPr txBox="1">
             <a:spLocks noGrp="1"/>
           </p:cNvSpPr>
@@ -2076,7 +2079,7 @@
   <p:cSld>
     <p:spTree>
       <p:nvGrpSpPr>
-        <p:cNvPr id="1" name="Shape 281"/>
+        <p:cNvPr id="1" name="Shape 284"/>
         <p:cNvGrpSpPr/>
         <p:nvPr/>
       </p:nvGrpSpPr>
@@ -2090,7 +2093,7 @@
       </p:grpSpPr>
       <p:sp>
         <p:nvSpPr>
-          <p:cNvPr id="282" name="Google Shape;282;p24:notes"/>
+          <p:cNvPr id="285" name="Google Shape;285;g36272717752_0_1:notes"/>
           <p:cNvSpPr>
             <a:spLocks noGrp="1" noRot="1" noChangeAspect="1"/>
           </p:cNvSpPr>
@@ -2141,7 +2144,7 @@
       </p:sp>
       <p:sp>
         <p:nvSpPr>
-          <p:cNvPr id="283" name="Google Shape;283;p24:notes"/>
+          <p:cNvPr id="286" name="Google Shape;286;g36272717752_0_1:notes"/>
           <p:cNvSpPr txBox="1">
             <a:spLocks noGrp="1"/>
           </p:cNvSpPr>
@@ -2334,7 +2337,373 @@
       </p:grpSpPr>
       <p:sp>
         <p:nvSpPr>
-          <p:cNvPr id="292" name="Google Shape;292;p25:notes"/>
+          <p:cNvPr id="292" name="Google Shape;292;g3627cf388fb_0_1:notes"/>
+          <p:cNvSpPr>
+            <a:spLocks noGrp="1" noRot="1" noChangeAspect="1"/>
+          </p:cNvSpPr>
+          <p:nvPr>
+            <p:ph type="sldImg" idx="2"/>
+          </p:nvPr>
+        </p:nvSpPr>
+        <p:spPr>
+          <a:xfrm>
+            <a:off x="381000" y="685800"/>
+            <a:ext cx="6096000" cy="3429000"/>
+          </a:xfrm>
+          <a:custGeom>
+            <a:avLst/>
+            <a:gdLst/>
+            <a:ahLst/>
+            <a:cxnLst/>
+            <a:rect l="l" t="t" r="r" b="b"/>
+            <a:pathLst>
+              <a:path w="120000" h="120000" extrusionOk="0">
+                <a:moveTo>
+                  <a:pt x="0" y="0"/>
+                </a:moveTo>
+                <a:lnTo>
+                  <a:pt x="120000" y="0"/>
+                </a:lnTo>
+                <a:lnTo>
+                  <a:pt x="120000" y="120000"/>
+                </a:lnTo>
+                <a:lnTo>
+                  <a:pt x="0" y="120000"/>
+                </a:lnTo>
+                <a:close/>
+              </a:path>
+            </a:pathLst>
+          </a:custGeom>
+          <a:noFill/>
+          <a:ln w="9525" cap="flat" cmpd="sng">
+            <a:solidFill>
+              <a:srgbClr val="000000"/>
+            </a:solidFill>
+            <a:prstDash val="solid"/>
+            <a:round/>
+            <a:headEnd type="none" w="sm" len="sm"/>
+            <a:tailEnd type="none" w="sm" len="sm"/>
+          </a:ln>
+        </p:spPr>
+      </p:sp>
+      <p:sp>
+        <p:nvSpPr>
+          <p:cNvPr id="293" name="Google Shape;293;g3627cf388fb_0_1:notes"/>
+          <p:cNvSpPr txBox="1">
+            <a:spLocks noGrp="1"/>
+          </p:cNvSpPr>
+          <p:nvPr>
+            <p:ph type="body" idx="1"/>
+          </p:nvPr>
+        </p:nvSpPr>
+        <p:spPr>
+          <a:xfrm>
+            <a:off x="685800" y="4343400"/>
+            <a:ext cx="5486400" cy="4114800"/>
+          </a:xfrm>
+          <a:prstGeom prst="rect">
+            <a:avLst/>
+          </a:prstGeom>
+          <a:noFill/>
+          <a:ln>
+            <a:noFill/>
+          </a:ln>
+        </p:spPr>
+        <p:txBody>
+          <a:bodyPr spcFirstLastPara="1" wrap="square" lIns="91425" tIns="91425" rIns="91425" bIns="91425" anchor="t" anchorCtr="0">
+            <a:noAutofit/>
+          </a:bodyPr>
+          <a:lstStyle/>
+          <a:p>
+            <a:pPr marL="0" lvl="0" indent="0" algn="l" rtl="0">
+              <a:lnSpc>
+                <a:spcPct val="100000"/>
+              </a:lnSpc>
+              <a:spcBef>
+                <a:spcPts val="0"/>
+              </a:spcBef>
+              <a:spcAft>
+                <a:spcPts val="0"/>
+              </a:spcAft>
+              <a:buSzPts val="1100"/>
+              <a:buNone/>
+            </a:pPr>
+            <a:endParaRPr/>
+          </a:p>
+        </p:txBody>
+      </p:sp>
+    </p:spTree>
+  </p:cSld>
+  <p:clrMapOvr>
+    <a:masterClrMapping/>
+  </p:clrMapOvr>
+</p:notes>
+</file>
+
+<file path=ppt/notesSlides/notesSlide21.xml><?xml version="1.0" encoding="utf-8"?>
+<p:notes xmlns:a="http://schemas.openxmlformats.org/drawingml/2006/main" xmlns:r="http://schemas.openxmlformats.org/officeDocument/2006/relationships" xmlns:p="http://schemas.openxmlformats.org/presentationml/2006/main" showMasterSp="0" showMasterPhAnim="0">
+  <p:cSld>
+    <p:spTree>
+      <p:nvGrpSpPr>
+        <p:cNvPr id="1" name="Shape 299"/>
+        <p:cNvGrpSpPr/>
+        <p:nvPr/>
+      </p:nvGrpSpPr>
+      <p:grpSpPr>
+        <a:xfrm>
+          <a:off x="0" y="0"/>
+          <a:ext cx="0" cy="0"/>
+          <a:chOff x="0" y="0"/>
+          <a:chExt cx="0" cy="0"/>
+        </a:xfrm>
+      </p:grpSpPr>
+      <p:sp>
+        <p:nvSpPr>
+          <p:cNvPr id="300" name="Google Shape;300;p23:notes"/>
+          <p:cNvSpPr>
+            <a:spLocks noGrp="1" noRot="1" noChangeAspect="1"/>
+          </p:cNvSpPr>
+          <p:nvPr>
+            <p:ph type="sldImg" idx="2"/>
+          </p:nvPr>
+        </p:nvSpPr>
+        <p:spPr>
+          <a:xfrm>
+            <a:off x="381000" y="685800"/>
+            <a:ext cx="6096000" cy="3429000"/>
+          </a:xfrm>
+          <a:custGeom>
+            <a:avLst/>
+            <a:gdLst/>
+            <a:ahLst/>
+            <a:cxnLst/>
+            <a:rect l="l" t="t" r="r" b="b"/>
+            <a:pathLst>
+              <a:path w="120000" h="120000" extrusionOk="0">
+                <a:moveTo>
+                  <a:pt x="0" y="0"/>
+                </a:moveTo>
+                <a:lnTo>
+                  <a:pt x="120000" y="0"/>
+                </a:lnTo>
+                <a:lnTo>
+                  <a:pt x="120000" y="120000"/>
+                </a:lnTo>
+                <a:lnTo>
+                  <a:pt x="0" y="120000"/>
+                </a:lnTo>
+                <a:close/>
+              </a:path>
+            </a:pathLst>
+          </a:custGeom>
+          <a:noFill/>
+          <a:ln w="9525" cap="flat" cmpd="sng">
+            <a:solidFill>
+              <a:srgbClr val="000000"/>
+            </a:solidFill>
+            <a:prstDash val="solid"/>
+            <a:round/>
+            <a:headEnd type="none" w="sm" len="sm"/>
+            <a:tailEnd type="none" w="sm" len="sm"/>
+          </a:ln>
+        </p:spPr>
+      </p:sp>
+      <p:sp>
+        <p:nvSpPr>
+          <p:cNvPr id="301" name="Google Shape;301;p23:notes"/>
+          <p:cNvSpPr txBox="1">
+            <a:spLocks noGrp="1"/>
+          </p:cNvSpPr>
+          <p:nvPr>
+            <p:ph type="body" idx="1"/>
+          </p:nvPr>
+        </p:nvSpPr>
+        <p:spPr>
+          <a:xfrm>
+            <a:off x="685800" y="4343400"/>
+            <a:ext cx="5486400" cy="4114800"/>
+          </a:xfrm>
+          <a:prstGeom prst="rect">
+            <a:avLst/>
+          </a:prstGeom>
+          <a:noFill/>
+          <a:ln>
+            <a:noFill/>
+          </a:ln>
+        </p:spPr>
+        <p:txBody>
+          <a:bodyPr spcFirstLastPara="1" wrap="square" lIns="91425" tIns="91425" rIns="91425" bIns="91425" anchor="t" anchorCtr="0">
+            <a:noAutofit/>
+          </a:bodyPr>
+          <a:lstStyle/>
+          <a:p>
+            <a:pPr marL="0" lvl="0" indent="0" algn="l" rtl="0">
+              <a:lnSpc>
+                <a:spcPct val="100000"/>
+              </a:lnSpc>
+              <a:spcBef>
+                <a:spcPts val="0"/>
+              </a:spcBef>
+              <a:spcAft>
+                <a:spcPts val="0"/>
+              </a:spcAft>
+              <a:buSzPts val="1100"/>
+              <a:buNone/>
+            </a:pPr>
+            <a:endParaRPr/>
+          </a:p>
+        </p:txBody>
+      </p:sp>
+    </p:spTree>
+  </p:cSld>
+  <p:clrMapOvr>
+    <a:masterClrMapping/>
+  </p:clrMapOvr>
+</p:notes>
+</file>
+
+<file path=ppt/notesSlides/notesSlide22.xml><?xml version="1.0" encoding="utf-8"?>
+<p:notes xmlns:a="http://schemas.openxmlformats.org/drawingml/2006/main" xmlns:r="http://schemas.openxmlformats.org/officeDocument/2006/relationships" xmlns:p="http://schemas.openxmlformats.org/presentationml/2006/main" showMasterSp="0" showMasterPhAnim="0">
+  <p:cSld>
+    <p:spTree>
+      <p:nvGrpSpPr>
+        <p:cNvPr id="1" name="Shape 307"/>
+        <p:cNvGrpSpPr/>
+        <p:nvPr/>
+      </p:nvGrpSpPr>
+      <p:grpSpPr>
+        <a:xfrm>
+          <a:off x="0" y="0"/>
+          <a:ext cx="0" cy="0"/>
+          <a:chOff x="0" y="0"/>
+          <a:chExt cx="0" cy="0"/>
+        </a:xfrm>
+      </p:grpSpPr>
+      <p:sp>
+        <p:nvSpPr>
+          <p:cNvPr id="308" name="Google Shape;308;p24:notes"/>
+          <p:cNvSpPr>
+            <a:spLocks noGrp="1" noRot="1" noChangeAspect="1"/>
+          </p:cNvSpPr>
+          <p:nvPr>
+            <p:ph type="sldImg" idx="2"/>
+          </p:nvPr>
+        </p:nvSpPr>
+        <p:spPr>
+          <a:xfrm>
+            <a:off x="381000" y="685800"/>
+            <a:ext cx="6096000" cy="3429000"/>
+          </a:xfrm>
+          <a:custGeom>
+            <a:avLst/>
+            <a:gdLst/>
+            <a:ahLst/>
+            <a:cxnLst/>
+            <a:rect l="l" t="t" r="r" b="b"/>
+            <a:pathLst>
+              <a:path w="120000" h="120000" extrusionOk="0">
+                <a:moveTo>
+                  <a:pt x="0" y="0"/>
+                </a:moveTo>
+                <a:lnTo>
+                  <a:pt x="120000" y="0"/>
+                </a:lnTo>
+                <a:lnTo>
+                  <a:pt x="120000" y="120000"/>
+                </a:lnTo>
+                <a:lnTo>
+                  <a:pt x="0" y="120000"/>
+                </a:lnTo>
+                <a:close/>
+              </a:path>
+            </a:pathLst>
+          </a:custGeom>
+          <a:noFill/>
+          <a:ln w="9525" cap="flat" cmpd="sng">
+            <a:solidFill>
+              <a:srgbClr val="000000"/>
+            </a:solidFill>
+            <a:prstDash val="solid"/>
+            <a:round/>
+            <a:headEnd type="none" w="sm" len="sm"/>
+            <a:tailEnd type="none" w="sm" len="sm"/>
+          </a:ln>
+        </p:spPr>
+      </p:sp>
+      <p:sp>
+        <p:nvSpPr>
+          <p:cNvPr id="309" name="Google Shape;309;p24:notes"/>
+          <p:cNvSpPr txBox="1">
+            <a:spLocks noGrp="1"/>
+          </p:cNvSpPr>
+          <p:nvPr>
+            <p:ph type="body" idx="1"/>
+          </p:nvPr>
+        </p:nvSpPr>
+        <p:spPr>
+          <a:xfrm>
+            <a:off x="685800" y="4343400"/>
+            <a:ext cx="5486400" cy="4114800"/>
+          </a:xfrm>
+          <a:prstGeom prst="rect">
+            <a:avLst/>
+          </a:prstGeom>
+          <a:noFill/>
+          <a:ln>
+            <a:noFill/>
+          </a:ln>
+        </p:spPr>
+        <p:txBody>
+          <a:bodyPr spcFirstLastPara="1" wrap="square" lIns="91425" tIns="91425" rIns="91425" bIns="91425" anchor="t" anchorCtr="0">
+            <a:noAutofit/>
+          </a:bodyPr>
+          <a:lstStyle/>
+          <a:p>
+            <a:pPr marL="0" lvl="0" indent="0" algn="l" rtl="0">
+              <a:lnSpc>
+                <a:spcPct val="100000"/>
+              </a:lnSpc>
+              <a:spcBef>
+                <a:spcPts val="0"/>
+              </a:spcBef>
+              <a:spcAft>
+                <a:spcPts val="0"/>
+              </a:spcAft>
+              <a:buSzPts val="1100"/>
+              <a:buNone/>
+            </a:pPr>
+            <a:endParaRPr/>
+          </a:p>
+        </p:txBody>
+      </p:sp>
+    </p:spTree>
+  </p:cSld>
+  <p:clrMapOvr>
+    <a:masterClrMapping/>
+  </p:clrMapOvr>
+</p:notes>
+</file>
+
+<file path=ppt/notesSlides/notesSlide23.xml><?xml version="1.0" encoding="utf-8"?>
+<p:notes xmlns:a="http://schemas.openxmlformats.org/drawingml/2006/main" xmlns:r="http://schemas.openxmlformats.org/officeDocument/2006/relationships" xmlns:p="http://schemas.openxmlformats.org/presentationml/2006/main" showMasterSp="0" showMasterPhAnim="0">
+  <p:cSld>
+    <p:spTree>
+      <p:nvGrpSpPr>
+        <p:cNvPr id="1" name="Shape 317"/>
+        <p:cNvGrpSpPr/>
+        <p:nvPr/>
+      </p:nvGrpSpPr>
+      <p:grpSpPr>
+        <a:xfrm>
+          <a:off x="0" y="0"/>
+          <a:ext cx="0" cy="0"/>
+          <a:chOff x="0" y="0"/>
+          <a:chExt cx="0" cy="0"/>
+        </a:xfrm>
+      </p:grpSpPr>
+      <p:sp>
+        <p:nvSpPr>
+          <p:cNvPr id="318" name="Google Shape;318;p25:notes"/>
           <p:cNvSpPr>
             <a:spLocks noGrp="1" noRot="1" noChangeAspect="1"/>
           </p:cNvSpPr>
@@ -2385,7 +2754,7 @@
       </p:sp>
       <p:sp>
         <p:nvSpPr>
-          <p:cNvPr id="293" name="Google Shape;293;p25:notes"/>
+          <p:cNvPr id="319" name="Google Shape;319;p25:notes"/>
           <p:cNvSpPr txBox="1">
             <a:spLocks noGrp="1"/>
           </p:cNvSpPr>
@@ -13042,7 +13411,7 @@
         </p:nvSpPr>
         <p:spPr>
           <a:xfrm>
-            <a:off x="2709675" y="-65475"/>
+            <a:off x="1864525" y="-89350"/>
             <a:ext cx="2072400" cy="818700"/>
           </a:xfrm>
           <a:prstGeom prst="rect">
@@ -13160,8 +13529,8 @@
         </p:nvSpPr>
         <p:spPr>
           <a:xfrm>
-            <a:off x="4576975" y="4551747"/>
-            <a:ext cx="4502400" cy="480300"/>
+            <a:off x="4576975" y="4096439"/>
+            <a:ext cx="4502400" cy="942000"/>
           </a:xfrm>
           <a:prstGeom prst="rect">
             <a:avLst/>
@@ -13212,7 +13581,87 @@
                 <a:cs typeface="Calibri"/>
                 <a:sym typeface="Calibri"/>
               </a:rPr>
-              <a:t>xxx</a:t>
+              <a:t>AI Builds a Business in 30 days</a:t>
+            </a:r>
+            <a:endParaRPr sz="1500" b="1">
+              <a:solidFill>
+                <a:srgbClr val="3C78D8"/>
+              </a:solidFill>
+              <a:latin typeface="Calibri"/>
+              <a:ea typeface="Calibri"/>
+              <a:cs typeface="Calibri"/>
+              <a:sym typeface="Calibri"/>
+            </a:endParaRPr>
+          </a:p>
+          <a:p>
+            <a:pPr marL="228600" marR="0" lvl="0" indent="-209550" algn="l" rtl="0">
+              <a:lnSpc>
+                <a:spcPct val="100000"/>
+              </a:lnSpc>
+              <a:spcBef>
+                <a:spcPts val="0"/>
+              </a:spcBef>
+              <a:spcAft>
+                <a:spcPts val="0"/>
+              </a:spcAft>
+              <a:buClr>
+                <a:srgbClr val="3C78D8"/>
+              </a:buClr>
+              <a:buSzPts val="1500"/>
+              <a:buFont typeface="Calibri"/>
+              <a:buChar char="●"/>
+            </a:pPr>
+            <a:r>
+              <a:rPr lang="en" sz="1500" b="1">
+                <a:solidFill>
+                  <a:srgbClr val="3C78D8"/>
+                </a:solidFill>
+                <a:latin typeface="Calibri"/>
+                <a:ea typeface="Calibri"/>
+                <a:cs typeface="Calibri"/>
+                <a:sym typeface="Calibri"/>
+              </a:rPr>
+              <a:t>How to Make AI Agents Not Fail in Prod</a:t>
+            </a:r>
+            <a:endParaRPr sz="1500" b="1">
+              <a:solidFill>
+                <a:srgbClr val="3C78D8"/>
+              </a:solidFill>
+              <a:latin typeface="Calibri"/>
+              <a:ea typeface="Calibri"/>
+              <a:cs typeface="Calibri"/>
+              <a:sym typeface="Calibri"/>
+            </a:endParaRPr>
+          </a:p>
+          <a:p>
+            <a:pPr marL="228600" marR="0" lvl="0" indent="-209550" algn="l" rtl="0">
+              <a:lnSpc>
+                <a:spcPct val="100000"/>
+              </a:lnSpc>
+              <a:spcBef>
+                <a:spcPts val="0"/>
+              </a:spcBef>
+              <a:spcAft>
+                <a:spcPts val="0"/>
+              </a:spcAft>
+              <a:buClr>
+                <a:srgbClr val="3C78D8"/>
+              </a:buClr>
+              <a:buSzPts val="1500"/>
+              <a:buFont typeface="Calibri"/>
+              <a:buChar char="●"/>
+            </a:pPr>
+            <a:r>
+              <a:rPr lang="en" sz="1500" b="1">
+                <a:solidFill>
+                  <a:srgbClr val="3C78D8"/>
+                </a:solidFill>
+                <a:latin typeface="Calibri"/>
+                <a:ea typeface="Calibri"/>
+                <a:cs typeface="Calibri"/>
+                <a:sym typeface="Calibri"/>
+              </a:rPr>
+              <a:t>AI music generation</a:t>
             </a:r>
             <a:endParaRPr sz="1500" b="1">
               <a:solidFill>
@@ -13709,7 +14158,7 @@
         <p:spPr>
           <a:xfrm>
             <a:off x="4576975" y="787808"/>
-            <a:ext cx="4502400" cy="2789100"/>
+            <a:ext cx="4502400" cy="3250800"/>
           </a:xfrm>
           <a:prstGeom prst="rect">
             <a:avLst/>
@@ -13960,7 +14409,7 @@
                 <a:cs typeface="Calibri"/>
                 <a:sym typeface="Calibri"/>
               </a:rPr>
-              <a:t>China Wins Against USA in Sciences</a:t>
+              <a:t>Zhipu AI - getting government contracts in China</a:t>
             </a:r>
             <a:endParaRPr sz="1500" b="1">
               <a:solidFill>
@@ -14000,7 +14449,7 @@
                 <a:cs typeface="Calibri"/>
                 <a:sym typeface="Calibri"/>
               </a:rPr>
-              <a:t>UC Berkeley CyberGym</a:t>
+              <a:t>GitHub Copilot: Claude Sonnet 4 &amp; Opus 4</a:t>
             </a:r>
             <a:endParaRPr sz="1500" b="1">
               <a:solidFill>
@@ -14040,7 +14489,7 @@
                 <a:cs typeface="Calibri"/>
                 <a:sym typeface="Calibri"/>
               </a:rPr>
-              <a:t>PoE-World</a:t>
+              <a:t>GoogleDeepMind’s AlphaGenome for DNA analysis</a:t>
             </a:r>
             <a:endParaRPr sz="1500" b="1">
               <a:solidFill>
@@ -14080,7 +14529,7 @@
                 <a:cs typeface="Calibri"/>
                 <a:sym typeface="Calibri"/>
               </a:rPr>
-              <a:t>AI Builds a Business in 30 days</a:t>
+              <a:t>Anthropic Claude - build and host AI apps Artifacts</a:t>
             </a:r>
             <a:endParaRPr sz="1500" b="1">
               <a:solidFill>
@@ -14120,7 +14569,7 @@
                 <a:cs typeface="Calibri"/>
                 <a:sym typeface="Calibri"/>
               </a:rPr>
-              <a:t>How to Make AI Agents Not Fail in Prod</a:t>
+              <a:t>Use 9 MCP Servers to reduce coding errors</a:t>
             </a:r>
             <a:endParaRPr sz="1500" b="1">
               <a:solidFill>
@@ -14160,7 +14609,7 @@
                 <a:cs typeface="Calibri"/>
                 <a:sym typeface="Calibri"/>
               </a:rPr>
-              <a:t>AI music generation</a:t>
+              <a:t>Meta Poaches Three OpenAI Researchers</a:t>
             </a:r>
             <a:endParaRPr sz="1500" b="1">
               <a:solidFill>
@@ -14200,7 +14649,87 @@
                 <a:cs typeface="Calibri"/>
                 <a:sym typeface="Calibri"/>
               </a:rPr>
-              <a:t>xxx</a:t>
+              <a:t>China Wins Against USA in Sciences</a:t>
+            </a:r>
+            <a:endParaRPr sz="1500" b="1">
+              <a:solidFill>
+                <a:srgbClr val="3C78D8"/>
+              </a:solidFill>
+              <a:latin typeface="Calibri"/>
+              <a:ea typeface="Calibri"/>
+              <a:cs typeface="Calibri"/>
+              <a:sym typeface="Calibri"/>
+            </a:endParaRPr>
+          </a:p>
+          <a:p>
+            <a:pPr marL="228600" marR="0" lvl="0" indent="-209550" algn="l" rtl="0">
+              <a:lnSpc>
+                <a:spcPct val="100000"/>
+              </a:lnSpc>
+              <a:spcBef>
+                <a:spcPts val="0"/>
+              </a:spcBef>
+              <a:spcAft>
+                <a:spcPts val="0"/>
+              </a:spcAft>
+              <a:buClr>
+                <a:srgbClr val="3C78D8"/>
+              </a:buClr>
+              <a:buSzPts val="1500"/>
+              <a:buFont typeface="Calibri"/>
+              <a:buChar char="●"/>
+            </a:pPr>
+            <a:r>
+              <a:rPr lang="en" sz="1500" b="1">
+                <a:solidFill>
+                  <a:srgbClr val="3C78D8"/>
+                </a:solidFill>
+                <a:latin typeface="Calibri"/>
+                <a:ea typeface="Calibri"/>
+                <a:cs typeface="Calibri"/>
+                <a:sym typeface="Calibri"/>
+              </a:rPr>
+              <a:t>UC Berkeley CyberGym</a:t>
+            </a:r>
+            <a:endParaRPr sz="1500" b="1">
+              <a:solidFill>
+                <a:srgbClr val="3C78D8"/>
+              </a:solidFill>
+              <a:latin typeface="Calibri"/>
+              <a:ea typeface="Calibri"/>
+              <a:cs typeface="Calibri"/>
+              <a:sym typeface="Calibri"/>
+            </a:endParaRPr>
+          </a:p>
+          <a:p>
+            <a:pPr marL="228600" marR="0" lvl="0" indent="-209550" algn="l" rtl="0">
+              <a:lnSpc>
+                <a:spcPct val="100000"/>
+              </a:lnSpc>
+              <a:spcBef>
+                <a:spcPts val="0"/>
+              </a:spcBef>
+              <a:spcAft>
+                <a:spcPts val="0"/>
+              </a:spcAft>
+              <a:buClr>
+                <a:srgbClr val="3C78D8"/>
+              </a:buClr>
+              <a:buSzPts val="1500"/>
+              <a:buFont typeface="Calibri"/>
+              <a:buChar char="●"/>
+            </a:pPr>
+            <a:r>
+              <a:rPr lang="en" sz="1500" b="1">
+                <a:solidFill>
+                  <a:srgbClr val="3C78D8"/>
+                </a:solidFill>
+                <a:latin typeface="Calibri"/>
+                <a:ea typeface="Calibri"/>
+                <a:cs typeface="Calibri"/>
+                <a:sym typeface="Calibri"/>
+              </a:rPr>
+              <a:t>PoE-World</a:t>
             </a:r>
             <a:endParaRPr sz="1500" b="1">
               <a:solidFill>
@@ -14223,7 +14752,7 @@
         <p:spPr>
           <a:xfrm>
             <a:off x="5325500" y="57525"/>
-            <a:ext cx="3303600" cy="572700"/>
+            <a:ext cx="3668400" cy="572700"/>
           </a:xfrm>
           <a:prstGeom prst="rect">
             <a:avLst/>
@@ -14257,7 +14786,7 @@
               <a:buNone/>
             </a:pPr>
             <a:r>
-              <a:rPr lang="en" sz="1800" b="1">
+              <a:rPr lang="en" sz="1800" b="1" i="1">
                 <a:solidFill>
                   <a:srgbClr val="FF0000"/>
                 </a:solidFill>
@@ -14266,9 +14795,32 @@
                 <a:cs typeface="Calibri"/>
                 <a:sym typeface="Calibri"/>
               </a:rPr>
-              <a:t>AI is not perfect, It makes errors. But still it is a major amplifier</a:t>
-            </a:r>
-            <a:endParaRPr sz="1800" b="1" i="0" u="none" strike="noStrike" cap="none">
+              <a:t>AI is not perfect, it makes errors.</a:t>
+            </a:r>
+            <a:br>
+              <a:rPr lang="en" sz="1800" b="1" i="1">
+                <a:solidFill>
+                  <a:srgbClr val="FF0000"/>
+                </a:solidFill>
+                <a:latin typeface="Calibri"/>
+                <a:ea typeface="Calibri"/>
+                <a:cs typeface="Calibri"/>
+                <a:sym typeface="Calibri"/>
+              </a:rPr>
+            </a:br>
+            <a:r>
+              <a:rPr lang="en" sz="1800" b="1" i="1">
+                <a:solidFill>
+                  <a:srgbClr val="FF0000"/>
+                </a:solidFill>
+                <a:latin typeface="Calibri"/>
+                <a:ea typeface="Calibri"/>
+                <a:cs typeface="Calibri"/>
+                <a:sym typeface="Calibri"/>
+              </a:rPr>
+              <a:t>But still it is the major amplifier !</a:t>
+            </a:r>
+            <a:endParaRPr sz="1800" b="1" i="1" u="none" strike="noStrike" cap="none">
               <a:solidFill>
                 <a:srgbClr val="FF0000"/>
               </a:solidFill>
@@ -14990,7 +15542,7 @@
                 <a:cs typeface="Calibri"/>
                 <a:sym typeface="Calibri"/>
               </a:rPr>
-              <a:t>Gemini CLI open-source AI agent</a:t>
+              <a:t>Google Gemini CLI open-source AI agent</a:t>
             </a:r>
             <a:endParaRPr sz="1200" b="1">
               <a:solidFill>
@@ -16848,6 +17400,398 @@
           </a:ln>
         </p:spPr>
       </p:pic>
+      <p:sp>
+        <p:nvSpPr>
+          <p:cNvPr id="236" name="Google Shape;236;p26"/>
+          <p:cNvSpPr txBox="1"/>
+          <p:nvPr/>
+        </p:nvSpPr>
+        <p:spPr>
+          <a:xfrm>
+            <a:off x="80275" y="1953314"/>
+            <a:ext cx="4446000" cy="1680900"/>
+          </a:xfrm>
+          <a:prstGeom prst="rect">
+            <a:avLst/>
+          </a:prstGeom>
+          <a:solidFill>
+            <a:srgbClr val="FFF2CC"/>
+          </a:solidFill>
+          <a:ln w="9525" cap="flat" cmpd="sng">
+            <a:solidFill>
+              <a:srgbClr val="FF0000"/>
+            </a:solidFill>
+            <a:prstDash val="solid"/>
+            <a:round/>
+            <a:headEnd type="none" w="sm" len="sm"/>
+            <a:tailEnd type="none" w="sm" len="sm"/>
+          </a:ln>
+        </p:spPr>
+        <p:txBody>
+          <a:bodyPr spcFirstLastPara="1" wrap="square" lIns="9125" tIns="9125" rIns="9125" bIns="9125" anchor="t" anchorCtr="0">
+            <a:spAutoFit/>
+          </a:bodyPr>
+          <a:lstStyle/>
+          <a:p>
+            <a:pPr marL="171450" marR="0" lvl="0" indent="-114300" algn="l" rtl="0">
+              <a:lnSpc>
+                <a:spcPct val="100000"/>
+              </a:lnSpc>
+              <a:spcBef>
+                <a:spcPts val="0"/>
+              </a:spcBef>
+              <a:spcAft>
+                <a:spcPts val="0"/>
+              </a:spcAft>
+              <a:buClr>
+                <a:srgbClr val="FF0000"/>
+              </a:buClr>
+              <a:buSzPts val="900"/>
+              <a:buFont typeface="Calibri"/>
+              <a:buChar char="●"/>
+            </a:pPr>
+            <a:r>
+              <a:rPr lang="en" sz="1200" b="1">
+                <a:solidFill>
+                  <a:srgbClr val="FF0000"/>
+                </a:solidFill>
+                <a:latin typeface="Calibri"/>
+                <a:ea typeface="Calibri"/>
+                <a:cs typeface="Calibri"/>
+                <a:sym typeface="Calibri"/>
+              </a:rPr>
+              <a:t>Zhipu AI - getting government contracts in China</a:t>
+            </a:r>
+            <a:endParaRPr sz="1200" b="1">
+              <a:solidFill>
+                <a:srgbClr val="FF0000"/>
+              </a:solidFill>
+              <a:latin typeface="Calibri"/>
+              <a:ea typeface="Calibri"/>
+              <a:cs typeface="Calibri"/>
+              <a:sym typeface="Calibri"/>
+            </a:endParaRPr>
+          </a:p>
+          <a:p>
+            <a:pPr marL="171450" marR="0" lvl="0" indent="-114300" algn="l" rtl="0">
+              <a:lnSpc>
+                <a:spcPct val="100000"/>
+              </a:lnSpc>
+              <a:spcBef>
+                <a:spcPts val="0"/>
+              </a:spcBef>
+              <a:spcAft>
+                <a:spcPts val="0"/>
+              </a:spcAft>
+              <a:buClr>
+                <a:schemeClr val="dk1"/>
+              </a:buClr>
+              <a:buSzPts val="900"/>
+              <a:buFont typeface="Calibri"/>
+              <a:buChar char="●"/>
+            </a:pPr>
+            <a:r>
+              <a:rPr lang="en" sz="1200">
+                <a:solidFill>
+                  <a:schemeClr val="dk1"/>
+                </a:solidFill>
+                <a:latin typeface="Calibri"/>
+                <a:ea typeface="Calibri"/>
+                <a:cs typeface="Calibri"/>
+                <a:sym typeface="Calibri"/>
+              </a:rPr>
+              <a:t>It is backed by the Chinese Communist Party</a:t>
+            </a:r>
+            <a:endParaRPr sz="1200">
+              <a:solidFill>
+                <a:schemeClr val="dk1"/>
+              </a:solidFill>
+              <a:latin typeface="Calibri"/>
+              <a:ea typeface="Calibri"/>
+              <a:cs typeface="Calibri"/>
+              <a:sym typeface="Calibri"/>
+            </a:endParaRPr>
+          </a:p>
+          <a:p>
+            <a:pPr marL="171450" marR="0" lvl="0" indent="-114300" algn="l" rtl="0">
+              <a:lnSpc>
+                <a:spcPct val="100000"/>
+              </a:lnSpc>
+              <a:spcBef>
+                <a:spcPts val="0"/>
+              </a:spcBef>
+              <a:spcAft>
+                <a:spcPts val="0"/>
+              </a:spcAft>
+              <a:buClr>
+                <a:schemeClr val="dk1"/>
+              </a:buClr>
+              <a:buSzPts val="900"/>
+              <a:buFont typeface="Calibri"/>
+              <a:buChar char="●"/>
+            </a:pPr>
+            <a:r>
+              <a:rPr lang="en" sz="1200">
+                <a:solidFill>
+                  <a:schemeClr val="dk1"/>
+                </a:solidFill>
+                <a:latin typeface="Calibri"/>
+                <a:ea typeface="Calibri"/>
+                <a:cs typeface="Calibri"/>
+                <a:sym typeface="Calibri"/>
+              </a:rPr>
+              <a:t>Aims to "lock Chinese systems and standards into emerging markets before U.S. or European rivals can"</a:t>
+            </a:r>
+            <a:endParaRPr sz="1200">
+              <a:solidFill>
+                <a:schemeClr val="dk1"/>
+              </a:solidFill>
+              <a:latin typeface="Calibri"/>
+              <a:ea typeface="Calibri"/>
+              <a:cs typeface="Calibri"/>
+              <a:sym typeface="Calibri"/>
+            </a:endParaRPr>
+          </a:p>
+          <a:p>
+            <a:pPr marL="171450" marR="0" lvl="0" indent="-114300" algn="l" rtl="0">
+              <a:lnSpc>
+                <a:spcPct val="100000"/>
+              </a:lnSpc>
+              <a:spcBef>
+                <a:spcPts val="0"/>
+              </a:spcBef>
+              <a:spcAft>
+                <a:spcPts val="0"/>
+              </a:spcAft>
+              <a:buClr>
+                <a:schemeClr val="dk1"/>
+              </a:buClr>
+              <a:buSzPts val="900"/>
+              <a:buFont typeface="Calibri"/>
+              <a:buChar char="●"/>
+            </a:pPr>
+            <a:r>
+              <a:rPr lang="en" sz="1200">
+                <a:solidFill>
+                  <a:schemeClr val="dk1"/>
+                </a:solidFill>
+                <a:latin typeface="Calibri"/>
+                <a:ea typeface="Calibri"/>
+                <a:cs typeface="Calibri"/>
+                <a:sym typeface="Calibri"/>
+              </a:rPr>
+              <a:t>Providing 'responsible, transparent and audit-ready' Chinese AI alternative to US ChatGPT and other models</a:t>
+            </a:r>
+            <a:endParaRPr sz="900">
+              <a:solidFill>
+                <a:schemeClr val="dk1"/>
+              </a:solidFill>
+              <a:latin typeface="Calibri"/>
+              <a:ea typeface="Calibri"/>
+              <a:cs typeface="Calibri"/>
+              <a:sym typeface="Calibri"/>
+            </a:endParaRPr>
+          </a:p>
+          <a:p>
+            <a:pPr marL="171450" marR="0" lvl="0" indent="-114300" algn="l" rtl="0">
+              <a:lnSpc>
+                <a:spcPct val="100000"/>
+              </a:lnSpc>
+              <a:spcBef>
+                <a:spcPts val="0"/>
+              </a:spcBef>
+              <a:spcAft>
+                <a:spcPts val="0"/>
+              </a:spcAft>
+              <a:buClr>
+                <a:schemeClr val="dk1"/>
+              </a:buClr>
+              <a:buSzPts val="900"/>
+              <a:buFont typeface="Calibri"/>
+              <a:buChar char="●"/>
+            </a:pPr>
+            <a:r>
+              <a:rPr lang="en" sz="900" u="sng">
+                <a:solidFill>
+                  <a:schemeClr val="hlink"/>
+                </a:solidFill>
+                <a:latin typeface="Calibri"/>
+                <a:ea typeface="Calibri"/>
+                <a:cs typeface="Calibri"/>
+                <a:sym typeface="Calibri"/>
+                <a:hlinkClick r:id="rId8"/>
+              </a:rPr>
+              <a:t>https://www.reuters.com/world/china/openai-says-chinas-zhipu-ai-gaining-ground-amid-beijings-global-ai-push-2025-06-25/</a:t>
+            </a:r>
+            <a:r>
+              <a:rPr lang="en" sz="900">
+                <a:solidFill>
+                  <a:schemeClr val="dk1"/>
+                </a:solidFill>
+                <a:latin typeface="Calibri"/>
+                <a:ea typeface="Calibri"/>
+                <a:cs typeface="Calibri"/>
+                <a:sym typeface="Calibri"/>
+              </a:rPr>
+              <a:t> </a:t>
+            </a:r>
+            <a:endParaRPr sz="900">
+              <a:solidFill>
+                <a:schemeClr val="dk1"/>
+              </a:solidFill>
+              <a:latin typeface="Calibri"/>
+              <a:ea typeface="Calibri"/>
+              <a:cs typeface="Calibri"/>
+              <a:sym typeface="Calibri"/>
+            </a:endParaRPr>
+          </a:p>
+          <a:p>
+            <a:pPr marL="171450" marR="0" lvl="0" indent="-114300" algn="l" rtl="0">
+              <a:lnSpc>
+                <a:spcPct val="100000"/>
+              </a:lnSpc>
+              <a:spcBef>
+                <a:spcPts val="0"/>
+              </a:spcBef>
+              <a:spcAft>
+                <a:spcPts val="0"/>
+              </a:spcAft>
+              <a:buClr>
+                <a:schemeClr val="dk1"/>
+              </a:buClr>
+              <a:buSzPts val="900"/>
+              <a:buFont typeface="Calibri"/>
+              <a:buChar char="●"/>
+            </a:pPr>
+            <a:r>
+              <a:rPr lang="en" sz="900" u="sng">
+                <a:solidFill>
+                  <a:schemeClr val="hlink"/>
+                </a:solidFill>
+                <a:latin typeface="Calibri"/>
+                <a:ea typeface="Calibri"/>
+                <a:cs typeface="Calibri"/>
+                <a:sym typeface="Calibri"/>
+                <a:hlinkClick r:id="rId9"/>
+              </a:rPr>
+              <a:t>https://en.wikipedia.org/wiki/Zhipu_AI</a:t>
+            </a:r>
+            <a:r>
+              <a:rPr lang="en" sz="900">
+                <a:solidFill>
+                  <a:schemeClr val="dk1"/>
+                </a:solidFill>
+                <a:latin typeface="Calibri"/>
+                <a:ea typeface="Calibri"/>
+                <a:cs typeface="Calibri"/>
+                <a:sym typeface="Calibri"/>
+              </a:rPr>
+              <a:t> </a:t>
+            </a:r>
+            <a:endParaRPr sz="900">
+              <a:solidFill>
+                <a:schemeClr val="dk1"/>
+              </a:solidFill>
+              <a:latin typeface="Calibri"/>
+              <a:ea typeface="Calibri"/>
+              <a:cs typeface="Calibri"/>
+              <a:sym typeface="Calibri"/>
+            </a:endParaRPr>
+          </a:p>
+          <a:p>
+            <a:pPr marL="171450" marR="0" lvl="0" indent="-114300" algn="l" rtl="0">
+              <a:lnSpc>
+                <a:spcPct val="100000"/>
+              </a:lnSpc>
+              <a:spcBef>
+                <a:spcPts val="0"/>
+              </a:spcBef>
+              <a:spcAft>
+                <a:spcPts val="0"/>
+              </a:spcAft>
+              <a:buClr>
+                <a:schemeClr val="dk1"/>
+              </a:buClr>
+              <a:buSzPts val="900"/>
+              <a:buFont typeface="Calibri"/>
+              <a:buChar char="●"/>
+            </a:pPr>
+            <a:r>
+              <a:rPr lang="en" sz="900" u="sng">
+                <a:solidFill>
+                  <a:schemeClr val="hlink"/>
+                </a:solidFill>
+                <a:latin typeface="Calibri"/>
+                <a:ea typeface="Calibri"/>
+                <a:cs typeface="Calibri"/>
+                <a:sym typeface="Calibri"/>
+                <a:hlinkClick r:id="rId10"/>
+              </a:rPr>
+              <a:t>https://zhipuai.cn</a:t>
+            </a:r>
+            <a:r>
+              <a:rPr lang="en" sz="900">
+                <a:solidFill>
+                  <a:schemeClr val="dk1"/>
+                </a:solidFill>
+                <a:latin typeface="Calibri"/>
+                <a:ea typeface="Calibri"/>
+                <a:cs typeface="Calibri"/>
+                <a:sym typeface="Calibri"/>
+              </a:rPr>
+              <a:t> </a:t>
+            </a:r>
+            <a:endParaRPr sz="900">
+              <a:solidFill>
+                <a:schemeClr val="dk1"/>
+              </a:solidFill>
+              <a:latin typeface="Calibri"/>
+              <a:ea typeface="Calibri"/>
+              <a:cs typeface="Calibri"/>
+              <a:sym typeface="Calibri"/>
+            </a:endParaRPr>
+          </a:p>
+        </p:txBody>
+      </p:sp>
+      <p:pic>
+        <p:nvPicPr>
+          <p:cNvPr id="237" name="Google Shape;237;p26"/>
+          <p:cNvPicPr preferRelativeResize="0"/>
+          <p:nvPr/>
+        </p:nvPicPr>
+        <p:blipFill>
+          <a:blip r:embed="rId11" cstate="email">
+            <a:alphaModFix/>
+            <a:extLst>
+              <a:ext uri="{28A0092B-C50C-407E-A947-70E740481C1C}">
+                <a14:useLocalDpi xmlns:a14="http://schemas.microsoft.com/office/drawing/2010/main"/>
+              </a:ext>
+            </a:extLst>
+          </a:blip>
+          <a:stretch>
+            <a:fillRect/>
+          </a:stretch>
+        </p:blipFill>
+        <p:spPr>
+          <a:xfrm>
+            <a:off x="2593800" y="3319625"/>
+            <a:ext cx="2843623" cy="1330900"/>
+          </a:xfrm>
+          <a:prstGeom prst="rect">
+            <a:avLst/>
+          </a:prstGeom>
+          <a:noFill/>
+          <a:ln w="9525" cap="flat" cmpd="sng">
+            <a:solidFill>
+              <a:srgbClr val="FF0000"/>
+            </a:solidFill>
+            <a:prstDash val="solid"/>
+            <a:round/>
+            <a:headEnd type="none" w="sm" len="sm"/>
+            <a:tailEnd type="none" w="sm" len="sm"/>
+          </a:ln>
+        </p:spPr>
+      </p:pic>
     </p:spTree>
   </p:cSld>
   <p:clrMapOvr>
@@ -16861,7 +17805,7 @@
   <p:cSld>
     <p:spTree>
       <p:nvGrpSpPr>
-        <p:cNvPr id="1" name="Shape 239"/>
+        <p:cNvPr id="1" name="Shape 241"/>
         <p:cNvGrpSpPr/>
         <p:nvPr/>
       </p:nvGrpSpPr>
@@ -16875,7 +17819,2130 @@
       </p:grpSpPr>
       <p:sp>
         <p:nvSpPr>
-          <p:cNvPr id="240" name="Google Shape;240;p27"/>
+          <p:cNvPr id="242" name="Google Shape;242;p27"/>
+          <p:cNvSpPr txBox="1"/>
+          <p:nvPr/>
+        </p:nvSpPr>
+        <p:spPr>
+          <a:xfrm>
+            <a:off x="55075" y="-23450"/>
+            <a:ext cx="1961400" cy="326400"/>
+          </a:xfrm>
+          <a:prstGeom prst="rect">
+            <a:avLst/>
+          </a:prstGeom>
+          <a:noFill/>
+          <a:ln>
+            <a:noFill/>
+          </a:ln>
+        </p:spPr>
+        <p:txBody>
+          <a:bodyPr spcFirstLastPara="1" wrap="square" lIns="9125" tIns="9125" rIns="9125" bIns="9125" anchor="t" anchorCtr="0">
+            <a:spAutoFit/>
+          </a:bodyPr>
+          <a:lstStyle/>
+          <a:p>
+            <a:pPr marL="0" marR="0" lvl="0" indent="0" algn="l" rtl="0">
+              <a:lnSpc>
+                <a:spcPct val="100000"/>
+              </a:lnSpc>
+              <a:spcBef>
+                <a:spcPts val="0"/>
+              </a:spcBef>
+              <a:spcAft>
+                <a:spcPts val="0"/>
+              </a:spcAft>
+              <a:buClr>
+                <a:schemeClr val="dk1"/>
+              </a:buClr>
+              <a:buSzPts val="1100"/>
+              <a:buFont typeface="Arial"/>
+              <a:buNone/>
+            </a:pPr>
+            <a:r>
+              <a:rPr lang="en" sz="2000" b="1">
+                <a:solidFill>
+                  <a:schemeClr val="dk1"/>
+                </a:solidFill>
+                <a:latin typeface="Calibri"/>
+                <a:ea typeface="Calibri"/>
+                <a:cs typeface="Calibri"/>
+                <a:sym typeface="Calibri"/>
+              </a:rPr>
+              <a:t>AI Updates 7</a:t>
+            </a:r>
+            <a:endParaRPr sz="2000" b="1" i="0" u="none" strike="noStrike" cap="none">
+              <a:solidFill>
+                <a:schemeClr val="dk1"/>
+              </a:solidFill>
+              <a:latin typeface="Calibri"/>
+              <a:ea typeface="Calibri"/>
+              <a:cs typeface="Calibri"/>
+              <a:sym typeface="Calibri"/>
+            </a:endParaRPr>
+          </a:p>
+        </p:txBody>
+      </p:sp>
+      <p:sp>
+        <p:nvSpPr>
+          <p:cNvPr id="243" name="Google Shape;243;p27"/>
+          <p:cNvSpPr txBox="1"/>
+          <p:nvPr/>
+        </p:nvSpPr>
+        <p:spPr>
+          <a:xfrm>
+            <a:off x="80275" y="342589"/>
+            <a:ext cx="4446000" cy="480300"/>
+          </a:xfrm>
+          <a:prstGeom prst="rect">
+            <a:avLst/>
+          </a:prstGeom>
+          <a:solidFill>
+            <a:srgbClr val="FFF2CC"/>
+          </a:solidFill>
+          <a:ln w="9525" cap="flat" cmpd="sng">
+            <a:solidFill>
+              <a:srgbClr val="FF0000"/>
+            </a:solidFill>
+            <a:prstDash val="solid"/>
+            <a:round/>
+            <a:headEnd type="none" w="sm" len="sm"/>
+            <a:tailEnd type="none" w="sm" len="sm"/>
+          </a:ln>
+        </p:spPr>
+        <p:txBody>
+          <a:bodyPr spcFirstLastPara="1" wrap="square" lIns="9125" tIns="9125" rIns="9125" bIns="9125" anchor="t" anchorCtr="0">
+            <a:spAutoFit/>
+          </a:bodyPr>
+          <a:lstStyle/>
+          <a:p>
+            <a:pPr marL="171450" marR="0" lvl="0" indent="-114300" algn="l" rtl="0">
+              <a:lnSpc>
+                <a:spcPct val="100000"/>
+              </a:lnSpc>
+              <a:spcBef>
+                <a:spcPts val="0"/>
+              </a:spcBef>
+              <a:spcAft>
+                <a:spcPts val="0"/>
+              </a:spcAft>
+              <a:buClr>
+                <a:srgbClr val="FF0000"/>
+              </a:buClr>
+              <a:buSzPts val="900"/>
+              <a:buFont typeface="Calibri"/>
+              <a:buChar char="●"/>
+            </a:pPr>
+            <a:r>
+              <a:rPr lang="en" sz="1200" b="1">
+                <a:solidFill>
+                  <a:srgbClr val="FF0000"/>
+                </a:solidFill>
+                <a:latin typeface="Calibri"/>
+                <a:ea typeface="Calibri"/>
+                <a:cs typeface="Calibri"/>
+                <a:sym typeface="Calibri"/>
+              </a:rPr>
+              <a:t>GitHub Copilot: Claude Sonnet 4 &amp; Opus 4</a:t>
+            </a:r>
+            <a:endParaRPr sz="900" b="1">
+              <a:solidFill>
+                <a:srgbClr val="FF0000"/>
+              </a:solidFill>
+              <a:latin typeface="Calibri"/>
+              <a:ea typeface="Calibri"/>
+              <a:cs typeface="Calibri"/>
+              <a:sym typeface="Calibri"/>
+            </a:endParaRPr>
+          </a:p>
+          <a:p>
+            <a:pPr marL="171450" marR="0" lvl="0" indent="-95250" algn="l" rtl="0">
+              <a:lnSpc>
+                <a:spcPct val="100000"/>
+              </a:lnSpc>
+              <a:spcBef>
+                <a:spcPts val="0"/>
+              </a:spcBef>
+              <a:spcAft>
+                <a:spcPts val="0"/>
+              </a:spcAft>
+              <a:buClr>
+                <a:schemeClr val="dk1"/>
+              </a:buClr>
+              <a:buSzPts val="600"/>
+              <a:buFont typeface="Calibri"/>
+              <a:buChar char="●"/>
+            </a:pPr>
+            <a:r>
+              <a:rPr lang="en" sz="900" u="sng">
+                <a:solidFill>
+                  <a:schemeClr val="hlink"/>
+                </a:solidFill>
+                <a:latin typeface="Calibri"/>
+                <a:ea typeface="Calibri"/>
+                <a:cs typeface="Calibri"/>
+                <a:sym typeface="Calibri"/>
+                <a:hlinkClick r:id="rId3"/>
+              </a:rPr>
+              <a:t>https://github.blog/changelog/2025-06-25-anthropic-claude-sonnet-4-and-claude-opus-4-are-now-generally-available-in-github-copilot/</a:t>
+            </a:r>
+            <a:r>
+              <a:rPr lang="en" sz="900">
+                <a:solidFill>
+                  <a:schemeClr val="dk1"/>
+                </a:solidFill>
+                <a:latin typeface="Calibri"/>
+                <a:ea typeface="Calibri"/>
+                <a:cs typeface="Calibri"/>
+                <a:sym typeface="Calibri"/>
+              </a:rPr>
+              <a:t> </a:t>
+            </a:r>
+            <a:endParaRPr sz="600">
+              <a:solidFill>
+                <a:schemeClr val="dk1"/>
+              </a:solidFill>
+              <a:latin typeface="Calibri"/>
+              <a:ea typeface="Calibri"/>
+              <a:cs typeface="Calibri"/>
+              <a:sym typeface="Calibri"/>
+            </a:endParaRPr>
+          </a:p>
+        </p:txBody>
+      </p:sp>
+      <p:sp>
+        <p:nvSpPr>
+          <p:cNvPr id="244" name="Google Shape;244;p27"/>
+          <p:cNvSpPr txBox="1"/>
+          <p:nvPr/>
+        </p:nvSpPr>
+        <p:spPr>
+          <a:xfrm>
+            <a:off x="80275" y="876257"/>
+            <a:ext cx="4446000" cy="1957800"/>
+          </a:xfrm>
+          <a:prstGeom prst="rect">
+            <a:avLst/>
+          </a:prstGeom>
+          <a:solidFill>
+            <a:srgbClr val="FFF2CC"/>
+          </a:solidFill>
+          <a:ln w="9525" cap="flat" cmpd="sng">
+            <a:solidFill>
+              <a:srgbClr val="FF0000"/>
+            </a:solidFill>
+            <a:prstDash val="solid"/>
+            <a:round/>
+            <a:headEnd type="none" w="sm" len="sm"/>
+            <a:tailEnd type="none" w="sm" len="sm"/>
+          </a:ln>
+        </p:spPr>
+        <p:txBody>
+          <a:bodyPr spcFirstLastPara="1" wrap="square" lIns="9125" tIns="9125" rIns="9125" bIns="9125" anchor="t" anchorCtr="0">
+            <a:spAutoFit/>
+          </a:bodyPr>
+          <a:lstStyle/>
+          <a:p>
+            <a:pPr marL="171450" lvl="0" indent="-95250" algn="l" rtl="0">
+              <a:spcBef>
+                <a:spcPts val="0"/>
+              </a:spcBef>
+              <a:spcAft>
+                <a:spcPts val="0"/>
+              </a:spcAft>
+              <a:buClr>
+                <a:srgbClr val="FF0000"/>
+              </a:buClr>
+              <a:buSzPts val="600"/>
+              <a:buFont typeface="Calibri"/>
+              <a:buChar char="●"/>
+            </a:pPr>
+            <a:r>
+              <a:rPr lang="en" sz="1200" b="1">
+                <a:solidFill>
+                  <a:srgbClr val="FF0000"/>
+                </a:solidFill>
+                <a:latin typeface="Calibri"/>
+                <a:ea typeface="Calibri"/>
+                <a:cs typeface="Calibri"/>
+                <a:sym typeface="Calibri"/>
+              </a:rPr>
+              <a:t> GoogleDeepMind’s AlphaGenome for DNA analysis</a:t>
+            </a:r>
+            <a:endParaRPr sz="1200" b="1">
+              <a:solidFill>
+                <a:srgbClr val="FF0000"/>
+              </a:solidFill>
+              <a:latin typeface="Calibri"/>
+              <a:ea typeface="Calibri"/>
+              <a:cs typeface="Calibri"/>
+              <a:sym typeface="Calibri"/>
+            </a:endParaRPr>
+          </a:p>
+          <a:p>
+            <a:pPr marL="171450" lvl="0" indent="-95250" algn="l" rtl="0">
+              <a:spcBef>
+                <a:spcPts val="0"/>
+              </a:spcBef>
+              <a:spcAft>
+                <a:spcPts val="0"/>
+              </a:spcAft>
+              <a:buClr>
+                <a:schemeClr val="dk1"/>
+              </a:buClr>
+              <a:buSzPts val="600"/>
+              <a:buFont typeface="Calibri"/>
+              <a:buChar char="●"/>
+            </a:pPr>
+            <a:r>
+              <a:rPr lang="en" sz="1200">
+                <a:solidFill>
+                  <a:schemeClr val="dk1"/>
+                </a:solidFill>
+                <a:latin typeface="Calibri"/>
+                <a:ea typeface="Calibri"/>
+                <a:cs typeface="Calibri"/>
+                <a:sym typeface="Calibri"/>
+              </a:rPr>
+              <a:t>A new AI model that predicts how DNA mutations affect thousands of molecular processes by analyzing sequences up to 1M base-pairs long; The model reads DNA stretches 100x longer than older tools, predicting how nearby genes will behave and how other regulatory regions function;</a:t>
+            </a:r>
+            <a:endParaRPr sz="1200">
+              <a:solidFill>
+                <a:schemeClr val="dk1"/>
+              </a:solidFill>
+              <a:latin typeface="Calibri"/>
+              <a:ea typeface="Calibri"/>
+              <a:cs typeface="Calibri"/>
+              <a:sym typeface="Calibri"/>
+            </a:endParaRPr>
+          </a:p>
+          <a:p>
+            <a:pPr marL="171450" lvl="0" indent="-95250" algn="l" rtl="0">
+              <a:spcBef>
+                <a:spcPts val="0"/>
+              </a:spcBef>
+              <a:spcAft>
+                <a:spcPts val="0"/>
+              </a:spcAft>
+              <a:buClr>
+                <a:schemeClr val="dk1"/>
+              </a:buClr>
+              <a:buSzPts val="600"/>
+              <a:buFont typeface="Calibri"/>
+              <a:buChar char="●"/>
+            </a:pPr>
+            <a:r>
+              <a:rPr lang="en" sz="1200">
+                <a:solidFill>
+                  <a:schemeClr val="dk1"/>
+                </a:solidFill>
+                <a:latin typeface="Calibri"/>
+                <a:ea typeface="Calibri"/>
+                <a:cs typeface="Calibri"/>
+                <a:sym typeface="Calibri"/>
+              </a:rPr>
+              <a:t>DeepMind trained the entire system in just four hours using public genetic databases, consuming half the computing power of their previous DNA model</a:t>
+            </a:r>
+            <a:endParaRPr sz="900">
+              <a:solidFill>
+                <a:schemeClr val="dk1"/>
+              </a:solidFill>
+              <a:latin typeface="Calibri"/>
+              <a:ea typeface="Calibri"/>
+              <a:cs typeface="Calibri"/>
+              <a:sym typeface="Calibri"/>
+            </a:endParaRPr>
+          </a:p>
+          <a:p>
+            <a:pPr marL="171450" lvl="0" indent="-114300" algn="l" rtl="0">
+              <a:spcBef>
+                <a:spcPts val="0"/>
+              </a:spcBef>
+              <a:spcAft>
+                <a:spcPts val="0"/>
+              </a:spcAft>
+              <a:buClr>
+                <a:schemeClr val="dk1"/>
+              </a:buClr>
+              <a:buSzPts val="900"/>
+              <a:buFont typeface="Calibri"/>
+              <a:buChar char="●"/>
+            </a:pPr>
+            <a:r>
+              <a:rPr lang="en" sz="900" u="sng">
+                <a:solidFill>
+                  <a:schemeClr val="hlink"/>
+                </a:solidFill>
+                <a:latin typeface="Calibri"/>
+                <a:ea typeface="Calibri"/>
+                <a:cs typeface="Calibri"/>
+                <a:sym typeface="Calibri"/>
+                <a:hlinkClick r:id="rId4"/>
+              </a:rPr>
+              <a:t>https://deepmind.google/discover/blog/alphagenome-ai-for-better-understanding-the-genome/</a:t>
+            </a:r>
+            <a:r>
+              <a:rPr lang="en" sz="900">
+                <a:solidFill>
+                  <a:schemeClr val="dk1"/>
+                </a:solidFill>
+                <a:latin typeface="Calibri"/>
+                <a:ea typeface="Calibri"/>
+                <a:cs typeface="Calibri"/>
+                <a:sym typeface="Calibri"/>
+              </a:rPr>
+              <a:t> </a:t>
+            </a:r>
+            <a:endParaRPr sz="900">
+              <a:solidFill>
+                <a:schemeClr val="dk1"/>
+              </a:solidFill>
+              <a:latin typeface="Calibri"/>
+              <a:ea typeface="Calibri"/>
+              <a:cs typeface="Calibri"/>
+              <a:sym typeface="Calibri"/>
+            </a:endParaRPr>
+          </a:p>
+        </p:txBody>
+      </p:sp>
+      <p:pic>
+        <p:nvPicPr>
+          <p:cNvPr id="245" name="Google Shape;245;p27"/>
+          <p:cNvPicPr preferRelativeResize="0"/>
+          <p:nvPr/>
+        </p:nvPicPr>
+        <p:blipFill>
+          <a:blip r:embed="rId5" cstate="email">
+            <a:alphaModFix/>
+            <a:extLst>
+              <a:ext uri="{28A0092B-C50C-407E-A947-70E740481C1C}">
+                <a14:useLocalDpi xmlns:a14="http://schemas.microsoft.com/office/drawing/2010/main"/>
+              </a:ext>
+            </a:extLst>
+          </a:blip>
+          <a:stretch>
+            <a:fillRect/>
+          </a:stretch>
+        </p:blipFill>
+        <p:spPr>
+          <a:xfrm>
+            <a:off x="4678675" y="1446074"/>
+            <a:ext cx="2314723" cy="1302026"/>
+          </a:xfrm>
+          <a:prstGeom prst="rect">
+            <a:avLst/>
+          </a:prstGeom>
+          <a:noFill/>
+          <a:ln w="9525" cap="flat" cmpd="sng">
+            <a:solidFill>
+              <a:srgbClr val="FF0000"/>
+            </a:solidFill>
+            <a:prstDash val="solid"/>
+            <a:round/>
+            <a:headEnd type="none" w="sm" len="sm"/>
+            <a:tailEnd type="none" w="sm" len="sm"/>
+          </a:ln>
+        </p:spPr>
+      </p:pic>
+      <p:pic>
+        <p:nvPicPr>
+          <p:cNvPr id="246" name="Google Shape;246;p27"/>
+          <p:cNvPicPr preferRelativeResize="0"/>
+          <p:nvPr/>
+        </p:nvPicPr>
+        <p:blipFill>
+          <a:blip r:embed="rId6" cstate="email">
+            <a:alphaModFix/>
+            <a:extLst>
+              <a:ext uri="{28A0092B-C50C-407E-A947-70E740481C1C}">
+                <a14:useLocalDpi xmlns:a14="http://schemas.microsoft.com/office/drawing/2010/main"/>
+              </a:ext>
+            </a:extLst>
+          </a:blip>
+          <a:stretch>
+            <a:fillRect/>
+          </a:stretch>
+        </p:blipFill>
+        <p:spPr>
+          <a:xfrm>
+            <a:off x="4678675" y="152400"/>
+            <a:ext cx="2314726" cy="1169193"/>
+          </a:xfrm>
+          <a:prstGeom prst="rect">
+            <a:avLst/>
+          </a:prstGeom>
+          <a:noFill/>
+          <a:ln w="9525" cap="flat" cmpd="sng">
+            <a:solidFill>
+              <a:srgbClr val="FF0000"/>
+            </a:solidFill>
+            <a:prstDash val="solid"/>
+            <a:round/>
+            <a:headEnd type="none" w="sm" len="sm"/>
+            <a:tailEnd type="none" w="sm" len="sm"/>
+          </a:ln>
+        </p:spPr>
+      </p:pic>
+    </p:spTree>
+  </p:cSld>
+  <p:clrMapOvr>
+    <a:masterClrMapping/>
+  </p:clrMapOvr>
+</p:sld>
+</file>
+
+<file path=ppt/slides/slide14.xml><?xml version="1.0" encoding="utf-8"?>
+<p:sld xmlns:a="http://schemas.openxmlformats.org/drawingml/2006/main" xmlns:r="http://schemas.openxmlformats.org/officeDocument/2006/relationships" xmlns:p="http://schemas.openxmlformats.org/presentationml/2006/main">
+  <p:cSld>
+    <p:spTree>
+      <p:nvGrpSpPr>
+        <p:cNvPr id="1" name="Shape 250"/>
+        <p:cNvGrpSpPr/>
+        <p:nvPr/>
+      </p:nvGrpSpPr>
+      <p:grpSpPr>
+        <a:xfrm>
+          <a:off x="0" y="0"/>
+          <a:ext cx="0" cy="0"/>
+          <a:chOff x="0" y="0"/>
+          <a:chExt cx="0" cy="0"/>
+        </a:xfrm>
+      </p:grpSpPr>
+      <p:sp>
+        <p:nvSpPr>
+          <p:cNvPr id="251" name="Google Shape;251;p28"/>
+          <p:cNvSpPr txBox="1"/>
+          <p:nvPr/>
+        </p:nvSpPr>
+        <p:spPr>
+          <a:xfrm>
+            <a:off x="55075" y="-23450"/>
+            <a:ext cx="4522800" cy="634200"/>
+          </a:xfrm>
+          <a:prstGeom prst="rect">
+            <a:avLst/>
+          </a:prstGeom>
+          <a:noFill/>
+          <a:ln>
+            <a:noFill/>
+          </a:ln>
+        </p:spPr>
+        <p:txBody>
+          <a:bodyPr spcFirstLastPara="1" wrap="square" lIns="9125" tIns="9125" rIns="9125" bIns="9125" anchor="t" anchorCtr="0">
+            <a:spAutoFit/>
+          </a:bodyPr>
+          <a:lstStyle/>
+          <a:p>
+            <a:pPr marL="0" marR="0" lvl="0" indent="0" algn="l" rtl="0">
+              <a:lnSpc>
+                <a:spcPct val="100000"/>
+              </a:lnSpc>
+              <a:spcBef>
+                <a:spcPts val="0"/>
+              </a:spcBef>
+              <a:spcAft>
+                <a:spcPts val="0"/>
+              </a:spcAft>
+              <a:buClr>
+                <a:schemeClr val="dk1"/>
+              </a:buClr>
+              <a:buSzPts val="1100"/>
+              <a:buFont typeface="Arial"/>
+              <a:buNone/>
+            </a:pPr>
+            <a:r>
+              <a:rPr lang="en" sz="2000" b="1">
+                <a:solidFill>
+                  <a:schemeClr val="dk1"/>
+                </a:solidFill>
+                <a:latin typeface="Calibri"/>
+                <a:ea typeface="Calibri"/>
+                <a:cs typeface="Calibri"/>
+                <a:sym typeface="Calibri"/>
+              </a:rPr>
+              <a:t>Anthropic Claude - build and host AI apps in "Artifacts"</a:t>
+            </a:r>
+            <a:endParaRPr sz="2000" b="1" i="0" u="none" strike="noStrike" cap="none">
+              <a:solidFill>
+                <a:schemeClr val="dk1"/>
+              </a:solidFill>
+              <a:latin typeface="Calibri"/>
+              <a:ea typeface="Calibri"/>
+              <a:cs typeface="Calibri"/>
+              <a:sym typeface="Calibri"/>
+            </a:endParaRPr>
+          </a:p>
+        </p:txBody>
+      </p:sp>
+      <p:sp>
+        <p:nvSpPr>
+          <p:cNvPr id="252" name="Google Shape;252;p28"/>
+          <p:cNvSpPr txBox="1"/>
+          <p:nvPr/>
+        </p:nvSpPr>
+        <p:spPr>
+          <a:xfrm>
+            <a:off x="93475" y="610757"/>
+            <a:ext cx="4446000" cy="1865400"/>
+          </a:xfrm>
+          <a:prstGeom prst="rect">
+            <a:avLst/>
+          </a:prstGeom>
+          <a:solidFill>
+            <a:srgbClr val="FFF2CC"/>
+          </a:solidFill>
+          <a:ln w="9525" cap="flat" cmpd="sng">
+            <a:solidFill>
+              <a:srgbClr val="FF0000"/>
+            </a:solidFill>
+            <a:prstDash val="solid"/>
+            <a:round/>
+            <a:headEnd type="none" w="sm" len="sm"/>
+            <a:tailEnd type="none" w="sm" len="sm"/>
+          </a:ln>
+        </p:spPr>
+        <p:txBody>
+          <a:bodyPr spcFirstLastPara="1" wrap="square" lIns="9125" tIns="9125" rIns="9125" bIns="9125" anchor="t" anchorCtr="0">
+            <a:spAutoFit/>
+          </a:bodyPr>
+          <a:lstStyle/>
+          <a:p>
+            <a:pPr marL="171450" lvl="0" indent="-114300" algn="l" rtl="0">
+              <a:spcBef>
+                <a:spcPts val="0"/>
+              </a:spcBef>
+              <a:spcAft>
+                <a:spcPts val="0"/>
+              </a:spcAft>
+              <a:buClr>
+                <a:srgbClr val="FF0000"/>
+              </a:buClr>
+              <a:buSzPts val="900"/>
+              <a:buFont typeface="Calibri"/>
+              <a:buChar char="●"/>
+            </a:pPr>
+            <a:r>
+              <a:rPr lang="en" sz="1200" b="1">
+                <a:solidFill>
+                  <a:srgbClr val="FF0000"/>
+                </a:solidFill>
+                <a:latin typeface="Calibri"/>
+                <a:ea typeface="Calibri"/>
+                <a:cs typeface="Calibri"/>
+                <a:sym typeface="Calibri"/>
+              </a:rPr>
+              <a:t>Anthropic Claude - build and host AI apps in "Artifacts"</a:t>
+            </a:r>
+            <a:endParaRPr sz="1200" b="1">
+              <a:solidFill>
+                <a:srgbClr val="FF0000"/>
+              </a:solidFill>
+              <a:latin typeface="Calibri"/>
+              <a:ea typeface="Calibri"/>
+              <a:cs typeface="Calibri"/>
+              <a:sym typeface="Calibri"/>
+            </a:endParaRPr>
+          </a:p>
+          <a:p>
+            <a:pPr marL="171450" lvl="0" indent="-114300" algn="l" rtl="0">
+              <a:spcBef>
+                <a:spcPts val="0"/>
+              </a:spcBef>
+              <a:spcAft>
+                <a:spcPts val="0"/>
+              </a:spcAft>
+              <a:buClr>
+                <a:srgbClr val="3C78D8"/>
+              </a:buClr>
+              <a:buSzPts val="900"/>
+              <a:buFont typeface="Calibri"/>
+              <a:buChar char="●"/>
+            </a:pPr>
+            <a:r>
+              <a:rPr lang="en" sz="1200">
+                <a:solidFill>
+                  <a:srgbClr val="3C78D8"/>
+                </a:solidFill>
+                <a:latin typeface="Calibri"/>
+                <a:ea typeface="Calibri"/>
+                <a:cs typeface="Calibri"/>
+                <a:sym typeface="Calibri"/>
+              </a:rPr>
+              <a:t>When someone uses your Claude-powered app:</a:t>
+            </a:r>
+            <a:endParaRPr sz="1200">
+              <a:solidFill>
+                <a:srgbClr val="3C78D8"/>
+              </a:solidFill>
+              <a:latin typeface="Calibri"/>
+              <a:ea typeface="Calibri"/>
+              <a:cs typeface="Calibri"/>
+              <a:sym typeface="Calibri"/>
+            </a:endParaRPr>
+          </a:p>
+          <a:p>
+            <a:pPr marL="400050" lvl="1" indent="-114300" algn="l" rtl="0">
+              <a:spcBef>
+                <a:spcPts val="0"/>
+              </a:spcBef>
+              <a:spcAft>
+                <a:spcPts val="0"/>
+              </a:spcAft>
+              <a:buClr>
+                <a:srgbClr val="3C78D8"/>
+              </a:buClr>
+              <a:buSzPts val="900"/>
+              <a:buFont typeface="Calibri"/>
+              <a:buChar char="○"/>
+            </a:pPr>
+            <a:r>
+              <a:rPr lang="en" sz="1200">
+                <a:solidFill>
+                  <a:srgbClr val="3C78D8"/>
+                </a:solidFill>
+                <a:latin typeface="Calibri"/>
+                <a:ea typeface="Calibri"/>
+                <a:cs typeface="Calibri"/>
+                <a:sym typeface="Calibri"/>
+              </a:rPr>
+              <a:t>They authenticate with their existing Claude account</a:t>
+            </a:r>
+            <a:endParaRPr sz="1200">
+              <a:solidFill>
+                <a:srgbClr val="3C78D8"/>
+              </a:solidFill>
+              <a:latin typeface="Calibri"/>
+              <a:ea typeface="Calibri"/>
+              <a:cs typeface="Calibri"/>
+              <a:sym typeface="Calibri"/>
+            </a:endParaRPr>
+          </a:p>
+          <a:p>
+            <a:pPr marL="400050" lvl="1" indent="-114300" algn="l" rtl="0">
+              <a:spcBef>
+                <a:spcPts val="0"/>
+              </a:spcBef>
+              <a:spcAft>
+                <a:spcPts val="0"/>
+              </a:spcAft>
+              <a:buClr>
+                <a:srgbClr val="3C78D8"/>
+              </a:buClr>
+              <a:buSzPts val="900"/>
+              <a:buFont typeface="Calibri"/>
+              <a:buChar char="○"/>
+            </a:pPr>
+            <a:r>
+              <a:rPr lang="en" sz="1200">
+                <a:solidFill>
+                  <a:srgbClr val="3C78D8"/>
+                </a:solidFill>
+                <a:latin typeface="Calibri"/>
+                <a:ea typeface="Calibri"/>
+                <a:cs typeface="Calibri"/>
+                <a:sym typeface="Calibri"/>
+              </a:rPr>
+              <a:t>Their API usage counts against their subscription, not yours</a:t>
+            </a:r>
+            <a:endParaRPr sz="1200">
+              <a:solidFill>
+                <a:srgbClr val="3C78D8"/>
+              </a:solidFill>
+              <a:latin typeface="Calibri"/>
+              <a:ea typeface="Calibri"/>
+              <a:cs typeface="Calibri"/>
+              <a:sym typeface="Calibri"/>
+            </a:endParaRPr>
+          </a:p>
+          <a:p>
+            <a:pPr marL="400050" lvl="1" indent="-114300" algn="l" rtl="0">
+              <a:spcBef>
+                <a:spcPts val="0"/>
+              </a:spcBef>
+              <a:spcAft>
+                <a:spcPts val="0"/>
+              </a:spcAft>
+              <a:buClr>
+                <a:srgbClr val="3C78D8"/>
+              </a:buClr>
+              <a:buSzPts val="900"/>
+              <a:buFont typeface="Calibri"/>
+              <a:buChar char="○"/>
+            </a:pPr>
+            <a:r>
+              <a:rPr lang="en" sz="1200">
+                <a:solidFill>
+                  <a:srgbClr val="3C78D8"/>
+                </a:solidFill>
+                <a:latin typeface="Calibri"/>
+                <a:ea typeface="Calibri"/>
+                <a:cs typeface="Calibri"/>
+                <a:sym typeface="Calibri"/>
+              </a:rPr>
+              <a:t>You pay nothing for their usage</a:t>
+            </a:r>
+            <a:endParaRPr sz="1200">
+              <a:solidFill>
+                <a:srgbClr val="3C78D8"/>
+              </a:solidFill>
+              <a:latin typeface="Calibri"/>
+              <a:ea typeface="Calibri"/>
+              <a:cs typeface="Calibri"/>
+              <a:sym typeface="Calibri"/>
+            </a:endParaRPr>
+          </a:p>
+          <a:p>
+            <a:pPr marL="400050" lvl="1" indent="-114300" algn="l" rtl="0">
+              <a:spcBef>
+                <a:spcPts val="0"/>
+              </a:spcBef>
+              <a:spcAft>
+                <a:spcPts val="0"/>
+              </a:spcAft>
+              <a:buClr>
+                <a:srgbClr val="3C78D8"/>
+              </a:buClr>
+              <a:buSzPts val="900"/>
+              <a:buFont typeface="Calibri"/>
+              <a:buChar char="○"/>
+            </a:pPr>
+            <a:r>
+              <a:rPr lang="en" sz="1200">
+                <a:solidFill>
+                  <a:srgbClr val="3C78D8"/>
+                </a:solidFill>
+                <a:latin typeface="Calibri"/>
+                <a:ea typeface="Calibri"/>
+                <a:cs typeface="Calibri"/>
+                <a:sym typeface="Calibri"/>
+              </a:rPr>
+              <a:t>No one needs to manage API keys</a:t>
+            </a:r>
+            <a:endParaRPr sz="1200">
+              <a:solidFill>
+                <a:srgbClr val="3C78D8"/>
+              </a:solidFill>
+              <a:latin typeface="Calibri"/>
+              <a:ea typeface="Calibri"/>
+              <a:cs typeface="Calibri"/>
+              <a:sym typeface="Calibri"/>
+            </a:endParaRPr>
+          </a:p>
+          <a:p>
+            <a:pPr marL="171450" lvl="0" indent="-114300" algn="l" rtl="0">
+              <a:spcBef>
+                <a:spcPts val="0"/>
+              </a:spcBef>
+              <a:spcAft>
+                <a:spcPts val="0"/>
+              </a:spcAft>
+              <a:buClr>
+                <a:schemeClr val="dk1"/>
+              </a:buClr>
+              <a:buSzPts val="900"/>
+              <a:buFont typeface="Calibri"/>
+              <a:buChar char="●"/>
+            </a:pPr>
+            <a:r>
+              <a:rPr lang="en" sz="1200">
+                <a:solidFill>
+                  <a:schemeClr val="dk1"/>
+                </a:solidFill>
+                <a:latin typeface="Calibri"/>
+                <a:ea typeface="Calibri"/>
+                <a:cs typeface="Calibri"/>
+                <a:sym typeface="Calibri"/>
+              </a:rPr>
+              <a:t>Claude writes real code that orchestrates complex AI functionality. You can see it, modify it, and share it freely</a:t>
+            </a:r>
+            <a:endParaRPr sz="1200">
+              <a:solidFill>
+                <a:schemeClr val="dk1"/>
+              </a:solidFill>
+              <a:latin typeface="Calibri"/>
+              <a:ea typeface="Calibri"/>
+              <a:cs typeface="Calibri"/>
+              <a:sym typeface="Calibri"/>
+            </a:endParaRPr>
+          </a:p>
+          <a:p>
+            <a:pPr marL="171450" lvl="0" indent="-133350" algn="l" rtl="0">
+              <a:spcBef>
+                <a:spcPts val="0"/>
+              </a:spcBef>
+              <a:spcAft>
+                <a:spcPts val="0"/>
+              </a:spcAft>
+              <a:buClr>
+                <a:schemeClr val="dk1"/>
+              </a:buClr>
+              <a:buSzPts val="1200"/>
+              <a:buFont typeface="Calibri"/>
+              <a:buChar char="●"/>
+            </a:pPr>
+            <a:r>
+              <a:rPr lang="en" sz="1200" u="sng">
+                <a:solidFill>
+                  <a:schemeClr val="hlink"/>
+                </a:solidFill>
+                <a:latin typeface="Calibri"/>
+                <a:ea typeface="Calibri"/>
+                <a:cs typeface="Calibri"/>
+                <a:sym typeface="Calibri"/>
+                <a:hlinkClick r:id="rId3"/>
+              </a:rPr>
+              <a:t>https://www.anthropic.com/news/claude-powered-artifacts</a:t>
+            </a:r>
+            <a:r>
+              <a:rPr lang="en" sz="1200">
+                <a:solidFill>
+                  <a:schemeClr val="dk1"/>
+                </a:solidFill>
+                <a:latin typeface="Calibri"/>
+                <a:ea typeface="Calibri"/>
+                <a:cs typeface="Calibri"/>
+                <a:sym typeface="Calibri"/>
+              </a:rPr>
+              <a:t> </a:t>
+            </a:r>
+            <a:endParaRPr sz="1200">
+              <a:solidFill>
+                <a:schemeClr val="dk1"/>
+              </a:solidFill>
+              <a:latin typeface="Calibri"/>
+              <a:ea typeface="Calibri"/>
+              <a:cs typeface="Calibri"/>
+              <a:sym typeface="Calibri"/>
+            </a:endParaRPr>
+          </a:p>
+          <a:p>
+            <a:pPr marL="171450" lvl="0" indent="-133350" algn="l" rtl="0">
+              <a:spcBef>
+                <a:spcPts val="0"/>
+              </a:spcBef>
+              <a:spcAft>
+                <a:spcPts val="0"/>
+              </a:spcAft>
+              <a:buClr>
+                <a:schemeClr val="dk1"/>
+              </a:buClr>
+              <a:buSzPts val="1200"/>
+              <a:buFont typeface="Calibri"/>
+              <a:buChar char="●"/>
+            </a:pPr>
+            <a:r>
+              <a:rPr lang="en" sz="1200" u="sng">
+                <a:solidFill>
+                  <a:schemeClr val="hlink"/>
+                </a:solidFill>
+                <a:latin typeface="Calibri"/>
+                <a:ea typeface="Calibri"/>
+                <a:cs typeface="Calibri"/>
+                <a:sym typeface="Calibri"/>
+                <a:hlinkClick r:id="rId4"/>
+              </a:rPr>
+              <a:t>https://www.youtube.com/watch?v=PBxwtabGltc</a:t>
+            </a:r>
+            <a:r>
+              <a:rPr lang="en" sz="1200">
+                <a:solidFill>
+                  <a:schemeClr val="dk1"/>
+                </a:solidFill>
+                <a:latin typeface="Calibri"/>
+                <a:ea typeface="Calibri"/>
+                <a:cs typeface="Calibri"/>
+                <a:sym typeface="Calibri"/>
+              </a:rPr>
+              <a:t> - video demo</a:t>
+            </a:r>
+            <a:endParaRPr sz="1200">
+              <a:solidFill>
+                <a:schemeClr val="dk1"/>
+              </a:solidFill>
+              <a:latin typeface="Calibri"/>
+              <a:ea typeface="Calibri"/>
+              <a:cs typeface="Calibri"/>
+              <a:sym typeface="Calibri"/>
+            </a:endParaRPr>
+          </a:p>
+        </p:txBody>
+      </p:sp>
+      <p:pic>
+        <p:nvPicPr>
+          <p:cNvPr id="253" name="Google Shape;253;p28"/>
+          <p:cNvPicPr preferRelativeResize="0"/>
+          <p:nvPr/>
+        </p:nvPicPr>
+        <p:blipFill>
+          <a:blip r:embed="rId5" cstate="email">
+            <a:alphaModFix/>
+            <a:extLst>
+              <a:ext uri="{28A0092B-C50C-407E-A947-70E740481C1C}">
+                <a14:useLocalDpi xmlns:a14="http://schemas.microsoft.com/office/drawing/2010/main"/>
+              </a:ext>
+            </a:extLst>
+          </a:blip>
+          <a:stretch>
+            <a:fillRect/>
+          </a:stretch>
+        </p:blipFill>
+        <p:spPr>
+          <a:xfrm>
+            <a:off x="4693350" y="862437"/>
+            <a:ext cx="2156349" cy="1362026"/>
+          </a:xfrm>
+          <a:prstGeom prst="rect">
+            <a:avLst/>
+          </a:prstGeom>
+          <a:noFill/>
+          <a:ln>
+            <a:noFill/>
+          </a:ln>
+        </p:spPr>
+      </p:pic>
+      <p:sp>
+        <p:nvSpPr>
+          <p:cNvPr id="254" name="Google Shape;254;p28"/>
+          <p:cNvSpPr txBox="1"/>
+          <p:nvPr/>
+        </p:nvSpPr>
+        <p:spPr>
+          <a:xfrm>
+            <a:off x="93475" y="2550557"/>
+            <a:ext cx="4446000" cy="711000"/>
+          </a:xfrm>
+          <a:prstGeom prst="rect">
+            <a:avLst/>
+          </a:prstGeom>
+          <a:solidFill>
+            <a:srgbClr val="FFF2CC"/>
+          </a:solidFill>
+          <a:ln w="9525" cap="flat" cmpd="sng">
+            <a:solidFill>
+              <a:srgbClr val="FF0000"/>
+            </a:solidFill>
+            <a:prstDash val="solid"/>
+            <a:round/>
+            <a:headEnd type="none" w="sm" len="sm"/>
+            <a:tailEnd type="none" w="sm" len="sm"/>
+          </a:ln>
+        </p:spPr>
+        <p:txBody>
+          <a:bodyPr spcFirstLastPara="1" wrap="square" lIns="9125" tIns="9125" rIns="9125" bIns="9125" anchor="t" anchorCtr="0">
+            <a:spAutoFit/>
+          </a:bodyPr>
+          <a:lstStyle/>
+          <a:p>
+            <a:pPr marL="171450" lvl="0" indent="-114300" algn="l" rtl="0">
+              <a:spcBef>
+                <a:spcPts val="0"/>
+              </a:spcBef>
+              <a:spcAft>
+                <a:spcPts val="0"/>
+              </a:spcAft>
+              <a:buClr>
+                <a:srgbClr val="FF0000"/>
+              </a:buClr>
+              <a:buSzPts val="900"/>
+              <a:buFont typeface="Calibri"/>
+              <a:buChar char="●"/>
+            </a:pPr>
+            <a:r>
+              <a:rPr lang="en" sz="1200" b="1">
+                <a:solidFill>
+                  <a:srgbClr val="FF0000"/>
+                </a:solidFill>
+                <a:latin typeface="Calibri"/>
+                <a:ea typeface="Calibri"/>
+                <a:cs typeface="Calibri"/>
+                <a:sym typeface="Calibri"/>
+              </a:rPr>
+              <a:t>Meta Poaches Three OpenAI Researchers</a:t>
+            </a:r>
+            <a:endParaRPr sz="1200" b="1">
+              <a:solidFill>
+                <a:srgbClr val="FF0000"/>
+              </a:solidFill>
+              <a:latin typeface="Calibri"/>
+              <a:ea typeface="Calibri"/>
+              <a:cs typeface="Calibri"/>
+              <a:sym typeface="Calibri"/>
+            </a:endParaRPr>
+          </a:p>
+          <a:p>
+            <a:pPr marL="171450" lvl="0" indent="-114300" algn="l" rtl="0">
+              <a:spcBef>
+                <a:spcPts val="0"/>
+              </a:spcBef>
+              <a:spcAft>
+                <a:spcPts val="0"/>
+              </a:spcAft>
+              <a:buClr>
+                <a:schemeClr val="dk1"/>
+              </a:buClr>
+              <a:buSzPts val="900"/>
+              <a:buFont typeface="Calibri"/>
+              <a:buChar char="●"/>
+            </a:pPr>
+            <a:r>
+              <a:rPr lang="en" sz="1200">
+                <a:solidFill>
+                  <a:schemeClr val="dk1"/>
+                </a:solidFill>
+                <a:latin typeface="Calibri"/>
+                <a:ea typeface="Calibri"/>
+                <a:cs typeface="Calibri"/>
+                <a:sym typeface="Calibri"/>
+              </a:rPr>
+              <a:t>Meta has hired Lucas Beyer, Alexander Kolesnikov and Xiaohua Zhai from OpenAI Zurich for its superintelligence effort</a:t>
+            </a:r>
+            <a:endParaRPr sz="900">
+              <a:solidFill>
+                <a:schemeClr val="dk1"/>
+              </a:solidFill>
+              <a:latin typeface="Calibri"/>
+              <a:ea typeface="Calibri"/>
+              <a:cs typeface="Calibri"/>
+              <a:sym typeface="Calibri"/>
+            </a:endParaRPr>
+          </a:p>
+          <a:p>
+            <a:pPr marL="171450" lvl="0" indent="-114300" algn="l" rtl="0">
+              <a:spcBef>
+                <a:spcPts val="0"/>
+              </a:spcBef>
+              <a:spcAft>
+                <a:spcPts val="0"/>
+              </a:spcAft>
+              <a:buClr>
+                <a:schemeClr val="dk1"/>
+              </a:buClr>
+              <a:buSzPts val="900"/>
+              <a:buFont typeface="Calibri"/>
+              <a:buChar char="●"/>
+            </a:pPr>
+            <a:r>
+              <a:rPr lang="en" sz="900" u="sng">
+                <a:solidFill>
+                  <a:schemeClr val="hlink"/>
+                </a:solidFill>
+                <a:latin typeface="Calibri"/>
+                <a:ea typeface="Calibri"/>
+                <a:cs typeface="Calibri"/>
+                <a:sym typeface="Calibri"/>
+                <a:hlinkClick r:id="rId6"/>
+              </a:rPr>
+              <a:t>https://www.wsj.com/tech/ai/meta-poaches-three-openai-researchers-eb55eea9</a:t>
+            </a:r>
+            <a:r>
+              <a:rPr lang="en" sz="900">
+                <a:solidFill>
+                  <a:schemeClr val="dk1"/>
+                </a:solidFill>
+                <a:latin typeface="Calibri"/>
+                <a:ea typeface="Calibri"/>
+                <a:cs typeface="Calibri"/>
+                <a:sym typeface="Calibri"/>
+              </a:rPr>
+              <a:t> </a:t>
+            </a:r>
+            <a:endParaRPr sz="900">
+              <a:solidFill>
+                <a:schemeClr val="dk1"/>
+              </a:solidFill>
+              <a:latin typeface="Calibri"/>
+              <a:ea typeface="Calibri"/>
+              <a:cs typeface="Calibri"/>
+              <a:sym typeface="Calibri"/>
+            </a:endParaRPr>
+          </a:p>
+        </p:txBody>
+      </p:sp>
+    </p:spTree>
+  </p:cSld>
+  <p:clrMapOvr>
+    <a:masterClrMapping/>
+  </p:clrMapOvr>
+</p:sld>
+</file>
+
+<file path=ppt/slides/slide15.xml><?xml version="1.0" encoding="utf-8"?>
+<p:sld xmlns:a="http://schemas.openxmlformats.org/drawingml/2006/main" xmlns:r="http://schemas.openxmlformats.org/officeDocument/2006/relationships" xmlns:p="http://schemas.openxmlformats.org/presentationml/2006/main">
+  <p:cSld>
+    <p:spTree>
+      <p:nvGrpSpPr>
+        <p:cNvPr id="1" name="Shape 258"/>
+        <p:cNvGrpSpPr/>
+        <p:nvPr/>
+      </p:nvGrpSpPr>
+      <p:grpSpPr>
+        <a:xfrm>
+          <a:off x="0" y="0"/>
+          <a:ext cx="0" cy="0"/>
+          <a:chOff x="0" y="0"/>
+          <a:chExt cx="0" cy="0"/>
+        </a:xfrm>
+      </p:grpSpPr>
+      <p:sp>
+        <p:nvSpPr>
+          <p:cNvPr id="259" name="Google Shape;259;p29"/>
+          <p:cNvSpPr txBox="1"/>
+          <p:nvPr/>
+        </p:nvSpPr>
+        <p:spPr>
+          <a:xfrm>
+            <a:off x="55075" y="-23450"/>
+            <a:ext cx="4522800" cy="326400"/>
+          </a:xfrm>
+          <a:prstGeom prst="rect">
+            <a:avLst/>
+          </a:prstGeom>
+          <a:noFill/>
+          <a:ln>
+            <a:noFill/>
+          </a:ln>
+        </p:spPr>
+        <p:txBody>
+          <a:bodyPr spcFirstLastPara="1" wrap="square" lIns="9125" tIns="9125" rIns="9125" bIns="9125" anchor="t" anchorCtr="0">
+            <a:spAutoFit/>
+          </a:bodyPr>
+          <a:lstStyle/>
+          <a:p>
+            <a:pPr marL="0" marR="0" lvl="0" indent="0" algn="l" rtl="0">
+              <a:lnSpc>
+                <a:spcPct val="100000"/>
+              </a:lnSpc>
+              <a:spcBef>
+                <a:spcPts val="0"/>
+              </a:spcBef>
+              <a:spcAft>
+                <a:spcPts val="0"/>
+              </a:spcAft>
+              <a:buClr>
+                <a:schemeClr val="dk1"/>
+              </a:buClr>
+              <a:buSzPts val="1100"/>
+              <a:buFont typeface="Arial"/>
+              <a:buNone/>
+            </a:pPr>
+            <a:r>
+              <a:rPr lang="en" sz="2000" b="1">
+                <a:solidFill>
+                  <a:schemeClr val="dk1"/>
+                </a:solidFill>
+                <a:latin typeface="Calibri"/>
+                <a:ea typeface="Calibri"/>
+                <a:cs typeface="Calibri"/>
+                <a:sym typeface="Calibri"/>
+              </a:rPr>
+              <a:t>Use 9 MCP Servers to reduce coding errors</a:t>
+            </a:r>
+            <a:endParaRPr sz="2000" b="1" i="0" u="none" strike="noStrike" cap="none">
+              <a:solidFill>
+                <a:schemeClr val="dk1"/>
+              </a:solidFill>
+              <a:latin typeface="Calibri"/>
+              <a:ea typeface="Calibri"/>
+              <a:cs typeface="Calibri"/>
+              <a:sym typeface="Calibri"/>
+            </a:endParaRPr>
+          </a:p>
+        </p:txBody>
+      </p:sp>
+      <p:sp>
+        <p:nvSpPr>
+          <p:cNvPr id="260" name="Google Shape;260;p29"/>
+          <p:cNvSpPr txBox="1"/>
+          <p:nvPr/>
+        </p:nvSpPr>
+        <p:spPr>
+          <a:xfrm>
+            <a:off x="169675" y="876925"/>
+            <a:ext cx="5829000" cy="3112200"/>
+          </a:xfrm>
+          <a:prstGeom prst="rect">
+            <a:avLst/>
+          </a:prstGeom>
+          <a:solidFill>
+            <a:srgbClr val="FFF2CC"/>
+          </a:solidFill>
+          <a:ln w="9525" cap="flat" cmpd="sng">
+            <a:solidFill>
+              <a:srgbClr val="FF0000"/>
+            </a:solidFill>
+            <a:prstDash val="solid"/>
+            <a:round/>
+            <a:headEnd type="none" w="sm" len="sm"/>
+            <a:tailEnd type="none" w="sm" len="sm"/>
+          </a:ln>
+        </p:spPr>
+        <p:txBody>
+          <a:bodyPr spcFirstLastPara="1" wrap="square" lIns="9125" tIns="9125" rIns="9125" bIns="9125" anchor="t" anchorCtr="0">
+            <a:spAutoFit/>
+          </a:bodyPr>
+          <a:lstStyle/>
+          <a:p>
+            <a:pPr marL="228600" lvl="0" indent="-133350" algn="l" rtl="0">
+              <a:spcBef>
+                <a:spcPts val="0"/>
+              </a:spcBef>
+              <a:spcAft>
+                <a:spcPts val="0"/>
+              </a:spcAft>
+              <a:buClr>
+                <a:schemeClr val="dk1"/>
+              </a:buClr>
+              <a:buSzPts val="1200"/>
+              <a:buFont typeface="Calibri"/>
+              <a:buAutoNum type="arabicPeriod"/>
+            </a:pPr>
+            <a:r>
+              <a:rPr lang="en" sz="1200" b="1">
+                <a:solidFill>
+                  <a:srgbClr val="FF0000"/>
+                </a:solidFill>
+                <a:latin typeface="Calibri"/>
+                <a:ea typeface="Calibri"/>
+                <a:cs typeface="Calibri"/>
+                <a:sym typeface="Calibri"/>
+              </a:rPr>
+              <a:t>Context7 MCP</a:t>
+            </a:r>
+            <a:r>
+              <a:rPr lang="en" sz="1200">
+                <a:solidFill>
+                  <a:schemeClr val="dk1"/>
+                </a:solidFill>
+                <a:latin typeface="Calibri"/>
+                <a:ea typeface="Calibri"/>
+                <a:cs typeface="Calibri"/>
+                <a:sym typeface="Calibri"/>
+              </a:rPr>
+              <a:t> - fetches current, version-specific docs and examples. </a:t>
+            </a:r>
+            <a:r>
+              <a:rPr lang="en" sz="1200" b="1">
+                <a:solidFill>
+                  <a:srgbClr val="FF0000"/>
+                </a:solidFill>
+                <a:latin typeface="Calibri"/>
+                <a:ea typeface="Calibri"/>
+                <a:cs typeface="Calibri"/>
+                <a:sym typeface="Calibri"/>
+              </a:rPr>
+              <a:t>This is THE favorite</a:t>
+            </a:r>
+            <a:br>
+              <a:rPr lang="en" sz="900">
+                <a:solidFill>
+                  <a:schemeClr val="dk1"/>
+                </a:solidFill>
+                <a:latin typeface="Calibri"/>
+                <a:ea typeface="Calibri"/>
+                <a:cs typeface="Calibri"/>
+                <a:sym typeface="Calibri"/>
+              </a:rPr>
+            </a:br>
+            <a:r>
+              <a:rPr lang="en" sz="900" u="sng">
+                <a:solidFill>
+                  <a:schemeClr val="hlink"/>
+                </a:solidFill>
+                <a:latin typeface="Calibri"/>
+                <a:ea typeface="Calibri"/>
+                <a:cs typeface="Calibri"/>
+                <a:sym typeface="Calibri"/>
+                <a:hlinkClick r:id="rId3"/>
+              </a:rPr>
+              <a:t>https://github.com/upstash/context7</a:t>
+            </a:r>
+            <a:endParaRPr sz="900">
+              <a:solidFill>
+                <a:schemeClr val="dk1"/>
+              </a:solidFill>
+              <a:latin typeface="Calibri"/>
+              <a:ea typeface="Calibri"/>
+              <a:cs typeface="Calibri"/>
+              <a:sym typeface="Calibri"/>
+            </a:endParaRPr>
+          </a:p>
+          <a:p>
+            <a:pPr marL="228600" lvl="0" indent="-133350" algn="l" rtl="0">
+              <a:spcBef>
+                <a:spcPts val="0"/>
+              </a:spcBef>
+              <a:spcAft>
+                <a:spcPts val="0"/>
+              </a:spcAft>
+              <a:buClr>
+                <a:schemeClr val="dk1"/>
+              </a:buClr>
+              <a:buSzPts val="1200"/>
+              <a:buFont typeface="Calibri"/>
+              <a:buAutoNum type="arabicPeriod"/>
+            </a:pPr>
+            <a:r>
+              <a:rPr lang="en" sz="1200" b="1">
+                <a:solidFill>
+                  <a:srgbClr val="FF0000"/>
+                </a:solidFill>
+                <a:latin typeface="Calibri"/>
+                <a:ea typeface="Calibri"/>
+                <a:cs typeface="Calibri"/>
+                <a:sym typeface="Calibri"/>
+              </a:rPr>
+              <a:t>Memory Bank MCP Server</a:t>
+            </a:r>
+            <a:r>
+              <a:rPr lang="en" sz="1200">
+                <a:solidFill>
+                  <a:schemeClr val="dk1"/>
+                </a:solidFill>
+                <a:latin typeface="Calibri"/>
+                <a:ea typeface="Calibri"/>
+                <a:cs typeface="Calibri"/>
+                <a:sym typeface="Calibri"/>
+              </a:rPr>
+              <a:t> - persistent memory across coding sessions</a:t>
+            </a:r>
+            <a:br>
+              <a:rPr lang="en" sz="900">
+                <a:solidFill>
+                  <a:schemeClr val="dk1"/>
+                </a:solidFill>
+                <a:latin typeface="Calibri"/>
+                <a:ea typeface="Calibri"/>
+                <a:cs typeface="Calibri"/>
+                <a:sym typeface="Calibri"/>
+              </a:rPr>
+            </a:br>
+            <a:r>
+              <a:rPr lang="en" sz="900">
+                <a:solidFill>
+                  <a:schemeClr val="dk1"/>
+                </a:solidFill>
+                <a:latin typeface="Calibri"/>
+                <a:ea typeface="Calibri"/>
+                <a:cs typeface="Calibri"/>
+                <a:sym typeface="Calibri"/>
+              </a:rPr>
+              <a:t> </a:t>
+            </a:r>
+            <a:r>
+              <a:rPr lang="en" sz="900" u="sng">
+                <a:solidFill>
+                  <a:schemeClr val="hlink"/>
+                </a:solidFill>
+                <a:latin typeface="Calibri"/>
+                <a:ea typeface="Calibri"/>
+                <a:cs typeface="Calibri"/>
+                <a:sym typeface="Calibri"/>
+                <a:hlinkClick r:id="rId4"/>
+              </a:rPr>
+              <a:t>https://github.com/alioshr/memory-bank-mcp</a:t>
+            </a:r>
+            <a:endParaRPr sz="900">
+              <a:solidFill>
+                <a:schemeClr val="dk1"/>
+              </a:solidFill>
+              <a:latin typeface="Calibri"/>
+              <a:ea typeface="Calibri"/>
+              <a:cs typeface="Calibri"/>
+              <a:sym typeface="Calibri"/>
+            </a:endParaRPr>
+          </a:p>
+          <a:p>
+            <a:pPr marL="228600" lvl="0" indent="-133350" algn="l" rtl="0">
+              <a:spcBef>
+                <a:spcPts val="0"/>
+              </a:spcBef>
+              <a:spcAft>
+                <a:spcPts val="0"/>
+              </a:spcAft>
+              <a:buClr>
+                <a:schemeClr val="dk1"/>
+              </a:buClr>
+              <a:buSzPts val="1200"/>
+              <a:buFont typeface="Calibri"/>
+              <a:buAutoNum type="arabicPeriod"/>
+            </a:pPr>
+            <a:r>
+              <a:rPr lang="en" sz="1200" b="1">
+                <a:solidFill>
+                  <a:srgbClr val="FF0000"/>
+                </a:solidFill>
+                <a:latin typeface="Calibri"/>
+                <a:ea typeface="Calibri"/>
+                <a:cs typeface="Calibri"/>
+                <a:sym typeface="Calibri"/>
+              </a:rPr>
+              <a:t>Knowledge Graph Memory Server</a:t>
+            </a:r>
+            <a:r>
+              <a:rPr lang="en" sz="1200">
+                <a:solidFill>
+                  <a:schemeClr val="dk1"/>
+                </a:solidFill>
+                <a:latin typeface="Calibri"/>
+                <a:ea typeface="Calibri"/>
+                <a:cs typeface="Calibri"/>
+                <a:sym typeface="Calibri"/>
+              </a:rPr>
+              <a:t> - Maps relationships within project </a:t>
+            </a:r>
+            <a:r>
+              <a:rPr lang="en" sz="900" u="sng">
+                <a:solidFill>
+                  <a:schemeClr val="hlink"/>
+                </a:solidFill>
+                <a:latin typeface="Calibri"/>
+                <a:ea typeface="Calibri"/>
+                <a:cs typeface="Calibri"/>
+                <a:sym typeface="Calibri"/>
+                <a:hlinkClick r:id="rId5"/>
+              </a:rPr>
+              <a:t>https://github.com/shaneholloman/mcp-knowledge-graph</a:t>
+            </a:r>
+            <a:endParaRPr sz="900">
+              <a:solidFill>
+                <a:schemeClr val="dk1"/>
+              </a:solidFill>
+              <a:latin typeface="Calibri"/>
+              <a:ea typeface="Calibri"/>
+              <a:cs typeface="Calibri"/>
+              <a:sym typeface="Calibri"/>
+            </a:endParaRPr>
+          </a:p>
+          <a:p>
+            <a:pPr marL="228600" lvl="0" indent="-133350" algn="l" rtl="0">
+              <a:spcBef>
+                <a:spcPts val="0"/>
+              </a:spcBef>
+              <a:spcAft>
+                <a:spcPts val="0"/>
+              </a:spcAft>
+              <a:buClr>
+                <a:schemeClr val="dk1"/>
+              </a:buClr>
+              <a:buSzPts val="1200"/>
+              <a:buFont typeface="Calibri"/>
+              <a:buAutoNum type="arabicPeriod"/>
+            </a:pPr>
+            <a:r>
+              <a:rPr lang="en" sz="1200" b="1">
+                <a:solidFill>
+                  <a:srgbClr val="FF0000"/>
+                </a:solidFill>
+                <a:latin typeface="Calibri"/>
+                <a:ea typeface="Calibri"/>
+                <a:cs typeface="Calibri"/>
+                <a:sym typeface="Calibri"/>
+              </a:rPr>
+              <a:t>Filesystem MCP Server</a:t>
+            </a:r>
+            <a:r>
+              <a:rPr lang="en" sz="1200">
+                <a:solidFill>
+                  <a:schemeClr val="dk1"/>
+                </a:solidFill>
+                <a:latin typeface="Calibri"/>
+                <a:ea typeface="Calibri"/>
+                <a:cs typeface="Calibri"/>
+                <a:sym typeface="Calibri"/>
+              </a:rPr>
+              <a:t> - real-time access to project structure and files</a:t>
+            </a:r>
+            <a:r>
+              <a:rPr lang="en" sz="900">
+                <a:solidFill>
+                  <a:schemeClr val="dk1"/>
+                </a:solidFill>
+                <a:latin typeface="Calibri"/>
+                <a:ea typeface="Calibri"/>
+                <a:cs typeface="Calibri"/>
+                <a:sym typeface="Calibri"/>
+              </a:rPr>
+              <a:t> </a:t>
+            </a:r>
+            <a:r>
+              <a:rPr lang="en" sz="900" u="sng">
+                <a:solidFill>
+                  <a:schemeClr val="hlink"/>
+                </a:solidFill>
+                <a:latin typeface="Calibri"/>
+                <a:ea typeface="Calibri"/>
+                <a:cs typeface="Calibri"/>
+                <a:sym typeface="Calibri"/>
+                <a:hlinkClick r:id="rId6"/>
+              </a:rPr>
+              <a:t>https://github.com/modelcontextprotocol/servers/tree/main/src/filesystem</a:t>
+            </a:r>
+            <a:endParaRPr sz="900">
+              <a:solidFill>
+                <a:schemeClr val="dk1"/>
+              </a:solidFill>
+              <a:latin typeface="Calibri"/>
+              <a:ea typeface="Calibri"/>
+              <a:cs typeface="Calibri"/>
+              <a:sym typeface="Calibri"/>
+            </a:endParaRPr>
+          </a:p>
+          <a:p>
+            <a:pPr marL="228600" lvl="0" indent="-133350" algn="l" rtl="0">
+              <a:spcBef>
+                <a:spcPts val="0"/>
+              </a:spcBef>
+              <a:spcAft>
+                <a:spcPts val="0"/>
+              </a:spcAft>
+              <a:buClr>
+                <a:schemeClr val="dk1"/>
+              </a:buClr>
+              <a:buSzPts val="1200"/>
+              <a:buFont typeface="Calibri"/>
+              <a:buAutoNum type="arabicPeriod"/>
+            </a:pPr>
+            <a:r>
+              <a:rPr lang="en" sz="1200" b="1">
+                <a:solidFill>
+                  <a:srgbClr val="FF0000"/>
+                </a:solidFill>
+                <a:latin typeface="Calibri"/>
+                <a:ea typeface="Calibri"/>
+                <a:cs typeface="Calibri"/>
+                <a:sym typeface="Calibri"/>
+              </a:rPr>
+              <a:t>GitMCP</a:t>
+            </a:r>
+            <a:r>
+              <a:rPr lang="en" sz="1200">
+                <a:solidFill>
+                  <a:schemeClr val="dk1"/>
+                </a:solidFill>
+                <a:latin typeface="Calibri"/>
+                <a:ea typeface="Calibri"/>
+                <a:cs typeface="Calibri"/>
+                <a:sym typeface="Calibri"/>
+              </a:rPr>
+              <a:t> - Adds git-awareness: repo history, branches, version control context</a:t>
+            </a:r>
+            <a:r>
+              <a:rPr lang="en" sz="900">
+                <a:solidFill>
+                  <a:schemeClr val="dk1"/>
+                </a:solidFill>
+                <a:latin typeface="Calibri"/>
+                <a:ea typeface="Calibri"/>
+                <a:cs typeface="Calibri"/>
+                <a:sym typeface="Calibri"/>
+              </a:rPr>
+              <a:t> </a:t>
+            </a:r>
+            <a:r>
+              <a:rPr lang="en" sz="900" u="sng">
+                <a:solidFill>
+                  <a:schemeClr val="hlink"/>
+                </a:solidFill>
+                <a:latin typeface="Calibri"/>
+                <a:ea typeface="Calibri"/>
+                <a:cs typeface="Calibri"/>
+                <a:sym typeface="Calibri"/>
+                <a:hlinkClick r:id="rId7"/>
+              </a:rPr>
+              <a:t>https://gitmcp.io</a:t>
+            </a:r>
+            <a:r>
+              <a:rPr lang="en" sz="900">
+                <a:solidFill>
+                  <a:schemeClr val="dk1"/>
+                </a:solidFill>
+                <a:latin typeface="Calibri"/>
+                <a:ea typeface="Calibri"/>
+                <a:cs typeface="Calibri"/>
+                <a:sym typeface="Calibri"/>
+              </a:rPr>
+              <a:t> </a:t>
+            </a:r>
+            <a:endParaRPr sz="900">
+              <a:solidFill>
+                <a:schemeClr val="dk1"/>
+              </a:solidFill>
+              <a:latin typeface="Calibri"/>
+              <a:ea typeface="Calibri"/>
+              <a:cs typeface="Calibri"/>
+              <a:sym typeface="Calibri"/>
+            </a:endParaRPr>
+          </a:p>
+          <a:p>
+            <a:pPr marL="228600" lvl="0" indent="-133350" algn="l" rtl="0">
+              <a:spcBef>
+                <a:spcPts val="0"/>
+              </a:spcBef>
+              <a:spcAft>
+                <a:spcPts val="0"/>
+              </a:spcAft>
+              <a:buClr>
+                <a:schemeClr val="dk1"/>
+              </a:buClr>
+              <a:buSzPts val="1200"/>
+              <a:buFont typeface="Calibri"/>
+              <a:buAutoNum type="arabicPeriod"/>
+            </a:pPr>
+            <a:r>
+              <a:rPr lang="en" sz="1200" b="1">
+                <a:solidFill>
+                  <a:srgbClr val="FF0000"/>
+                </a:solidFill>
+                <a:latin typeface="Calibri"/>
+                <a:ea typeface="Calibri"/>
+                <a:cs typeface="Calibri"/>
+                <a:sym typeface="Calibri"/>
+              </a:rPr>
+              <a:t>Obsidian-MCP</a:t>
+            </a:r>
+            <a:r>
+              <a:rPr lang="en" sz="1200">
+                <a:solidFill>
+                  <a:schemeClr val="dk1"/>
+                </a:solidFill>
+                <a:latin typeface="Calibri"/>
+                <a:ea typeface="Calibri"/>
+                <a:cs typeface="Calibri"/>
+                <a:sym typeface="Calibri"/>
+              </a:rPr>
+              <a:t> - Connects AI to your Obsidian knowledge base notes and docs</a:t>
+            </a:r>
+            <a:br>
+              <a:rPr lang="en" sz="900">
+                <a:solidFill>
+                  <a:schemeClr val="dk1"/>
+                </a:solidFill>
+                <a:latin typeface="Calibri"/>
+                <a:ea typeface="Calibri"/>
+                <a:cs typeface="Calibri"/>
+                <a:sym typeface="Calibri"/>
+              </a:rPr>
+            </a:br>
+            <a:r>
+              <a:rPr lang="en" sz="900" u="sng">
+                <a:solidFill>
+                  <a:schemeClr val="hlink"/>
+                </a:solidFill>
+                <a:latin typeface="Calibri"/>
+                <a:ea typeface="Calibri"/>
+                <a:cs typeface="Calibri"/>
+                <a:sym typeface="Calibri"/>
+                <a:hlinkClick r:id="rId8"/>
+              </a:rPr>
+              <a:t>https://github.com/MarkusPfundstein/mcp-obsidian</a:t>
+            </a:r>
+            <a:r>
+              <a:rPr lang="en" sz="900">
+                <a:solidFill>
+                  <a:schemeClr val="dk1"/>
+                </a:solidFill>
+                <a:latin typeface="Calibri"/>
+                <a:ea typeface="Calibri"/>
+                <a:cs typeface="Calibri"/>
+                <a:sym typeface="Calibri"/>
+              </a:rPr>
+              <a:t> </a:t>
+            </a:r>
+            <a:endParaRPr sz="900">
+              <a:solidFill>
+                <a:schemeClr val="dk1"/>
+              </a:solidFill>
+              <a:latin typeface="Calibri"/>
+              <a:ea typeface="Calibri"/>
+              <a:cs typeface="Calibri"/>
+              <a:sym typeface="Calibri"/>
+            </a:endParaRPr>
+          </a:p>
+          <a:p>
+            <a:pPr marL="228600" lvl="0" indent="-133350" algn="l" rtl="0">
+              <a:spcBef>
+                <a:spcPts val="0"/>
+              </a:spcBef>
+              <a:spcAft>
+                <a:spcPts val="0"/>
+              </a:spcAft>
+              <a:buClr>
+                <a:schemeClr val="dk1"/>
+              </a:buClr>
+              <a:buSzPts val="1200"/>
+              <a:buFont typeface="Calibri"/>
+              <a:buAutoNum type="arabicPeriod"/>
+            </a:pPr>
+            <a:r>
+              <a:rPr lang="en" sz="1200" b="1">
+                <a:solidFill>
+                  <a:srgbClr val="FF0000"/>
+                </a:solidFill>
+                <a:latin typeface="Calibri"/>
+                <a:ea typeface="Calibri"/>
+                <a:cs typeface="Calibri"/>
+                <a:sym typeface="Calibri"/>
+              </a:rPr>
+              <a:t>Tavily MCP</a:t>
+            </a:r>
+            <a:r>
+              <a:rPr lang="en" sz="1200">
+                <a:solidFill>
+                  <a:schemeClr val="dk1"/>
+                </a:solidFill>
+                <a:latin typeface="Calibri"/>
+                <a:ea typeface="Calibri"/>
+                <a:cs typeface="Calibri"/>
+                <a:sym typeface="Calibri"/>
+              </a:rPr>
+              <a:t> - Adds AI-powered search for developer-specific information</a:t>
+            </a:r>
+            <a:r>
+              <a:rPr lang="en" sz="900">
+                <a:solidFill>
+                  <a:schemeClr val="dk1"/>
+                </a:solidFill>
+                <a:latin typeface="Calibri"/>
+                <a:ea typeface="Calibri"/>
+                <a:cs typeface="Calibri"/>
+                <a:sym typeface="Calibri"/>
+              </a:rPr>
+              <a:t> </a:t>
+            </a:r>
+            <a:r>
+              <a:rPr lang="en" sz="900" u="sng">
+                <a:solidFill>
+                  <a:schemeClr val="hlink"/>
+                </a:solidFill>
+                <a:latin typeface="Calibri"/>
+                <a:ea typeface="Calibri"/>
+                <a:cs typeface="Calibri"/>
+                <a:sym typeface="Calibri"/>
+                <a:hlinkClick r:id="rId9"/>
+              </a:rPr>
+              <a:t>https://github.com/tavily-ai/tavily-mcp</a:t>
+            </a:r>
+            <a:r>
+              <a:rPr lang="en" sz="900">
+                <a:solidFill>
+                  <a:schemeClr val="dk1"/>
+                </a:solidFill>
+                <a:latin typeface="Calibri"/>
+                <a:ea typeface="Calibri"/>
+                <a:cs typeface="Calibri"/>
+                <a:sym typeface="Calibri"/>
+              </a:rPr>
+              <a:t> </a:t>
+            </a:r>
+            <a:endParaRPr sz="900">
+              <a:solidFill>
+                <a:schemeClr val="dk1"/>
+              </a:solidFill>
+              <a:latin typeface="Calibri"/>
+              <a:ea typeface="Calibri"/>
+              <a:cs typeface="Calibri"/>
+              <a:sym typeface="Calibri"/>
+            </a:endParaRPr>
+          </a:p>
+          <a:p>
+            <a:pPr marL="228600" lvl="0" indent="-133350" algn="l" rtl="0">
+              <a:spcBef>
+                <a:spcPts val="0"/>
+              </a:spcBef>
+              <a:spcAft>
+                <a:spcPts val="0"/>
+              </a:spcAft>
+              <a:buClr>
+                <a:schemeClr val="dk1"/>
+              </a:buClr>
+              <a:buSzPts val="1200"/>
+              <a:buFont typeface="Calibri"/>
+              <a:buAutoNum type="arabicPeriod"/>
+            </a:pPr>
+            <a:r>
+              <a:rPr lang="en" sz="1200" b="1">
+                <a:solidFill>
+                  <a:srgbClr val="FF0000"/>
+                </a:solidFill>
+                <a:latin typeface="Calibri"/>
+                <a:ea typeface="Calibri"/>
+                <a:cs typeface="Calibri"/>
+                <a:sym typeface="Calibri"/>
+              </a:rPr>
+              <a:t>Sequential Thinking MCP</a:t>
+            </a:r>
+            <a:r>
+              <a:rPr lang="en" sz="1200">
+                <a:solidFill>
+                  <a:schemeClr val="dk1"/>
+                </a:solidFill>
+                <a:latin typeface="Calibri"/>
+                <a:ea typeface="Calibri"/>
+                <a:cs typeface="Calibri"/>
+                <a:sym typeface="Calibri"/>
+              </a:rPr>
+              <a:t> - Breaking complex coding tasks into logical steps</a:t>
+            </a:r>
+            <a:r>
+              <a:rPr lang="en" sz="900">
+                <a:solidFill>
+                  <a:schemeClr val="dk1"/>
+                </a:solidFill>
+                <a:latin typeface="Calibri"/>
+                <a:ea typeface="Calibri"/>
+                <a:cs typeface="Calibri"/>
+                <a:sym typeface="Calibri"/>
+              </a:rPr>
+              <a:t> </a:t>
+            </a:r>
+            <a:r>
+              <a:rPr lang="en" sz="900" u="sng">
+                <a:solidFill>
+                  <a:schemeClr val="hlink"/>
+                </a:solidFill>
+                <a:latin typeface="Calibri"/>
+                <a:ea typeface="Calibri"/>
+                <a:cs typeface="Calibri"/>
+                <a:sym typeface="Calibri"/>
+                <a:hlinkClick r:id="rId10"/>
+              </a:rPr>
+              <a:t>https://github.com/modelcontextprotocol/servers/tree/main/src/sequentialthinking</a:t>
+            </a:r>
+            <a:r>
+              <a:rPr lang="en" sz="900">
+                <a:solidFill>
+                  <a:schemeClr val="dk1"/>
+                </a:solidFill>
+                <a:latin typeface="Calibri"/>
+                <a:ea typeface="Calibri"/>
+                <a:cs typeface="Calibri"/>
+                <a:sym typeface="Calibri"/>
+              </a:rPr>
+              <a:t> </a:t>
+            </a:r>
+            <a:endParaRPr sz="900">
+              <a:solidFill>
+                <a:schemeClr val="dk1"/>
+              </a:solidFill>
+              <a:latin typeface="Calibri"/>
+              <a:ea typeface="Calibri"/>
+              <a:cs typeface="Calibri"/>
+              <a:sym typeface="Calibri"/>
+            </a:endParaRPr>
+          </a:p>
+          <a:p>
+            <a:pPr marL="228600" lvl="0" indent="-133350" algn="l" rtl="0">
+              <a:spcBef>
+                <a:spcPts val="0"/>
+              </a:spcBef>
+              <a:spcAft>
+                <a:spcPts val="0"/>
+              </a:spcAft>
+              <a:buClr>
+                <a:schemeClr val="dk1"/>
+              </a:buClr>
+              <a:buSzPts val="1200"/>
+              <a:buFont typeface="Calibri"/>
+              <a:buAutoNum type="arabicPeriod"/>
+            </a:pPr>
+            <a:r>
+              <a:rPr lang="en" sz="1200" b="1">
+                <a:solidFill>
+                  <a:srgbClr val="FF0000"/>
+                </a:solidFill>
+                <a:latin typeface="Calibri"/>
+                <a:ea typeface="Calibri"/>
+                <a:cs typeface="Calibri"/>
+                <a:sym typeface="Calibri"/>
+              </a:rPr>
+              <a:t>Fetch MCP Server</a:t>
+            </a:r>
+            <a:r>
+              <a:rPr lang="en" sz="1200">
+                <a:solidFill>
+                  <a:schemeClr val="dk1"/>
+                </a:solidFill>
+                <a:latin typeface="Calibri"/>
+                <a:ea typeface="Calibri"/>
+                <a:cs typeface="Calibri"/>
+                <a:sym typeface="Calibri"/>
+              </a:rPr>
+              <a:t> - converts web html docs into context </a:t>
+            </a:r>
+            <a:r>
+              <a:rPr lang="en" sz="900" u="sng">
+                <a:solidFill>
+                  <a:schemeClr val="hlink"/>
+                </a:solidFill>
+                <a:latin typeface="Calibri"/>
+                <a:ea typeface="Calibri"/>
+                <a:cs typeface="Calibri"/>
+                <a:sym typeface="Calibri"/>
+                <a:hlinkClick r:id="rId11"/>
+              </a:rPr>
+              <a:t>https://github.com/modelcontextprotocol/servers/tree/main/src/fetch</a:t>
+            </a:r>
+            <a:r>
+              <a:rPr lang="en" sz="900">
+                <a:solidFill>
+                  <a:schemeClr val="dk1"/>
+                </a:solidFill>
+                <a:latin typeface="Calibri"/>
+                <a:ea typeface="Calibri"/>
+                <a:cs typeface="Calibri"/>
+                <a:sym typeface="Calibri"/>
+              </a:rPr>
+              <a:t> </a:t>
+            </a:r>
+            <a:endParaRPr sz="900">
+              <a:solidFill>
+                <a:schemeClr val="dk1"/>
+              </a:solidFill>
+              <a:latin typeface="Calibri"/>
+              <a:ea typeface="Calibri"/>
+              <a:cs typeface="Calibri"/>
+              <a:sym typeface="Calibri"/>
+            </a:endParaRPr>
+          </a:p>
+          <a:p>
+            <a:pPr marL="0" lvl="0" indent="0" algn="l" rtl="0">
+              <a:spcBef>
+                <a:spcPts val="0"/>
+              </a:spcBef>
+              <a:spcAft>
+                <a:spcPts val="0"/>
+              </a:spcAft>
+              <a:buNone/>
+            </a:pPr>
+            <a:endParaRPr sz="1200">
+              <a:solidFill>
+                <a:schemeClr val="dk1"/>
+              </a:solidFill>
+              <a:latin typeface="Calibri"/>
+              <a:ea typeface="Calibri"/>
+              <a:cs typeface="Calibri"/>
+              <a:sym typeface="Calibri"/>
+            </a:endParaRPr>
+          </a:p>
+          <a:p>
+            <a:pPr marL="171450" lvl="0" indent="-114300" algn="l" rtl="0">
+              <a:spcBef>
+                <a:spcPts val="0"/>
+              </a:spcBef>
+              <a:spcAft>
+                <a:spcPts val="0"/>
+              </a:spcAft>
+              <a:buClr>
+                <a:schemeClr val="dk1"/>
+              </a:buClr>
+              <a:buSzPts val="900"/>
+              <a:buFont typeface="Calibri"/>
+              <a:buChar char="●"/>
+            </a:pPr>
+            <a:r>
+              <a:rPr lang="en" sz="900" u="sng">
+                <a:solidFill>
+                  <a:schemeClr val="hlink"/>
+                </a:solidFill>
+                <a:latin typeface="Calibri"/>
+                <a:ea typeface="Calibri"/>
+                <a:cs typeface="Calibri"/>
+                <a:sym typeface="Calibri"/>
+                <a:hlinkClick r:id="rId12"/>
+              </a:rPr>
+              <a:t>https://medium.com/@joe.njenga/these-9-mcp-servers-improve-ai-context-reduce-99-code-errors-d2ba7acd9d94</a:t>
+            </a:r>
+            <a:r>
+              <a:rPr lang="en" sz="900">
+                <a:solidFill>
+                  <a:schemeClr val="dk1"/>
+                </a:solidFill>
+                <a:latin typeface="Calibri"/>
+                <a:ea typeface="Calibri"/>
+                <a:cs typeface="Calibri"/>
+                <a:sym typeface="Calibri"/>
+              </a:rPr>
+              <a:t> </a:t>
+            </a:r>
+            <a:endParaRPr sz="900">
+              <a:solidFill>
+                <a:schemeClr val="dk1"/>
+              </a:solidFill>
+              <a:latin typeface="Calibri"/>
+              <a:ea typeface="Calibri"/>
+              <a:cs typeface="Calibri"/>
+              <a:sym typeface="Calibri"/>
+            </a:endParaRPr>
+          </a:p>
+        </p:txBody>
+      </p:sp>
+      <p:pic>
+        <p:nvPicPr>
+          <p:cNvPr id="261" name="Google Shape;261;p29"/>
+          <p:cNvPicPr preferRelativeResize="0"/>
+          <p:nvPr/>
+        </p:nvPicPr>
+        <p:blipFill>
+          <a:blip r:embed="rId13" cstate="email">
+            <a:alphaModFix/>
+            <a:extLst>
+              <a:ext uri="{28A0092B-C50C-407E-A947-70E740481C1C}">
+                <a14:useLocalDpi xmlns:a14="http://schemas.microsoft.com/office/drawing/2010/main"/>
+              </a:ext>
+            </a:extLst>
+          </a:blip>
+          <a:stretch>
+            <a:fillRect/>
+          </a:stretch>
+        </p:blipFill>
+        <p:spPr>
+          <a:xfrm>
+            <a:off x="6212875" y="930913"/>
+            <a:ext cx="2655974" cy="1493975"/>
+          </a:xfrm>
+          <a:prstGeom prst="rect">
+            <a:avLst/>
+          </a:prstGeom>
+          <a:noFill/>
+          <a:ln w="9525" cap="flat" cmpd="sng">
+            <a:solidFill>
+              <a:srgbClr val="FF0000"/>
+            </a:solidFill>
+            <a:prstDash val="solid"/>
+            <a:round/>
+            <a:headEnd type="none" w="sm" len="sm"/>
+            <a:tailEnd type="none" w="sm" len="sm"/>
+          </a:ln>
+        </p:spPr>
+      </p:pic>
+    </p:spTree>
+  </p:cSld>
+  <p:clrMapOvr>
+    <a:masterClrMapping/>
+  </p:clrMapOvr>
+</p:sld>
+</file>
+
+<file path=ppt/slides/slide16.xml><?xml version="1.0" encoding="utf-8"?>
+<p:sld xmlns:a="http://schemas.openxmlformats.org/drawingml/2006/main" xmlns:r="http://schemas.openxmlformats.org/officeDocument/2006/relationships" xmlns:p="http://schemas.openxmlformats.org/presentationml/2006/main">
+  <p:cSld>
+    <p:spTree>
+      <p:nvGrpSpPr>
+        <p:cNvPr id="1" name="Shape 265"/>
+        <p:cNvGrpSpPr/>
+        <p:nvPr/>
+      </p:nvGrpSpPr>
+      <p:grpSpPr>
+        <a:xfrm>
+          <a:off x="0" y="0"/>
+          <a:ext cx="0" cy="0"/>
+          <a:chOff x="0" y="0"/>
+          <a:chExt cx="0" cy="0"/>
+        </a:xfrm>
+      </p:grpSpPr>
+      <p:sp>
+        <p:nvSpPr>
+          <p:cNvPr id="266" name="Google Shape;266;p30"/>
           <p:cNvSpPr txBox="1"/>
           <p:nvPr/>
         </p:nvSpPr>
@@ -16941,7 +20008,7 @@
       </p:sp>
       <p:sp>
         <p:nvSpPr>
-          <p:cNvPr id="241" name="Google Shape;241;p27"/>
+          <p:cNvPr id="267" name="Google Shape;267;p30"/>
           <p:cNvSpPr txBox="1"/>
           <p:nvPr/>
         </p:nvSpPr>
@@ -17431,7 +20498,7 @@
       </p:sp>
       <p:pic>
         <p:nvPicPr>
-          <p:cNvPr id="242" name="Google Shape;242;p27"/>
+          <p:cNvPr id="268" name="Google Shape;268;p30"/>
           <p:cNvPicPr preferRelativeResize="0"/>
           <p:nvPr/>
         </p:nvPicPr>
@@ -17471,12 +20538,12 @@
 </p:sld>
 </file>
 
-<file path=ppt/slides/slide14.xml><?xml version="1.0" encoding="utf-8"?>
+<file path=ppt/slides/slide17.xml><?xml version="1.0" encoding="utf-8"?>
 <p:sld xmlns:a="http://schemas.openxmlformats.org/drawingml/2006/main" xmlns:r="http://schemas.openxmlformats.org/officeDocument/2006/relationships" xmlns:p="http://schemas.openxmlformats.org/presentationml/2006/main">
   <p:cSld>
     <p:spTree>
       <p:nvGrpSpPr>
-        <p:cNvPr id="1" name="Shape 246"/>
+        <p:cNvPr id="1" name="Shape 272"/>
         <p:cNvGrpSpPr/>
         <p:nvPr/>
       </p:nvGrpSpPr>
@@ -17490,7 +20557,7 @@
       </p:grpSpPr>
       <p:sp>
         <p:nvSpPr>
-          <p:cNvPr id="247" name="Google Shape;247;p28"/>
+          <p:cNvPr id="273" name="Google Shape;273;p31"/>
           <p:cNvSpPr txBox="1"/>
           <p:nvPr/>
         </p:nvSpPr>
@@ -17556,7 +20623,7 @@
       </p:sp>
       <p:sp>
         <p:nvSpPr>
-          <p:cNvPr id="248" name="Google Shape;248;p28"/>
+          <p:cNvPr id="274" name="Google Shape;274;p31"/>
           <p:cNvSpPr txBox="1"/>
           <p:nvPr/>
         </p:nvSpPr>
@@ -17989,7 +21056,7 @@
       </p:sp>
       <p:sp>
         <p:nvSpPr>
-          <p:cNvPr id="249" name="Google Shape;249;p28"/>
+          <p:cNvPr id="275" name="Google Shape;275;p31"/>
           <p:cNvSpPr txBox="1"/>
           <p:nvPr/>
         </p:nvSpPr>
@@ -18223,7 +21290,7 @@
       </p:sp>
       <p:pic>
         <p:nvPicPr>
-          <p:cNvPr id="250" name="Google Shape;250;p28"/>
+          <p:cNvPr id="276" name="Google Shape;276;p31"/>
           <p:cNvPicPr preferRelativeResize="0"/>
           <p:nvPr/>
         </p:nvPicPr>
@@ -18268,12 +21335,12 @@
 </p:sld>
 </file>
 
-<file path=ppt/slides/slide15.xml><?xml version="1.0" encoding="utf-8"?>
+<file path=ppt/slides/slide18.xml><?xml version="1.0" encoding="utf-8"?>
 <p:sld xmlns:a="http://schemas.openxmlformats.org/drawingml/2006/main" xmlns:r="http://schemas.openxmlformats.org/officeDocument/2006/relationships" xmlns:p="http://schemas.openxmlformats.org/presentationml/2006/main">
   <p:cSld>
     <p:spTree>
       <p:nvGrpSpPr>
-        <p:cNvPr id="1" name="Shape 254"/>
+        <p:cNvPr id="1" name="Shape 280"/>
         <p:cNvGrpSpPr/>
         <p:nvPr/>
       </p:nvGrpSpPr>
@@ -18287,7 +21354,7 @@
       </p:grpSpPr>
       <p:sp>
         <p:nvSpPr>
-          <p:cNvPr id="255" name="Google Shape;255;p29"/>
+          <p:cNvPr id="281" name="Google Shape;281;p32"/>
           <p:cNvSpPr txBox="1"/>
           <p:nvPr/>
         </p:nvSpPr>
@@ -18353,7 +21420,7 @@
       </p:sp>
       <p:sp>
         <p:nvSpPr>
-          <p:cNvPr id="256" name="Google Shape;256;p29"/>
+          <p:cNvPr id="282" name="Google Shape;282;p32"/>
           <p:cNvSpPr txBox="1"/>
           <p:nvPr/>
         </p:nvSpPr>
@@ -19000,7 +22067,7 @@
       </p:sp>
       <p:pic>
         <p:nvPicPr>
-          <p:cNvPr id="257" name="Google Shape;257;p29"/>
+          <p:cNvPr id="283" name="Google Shape;283;p32"/>
           <p:cNvPicPr preferRelativeResize="0"/>
           <p:nvPr/>
         </p:nvPicPr>
@@ -19039,12 +22106,12 @@
 </p:sld>
 </file>
 
-<file path=ppt/slides/slide16.xml><?xml version="1.0" encoding="utf-8"?>
+<file path=ppt/slides/slide19.xml><?xml version="1.0" encoding="utf-8"?>
 <p:sld xmlns:a="http://schemas.openxmlformats.org/drawingml/2006/main" xmlns:r="http://schemas.openxmlformats.org/officeDocument/2006/relationships" xmlns:p="http://schemas.openxmlformats.org/presentationml/2006/main">
   <p:cSld>
     <p:spTree>
       <p:nvGrpSpPr>
-        <p:cNvPr id="1" name="Shape 261"/>
+        <p:cNvPr id="1" name="Shape 287"/>
         <p:cNvGrpSpPr/>
         <p:nvPr/>
       </p:nvGrpSpPr>
@@ -19058,7 +22125,7 @@
       </p:grpSpPr>
       <p:sp>
         <p:nvSpPr>
-          <p:cNvPr id="262" name="Google Shape;262;p30"/>
+          <p:cNvPr id="288" name="Google Shape;288;p33"/>
           <p:cNvSpPr txBox="1"/>
           <p:nvPr/>
         </p:nvSpPr>
@@ -19124,7 +22191,7 @@
       </p:sp>
       <p:sp>
         <p:nvSpPr>
-          <p:cNvPr id="263" name="Google Shape;263;p30"/>
+          <p:cNvPr id="289" name="Google Shape;289;p33"/>
           <p:cNvSpPr txBox="1"/>
           <p:nvPr/>
         </p:nvSpPr>
@@ -19622,7 +22689,7 @@
       </p:sp>
       <p:pic>
         <p:nvPicPr>
-          <p:cNvPr id="264" name="Google Shape;264;p30"/>
+          <p:cNvPr id="290" name="Google Shape;290;p33"/>
           <p:cNvPicPr preferRelativeResize="0"/>
           <p:nvPr/>
         </p:nvPicPr>
@@ -19659,2027 +22726,6 @@
           </a:ln>
         </p:spPr>
       </p:pic>
-    </p:spTree>
-  </p:cSld>
-  <p:clrMapOvr>
-    <a:masterClrMapping/>
-  </p:clrMapOvr>
-</p:sld>
-</file>
-
-<file path=ppt/slides/slide17.xml><?xml version="1.0" encoding="utf-8"?>
-<p:sld xmlns:a="http://schemas.openxmlformats.org/drawingml/2006/main" xmlns:r="http://schemas.openxmlformats.org/officeDocument/2006/relationships" xmlns:p="http://schemas.openxmlformats.org/presentationml/2006/main">
-  <p:cSld>
-    <p:spTree>
-      <p:nvGrpSpPr>
-        <p:cNvPr id="1" name="Shape 268"/>
-        <p:cNvGrpSpPr/>
-        <p:nvPr/>
-      </p:nvGrpSpPr>
-      <p:grpSpPr>
-        <a:xfrm>
-          <a:off x="0" y="0"/>
-          <a:ext cx="0" cy="0"/>
-          <a:chOff x="0" y="0"/>
-          <a:chExt cx="0" cy="0"/>
-        </a:xfrm>
-      </p:grpSpPr>
-      <p:sp>
-        <p:nvSpPr>
-          <p:cNvPr id="269" name="Google Shape;269;p31"/>
-          <p:cNvSpPr txBox="1"/>
-          <p:nvPr/>
-        </p:nvSpPr>
-        <p:spPr>
-          <a:xfrm>
-            <a:off x="55075" y="52750"/>
-            <a:ext cx="4448400" cy="326400"/>
-          </a:xfrm>
-          <a:prstGeom prst="rect">
-            <a:avLst/>
-          </a:prstGeom>
-          <a:noFill/>
-          <a:ln>
-            <a:noFill/>
-          </a:ln>
-        </p:spPr>
-        <p:txBody>
-          <a:bodyPr spcFirstLastPara="1" wrap="square" lIns="9125" tIns="9125" rIns="9125" bIns="9125" anchor="t" anchorCtr="0">
-            <a:spAutoFit/>
-          </a:bodyPr>
-          <a:lstStyle/>
-          <a:p>
-            <a:pPr marL="0" marR="0" lvl="0" indent="0" algn="l" rtl="0">
-              <a:lnSpc>
-                <a:spcPct val="100000"/>
-              </a:lnSpc>
-              <a:spcBef>
-                <a:spcPts val="0"/>
-              </a:spcBef>
-              <a:spcAft>
-                <a:spcPts val="0"/>
-              </a:spcAft>
-              <a:buClr>
-                <a:schemeClr val="dk1"/>
-              </a:buClr>
-              <a:buSzPts val="1100"/>
-              <a:buFont typeface="Arial"/>
-              <a:buNone/>
-            </a:pPr>
-            <a:r>
-              <a:rPr lang="en" sz="2000" b="1">
-                <a:solidFill>
-                  <a:schemeClr val="dk1"/>
-                </a:solidFill>
-                <a:latin typeface="Calibri"/>
-                <a:ea typeface="Calibri"/>
-                <a:cs typeface="Calibri"/>
-                <a:sym typeface="Calibri"/>
-              </a:rPr>
-              <a:t>AI music generation</a:t>
-            </a:r>
-            <a:endParaRPr sz="2000" b="1" i="0" u="none" strike="noStrike" cap="none">
-              <a:solidFill>
-                <a:schemeClr val="dk1"/>
-              </a:solidFill>
-              <a:latin typeface="Calibri"/>
-              <a:ea typeface="Calibri"/>
-              <a:cs typeface="Calibri"/>
-              <a:sym typeface="Calibri"/>
-            </a:endParaRPr>
-          </a:p>
-        </p:txBody>
-      </p:sp>
-      <p:sp>
-        <p:nvSpPr>
-          <p:cNvPr id="270" name="Google Shape;270;p31"/>
-          <p:cNvSpPr txBox="1"/>
-          <p:nvPr/>
-        </p:nvSpPr>
-        <p:spPr>
-          <a:xfrm>
-            <a:off x="55075" y="438450"/>
-            <a:ext cx="4308000" cy="4682400"/>
-          </a:xfrm>
-          <a:prstGeom prst="rect">
-            <a:avLst/>
-          </a:prstGeom>
-          <a:solidFill>
-            <a:srgbClr val="FFF2CC"/>
-          </a:solidFill>
-          <a:ln w="9525" cap="flat" cmpd="sng">
-            <a:solidFill>
-              <a:srgbClr val="FF0000"/>
-            </a:solidFill>
-            <a:prstDash val="solid"/>
-            <a:round/>
-            <a:headEnd type="none" w="sm" len="sm"/>
-            <a:tailEnd type="none" w="sm" len="sm"/>
-          </a:ln>
-        </p:spPr>
-        <p:txBody>
-          <a:bodyPr spcFirstLastPara="1" wrap="square" lIns="0" tIns="9125" rIns="9125" bIns="9125" anchor="t" anchorCtr="0">
-            <a:spAutoFit/>
-          </a:bodyPr>
-          <a:lstStyle/>
-          <a:p>
-            <a:pPr marL="171450" marR="0" lvl="0" indent="-133350" algn="l" rtl="0">
-              <a:lnSpc>
-                <a:spcPct val="100000"/>
-              </a:lnSpc>
-              <a:spcBef>
-                <a:spcPts val="0"/>
-              </a:spcBef>
-              <a:spcAft>
-                <a:spcPts val="0"/>
-              </a:spcAft>
-              <a:buClr>
-                <a:schemeClr val="dk1"/>
-              </a:buClr>
-              <a:buSzPts val="1200"/>
-              <a:buFont typeface="Calibri"/>
-              <a:buChar char="●"/>
-            </a:pPr>
-            <a:r>
-              <a:rPr lang="en" sz="1200" b="1">
-                <a:solidFill>
-                  <a:srgbClr val="FF0000"/>
-                </a:solidFill>
-                <a:latin typeface="Calibri"/>
-                <a:ea typeface="Calibri"/>
-                <a:cs typeface="Calibri"/>
-                <a:sym typeface="Calibri"/>
-              </a:rPr>
-              <a:t>MusicLM by Google</a:t>
-            </a:r>
-            <a:r>
-              <a:rPr lang="en" sz="1200">
-                <a:solidFill>
-                  <a:schemeClr val="dk1"/>
-                </a:solidFill>
-                <a:latin typeface="Calibri"/>
-                <a:ea typeface="Calibri"/>
-                <a:cs typeface="Calibri"/>
-                <a:sym typeface="Calibri"/>
-              </a:rPr>
-              <a:t> - text into music. Available via Google’s AI Test Kitchen app. High accuracy, strong coherence, and ability to follow detailed instructions about genre, mood, and instrumentation</a:t>
-            </a:r>
-            <a:br>
-              <a:rPr lang="en" sz="1200">
-                <a:solidFill>
-                  <a:schemeClr val="dk1"/>
-                </a:solidFill>
-                <a:latin typeface="Calibri"/>
-                <a:ea typeface="Calibri"/>
-                <a:cs typeface="Calibri"/>
-                <a:sym typeface="Calibri"/>
-              </a:rPr>
-            </a:br>
-            <a:r>
-              <a:rPr lang="en" sz="900" u="sng">
-                <a:solidFill>
-                  <a:schemeClr val="hlink"/>
-                </a:solidFill>
-                <a:latin typeface="Calibri"/>
-                <a:ea typeface="Calibri"/>
-                <a:cs typeface="Calibri"/>
-                <a:sym typeface="Calibri"/>
-                <a:hlinkClick r:id="rId3"/>
-              </a:rPr>
-              <a:t>https://musiclm.com</a:t>
-            </a:r>
-            <a:r>
-              <a:rPr lang="en" sz="900">
-                <a:solidFill>
-                  <a:schemeClr val="dk1"/>
-                </a:solidFill>
-                <a:latin typeface="Calibri"/>
-                <a:ea typeface="Calibri"/>
-                <a:cs typeface="Calibri"/>
-                <a:sym typeface="Calibri"/>
-              </a:rPr>
-              <a:t> </a:t>
-            </a:r>
-            <a:endParaRPr sz="900">
-              <a:solidFill>
-                <a:schemeClr val="dk1"/>
-              </a:solidFill>
-              <a:latin typeface="Calibri"/>
-              <a:ea typeface="Calibri"/>
-              <a:cs typeface="Calibri"/>
-              <a:sym typeface="Calibri"/>
-            </a:endParaRPr>
-          </a:p>
-          <a:p>
-            <a:pPr marL="171450" marR="0" lvl="0" indent="-133350" algn="l" rtl="0">
-              <a:lnSpc>
-                <a:spcPct val="100000"/>
-              </a:lnSpc>
-              <a:spcBef>
-                <a:spcPts val="0"/>
-              </a:spcBef>
-              <a:spcAft>
-                <a:spcPts val="0"/>
-              </a:spcAft>
-              <a:buClr>
-                <a:srgbClr val="FF0000"/>
-              </a:buClr>
-              <a:buSzPts val="1200"/>
-              <a:buFont typeface="Calibri"/>
-              <a:buChar char="●"/>
-            </a:pPr>
-            <a:r>
-              <a:rPr lang="en" sz="1200" b="1">
-                <a:solidFill>
-                  <a:srgbClr val="FF0000"/>
-                </a:solidFill>
-                <a:latin typeface="Calibri"/>
-                <a:ea typeface="Calibri"/>
-                <a:cs typeface="Calibri"/>
-                <a:sym typeface="Calibri"/>
-              </a:rPr>
-              <a:t>google/magenta-realtime - open model</a:t>
-            </a:r>
-            <a:endParaRPr sz="1200" b="1">
-              <a:solidFill>
-                <a:srgbClr val="FF0000"/>
-              </a:solidFill>
-              <a:latin typeface="Calibri"/>
-              <a:ea typeface="Calibri"/>
-              <a:cs typeface="Calibri"/>
-              <a:sym typeface="Calibri"/>
-            </a:endParaRPr>
-          </a:p>
-          <a:p>
-            <a:pPr marL="457200" marR="0" lvl="1" indent="-114300" algn="l" rtl="0">
-              <a:lnSpc>
-                <a:spcPct val="100000"/>
-              </a:lnSpc>
-              <a:spcBef>
-                <a:spcPts val="0"/>
-              </a:spcBef>
-              <a:spcAft>
-                <a:spcPts val="0"/>
-              </a:spcAft>
-              <a:buClr>
-                <a:schemeClr val="dk1"/>
-              </a:buClr>
-              <a:buSzPts val="900"/>
-              <a:buFont typeface="Calibri"/>
-              <a:buChar char="○"/>
-            </a:pPr>
-            <a:r>
-              <a:rPr lang="en" sz="900" u="sng">
-                <a:solidFill>
-                  <a:schemeClr val="hlink"/>
-                </a:solidFill>
-                <a:latin typeface="Calibri"/>
-                <a:ea typeface="Calibri"/>
-                <a:cs typeface="Calibri"/>
-                <a:sym typeface="Calibri"/>
-                <a:hlinkClick r:id="rId4"/>
-              </a:rPr>
-              <a:t>https://x.com/osanseviero/status/1936415454819676427</a:t>
-            </a:r>
-            <a:endParaRPr sz="900">
-              <a:solidFill>
-                <a:schemeClr val="dk1"/>
-              </a:solidFill>
-              <a:latin typeface="Calibri"/>
-              <a:ea typeface="Calibri"/>
-              <a:cs typeface="Calibri"/>
-              <a:sym typeface="Calibri"/>
-            </a:endParaRPr>
-          </a:p>
-          <a:p>
-            <a:pPr marL="457200" marR="0" lvl="1" indent="-114300" algn="l" rtl="0">
-              <a:lnSpc>
-                <a:spcPct val="100000"/>
-              </a:lnSpc>
-              <a:spcBef>
-                <a:spcPts val="0"/>
-              </a:spcBef>
-              <a:spcAft>
-                <a:spcPts val="0"/>
-              </a:spcAft>
-              <a:buClr>
-                <a:schemeClr val="dk1"/>
-              </a:buClr>
-              <a:buSzPts val="900"/>
-              <a:buFont typeface="Calibri"/>
-              <a:buChar char="○"/>
-            </a:pPr>
-            <a:r>
-              <a:rPr lang="en" sz="900" u="sng">
-                <a:solidFill>
-                  <a:schemeClr val="hlink"/>
-                </a:solidFill>
-                <a:latin typeface="Calibri"/>
-                <a:ea typeface="Calibri"/>
-                <a:cs typeface="Calibri"/>
-                <a:sym typeface="Calibri"/>
-                <a:hlinkClick r:id="rId5"/>
-              </a:rPr>
-              <a:t>https://huggingface.co/google/magenta-realtime</a:t>
-            </a:r>
-            <a:r>
-              <a:rPr lang="en" sz="900">
-                <a:solidFill>
-                  <a:schemeClr val="dk1"/>
-                </a:solidFill>
-                <a:latin typeface="Calibri"/>
-                <a:ea typeface="Calibri"/>
-                <a:cs typeface="Calibri"/>
-                <a:sym typeface="Calibri"/>
-              </a:rPr>
-              <a:t> </a:t>
-            </a:r>
-            <a:endParaRPr sz="900">
-              <a:solidFill>
-                <a:schemeClr val="dk1"/>
-              </a:solidFill>
-              <a:latin typeface="Calibri"/>
-              <a:ea typeface="Calibri"/>
-              <a:cs typeface="Calibri"/>
-              <a:sym typeface="Calibri"/>
-            </a:endParaRPr>
-          </a:p>
-          <a:p>
-            <a:pPr marL="171450" marR="0" lvl="0" indent="-133350" algn="l" rtl="0">
-              <a:lnSpc>
-                <a:spcPct val="100000"/>
-              </a:lnSpc>
-              <a:spcBef>
-                <a:spcPts val="0"/>
-              </a:spcBef>
-              <a:spcAft>
-                <a:spcPts val="0"/>
-              </a:spcAft>
-              <a:buClr>
-                <a:schemeClr val="dk1"/>
-              </a:buClr>
-              <a:buSzPts val="1200"/>
-              <a:buFont typeface="Calibri"/>
-              <a:buChar char="●"/>
-            </a:pPr>
-            <a:r>
-              <a:rPr lang="en" sz="1200" b="1">
-                <a:solidFill>
-                  <a:srgbClr val="FF0000"/>
-                </a:solidFill>
-                <a:latin typeface="Calibri"/>
-                <a:ea typeface="Calibri"/>
-                <a:cs typeface="Calibri"/>
-                <a:sym typeface="Calibri"/>
-              </a:rPr>
-              <a:t>MusicGen by Meta</a:t>
-            </a:r>
-            <a:r>
-              <a:rPr lang="en" sz="1200">
-                <a:solidFill>
-                  <a:schemeClr val="dk1"/>
-                </a:solidFill>
-                <a:latin typeface="Calibri"/>
-                <a:ea typeface="Calibri"/>
-                <a:cs typeface="Calibri"/>
-                <a:sym typeface="Calibri"/>
-              </a:rPr>
-              <a:t> - open-source transformer-based model that generates music from text prompts or existing melodies. Uses Residual Vector Quantization (RVQ) for efficient data compression and high audio quality. Produces coherent musical structures, especially with complex prompts; open-source nature allows for community improvements </a:t>
-            </a:r>
-            <a:r>
-              <a:rPr lang="en" sz="900">
-                <a:solidFill>
-                  <a:schemeClr val="dk1"/>
-                </a:solidFill>
-                <a:latin typeface="Calibri"/>
-                <a:ea typeface="Calibri"/>
-                <a:cs typeface="Calibri"/>
-                <a:sym typeface="Calibri"/>
-              </a:rPr>
-              <a:t>- </a:t>
-            </a:r>
-            <a:r>
-              <a:rPr lang="en" sz="900" u="sng">
-                <a:solidFill>
-                  <a:schemeClr val="hlink"/>
-                </a:solidFill>
-                <a:latin typeface="Calibri"/>
-                <a:ea typeface="Calibri"/>
-                <a:cs typeface="Calibri"/>
-                <a:sym typeface="Calibri"/>
-                <a:hlinkClick r:id="rId6"/>
-              </a:rPr>
-              <a:t>https://musicgen.com</a:t>
-            </a:r>
-            <a:r>
-              <a:rPr lang="en" sz="900">
-                <a:solidFill>
-                  <a:schemeClr val="dk1"/>
-                </a:solidFill>
-                <a:latin typeface="Calibri"/>
-                <a:ea typeface="Calibri"/>
-                <a:cs typeface="Calibri"/>
-                <a:sym typeface="Calibri"/>
-              </a:rPr>
-              <a:t> </a:t>
-            </a:r>
-            <a:endParaRPr sz="900">
-              <a:solidFill>
-                <a:schemeClr val="dk1"/>
-              </a:solidFill>
-              <a:latin typeface="Calibri"/>
-              <a:ea typeface="Calibri"/>
-              <a:cs typeface="Calibri"/>
-              <a:sym typeface="Calibri"/>
-            </a:endParaRPr>
-          </a:p>
-          <a:p>
-            <a:pPr marL="171450" marR="0" lvl="0" indent="-133350" algn="l" rtl="0">
-              <a:lnSpc>
-                <a:spcPct val="100000"/>
-              </a:lnSpc>
-              <a:spcBef>
-                <a:spcPts val="0"/>
-              </a:spcBef>
-              <a:spcAft>
-                <a:spcPts val="0"/>
-              </a:spcAft>
-              <a:buClr>
-                <a:schemeClr val="dk1"/>
-              </a:buClr>
-              <a:buSzPts val="1200"/>
-              <a:buFont typeface="Calibri"/>
-              <a:buChar char="●"/>
-            </a:pPr>
-            <a:r>
-              <a:rPr lang="en" sz="1200" b="1">
-                <a:solidFill>
-                  <a:srgbClr val="FF0000"/>
-                </a:solidFill>
-                <a:latin typeface="Calibri"/>
-                <a:ea typeface="Calibri"/>
-                <a:cs typeface="Calibri"/>
-                <a:sym typeface="Calibri"/>
-              </a:rPr>
-              <a:t>Stable Audio 2.0 by Stability AI</a:t>
-            </a:r>
-            <a:r>
-              <a:rPr lang="en" sz="1200">
-                <a:solidFill>
-                  <a:schemeClr val="dk1"/>
-                </a:solidFill>
-                <a:latin typeface="Calibri"/>
-                <a:ea typeface="Calibri"/>
-                <a:cs typeface="Calibri"/>
-                <a:sym typeface="Calibri"/>
-              </a:rPr>
-              <a:t> - generates high-quality audio tracks up to 3 minutes long from text prompts and supports audio-to-audio transformations; Trained on a licensed dataset from AudioSparx; Uses a highly compressed autoencoder and diffusion transformer for advanced sound design and style transfer. High-quality, long-form audio generation; supports remixing and style transfer </a:t>
-            </a:r>
-            <a:r>
-              <a:rPr lang="en" sz="900">
-                <a:solidFill>
-                  <a:schemeClr val="dk1"/>
-                </a:solidFill>
-                <a:latin typeface="Calibri"/>
-                <a:ea typeface="Calibri"/>
-                <a:cs typeface="Calibri"/>
-                <a:sym typeface="Calibri"/>
-              </a:rPr>
-              <a:t>- </a:t>
-            </a:r>
-            <a:r>
-              <a:rPr lang="en" sz="900" u="sng">
-                <a:solidFill>
-                  <a:schemeClr val="hlink"/>
-                </a:solidFill>
-                <a:latin typeface="Calibri"/>
-                <a:ea typeface="Calibri"/>
-                <a:cs typeface="Calibri"/>
-                <a:sym typeface="Calibri"/>
-                <a:hlinkClick r:id="rId7"/>
-              </a:rPr>
-              <a:t>https://stability.ai/stable-audio</a:t>
-            </a:r>
-            <a:r>
-              <a:rPr lang="en" sz="900">
-                <a:solidFill>
-                  <a:schemeClr val="dk1"/>
-                </a:solidFill>
-                <a:latin typeface="Calibri"/>
-                <a:ea typeface="Calibri"/>
-                <a:cs typeface="Calibri"/>
-                <a:sym typeface="Calibri"/>
-              </a:rPr>
-              <a:t> </a:t>
-            </a:r>
-            <a:endParaRPr sz="900">
-              <a:solidFill>
-                <a:schemeClr val="dk1"/>
-              </a:solidFill>
-              <a:latin typeface="Calibri"/>
-              <a:ea typeface="Calibri"/>
-              <a:cs typeface="Calibri"/>
-              <a:sym typeface="Calibri"/>
-            </a:endParaRPr>
-          </a:p>
-          <a:p>
-            <a:pPr marL="171450" marR="0" lvl="0" indent="-133350" algn="l" rtl="0">
-              <a:lnSpc>
-                <a:spcPct val="100000"/>
-              </a:lnSpc>
-              <a:spcBef>
-                <a:spcPts val="0"/>
-              </a:spcBef>
-              <a:spcAft>
-                <a:spcPts val="0"/>
-              </a:spcAft>
-              <a:buClr>
-                <a:schemeClr val="dk1"/>
-              </a:buClr>
-              <a:buSzPts val="1200"/>
-              <a:buFont typeface="Calibri"/>
-              <a:buChar char="●"/>
-            </a:pPr>
-            <a:r>
-              <a:rPr lang="en" sz="1200" b="1">
-                <a:solidFill>
-                  <a:srgbClr val="FF0000"/>
-                </a:solidFill>
-                <a:latin typeface="Calibri"/>
-                <a:ea typeface="Calibri"/>
-                <a:cs typeface="Calibri"/>
-                <a:sym typeface="Calibri"/>
-              </a:rPr>
-              <a:t>Project Music GenAI Control by Adobe</a:t>
-            </a:r>
-            <a:r>
-              <a:rPr lang="en" sz="1200">
-                <a:solidFill>
-                  <a:schemeClr val="dk1"/>
-                </a:solidFill>
-                <a:latin typeface="Calibri"/>
-                <a:ea typeface="Calibri"/>
-                <a:cs typeface="Calibri"/>
-                <a:sym typeface="Calibri"/>
-              </a:rPr>
-              <a:t> - detailed editing capabilities, allowing users to fine-tune tempo, intensity, and structure of AI-generated music; “pixel-level control” for music, enabling interactive editing and seamless loops; ideal for content creators needing precise musical fits; require  Adobe ecosystem integration</a:t>
-            </a:r>
-            <a:r>
-              <a:rPr lang="en" sz="900">
-                <a:solidFill>
-                  <a:schemeClr val="dk1"/>
-                </a:solidFill>
-                <a:latin typeface="Calibri"/>
-                <a:ea typeface="Calibri"/>
-                <a:cs typeface="Calibri"/>
-                <a:sym typeface="Calibri"/>
-              </a:rPr>
-              <a:t> - </a:t>
-            </a:r>
-            <a:r>
-              <a:rPr lang="en" sz="900" u="sng">
-                <a:solidFill>
-                  <a:schemeClr val="hlink"/>
-                </a:solidFill>
-                <a:latin typeface="Calibri"/>
-                <a:ea typeface="Calibri"/>
-                <a:cs typeface="Calibri"/>
-                <a:sym typeface="Calibri"/>
-                <a:hlinkClick r:id="rId8"/>
-              </a:rPr>
-              <a:t>https://research.adobe.com/video/project-music-genai-control/</a:t>
-            </a:r>
-            <a:r>
-              <a:rPr lang="en" sz="900">
-                <a:solidFill>
-                  <a:schemeClr val="dk1"/>
-                </a:solidFill>
-                <a:latin typeface="Calibri"/>
-                <a:ea typeface="Calibri"/>
-                <a:cs typeface="Calibri"/>
-                <a:sym typeface="Calibri"/>
-              </a:rPr>
-              <a:t> </a:t>
-            </a:r>
-            <a:endParaRPr sz="900">
-              <a:solidFill>
-                <a:schemeClr val="dk1"/>
-              </a:solidFill>
-              <a:latin typeface="Calibri"/>
-              <a:ea typeface="Calibri"/>
-              <a:cs typeface="Calibri"/>
-              <a:sym typeface="Calibri"/>
-            </a:endParaRPr>
-          </a:p>
-        </p:txBody>
-      </p:sp>
-      <p:sp>
-        <p:nvSpPr>
-          <p:cNvPr id="271" name="Google Shape;271;p31"/>
-          <p:cNvSpPr txBox="1"/>
-          <p:nvPr/>
-        </p:nvSpPr>
-        <p:spPr>
-          <a:xfrm>
-            <a:off x="4720075" y="607775"/>
-            <a:ext cx="4308000" cy="2235000"/>
-          </a:xfrm>
-          <a:prstGeom prst="rect">
-            <a:avLst/>
-          </a:prstGeom>
-          <a:solidFill>
-            <a:srgbClr val="FFF2CC"/>
-          </a:solidFill>
-          <a:ln w="9525" cap="flat" cmpd="sng">
-            <a:solidFill>
-              <a:srgbClr val="FF0000"/>
-            </a:solidFill>
-            <a:prstDash val="solid"/>
-            <a:round/>
-            <a:headEnd type="none" w="sm" len="sm"/>
-            <a:tailEnd type="none" w="sm" len="sm"/>
-          </a:ln>
-        </p:spPr>
-        <p:txBody>
-          <a:bodyPr spcFirstLastPara="1" wrap="square" lIns="0" tIns="9125" rIns="9125" bIns="9125" anchor="t" anchorCtr="0">
-            <a:spAutoFit/>
-          </a:bodyPr>
-          <a:lstStyle/>
-          <a:p>
-            <a:pPr marL="171450" marR="0" lvl="0" indent="-133350" algn="l" rtl="0">
-              <a:lnSpc>
-                <a:spcPct val="100000"/>
-              </a:lnSpc>
-              <a:spcBef>
-                <a:spcPts val="0"/>
-              </a:spcBef>
-              <a:spcAft>
-                <a:spcPts val="0"/>
-              </a:spcAft>
-              <a:buClr>
-                <a:schemeClr val="dk1"/>
-              </a:buClr>
-              <a:buSzPts val="1200"/>
-              <a:buFont typeface="Calibri"/>
-              <a:buChar char="●"/>
-            </a:pPr>
-            <a:r>
-              <a:rPr lang="en" sz="1200" b="1">
-                <a:solidFill>
-                  <a:srgbClr val="FF0000"/>
-                </a:solidFill>
-                <a:latin typeface="Calibri"/>
-                <a:ea typeface="Calibri"/>
-                <a:cs typeface="Calibri"/>
-                <a:sym typeface="Calibri"/>
-              </a:rPr>
-              <a:t>Suno AI </a:t>
-            </a:r>
-            <a:r>
-              <a:rPr lang="en" sz="1200">
-                <a:solidFill>
-                  <a:schemeClr val="dk1"/>
-                </a:solidFill>
-                <a:latin typeface="Calibri"/>
-                <a:ea typeface="Calibri"/>
-                <a:cs typeface="Calibri"/>
-                <a:sym typeface="Calibri"/>
-              </a:rPr>
-              <a:t>- Song Generator - Complete songs with vocals, mobile app, custom mode - Free (50 credits/day), $8/mo</a:t>
-            </a:r>
-            <a:endParaRPr sz="1200">
-              <a:solidFill>
-                <a:schemeClr val="dk1"/>
-              </a:solidFill>
-              <a:latin typeface="Calibri"/>
-              <a:ea typeface="Calibri"/>
-              <a:cs typeface="Calibri"/>
-              <a:sym typeface="Calibri"/>
-            </a:endParaRPr>
-          </a:p>
-          <a:p>
-            <a:pPr marL="171450" marR="0" lvl="0" indent="-133350" algn="l" rtl="0">
-              <a:lnSpc>
-                <a:spcPct val="100000"/>
-              </a:lnSpc>
-              <a:spcBef>
-                <a:spcPts val="0"/>
-              </a:spcBef>
-              <a:spcAft>
-                <a:spcPts val="0"/>
-              </a:spcAft>
-              <a:buClr>
-                <a:schemeClr val="dk1"/>
-              </a:buClr>
-              <a:buSzPts val="1200"/>
-              <a:buFont typeface="Calibri"/>
-              <a:buChar char="●"/>
-            </a:pPr>
-            <a:r>
-              <a:rPr lang="en" sz="1200" b="1">
-                <a:solidFill>
-                  <a:srgbClr val="FF0000"/>
-                </a:solidFill>
-                <a:latin typeface="Calibri"/>
-                <a:ea typeface="Calibri"/>
-                <a:cs typeface="Calibri"/>
-                <a:sym typeface="Calibri"/>
-              </a:rPr>
-              <a:t>Boomy</a:t>
-            </a:r>
-            <a:r>
-              <a:rPr lang="en" sz="1200">
-                <a:solidFill>
-                  <a:schemeClr val="dk1"/>
-                </a:solidFill>
-                <a:latin typeface="Calibri"/>
-                <a:ea typeface="Calibri"/>
-                <a:cs typeface="Calibri"/>
-                <a:sym typeface="Calibri"/>
-              </a:rPr>
-              <a:t> - Music Generator Instant genre-based song creation, Spotify release - Free (25 saves/month), $9.99/mo</a:t>
-            </a:r>
-            <a:endParaRPr sz="1200">
-              <a:solidFill>
-                <a:schemeClr val="dk1"/>
-              </a:solidFill>
-              <a:latin typeface="Calibri"/>
-              <a:ea typeface="Calibri"/>
-              <a:cs typeface="Calibri"/>
-              <a:sym typeface="Calibri"/>
-            </a:endParaRPr>
-          </a:p>
-          <a:p>
-            <a:pPr marL="171450" marR="0" lvl="0" indent="-133350" algn="l" rtl="0">
-              <a:lnSpc>
-                <a:spcPct val="100000"/>
-              </a:lnSpc>
-              <a:spcBef>
-                <a:spcPts val="0"/>
-              </a:spcBef>
-              <a:spcAft>
-                <a:spcPts val="0"/>
-              </a:spcAft>
-              <a:buClr>
-                <a:schemeClr val="dk1"/>
-              </a:buClr>
-              <a:buSzPts val="1200"/>
-              <a:buFont typeface="Calibri"/>
-              <a:buChar char="●"/>
-            </a:pPr>
-            <a:r>
-              <a:rPr lang="en" sz="1200" b="1">
-                <a:solidFill>
-                  <a:srgbClr val="FF0000"/>
-                </a:solidFill>
-                <a:latin typeface="Calibri"/>
-                <a:ea typeface="Calibri"/>
-                <a:cs typeface="Calibri"/>
-                <a:sym typeface="Calibri"/>
-              </a:rPr>
-              <a:t>Soundraw.io</a:t>
-            </a:r>
-            <a:r>
-              <a:rPr lang="en" sz="1200">
-                <a:solidFill>
-                  <a:schemeClr val="dk1"/>
-                </a:solidFill>
-                <a:latin typeface="Calibri"/>
-                <a:ea typeface="Calibri"/>
-                <a:cs typeface="Calibri"/>
-                <a:sym typeface="Calibri"/>
-              </a:rPr>
-              <a:t> - Music Generator Customizable music for videos, games - Free plan, $16.99/mo</a:t>
-            </a:r>
-            <a:endParaRPr sz="1200">
-              <a:solidFill>
-                <a:schemeClr val="dk1"/>
-              </a:solidFill>
-              <a:latin typeface="Calibri"/>
-              <a:ea typeface="Calibri"/>
-              <a:cs typeface="Calibri"/>
-              <a:sym typeface="Calibri"/>
-            </a:endParaRPr>
-          </a:p>
-          <a:p>
-            <a:pPr marL="171450" marR="0" lvl="0" indent="-133350" algn="l" rtl="0">
-              <a:lnSpc>
-                <a:spcPct val="100000"/>
-              </a:lnSpc>
-              <a:spcBef>
-                <a:spcPts val="0"/>
-              </a:spcBef>
-              <a:spcAft>
-                <a:spcPts val="0"/>
-              </a:spcAft>
-              <a:buClr>
-                <a:schemeClr val="dk1"/>
-              </a:buClr>
-              <a:buSzPts val="1200"/>
-              <a:buFont typeface="Calibri"/>
-              <a:buChar char="●"/>
-            </a:pPr>
-            <a:r>
-              <a:rPr lang="en" sz="1200" b="1">
-                <a:solidFill>
-                  <a:srgbClr val="FF0000"/>
-                </a:solidFill>
-                <a:latin typeface="Calibri"/>
-                <a:ea typeface="Calibri"/>
-                <a:cs typeface="Calibri"/>
-                <a:sym typeface="Calibri"/>
-              </a:rPr>
-              <a:t>Mubert</a:t>
-            </a:r>
-            <a:r>
-              <a:rPr lang="en" sz="1200">
-                <a:solidFill>
-                  <a:schemeClr val="dk1"/>
-                </a:solidFill>
-                <a:latin typeface="Calibri"/>
-                <a:ea typeface="Calibri"/>
-                <a:cs typeface="Calibri"/>
-                <a:sym typeface="Calibri"/>
-              </a:rPr>
-              <a:t> - Music Generator Royalty-free music, API for developers - Free plan, $11.69/mo</a:t>
-            </a:r>
-            <a:endParaRPr sz="1200">
-              <a:solidFill>
-                <a:schemeClr val="dk1"/>
-              </a:solidFill>
-              <a:latin typeface="Calibri"/>
-              <a:ea typeface="Calibri"/>
-              <a:cs typeface="Calibri"/>
-              <a:sym typeface="Calibri"/>
-            </a:endParaRPr>
-          </a:p>
-          <a:p>
-            <a:pPr marL="171450" marR="0" lvl="0" indent="-133350" algn="l" rtl="0">
-              <a:lnSpc>
-                <a:spcPct val="100000"/>
-              </a:lnSpc>
-              <a:spcBef>
-                <a:spcPts val="0"/>
-              </a:spcBef>
-              <a:spcAft>
-                <a:spcPts val="0"/>
-              </a:spcAft>
-              <a:buClr>
-                <a:schemeClr val="dk1"/>
-              </a:buClr>
-              <a:buSzPts val="1200"/>
-              <a:buFont typeface="Calibri"/>
-              <a:buChar char="●"/>
-            </a:pPr>
-            <a:r>
-              <a:rPr lang="en" sz="1200" b="1">
-                <a:solidFill>
-                  <a:srgbClr val="FF0000"/>
-                </a:solidFill>
-                <a:latin typeface="Calibri"/>
-                <a:ea typeface="Calibri"/>
-                <a:cs typeface="Calibri"/>
-                <a:sym typeface="Calibri"/>
-              </a:rPr>
-              <a:t>Loudly  Music Generator</a:t>
-            </a:r>
-            <a:r>
-              <a:rPr lang="en" sz="1200">
-                <a:solidFill>
-                  <a:schemeClr val="dk1"/>
-                </a:solidFill>
-                <a:latin typeface="Calibri"/>
-                <a:ea typeface="Calibri"/>
-                <a:cs typeface="Calibri"/>
-                <a:sym typeface="Calibri"/>
-              </a:rPr>
-              <a:t> - High audio quality, customizable effects    Free (1 download/month), $5.99/mo</a:t>
-            </a:r>
-            <a:endParaRPr sz="1200">
-              <a:solidFill>
-                <a:schemeClr val="dk1"/>
-              </a:solidFill>
-              <a:latin typeface="Calibri"/>
-              <a:ea typeface="Calibri"/>
-              <a:cs typeface="Calibri"/>
-              <a:sym typeface="Calibri"/>
-            </a:endParaRPr>
-          </a:p>
-          <a:p>
-            <a:pPr marL="171450" marR="0" lvl="0" indent="-133350" algn="l" rtl="0">
-              <a:lnSpc>
-                <a:spcPct val="100000"/>
-              </a:lnSpc>
-              <a:spcBef>
-                <a:spcPts val="0"/>
-              </a:spcBef>
-              <a:spcAft>
-                <a:spcPts val="0"/>
-              </a:spcAft>
-              <a:buClr>
-                <a:schemeClr val="dk1"/>
-              </a:buClr>
-              <a:buSzPts val="1200"/>
-              <a:buFont typeface="Calibri"/>
-              <a:buChar char="●"/>
-            </a:pPr>
-            <a:r>
-              <a:rPr lang="en" sz="1200" b="1">
-                <a:solidFill>
-                  <a:srgbClr val="FF0000"/>
-                </a:solidFill>
-                <a:latin typeface="Calibri"/>
-                <a:ea typeface="Calibri"/>
-                <a:cs typeface="Calibri"/>
-                <a:sym typeface="Calibri"/>
-              </a:rPr>
-              <a:t>Splash Pro Music Generator</a:t>
-            </a:r>
-            <a:r>
-              <a:rPr lang="en" sz="1200">
-                <a:solidFill>
-                  <a:schemeClr val="dk1"/>
-                </a:solidFill>
-                <a:latin typeface="Calibri"/>
-                <a:ea typeface="Calibri"/>
-                <a:cs typeface="Calibri"/>
-                <a:sym typeface="Calibri"/>
-              </a:rPr>
-              <a:t> - Royalty-free music, AI voice training   Free (unlimited 60s songs), $8/mo</a:t>
-            </a:r>
-            <a:endParaRPr sz="1200">
-              <a:solidFill>
-                <a:schemeClr val="dk1"/>
-              </a:solidFill>
-              <a:latin typeface="Calibri"/>
-              <a:ea typeface="Calibri"/>
-              <a:cs typeface="Calibri"/>
-              <a:sym typeface="Calibri"/>
-            </a:endParaRPr>
-          </a:p>
-        </p:txBody>
-      </p:sp>
-      <p:pic>
-        <p:nvPicPr>
-          <p:cNvPr id="272" name="Google Shape;272;p31"/>
-          <p:cNvPicPr preferRelativeResize="0"/>
-          <p:nvPr/>
-        </p:nvPicPr>
-        <p:blipFill>
-          <a:blip r:embed="rId9">
-            <a:alphaModFix/>
-          </a:blip>
-          <a:stretch>
-            <a:fillRect/>
-          </a:stretch>
-        </p:blipFill>
-        <p:spPr>
-          <a:xfrm>
-            <a:off x="4720075" y="3039900"/>
-            <a:ext cx="2828925" cy="1619250"/>
-          </a:xfrm>
-          <a:prstGeom prst="rect">
-            <a:avLst/>
-          </a:prstGeom>
-          <a:noFill/>
-          <a:ln w="9525" cap="flat" cmpd="sng">
-            <a:solidFill>
-              <a:srgbClr val="FF0000"/>
-            </a:solidFill>
-            <a:prstDash val="solid"/>
-            <a:round/>
-            <a:headEnd type="none" w="sm" len="sm"/>
-            <a:tailEnd type="none" w="sm" len="sm"/>
-          </a:ln>
-        </p:spPr>
-      </p:pic>
-    </p:spTree>
-  </p:cSld>
-  <p:clrMapOvr>
-    <a:masterClrMapping/>
-  </p:clrMapOvr>
-</p:sld>
-</file>
-
-<file path=ppt/slides/slide18.xml><?xml version="1.0" encoding="utf-8"?>
-<p:sld xmlns:a="http://schemas.openxmlformats.org/drawingml/2006/main" xmlns:r="http://schemas.openxmlformats.org/officeDocument/2006/relationships" xmlns:p="http://schemas.openxmlformats.org/presentationml/2006/main">
-  <p:cSld>
-    <p:spTree>
-      <p:nvGrpSpPr>
-        <p:cNvPr id="1" name="Shape 276"/>
-        <p:cNvGrpSpPr/>
-        <p:nvPr/>
-      </p:nvGrpSpPr>
-      <p:grpSpPr>
-        <a:xfrm>
-          <a:off x="0" y="0"/>
-          <a:ext cx="0" cy="0"/>
-          <a:chOff x="0" y="0"/>
-          <a:chExt cx="0" cy="0"/>
-        </a:xfrm>
-      </p:grpSpPr>
-      <p:sp>
-        <p:nvSpPr>
-          <p:cNvPr id="277" name="Google Shape;277;p32"/>
-          <p:cNvSpPr txBox="1"/>
-          <p:nvPr/>
-        </p:nvSpPr>
-        <p:spPr>
-          <a:xfrm>
-            <a:off x="67350" y="52750"/>
-            <a:ext cx="3179400" cy="326400"/>
-          </a:xfrm>
-          <a:prstGeom prst="rect">
-            <a:avLst/>
-          </a:prstGeom>
-          <a:noFill/>
-          <a:ln>
-            <a:noFill/>
-          </a:ln>
-        </p:spPr>
-        <p:txBody>
-          <a:bodyPr spcFirstLastPara="1" wrap="square" lIns="9125" tIns="9125" rIns="9125" bIns="9125" anchor="t" anchorCtr="0">
-            <a:spAutoFit/>
-          </a:bodyPr>
-          <a:lstStyle/>
-          <a:p>
-            <a:pPr marL="0" marR="0" lvl="0" indent="0" algn="l" rtl="0">
-              <a:lnSpc>
-                <a:spcPct val="100000"/>
-              </a:lnSpc>
-              <a:spcBef>
-                <a:spcPts val="0"/>
-              </a:spcBef>
-              <a:spcAft>
-                <a:spcPts val="0"/>
-              </a:spcAft>
-              <a:buClr>
-                <a:schemeClr val="dk1"/>
-              </a:buClr>
-              <a:buSzPts val="1100"/>
-              <a:buFont typeface="Arial"/>
-              <a:buNone/>
-            </a:pPr>
-            <a:r>
-              <a:rPr lang="en" sz="2000" b="1" i="0" u="none" strike="noStrike" cap="none">
-                <a:solidFill>
-                  <a:schemeClr val="dk1"/>
-                </a:solidFill>
-                <a:latin typeface="Calibri"/>
-                <a:ea typeface="Calibri"/>
-                <a:cs typeface="Calibri"/>
-                <a:sym typeface="Calibri"/>
-              </a:rPr>
-              <a:t>Jobs</a:t>
-            </a:r>
-            <a:endParaRPr sz="2000" b="1" i="0" u="none" strike="noStrike" cap="none">
-              <a:solidFill>
-                <a:schemeClr val="dk1"/>
-              </a:solidFill>
-              <a:latin typeface="Calibri"/>
-              <a:ea typeface="Calibri"/>
-              <a:cs typeface="Calibri"/>
-              <a:sym typeface="Calibri"/>
-            </a:endParaRPr>
-          </a:p>
-        </p:txBody>
-      </p:sp>
-      <p:sp>
-        <p:nvSpPr>
-          <p:cNvPr id="278" name="Google Shape;278;p32"/>
-          <p:cNvSpPr txBox="1"/>
-          <p:nvPr/>
-        </p:nvSpPr>
-        <p:spPr>
-          <a:xfrm>
-            <a:off x="2102050" y="153675"/>
-            <a:ext cx="1800600" cy="387900"/>
-          </a:xfrm>
-          <a:prstGeom prst="rect">
-            <a:avLst/>
-          </a:prstGeom>
-          <a:solidFill>
-            <a:srgbClr val="FFF2CC"/>
-          </a:solidFill>
-          <a:ln w="9525" cap="flat" cmpd="sng">
-            <a:solidFill>
-              <a:srgbClr val="FF0000"/>
-            </a:solidFill>
-            <a:prstDash val="solid"/>
-            <a:round/>
-            <a:headEnd type="none" w="sm" len="sm"/>
-            <a:tailEnd type="none" w="sm" len="sm"/>
-          </a:ln>
-        </p:spPr>
-        <p:txBody>
-          <a:bodyPr spcFirstLastPara="1" wrap="square" lIns="9125" tIns="9125" rIns="9125" bIns="9125" anchor="t" anchorCtr="0">
-            <a:spAutoFit/>
-          </a:bodyPr>
-          <a:lstStyle/>
-          <a:p>
-            <a:pPr marL="171450" marR="0" lvl="0" indent="-133350" algn="l" rtl="0">
-              <a:lnSpc>
-                <a:spcPct val="100000"/>
-              </a:lnSpc>
-              <a:spcBef>
-                <a:spcPts val="0"/>
-              </a:spcBef>
-              <a:spcAft>
-                <a:spcPts val="0"/>
-              </a:spcAft>
-              <a:buSzPts val="1200"/>
-              <a:buFont typeface="Calibri"/>
-              <a:buChar char="●"/>
-            </a:pPr>
-            <a:r>
-              <a:rPr lang="en" sz="1200" b="0" i="0" u="sng" strike="noStrike" cap="none">
-                <a:solidFill>
-                  <a:schemeClr val="hlink"/>
-                </a:solidFill>
-                <a:latin typeface="Calibri"/>
-                <a:ea typeface="Calibri"/>
-                <a:cs typeface="Calibri"/>
-                <a:sym typeface="Calibri"/>
-                <a:hlinkClick r:id="rId3"/>
-              </a:rPr>
-              <a:t>https://layoffs.fyi</a:t>
-            </a:r>
-            <a:endParaRPr sz="1200">
-              <a:latin typeface="Calibri"/>
-              <a:ea typeface="Calibri"/>
-              <a:cs typeface="Calibri"/>
-              <a:sym typeface="Calibri"/>
-            </a:endParaRPr>
-          </a:p>
-          <a:p>
-            <a:pPr marL="171450" marR="0" lvl="0" indent="-133350" algn="l" rtl="0">
-              <a:lnSpc>
-                <a:spcPct val="100000"/>
-              </a:lnSpc>
-              <a:spcBef>
-                <a:spcPts val="0"/>
-              </a:spcBef>
-              <a:spcAft>
-                <a:spcPts val="0"/>
-              </a:spcAft>
-              <a:buSzPts val="1200"/>
-              <a:buFont typeface="Calibri"/>
-              <a:buChar char="●"/>
-            </a:pPr>
-            <a:r>
-              <a:rPr lang="en" sz="1200" u="sng">
-                <a:solidFill>
-                  <a:schemeClr val="hlink"/>
-                </a:solidFill>
-                <a:latin typeface="Calibri"/>
-                <a:ea typeface="Calibri"/>
-                <a:cs typeface="Calibri"/>
-                <a:sym typeface="Calibri"/>
-                <a:hlinkClick r:id="rId4"/>
-              </a:rPr>
-              <a:t>https://trueup.io/layoffs</a:t>
-            </a:r>
-            <a:r>
-              <a:rPr lang="en" sz="1200">
-                <a:latin typeface="Calibri"/>
-                <a:ea typeface="Calibri"/>
-                <a:cs typeface="Calibri"/>
-                <a:sym typeface="Calibri"/>
-              </a:rPr>
-              <a:t> </a:t>
-            </a:r>
-            <a:r>
-              <a:rPr lang="en" sz="1200" b="0" i="0" u="none" strike="noStrike" cap="none">
-                <a:solidFill>
-                  <a:srgbClr val="000000"/>
-                </a:solidFill>
-                <a:latin typeface="Calibri"/>
-                <a:ea typeface="Calibri"/>
-                <a:cs typeface="Calibri"/>
-                <a:sym typeface="Calibri"/>
-              </a:rPr>
-              <a:t> </a:t>
-            </a:r>
-            <a:endParaRPr sz="1200" b="0" i="0" u="none" strike="noStrike" cap="none">
-              <a:solidFill>
-                <a:srgbClr val="000000"/>
-              </a:solidFill>
-              <a:latin typeface="Calibri"/>
-              <a:ea typeface="Calibri"/>
-              <a:cs typeface="Calibri"/>
-              <a:sym typeface="Calibri"/>
-            </a:endParaRPr>
-          </a:p>
-        </p:txBody>
-      </p:sp>
-      <p:pic>
-        <p:nvPicPr>
-          <p:cNvPr id="279" name="Google Shape;279;p32"/>
-          <p:cNvPicPr preferRelativeResize="0"/>
-          <p:nvPr/>
-        </p:nvPicPr>
-        <p:blipFill>
-          <a:blip r:embed="rId5" cstate="email">
-            <a:alphaModFix/>
-            <a:extLst>
-              <a:ext uri="{28A0092B-C50C-407E-A947-70E740481C1C}">
-                <a14:useLocalDpi xmlns:a14="http://schemas.microsoft.com/office/drawing/2010/main"/>
-              </a:ext>
-            </a:extLst>
-          </a:blip>
-          <a:stretch>
-            <a:fillRect/>
-          </a:stretch>
-        </p:blipFill>
-        <p:spPr>
-          <a:xfrm>
-            <a:off x="81950" y="3082075"/>
-            <a:ext cx="4779675" cy="1973074"/>
-          </a:xfrm>
-          <a:prstGeom prst="rect">
-            <a:avLst/>
-          </a:prstGeom>
-          <a:noFill/>
-          <a:ln w="9525" cap="flat" cmpd="sng">
-            <a:solidFill>
-              <a:srgbClr val="FF0000"/>
-            </a:solidFill>
-            <a:prstDash val="solid"/>
-            <a:round/>
-            <a:headEnd type="none" w="sm" len="sm"/>
-            <a:tailEnd type="none" w="sm" len="sm"/>
-          </a:ln>
-        </p:spPr>
-      </p:pic>
-      <p:pic>
-        <p:nvPicPr>
-          <p:cNvPr id="280" name="Google Shape;280;p32"/>
-          <p:cNvPicPr preferRelativeResize="0"/>
-          <p:nvPr/>
-        </p:nvPicPr>
-        <p:blipFill>
-          <a:blip r:embed="rId6" cstate="email">
-            <a:alphaModFix/>
-            <a:extLst>
-              <a:ext uri="{28A0092B-C50C-407E-A947-70E740481C1C}">
-                <a14:useLocalDpi xmlns:a14="http://schemas.microsoft.com/office/drawing/2010/main"/>
-              </a:ext>
-            </a:extLst>
-          </a:blip>
-          <a:stretch>
-            <a:fillRect/>
-          </a:stretch>
-        </p:blipFill>
-        <p:spPr>
-          <a:xfrm>
-            <a:off x="81950" y="661013"/>
-            <a:ext cx="4531627" cy="2301632"/>
-          </a:xfrm>
-          <a:prstGeom prst="rect">
-            <a:avLst/>
-          </a:prstGeom>
-          <a:noFill/>
-          <a:ln w="9525" cap="flat" cmpd="sng">
-            <a:solidFill>
-              <a:srgbClr val="FF0000"/>
-            </a:solidFill>
-            <a:prstDash val="solid"/>
-            <a:round/>
-            <a:headEnd type="none" w="sm" len="sm"/>
-            <a:tailEnd type="none" w="sm" len="sm"/>
-          </a:ln>
-        </p:spPr>
-      </p:pic>
-    </p:spTree>
-  </p:cSld>
-  <p:clrMapOvr>
-    <a:masterClrMapping/>
-  </p:clrMapOvr>
-</p:sld>
-</file>
-
-<file path=ppt/slides/slide19.xml><?xml version="1.0" encoding="utf-8"?>
-<p:sld xmlns:a="http://schemas.openxmlformats.org/drawingml/2006/main" xmlns:r="http://schemas.openxmlformats.org/officeDocument/2006/relationships" xmlns:p="http://schemas.openxmlformats.org/presentationml/2006/main">
-  <p:cSld>
-    <p:spTree>
-      <p:nvGrpSpPr>
-        <p:cNvPr id="1" name="Shape 284"/>
-        <p:cNvGrpSpPr/>
-        <p:nvPr/>
-      </p:nvGrpSpPr>
-      <p:grpSpPr>
-        <a:xfrm>
-          <a:off x="0" y="0"/>
-          <a:ext cx="0" cy="0"/>
-          <a:chOff x="0" y="0"/>
-          <a:chExt cx="0" cy="0"/>
-        </a:xfrm>
-      </p:grpSpPr>
-      <p:pic>
-        <p:nvPicPr>
-          <p:cNvPr id="285" name="Google Shape;285;p33"/>
-          <p:cNvPicPr preferRelativeResize="0"/>
-          <p:nvPr/>
-        </p:nvPicPr>
-        <p:blipFill rotWithShape="1">
-          <a:blip r:embed="rId3" cstate="email">
-            <a:alphaModFix/>
-            <a:extLst>
-              <a:ext uri="{28A0092B-C50C-407E-A947-70E740481C1C}">
-                <a14:useLocalDpi xmlns:a14="http://schemas.microsoft.com/office/drawing/2010/main"/>
-              </a:ext>
-            </a:extLst>
-          </a:blip>
-          <a:srcRect/>
-          <a:stretch/>
-        </p:blipFill>
-        <p:spPr>
-          <a:xfrm>
-            <a:off x="605238" y="1203525"/>
-            <a:ext cx="1570556" cy="1570556"/>
-          </a:xfrm>
-          <a:prstGeom prst="rect">
-            <a:avLst/>
-          </a:prstGeom>
-          <a:noFill/>
-          <a:ln>
-            <a:noFill/>
-          </a:ln>
-        </p:spPr>
-      </p:pic>
-      <p:sp>
-        <p:nvSpPr>
-          <p:cNvPr id="286" name="Google Shape;286;p33"/>
-          <p:cNvSpPr txBox="1"/>
-          <p:nvPr/>
-        </p:nvSpPr>
-        <p:spPr>
-          <a:xfrm>
-            <a:off x="-25625" y="-14775"/>
-            <a:ext cx="3355800" cy="569400"/>
-          </a:xfrm>
-          <a:prstGeom prst="rect">
-            <a:avLst/>
-          </a:prstGeom>
-          <a:noFill/>
-          <a:ln>
-            <a:noFill/>
-          </a:ln>
-        </p:spPr>
-        <p:txBody>
-          <a:bodyPr spcFirstLastPara="1" wrap="square" lIns="91425" tIns="91425" rIns="91425" bIns="91425" anchor="t" anchorCtr="0">
-            <a:spAutoFit/>
-          </a:bodyPr>
-          <a:lstStyle/>
-          <a:p>
-            <a:pPr marL="0" marR="0" lvl="0" indent="0" algn="l" rtl="0">
-              <a:lnSpc>
-                <a:spcPct val="100000"/>
-              </a:lnSpc>
-              <a:spcBef>
-                <a:spcPts val="0"/>
-              </a:spcBef>
-              <a:spcAft>
-                <a:spcPts val="0"/>
-              </a:spcAft>
-              <a:buClr>
-                <a:srgbClr val="000000"/>
-              </a:buClr>
-              <a:buSzPts val="2500"/>
-              <a:buFont typeface="Arial"/>
-              <a:buNone/>
-            </a:pPr>
-            <a:r>
-              <a:rPr lang="en" sz="2500" b="1" i="0" u="none" strike="noStrike" cap="none">
-                <a:solidFill>
-                  <a:srgbClr val="000000"/>
-                </a:solidFill>
-                <a:latin typeface="Calibri"/>
-                <a:ea typeface="Calibri"/>
-                <a:cs typeface="Calibri"/>
-                <a:sym typeface="Calibri"/>
-              </a:rPr>
-              <a:t>About the Speaker</a:t>
-            </a:r>
-            <a:endParaRPr sz="2500" b="1" i="0" u="none" strike="noStrike" cap="none">
-              <a:solidFill>
-                <a:srgbClr val="000000"/>
-              </a:solidFill>
-              <a:latin typeface="Calibri"/>
-              <a:ea typeface="Calibri"/>
-              <a:cs typeface="Calibri"/>
-              <a:sym typeface="Calibri"/>
-            </a:endParaRPr>
-          </a:p>
-        </p:txBody>
-      </p:sp>
-      <p:sp>
-        <p:nvSpPr>
-          <p:cNvPr id="287" name="Google Shape;287;p33"/>
-          <p:cNvSpPr txBox="1"/>
-          <p:nvPr/>
-        </p:nvSpPr>
-        <p:spPr>
-          <a:xfrm>
-            <a:off x="3330175" y="878750"/>
-            <a:ext cx="5621700" cy="3309300"/>
-          </a:xfrm>
-          <a:prstGeom prst="rect">
-            <a:avLst/>
-          </a:prstGeom>
-          <a:noFill/>
-          <a:ln>
-            <a:noFill/>
-          </a:ln>
-        </p:spPr>
-        <p:txBody>
-          <a:bodyPr spcFirstLastPara="1" wrap="square" lIns="91425" tIns="91425" rIns="91425" bIns="91425" anchor="t" anchorCtr="0">
-            <a:spAutoFit/>
-          </a:bodyPr>
-          <a:lstStyle/>
-          <a:p>
-            <a:pPr marL="0" marR="0" lvl="0" indent="0" algn="l" rtl="0">
-              <a:lnSpc>
-                <a:spcPct val="100000"/>
-              </a:lnSpc>
-              <a:spcBef>
-                <a:spcPts val="0"/>
-              </a:spcBef>
-              <a:spcAft>
-                <a:spcPts val="0"/>
-              </a:spcAft>
-              <a:buClr>
-                <a:schemeClr val="dk1"/>
-              </a:buClr>
-              <a:buSzPts val="1100"/>
-              <a:buFont typeface="Arial"/>
-              <a:buNone/>
-            </a:pPr>
-            <a:r>
-              <a:rPr lang="en" sz="2500" b="1" i="0" u="none" strike="noStrike" cap="none">
-                <a:solidFill>
-                  <a:srgbClr val="000000"/>
-                </a:solidFill>
-                <a:latin typeface="Calibri"/>
-                <a:ea typeface="Calibri"/>
-                <a:cs typeface="Calibri"/>
-                <a:sym typeface="Calibri"/>
-              </a:rPr>
-              <a:t>Lev Selector, Ph.D.</a:t>
-            </a:r>
-            <a:endParaRPr sz="2500" b="1" i="0" u="none" strike="noStrike" cap="none">
-              <a:solidFill>
-                <a:srgbClr val="000000"/>
-              </a:solidFill>
-              <a:latin typeface="Calibri"/>
-              <a:ea typeface="Calibri"/>
-              <a:cs typeface="Calibri"/>
-              <a:sym typeface="Calibri"/>
-            </a:endParaRPr>
-          </a:p>
-          <a:p>
-            <a:pPr marL="0" marR="0" lvl="0" indent="0" algn="l" rtl="0">
-              <a:lnSpc>
-                <a:spcPct val="100000"/>
-              </a:lnSpc>
-              <a:spcBef>
-                <a:spcPts val="0"/>
-              </a:spcBef>
-              <a:spcAft>
-                <a:spcPts val="0"/>
-              </a:spcAft>
-              <a:buClr>
-                <a:schemeClr val="dk1"/>
-              </a:buClr>
-              <a:buSzPts val="1100"/>
-              <a:buFont typeface="Arial"/>
-              <a:buNone/>
-            </a:pPr>
-            <a:endParaRPr sz="1800" b="0" i="0" u="none" strike="noStrike" cap="none">
-              <a:solidFill>
-                <a:srgbClr val="000000"/>
-              </a:solidFill>
-              <a:latin typeface="Calibri"/>
-              <a:ea typeface="Calibri"/>
-              <a:cs typeface="Calibri"/>
-              <a:sym typeface="Calibri"/>
-            </a:endParaRPr>
-          </a:p>
-          <a:p>
-            <a:pPr marL="457200" marR="0" lvl="0" indent="-330200" algn="l" rtl="0">
-              <a:lnSpc>
-                <a:spcPct val="100000"/>
-              </a:lnSpc>
-              <a:spcBef>
-                <a:spcPts val="0"/>
-              </a:spcBef>
-              <a:spcAft>
-                <a:spcPts val="0"/>
-              </a:spcAft>
-              <a:buClr>
-                <a:srgbClr val="000000"/>
-              </a:buClr>
-              <a:buSzPts val="1600"/>
-              <a:buFont typeface="Calibri"/>
-              <a:buChar char="●"/>
-            </a:pPr>
-            <a:r>
-              <a:rPr lang="en" sz="1600" b="0" i="0" u="none" strike="noStrike" cap="none">
-                <a:solidFill>
-                  <a:schemeClr val="dk1"/>
-                </a:solidFill>
-                <a:latin typeface="Calibri"/>
-                <a:ea typeface="Calibri"/>
-                <a:cs typeface="Calibri"/>
-                <a:sym typeface="Calibri"/>
-              </a:rPr>
-              <a:t>40+ years of software engineering, data science, and building teams (hiring, training, and managing)</a:t>
-            </a:r>
-            <a:endParaRPr sz="1600" b="0" i="0" u="none" strike="noStrike" cap="none">
-              <a:solidFill>
-                <a:schemeClr val="dk1"/>
-              </a:solidFill>
-              <a:latin typeface="Calibri"/>
-              <a:ea typeface="Calibri"/>
-              <a:cs typeface="Calibri"/>
-              <a:sym typeface="Calibri"/>
-            </a:endParaRPr>
-          </a:p>
-          <a:p>
-            <a:pPr marL="457200" marR="0" lvl="0" indent="-330200" algn="l" rtl="0">
-              <a:lnSpc>
-                <a:spcPct val="100000"/>
-              </a:lnSpc>
-              <a:spcBef>
-                <a:spcPts val="0"/>
-              </a:spcBef>
-              <a:spcAft>
-                <a:spcPts val="0"/>
-              </a:spcAft>
-              <a:buClr>
-                <a:srgbClr val="000000"/>
-              </a:buClr>
-              <a:buSzPts val="1600"/>
-              <a:buFont typeface="Calibri"/>
-              <a:buChar char="●"/>
-            </a:pPr>
-            <a:r>
-              <a:rPr lang="en" sz="1600" b="0" i="0" u="none" strike="noStrike" cap="none">
-                <a:solidFill>
-                  <a:schemeClr val="dk1"/>
-                </a:solidFill>
-                <a:latin typeface="Calibri"/>
-                <a:ea typeface="Calibri"/>
-                <a:cs typeface="Calibri"/>
-                <a:sym typeface="Calibri"/>
-              </a:rPr>
-              <a:t>Ph.D. in mathematical modeling and computer simulations</a:t>
-            </a:r>
-            <a:endParaRPr sz="1600" b="0" i="0" u="none" strike="noStrike" cap="none">
-              <a:solidFill>
-                <a:srgbClr val="000000"/>
-              </a:solidFill>
-              <a:latin typeface="Calibri"/>
-              <a:ea typeface="Calibri"/>
-              <a:cs typeface="Calibri"/>
-              <a:sym typeface="Calibri"/>
-            </a:endParaRPr>
-          </a:p>
-          <a:p>
-            <a:pPr marL="0" marR="0" lvl="0" indent="0" algn="l" rtl="0">
-              <a:lnSpc>
-                <a:spcPct val="100000"/>
-              </a:lnSpc>
-              <a:spcBef>
-                <a:spcPts val="0"/>
-              </a:spcBef>
-              <a:spcAft>
-                <a:spcPts val="0"/>
-              </a:spcAft>
-              <a:buClr>
-                <a:schemeClr val="dk1"/>
-              </a:buClr>
-              <a:buSzPts val="1100"/>
-              <a:buFont typeface="Arial"/>
-              <a:buNone/>
-            </a:pPr>
-            <a:endParaRPr sz="1600" b="0" i="0" u="none" strike="noStrike" cap="none">
-              <a:solidFill>
-                <a:srgbClr val="000000"/>
-              </a:solidFill>
-              <a:latin typeface="Calibri"/>
-              <a:ea typeface="Calibri"/>
-              <a:cs typeface="Calibri"/>
-              <a:sym typeface="Calibri"/>
-            </a:endParaRPr>
-          </a:p>
-          <a:p>
-            <a:pPr marL="0" marR="0" lvl="0" indent="0" algn="l" rtl="0">
-              <a:lnSpc>
-                <a:spcPct val="100000"/>
-              </a:lnSpc>
-              <a:spcBef>
-                <a:spcPts val="0"/>
-              </a:spcBef>
-              <a:spcAft>
-                <a:spcPts val="0"/>
-              </a:spcAft>
-              <a:buClr>
-                <a:srgbClr val="000000"/>
-              </a:buClr>
-              <a:buSzPts val="1600"/>
-              <a:buFont typeface="Arial"/>
-              <a:buNone/>
-            </a:pPr>
-            <a:r>
-              <a:rPr lang="en" sz="1600" b="0" i="0" u="none" strike="noStrike" cap="none">
-                <a:solidFill>
-                  <a:srgbClr val="000000"/>
-                </a:solidFill>
-                <a:latin typeface="Calibri"/>
-                <a:ea typeface="Calibri"/>
-                <a:cs typeface="Calibri"/>
-                <a:sym typeface="Calibri"/>
-              </a:rPr>
-              <a:t>Interests: </a:t>
-            </a:r>
-            <a:endParaRPr sz="1600" b="0" i="0" u="none" strike="noStrike" cap="none">
-              <a:solidFill>
-                <a:srgbClr val="000000"/>
-              </a:solidFill>
-              <a:latin typeface="Calibri"/>
-              <a:ea typeface="Calibri"/>
-              <a:cs typeface="Calibri"/>
-              <a:sym typeface="Calibri"/>
-            </a:endParaRPr>
-          </a:p>
-          <a:p>
-            <a:pPr marL="457200" marR="0" lvl="0" indent="-330200" algn="l" rtl="0">
-              <a:lnSpc>
-                <a:spcPct val="100000"/>
-              </a:lnSpc>
-              <a:spcBef>
-                <a:spcPts val="0"/>
-              </a:spcBef>
-              <a:spcAft>
-                <a:spcPts val="0"/>
-              </a:spcAft>
-              <a:buClr>
-                <a:srgbClr val="000000"/>
-              </a:buClr>
-              <a:buSzPts val="1600"/>
-              <a:buFont typeface="Calibri"/>
-              <a:buChar char="●"/>
-            </a:pPr>
-            <a:r>
-              <a:rPr lang="en" sz="1600" b="0" i="0" u="none" strike="noStrike" cap="none">
-                <a:solidFill>
-                  <a:schemeClr val="dk1"/>
-                </a:solidFill>
-                <a:latin typeface="Calibri"/>
-                <a:ea typeface="Calibri"/>
-                <a:cs typeface="Calibri"/>
-                <a:sym typeface="Calibri"/>
-              </a:rPr>
-              <a:t>Generative AI, Using LLM with your data</a:t>
-            </a:r>
-            <a:endParaRPr sz="1600" b="0" i="0" u="none" strike="noStrike" cap="none">
-              <a:solidFill>
-                <a:schemeClr val="dk1"/>
-              </a:solidFill>
-              <a:latin typeface="Calibri"/>
-              <a:ea typeface="Calibri"/>
-              <a:cs typeface="Calibri"/>
-              <a:sym typeface="Calibri"/>
-            </a:endParaRPr>
-          </a:p>
-          <a:p>
-            <a:pPr marL="457200" marR="0" lvl="0" indent="-330200" algn="l" rtl="0">
-              <a:lnSpc>
-                <a:spcPct val="100000"/>
-              </a:lnSpc>
-              <a:spcBef>
-                <a:spcPts val="0"/>
-              </a:spcBef>
-              <a:spcAft>
-                <a:spcPts val="0"/>
-              </a:spcAft>
-              <a:buClr>
-                <a:schemeClr val="dk1"/>
-              </a:buClr>
-              <a:buSzPts val="1600"/>
-              <a:buFont typeface="Calibri"/>
-              <a:buChar char="●"/>
-            </a:pPr>
-            <a:r>
-              <a:rPr lang="en" sz="1600" b="0" i="0" u="none" strike="noStrike" cap="none">
-                <a:solidFill>
-                  <a:schemeClr val="dk1"/>
-                </a:solidFill>
-                <a:latin typeface="Calibri"/>
-                <a:ea typeface="Calibri"/>
-                <a:cs typeface="Calibri"/>
-                <a:sym typeface="Calibri"/>
-              </a:rPr>
-              <a:t>Local AI for Local Private Data</a:t>
-            </a:r>
-            <a:endParaRPr sz="1600" b="0" i="0" u="none" strike="noStrike" cap="none">
-              <a:solidFill>
-                <a:schemeClr val="dk1"/>
-              </a:solidFill>
-              <a:latin typeface="Calibri"/>
-              <a:ea typeface="Calibri"/>
-              <a:cs typeface="Calibri"/>
-              <a:sym typeface="Calibri"/>
-            </a:endParaRPr>
-          </a:p>
-          <a:p>
-            <a:pPr marL="457200" marR="0" lvl="0" indent="-330200" algn="l" rtl="0">
-              <a:lnSpc>
-                <a:spcPct val="100000"/>
-              </a:lnSpc>
-              <a:spcBef>
-                <a:spcPts val="0"/>
-              </a:spcBef>
-              <a:spcAft>
-                <a:spcPts val="0"/>
-              </a:spcAft>
-              <a:buClr>
-                <a:srgbClr val="000000"/>
-              </a:buClr>
-              <a:buSzPts val="1600"/>
-              <a:buFont typeface="Calibri"/>
-              <a:buChar char="●"/>
-            </a:pPr>
-            <a:r>
-              <a:rPr lang="en" sz="1600" b="0" i="0" u="none" strike="noStrike" cap="none">
-                <a:solidFill>
-                  <a:srgbClr val="000000"/>
-                </a:solidFill>
-                <a:latin typeface="Calibri"/>
-                <a:ea typeface="Calibri"/>
-                <a:cs typeface="Calibri"/>
-                <a:sym typeface="Calibri"/>
-              </a:rPr>
-              <a:t>Cloud architecture, fin-tech, application security</a:t>
-            </a:r>
-            <a:endParaRPr sz="1600" b="0" i="0" u="none" strike="noStrike" cap="none">
-              <a:solidFill>
-                <a:srgbClr val="000000"/>
-              </a:solidFill>
-              <a:latin typeface="Calibri"/>
-              <a:ea typeface="Calibri"/>
-              <a:cs typeface="Calibri"/>
-              <a:sym typeface="Calibri"/>
-            </a:endParaRPr>
-          </a:p>
-          <a:p>
-            <a:pPr marL="0" marR="0" lvl="0" indent="0" algn="l" rtl="0">
-              <a:lnSpc>
-                <a:spcPct val="100000"/>
-              </a:lnSpc>
-              <a:spcBef>
-                <a:spcPts val="0"/>
-              </a:spcBef>
-              <a:spcAft>
-                <a:spcPts val="0"/>
-              </a:spcAft>
-              <a:buClr>
-                <a:srgbClr val="000000"/>
-              </a:buClr>
-              <a:buSzPts val="1600"/>
-              <a:buFont typeface="Arial"/>
-              <a:buNone/>
-            </a:pPr>
-            <a:endParaRPr sz="1600" b="0" i="0" u="none" strike="noStrike" cap="none">
-              <a:solidFill>
-                <a:srgbClr val="000000"/>
-              </a:solidFill>
-              <a:latin typeface="Calibri"/>
-              <a:ea typeface="Calibri"/>
-              <a:cs typeface="Calibri"/>
-              <a:sym typeface="Calibri"/>
-            </a:endParaRPr>
-          </a:p>
-          <a:p>
-            <a:pPr marL="0" marR="0" lvl="0" indent="0" algn="l" rtl="0">
-              <a:lnSpc>
-                <a:spcPct val="100000"/>
-              </a:lnSpc>
-              <a:spcBef>
-                <a:spcPts val="0"/>
-              </a:spcBef>
-              <a:spcAft>
-                <a:spcPts val="0"/>
-              </a:spcAft>
-              <a:buClr>
-                <a:srgbClr val="000000"/>
-              </a:buClr>
-              <a:buSzPts val="1600"/>
-              <a:buFont typeface="Arial"/>
-              <a:buNone/>
-            </a:pPr>
-            <a:r>
-              <a:rPr lang="en" sz="1600" b="0" i="0" u="none" strike="noStrike" cap="none">
-                <a:solidFill>
-                  <a:srgbClr val="000000"/>
-                </a:solidFill>
-                <a:latin typeface="Calibri"/>
-                <a:ea typeface="Calibri"/>
-                <a:cs typeface="Calibri"/>
-                <a:sym typeface="Calibri"/>
-              </a:rPr>
-              <a:t>Find/connect: Linkedin, GitHub, YouTube, Google</a:t>
-            </a:r>
-            <a:endParaRPr sz="1600" b="0" i="0" u="none" strike="noStrike" cap="none">
-              <a:solidFill>
-                <a:srgbClr val="000000"/>
-              </a:solidFill>
-              <a:latin typeface="Calibri"/>
-              <a:ea typeface="Calibri"/>
-              <a:cs typeface="Calibri"/>
-              <a:sym typeface="Calibri"/>
-            </a:endParaRPr>
-          </a:p>
-        </p:txBody>
-      </p:sp>
-      <p:pic>
-        <p:nvPicPr>
-          <p:cNvPr id="288" name="Google Shape;288;p33"/>
-          <p:cNvPicPr preferRelativeResize="0"/>
-          <p:nvPr/>
-        </p:nvPicPr>
-        <p:blipFill rotWithShape="1">
-          <a:blip r:embed="rId4" cstate="email">
-            <a:alphaModFix/>
-            <a:extLst>
-              <a:ext uri="{28A0092B-C50C-407E-A947-70E740481C1C}">
-                <a14:useLocalDpi xmlns:a14="http://schemas.microsoft.com/office/drawing/2010/main"/>
-              </a:ext>
-            </a:extLst>
-          </a:blip>
-          <a:srcRect/>
-          <a:stretch/>
-        </p:blipFill>
-        <p:spPr>
-          <a:xfrm>
-            <a:off x="782341" y="3664175"/>
-            <a:ext cx="858450" cy="311906"/>
-          </a:xfrm>
-          <a:prstGeom prst="rect">
-            <a:avLst/>
-          </a:prstGeom>
-          <a:noFill/>
-          <a:ln>
-            <a:noFill/>
-          </a:ln>
-        </p:spPr>
-      </p:pic>
-      <p:sp>
-        <p:nvSpPr>
-          <p:cNvPr id="289" name="Google Shape;289;p33"/>
-          <p:cNvSpPr txBox="1"/>
-          <p:nvPr/>
-        </p:nvSpPr>
-        <p:spPr>
-          <a:xfrm>
-            <a:off x="683777" y="4005903"/>
-            <a:ext cx="1391400" cy="431100"/>
-          </a:xfrm>
-          <a:prstGeom prst="rect">
-            <a:avLst/>
-          </a:prstGeom>
-          <a:noFill/>
-          <a:ln>
-            <a:noFill/>
-          </a:ln>
-        </p:spPr>
-        <p:txBody>
-          <a:bodyPr spcFirstLastPara="1" wrap="square" lIns="91425" tIns="91425" rIns="91425" bIns="91425" anchor="t" anchorCtr="0">
-            <a:spAutoFit/>
-          </a:bodyPr>
-          <a:lstStyle/>
-          <a:p>
-            <a:pPr marL="0" marR="0" lvl="0" indent="0" algn="l" rtl="0">
-              <a:lnSpc>
-                <a:spcPct val="100000"/>
-              </a:lnSpc>
-              <a:spcBef>
-                <a:spcPts val="0"/>
-              </a:spcBef>
-              <a:spcAft>
-                <a:spcPts val="0"/>
-              </a:spcAft>
-              <a:buClr>
-                <a:srgbClr val="000000"/>
-              </a:buClr>
-              <a:buSzPts val="1600"/>
-              <a:buFont typeface="Arial"/>
-              <a:buNone/>
-            </a:pPr>
-            <a:r>
-              <a:rPr lang="en" sz="1600" b="0" i="0" u="sng" strike="noStrike" cap="none">
-                <a:solidFill>
-                  <a:schemeClr val="hlink"/>
-                </a:solidFill>
-                <a:latin typeface="Calibri"/>
-                <a:ea typeface="Calibri"/>
-                <a:cs typeface="Calibri"/>
-                <a:sym typeface="Calibri"/>
-                <a:hlinkClick r:id="rId5"/>
-              </a:rPr>
-              <a:t>https://eais.ai</a:t>
-            </a:r>
-            <a:r>
-              <a:rPr lang="en" sz="1600" b="0" i="0" u="none" strike="noStrike" cap="none">
-                <a:solidFill>
-                  <a:srgbClr val="000000"/>
-                </a:solidFill>
-                <a:latin typeface="Calibri"/>
-                <a:ea typeface="Calibri"/>
-                <a:cs typeface="Calibri"/>
-                <a:sym typeface="Calibri"/>
-              </a:rPr>
-              <a:t> </a:t>
-            </a:r>
-            <a:endParaRPr sz="1600" b="0" i="0" u="none" strike="noStrike" cap="none">
-              <a:solidFill>
-                <a:srgbClr val="000000"/>
-              </a:solidFill>
-              <a:latin typeface="Calibri"/>
-              <a:ea typeface="Calibri"/>
-              <a:cs typeface="Calibri"/>
-              <a:sym typeface="Calibri"/>
-            </a:endParaRPr>
-          </a:p>
-        </p:txBody>
-      </p:sp>
-      <p:sp>
-        <p:nvSpPr>
-          <p:cNvPr id="290" name="Google Shape;290;p33"/>
-          <p:cNvSpPr txBox="1"/>
-          <p:nvPr/>
-        </p:nvSpPr>
-        <p:spPr>
-          <a:xfrm>
-            <a:off x="307603" y="4360974"/>
-            <a:ext cx="2094000" cy="431100"/>
-          </a:xfrm>
-          <a:prstGeom prst="rect">
-            <a:avLst/>
-          </a:prstGeom>
-          <a:noFill/>
-          <a:ln>
-            <a:noFill/>
-          </a:ln>
-        </p:spPr>
-        <p:txBody>
-          <a:bodyPr spcFirstLastPara="1" wrap="square" lIns="91425" tIns="91425" rIns="91425" bIns="91425" anchor="t" anchorCtr="0">
-            <a:spAutoFit/>
-          </a:bodyPr>
-          <a:lstStyle/>
-          <a:p>
-            <a:pPr marL="0" marR="0" lvl="0" indent="0" algn="ctr" rtl="0">
-              <a:lnSpc>
-                <a:spcPct val="100000"/>
-              </a:lnSpc>
-              <a:spcBef>
-                <a:spcPts val="0"/>
-              </a:spcBef>
-              <a:spcAft>
-                <a:spcPts val="0"/>
-              </a:spcAft>
-              <a:buClr>
-                <a:schemeClr val="dk1"/>
-              </a:buClr>
-              <a:buSzPts val="1100"/>
-              <a:buFont typeface="Arial"/>
-              <a:buNone/>
-            </a:pPr>
-            <a:r>
-              <a:rPr lang="en" sz="1600" b="0" i="0" u="none" strike="noStrike" cap="none">
-                <a:solidFill>
-                  <a:srgbClr val="000000"/>
-                </a:solidFill>
-                <a:latin typeface="Calibri"/>
-                <a:ea typeface="Calibri"/>
-                <a:cs typeface="Calibri"/>
-                <a:sym typeface="Calibri"/>
-              </a:rPr>
-              <a:t>Enterprise AI Systems</a:t>
-            </a:r>
-            <a:endParaRPr sz="1600" b="0" i="0" u="none" strike="noStrike" cap="none">
-              <a:solidFill>
-                <a:srgbClr val="000000"/>
-              </a:solidFill>
-              <a:latin typeface="Calibri"/>
-              <a:ea typeface="Calibri"/>
-              <a:cs typeface="Calibri"/>
-              <a:sym typeface="Calibri"/>
-            </a:endParaRPr>
-          </a:p>
-        </p:txBody>
-      </p:sp>
     </p:spTree>
   </p:cSld>
   <p:clrMapOvr>
@@ -21906,8 +22952,8 @@
         </p:nvSpPr>
         <p:spPr>
           <a:xfrm>
-            <a:off x="6950075" y="919775"/>
-            <a:ext cx="1928700" cy="572700"/>
+            <a:off x="4446375" y="121650"/>
+            <a:ext cx="2130000" cy="172500"/>
           </a:xfrm>
           <a:prstGeom prst="rect">
             <a:avLst/>
@@ -21923,25 +22969,20 @@
           </a:bodyPr>
           <a:lstStyle/>
           <a:p>
-            <a:pPr marL="171450" marR="0" lvl="0" indent="-114300" algn="l" rtl="0">
-              <a:lnSpc>
-                <a:spcPct val="100000"/>
-              </a:lnSpc>
-              <a:spcBef>
-                <a:spcPts val="0"/>
-              </a:spcBef>
-              <a:spcAft>
-                <a:spcPts val="0"/>
-              </a:spcAft>
-              <a:buClr>
-                <a:srgbClr val="000000"/>
-              </a:buClr>
-              <a:buSzPts val="900"/>
-              <a:buFont typeface="Calibri"/>
-              <a:buChar char="●"/>
+            <a:pPr marL="0" marR="0" lvl="0" indent="0" algn="ctr" rtl="0">
+              <a:lnSpc>
+                <a:spcPct val="100000"/>
+              </a:lnSpc>
+              <a:spcBef>
+                <a:spcPts val="0"/>
+              </a:spcBef>
+              <a:spcAft>
+                <a:spcPts val="0"/>
+              </a:spcAft>
+              <a:buNone/>
             </a:pPr>
             <a:r>
-              <a:rPr lang="en" sz="900" b="0" i="0" u="sng" strike="noStrike" cap="none">
+              <a:rPr lang="en" sz="1000" b="1" i="0" u="sng" strike="noStrike" cap="none">
                 <a:solidFill>
                   <a:schemeClr val="hlink"/>
                 </a:solidFill>
@@ -21954,7 +22995,7 @@
               <a:t>https://lmarena.ai/?leaderboard</a:t>
             </a:r>
             <a:r>
-              <a:rPr lang="en" sz="900" b="0" i="0" u="none" strike="noStrike" cap="none">
+              <a:rPr lang="en" sz="1000" b="1" i="0" u="none" strike="noStrike" cap="none">
                 <a:solidFill>
                   <a:schemeClr val="dk1"/>
                 </a:solidFill>
@@ -21963,51 +23004,10 @@
                 <a:cs typeface="Calibri"/>
                 <a:sym typeface="Calibri"/>
               </a:rPr>
-              <a:t>  </a:t>
-            </a:r>
-            <a:endParaRPr sz="900" b="0" i="0" u="none" strike="noStrike" cap="none">
-              <a:solidFill>
-                <a:schemeClr val="dk1"/>
-              </a:solidFill>
-              <a:latin typeface="Calibri"/>
-              <a:ea typeface="Calibri"/>
-              <a:cs typeface="Calibri"/>
-              <a:sym typeface="Calibri"/>
-            </a:endParaRPr>
-          </a:p>
-          <a:p>
-            <a:pPr marL="171450" marR="0" lvl="0" indent="-114300" algn="l" rtl="0">
-              <a:lnSpc>
-                <a:spcPct val="100000"/>
-              </a:lnSpc>
-              <a:spcBef>
-                <a:spcPts val="0"/>
-              </a:spcBef>
-              <a:spcAft>
-                <a:spcPts val="0"/>
-              </a:spcAft>
-              <a:buClr>
-                <a:srgbClr val="000000"/>
-              </a:buClr>
-              <a:buSzPts val="900"/>
-              <a:buFont typeface="Calibri"/>
-              <a:buChar char="●"/>
-            </a:pPr>
-            <a:r>
-              <a:rPr lang="en" sz="900" b="0" i="0" u="sng" strike="noStrike" cap="none">
-                <a:solidFill>
-                  <a:schemeClr val="hlink"/>
-                </a:solidFill>
-                <a:latin typeface="Calibri"/>
-                <a:ea typeface="Calibri"/>
-                <a:cs typeface="Calibri"/>
-                <a:sym typeface="Calibri"/>
-                <a:hlinkClick r:id="rId5"/>
-              </a:rPr>
-              <a:t>https://openlm.ai/chatbot-arena/</a:t>
-            </a:r>
-            <a:r>
-              <a:rPr lang="en" sz="900" b="0" i="0" u="none" strike="noStrike" cap="none">
+              <a:t> </a:t>
+            </a:r>
+            <a:r>
+              <a:rPr lang="en" sz="1000" b="0" i="0" u="none" strike="noStrike" cap="none">
                 <a:solidFill>
                   <a:schemeClr val="dk1"/>
                 </a:solidFill>
@@ -22018,113 +23018,7 @@
               </a:rPr>
               <a:t> </a:t>
             </a:r>
-            <a:endParaRPr sz="900" b="0" i="0" u="none" strike="noStrike" cap="none">
-              <a:solidFill>
-                <a:schemeClr val="dk1"/>
-              </a:solidFill>
-              <a:latin typeface="Calibri"/>
-              <a:ea typeface="Calibri"/>
-              <a:cs typeface="Calibri"/>
-              <a:sym typeface="Calibri"/>
-            </a:endParaRPr>
-          </a:p>
-          <a:p>
-            <a:pPr marL="171450" marR="0" lvl="0" indent="-114300" algn="l" rtl="0">
-              <a:lnSpc>
-                <a:spcPct val="100000"/>
-              </a:lnSpc>
-              <a:spcBef>
-                <a:spcPts val="0"/>
-              </a:spcBef>
-              <a:spcAft>
-                <a:spcPts val="0"/>
-              </a:spcAft>
-              <a:buClr>
-                <a:schemeClr val="dk1"/>
-              </a:buClr>
-              <a:buSzPts val="900"/>
-              <a:buFont typeface="Calibri"/>
-              <a:buChar char="●"/>
-            </a:pPr>
-            <a:r>
-              <a:rPr lang="en" sz="900" b="0" i="0" u="sng" strike="noStrike" cap="none">
-                <a:solidFill>
-                  <a:schemeClr val="hlink"/>
-                </a:solidFill>
-                <a:latin typeface="Calibri"/>
-                <a:ea typeface="Calibri"/>
-                <a:cs typeface="Calibri"/>
-                <a:sym typeface="Calibri"/>
-                <a:hlinkClick r:id="rId6"/>
-              </a:rPr>
-              <a:t>https://beta.lmarena.ai</a:t>
-            </a:r>
-            <a:r>
-              <a:rPr lang="en" sz="900" b="0" i="0" u="none" strike="noStrike" cap="none">
-                <a:solidFill>
-                  <a:schemeClr val="dk1"/>
-                </a:solidFill>
-                <a:latin typeface="Calibri"/>
-                <a:ea typeface="Calibri"/>
-                <a:cs typeface="Calibri"/>
-                <a:sym typeface="Calibri"/>
-              </a:rPr>
-              <a:t> </a:t>
-            </a:r>
-            <a:endParaRPr sz="900" b="0" i="0" u="none" strike="noStrike" cap="none">
-              <a:solidFill>
-                <a:schemeClr val="dk1"/>
-              </a:solidFill>
-              <a:latin typeface="Calibri"/>
-              <a:ea typeface="Calibri"/>
-              <a:cs typeface="Calibri"/>
-              <a:sym typeface="Calibri"/>
-            </a:endParaRPr>
-          </a:p>
-          <a:p>
-            <a:pPr marL="171450" marR="0" lvl="0" indent="-114300" algn="l" rtl="0">
-              <a:lnSpc>
-                <a:spcPct val="100000"/>
-              </a:lnSpc>
-              <a:spcBef>
-                <a:spcPts val="0"/>
-              </a:spcBef>
-              <a:spcAft>
-                <a:spcPts val="0"/>
-              </a:spcAft>
-              <a:buClr>
-                <a:schemeClr val="dk1"/>
-              </a:buClr>
-              <a:buSzPts val="900"/>
-              <a:buFont typeface="Calibri"/>
-              <a:buChar char="●"/>
-            </a:pPr>
-            <a:r>
-              <a:rPr lang="en" sz="900" u="sng">
-                <a:solidFill>
-                  <a:schemeClr val="hlink"/>
-                </a:solidFill>
-                <a:latin typeface="Calibri"/>
-                <a:ea typeface="Calibri"/>
-                <a:cs typeface="Calibri"/>
-                <a:sym typeface="Calibri"/>
-                <a:hlinkClick r:id="rId7"/>
-              </a:rPr>
-              <a:t>https://legacy.lmarena.ai</a:t>
-            </a:r>
-            <a:r>
-              <a:rPr lang="en" sz="900">
-                <a:solidFill>
-                  <a:schemeClr val="dk1"/>
-                </a:solidFill>
-                <a:latin typeface="Calibri"/>
-                <a:ea typeface="Calibri"/>
-                <a:cs typeface="Calibri"/>
-                <a:sym typeface="Calibri"/>
-              </a:rPr>
-              <a:t> </a:t>
-            </a:r>
-            <a:endParaRPr sz="900">
+            <a:endParaRPr sz="1000">
               <a:solidFill>
                 <a:schemeClr val="dk1"/>
               </a:solidFill>
@@ -22144,7 +23038,7 @@
         </p:nvSpPr>
         <p:spPr>
           <a:xfrm>
-            <a:off x="1176539" y="531301"/>
+            <a:off x="1024139" y="531301"/>
             <a:ext cx="1106100" cy="203100"/>
           </a:xfrm>
           <a:prstGeom prst="rect">
@@ -22218,7 +23112,7 @@
         </p:nvSpPr>
         <p:spPr>
           <a:xfrm>
-            <a:off x="4283674" y="531301"/>
+            <a:off x="4131274" y="531301"/>
             <a:ext cx="1305600" cy="203100"/>
           </a:xfrm>
           <a:prstGeom prst="rect">
@@ -22292,7 +23186,7 @@
         </p:nvSpPr>
         <p:spPr>
           <a:xfrm>
-            <a:off x="3816155" y="2436157"/>
+            <a:off x="3663755" y="2436157"/>
             <a:ext cx="125400" cy="125400"/>
           </a:xfrm>
           <a:prstGeom prst="ellipse">
@@ -22354,7 +23248,7 @@
         </p:nvSpPr>
         <p:spPr>
           <a:xfrm>
-            <a:off x="3510956" y="2819235"/>
+            <a:off x="3358556" y="2819235"/>
             <a:ext cx="288900" cy="141600"/>
           </a:xfrm>
           <a:prstGeom prst="rect">
@@ -22432,7 +23326,7 @@
         </p:nvSpPr>
         <p:spPr>
           <a:xfrm>
-            <a:off x="3811413" y="2830524"/>
+            <a:off x="3659013" y="2830524"/>
             <a:ext cx="125400" cy="125400"/>
           </a:xfrm>
           <a:prstGeom prst="ellipse">
@@ -22494,7 +23388,7 @@
         </p:nvSpPr>
         <p:spPr>
           <a:xfrm>
-            <a:off x="3813623" y="4631769"/>
+            <a:off x="3661223" y="4631769"/>
             <a:ext cx="125400" cy="125400"/>
           </a:xfrm>
           <a:prstGeom prst="ellipse">
@@ -22556,7 +23450,7 @@
         </p:nvSpPr>
         <p:spPr>
           <a:xfrm>
-            <a:off x="637539" y="1219765"/>
+            <a:off x="485139" y="1219765"/>
             <a:ext cx="125400" cy="125400"/>
           </a:xfrm>
           <a:prstGeom prst="ellipse">
@@ -22618,7 +23512,7 @@
         </p:nvSpPr>
         <p:spPr>
           <a:xfrm>
-            <a:off x="646161" y="1028547"/>
+            <a:off x="493761" y="1028547"/>
             <a:ext cx="125400" cy="125400"/>
           </a:xfrm>
           <a:prstGeom prst="ellipse">
@@ -22680,7 +23574,7 @@
         </p:nvSpPr>
         <p:spPr>
           <a:xfrm>
-            <a:off x="3816158" y="1832182"/>
+            <a:off x="3663758" y="1832182"/>
             <a:ext cx="125400" cy="125400"/>
           </a:xfrm>
           <a:prstGeom prst="ellipse">
@@ -22742,7 +23636,7 @@
         </p:nvSpPr>
         <p:spPr>
           <a:xfrm>
-            <a:off x="3818730" y="1428093"/>
+            <a:off x="3666330" y="1428093"/>
             <a:ext cx="125400" cy="125400"/>
           </a:xfrm>
           <a:prstGeom prst="ellipse">
@@ -22804,7 +23698,7 @@
         </p:nvSpPr>
         <p:spPr>
           <a:xfrm>
-            <a:off x="3819826" y="3426523"/>
+            <a:off x="3667426" y="3426523"/>
             <a:ext cx="125400" cy="125400"/>
           </a:xfrm>
           <a:prstGeom prst="ellipse">
@@ -22866,8 +23760,8 @@
         </p:nvSpPr>
         <p:spPr>
           <a:xfrm>
-            <a:off x="6736325" y="1748050"/>
-            <a:ext cx="2356200" cy="1496100"/>
+            <a:off x="6317400" y="2233550"/>
+            <a:ext cx="2775000" cy="2173500"/>
           </a:xfrm>
           <a:prstGeom prst="rect">
             <a:avLst/>
@@ -22891,7 +23785,7 @@
           </a:bodyPr>
           <a:lstStyle/>
           <a:p>
-            <a:pPr marL="171450" marR="0" lvl="0" indent="-107950" algn="l" rtl="0">
+            <a:pPr marL="171450" marR="0" lvl="0" indent="-120650" algn="l" rtl="0">
               <a:lnSpc>
                 <a:spcPct val="100000"/>
               </a:lnSpc>
@@ -22904,12 +23798,25 @@
               <a:buClr>
                 <a:schemeClr val="dk1"/>
               </a:buClr>
-              <a:buSzPts val="800"/>
+              <a:buSzPts val="1000"/>
               <a:buFont typeface="Calibri"/>
               <a:buChar char="●"/>
             </a:pPr>
             <a:r>
-              <a:rPr lang="en" sz="800" b="0" i="0" u="none" strike="noStrike" cap="none">
+              <a:rPr lang="en" sz="1000" u="sng">
+                <a:solidFill>
+                  <a:schemeClr val="hlink"/>
+                </a:solidFill>
+                <a:latin typeface="Calibri"/>
+                <a:ea typeface="Calibri"/>
+                <a:cs typeface="Calibri"/>
+                <a:sym typeface="Calibri"/>
+                <a:hlinkClick r:id="rId5"/>
+              </a:rPr>
+              <a:t>https://openlm.ai/chatbot-arena/</a:t>
+            </a:r>
+            <a:r>
+              <a:rPr lang="en" sz="1000">
                 <a:solidFill>
                   <a:schemeClr val="dk1"/>
                 </a:solidFill>
@@ -22918,45 +23825,9 @@
                 <a:cs typeface="Calibri"/>
                 <a:sym typeface="Calibri"/>
               </a:rPr>
-              <a:t>Web Leaderboard </a:t>
-            </a:r>
-            <a:br>
-              <a:rPr lang="en" sz="800" b="0" i="0" u="none" strike="noStrike" cap="none">
-                <a:solidFill>
-                  <a:schemeClr val="dk1"/>
-                </a:solidFill>
-                <a:latin typeface="Calibri"/>
-                <a:ea typeface="Calibri"/>
-                <a:cs typeface="Calibri"/>
-                <a:sym typeface="Calibri"/>
-              </a:rPr>
-            </a:br>
-            <a:r>
-              <a:rPr lang="en" sz="800" b="0" i="0" u="sng" strike="noStrike" cap="none">
-                <a:solidFill>
-                  <a:schemeClr val="hlink"/>
-                </a:solidFill>
-                <a:latin typeface="Calibri"/>
-                <a:ea typeface="Calibri"/>
-                <a:cs typeface="Calibri"/>
-                <a:sym typeface="Calibri"/>
-                <a:hlinkClick r:id="rId8"/>
-              </a:rPr>
-              <a:t>https://web.lmarena.ai/leaderboard</a:t>
-            </a:r>
-            <a:r>
-              <a:rPr lang="en" sz="800" b="0" i="0" u="none" strike="noStrike" cap="none">
-                <a:solidFill>
-                  <a:schemeClr val="dk1"/>
-                </a:solidFill>
-                <a:latin typeface="Calibri"/>
-                <a:ea typeface="Calibri"/>
-                <a:cs typeface="Calibri"/>
-                <a:sym typeface="Calibri"/>
-              </a:rPr>
               <a:t> </a:t>
             </a:r>
-            <a:endParaRPr sz="800" b="0" i="0" u="none" strike="noStrike" cap="none">
+            <a:endParaRPr sz="1000">
               <a:solidFill>
                 <a:schemeClr val="dk1"/>
               </a:solidFill>
@@ -22967,7 +23838,7 @@
             </a:endParaRPr>
           </a:p>
           <a:p>
-            <a:pPr marL="171450" marR="0" lvl="0" indent="-107950" algn="l" rtl="0">
+            <a:pPr marL="171450" marR="0" lvl="0" indent="-120650" algn="l" rtl="0">
               <a:lnSpc>
                 <a:spcPct val="100000"/>
               </a:lnSpc>
@@ -22980,12 +23851,25 @@
               <a:buClr>
                 <a:schemeClr val="dk1"/>
               </a:buClr>
-              <a:buSzPts val="800"/>
+              <a:buSzPts val="1000"/>
               <a:buFont typeface="Calibri"/>
               <a:buChar char="●"/>
             </a:pPr>
             <a:r>
-              <a:rPr lang="en" sz="800" b="0" i="0" u="none" strike="noStrike" cap="none">
+              <a:rPr lang="en" sz="1000" u="sng">
+                <a:solidFill>
+                  <a:schemeClr val="hlink"/>
+                </a:solidFill>
+                <a:latin typeface="Calibri"/>
+                <a:ea typeface="Calibri"/>
+                <a:cs typeface="Calibri"/>
+                <a:sym typeface="Calibri"/>
+                <a:hlinkClick r:id="rId6"/>
+              </a:rPr>
+              <a:t>https://beta.lmarena.ai</a:t>
+            </a:r>
+            <a:r>
+              <a:rPr lang="en" sz="1000">
                 <a:solidFill>
                   <a:schemeClr val="dk1"/>
                 </a:solidFill>
@@ -22994,45 +23878,9 @@
                 <a:cs typeface="Calibri"/>
                 <a:sym typeface="Calibri"/>
               </a:rPr>
-              <a:t>LLM Leaderboard - by @LlmStats </a:t>
-            </a:r>
-            <a:br>
-              <a:rPr lang="en" sz="800" b="0" i="0" u="none" strike="noStrike" cap="none">
-                <a:solidFill>
-                  <a:schemeClr val="dk1"/>
-                </a:solidFill>
-                <a:latin typeface="Calibri"/>
-                <a:ea typeface="Calibri"/>
-                <a:cs typeface="Calibri"/>
-                <a:sym typeface="Calibri"/>
-              </a:rPr>
-            </a:br>
-            <a:r>
-              <a:rPr lang="en" sz="800" b="0" i="0" u="sng" strike="noStrike" cap="none">
-                <a:solidFill>
-                  <a:schemeClr val="hlink"/>
-                </a:solidFill>
-                <a:latin typeface="Calibri"/>
-                <a:ea typeface="Calibri"/>
-                <a:cs typeface="Calibri"/>
-                <a:sym typeface="Calibri"/>
-                <a:hlinkClick r:id="rId9"/>
-              </a:rPr>
-              <a:t>https://llmworld.net/llm_leaderboards/</a:t>
-            </a:r>
-            <a:r>
-              <a:rPr lang="en" sz="800" b="0" i="0" u="none" strike="noStrike" cap="none">
-                <a:solidFill>
-                  <a:schemeClr val="dk1"/>
-                </a:solidFill>
-                <a:latin typeface="Calibri"/>
-                <a:ea typeface="Calibri"/>
-                <a:cs typeface="Calibri"/>
-                <a:sym typeface="Calibri"/>
-              </a:rPr>
               <a:t> </a:t>
             </a:r>
-            <a:endParaRPr sz="800" b="0" i="0" u="none" strike="noStrike" cap="none">
+            <a:endParaRPr sz="1000">
               <a:solidFill>
                 <a:schemeClr val="dk1"/>
               </a:solidFill>
@@ -23043,7 +23891,7 @@
             </a:endParaRPr>
           </a:p>
           <a:p>
-            <a:pPr marL="171450" marR="0" lvl="0" indent="-107950" algn="l" rtl="0">
+            <a:pPr marL="171450" marR="0" lvl="0" indent="-120650" algn="l" rtl="0">
               <a:lnSpc>
                 <a:spcPct val="100000"/>
               </a:lnSpc>
@@ -23056,12 +23904,12 @@
               <a:buClr>
                 <a:schemeClr val="dk1"/>
               </a:buClr>
-              <a:buSzPts val="800"/>
+              <a:buSzPts val="1000"/>
               <a:buFont typeface="Calibri"/>
               <a:buChar char="●"/>
             </a:pPr>
             <a:r>
-              <a:rPr lang="en" sz="800" b="0" i="0" u="none" strike="noStrike" cap="none">
+              <a:rPr lang="en" sz="1000" b="0" i="0" u="none" strike="noStrike" cap="none">
                 <a:solidFill>
                   <a:schemeClr val="dk1"/>
                 </a:solidFill>
@@ -23070,10 +23918,10 @@
                 <a:cs typeface="Calibri"/>
                 <a:sym typeface="Calibri"/>
               </a:rPr>
-              <a:t>LLM Leaderboard - by StackAI</a:t>
-            </a:r>
-            <a:r>
-              <a:rPr lang="en" sz="800">
+              <a:t>Web Leaderboard </a:t>
+            </a:r>
+            <a:br>
+              <a:rPr lang="en" sz="1000" b="0" i="0" u="none" strike="noStrike" cap="none">
                 <a:solidFill>
                   <a:schemeClr val="dk1"/>
                 </a:solidFill>
@@ -23082,45 +23930,33 @@
                 <a:cs typeface="Calibri"/>
                 <a:sym typeface="Calibri"/>
               </a:rPr>
+            </a:br>
+            <a:r>
+              <a:rPr lang="en" sz="1000" b="0" i="0" u="sng" strike="noStrike" cap="none">
+                <a:solidFill>
+                  <a:schemeClr val="hlink"/>
+                </a:solidFill>
+                <a:latin typeface="Calibri"/>
+                <a:ea typeface="Calibri"/>
+                <a:cs typeface="Calibri"/>
+                <a:sym typeface="Calibri"/>
+                <a:hlinkClick r:id="rId7"/>
+              </a:rPr>
+              <a:t>https://web.lmarena.ai/leaderboard</a:t>
+            </a:r>
+            <a:r>
+              <a:rPr lang="en" sz="1000" b="0" i="0" u="none" strike="noStrike" cap="none">
+                <a:solidFill>
+                  <a:schemeClr val="dk1"/>
+                </a:solidFill>
+                <a:latin typeface="Calibri"/>
+                <a:ea typeface="Calibri"/>
+                <a:cs typeface="Calibri"/>
+                <a:sym typeface="Calibri"/>
+              </a:rPr>
               <a:t> </a:t>
             </a:r>
-            <a:br>
-              <a:rPr lang="en" sz="800">
-                <a:solidFill>
-                  <a:schemeClr val="dk1"/>
-                </a:solidFill>
-                <a:latin typeface="Calibri"/>
-                <a:ea typeface="Calibri"/>
-                <a:cs typeface="Calibri"/>
-                <a:sym typeface="Calibri"/>
-              </a:rPr>
-            </a:br>
-            <a:r>
-              <a:rPr lang="en" sz="800" b="0" i="0" u="sng" strike="noStrike" cap="none">
-                <a:solidFill>
-                  <a:schemeClr val="hlink"/>
-                </a:solidFill>
-                <a:latin typeface="Calibri"/>
-                <a:ea typeface="Calibri"/>
-                <a:cs typeface="Calibri"/>
-                <a:sym typeface="Calibri"/>
-                <a:hlinkClick r:id="rId10"/>
-              </a:rPr>
-              <a:t>https://www.stack-ai.com/llm-leaderboard</a:t>
-            </a:r>
-            <a:r>
-              <a:rPr lang="en" sz="800" b="0" i="0" u="none" strike="noStrike" cap="none">
-                <a:solidFill>
-                  <a:schemeClr val="dk1"/>
-                </a:solidFill>
-                <a:latin typeface="Calibri"/>
-                <a:ea typeface="Calibri"/>
-                <a:cs typeface="Calibri"/>
-                <a:sym typeface="Calibri"/>
-              </a:rPr>
-              <a:t> </a:t>
-            </a:r>
-            <a:endParaRPr sz="800" b="0" i="0" u="none" strike="noStrike" cap="none">
+            <a:endParaRPr sz="1000" b="0" i="0" u="none" strike="noStrike" cap="none">
               <a:solidFill>
                 <a:schemeClr val="dk1"/>
               </a:solidFill>
@@ -23131,7 +23967,7 @@
             </a:endParaRPr>
           </a:p>
           <a:p>
-            <a:pPr marL="171450" marR="0" lvl="0" indent="-107950" algn="l" rtl="0">
+            <a:pPr marL="171450" marR="0" lvl="0" indent="-120650" algn="l" rtl="0">
               <a:lnSpc>
                 <a:spcPct val="100000"/>
               </a:lnSpc>
@@ -23144,12 +23980,12 @@
               <a:buClr>
                 <a:schemeClr val="dk1"/>
               </a:buClr>
-              <a:buSzPts val="800"/>
+              <a:buSzPts val="1000"/>
               <a:buFont typeface="Calibri"/>
               <a:buChar char="●"/>
             </a:pPr>
             <a:r>
-              <a:rPr lang="en" sz="800" b="0" i="0" u="none" strike="noStrike" cap="none">
+              <a:rPr lang="en" sz="1000" b="0" i="0" u="none" strike="noStrike" cap="none">
                 <a:solidFill>
                   <a:schemeClr val="dk1"/>
                 </a:solidFill>
@@ -23158,10 +23994,10 @@
                 <a:cs typeface="Calibri"/>
                 <a:sym typeface="Calibri"/>
               </a:rPr>
-              <a:t>LLM Leaderboard - by Artificial Analysis</a:t>
-            </a:r>
-            <a:r>
-              <a:rPr lang="en" sz="800">
+              <a:t>LLM Leaderboard - by @LlmStats </a:t>
+            </a:r>
+            <a:br>
+              <a:rPr lang="en" sz="1000" b="0" i="0" u="none" strike="noStrike" cap="none">
                 <a:solidFill>
                   <a:schemeClr val="dk1"/>
                 </a:solidFill>
@@ -23170,45 +24006,33 @@
                 <a:cs typeface="Calibri"/>
                 <a:sym typeface="Calibri"/>
               </a:rPr>
+            </a:br>
+            <a:r>
+              <a:rPr lang="en" sz="1000" b="0" i="0" u="sng" strike="noStrike" cap="none">
+                <a:solidFill>
+                  <a:schemeClr val="hlink"/>
+                </a:solidFill>
+                <a:latin typeface="Calibri"/>
+                <a:ea typeface="Calibri"/>
+                <a:cs typeface="Calibri"/>
+                <a:sym typeface="Calibri"/>
+                <a:hlinkClick r:id="rId8"/>
+              </a:rPr>
+              <a:t>https://llmworld.net/llm_leaderboards/</a:t>
+            </a:r>
+            <a:r>
+              <a:rPr lang="en" sz="1000" b="0" i="0" u="none" strike="noStrike" cap="none">
+                <a:solidFill>
+                  <a:schemeClr val="dk1"/>
+                </a:solidFill>
+                <a:latin typeface="Calibri"/>
+                <a:ea typeface="Calibri"/>
+                <a:cs typeface="Calibri"/>
+                <a:sym typeface="Calibri"/>
+              </a:rPr>
               <a:t> </a:t>
             </a:r>
-            <a:br>
-              <a:rPr lang="en" sz="800">
-                <a:solidFill>
-                  <a:schemeClr val="dk1"/>
-                </a:solidFill>
-                <a:latin typeface="Calibri"/>
-                <a:ea typeface="Calibri"/>
-                <a:cs typeface="Calibri"/>
-                <a:sym typeface="Calibri"/>
-              </a:rPr>
-            </a:br>
-            <a:r>
-              <a:rPr lang="en" sz="800" b="0" i="0" u="sng" strike="noStrike" cap="none">
-                <a:solidFill>
-                  <a:schemeClr val="hlink"/>
-                </a:solidFill>
-                <a:latin typeface="Calibri"/>
-                <a:ea typeface="Calibri"/>
-                <a:cs typeface="Calibri"/>
-                <a:sym typeface="Calibri"/>
-                <a:hlinkClick r:id="rId11"/>
-              </a:rPr>
-              <a:t>https://artificialanalysis.ai/leaderboards/models</a:t>
-            </a:r>
-            <a:r>
-              <a:rPr lang="en" sz="800" b="0" i="0" u="none" strike="noStrike" cap="none">
-                <a:solidFill>
-                  <a:schemeClr val="dk1"/>
-                </a:solidFill>
-                <a:latin typeface="Calibri"/>
-                <a:ea typeface="Calibri"/>
-                <a:cs typeface="Calibri"/>
-                <a:sym typeface="Calibri"/>
-              </a:rPr>
-              <a:t> </a:t>
-            </a:r>
-            <a:endParaRPr sz="800" b="0" i="0" u="none" strike="noStrike" cap="none">
+            <a:endParaRPr sz="1000" b="0" i="0" u="none" strike="noStrike" cap="none">
               <a:solidFill>
                 <a:schemeClr val="dk1"/>
               </a:solidFill>
@@ -23219,7 +24043,7 @@
             </a:endParaRPr>
           </a:p>
           <a:p>
-            <a:pPr marL="171450" marR="0" lvl="0" indent="-107950" algn="l" rtl="0">
+            <a:pPr marL="171450" marR="0" lvl="0" indent="-120650" algn="l" rtl="0">
               <a:lnSpc>
                 <a:spcPct val="100000"/>
               </a:lnSpc>
@@ -23232,12 +24056,12 @@
               <a:buClr>
                 <a:schemeClr val="dk1"/>
               </a:buClr>
-              <a:buSzPts val="800"/>
+              <a:buSzPts val="1000"/>
               <a:buFont typeface="Calibri"/>
               <a:buChar char="●"/>
             </a:pPr>
             <a:r>
-              <a:rPr lang="en" sz="800" b="0" i="0" u="none" strike="noStrike" cap="none">
+              <a:rPr lang="en" sz="1000" b="0" i="0" u="none" strike="noStrike" cap="none">
                 <a:solidFill>
                   <a:schemeClr val="dk1"/>
                 </a:solidFill>
@@ -23246,10 +24070,22 @@
                 <a:cs typeface="Calibri"/>
                 <a:sym typeface="Calibri"/>
               </a:rPr>
-              <a:t>Open LLM Leaderboard - by Hugging Face </a:t>
+              <a:t>LLM Leaderboard - by StackAI</a:t>
+            </a:r>
+            <a:r>
+              <a:rPr lang="en" sz="1000">
+                <a:solidFill>
+                  <a:schemeClr val="dk1"/>
+                </a:solidFill>
+                <a:latin typeface="Calibri"/>
+                <a:ea typeface="Calibri"/>
+                <a:cs typeface="Calibri"/>
+                <a:sym typeface="Calibri"/>
+              </a:rPr>
+              <a:t> </a:t>
             </a:r>
             <a:br>
-              <a:rPr lang="en" sz="800" b="0" i="0" u="none" strike="noStrike" cap="none">
+              <a:rPr lang="en" sz="1000">
                 <a:solidFill>
                   <a:schemeClr val="dk1"/>
                 </a:solidFill>
@@ -23260,7 +24096,7 @@
               </a:rPr>
             </a:br>
             <a:r>
-              <a:rPr lang="en" sz="800" b="0" i="0" u="sng" strike="noStrike" cap="none">
+              <a:rPr lang="en" sz="1000" b="0" i="0" u="sng" strike="noStrike" cap="none">
                 <a:solidFill>
                   <a:schemeClr val="hlink"/>
                 </a:solidFill>
@@ -23268,12 +24104,12 @@
                 <a:ea typeface="Calibri"/>
                 <a:cs typeface="Calibri"/>
                 <a:sym typeface="Calibri"/>
-                <a:hlinkClick r:id="rId12"/>
-              </a:rPr>
-              <a:t>https://huggingface.co/open-llm-leaderboard</a:t>
-            </a:r>
-            <a:r>
-              <a:rPr lang="en" sz="800" b="0" i="0" u="none" strike="noStrike" cap="none">
+                <a:hlinkClick r:id="rId9"/>
+              </a:rPr>
+              <a:t>https://www.stack-ai.com/llm-leaderboard</a:t>
+            </a:r>
+            <a:r>
+              <a:rPr lang="en" sz="1000" b="0" i="0" u="none" strike="noStrike" cap="none">
                 <a:solidFill>
                   <a:schemeClr val="dk1"/>
                 </a:solidFill>
@@ -23284,7 +24120,7 @@
               </a:rPr>
               <a:t> </a:t>
             </a:r>
-            <a:endParaRPr sz="800" b="0" i="0" u="none" strike="noStrike" cap="none">
+            <a:endParaRPr sz="1000" b="0" i="0" u="none" strike="noStrike" cap="none">
               <a:solidFill>
                 <a:schemeClr val="dk1"/>
               </a:solidFill>
@@ -23295,7 +24131,7 @@
             </a:endParaRPr>
           </a:p>
           <a:p>
-            <a:pPr marL="171450" marR="0" lvl="0" indent="-107950" algn="l" rtl="0">
+            <a:pPr marL="171450" marR="0" lvl="0" indent="-120650" algn="l" rtl="0">
               <a:lnSpc>
                 <a:spcPct val="100000"/>
               </a:lnSpc>
@@ -23308,12 +24144,12 @@
               <a:buClr>
                 <a:schemeClr val="dk1"/>
               </a:buClr>
-              <a:buSzPts val="800"/>
+              <a:buSzPts val="1000"/>
               <a:buFont typeface="Calibri"/>
               <a:buChar char="●"/>
             </a:pPr>
             <a:r>
-              <a:rPr lang="en" sz="800" b="0" i="0" u="none" strike="noStrike" cap="none">
+              <a:rPr lang="en" sz="1000" b="0" i="0" u="none" strike="noStrike" cap="none">
                 <a:solidFill>
                   <a:schemeClr val="dk1"/>
                 </a:solidFill>
@@ -23322,10 +24158,174 @@
                 <a:cs typeface="Calibri"/>
                 <a:sym typeface="Calibri"/>
               </a:rPr>
+              <a:t>LLM Leaderboard - by Artificial Analysis</a:t>
+            </a:r>
+            <a:r>
+              <a:rPr lang="en" sz="1000">
+                <a:solidFill>
+                  <a:schemeClr val="dk1"/>
+                </a:solidFill>
+                <a:latin typeface="Calibri"/>
+                <a:ea typeface="Calibri"/>
+                <a:cs typeface="Calibri"/>
+                <a:sym typeface="Calibri"/>
+              </a:rPr>
+              <a:t> </a:t>
+            </a:r>
+            <a:br>
+              <a:rPr lang="en" sz="1000">
+                <a:solidFill>
+                  <a:schemeClr val="dk1"/>
+                </a:solidFill>
+                <a:latin typeface="Calibri"/>
+                <a:ea typeface="Calibri"/>
+                <a:cs typeface="Calibri"/>
+                <a:sym typeface="Calibri"/>
+              </a:rPr>
+            </a:br>
+            <a:r>
+              <a:rPr lang="en" sz="1000" b="0" i="0" u="sng" strike="noStrike" cap="none">
+                <a:solidFill>
+                  <a:schemeClr val="hlink"/>
+                </a:solidFill>
+                <a:latin typeface="Calibri"/>
+                <a:ea typeface="Calibri"/>
+                <a:cs typeface="Calibri"/>
+                <a:sym typeface="Calibri"/>
+                <a:hlinkClick r:id="rId10"/>
+              </a:rPr>
+              <a:t>https://artificialanalysis.ai/leaderboards/models</a:t>
+            </a:r>
+            <a:r>
+              <a:rPr lang="en" sz="1000" b="0" i="0" u="none" strike="noStrike" cap="none">
+                <a:solidFill>
+                  <a:schemeClr val="dk1"/>
+                </a:solidFill>
+                <a:latin typeface="Calibri"/>
+                <a:ea typeface="Calibri"/>
+                <a:cs typeface="Calibri"/>
+                <a:sym typeface="Calibri"/>
+              </a:rPr>
+              <a:t> </a:t>
+            </a:r>
+            <a:endParaRPr sz="1000" b="0" i="0" u="none" strike="noStrike" cap="none">
+              <a:solidFill>
+                <a:schemeClr val="dk1"/>
+              </a:solidFill>
+              <a:latin typeface="Calibri"/>
+              <a:ea typeface="Calibri"/>
+              <a:cs typeface="Calibri"/>
+              <a:sym typeface="Calibri"/>
+            </a:endParaRPr>
+          </a:p>
+          <a:p>
+            <a:pPr marL="171450" marR="0" lvl="0" indent="-120650" algn="l" rtl="0">
+              <a:lnSpc>
+                <a:spcPct val="100000"/>
+              </a:lnSpc>
+              <a:spcBef>
+                <a:spcPts val="0"/>
+              </a:spcBef>
+              <a:spcAft>
+                <a:spcPts val="0"/>
+              </a:spcAft>
+              <a:buClr>
+                <a:schemeClr val="dk1"/>
+              </a:buClr>
+              <a:buSzPts val="1000"/>
+              <a:buFont typeface="Calibri"/>
+              <a:buChar char="●"/>
+            </a:pPr>
+            <a:r>
+              <a:rPr lang="en" sz="1000" b="0" i="0" u="none" strike="noStrike" cap="none">
+                <a:solidFill>
+                  <a:schemeClr val="dk1"/>
+                </a:solidFill>
+                <a:latin typeface="Calibri"/>
+                <a:ea typeface="Calibri"/>
+                <a:cs typeface="Calibri"/>
+                <a:sym typeface="Calibri"/>
+              </a:rPr>
+              <a:t>Open LLM Leaderboard - by Hugging Face </a:t>
+            </a:r>
+            <a:br>
+              <a:rPr lang="en" sz="1000" b="0" i="0" u="none" strike="noStrike" cap="none">
+                <a:solidFill>
+                  <a:schemeClr val="dk1"/>
+                </a:solidFill>
+                <a:latin typeface="Calibri"/>
+                <a:ea typeface="Calibri"/>
+                <a:cs typeface="Calibri"/>
+                <a:sym typeface="Calibri"/>
+              </a:rPr>
+            </a:br>
+            <a:r>
+              <a:rPr lang="en" sz="1000" b="0" i="0" u="sng" strike="noStrike" cap="none">
+                <a:solidFill>
+                  <a:schemeClr val="hlink"/>
+                </a:solidFill>
+                <a:latin typeface="Calibri"/>
+                <a:ea typeface="Calibri"/>
+                <a:cs typeface="Calibri"/>
+                <a:sym typeface="Calibri"/>
+                <a:hlinkClick r:id="rId11"/>
+              </a:rPr>
+              <a:t>https://huggingface.co/open-llm-leaderboard</a:t>
+            </a:r>
+            <a:r>
+              <a:rPr lang="en" sz="1000" b="0" i="0" u="none" strike="noStrike" cap="none">
+                <a:solidFill>
+                  <a:schemeClr val="dk1"/>
+                </a:solidFill>
+                <a:latin typeface="Calibri"/>
+                <a:ea typeface="Calibri"/>
+                <a:cs typeface="Calibri"/>
+                <a:sym typeface="Calibri"/>
+              </a:rPr>
+              <a:t> </a:t>
+            </a:r>
+            <a:endParaRPr sz="1000" b="0" i="0" u="none" strike="noStrike" cap="none">
+              <a:solidFill>
+                <a:schemeClr val="dk1"/>
+              </a:solidFill>
+              <a:latin typeface="Calibri"/>
+              <a:ea typeface="Calibri"/>
+              <a:cs typeface="Calibri"/>
+              <a:sym typeface="Calibri"/>
+            </a:endParaRPr>
+          </a:p>
+          <a:p>
+            <a:pPr marL="171450" marR="0" lvl="0" indent="-120650" algn="l" rtl="0">
+              <a:lnSpc>
+                <a:spcPct val="100000"/>
+              </a:lnSpc>
+              <a:spcBef>
+                <a:spcPts val="0"/>
+              </a:spcBef>
+              <a:spcAft>
+                <a:spcPts val="0"/>
+              </a:spcAft>
+              <a:buClr>
+                <a:schemeClr val="dk1"/>
+              </a:buClr>
+              <a:buSzPts val="1000"/>
+              <a:buFont typeface="Calibri"/>
+              <a:buChar char="●"/>
+            </a:pPr>
+            <a:r>
+              <a:rPr lang="en" sz="1000" b="0" i="0" u="none" strike="noStrike" cap="none">
+                <a:solidFill>
+                  <a:schemeClr val="dk1"/>
+                </a:solidFill>
+                <a:latin typeface="Calibri"/>
+                <a:ea typeface="Calibri"/>
+                <a:cs typeface="Calibri"/>
+                <a:sym typeface="Calibri"/>
+              </a:rPr>
               <a:t>LLM Leaderboard - by Vellum </a:t>
             </a:r>
             <a:br>
-              <a:rPr lang="en" sz="800" b="0" i="0" u="none" strike="noStrike" cap="none">
+              <a:rPr lang="en" sz="1000" b="0" i="0" u="none" strike="noStrike" cap="none">
                 <a:solidFill>
                   <a:schemeClr val="dk1"/>
                 </a:solidFill>
@@ -23336,7 +24336,7 @@
               </a:rPr>
             </a:br>
             <a:r>
-              <a:rPr lang="en" sz="800" b="0" i="0" u="sng" strike="noStrike" cap="none">
+              <a:rPr lang="en" sz="1000" b="0" i="0" u="sng" strike="noStrike" cap="none">
                 <a:solidFill>
                   <a:schemeClr val="hlink"/>
                 </a:solidFill>
@@ -23344,12 +24344,12 @@
                 <a:ea typeface="Calibri"/>
                 <a:cs typeface="Calibri"/>
                 <a:sym typeface="Calibri"/>
-                <a:hlinkClick r:id="rId13"/>
+                <a:hlinkClick r:id="rId12"/>
               </a:rPr>
               <a:t>https://www.vellum.ai/llm-leaderboard</a:t>
             </a:r>
             <a:r>
-              <a:rPr lang="en" sz="800" b="0" i="0" u="none" strike="noStrike" cap="none">
+              <a:rPr lang="en" sz="1000" b="0" i="0" u="none" strike="noStrike" cap="none">
                 <a:solidFill>
                   <a:schemeClr val="dk1"/>
                 </a:solidFill>
@@ -23360,7 +24360,7 @@
               </a:rPr>
               <a:t> </a:t>
             </a:r>
-            <a:endParaRPr sz="800" b="0" i="0" u="none" strike="noStrike" cap="none">
+            <a:endParaRPr sz="1000" b="0" i="0" u="none" strike="noStrike" cap="none">
               <a:solidFill>
                 <a:schemeClr val="dk1"/>
               </a:solidFill>
@@ -23380,7 +24380,7 @@
         </p:nvSpPr>
         <p:spPr>
           <a:xfrm>
-            <a:off x="3530111" y="3622344"/>
+            <a:off x="3377711" y="3622344"/>
             <a:ext cx="287100" cy="141600"/>
           </a:xfrm>
           <a:prstGeom prst="rect">
@@ -23458,7 +24458,7 @@
         </p:nvSpPr>
         <p:spPr>
           <a:xfrm>
-            <a:off x="3820980" y="3630738"/>
+            <a:off x="3668580" y="3630738"/>
             <a:ext cx="125400" cy="125400"/>
           </a:xfrm>
           <a:prstGeom prst="ellipse">
@@ -23520,7 +24520,7 @@
         </p:nvSpPr>
         <p:spPr>
           <a:xfrm>
-            <a:off x="3827164" y="3214007"/>
+            <a:off x="3674764" y="3214007"/>
             <a:ext cx="125400" cy="125400"/>
           </a:xfrm>
           <a:prstGeom prst="ellipse">
@@ -23582,7 +24582,7 @@
         </p:nvSpPr>
         <p:spPr>
           <a:xfrm>
-            <a:off x="3813159" y="4226612"/>
+            <a:off x="3660759" y="4226612"/>
             <a:ext cx="125400" cy="125400"/>
           </a:xfrm>
           <a:prstGeom prst="ellipse">
@@ -23644,7 +24644,7 @@
         </p:nvSpPr>
         <p:spPr>
           <a:xfrm flipH="1">
-            <a:off x="3750736" y="3826965"/>
+            <a:off x="3598336" y="3826965"/>
             <a:ext cx="194400" cy="141600"/>
           </a:xfrm>
           <a:prstGeom prst="rect">
@@ -23787,7 +24787,7 @@
         </p:nvSpPr>
         <p:spPr>
           <a:xfrm>
-            <a:off x="3827180" y="1031197"/>
+            <a:off x="3674780" y="1031197"/>
             <a:ext cx="125400" cy="125400"/>
           </a:xfrm>
           <a:prstGeom prst="ellipse">
@@ -23849,7 +24849,7 @@
         </p:nvSpPr>
         <p:spPr>
           <a:xfrm>
-            <a:off x="3827180" y="2032869"/>
+            <a:off x="3674780" y="2032869"/>
             <a:ext cx="125400" cy="125400"/>
           </a:xfrm>
           <a:prstGeom prst="ellipse">
@@ -23911,7 +24911,7 @@
         </p:nvSpPr>
         <p:spPr>
           <a:xfrm>
-            <a:off x="3819811" y="1635151"/>
+            <a:off x="3667411" y="1635151"/>
             <a:ext cx="125400" cy="125400"/>
           </a:xfrm>
           <a:prstGeom prst="ellipse">
@@ -23973,7 +24973,7 @@
         </p:nvSpPr>
         <p:spPr>
           <a:xfrm>
-            <a:off x="3813386" y="2631753"/>
+            <a:off x="3660986" y="2631753"/>
             <a:ext cx="125400" cy="125400"/>
           </a:xfrm>
           <a:prstGeom prst="ellipse">
@@ -24035,7 +25035,7 @@
         </p:nvSpPr>
         <p:spPr>
           <a:xfrm>
-            <a:off x="3518325" y="3023690"/>
+            <a:off x="3365925" y="3023690"/>
             <a:ext cx="288900" cy="141600"/>
           </a:xfrm>
           <a:prstGeom prst="rect">
@@ -24113,7 +25113,7 @@
         </p:nvSpPr>
         <p:spPr>
           <a:xfrm>
-            <a:off x="3818782" y="3034979"/>
+            <a:off x="3666382" y="3034979"/>
             <a:ext cx="125400" cy="125400"/>
           </a:xfrm>
           <a:prstGeom prst="ellipse">
@@ -24175,7 +25175,7 @@
         </p:nvSpPr>
         <p:spPr>
           <a:xfrm>
-            <a:off x="3818730" y="4430053"/>
+            <a:off x="3666330" y="4430053"/>
             <a:ext cx="125400" cy="125400"/>
           </a:xfrm>
           <a:prstGeom prst="ellipse">
@@ -24237,7 +25237,7 @@
         </p:nvSpPr>
         <p:spPr>
           <a:xfrm>
-            <a:off x="3818730" y="4024308"/>
+            <a:off x="3666330" y="4024308"/>
             <a:ext cx="125400" cy="125400"/>
           </a:xfrm>
           <a:prstGeom prst="ellipse">
@@ -24299,7 +25299,7 @@
         </p:nvSpPr>
         <p:spPr>
           <a:xfrm>
-            <a:off x="345398" y="3611857"/>
+            <a:off x="192998" y="3611857"/>
             <a:ext cx="287100" cy="141600"/>
           </a:xfrm>
           <a:prstGeom prst="rect">
@@ -24377,7 +25377,7 @@
         </p:nvSpPr>
         <p:spPr>
           <a:xfrm>
-            <a:off x="644664" y="3619104"/>
+            <a:off x="492264" y="3619104"/>
             <a:ext cx="125400" cy="125400"/>
           </a:xfrm>
           <a:prstGeom prst="ellipse">
@@ -24439,7 +25439,7 @@
         </p:nvSpPr>
         <p:spPr>
           <a:xfrm>
-            <a:off x="345398" y="2409325"/>
+            <a:off x="192998" y="2409325"/>
             <a:ext cx="287100" cy="141600"/>
           </a:xfrm>
           <a:prstGeom prst="rect">
@@ -24517,7 +25517,7 @@
         </p:nvSpPr>
         <p:spPr>
           <a:xfrm>
-            <a:off x="644664" y="2416572"/>
+            <a:off x="492264" y="2416572"/>
             <a:ext cx="125400" cy="125400"/>
           </a:xfrm>
           <a:prstGeom prst="ellipse">
@@ -24579,7 +25579,7 @@
         </p:nvSpPr>
         <p:spPr>
           <a:xfrm>
-            <a:off x="3818730" y="2233539"/>
+            <a:off x="3666330" y="2233539"/>
             <a:ext cx="125400" cy="125400"/>
           </a:xfrm>
           <a:prstGeom prst="ellipse">
@@ -24641,7 +25641,7 @@
         </p:nvSpPr>
         <p:spPr>
           <a:xfrm>
-            <a:off x="640236" y="1417959"/>
+            <a:off x="487836" y="1417959"/>
             <a:ext cx="125400" cy="125400"/>
           </a:xfrm>
           <a:prstGeom prst="ellipse">
@@ -24703,7 +25703,7 @@
         </p:nvSpPr>
         <p:spPr>
           <a:xfrm>
-            <a:off x="637539" y="1618682"/>
+            <a:off x="485139" y="1618682"/>
             <a:ext cx="125400" cy="125400"/>
           </a:xfrm>
           <a:prstGeom prst="ellipse">
@@ -24765,7 +25765,7 @@
         </p:nvSpPr>
         <p:spPr>
           <a:xfrm>
-            <a:off x="637539" y="1822024"/>
+            <a:off x="485139" y="1822024"/>
             <a:ext cx="125400" cy="125400"/>
           </a:xfrm>
           <a:prstGeom prst="ellipse">
@@ -24827,7 +25827,7 @@
         </p:nvSpPr>
         <p:spPr>
           <a:xfrm>
-            <a:off x="646161" y="2219689"/>
+            <a:off x="493761" y="2219689"/>
             <a:ext cx="125400" cy="125400"/>
           </a:xfrm>
           <a:prstGeom prst="ellipse">
@@ -24889,7 +25889,7 @@
         </p:nvSpPr>
         <p:spPr>
           <a:xfrm>
-            <a:off x="639269" y="2014164"/>
+            <a:off x="486869" y="2014164"/>
             <a:ext cx="125400" cy="125400"/>
           </a:xfrm>
           <a:prstGeom prst="ellipse">
@@ -24951,7 +25951,7 @@
         </p:nvSpPr>
         <p:spPr>
           <a:xfrm>
-            <a:off x="646910" y="2606983"/>
+            <a:off x="494510" y="2606983"/>
             <a:ext cx="125400" cy="125400"/>
           </a:xfrm>
           <a:prstGeom prst="ellipse">
@@ -25013,7 +26013,7 @@
         </p:nvSpPr>
         <p:spPr>
           <a:xfrm>
-            <a:off x="637009" y="3018452"/>
+            <a:off x="484609" y="3018452"/>
             <a:ext cx="125400" cy="125400"/>
           </a:xfrm>
           <a:prstGeom prst="ellipse">
@@ -25075,7 +26075,7 @@
         </p:nvSpPr>
         <p:spPr>
           <a:xfrm flipH="1">
-            <a:off x="583188" y="2812401"/>
+            <a:off x="430788" y="2812401"/>
             <a:ext cx="194400" cy="141600"/>
           </a:xfrm>
           <a:prstGeom prst="rect">
@@ -25149,7 +26149,7 @@
         </p:nvSpPr>
         <p:spPr>
           <a:xfrm>
-            <a:off x="646893" y="4223216"/>
+            <a:off x="494493" y="4223216"/>
             <a:ext cx="125400" cy="125400"/>
           </a:xfrm>
           <a:prstGeom prst="ellipse">
@@ -25211,7 +26211,7 @@
         </p:nvSpPr>
         <p:spPr>
           <a:xfrm>
-            <a:off x="630837" y="3221642"/>
+            <a:off x="478437" y="3221642"/>
             <a:ext cx="125400" cy="125400"/>
           </a:xfrm>
           <a:prstGeom prst="ellipse">
@@ -25273,7 +26273,7 @@
         </p:nvSpPr>
         <p:spPr>
           <a:xfrm>
-            <a:off x="633554" y="3414637"/>
+            <a:off x="481154" y="3414637"/>
             <a:ext cx="125400" cy="125400"/>
           </a:xfrm>
           <a:prstGeom prst="ellipse">
@@ -25334,7 +26334,7 @@
           <p:nvPr/>
         </p:nvGraphicFramePr>
         <p:xfrm>
-          <a:off x="3962400" y="796927"/>
+          <a:off x="3810000" y="796927"/>
           <a:ext cx="3000000" cy="3000000"/>
         </p:xfrm>
         <a:graphic>
@@ -25342,7 +26342,7 @@
             <a:tbl>
               <a:tblPr>
                 <a:noFill/>
-                <a:tableStyleId>{0BB52890-E6D8-4B36-8DF2-08EE67B56AEC}</a:tableStyleId>
+                <a:tableStyleId>{E318B31A-255C-4A5F-9448-2583F3E32FEA}</a:tableStyleId>
               </a:tblPr>
               <a:tblGrid>
                 <a:gridCol w="1809750">
@@ -25546,7 +26546,7 @@
                           <a:ea typeface="Calibri"/>
                           <a:cs typeface="Calibri"/>
                           <a:sym typeface="Calibri"/>
-                          <a:hlinkClick r:id="rId14">
+                          <a:hlinkClick r:id="rId13">
                             <a:extLst>
                               <a:ext uri="{A12FA001-AC4F-418D-AE19-62706E023703}">
                                 <ahyp:hlinkClr xmlns:ahyp="http://schemas.microsoft.com/office/drawing/2018/hyperlinkcolor" val="tx"/>
@@ -25724,7 +26724,7 @@
                           <a:ea typeface="Calibri"/>
                           <a:cs typeface="Calibri"/>
                           <a:sym typeface="Calibri"/>
-                          <a:hlinkClick r:id="rId15">
+                          <a:hlinkClick r:id="rId14">
                             <a:extLst>
                               <a:ext uri="{A12FA001-AC4F-418D-AE19-62706E023703}">
                                 <ahyp:hlinkClr xmlns:ahyp="http://schemas.microsoft.com/office/drawing/2018/hyperlinkcolor" val="tx"/>
@@ -25902,7 +26902,7 @@
                           <a:ea typeface="Calibri"/>
                           <a:cs typeface="Calibri"/>
                           <a:sym typeface="Calibri"/>
-                          <a:hlinkClick r:id="rId16">
+                          <a:hlinkClick r:id="rId15">
                             <a:extLst>
                               <a:ext uri="{A12FA001-AC4F-418D-AE19-62706E023703}">
                                 <ahyp:hlinkClr xmlns:ahyp="http://schemas.microsoft.com/office/drawing/2018/hyperlinkcolor" val="tx"/>
@@ -26080,7 +27080,7 @@
                           <a:ea typeface="Calibri"/>
                           <a:cs typeface="Calibri"/>
                           <a:sym typeface="Calibri"/>
-                          <a:hlinkClick r:id="rId17">
+                          <a:hlinkClick r:id="rId16">
                             <a:extLst>
                               <a:ext uri="{A12FA001-AC4F-418D-AE19-62706E023703}">
                                 <ahyp:hlinkClr xmlns:ahyp="http://schemas.microsoft.com/office/drawing/2018/hyperlinkcolor" val="tx"/>
@@ -26258,7 +27258,7 @@
                           <a:ea typeface="Calibri"/>
                           <a:cs typeface="Calibri"/>
                           <a:sym typeface="Calibri"/>
-                          <a:hlinkClick r:id="rId17">
+                          <a:hlinkClick r:id="rId16">
                             <a:extLst>
                               <a:ext uri="{A12FA001-AC4F-418D-AE19-62706E023703}">
                                 <ahyp:hlinkClr xmlns:ahyp="http://schemas.microsoft.com/office/drawing/2018/hyperlinkcolor" val="tx"/>
@@ -26436,7 +27436,7 @@
                           <a:ea typeface="Calibri"/>
                           <a:cs typeface="Calibri"/>
                           <a:sym typeface="Calibri"/>
-                          <a:hlinkClick r:id="rId18">
+                          <a:hlinkClick r:id="rId17">
                             <a:extLst>
                               <a:ext uri="{A12FA001-AC4F-418D-AE19-62706E023703}">
                                 <ahyp:hlinkClr xmlns:ahyp="http://schemas.microsoft.com/office/drawing/2018/hyperlinkcolor" val="tx"/>
@@ -26614,7 +27614,7 @@
                           <a:ea typeface="Calibri"/>
                           <a:cs typeface="Calibri"/>
                           <a:sym typeface="Calibri"/>
-                          <a:hlinkClick r:id="rId19">
+                          <a:hlinkClick r:id="rId18">
                             <a:extLst>
                               <a:ext uri="{A12FA001-AC4F-418D-AE19-62706E023703}">
                                 <ahyp:hlinkClr xmlns:ahyp="http://schemas.microsoft.com/office/drawing/2018/hyperlinkcolor" val="tx"/>
@@ -26792,7 +27792,7 @@
                           <a:ea typeface="Calibri"/>
                           <a:cs typeface="Calibri"/>
                           <a:sym typeface="Calibri"/>
-                          <a:hlinkClick r:id="rId20">
+                          <a:hlinkClick r:id="rId19">
                             <a:extLst>
                               <a:ext uri="{A12FA001-AC4F-418D-AE19-62706E023703}">
                                 <ahyp:hlinkClr xmlns:ahyp="http://schemas.microsoft.com/office/drawing/2018/hyperlinkcolor" val="tx"/>
@@ -26970,7 +27970,7 @@
                           <a:ea typeface="Calibri"/>
                           <a:cs typeface="Calibri"/>
                           <a:sym typeface="Calibri"/>
-                          <a:hlinkClick r:id="rId21">
+                          <a:hlinkClick r:id="rId20">
                             <a:extLst>
                               <a:ext uri="{A12FA001-AC4F-418D-AE19-62706E023703}">
                                 <ahyp:hlinkClr xmlns:ahyp="http://schemas.microsoft.com/office/drawing/2018/hyperlinkcolor" val="tx"/>
@@ -27148,7 +28148,7 @@
                           <a:ea typeface="Calibri"/>
                           <a:cs typeface="Calibri"/>
                           <a:sym typeface="Calibri"/>
-                          <a:hlinkClick r:id="rId22">
+                          <a:hlinkClick r:id="rId21">
                             <a:extLst>
                               <a:ext uri="{A12FA001-AC4F-418D-AE19-62706E023703}">
                                 <ahyp:hlinkClr xmlns:ahyp="http://schemas.microsoft.com/office/drawing/2018/hyperlinkcolor" val="tx"/>
@@ -27326,7 +28326,7 @@
                           <a:ea typeface="Calibri"/>
                           <a:cs typeface="Calibri"/>
                           <a:sym typeface="Calibri"/>
-                          <a:hlinkClick r:id="rId23">
+                          <a:hlinkClick r:id="rId22">
                             <a:extLst>
                               <a:ext uri="{A12FA001-AC4F-418D-AE19-62706E023703}">
                                 <ahyp:hlinkClr xmlns:ahyp="http://schemas.microsoft.com/office/drawing/2018/hyperlinkcolor" val="tx"/>
@@ -27504,7 +28504,7 @@
                           <a:ea typeface="Calibri"/>
                           <a:cs typeface="Calibri"/>
                           <a:sym typeface="Calibri"/>
-                          <a:hlinkClick r:id="rId24">
+                          <a:hlinkClick r:id="rId23">
                             <a:extLst>
                               <a:ext uri="{A12FA001-AC4F-418D-AE19-62706E023703}">
                                 <ahyp:hlinkClr xmlns:ahyp="http://schemas.microsoft.com/office/drawing/2018/hyperlinkcolor" val="tx"/>
@@ -27682,7 +28682,7 @@
                           <a:ea typeface="Calibri"/>
                           <a:cs typeface="Calibri"/>
                           <a:sym typeface="Calibri"/>
-                          <a:hlinkClick r:id="rId20">
+                          <a:hlinkClick r:id="rId19">
                             <a:extLst>
                               <a:ext uri="{A12FA001-AC4F-418D-AE19-62706E023703}">
                                 <ahyp:hlinkClr xmlns:ahyp="http://schemas.microsoft.com/office/drawing/2018/hyperlinkcolor" val="tx"/>
@@ -27860,7 +28860,7 @@
                           <a:ea typeface="Calibri"/>
                           <a:cs typeface="Calibri"/>
                           <a:sym typeface="Calibri"/>
-                          <a:hlinkClick r:id="rId25">
+                          <a:hlinkClick r:id="rId24">
                             <a:extLst>
                               <a:ext uri="{A12FA001-AC4F-418D-AE19-62706E023703}">
                                 <ahyp:hlinkClr xmlns:ahyp="http://schemas.microsoft.com/office/drawing/2018/hyperlinkcolor" val="tx"/>
@@ -28038,7 +29038,7 @@
                           <a:ea typeface="Calibri"/>
                           <a:cs typeface="Calibri"/>
                           <a:sym typeface="Calibri"/>
-                          <a:hlinkClick r:id="rId26">
+                          <a:hlinkClick r:id="rId25">
                             <a:extLst>
                               <a:ext uri="{A12FA001-AC4F-418D-AE19-62706E023703}">
                                 <ahyp:hlinkClr xmlns:ahyp="http://schemas.microsoft.com/office/drawing/2018/hyperlinkcolor" val="tx"/>
@@ -28216,7 +29216,7 @@
                           <a:ea typeface="Calibri"/>
                           <a:cs typeface="Calibri"/>
                           <a:sym typeface="Calibri"/>
-                          <a:hlinkClick r:id="rId27">
+                          <a:hlinkClick r:id="rId26">
                             <a:extLst>
                               <a:ext uri="{A12FA001-AC4F-418D-AE19-62706E023703}">
                                 <ahyp:hlinkClr xmlns:ahyp="http://schemas.microsoft.com/office/drawing/2018/hyperlinkcolor" val="tx"/>
@@ -28394,7 +29394,7 @@
                           <a:ea typeface="Calibri"/>
                           <a:cs typeface="Calibri"/>
                           <a:sym typeface="Calibri"/>
-                          <a:hlinkClick r:id="rId28">
+                          <a:hlinkClick r:id="rId27">
                             <a:extLst>
                               <a:ext uri="{A12FA001-AC4F-418D-AE19-62706E023703}">
                                 <ahyp:hlinkClr xmlns:ahyp="http://schemas.microsoft.com/office/drawing/2018/hyperlinkcolor" val="tx"/>
@@ -28572,7 +29572,7 @@
                           <a:ea typeface="Calibri"/>
                           <a:cs typeface="Calibri"/>
                           <a:sym typeface="Calibri"/>
-                          <a:hlinkClick r:id="rId29">
+                          <a:hlinkClick r:id="rId28">
                             <a:extLst>
                               <a:ext uri="{A12FA001-AC4F-418D-AE19-62706E023703}">
                                 <ahyp:hlinkClr xmlns:ahyp="http://schemas.microsoft.com/office/drawing/2018/hyperlinkcolor" val="tx"/>
@@ -28750,7 +29750,7 @@
                           <a:ea typeface="Calibri"/>
                           <a:cs typeface="Calibri"/>
                           <a:sym typeface="Calibri"/>
-                          <a:hlinkClick r:id="rId24">
+                          <a:hlinkClick r:id="rId23">
                             <a:extLst>
                               <a:ext uri="{A12FA001-AC4F-418D-AE19-62706E023703}">
                                 <ahyp:hlinkClr xmlns:ahyp="http://schemas.microsoft.com/office/drawing/2018/hyperlinkcolor" val="tx"/>
@@ -28901,6 +29901,175 @@
                   </a:ext>
                 </a:extLst>
               </a:tr>
+              <a:tr h="200025">
+                <a:tc>
+                  <a:txBody>
+                    <a:bodyPr/>
+                    <a:lstStyle/>
+                    <a:p>
+                      <a:pPr marL="0" lvl="0" indent="0" algn="l" rtl="0">
+                        <a:lnSpc>
+                          <a:spcPct val="115000"/>
+                        </a:lnSpc>
+                        <a:spcBef>
+                          <a:spcPts val="0"/>
+                        </a:spcBef>
+                        <a:spcAft>
+                          <a:spcPts val="0"/>
+                        </a:spcAft>
+                        <a:buNone/>
+                      </a:pPr>
+                      <a:r>
+                        <a:rPr lang="en" sz="900" u="sng">
+                          <a:solidFill>
+                            <a:schemeClr val="hlink"/>
+                          </a:solidFill>
+                          <a:latin typeface="Calibri"/>
+                          <a:ea typeface="Calibri"/>
+                          <a:cs typeface="Calibri"/>
+                          <a:sym typeface="Calibri"/>
+                          <a:hlinkClick r:id="rId27"/>
+                        </a:rPr>
+                        <a:t>o3-mini (20250131)</a:t>
+                      </a:r>
+                      <a:endParaRPr sz="900">
+                        <a:latin typeface="Calibri"/>
+                        <a:ea typeface="Calibri"/>
+                        <a:cs typeface="Calibri"/>
+                        <a:sym typeface="Calibri"/>
+                      </a:endParaRPr>
+                    </a:p>
+                  </a:txBody>
+                  <a:tcPr marL="28575" marR="28575" marT="19050" marB="19050" anchor="b">
+                    <a:lnL w="9525" cap="flat" cmpd="sng">
+                      <a:solidFill>
+                        <a:srgbClr val="FF0000"/>
+                      </a:solidFill>
+                      <a:prstDash val="solid"/>
+                      <a:round/>
+                      <a:headEnd type="none" w="sm" len="sm"/>
+                      <a:tailEnd type="none" w="sm" len="sm"/>
+                    </a:lnL>
+                    <a:lnR w="9525" cap="flat" cmpd="sng">
+                      <a:solidFill>
+                        <a:srgbClr val="FF0000"/>
+                      </a:solidFill>
+                      <a:prstDash val="solid"/>
+                      <a:round/>
+                      <a:headEnd type="none" w="sm" len="sm"/>
+                      <a:tailEnd type="none" w="sm" len="sm"/>
+                    </a:lnR>
+                    <a:lnT w="9525" cap="flat" cmpd="sng">
+                      <a:solidFill>
+                        <a:srgbClr val="FF0000"/>
+                      </a:solidFill>
+                      <a:prstDash val="solid"/>
+                      <a:round/>
+                      <a:headEnd type="none" w="sm" len="sm"/>
+                      <a:tailEnd type="none" w="sm" len="sm"/>
+                    </a:lnT>
+                    <a:lnB w="9525" cap="flat" cmpd="sng">
+                      <a:solidFill>
+                        <a:srgbClr val="FF0000"/>
+                      </a:solidFill>
+                      <a:prstDash val="solid"/>
+                      <a:round/>
+                      <a:headEnd type="none" w="sm" len="sm"/>
+                      <a:tailEnd type="none" w="sm" len="sm"/>
+                    </a:lnB>
+                    <a:solidFill>
+                      <a:srgbClr val="FFFFFF"/>
+                    </a:solidFill>
+                  </a:tcPr>
+                </a:tc>
+                <a:tc>
+                  <a:txBody>
+                    <a:bodyPr/>
+                    <a:lstStyle/>
+                    <a:p>
+                      <a:pPr marL="0" lvl="0" indent="0" algn="r" rtl="0">
+                        <a:lnSpc>
+                          <a:spcPct val="115000"/>
+                        </a:lnSpc>
+                        <a:spcBef>
+                          <a:spcPts val="0"/>
+                        </a:spcBef>
+                        <a:spcAft>
+                          <a:spcPts val="0"/>
+                        </a:spcAft>
+                        <a:buNone/>
+                      </a:pPr>
+                      <a:r>
+                        <a:rPr lang="en" sz="900">
+                          <a:solidFill>
+                            <a:srgbClr val="5D6272"/>
+                          </a:solidFill>
+                          <a:latin typeface="Calibri"/>
+                          <a:ea typeface="Calibri"/>
+                          <a:cs typeface="Calibri"/>
+                          <a:sym typeface="Calibri"/>
+                        </a:rPr>
+                        <a:t>1092</a:t>
+                      </a:r>
+                      <a:endParaRPr sz="900">
+                        <a:solidFill>
+                          <a:srgbClr val="5D6272"/>
+                        </a:solidFill>
+                        <a:latin typeface="Calibri"/>
+                        <a:ea typeface="Calibri"/>
+                        <a:cs typeface="Calibri"/>
+                        <a:sym typeface="Calibri"/>
+                      </a:endParaRPr>
+                    </a:p>
+                  </a:txBody>
+                  <a:tcPr marL="28575" marR="28575" marT="19050" marB="19050" anchor="b">
+                    <a:lnL w="9525" cap="flat" cmpd="sng">
+                      <a:solidFill>
+                        <a:srgbClr val="FF0000"/>
+                      </a:solidFill>
+                      <a:prstDash val="solid"/>
+                      <a:round/>
+                      <a:headEnd type="none" w="sm" len="sm"/>
+                      <a:tailEnd type="none" w="sm" len="sm"/>
+                    </a:lnL>
+                    <a:lnR w="9525" cap="flat" cmpd="sng">
+                      <a:solidFill>
+                        <a:srgbClr val="FF0000"/>
+                      </a:solidFill>
+                      <a:prstDash val="solid"/>
+                      <a:round/>
+                      <a:headEnd type="none" w="sm" len="sm"/>
+                      <a:tailEnd type="none" w="sm" len="sm"/>
+                    </a:lnR>
+                    <a:lnT w="9525" cap="flat" cmpd="sng">
+                      <a:solidFill>
+                        <a:srgbClr val="FF0000"/>
+                      </a:solidFill>
+                      <a:prstDash val="solid"/>
+                      <a:round/>
+                      <a:headEnd type="none" w="sm" len="sm"/>
+                      <a:tailEnd type="none" w="sm" len="sm"/>
+                    </a:lnT>
+                    <a:lnB w="9525" cap="flat" cmpd="sng">
+                      <a:solidFill>
+                        <a:srgbClr val="FF0000"/>
+                      </a:solidFill>
+                      <a:prstDash val="solid"/>
+                      <a:round/>
+                      <a:headEnd type="none" w="sm" len="sm"/>
+                      <a:tailEnd type="none" w="sm" len="sm"/>
+                    </a:lnB>
+                    <a:solidFill>
+                      <a:srgbClr val="FFFFFF"/>
+                    </a:solidFill>
+                  </a:tcPr>
+                </a:tc>
+                <a:extLst>
+                  <a:ext uri="{0D108BD9-81ED-4DB2-BD59-A6C34878D82A}">
+                    <a16:rowId xmlns:a16="http://schemas.microsoft.com/office/drawing/2014/main" val="10020"/>
+                  </a:ext>
+                </a:extLst>
+              </a:tr>
             </a:tbl>
           </a:graphicData>
         </a:graphic>
@@ -28913,7 +30082,7 @@
         </p:nvSpPr>
         <p:spPr>
           <a:xfrm>
-            <a:off x="345398" y="3812515"/>
+            <a:off x="192998" y="3812515"/>
             <a:ext cx="287100" cy="141600"/>
           </a:xfrm>
           <a:prstGeom prst="rect">
@@ -28991,7 +30160,7 @@
         </p:nvSpPr>
         <p:spPr>
           <a:xfrm>
-            <a:off x="644664" y="3819762"/>
+            <a:off x="492264" y="3819762"/>
             <a:ext cx="125400" cy="125400"/>
           </a:xfrm>
           <a:prstGeom prst="ellipse">
@@ -29053,7 +30222,7 @@
         </p:nvSpPr>
         <p:spPr>
           <a:xfrm>
-            <a:off x="345398" y="4021195"/>
+            <a:off x="192998" y="4021195"/>
             <a:ext cx="287100" cy="141600"/>
           </a:xfrm>
           <a:prstGeom prst="rect">
@@ -29131,7 +30300,7 @@
         </p:nvSpPr>
         <p:spPr>
           <a:xfrm>
-            <a:off x="644664" y="4028442"/>
+            <a:off x="492264" y="4028442"/>
             <a:ext cx="125400" cy="125400"/>
           </a:xfrm>
           <a:prstGeom prst="ellipse">
@@ -29193,7 +30362,7 @@
         </p:nvSpPr>
         <p:spPr>
           <a:xfrm>
-            <a:off x="646893" y="4812346"/>
+            <a:off x="494493" y="4812346"/>
             <a:ext cx="125400" cy="125400"/>
           </a:xfrm>
           <a:prstGeom prst="ellipse">
@@ -29255,7 +30424,7 @@
         </p:nvSpPr>
         <p:spPr>
           <a:xfrm>
-            <a:off x="637009" y="4624109"/>
+            <a:off x="484609" y="4624109"/>
             <a:ext cx="125400" cy="125400"/>
           </a:xfrm>
           <a:prstGeom prst="ellipse">
@@ -29317,7 +30486,7 @@
         </p:nvSpPr>
         <p:spPr>
           <a:xfrm>
-            <a:off x="3510956" y="1224740"/>
+            <a:off x="3358556" y="1224740"/>
             <a:ext cx="288900" cy="141600"/>
           </a:xfrm>
           <a:prstGeom prst="rect">
@@ -29395,7 +30564,7 @@
         </p:nvSpPr>
         <p:spPr>
           <a:xfrm>
-            <a:off x="3811413" y="1236029"/>
+            <a:off x="3659013" y="1236029"/>
             <a:ext cx="125400" cy="125400"/>
           </a:xfrm>
           <a:prstGeom prst="ellipse">
@@ -29456,7 +30625,7 @@
           <p:nvPr/>
         </p:nvGraphicFramePr>
         <p:xfrm>
-          <a:off x="790348" y="790121"/>
+          <a:off x="637948" y="790121"/>
           <a:ext cx="3000000" cy="3000000"/>
         </p:xfrm>
         <a:graphic>
@@ -29464,7 +30633,7 @@
             <a:tbl>
               <a:tblPr>
                 <a:noFill/>
-                <a:tableStyleId>{0BB52890-E6D8-4B36-8DF2-08EE67B56AEC}</a:tableStyleId>
+                <a:tableStyleId>{E318B31A-255C-4A5F-9448-2583F3E32FEA}</a:tableStyleId>
               </a:tblPr>
               <a:tblGrid>
                 <a:gridCol w="2112775">
@@ -29662,7 +30831,7 @@
                           <a:ea typeface="Calibri"/>
                           <a:cs typeface="Calibri"/>
                           <a:sym typeface="Calibri"/>
-                          <a:hlinkClick r:id="rId30">
+                          <a:hlinkClick r:id="rId29">
                             <a:extLst>
                               <a:ext uri="{A12FA001-AC4F-418D-AE19-62706E023703}">
                                 <ahyp:hlinkClr xmlns:ahyp="http://schemas.microsoft.com/office/drawing/2018/hyperlinkcolor" val="tx"/>
@@ -29834,7 +31003,7 @@
                           <a:ea typeface="Calibri"/>
                           <a:cs typeface="Calibri"/>
                           <a:sym typeface="Calibri"/>
-                          <a:hlinkClick r:id="rId24">
+                          <a:hlinkClick r:id="rId23">
                             <a:extLst>
                               <a:ext uri="{A12FA001-AC4F-418D-AE19-62706E023703}">
                                 <ahyp:hlinkClr xmlns:ahyp="http://schemas.microsoft.com/office/drawing/2018/hyperlinkcolor" val="tx"/>
@@ -30006,7 +31175,7 @@
                           <a:ea typeface="Calibri"/>
                           <a:cs typeface="Calibri"/>
                           <a:sym typeface="Calibri"/>
-                          <a:hlinkClick r:id="rId16">
+                          <a:hlinkClick r:id="rId15">
                             <a:extLst>
                               <a:ext uri="{A12FA001-AC4F-418D-AE19-62706E023703}">
                                 <ahyp:hlinkClr xmlns:ahyp="http://schemas.microsoft.com/office/drawing/2018/hyperlinkcolor" val="tx"/>
@@ -30178,7 +31347,7 @@
                           <a:ea typeface="Calibri"/>
                           <a:cs typeface="Calibri"/>
                           <a:sym typeface="Calibri"/>
-                          <a:hlinkClick r:id="rId31">
+                          <a:hlinkClick r:id="rId30">
                             <a:extLst>
                               <a:ext uri="{A12FA001-AC4F-418D-AE19-62706E023703}">
                                 <ahyp:hlinkClr xmlns:ahyp="http://schemas.microsoft.com/office/drawing/2018/hyperlinkcolor" val="tx"/>
@@ -30350,7 +31519,7 @@
                           <a:ea typeface="Calibri"/>
                           <a:cs typeface="Calibri"/>
                           <a:sym typeface="Calibri"/>
-                          <a:hlinkClick r:id="rId32">
+                          <a:hlinkClick r:id="rId31">
                             <a:extLst>
                               <a:ext uri="{A12FA001-AC4F-418D-AE19-62706E023703}">
                                 <ahyp:hlinkClr xmlns:ahyp="http://schemas.microsoft.com/office/drawing/2018/hyperlinkcolor" val="tx"/>
@@ -30522,7 +31691,7 @@
                           <a:ea typeface="Calibri"/>
                           <a:cs typeface="Calibri"/>
                           <a:sym typeface="Calibri"/>
-                          <a:hlinkClick r:id="rId17">
+                          <a:hlinkClick r:id="rId16">
                             <a:extLst>
                               <a:ext uri="{A12FA001-AC4F-418D-AE19-62706E023703}">
                                 <ahyp:hlinkClr xmlns:ahyp="http://schemas.microsoft.com/office/drawing/2018/hyperlinkcolor" val="tx"/>
@@ -30694,7 +31863,7 @@
                           <a:ea typeface="Calibri"/>
                           <a:cs typeface="Calibri"/>
                           <a:sym typeface="Calibri"/>
-                          <a:hlinkClick r:id="rId33">
+                          <a:hlinkClick r:id="rId32">
                             <a:extLst>
                               <a:ext uri="{A12FA001-AC4F-418D-AE19-62706E023703}">
                                 <ahyp:hlinkClr xmlns:ahyp="http://schemas.microsoft.com/office/drawing/2018/hyperlinkcolor" val="tx"/>
@@ -30866,7 +32035,7 @@
                           <a:ea typeface="Calibri"/>
                           <a:cs typeface="Calibri"/>
                           <a:sym typeface="Calibri"/>
-                          <a:hlinkClick r:id="rId15">
+                          <a:hlinkClick r:id="rId14">
                             <a:extLst>
                               <a:ext uri="{A12FA001-AC4F-418D-AE19-62706E023703}">
                                 <ahyp:hlinkClr xmlns:ahyp="http://schemas.microsoft.com/office/drawing/2018/hyperlinkcolor" val="tx"/>
@@ -31038,7 +32207,7 @@
                           <a:ea typeface="Calibri"/>
                           <a:cs typeface="Calibri"/>
                           <a:sym typeface="Calibri"/>
-                          <a:hlinkClick r:id="rId20">
+                          <a:hlinkClick r:id="rId19">
                             <a:extLst>
                               <a:ext uri="{A12FA001-AC4F-418D-AE19-62706E023703}">
                                 <ahyp:hlinkClr xmlns:ahyp="http://schemas.microsoft.com/office/drawing/2018/hyperlinkcolor" val="tx"/>
@@ -31210,7 +32379,7 @@
                           <a:ea typeface="Calibri"/>
                           <a:cs typeface="Calibri"/>
                           <a:sym typeface="Calibri"/>
-                          <a:hlinkClick r:id="rId34">
+                          <a:hlinkClick r:id="rId33">
                             <a:extLst>
                               <a:ext uri="{A12FA001-AC4F-418D-AE19-62706E023703}">
                                 <ahyp:hlinkClr xmlns:ahyp="http://schemas.microsoft.com/office/drawing/2018/hyperlinkcolor" val="tx"/>
@@ -31382,7 +32551,7 @@
                           <a:ea typeface="Calibri"/>
                           <a:cs typeface="Calibri"/>
                           <a:sym typeface="Calibri"/>
-                          <a:hlinkClick r:id="rId27">
+                          <a:hlinkClick r:id="rId26">
                             <a:extLst>
                               <a:ext uri="{A12FA001-AC4F-418D-AE19-62706E023703}">
                                 <ahyp:hlinkClr xmlns:ahyp="http://schemas.microsoft.com/office/drawing/2018/hyperlinkcolor" val="tx"/>
@@ -31554,7 +32723,7 @@
                           <a:ea typeface="Calibri"/>
                           <a:cs typeface="Calibri"/>
                           <a:sym typeface="Calibri"/>
-                          <a:hlinkClick r:id="rId24">
+                          <a:hlinkClick r:id="rId23">
                             <a:extLst>
                               <a:ext uri="{A12FA001-AC4F-418D-AE19-62706E023703}">
                                 <ahyp:hlinkClr xmlns:ahyp="http://schemas.microsoft.com/office/drawing/2018/hyperlinkcolor" val="tx"/>
@@ -31726,7 +32895,7 @@
                           <a:ea typeface="Calibri"/>
                           <a:cs typeface="Calibri"/>
                           <a:sym typeface="Calibri"/>
-                          <a:hlinkClick r:id="rId35">
+                          <a:hlinkClick r:id="rId34">
                             <a:extLst>
                               <a:ext uri="{A12FA001-AC4F-418D-AE19-62706E023703}">
                                 <ahyp:hlinkClr xmlns:ahyp="http://schemas.microsoft.com/office/drawing/2018/hyperlinkcolor" val="tx"/>
@@ -31898,7 +33067,7 @@
                           <a:ea typeface="Calibri"/>
                           <a:cs typeface="Calibri"/>
                           <a:sym typeface="Calibri"/>
-                          <a:hlinkClick r:id="rId36">
+                          <a:hlinkClick r:id="rId35">
                             <a:extLst>
                               <a:ext uri="{A12FA001-AC4F-418D-AE19-62706E023703}">
                                 <ahyp:hlinkClr xmlns:ahyp="http://schemas.microsoft.com/office/drawing/2018/hyperlinkcolor" val="tx"/>
@@ -32070,7 +33239,7 @@
                           <a:ea typeface="Calibri"/>
                           <a:cs typeface="Calibri"/>
                           <a:sym typeface="Calibri"/>
-                          <a:hlinkClick r:id="rId25">
+                          <a:hlinkClick r:id="rId24">
                             <a:extLst>
                               <a:ext uri="{A12FA001-AC4F-418D-AE19-62706E023703}">
                                 <ahyp:hlinkClr xmlns:ahyp="http://schemas.microsoft.com/office/drawing/2018/hyperlinkcolor" val="tx"/>
@@ -32242,7 +33411,7 @@
                           <a:ea typeface="Calibri"/>
                           <a:cs typeface="Calibri"/>
                           <a:sym typeface="Calibri"/>
-                          <a:hlinkClick r:id="rId23">
+                          <a:hlinkClick r:id="rId22">
                             <a:extLst>
                               <a:ext uri="{A12FA001-AC4F-418D-AE19-62706E023703}">
                                 <ahyp:hlinkClr xmlns:ahyp="http://schemas.microsoft.com/office/drawing/2018/hyperlinkcolor" val="tx"/>
@@ -32414,7 +33583,7 @@
                           <a:ea typeface="Calibri"/>
                           <a:cs typeface="Calibri"/>
                           <a:sym typeface="Calibri"/>
-                          <a:hlinkClick r:id="rId17">
+                          <a:hlinkClick r:id="rId16">
                             <a:extLst>
                               <a:ext uri="{A12FA001-AC4F-418D-AE19-62706E023703}">
                                 <ahyp:hlinkClr xmlns:ahyp="http://schemas.microsoft.com/office/drawing/2018/hyperlinkcolor" val="tx"/>
@@ -32586,7 +33755,7 @@
                           <a:ea typeface="Calibri"/>
                           <a:cs typeface="Calibri"/>
                           <a:sym typeface="Calibri"/>
-                          <a:hlinkClick r:id="rId37">
+                          <a:hlinkClick r:id="rId36">
                             <a:extLst>
                               <a:ext uri="{A12FA001-AC4F-418D-AE19-62706E023703}">
                                 <ahyp:hlinkClr xmlns:ahyp="http://schemas.microsoft.com/office/drawing/2018/hyperlinkcolor" val="tx"/>
@@ -32758,7 +33927,7 @@
                           <a:ea typeface="Calibri"/>
                           <a:cs typeface="Calibri"/>
                           <a:sym typeface="Calibri"/>
-                          <a:hlinkClick r:id="rId38">
+                          <a:hlinkClick r:id="rId37">
                             <a:extLst>
                               <a:ext uri="{A12FA001-AC4F-418D-AE19-62706E023703}">
                                 <ahyp:hlinkClr xmlns:ahyp="http://schemas.microsoft.com/office/drawing/2018/hyperlinkcolor" val="tx"/>
@@ -32930,7 +34099,7 @@
                           <a:ea typeface="Calibri"/>
                           <a:cs typeface="Calibri"/>
                           <a:sym typeface="Calibri"/>
-                          <a:hlinkClick r:id="rId18">
+                          <a:hlinkClick r:id="rId17">
                             <a:extLst>
                               <a:ext uri="{A12FA001-AC4F-418D-AE19-62706E023703}">
                                 <ahyp:hlinkClr xmlns:ahyp="http://schemas.microsoft.com/office/drawing/2018/hyperlinkcolor" val="tx"/>
@@ -33087,7 +34256,7 @@
         </p:nvSpPr>
         <p:spPr>
           <a:xfrm>
-            <a:off x="482808" y="4417186"/>
+            <a:off x="330408" y="4417186"/>
             <a:ext cx="287100" cy="141600"/>
           </a:xfrm>
           <a:prstGeom prst="rect">
@@ -33185,6 +34354,2027 @@
       <p:sp>
         <p:nvSpPr>
           <p:cNvPr id="295" name="Google Shape;295;p34"/>
+          <p:cNvSpPr txBox="1"/>
+          <p:nvPr/>
+        </p:nvSpPr>
+        <p:spPr>
+          <a:xfrm>
+            <a:off x="55075" y="52750"/>
+            <a:ext cx="4448400" cy="326400"/>
+          </a:xfrm>
+          <a:prstGeom prst="rect">
+            <a:avLst/>
+          </a:prstGeom>
+          <a:noFill/>
+          <a:ln>
+            <a:noFill/>
+          </a:ln>
+        </p:spPr>
+        <p:txBody>
+          <a:bodyPr spcFirstLastPara="1" wrap="square" lIns="9125" tIns="9125" rIns="9125" bIns="9125" anchor="t" anchorCtr="0">
+            <a:spAutoFit/>
+          </a:bodyPr>
+          <a:lstStyle/>
+          <a:p>
+            <a:pPr marL="0" marR="0" lvl="0" indent="0" algn="l" rtl="0">
+              <a:lnSpc>
+                <a:spcPct val="100000"/>
+              </a:lnSpc>
+              <a:spcBef>
+                <a:spcPts val="0"/>
+              </a:spcBef>
+              <a:spcAft>
+                <a:spcPts val="0"/>
+              </a:spcAft>
+              <a:buClr>
+                <a:schemeClr val="dk1"/>
+              </a:buClr>
+              <a:buSzPts val="1100"/>
+              <a:buFont typeface="Arial"/>
+              <a:buNone/>
+            </a:pPr>
+            <a:r>
+              <a:rPr lang="en" sz="2000" b="1">
+                <a:solidFill>
+                  <a:schemeClr val="dk1"/>
+                </a:solidFill>
+                <a:latin typeface="Calibri"/>
+                <a:ea typeface="Calibri"/>
+                <a:cs typeface="Calibri"/>
+                <a:sym typeface="Calibri"/>
+              </a:rPr>
+              <a:t>AI music generation</a:t>
+            </a:r>
+            <a:endParaRPr sz="2000" b="1" i="0" u="none" strike="noStrike" cap="none">
+              <a:solidFill>
+                <a:schemeClr val="dk1"/>
+              </a:solidFill>
+              <a:latin typeface="Calibri"/>
+              <a:ea typeface="Calibri"/>
+              <a:cs typeface="Calibri"/>
+              <a:sym typeface="Calibri"/>
+            </a:endParaRPr>
+          </a:p>
+        </p:txBody>
+      </p:sp>
+      <p:sp>
+        <p:nvSpPr>
+          <p:cNvPr id="296" name="Google Shape;296;p34"/>
+          <p:cNvSpPr txBox="1"/>
+          <p:nvPr/>
+        </p:nvSpPr>
+        <p:spPr>
+          <a:xfrm>
+            <a:off x="55075" y="438450"/>
+            <a:ext cx="4308000" cy="4682400"/>
+          </a:xfrm>
+          <a:prstGeom prst="rect">
+            <a:avLst/>
+          </a:prstGeom>
+          <a:solidFill>
+            <a:srgbClr val="FFF2CC"/>
+          </a:solidFill>
+          <a:ln w="9525" cap="flat" cmpd="sng">
+            <a:solidFill>
+              <a:srgbClr val="FF0000"/>
+            </a:solidFill>
+            <a:prstDash val="solid"/>
+            <a:round/>
+            <a:headEnd type="none" w="sm" len="sm"/>
+            <a:tailEnd type="none" w="sm" len="sm"/>
+          </a:ln>
+        </p:spPr>
+        <p:txBody>
+          <a:bodyPr spcFirstLastPara="1" wrap="square" lIns="0" tIns="9125" rIns="9125" bIns="9125" anchor="t" anchorCtr="0">
+            <a:spAutoFit/>
+          </a:bodyPr>
+          <a:lstStyle/>
+          <a:p>
+            <a:pPr marL="171450" marR="0" lvl="0" indent="-133350" algn="l" rtl="0">
+              <a:lnSpc>
+                <a:spcPct val="100000"/>
+              </a:lnSpc>
+              <a:spcBef>
+                <a:spcPts val="0"/>
+              </a:spcBef>
+              <a:spcAft>
+                <a:spcPts val="0"/>
+              </a:spcAft>
+              <a:buClr>
+                <a:schemeClr val="dk1"/>
+              </a:buClr>
+              <a:buSzPts val="1200"/>
+              <a:buFont typeface="Calibri"/>
+              <a:buChar char="●"/>
+            </a:pPr>
+            <a:r>
+              <a:rPr lang="en" sz="1200" b="1">
+                <a:solidFill>
+                  <a:srgbClr val="FF0000"/>
+                </a:solidFill>
+                <a:latin typeface="Calibri"/>
+                <a:ea typeface="Calibri"/>
+                <a:cs typeface="Calibri"/>
+                <a:sym typeface="Calibri"/>
+              </a:rPr>
+              <a:t>MusicLM by Google</a:t>
+            </a:r>
+            <a:r>
+              <a:rPr lang="en" sz="1200">
+                <a:solidFill>
+                  <a:schemeClr val="dk1"/>
+                </a:solidFill>
+                <a:latin typeface="Calibri"/>
+                <a:ea typeface="Calibri"/>
+                <a:cs typeface="Calibri"/>
+                <a:sym typeface="Calibri"/>
+              </a:rPr>
+              <a:t> - text into music. Available via Google’s AI Test Kitchen app. High accuracy, strong coherence, and ability to follow detailed instructions about genre, mood, and instrumentation</a:t>
+            </a:r>
+            <a:br>
+              <a:rPr lang="en" sz="1200">
+                <a:solidFill>
+                  <a:schemeClr val="dk1"/>
+                </a:solidFill>
+                <a:latin typeface="Calibri"/>
+                <a:ea typeface="Calibri"/>
+                <a:cs typeface="Calibri"/>
+                <a:sym typeface="Calibri"/>
+              </a:rPr>
+            </a:br>
+            <a:r>
+              <a:rPr lang="en" sz="900" u="sng">
+                <a:solidFill>
+                  <a:schemeClr val="hlink"/>
+                </a:solidFill>
+                <a:latin typeface="Calibri"/>
+                <a:ea typeface="Calibri"/>
+                <a:cs typeface="Calibri"/>
+                <a:sym typeface="Calibri"/>
+                <a:hlinkClick r:id="rId3"/>
+              </a:rPr>
+              <a:t>https://musiclm.com</a:t>
+            </a:r>
+            <a:r>
+              <a:rPr lang="en" sz="900">
+                <a:solidFill>
+                  <a:schemeClr val="dk1"/>
+                </a:solidFill>
+                <a:latin typeface="Calibri"/>
+                <a:ea typeface="Calibri"/>
+                <a:cs typeface="Calibri"/>
+                <a:sym typeface="Calibri"/>
+              </a:rPr>
+              <a:t> </a:t>
+            </a:r>
+            <a:endParaRPr sz="900">
+              <a:solidFill>
+                <a:schemeClr val="dk1"/>
+              </a:solidFill>
+              <a:latin typeface="Calibri"/>
+              <a:ea typeface="Calibri"/>
+              <a:cs typeface="Calibri"/>
+              <a:sym typeface="Calibri"/>
+            </a:endParaRPr>
+          </a:p>
+          <a:p>
+            <a:pPr marL="171450" marR="0" lvl="0" indent="-133350" algn="l" rtl="0">
+              <a:lnSpc>
+                <a:spcPct val="100000"/>
+              </a:lnSpc>
+              <a:spcBef>
+                <a:spcPts val="0"/>
+              </a:spcBef>
+              <a:spcAft>
+                <a:spcPts val="0"/>
+              </a:spcAft>
+              <a:buClr>
+                <a:srgbClr val="FF0000"/>
+              </a:buClr>
+              <a:buSzPts val="1200"/>
+              <a:buFont typeface="Calibri"/>
+              <a:buChar char="●"/>
+            </a:pPr>
+            <a:r>
+              <a:rPr lang="en" sz="1200" b="1">
+                <a:solidFill>
+                  <a:srgbClr val="FF0000"/>
+                </a:solidFill>
+                <a:latin typeface="Calibri"/>
+                <a:ea typeface="Calibri"/>
+                <a:cs typeface="Calibri"/>
+                <a:sym typeface="Calibri"/>
+              </a:rPr>
+              <a:t>google/magenta-realtime - open model</a:t>
+            </a:r>
+            <a:endParaRPr sz="1200" b="1">
+              <a:solidFill>
+                <a:srgbClr val="FF0000"/>
+              </a:solidFill>
+              <a:latin typeface="Calibri"/>
+              <a:ea typeface="Calibri"/>
+              <a:cs typeface="Calibri"/>
+              <a:sym typeface="Calibri"/>
+            </a:endParaRPr>
+          </a:p>
+          <a:p>
+            <a:pPr marL="457200" marR="0" lvl="1" indent="-114300" algn="l" rtl="0">
+              <a:lnSpc>
+                <a:spcPct val="100000"/>
+              </a:lnSpc>
+              <a:spcBef>
+                <a:spcPts val="0"/>
+              </a:spcBef>
+              <a:spcAft>
+                <a:spcPts val="0"/>
+              </a:spcAft>
+              <a:buClr>
+                <a:schemeClr val="dk1"/>
+              </a:buClr>
+              <a:buSzPts val="900"/>
+              <a:buFont typeface="Calibri"/>
+              <a:buChar char="○"/>
+            </a:pPr>
+            <a:r>
+              <a:rPr lang="en" sz="900" u="sng">
+                <a:solidFill>
+                  <a:schemeClr val="hlink"/>
+                </a:solidFill>
+                <a:latin typeface="Calibri"/>
+                <a:ea typeface="Calibri"/>
+                <a:cs typeface="Calibri"/>
+                <a:sym typeface="Calibri"/>
+                <a:hlinkClick r:id="rId4"/>
+              </a:rPr>
+              <a:t>https://x.com/osanseviero/status/1936415454819676427</a:t>
+            </a:r>
+            <a:endParaRPr sz="900">
+              <a:solidFill>
+                <a:schemeClr val="dk1"/>
+              </a:solidFill>
+              <a:latin typeface="Calibri"/>
+              <a:ea typeface="Calibri"/>
+              <a:cs typeface="Calibri"/>
+              <a:sym typeface="Calibri"/>
+            </a:endParaRPr>
+          </a:p>
+          <a:p>
+            <a:pPr marL="457200" marR="0" lvl="1" indent="-114300" algn="l" rtl="0">
+              <a:lnSpc>
+                <a:spcPct val="100000"/>
+              </a:lnSpc>
+              <a:spcBef>
+                <a:spcPts val="0"/>
+              </a:spcBef>
+              <a:spcAft>
+                <a:spcPts val="0"/>
+              </a:spcAft>
+              <a:buClr>
+                <a:schemeClr val="dk1"/>
+              </a:buClr>
+              <a:buSzPts val="900"/>
+              <a:buFont typeface="Calibri"/>
+              <a:buChar char="○"/>
+            </a:pPr>
+            <a:r>
+              <a:rPr lang="en" sz="900" u="sng">
+                <a:solidFill>
+                  <a:schemeClr val="hlink"/>
+                </a:solidFill>
+                <a:latin typeface="Calibri"/>
+                <a:ea typeface="Calibri"/>
+                <a:cs typeface="Calibri"/>
+                <a:sym typeface="Calibri"/>
+                <a:hlinkClick r:id="rId5"/>
+              </a:rPr>
+              <a:t>https://huggingface.co/google/magenta-realtime</a:t>
+            </a:r>
+            <a:r>
+              <a:rPr lang="en" sz="900">
+                <a:solidFill>
+                  <a:schemeClr val="dk1"/>
+                </a:solidFill>
+                <a:latin typeface="Calibri"/>
+                <a:ea typeface="Calibri"/>
+                <a:cs typeface="Calibri"/>
+                <a:sym typeface="Calibri"/>
+              </a:rPr>
+              <a:t> </a:t>
+            </a:r>
+            <a:endParaRPr sz="900">
+              <a:solidFill>
+                <a:schemeClr val="dk1"/>
+              </a:solidFill>
+              <a:latin typeface="Calibri"/>
+              <a:ea typeface="Calibri"/>
+              <a:cs typeface="Calibri"/>
+              <a:sym typeface="Calibri"/>
+            </a:endParaRPr>
+          </a:p>
+          <a:p>
+            <a:pPr marL="171450" marR="0" lvl="0" indent="-133350" algn="l" rtl="0">
+              <a:lnSpc>
+                <a:spcPct val="100000"/>
+              </a:lnSpc>
+              <a:spcBef>
+                <a:spcPts val="0"/>
+              </a:spcBef>
+              <a:spcAft>
+                <a:spcPts val="0"/>
+              </a:spcAft>
+              <a:buClr>
+                <a:schemeClr val="dk1"/>
+              </a:buClr>
+              <a:buSzPts val="1200"/>
+              <a:buFont typeface="Calibri"/>
+              <a:buChar char="●"/>
+            </a:pPr>
+            <a:r>
+              <a:rPr lang="en" sz="1200" b="1">
+                <a:solidFill>
+                  <a:srgbClr val="FF0000"/>
+                </a:solidFill>
+                <a:latin typeface="Calibri"/>
+                <a:ea typeface="Calibri"/>
+                <a:cs typeface="Calibri"/>
+                <a:sym typeface="Calibri"/>
+              </a:rPr>
+              <a:t>MusicGen by Meta</a:t>
+            </a:r>
+            <a:r>
+              <a:rPr lang="en" sz="1200">
+                <a:solidFill>
+                  <a:schemeClr val="dk1"/>
+                </a:solidFill>
+                <a:latin typeface="Calibri"/>
+                <a:ea typeface="Calibri"/>
+                <a:cs typeface="Calibri"/>
+                <a:sym typeface="Calibri"/>
+              </a:rPr>
+              <a:t> - open-source transformer-based model that generates music from text prompts or existing melodies. Uses Residual Vector Quantization (RVQ) for efficient data compression and high audio quality. Produces coherent musical structures, especially with complex prompts; open-source nature allows for community improvements </a:t>
+            </a:r>
+            <a:r>
+              <a:rPr lang="en" sz="900">
+                <a:solidFill>
+                  <a:schemeClr val="dk1"/>
+                </a:solidFill>
+                <a:latin typeface="Calibri"/>
+                <a:ea typeface="Calibri"/>
+                <a:cs typeface="Calibri"/>
+                <a:sym typeface="Calibri"/>
+              </a:rPr>
+              <a:t>- </a:t>
+            </a:r>
+            <a:r>
+              <a:rPr lang="en" sz="900" u="sng">
+                <a:solidFill>
+                  <a:schemeClr val="hlink"/>
+                </a:solidFill>
+                <a:latin typeface="Calibri"/>
+                <a:ea typeface="Calibri"/>
+                <a:cs typeface="Calibri"/>
+                <a:sym typeface="Calibri"/>
+                <a:hlinkClick r:id="rId6"/>
+              </a:rPr>
+              <a:t>https://musicgen.com</a:t>
+            </a:r>
+            <a:r>
+              <a:rPr lang="en" sz="900">
+                <a:solidFill>
+                  <a:schemeClr val="dk1"/>
+                </a:solidFill>
+                <a:latin typeface="Calibri"/>
+                <a:ea typeface="Calibri"/>
+                <a:cs typeface="Calibri"/>
+                <a:sym typeface="Calibri"/>
+              </a:rPr>
+              <a:t> </a:t>
+            </a:r>
+            <a:endParaRPr sz="900">
+              <a:solidFill>
+                <a:schemeClr val="dk1"/>
+              </a:solidFill>
+              <a:latin typeface="Calibri"/>
+              <a:ea typeface="Calibri"/>
+              <a:cs typeface="Calibri"/>
+              <a:sym typeface="Calibri"/>
+            </a:endParaRPr>
+          </a:p>
+          <a:p>
+            <a:pPr marL="171450" marR="0" lvl="0" indent="-133350" algn="l" rtl="0">
+              <a:lnSpc>
+                <a:spcPct val="100000"/>
+              </a:lnSpc>
+              <a:spcBef>
+                <a:spcPts val="0"/>
+              </a:spcBef>
+              <a:spcAft>
+                <a:spcPts val="0"/>
+              </a:spcAft>
+              <a:buClr>
+                <a:schemeClr val="dk1"/>
+              </a:buClr>
+              <a:buSzPts val="1200"/>
+              <a:buFont typeface="Calibri"/>
+              <a:buChar char="●"/>
+            </a:pPr>
+            <a:r>
+              <a:rPr lang="en" sz="1200" b="1">
+                <a:solidFill>
+                  <a:srgbClr val="FF0000"/>
+                </a:solidFill>
+                <a:latin typeface="Calibri"/>
+                <a:ea typeface="Calibri"/>
+                <a:cs typeface="Calibri"/>
+                <a:sym typeface="Calibri"/>
+              </a:rPr>
+              <a:t>Stable Audio 2.0 by Stability AI</a:t>
+            </a:r>
+            <a:r>
+              <a:rPr lang="en" sz="1200">
+                <a:solidFill>
+                  <a:schemeClr val="dk1"/>
+                </a:solidFill>
+                <a:latin typeface="Calibri"/>
+                <a:ea typeface="Calibri"/>
+                <a:cs typeface="Calibri"/>
+                <a:sym typeface="Calibri"/>
+              </a:rPr>
+              <a:t> - generates high-quality audio tracks up to 3 minutes long from text prompts and supports audio-to-audio transformations; Trained on a licensed dataset from AudioSparx; Uses a highly compressed autoencoder and diffusion transformer for advanced sound design and style transfer. High-quality, long-form audio generation; supports remixing and style transfer </a:t>
+            </a:r>
+            <a:r>
+              <a:rPr lang="en" sz="900">
+                <a:solidFill>
+                  <a:schemeClr val="dk1"/>
+                </a:solidFill>
+                <a:latin typeface="Calibri"/>
+                <a:ea typeface="Calibri"/>
+                <a:cs typeface="Calibri"/>
+                <a:sym typeface="Calibri"/>
+              </a:rPr>
+              <a:t>- </a:t>
+            </a:r>
+            <a:r>
+              <a:rPr lang="en" sz="900" u="sng">
+                <a:solidFill>
+                  <a:schemeClr val="hlink"/>
+                </a:solidFill>
+                <a:latin typeface="Calibri"/>
+                <a:ea typeface="Calibri"/>
+                <a:cs typeface="Calibri"/>
+                <a:sym typeface="Calibri"/>
+                <a:hlinkClick r:id="rId7"/>
+              </a:rPr>
+              <a:t>https://stability.ai/stable-audio</a:t>
+            </a:r>
+            <a:r>
+              <a:rPr lang="en" sz="900">
+                <a:solidFill>
+                  <a:schemeClr val="dk1"/>
+                </a:solidFill>
+                <a:latin typeface="Calibri"/>
+                <a:ea typeface="Calibri"/>
+                <a:cs typeface="Calibri"/>
+                <a:sym typeface="Calibri"/>
+              </a:rPr>
+              <a:t> </a:t>
+            </a:r>
+            <a:endParaRPr sz="900">
+              <a:solidFill>
+                <a:schemeClr val="dk1"/>
+              </a:solidFill>
+              <a:latin typeface="Calibri"/>
+              <a:ea typeface="Calibri"/>
+              <a:cs typeface="Calibri"/>
+              <a:sym typeface="Calibri"/>
+            </a:endParaRPr>
+          </a:p>
+          <a:p>
+            <a:pPr marL="171450" marR="0" lvl="0" indent="-133350" algn="l" rtl="0">
+              <a:lnSpc>
+                <a:spcPct val="100000"/>
+              </a:lnSpc>
+              <a:spcBef>
+                <a:spcPts val="0"/>
+              </a:spcBef>
+              <a:spcAft>
+                <a:spcPts val="0"/>
+              </a:spcAft>
+              <a:buClr>
+                <a:schemeClr val="dk1"/>
+              </a:buClr>
+              <a:buSzPts val="1200"/>
+              <a:buFont typeface="Calibri"/>
+              <a:buChar char="●"/>
+            </a:pPr>
+            <a:r>
+              <a:rPr lang="en" sz="1200" b="1">
+                <a:solidFill>
+                  <a:srgbClr val="FF0000"/>
+                </a:solidFill>
+                <a:latin typeface="Calibri"/>
+                <a:ea typeface="Calibri"/>
+                <a:cs typeface="Calibri"/>
+                <a:sym typeface="Calibri"/>
+              </a:rPr>
+              <a:t>Project Music GenAI Control by Adobe</a:t>
+            </a:r>
+            <a:r>
+              <a:rPr lang="en" sz="1200">
+                <a:solidFill>
+                  <a:schemeClr val="dk1"/>
+                </a:solidFill>
+                <a:latin typeface="Calibri"/>
+                <a:ea typeface="Calibri"/>
+                <a:cs typeface="Calibri"/>
+                <a:sym typeface="Calibri"/>
+              </a:rPr>
+              <a:t> - detailed editing capabilities, allowing users to fine-tune tempo, intensity, and structure of AI-generated music; “pixel-level control” for music, enabling interactive editing and seamless loops; ideal for content creators needing precise musical fits; require  Adobe ecosystem integration</a:t>
+            </a:r>
+            <a:r>
+              <a:rPr lang="en" sz="900">
+                <a:solidFill>
+                  <a:schemeClr val="dk1"/>
+                </a:solidFill>
+                <a:latin typeface="Calibri"/>
+                <a:ea typeface="Calibri"/>
+                <a:cs typeface="Calibri"/>
+                <a:sym typeface="Calibri"/>
+              </a:rPr>
+              <a:t> - </a:t>
+            </a:r>
+            <a:r>
+              <a:rPr lang="en" sz="900" u="sng">
+                <a:solidFill>
+                  <a:schemeClr val="hlink"/>
+                </a:solidFill>
+                <a:latin typeface="Calibri"/>
+                <a:ea typeface="Calibri"/>
+                <a:cs typeface="Calibri"/>
+                <a:sym typeface="Calibri"/>
+                <a:hlinkClick r:id="rId8"/>
+              </a:rPr>
+              <a:t>https://research.adobe.com/video/project-music-genai-control/</a:t>
+            </a:r>
+            <a:r>
+              <a:rPr lang="en" sz="900">
+                <a:solidFill>
+                  <a:schemeClr val="dk1"/>
+                </a:solidFill>
+                <a:latin typeface="Calibri"/>
+                <a:ea typeface="Calibri"/>
+                <a:cs typeface="Calibri"/>
+                <a:sym typeface="Calibri"/>
+              </a:rPr>
+              <a:t> </a:t>
+            </a:r>
+            <a:endParaRPr sz="900">
+              <a:solidFill>
+                <a:schemeClr val="dk1"/>
+              </a:solidFill>
+              <a:latin typeface="Calibri"/>
+              <a:ea typeface="Calibri"/>
+              <a:cs typeface="Calibri"/>
+              <a:sym typeface="Calibri"/>
+            </a:endParaRPr>
+          </a:p>
+        </p:txBody>
+      </p:sp>
+      <p:sp>
+        <p:nvSpPr>
+          <p:cNvPr id="297" name="Google Shape;297;p34"/>
+          <p:cNvSpPr txBox="1"/>
+          <p:nvPr/>
+        </p:nvSpPr>
+        <p:spPr>
+          <a:xfrm>
+            <a:off x="4720075" y="607775"/>
+            <a:ext cx="4308000" cy="2235000"/>
+          </a:xfrm>
+          <a:prstGeom prst="rect">
+            <a:avLst/>
+          </a:prstGeom>
+          <a:solidFill>
+            <a:srgbClr val="FFF2CC"/>
+          </a:solidFill>
+          <a:ln w="9525" cap="flat" cmpd="sng">
+            <a:solidFill>
+              <a:srgbClr val="FF0000"/>
+            </a:solidFill>
+            <a:prstDash val="solid"/>
+            <a:round/>
+            <a:headEnd type="none" w="sm" len="sm"/>
+            <a:tailEnd type="none" w="sm" len="sm"/>
+          </a:ln>
+        </p:spPr>
+        <p:txBody>
+          <a:bodyPr spcFirstLastPara="1" wrap="square" lIns="0" tIns="9125" rIns="9125" bIns="9125" anchor="t" anchorCtr="0">
+            <a:spAutoFit/>
+          </a:bodyPr>
+          <a:lstStyle/>
+          <a:p>
+            <a:pPr marL="171450" marR="0" lvl="0" indent="-133350" algn="l" rtl="0">
+              <a:lnSpc>
+                <a:spcPct val="100000"/>
+              </a:lnSpc>
+              <a:spcBef>
+                <a:spcPts val="0"/>
+              </a:spcBef>
+              <a:spcAft>
+                <a:spcPts val="0"/>
+              </a:spcAft>
+              <a:buClr>
+                <a:schemeClr val="dk1"/>
+              </a:buClr>
+              <a:buSzPts val="1200"/>
+              <a:buFont typeface="Calibri"/>
+              <a:buChar char="●"/>
+            </a:pPr>
+            <a:r>
+              <a:rPr lang="en" sz="1200" b="1">
+                <a:solidFill>
+                  <a:srgbClr val="FF0000"/>
+                </a:solidFill>
+                <a:latin typeface="Calibri"/>
+                <a:ea typeface="Calibri"/>
+                <a:cs typeface="Calibri"/>
+                <a:sym typeface="Calibri"/>
+              </a:rPr>
+              <a:t>Suno AI </a:t>
+            </a:r>
+            <a:r>
+              <a:rPr lang="en" sz="1200">
+                <a:solidFill>
+                  <a:schemeClr val="dk1"/>
+                </a:solidFill>
+                <a:latin typeface="Calibri"/>
+                <a:ea typeface="Calibri"/>
+                <a:cs typeface="Calibri"/>
+                <a:sym typeface="Calibri"/>
+              </a:rPr>
+              <a:t>- Song Generator - Complete songs with vocals, mobile app, custom mode - Free (50 credits/day), $8/mo</a:t>
+            </a:r>
+            <a:endParaRPr sz="1200">
+              <a:solidFill>
+                <a:schemeClr val="dk1"/>
+              </a:solidFill>
+              <a:latin typeface="Calibri"/>
+              <a:ea typeface="Calibri"/>
+              <a:cs typeface="Calibri"/>
+              <a:sym typeface="Calibri"/>
+            </a:endParaRPr>
+          </a:p>
+          <a:p>
+            <a:pPr marL="171450" marR="0" lvl="0" indent="-133350" algn="l" rtl="0">
+              <a:lnSpc>
+                <a:spcPct val="100000"/>
+              </a:lnSpc>
+              <a:spcBef>
+                <a:spcPts val="0"/>
+              </a:spcBef>
+              <a:spcAft>
+                <a:spcPts val="0"/>
+              </a:spcAft>
+              <a:buClr>
+                <a:schemeClr val="dk1"/>
+              </a:buClr>
+              <a:buSzPts val="1200"/>
+              <a:buFont typeface="Calibri"/>
+              <a:buChar char="●"/>
+            </a:pPr>
+            <a:r>
+              <a:rPr lang="en" sz="1200" b="1">
+                <a:solidFill>
+                  <a:srgbClr val="FF0000"/>
+                </a:solidFill>
+                <a:latin typeface="Calibri"/>
+                <a:ea typeface="Calibri"/>
+                <a:cs typeface="Calibri"/>
+                <a:sym typeface="Calibri"/>
+              </a:rPr>
+              <a:t>Boomy</a:t>
+            </a:r>
+            <a:r>
+              <a:rPr lang="en" sz="1200">
+                <a:solidFill>
+                  <a:schemeClr val="dk1"/>
+                </a:solidFill>
+                <a:latin typeface="Calibri"/>
+                <a:ea typeface="Calibri"/>
+                <a:cs typeface="Calibri"/>
+                <a:sym typeface="Calibri"/>
+              </a:rPr>
+              <a:t> - Music Generator Instant genre-based song creation, Spotify release - Free (25 saves/month), $9.99/mo</a:t>
+            </a:r>
+            <a:endParaRPr sz="1200">
+              <a:solidFill>
+                <a:schemeClr val="dk1"/>
+              </a:solidFill>
+              <a:latin typeface="Calibri"/>
+              <a:ea typeface="Calibri"/>
+              <a:cs typeface="Calibri"/>
+              <a:sym typeface="Calibri"/>
+            </a:endParaRPr>
+          </a:p>
+          <a:p>
+            <a:pPr marL="171450" marR="0" lvl="0" indent="-133350" algn="l" rtl="0">
+              <a:lnSpc>
+                <a:spcPct val="100000"/>
+              </a:lnSpc>
+              <a:spcBef>
+                <a:spcPts val="0"/>
+              </a:spcBef>
+              <a:spcAft>
+                <a:spcPts val="0"/>
+              </a:spcAft>
+              <a:buClr>
+                <a:schemeClr val="dk1"/>
+              </a:buClr>
+              <a:buSzPts val="1200"/>
+              <a:buFont typeface="Calibri"/>
+              <a:buChar char="●"/>
+            </a:pPr>
+            <a:r>
+              <a:rPr lang="en" sz="1200" b="1">
+                <a:solidFill>
+                  <a:srgbClr val="FF0000"/>
+                </a:solidFill>
+                <a:latin typeface="Calibri"/>
+                <a:ea typeface="Calibri"/>
+                <a:cs typeface="Calibri"/>
+                <a:sym typeface="Calibri"/>
+              </a:rPr>
+              <a:t>Soundraw.io</a:t>
+            </a:r>
+            <a:r>
+              <a:rPr lang="en" sz="1200">
+                <a:solidFill>
+                  <a:schemeClr val="dk1"/>
+                </a:solidFill>
+                <a:latin typeface="Calibri"/>
+                <a:ea typeface="Calibri"/>
+                <a:cs typeface="Calibri"/>
+                <a:sym typeface="Calibri"/>
+              </a:rPr>
+              <a:t> - Music Generator Customizable music for videos, games - Free plan, $16.99/mo</a:t>
+            </a:r>
+            <a:endParaRPr sz="1200">
+              <a:solidFill>
+                <a:schemeClr val="dk1"/>
+              </a:solidFill>
+              <a:latin typeface="Calibri"/>
+              <a:ea typeface="Calibri"/>
+              <a:cs typeface="Calibri"/>
+              <a:sym typeface="Calibri"/>
+            </a:endParaRPr>
+          </a:p>
+          <a:p>
+            <a:pPr marL="171450" marR="0" lvl="0" indent="-133350" algn="l" rtl="0">
+              <a:lnSpc>
+                <a:spcPct val="100000"/>
+              </a:lnSpc>
+              <a:spcBef>
+                <a:spcPts val="0"/>
+              </a:spcBef>
+              <a:spcAft>
+                <a:spcPts val="0"/>
+              </a:spcAft>
+              <a:buClr>
+                <a:schemeClr val="dk1"/>
+              </a:buClr>
+              <a:buSzPts val="1200"/>
+              <a:buFont typeface="Calibri"/>
+              <a:buChar char="●"/>
+            </a:pPr>
+            <a:r>
+              <a:rPr lang="en" sz="1200" b="1">
+                <a:solidFill>
+                  <a:srgbClr val="FF0000"/>
+                </a:solidFill>
+                <a:latin typeface="Calibri"/>
+                <a:ea typeface="Calibri"/>
+                <a:cs typeface="Calibri"/>
+                <a:sym typeface="Calibri"/>
+              </a:rPr>
+              <a:t>Mubert</a:t>
+            </a:r>
+            <a:r>
+              <a:rPr lang="en" sz="1200">
+                <a:solidFill>
+                  <a:schemeClr val="dk1"/>
+                </a:solidFill>
+                <a:latin typeface="Calibri"/>
+                <a:ea typeface="Calibri"/>
+                <a:cs typeface="Calibri"/>
+                <a:sym typeface="Calibri"/>
+              </a:rPr>
+              <a:t> - Music Generator Royalty-free music, API for developers - Free plan, $11.69/mo</a:t>
+            </a:r>
+            <a:endParaRPr sz="1200">
+              <a:solidFill>
+                <a:schemeClr val="dk1"/>
+              </a:solidFill>
+              <a:latin typeface="Calibri"/>
+              <a:ea typeface="Calibri"/>
+              <a:cs typeface="Calibri"/>
+              <a:sym typeface="Calibri"/>
+            </a:endParaRPr>
+          </a:p>
+          <a:p>
+            <a:pPr marL="171450" marR="0" lvl="0" indent="-133350" algn="l" rtl="0">
+              <a:lnSpc>
+                <a:spcPct val="100000"/>
+              </a:lnSpc>
+              <a:spcBef>
+                <a:spcPts val="0"/>
+              </a:spcBef>
+              <a:spcAft>
+                <a:spcPts val="0"/>
+              </a:spcAft>
+              <a:buClr>
+                <a:schemeClr val="dk1"/>
+              </a:buClr>
+              <a:buSzPts val="1200"/>
+              <a:buFont typeface="Calibri"/>
+              <a:buChar char="●"/>
+            </a:pPr>
+            <a:r>
+              <a:rPr lang="en" sz="1200" b="1">
+                <a:solidFill>
+                  <a:srgbClr val="FF0000"/>
+                </a:solidFill>
+                <a:latin typeface="Calibri"/>
+                <a:ea typeface="Calibri"/>
+                <a:cs typeface="Calibri"/>
+                <a:sym typeface="Calibri"/>
+              </a:rPr>
+              <a:t>Loudly  Music Generator</a:t>
+            </a:r>
+            <a:r>
+              <a:rPr lang="en" sz="1200">
+                <a:solidFill>
+                  <a:schemeClr val="dk1"/>
+                </a:solidFill>
+                <a:latin typeface="Calibri"/>
+                <a:ea typeface="Calibri"/>
+                <a:cs typeface="Calibri"/>
+                <a:sym typeface="Calibri"/>
+              </a:rPr>
+              <a:t> - High audio quality, customizable effects    Free (1 download/month), $5.99/mo</a:t>
+            </a:r>
+            <a:endParaRPr sz="1200">
+              <a:solidFill>
+                <a:schemeClr val="dk1"/>
+              </a:solidFill>
+              <a:latin typeface="Calibri"/>
+              <a:ea typeface="Calibri"/>
+              <a:cs typeface="Calibri"/>
+              <a:sym typeface="Calibri"/>
+            </a:endParaRPr>
+          </a:p>
+          <a:p>
+            <a:pPr marL="171450" marR="0" lvl="0" indent="-133350" algn="l" rtl="0">
+              <a:lnSpc>
+                <a:spcPct val="100000"/>
+              </a:lnSpc>
+              <a:spcBef>
+                <a:spcPts val="0"/>
+              </a:spcBef>
+              <a:spcAft>
+                <a:spcPts val="0"/>
+              </a:spcAft>
+              <a:buClr>
+                <a:schemeClr val="dk1"/>
+              </a:buClr>
+              <a:buSzPts val="1200"/>
+              <a:buFont typeface="Calibri"/>
+              <a:buChar char="●"/>
+            </a:pPr>
+            <a:r>
+              <a:rPr lang="en" sz="1200" b="1">
+                <a:solidFill>
+                  <a:srgbClr val="FF0000"/>
+                </a:solidFill>
+                <a:latin typeface="Calibri"/>
+                <a:ea typeface="Calibri"/>
+                <a:cs typeface="Calibri"/>
+                <a:sym typeface="Calibri"/>
+              </a:rPr>
+              <a:t>Splash Pro Music Generator</a:t>
+            </a:r>
+            <a:r>
+              <a:rPr lang="en" sz="1200">
+                <a:solidFill>
+                  <a:schemeClr val="dk1"/>
+                </a:solidFill>
+                <a:latin typeface="Calibri"/>
+                <a:ea typeface="Calibri"/>
+                <a:cs typeface="Calibri"/>
+                <a:sym typeface="Calibri"/>
+              </a:rPr>
+              <a:t> - Royalty-free music, AI voice training   Free (unlimited 60s songs), $8/mo</a:t>
+            </a:r>
+            <a:endParaRPr sz="1200">
+              <a:solidFill>
+                <a:schemeClr val="dk1"/>
+              </a:solidFill>
+              <a:latin typeface="Calibri"/>
+              <a:ea typeface="Calibri"/>
+              <a:cs typeface="Calibri"/>
+              <a:sym typeface="Calibri"/>
+            </a:endParaRPr>
+          </a:p>
+        </p:txBody>
+      </p:sp>
+      <p:pic>
+        <p:nvPicPr>
+          <p:cNvPr id="298" name="Google Shape;298;p34"/>
+          <p:cNvPicPr preferRelativeResize="0"/>
+          <p:nvPr/>
+        </p:nvPicPr>
+        <p:blipFill>
+          <a:blip r:embed="rId9">
+            <a:alphaModFix/>
+          </a:blip>
+          <a:stretch>
+            <a:fillRect/>
+          </a:stretch>
+        </p:blipFill>
+        <p:spPr>
+          <a:xfrm>
+            <a:off x="4720075" y="3039900"/>
+            <a:ext cx="2828925" cy="1619250"/>
+          </a:xfrm>
+          <a:prstGeom prst="rect">
+            <a:avLst/>
+          </a:prstGeom>
+          <a:noFill/>
+          <a:ln w="9525" cap="flat" cmpd="sng">
+            <a:solidFill>
+              <a:srgbClr val="FF0000"/>
+            </a:solidFill>
+            <a:prstDash val="solid"/>
+            <a:round/>
+            <a:headEnd type="none" w="sm" len="sm"/>
+            <a:tailEnd type="none" w="sm" len="sm"/>
+          </a:ln>
+        </p:spPr>
+      </p:pic>
+    </p:spTree>
+  </p:cSld>
+  <p:clrMapOvr>
+    <a:masterClrMapping/>
+  </p:clrMapOvr>
+</p:sld>
+</file>
+
+<file path=ppt/slides/slide21.xml><?xml version="1.0" encoding="utf-8"?>
+<p:sld xmlns:a="http://schemas.openxmlformats.org/drawingml/2006/main" xmlns:r="http://schemas.openxmlformats.org/officeDocument/2006/relationships" xmlns:p="http://schemas.openxmlformats.org/presentationml/2006/main">
+  <p:cSld>
+    <p:spTree>
+      <p:nvGrpSpPr>
+        <p:cNvPr id="1" name="Shape 302"/>
+        <p:cNvGrpSpPr/>
+        <p:nvPr/>
+      </p:nvGrpSpPr>
+      <p:grpSpPr>
+        <a:xfrm>
+          <a:off x="0" y="0"/>
+          <a:ext cx="0" cy="0"/>
+          <a:chOff x="0" y="0"/>
+          <a:chExt cx="0" cy="0"/>
+        </a:xfrm>
+      </p:grpSpPr>
+      <p:sp>
+        <p:nvSpPr>
+          <p:cNvPr id="303" name="Google Shape;303;p35"/>
+          <p:cNvSpPr txBox="1"/>
+          <p:nvPr/>
+        </p:nvSpPr>
+        <p:spPr>
+          <a:xfrm>
+            <a:off x="67350" y="52750"/>
+            <a:ext cx="3179400" cy="326400"/>
+          </a:xfrm>
+          <a:prstGeom prst="rect">
+            <a:avLst/>
+          </a:prstGeom>
+          <a:noFill/>
+          <a:ln>
+            <a:noFill/>
+          </a:ln>
+        </p:spPr>
+        <p:txBody>
+          <a:bodyPr spcFirstLastPara="1" wrap="square" lIns="9125" tIns="9125" rIns="9125" bIns="9125" anchor="t" anchorCtr="0">
+            <a:spAutoFit/>
+          </a:bodyPr>
+          <a:lstStyle/>
+          <a:p>
+            <a:pPr marL="0" marR="0" lvl="0" indent="0" algn="l" rtl="0">
+              <a:lnSpc>
+                <a:spcPct val="100000"/>
+              </a:lnSpc>
+              <a:spcBef>
+                <a:spcPts val="0"/>
+              </a:spcBef>
+              <a:spcAft>
+                <a:spcPts val="0"/>
+              </a:spcAft>
+              <a:buClr>
+                <a:schemeClr val="dk1"/>
+              </a:buClr>
+              <a:buSzPts val="1100"/>
+              <a:buFont typeface="Arial"/>
+              <a:buNone/>
+            </a:pPr>
+            <a:r>
+              <a:rPr lang="en" sz="2000" b="1" i="0" u="none" strike="noStrike" cap="none">
+                <a:solidFill>
+                  <a:schemeClr val="dk1"/>
+                </a:solidFill>
+                <a:latin typeface="Calibri"/>
+                <a:ea typeface="Calibri"/>
+                <a:cs typeface="Calibri"/>
+                <a:sym typeface="Calibri"/>
+              </a:rPr>
+              <a:t>Jobs</a:t>
+            </a:r>
+            <a:endParaRPr sz="2000" b="1" i="0" u="none" strike="noStrike" cap="none">
+              <a:solidFill>
+                <a:schemeClr val="dk1"/>
+              </a:solidFill>
+              <a:latin typeface="Calibri"/>
+              <a:ea typeface="Calibri"/>
+              <a:cs typeface="Calibri"/>
+              <a:sym typeface="Calibri"/>
+            </a:endParaRPr>
+          </a:p>
+        </p:txBody>
+      </p:sp>
+      <p:sp>
+        <p:nvSpPr>
+          <p:cNvPr id="304" name="Google Shape;304;p35"/>
+          <p:cNvSpPr txBox="1"/>
+          <p:nvPr/>
+        </p:nvSpPr>
+        <p:spPr>
+          <a:xfrm>
+            <a:off x="2102050" y="153675"/>
+            <a:ext cx="1800600" cy="387900"/>
+          </a:xfrm>
+          <a:prstGeom prst="rect">
+            <a:avLst/>
+          </a:prstGeom>
+          <a:solidFill>
+            <a:srgbClr val="FFF2CC"/>
+          </a:solidFill>
+          <a:ln w="9525" cap="flat" cmpd="sng">
+            <a:solidFill>
+              <a:srgbClr val="FF0000"/>
+            </a:solidFill>
+            <a:prstDash val="solid"/>
+            <a:round/>
+            <a:headEnd type="none" w="sm" len="sm"/>
+            <a:tailEnd type="none" w="sm" len="sm"/>
+          </a:ln>
+        </p:spPr>
+        <p:txBody>
+          <a:bodyPr spcFirstLastPara="1" wrap="square" lIns="9125" tIns="9125" rIns="9125" bIns="9125" anchor="t" anchorCtr="0">
+            <a:spAutoFit/>
+          </a:bodyPr>
+          <a:lstStyle/>
+          <a:p>
+            <a:pPr marL="171450" marR="0" lvl="0" indent="-133350" algn="l" rtl="0">
+              <a:lnSpc>
+                <a:spcPct val="100000"/>
+              </a:lnSpc>
+              <a:spcBef>
+                <a:spcPts val="0"/>
+              </a:spcBef>
+              <a:spcAft>
+                <a:spcPts val="0"/>
+              </a:spcAft>
+              <a:buSzPts val="1200"/>
+              <a:buFont typeface="Calibri"/>
+              <a:buChar char="●"/>
+            </a:pPr>
+            <a:r>
+              <a:rPr lang="en" sz="1200" b="0" i="0" u="sng" strike="noStrike" cap="none">
+                <a:solidFill>
+                  <a:schemeClr val="hlink"/>
+                </a:solidFill>
+                <a:latin typeface="Calibri"/>
+                <a:ea typeface="Calibri"/>
+                <a:cs typeface="Calibri"/>
+                <a:sym typeface="Calibri"/>
+                <a:hlinkClick r:id="rId3"/>
+              </a:rPr>
+              <a:t>https://layoffs.fyi</a:t>
+            </a:r>
+            <a:endParaRPr sz="1200">
+              <a:latin typeface="Calibri"/>
+              <a:ea typeface="Calibri"/>
+              <a:cs typeface="Calibri"/>
+              <a:sym typeface="Calibri"/>
+            </a:endParaRPr>
+          </a:p>
+          <a:p>
+            <a:pPr marL="171450" marR="0" lvl="0" indent="-133350" algn="l" rtl="0">
+              <a:lnSpc>
+                <a:spcPct val="100000"/>
+              </a:lnSpc>
+              <a:spcBef>
+                <a:spcPts val="0"/>
+              </a:spcBef>
+              <a:spcAft>
+                <a:spcPts val="0"/>
+              </a:spcAft>
+              <a:buSzPts val="1200"/>
+              <a:buFont typeface="Calibri"/>
+              <a:buChar char="●"/>
+            </a:pPr>
+            <a:r>
+              <a:rPr lang="en" sz="1200" u="sng">
+                <a:solidFill>
+                  <a:schemeClr val="hlink"/>
+                </a:solidFill>
+                <a:latin typeface="Calibri"/>
+                <a:ea typeface="Calibri"/>
+                <a:cs typeface="Calibri"/>
+                <a:sym typeface="Calibri"/>
+                <a:hlinkClick r:id="rId4"/>
+              </a:rPr>
+              <a:t>https://trueup.io/layoffs</a:t>
+            </a:r>
+            <a:r>
+              <a:rPr lang="en" sz="1200">
+                <a:latin typeface="Calibri"/>
+                <a:ea typeface="Calibri"/>
+                <a:cs typeface="Calibri"/>
+                <a:sym typeface="Calibri"/>
+              </a:rPr>
+              <a:t> </a:t>
+            </a:r>
+            <a:r>
+              <a:rPr lang="en" sz="1200" b="0" i="0" u="none" strike="noStrike" cap="none">
+                <a:solidFill>
+                  <a:srgbClr val="000000"/>
+                </a:solidFill>
+                <a:latin typeface="Calibri"/>
+                <a:ea typeface="Calibri"/>
+                <a:cs typeface="Calibri"/>
+                <a:sym typeface="Calibri"/>
+              </a:rPr>
+              <a:t> </a:t>
+            </a:r>
+            <a:endParaRPr sz="1200" b="0" i="0" u="none" strike="noStrike" cap="none">
+              <a:solidFill>
+                <a:srgbClr val="000000"/>
+              </a:solidFill>
+              <a:latin typeface="Calibri"/>
+              <a:ea typeface="Calibri"/>
+              <a:cs typeface="Calibri"/>
+              <a:sym typeface="Calibri"/>
+            </a:endParaRPr>
+          </a:p>
+        </p:txBody>
+      </p:sp>
+      <p:pic>
+        <p:nvPicPr>
+          <p:cNvPr id="305" name="Google Shape;305;p35"/>
+          <p:cNvPicPr preferRelativeResize="0"/>
+          <p:nvPr/>
+        </p:nvPicPr>
+        <p:blipFill>
+          <a:blip r:embed="rId5" cstate="email">
+            <a:alphaModFix/>
+            <a:extLst>
+              <a:ext uri="{28A0092B-C50C-407E-A947-70E740481C1C}">
+                <a14:useLocalDpi xmlns:a14="http://schemas.microsoft.com/office/drawing/2010/main"/>
+              </a:ext>
+            </a:extLst>
+          </a:blip>
+          <a:stretch>
+            <a:fillRect/>
+          </a:stretch>
+        </p:blipFill>
+        <p:spPr>
+          <a:xfrm>
+            <a:off x="81950" y="3082075"/>
+            <a:ext cx="4779675" cy="1973074"/>
+          </a:xfrm>
+          <a:prstGeom prst="rect">
+            <a:avLst/>
+          </a:prstGeom>
+          <a:noFill/>
+          <a:ln w="9525" cap="flat" cmpd="sng">
+            <a:solidFill>
+              <a:srgbClr val="FF0000"/>
+            </a:solidFill>
+            <a:prstDash val="solid"/>
+            <a:round/>
+            <a:headEnd type="none" w="sm" len="sm"/>
+            <a:tailEnd type="none" w="sm" len="sm"/>
+          </a:ln>
+        </p:spPr>
+      </p:pic>
+      <p:pic>
+        <p:nvPicPr>
+          <p:cNvPr id="306" name="Google Shape;306;p35"/>
+          <p:cNvPicPr preferRelativeResize="0"/>
+          <p:nvPr/>
+        </p:nvPicPr>
+        <p:blipFill>
+          <a:blip r:embed="rId6" cstate="email">
+            <a:alphaModFix/>
+            <a:extLst>
+              <a:ext uri="{28A0092B-C50C-407E-A947-70E740481C1C}">
+                <a14:useLocalDpi xmlns:a14="http://schemas.microsoft.com/office/drawing/2010/main"/>
+              </a:ext>
+            </a:extLst>
+          </a:blip>
+          <a:stretch>
+            <a:fillRect/>
+          </a:stretch>
+        </p:blipFill>
+        <p:spPr>
+          <a:xfrm>
+            <a:off x="81950" y="661013"/>
+            <a:ext cx="4531627" cy="2301632"/>
+          </a:xfrm>
+          <a:prstGeom prst="rect">
+            <a:avLst/>
+          </a:prstGeom>
+          <a:noFill/>
+          <a:ln w="9525" cap="flat" cmpd="sng">
+            <a:solidFill>
+              <a:srgbClr val="FF0000"/>
+            </a:solidFill>
+            <a:prstDash val="solid"/>
+            <a:round/>
+            <a:headEnd type="none" w="sm" len="sm"/>
+            <a:tailEnd type="none" w="sm" len="sm"/>
+          </a:ln>
+        </p:spPr>
+      </p:pic>
+    </p:spTree>
+  </p:cSld>
+  <p:clrMapOvr>
+    <a:masterClrMapping/>
+  </p:clrMapOvr>
+</p:sld>
+</file>
+
+<file path=ppt/slides/slide22.xml><?xml version="1.0" encoding="utf-8"?>
+<p:sld xmlns:a="http://schemas.openxmlformats.org/drawingml/2006/main" xmlns:r="http://schemas.openxmlformats.org/officeDocument/2006/relationships" xmlns:p="http://schemas.openxmlformats.org/presentationml/2006/main">
+  <p:cSld>
+    <p:spTree>
+      <p:nvGrpSpPr>
+        <p:cNvPr id="1" name="Shape 310"/>
+        <p:cNvGrpSpPr/>
+        <p:nvPr/>
+      </p:nvGrpSpPr>
+      <p:grpSpPr>
+        <a:xfrm>
+          <a:off x="0" y="0"/>
+          <a:ext cx="0" cy="0"/>
+          <a:chOff x="0" y="0"/>
+          <a:chExt cx="0" cy="0"/>
+        </a:xfrm>
+      </p:grpSpPr>
+      <p:pic>
+        <p:nvPicPr>
+          <p:cNvPr id="311" name="Google Shape;311;p36"/>
+          <p:cNvPicPr preferRelativeResize="0"/>
+          <p:nvPr/>
+        </p:nvPicPr>
+        <p:blipFill rotWithShape="1">
+          <a:blip r:embed="rId3" cstate="email">
+            <a:alphaModFix/>
+            <a:extLst>
+              <a:ext uri="{28A0092B-C50C-407E-A947-70E740481C1C}">
+                <a14:useLocalDpi xmlns:a14="http://schemas.microsoft.com/office/drawing/2010/main"/>
+              </a:ext>
+            </a:extLst>
+          </a:blip>
+          <a:srcRect/>
+          <a:stretch/>
+        </p:blipFill>
+        <p:spPr>
+          <a:xfrm>
+            <a:off x="605238" y="1203525"/>
+            <a:ext cx="1570556" cy="1570556"/>
+          </a:xfrm>
+          <a:prstGeom prst="rect">
+            <a:avLst/>
+          </a:prstGeom>
+          <a:noFill/>
+          <a:ln>
+            <a:noFill/>
+          </a:ln>
+        </p:spPr>
+      </p:pic>
+      <p:sp>
+        <p:nvSpPr>
+          <p:cNvPr id="312" name="Google Shape;312;p36"/>
+          <p:cNvSpPr txBox="1"/>
+          <p:nvPr/>
+        </p:nvSpPr>
+        <p:spPr>
+          <a:xfrm>
+            <a:off x="-25625" y="-14775"/>
+            <a:ext cx="3355800" cy="569400"/>
+          </a:xfrm>
+          <a:prstGeom prst="rect">
+            <a:avLst/>
+          </a:prstGeom>
+          <a:noFill/>
+          <a:ln>
+            <a:noFill/>
+          </a:ln>
+        </p:spPr>
+        <p:txBody>
+          <a:bodyPr spcFirstLastPara="1" wrap="square" lIns="91425" tIns="91425" rIns="91425" bIns="91425" anchor="t" anchorCtr="0">
+            <a:spAutoFit/>
+          </a:bodyPr>
+          <a:lstStyle/>
+          <a:p>
+            <a:pPr marL="0" marR="0" lvl="0" indent="0" algn="l" rtl="0">
+              <a:lnSpc>
+                <a:spcPct val="100000"/>
+              </a:lnSpc>
+              <a:spcBef>
+                <a:spcPts val="0"/>
+              </a:spcBef>
+              <a:spcAft>
+                <a:spcPts val="0"/>
+              </a:spcAft>
+              <a:buClr>
+                <a:srgbClr val="000000"/>
+              </a:buClr>
+              <a:buSzPts val="2500"/>
+              <a:buFont typeface="Arial"/>
+              <a:buNone/>
+            </a:pPr>
+            <a:r>
+              <a:rPr lang="en" sz="2500" b="1" i="0" u="none" strike="noStrike" cap="none">
+                <a:solidFill>
+                  <a:srgbClr val="000000"/>
+                </a:solidFill>
+                <a:latin typeface="Calibri"/>
+                <a:ea typeface="Calibri"/>
+                <a:cs typeface="Calibri"/>
+                <a:sym typeface="Calibri"/>
+              </a:rPr>
+              <a:t>About the Speaker</a:t>
+            </a:r>
+            <a:endParaRPr sz="2500" b="1" i="0" u="none" strike="noStrike" cap="none">
+              <a:solidFill>
+                <a:srgbClr val="000000"/>
+              </a:solidFill>
+              <a:latin typeface="Calibri"/>
+              <a:ea typeface="Calibri"/>
+              <a:cs typeface="Calibri"/>
+              <a:sym typeface="Calibri"/>
+            </a:endParaRPr>
+          </a:p>
+        </p:txBody>
+      </p:sp>
+      <p:sp>
+        <p:nvSpPr>
+          <p:cNvPr id="313" name="Google Shape;313;p36"/>
+          <p:cNvSpPr txBox="1"/>
+          <p:nvPr/>
+        </p:nvSpPr>
+        <p:spPr>
+          <a:xfrm>
+            <a:off x="3330175" y="878750"/>
+            <a:ext cx="5621700" cy="3309300"/>
+          </a:xfrm>
+          <a:prstGeom prst="rect">
+            <a:avLst/>
+          </a:prstGeom>
+          <a:noFill/>
+          <a:ln>
+            <a:noFill/>
+          </a:ln>
+        </p:spPr>
+        <p:txBody>
+          <a:bodyPr spcFirstLastPara="1" wrap="square" lIns="91425" tIns="91425" rIns="91425" bIns="91425" anchor="t" anchorCtr="0">
+            <a:spAutoFit/>
+          </a:bodyPr>
+          <a:lstStyle/>
+          <a:p>
+            <a:pPr marL="0" marR="0" lvl="0" indent="0" algn="l" rtl="0">
+              <a:lnSpc>
+                <a:spcPct val="100000"/>
+              </a:lnSpc>
+              <a:spcBef>
+                <a:spcPts val="0"/>
+              </a:spcBef>
+              <a:spcAft>
+                <a:spcPts val="0"/>
+              </a:spcAft>
+              <a:buClr>
+                <a:schemeClr val="dk1"/>
+              </a:buClr>
+              <a:buSzPts val="1100"/>
+              <a:buFont typeface="Arial"/>
+              <a:buNone/>
+            </a:pPr>
+            <a:r>
+              <a:rPr lang="en" sz="2500" b="1" i="0" u="none" strike="noStrike" cap="none">
+                <a:solidFill>
+                  <a:srgbClr val="000000"/>
+                </a:solidFill>
+                <a:latin typeface="Calibri"/>
+                <a:ea typeface="Calibri"/>
+                <a:cs typeface="Calibri"/>
+                <a:sym typeface="Calibri"/>
+              </a:rPr>
+              <a:t>Lev Selector, Ph.D.</a:t>
+            </a:r>
+            <a:endParaRPr sz="2500" b="1" i="0" u="none" strike="noStrike" cap="none">
+              <a:solidFill>
+                <a:srgbClr val="000000"/>
+              </a:solidFill>
+              <a:latin typeface="Calibri"/>
+              <a:ea typeface="Calibri"/>
+              <a:cs typeface="Calibri"/>
+              <a:sym typeface="Calibri"/>
+            </a:endParaRPr>
+          </a:p>
+          <a:p>
+            <a:pPr marL="0" marR="0" lvl="0" indent="0" algn="l" rtl="0">
+              <a:lnSpc>
+                <a:spcPct val="100000"/>
+              </a:lnSpc>
+              <a:spcBef>
+                <a:spcPts val="0"/>
+              </a:spcBef>
+              <a:spcAft>
+                <a:spcPts val="0"/>
+              </a:spcAft>
+              <a:buClr>
+                <a:schemeClr val="dk1"/>
+              </a:buClr>
+              <a:buSzPts val="1100"/>
+              <a:buFont typeface="Arial"/>
+              <a:buNone/>
+            </a:pPr>
+            <a:endParaRPr sz="1800" b="0" i="0" u="none" strike="noStrike" cap="none">
+              <a:solidFill>
+                <a:srgbClr val="000000"/>
+              </a:solidFill>
+              <a:latin typeface="Calibri"/>
+              <a:ea typeface="Calibri"/>
+              <a:cs typeface="Calibri"/>
+              <a:sym typeface="Calibri"/>
+            </a:endParaRPr>
+          </a:p>
+          <a:p>
+            <a:pPr marL="457200" marR="0" lvl="0" indent="-330200" algn="l" rtl="0">
+              <a:lnSpc>
+                <a:spcPct val="100000"/>
+              </a:lnSpc>
+              <a:spcBef>
+                <a:spcPts val="0"/>
+              </a:spcBef>
+              <a:spcAft>
+                <a:spcPts val="0"/>
+              </a:spcAft>
+              <a:buClr>
+                <a:srgbClr val="000000"/>
+              </a:buClr>
+              <a:buSzPts val="1600"/>
+              <a:buFont typeface="Calibri"/>
+              <a:buChar char="●"/>
+            </a:pPr>
+            <a:r>
+              <a:rPr lang="en" sz="1600" b="0" i="0" u="none" strike="noStrike" cap="none">
+                <a:solidFill>
+                  <a:schemeClr val="dk1"/>
+                </a:solidFill>
+                <a:latin typeface="Calibri"/>
+                <a:ea typeface="Calibri"/>
+                <a:cs typeface="Calibri"/>
+                <a:sym typeface="Calibri"/>
+              </a:rPr>
+              <a:t>40+ years of software engineering, data science, and building teams (hiring, training, and managing)</a:t>
+            </a:r>
+            <a:endParaRPr sz="1600" b="0" i="0" u="none" strike="noStrike" cap="none">
+              <a:solidFill>
+                <a:schemeClr val="dk1"/>
+              </a:solidFill>
+              <a:latin typeface="Calibri"/>
+              <a:ea typeface="Calibri"/>
+              <a:cs typeface="Calibri"/>
+              <a:sym typeface="Calibri"/>
+            </a:endParaRPr>
+          </a:p>
+          <a:p>
+            <a:pPr marL="457200" marR="0" lvl="0" indent="-330200" algn="l" rtl="0">
+              <a:lnSpc>
+                <a:spcPct val="100000"/>
+              </a:lnSpc>
+              <a:spcBef>
+                <a:spcPts val="0"/>
+              </a:spcBef>
+              <a:spcAft>
+                <a:spcPts val="0"/>
+              </a:spcAft>
+              <a:buClr>
+                <a:srgbClr val="000000"/>
+              </a:buClr>
+              <a:buSzPts val="1600"/>
+              <a:buFont typeface="Calibri"/>
+              <a:buChar char="●"/>
+            </a:pPr>
+            <a:r>
+              <a:rPr lang="en" sz="1600" b="0" i="0" u="none" strike="noStrike" cap="none">
+                <a:solidFill>
+                  <a:schemeClr val="dk1"/>
+                </a:solidFill>
+                <a:latin typeface="Calibri"/>
+                <a:ea typeface="Calibri"/>
+                <a:cs typeface="Calibri"/>
+                <a:sym typeface="Calibri"/>
+              </a:rPr>
+              <a:t>Ph.D. in mathematical modeling and computer simulations</a:t>
+            </a:r>
+            <a:endParaRPr sz="1600" b="0" i="0" u="none" strike="noStrike" cap="none">
+              <a:solidFill>
+                <a:srgbClr val="000000"/>
+              </a:solidFill>
+              <a:latin typeface="Calibri"/>
+              <a:ea typeface="Calibri"/>
+              <a:cs typeface="Calibri"/>
+              <a:sym typeface="Calibri"/>
+            </a:endParaRPr>
+          </a:p>
+          <a:p>
+            <a:pPr marL="0" marR="0" lvl="0" indent="0" algn="l" rtl="0">
+              <a:lnSpc>
+                <a:spcPct val="100000"/>
+              </a:lnSpc>
+              <a:spcBef>
+                <a:spcPts val="0"/>
+              </a:spcBef>
+              <a:spcAft>
+                <a:spcPts val="0"/>
+              </a:spcAft>
+              <a:buClr>
+                <a:schemeClr val="dk1"/>
+              </a:buClr>
+              <a:buSzPts val="1100"/>
+              <a:buFont typeface="Arial"/>
+              <a:buNone/>
+            </a:pPr>
+            <a:endParaRPr sz="1600" b="0" i="0" u="none" strike="noStrike" cap="none">
+              <a:solidFill>
+                <a:srgbClr val="000000"/>
+              </a:solidFill>
+              <a:latin typeface="Calibri"/>
+              <a:ea typeface="Calibri"/>
+              <a:cs typeface="Calibri"/>
+              <a:sym typeface="Calibri"/>
+            </a:endParaRPr>
+          </a:p>
+          <a:p>
+            <a:pPr marL="0" marR="0" lvl="0" indent="0" algn="l" rtl="0">
+              <a:lnSpc>
+                <a:spcPct val="100000"/>
+              </a:lnSpc>
+              <a:spcBef>
+                <a:spcPts val="0"/>
+              </a:spcBef>
+              <a:spcAft>
+                <a:spcPts val="0"/>
+              </a:spcAft>
+              <a:buClr>
+                <a:srgbClr val="000000"/>
+              </a:buClr>
+              <a:buSzPts val="1600"/>
+              <a:buFont typeface="Arial"/>
+              <a:buNone/>
+            </a:pPr>
+            <a:r>
+              <a:rPr lang="en" sz="1600" b="0" i="0" u="none" strike="noStrike" cap="none">
+                <a:solidFill>
+                  <a:srgbClr val="000000"/>
+                </a:solidFill>
+                <a:latin typeface="Calibri"/>
+                <a:ea typeface="Calibri"/>
+                <a:cs typeface="Calibri"/>
+                <a:sym typeface="Calibri"/>
+              </a:rPr>
+              <a:t>Interests: </a:t>
+            </a:r>
+            <a:endParaRPr sz="1600" b="0" i="0" u="none" strike="noStrike" cap="none">
+              <a:solidFill>
+                <a:srgbClr val="000000"/>
+              </a:solidFill>
+              <a:latin typeface="Calibri"/>
+              <a:ea typeface="Calibri"/>
+              <a:cs typeface="Calibri"/>
+              <a:sym typeface="Calibri"/>
+            </a:endParaRPr>
+          </a:p>
+          <a:p>
+            <a:pPr marL="457200" marR="0" lvl="0" indent="-330200" algn="l" rtl="0">
+              <a:lnSpc>
+                <a:spcPct val="100000"/>
+              </a:lnSpc>
+              <a:spcBef>
+                <a:spcPts val="0"/>
+              </a:spcBef>
+              <a:spcAft>
+                <a:spcPts val="0"/>
+              </a:spcAft>
+              <a:buClr>
+                <a:srgbClr val="000000"/>
+              </a:buClr>
+              <a:buSzPts val="1600"/>
+              <a:buFont typeface="Calibri"/>
+              <a:buChar char="●"/>
+            </a:pPr>
+            <a:r>
+              <a:rPr lang="en" sz="1600" b="0" i="0" u="none" strike="noStrike" cap="none">
+                <a:solidFill>
+                  <a:schemeClr val="dk1"/>
+                </a:solidFill>
+                <a:latin typeface="Calibri"/>
+                <a:ea typeface="Calibri"/>
+                <a:cs typeface="Calibri"/>
+                <a:sym typeface="Calibri"/>
+              </a:rPr>
+              <a:t>Generative AI, Using LLM with your data</a:t>
+            </a:r>
+            <a:endParaRPr sz="1600" b="0" i="0" u="none" strike="noStrike" cap="none">
+              <a:solidFill>
+                <a:schemeClr val="dk1"/>
+              </a:solidFill>
+              <a:latin typeface="Calibri"/>
+              <a:ea typeface="Calibri"/>
+              <a:cs typeface="Calibri"/>
+              <a:sym typeface="Calibri"/>
+            </a:endParaRPr>
+          </a:p>
+          <a:p>
+            <a:pPr marL="457200" marR="0" lvl="0" indent="-330200" algn="l" rtl="0">
+              <a:lnSpc>
+                <a:spcPct val="100000"/>
+              </a:lnSpc>
+              <a:spcBef>
+                <a:spcPts val="0"/>
+              </a:spcBef>
+              <a:spcAft>
+                <a:spcPts val="0"/>
+              </a:spcAft>
+              <a:buClr>
+                <a:schemeClr val="dk1"/>
+              </a:buClr>
+              <a:buSzPts val="1600"/>
+              <a:buFont typeface="Calibri"/>
+              <a:buChar char="●"/>
+            </a:pPr>
+            <a:r>
+              <a:rPr lang="en" sz="1600" b="0" i="0" u="none" strike="noStrike" cap="none">
+                <a:solidFill>
+                  <a:schemeClr val="dk1"/>
+                </a:solidFill>
+                <a:latin typeface="Calibri"/>
+                <a:ea typeface="Calibri"/>
+                <a:cs typeface="Calibri"/>
+                <a:sym typeface="Calibri"/>
+              </a:rPr>
+              <a:t>Local AI for Local Private Data</a:t>
+            </a:r>
+            <a:endParaRPr sz="1600" b="0" i="0" u="none" strike="noStrike" cap="none">
+              <a:solidFill>
+                <a:schemeClr val="dk1"/>
+              </a:solidFill>
+              <a:latin typeface="Calibri"/>
+              <a:ea typeface="Calibri"/>
+              <a:cs typeface="Calibri"/>
+              <a:sym typeface="Calibri"/>
+            </a:endParaRPr>
+          </a:p>
+          <a:p>
+            <a:pPr marL="457200" marR="0" lvl="0" indent="-330200" algn="l" rtl="0">
+              <a:lnSpc>
+                <a:spcPct val="100000"/>
+              </a:lnSpc>
+              <a:spcBef>
+                <a:spcPts val="0"/>
+              </a:spcBef>
+              <a:spcAft>
+                <a:spcPts val="0"/>
+              </a:spcAft>
+              <a:buClr>
+                <a:srgbClr val="000000"/>
+              </a:buClr>
+              <a:buSzPts val="1600"/>
+              <a:buFont typeface="Calibri"/>
+              <a:buChar char="●"/>
+            </a:pPr>
+            <a:r>
+              <a:rPr lang="en" sz="1600" b="0" i="0" u="none" strike="noStrike" cap="none">
+                <a:solidFill>
+                  <a:srgbClr val="000000"/>
+                </a:solidFill>
+                <a:latin typeface="Calibri"/>
+                <a:ea typeface="Calibri"/>
+                <a:cs typeface="Calibri"/>
+                <a:sym typeface="Calibri"/>
+              </a:rPr>
+              <a:t>Cloud architecture, fin-tech, application security</a:t>
+            </a:r>
+            <a:endParaRPr sz="1600" b="0" i="0" u="none" strike="noStrike" cap="none">
+              <a:solidFill>
+                <a:srgbClr val="000000"/>
+              </a:solidFill>
+              <a:latin typeface="Calibri"/>
+              <a:ea typeface="Calibri"/>
+              <a:cs typeface="Calibri"/>
+              <a:sym typeface="Calibri"/>
+            </a:endParaRPr>
+          </a:p>
+          <a:p>
+            <a:pPr marL="0" marR="0" lvl="0" indent="0" algn="l" rtl="0">
+              <a:lnSpc>
+                <a:spcPct val="100000"/>
+              </a:lnSpc>
+              <a:spcBef>
+                <a:spcPts val="0"/>
+              </a:spcBef>
+              <a:spcAft>
+                <a:spcPts val="0"/>
+              </a:spcAft>
+              <a:buClr>
+                <a:srgbClr val="000000"/>
+              </a:buClr>
+              <a:buSzPts val="1600"/>
+              <a:buFont typeface="Arial"/>
+              <a:buNone/>
+            </a:pPr>
+            <a:endParaRPr sz="1600" b="0" i="0" u="none" strike="noStrike" cap="none">
+              <a:solidFill>
+                <a:srgbClr val="000000"/>
+              </a:solidFill>
+              <a:latin typeface="Calibri"/>
+              <a:ea typeface="Calibri"/>
+              <a:cs typeface="Calibri"/>
+              <a:sym typeface="Calibri"/>
+            </a:endParaRPr>
+          </a:p>
+          <a:p>
+            <a:pPr marL="0" marR="0" lvl="0" indent="0" algn="l" rtl="0">
+              <a:lnSpc>
+                <a:spcPct val="100000"/>
+              </a:lnSpc>
+              <a:spcBef>
+                <a:spcPts val="0"/>
+              </a:spcBef>
+              <a:spcAft>
+                <a:spcPts val="0"/>
+              </a:spcAft>
+              <a:buClr>
+                <a:srgbClr val="000000"/>
+              </a:buClr>
+              <a:buSzPts val="1600"/>
+              <a:buFont typeface="Arial"/>
+              <a:buNone/>
+            </a:pPr>
+            <a:r>
+              <a:rPr lang="en" sz="1600" b="0" i="0" u="none" strike="noStrike" cap="none">
+                <a:solidFill>
+                  <a:srgbClr val="000000"/>
+                </a:solidFill>
+                <a:latin typeface="Calibri"/>
+                <a:ea typeface="Calibri"/>
+                <a:cs typeface="Calibri"/>
+                <a:sym typeface="Calibri"/>
+              </a:rPr>
+              <a:t>Find/connect: Linkedin, GitHub, YouTube, Google</a:t>
+            </a:r>
+            <a:endParaRPr sz="1600" b="0" i="0" u="none" strike="noStrike" cap="none">
+              <a:solidFill>
+                <a:srgbClr val="000000"/>
+              </a:solidFill>
+              <a:latin typeface="Calibri"/>
+              <a:ea typeface="Calibri"/>
+              <a:cs typeface="Calibri"/>
+              <a:sym typeface="Calibri"/>
+            </a:endParaRPr>
+          </a:p>
+        </p:txBody>
+      </p:sp>
+      <p:pic>
+        <p:nvPicPr>
+          <p:cNvPr id="314" name="Google Shape;314;p36"/>
+          <p:cNvPicPr preferRelativeResize="0"/>
+          <p:nvPr/>
+        </p:nvPicPr>
+        <p:blipFill rotWithShape="1">
+          <a:blip r:embed="rId4" cstate="email">
+            <a:alphaModFix/>
+            <a:extLst>
+              <a:ext uri="{28A0092B-C50C-407E-A947-70E740481C1C}">
+                <a14:useLocalDpi xmlns:a14="http://schemas.microsoft.com/office/drawing/2010/main"/>
+              </a:ext>
+            </a:extLst>
+          </a:blip>
+          <a:srcRect/>
+          <a:stretch/>
+        </p:blipFill>
+        <p:spPr>
+          <a:xfrm>
+            <a:off x="782341" y="3664175"/>
+            <a:ext cx="858450" cy="311906"/>
+          </a:xfrm>
+          <a:prstGeom prst="rect">
+            <a:avLst/>
+          </a:prstGeom>
+          <a:noFill/>
+          <a:ln>
+            <a:noFill/>
+          </a:ln>
+        </p:spPr>
+      </p:pic>
+      <p:sp>
+        <p:nvSpPr>
+          <p:cNvPr id="315" name="Google Shape;315;p36"/>
+          <p:cNvSpPr txBox="1"/>
+          <p:nvPr/>
+        </p:nvSpPr>
+        <p:spPr>
+          <a:xfrm>
+            <a:off x="683777" y="4005903"/>
+            <a:ext cx="1391400" cy="431100"/>
+          </a:xfrm>
+          <a:prstGeom prst="rect">
+            <a:avLst/>
+          </a:prstGeom>
+          <a:noFill/>
+          <a:ln>
+            <a:noFill/>
+          </a:ln>
+        </p:spPr>
+        <p:txBody>
+          <a:bodyPr spcFirstLastPara="1" wrap="square" lIns="91425" tIns="91425" rIns="91425" bIns="91425" anchor="t" anchorCtr="0">
+            <a:spAutoFit/>
+          </a:bodyPr>
+          <a:lstStyle/>
+          <a:p>
+            <a:pPr marL="0" marR="0" lvl="0" indent="0" algn="l" rtl="0">
+              <a:lnSpc>
+                <a:spcPct val="100000"/>
+              </a:lnSpc>
+              <a:spcBef>
+                <a:spcPts val="0"/>
+              </a:spcBef>
+              <a:spcAft>
+                <a:spcPts val="0"/>
+              </a:spcAft>
+              <a:buClr>
+                <a:srgbClr val="000000"/>
+              </a:buClr>
+              <a:buSzPts val="1600"/>
+              <a:buFont typeface="Arial"/>
+              <a:buNone/>
+            </a:pPr>
+            <a:r>
+              <a:rPr lang="en" sz="1600" b="0" i="0" u="sng" strike="noStrike" cap="none">
+                <a:solidFill>
+                  <a:schemeClr val="hlink"/>
+                </a:solidFill>
+                <a:latin typeface="Calibri"/>
+                <a:ea typeface="Calibri"/>
+                <a:cs typeface="Calibri"/>
+                <a:sym typeface="Calibri"/>
+                <a:hlinkClick r:id="rId5"/>
+              </a:rPr>
+              <a:t>https://eais.ai</a:t>
+            </a:r>
+            <a:r>
+              <a:rPr lang="en" sz="1600" b="0" i="0" u="none" strike="noStrike" cap="none">
+                <a:solidFill>
+                  <a:srgbClr val="000000"/>
+                </a:solidFill>
+                <a:latin typeface="Calibri"/>
+                <a:ea typeface="Calibri"/>
+                <a:cs typeface="Calibri"/>
+                <a:sym typeface="Calibri"/>
+              </a:rPr>
+              <a:t> </a:t>
+            </a:r>
+            <a:endParaRPr sz="1600" b="0" i="0" u="none" strike="noStrike" cap="none">
+              <a:solidFill>
+                <a:srgbClr val="000000"/>
+              </a:solidFill>
+              <a:latin typeface="Calibri"/>
+              <a:ea typeface="Calibri"/>
+              <a:cs typeface="Calibri"/>
+              <a:sym typeface="Calibri"/>
+            </a:endParaRPr>
+          </a:p>
+        </p:txBody>
+      </p:sp>
+      <p:sp>
+        <p:nvSpPr>
+          <p:cNvPr id="316" name="Google Shape;316;p36"/>
+          <p:cNvSpPr txBox="1"/>
+          <p:nvPr/>
+        </p:nvSpPr>
+        <p:spPr>
+          <a:xfrm>
+            <a:off x="307603" y="4360974"/>
+            <a:ext cx="2094000" cy="431100"/>
+          </a:xfrm>
+          <a:prstGeom prst="rect">
+            <a:avLst/>
+          </a:prstGeom>
+          <a:noFill/>
+          <a:ln>
+            <a:noFill/>
+          </a:ln>
+        </p:spPr>
+        <p:txBody>
+          <a:bodyPr spcFirstLastPara="1" wrap="square" lIns="91425" tIns="91425" rIns="91425" bIns="91425" anchor="t" anchorCtr="0">
+            <a:spAutoFit/>
+          </a:bodyPr>
+          <a:lstStyle/>
+          <a:p>
+            <a:pPr marL="0" marR="0" lvl="0" indent="0" algn="ctr" rtl="0">
+              <a:lnSpc>
+                <a:spcPct val="100000"/>
+              </a:lnSpc>
+              <a:spcBef>
+                <a:spcPts val="0"/>
+              </a:spcBef>
+              <a:spcAft>
+                <a:spcPts val="0"/>
+              </a:spcAft>
+              <a:buClr>
+                <a:schemeClr val="dk1"/>
+              </a:buClr>
+              <a:buSzPts val="1100"/>
+              <a:buFont typeface="Arial"/>
+              <a:buNone/>
+            </a:pPr>
+            <a:r>
+              <a:rPr lang="en" sz="1600" b="0" i="0" u="none" strike="noStrike" cap="none">
+                <a:solidFill>
+                  <a:srgbClr val="000000"/>
+                </a:solidFill>
+                <a:latin typeface="Calibri"/>
+                <a:ea typeface="Calibri"/>
+                <a:cs typeface="Calibri"/>
+                <a:sym typeface="Calibri"/>
+              </a:rPr>
+              <a:t>Enterprise AI Systems</a:t>
+            </a:r>
+            <a:endParaRPr sz="1600" b="0" i="0" u="none" strike="noStrike" cap="none">
+              <a:solidFill>
+                <a:srgbClr val="000000"/>
+              </a:solidFill>
+              <a:latin typeface="Calibri"/>
+              <a:ea typeface="Calibri"/>
+              <a:cs typeface="Calibri"/>
+              <a:sym typeface="Calibri"/>
+            </a:endParaRPr>
+          </a:p>
+        </p:txBody>
+      </p:sp>
+    </p:spTree>
+  </p:cSld>
+  <p:clrMapOvr>
+    <a:masterClrMapping/>
+  </p:clrMapOvr>
+</p:sld>
+</file>
+
+<file path=ppt/slides/slide23.xml><?xml version="1.0" encoding="utf-8"?>
+<p:sld xmlns:a="http://schemas.openxmlformats.org/drawingml/2006/main" xmlns:r="http://schemas.openxmlformats.org/officeDocument/2006/relationships" xmlns:p="http://schemas.openxmlformats.org/presentationml/2006/main">
+  <p:cSld>
+    <p:spTree>
+      <p:nvGrpSpPr>
+        <p:cNvPr id="1" name="Shape 320"/>
+        <p:cNvGrpSpPr/>
+        <p:nvPr/>
+      </p:nvGrpSpPr>
+      <p:grpSpPr>
+        <a:xfrm>
+          <a:off x="0" y="0"/>
+          <a:ext cx="0" cy="0"/>
+          <a:chOff x="0" y="0"/>
+          <a:chExt cx="0" cy="0"/>
+        </a:xfrm>
+      </p:grpSpPr>
+      <p:sp>
+        <p:nvSpPr>
+          <p:cNvPr id="321" name="Google Shape;321;p37"/>
           <p:cNvSpPr txBox="1"/>
           <p:nvPr/>
         </p:nvSpPr>

--- a/2025/2025-06-27-AI-Updates.pptx
+++ b/2025/2025-06-27-AI-Updates.pptx
@@ -1469,7 +1469,7 @@
   <p:cSld>
     <p:spTree>
       <p:nvGrpSpPr>
-        <p:cNvPr id="1" name="Shape 247"/>
+        <p:cNvPr id="1" name="Shape 249"/>
         <p:cNvGrpSpPr/>
         <p:nvPr/>
       </p:nvGrpSpPr>
@@ -1483,7 +1483,7 @@
       </p:grpSpPr>
       <p:sp>
         <p:nvSpPr>
-          <p:cNvPr id="248" name="Google Shape;248;g33d4c850b00_0_8:notes"/>
+          <p:cNvPr id="250" name="Google Shape;250;g33d4c850b00_0_8:notes"/>
           <p:cNvSpPr>
             <a:spLocks noGrp="1" noRot="1" noChangeAspect="1"/>
           </p:cNvSpPr>
@@ -1534,7 +1534,7 @@
       </p:sp>
       <p:sp>
         <p:nvSpPr>
-          <p:cNvPr id="249" name="Google Shape;249;g33d4c850b00_0_8:notes"/>
+          <p:cNvPr id="251" name="Google Shape;251;g33d4c850b00_0_8:notes"/>
           <p:cNvSpPr txBox="1">
             <a:spLocks noGrp="1"/>
           </p:cNvSpPr>
@@ -1591,7 +1591,7 @@
   <p:cSld>
     <p:spTree>
       <p:nvGrpSpPr>
-        <p:cNvPr id="1" name="Shape 255"/>
+        <p:cNvPr id="1" name="Shape 258"/>
         <p:cNvGrpSpPr/>
         <p:nvPr/>
       </p:nvGrpSpPr>
@@ -1605,7 +1605,7 @@
       </p:grpSpPr>
       <p:sp>
         <p:nvSpPr>
-          <p:cNvPr id="256" name="Google Shape;256;g33d4c850b00_0_21:notes"/>
+          <p:cNvPr id="259" name="Google Shape;259;g33d4c850b00_0_21:notes"/>
           <p:cNvSpPr>
             <a:spLocks noGrp="1" noRot="1" noChangeAspect="1"/>
           </p:cNvSpPr>
@@ -1656,7 +1656,7 @@
       </p:sp>
       <p:sp>
         <p:nvSpPr>
-          <p:cNvPr id="257" name="Google Shape;257;g33d4c850b00_0_21:notes"/>
+          <p:cNvPr id="260" name="Google Shape;260;g33d4c850b00_0_21:notes"/>
           <p:cNvSpPr txBox="1">
             <a:spLocks noGrp="1"/>
           </p:cNvSpPr>
@@ -1713,7 +1713,7 @@
   <p:cSld>
     <p:spTree>
       <p:nvGrpSpPr>
-        <p:cNvPr id="1" name="Shape 262"/>
+        <p:cNvPr id="1" name="Shape 265"/>
         <p:cNvGrpSpPr/>
         <p:nvPr/>
       </p:nvGrpSpPr>
@@ -1727,7 +1727,7 @@
       </p:grpSpPr>
       <p:sp>
         <p:nvSpPr>
-          <p:cNvPr id="263" name="Google Shape;263;g336de3673e7_1_0:notes"/>
+          <p:cNvPr id="266" name="Google Shape;266;g336de3673e7_1_0:notes"/>
           <p:cNvSpPr>
             <a:spLocks noGrp="1" noRot="1" noChangeAspect="1"/>
           </p:cNvSpPr>
@@ -1778,7 +1778,7 @@
       </p:sp>
       <p:sp>
         <p:nvSpPr>
-          <p:cNvPr id="264" name="Google Shape;264;g336de3673e7_1_0:notes"/>
+          <p:cNvPr id="267" name="Google Shape;267;g336de3673e7_1_0:notes"/>
           <p:cNvSpPr txBox="1">
             <a:spLocks noGrp="1"/>
           </p:cNvSpPr>
@@ -1835,7 +1835,7 @@
   <p:cSld>
     <p:spTree>
       <p:nvGrpSpPr>
-        <p:cNvPr id="1" name="Shape 269"/>
+        <p:cNvPr id="1" name="Shape 272"/>
         <p:cNvGrpSpPr/>
         <p:nvPr/>
       </p:nvGrpSpPr>
@@ -1849,7 +1849,7 @@
       </p:grpSpPr>
       <p:sp>
         <p:nvSpPr>
-          <p:cNvPr id="270" name="Google Shape;270;g36a65eaa20d_0_1:notes"/>
+          <p:cNvPr id="273" name="Google Shape;273;g36a65eaa20d_0_1:notes"/>
           <p:cNvSpPr>
             <a:spLocks noGrp="1" noRot="1" noChangeAspect="1"/>
           </p:cNvSpPr>
@@ -1900,7 +1900,7 @@
       </p:sp>
       <p:sp>
         <p:nvSpPr>
-          <p:cNvPr id="271" name="Google Shape;271;g36a65eaa20d_0_1:notes"/>
+          <p:cNvPr id="274" name="Google Shape;274;g36a65eaa20d_0_1:notes"/>
           <p:cNvSpPr txBox="1">
             <a:spLocks noGrp="1"/>
           </p:cNvSpPr>
@@ -1957,7 +1957,7 @@
   <p:cSld>
     <p:spTree>
       <p:nvGrpSpPr>
-        <p:cNvPr id="1" name="Shape 277"/>
+        <p:cNvPr id="1" name="Shape 280"/>
         <p:cNvGrpSpPr/>
         <p:nvPr/>
       </p:nvGrpSpPr>
@@ -1971,7 +1971,7 @@
       </p:grpSpPr>
       <p:sp>
         <p:nvSpPr>
-          <p:cNvPr id="278" name="Google Shape;278;g36a65eaa20d_0_11:notes"/>
+          <p:cNvPr id="281" name="Google Shape;281;g36a65eaa20d_0_11:notes"/>
           <p:cNvSpPr>
             <a:spLocks noGrp="1" noRot="1" noChangeAspect="1"/>
           </p:cNvSpPr>
@@ -2022,7 +2022,7 @@
       </p:sp>
       <p:sp>
         <p:nvSpPr>
-          <p:cNvPr id="279" name="Google Shape;279;g36a65eaa20d_0_11:notes"/>
+          <p:cNvPr id="282" name="Google Shape;282;g36a65eaa20d_0_11:notes"/>
           <p:cNvSpPr txBox="1">
             <a:spLocks noGrp="1"/>
           </p:cNvSpPr>
@@ -2079,7 +2079,7 @@
   <p:cSld>
     <p:spTree>
       <p:nvGrpSpPr>
-        <p:cNvPr id="1" name="Shape 284"/>
+        <p:cNvPr id="1" name="Shape 287"/>
         <p:cNvGrpSpPr/>
         <p:nvPr/>
       </p:nvGrpSpPr>
@@ -2093,7 +2093,7 @@
       </p:grpSpPr>
       <p:sp>
         <p:nvSpPr>
-          <p:cNvPr id="285" name="Google Shape;285;g36272717752_0_1:notes"/>
+          <p:cNvPr id="288" name="Google Shape;288;g36272717752_0_1:notes"/>
           <p:cNvSpPr>
             <a:spLocks noGrp="1" noRot="1" noChangeAspect="1"/>
           </p:cNvSpPr>
@@ -2144,7 +2144,7 @@
       </p:sp>
       <p:sp>
         <p:nvSpPr>
-          <p:cNvPr id="286" name="Google Shape;286;g36272717752_0_1:notes"/>
+          <p:cNvPr id="289" name="Google Shape;289;g36272717752_0_1:notes"/>
           <p:cNvSpPr txBox="1">
             <a:spLocks noGrp="1"/>
           </p:cNvSpPr>
@@ -2323,7 +2323,7 @@
   <p:cSld>
     <p:spTree>
       <p:nvGrpSpPr>
-        <p:cNvPr id="1" name="Shape 291"/>
+        <p:cNvPr id="1" name="Shape 294"/>
         <p:cNvGrpSpPr/>
         <p:nvPr/>
       </p:nvGrpSpPr>
@@ -2337,7 +2337,7 @@
       </p:grpSpPr>
       <p:sp>
         <p:nvSpPr>
-          <p:cNvPr id="292" name="Google Shape;292;g3627cf388fb_0_1:notes"/>
+          <p:cNvPr id="295" name="Google Shape;295;g3627cf388fb_0_1:notes"/>
           <p:cNvSpPr>
             <a:spLocks noGrp="1" noRot="1" noChangeAspect="1"/>
           </p:cNvSpPr>
@@ -2388,7 +2388,7 @@
       </p:sp>
       <p:sp>
         <p:nvSpPr>
-          <p:cNvPr id="293" name="Google Shape;293;g3627cf388fb_0_1:notes"/>
+          <p:cNvPr id="296" name="Google Shape;296;g3627cf388fb_0_1:notes"/>
           <p:cNvSpPr txBox="1">
             <a:spLocks noGrp="1"/>
           </p:cNvSpPr>
@@ -2445,7 +2445,7 @@
   <p:cSld>
     <p:spTree>
       <p:nvGrpSpPr>
-        <p:cNvPr id="1" name="Shape 299"/>
+        <p:cNvPr id="1" name="Shape 302"/>
         <p:cNvGrpSpPr/>
         <p:nvPr/>
       </p:nvGrpSpPr>
@@ -2459,7 +2459,7 @@
       </p:grpSpPr>
       <p:sp>
         <p:nvSpPr>
-          <p:cNvPr id="300" name="Google Shape;300;p23:notes"/>
+          <p:cNvPr id="303" name="Google Shape;303;p23:notes"/>
           <p:cNvSpPr>
             <a:spLocks noGrp="1" noRot="1" noChangeAspect="1"/>
           </p:cNvSpPr>
@@ -2510,7 +2510,7 @@
       </p:sp>
       <p:sp>
         <p:nvSpPr>
-          <p:cNvPr id="301" name="Google Shape;301;p23:notes"/>
+          <p:cNvPr id="304" name="Google Shape;304;p23:notes"/>
           <p:cNvSpPr txBox="1">
             <a:spLocks noGrp="1"/>
           </p:cNvSpPr>
@@ -2567,7 +2567,7 @@
   <p:cSld>
     <p:spTree>
       <p:nvGrpSpPr>
-        <p:cNvPr id="1" name="Shape 307"/>
+        <p:cNvPr id="1" name="Shape 311"/>
         <p:cNvGrpSpPr/>
         <p:nvPr/>
       </p:nvGrpSpPr>
@@ -2581,7 +2581,7 @@
       </p:grpSpPr>
       <p:sp>
         <p:nvSpPr>
-          <p:cNvPr id="308" name="Google Shape;308;p24:notes"/>
+          <p:cNvPr id="312" name="Google Shape;312;p24:notes"/>
           <p:cNvSpPr>
             <a:spLocks noGrp="1" noRot="1" noChangeAspect="1"/>
           </p:cNvSpPr>
@@ -2632,7 +2632,7 @@
       </p:sp>
       <p:sp>
         <p:nvSpPr>
-          <p:cNvPr id="309" name="Google Shape;309;p24:notes"/>
+          <p:cNvPr id="313" name="Google Shape;313;p24:notes"/>
           <p:cNvSpPr txBox="1">
             <a:spLocks noGrp="1"/>
           </p:cNvSpPr>
@@ -2689,7 +2689,7 @@
   <p:cSld>
     <p:spTree>
       <p:nvGrpSpPr>
-        <p:cNvPr id="1" name="Shape 317"/>
+        <p:cNvPr id="1" name="Shape 321"/>
         <p:cNvGrpSpPr/>
         <p:nvPr/>
       </p:nvGrpSpPr>
@@ -2703,7 +2703,7 @@
       </p:grpSpPr>
       <p:sp>
         <p:nvSpPr>
-          <p:cNvPr id="318" name="Google Shape;318;p25:notes"/>
+          <p:cNvPr id="322" name="Google Shape;322;p25:notes"/>
           <p:cNvSpPr>
             <a:spLocks noGrp="1" noRot="1" noChangeAspect="1"/>
           </p:cNvSpPr>
@@ -2754,7 +2754,7 @@
       </p:sp>
       <p:sp>
         <p:nvSpPr>
-          <p:cNvPr id="319" name="Google Shape;319;p25:notes"/>
+          <p:cNvPr id="323" name="Google Shape;323;p25:notes"/>
           <p:cNvSpPr txBox="1">
             <a:spLocks noGrp="1"/>
           </p:cNvSpPr>
@@ -13057,7 +13057,7 @@
         </p:nvSpPr>
         <p:spPr>
           <a:xfrm>
-            <a:off x="78651" y="793444"/>
+            <a:off x="78651" y="726839"/>
             <a:ext cx="4420200" cy="1865400"/>
           </a:xfrm>
           <a:prstGeom prst="rect">
@@ -13529,7 +13529,7 @@
         </p:nvSpPr>
         <p:spPr>
           <a:xfrm>
-            <a:off x="4576975" y="4096439"/>
+            <a:off x="4576975" y="4172639"/>
             <a:ext cx="4502400" cy="942000"/>
           </a:xfrm>
           <a:prstGeom prst="rect">
@@ -13723,7 +13723,7 @@
         </p:nvSpPr>
         <p:spPr>
           <a:xfrm>
-            <a:off x="78651" y="2722951"/>
+            <a:off x="78651" y="2646751"/>
             <a:ext cx="4420200" cy="2327400"/>
           </a:xfrm>
           <a:prstGeom prst="rect">
@@ -14157,8 +14157,8 @@
         </p:nvSpPr>
         <p:spPr>
           <a:xfrm>
-            <a:off x="4576975" y="787808"/>
-            <a:ext cx="4502400" cy="3250800"/>
+            <a:off x="4576975" y="664033"/>
+            <a:ext cx="4502400" cy="3481800"/>
           </a:xfrm>
           <a:prstGeom prst="rect">
             <a:avLst/>
@@ -14529,7 +14529,7 @@
                 <a:cs typeface="Calibri"/>
                 <a:sym typeface="Calibri"/>
               </a:rPr>
-              <a:t>Anthropic Claude - build and host AI apps Artifacts</a:t>
+              <a:t>Google Doppl - visualize outfit on you</a:t>
             </a:r>
             <a:endParaRPr sz="1500" b="1">
               <a:solidFill>
@@ -14569,7 +14569,7 @@
                 <a:cs typeface="Calibri"/>
                 <a:sym typeface="Calibri"/>
               </a:rPr>
-              <a:t>Use 9 MCP Servers to reduce coding errors</a:t>
+              <a:t>Anthropic Claude - build and host AI apps Artifacts</a:t>
             </a:r>
             <a:endParaRPr sz="1500" b="1">
               <a:solidFill>
@@ -14609,7 +14609,47 @@
                 <a:cs typeface="Calibri"/>
                 <a:sym typeface="Calibri"/>
               </a:rPr>
-              <a:t>Meta Poaches Three OpenAI Researchers</a:t>
+              <a:t>Use 9 MCP Servers to reduce coding errors</a:t>
+            </a:r>
+            <a:endParaRPr sz="1500" b="1">
+              <a:solidFill>
+                <a:srgbClr val="3C78D8"/>
+              </a:solidFill>
+              <a:latin typeface="Calibri"/>
+              <a:ea typeface="Calibri"/>
+              <a:cs typeface="Calibri"/>
+              <a:sym typeface="Calibri"/>
+            </a:endParaRPr>
+          </a:p>
+          <a:p>
+            <a:pPr marL="228600" marR="0" lvl="0" indent="-209550" algn="l" rtl="0">
+              <a:lnSpc>
+                <a:spcPct val="100000"/>
+              </a:lnSpc>
+              <a:spcBef>
+                <a:spcPts val="0"/>
+              </a:spcBef>
+              <a:spcAft>
+                <a:spcPts val="0"/>
+              </a:spcAft>
+              <a:buClr>
+                <a:srgbClr val="3C78D8"/>
+              </a:buClr>
+              <a:buSzPts val="1500"/>
+              <a:buFont typeface="Calibri"/>
+              <a:buChar char="●"/>
+            </a:pPr>
+            <a:r>
+              <a:rPr lang="en" sz="1500" b="1">
+                <a:solidFill>
+                  <a:srgbClr val="3C78D8"/>
+                </a:solidFill>
+                <a:latin typeface="Calibri"/>
+                <a:ea typeface="Calibri"/>
+                <a:cs typeface="Calibri"/>
+                <a:sym typeface="Calibri"/>
+              </a:rPr>
+              <a:t>Meta Hires OpenAI Researchers</a:t>
             </a:r>
             <a:endParaRPr sz="1500" b="1">
               <a:solidFill>
@@ -14751,7 +14791,7 @@
         </p:nvSpPr>
         <p:spPr>
           <a:xfrm>
-            <a:off x="5325500" y="57525"/>
+            <a:off x="5325500" y="19465"/>
             <a:ext cx="3668400" cy="572700"/>
           </a:xfrm>
           <a:prstGeom prst="rect">
@@ -15491,7 +15531,7 @@
         <p:spPr>
           <a:xfrm>
             <a:off x="80275" y="3994208"/>
-            <a:ext cx="4446000" cy="664800"/>
+            <a:ext cx="4446000" cy="849600"/>
           </a:xfrm>
           <a:prstGeom prst="rect">
             <a:avLst/>
@@ -15583,6 +15623,46 @@
                 <a:sym typeface="Calibri"/>
               </a:rPr>
               <a:t>Open source, integrated with Google’s AI Gemini Code Assist</a:t>
+            </a:r>
+            <a:endParaRPr sz="1200">
+              <a:solidFill>
+                <a:schemeClr val="dk1"/>
+              </a:solidFill>
+              <a:latin typeface="Calibri"/>
+              <a:ea typeface="Calibri"/>
+              <a:cs typeface="Calibri"/>
+              <a:sym typeface="Calibri"/>
+            </a:endParaRPr>
+          </a:p>
+          <a:p>
+            <a:pPr marL="171450" marR="0" lvl="0" indent="-133350" algn="l" rtl="0">
+              <a:lnSpc>
+                <a:spcPct val="100000"/>
+              </a:lnSpc>
+              <a:spcBef>
+                <a:spcPts val="0"/>
+              </a:spcBef>
+              <a:spcAft>
+                <a:spcPts val="0"/>
+              </a:spcAft>
+              <a:buClr>
+                <a:schemeClr val="dk1"/>
+              </a:buClr>
+              <a:buSzPts val="1200"/>
+              <a:buFont typeface="Calibri"/>
+              <a:buChar char="●"/>
+            </a:pPr>
+            <a:r>
+              <a:rPr lang="en" sz="1200">
+                <a:solidFill>
+                  <a:schemeClr val="dk1"/>
+                </a:solidFill>
+                <a:latin typeface="Calibri"/>
+                <a:ea typeface="Calibri"/>
+                <a:cs typeface="Calibri"/>
+                <a:sym typeface="Calibri"/>
+              </a:rPr>
+              <a:t>1 Mln context length</a:t>
             </a:r>
             <a:endParaRPr sz="1200">
               <a:solidFill>
@@ -18283,6 +18363,166 @@
           </a:ln>
         </p:spPr>
       </p:pic>
+      <p:sp>
+        <p:nvSpPr>
+          <p:cNvPr id="247" name="Google Shape;247;p27"/>
+          <p:cNvSpPr txBox="1"/>
+          <p:nvPr/>
+        </p:nvSpPr>
+        <p:spPr>
+          <a:xfrm>
+            <a:off x="6089650" y="4296725"/>
+            <a:ext cx="2968800" cy="341700"/>
+          </a:xfrm>
+          <a:prstGeom prst="rect">
+            <a:avLst/>
+          </a:prstGeom>
+          <a:solidFill>
+            <a:srgbClr val="FFF2CC"/>
+          </a:solidFill>
+          <a:ln w="9525" cap="flat" cmpd="sng">
+            <a:solidFill>
+              <a:srgbClr val="FF0000"/>
+            </a:solidFill>
+            <a:prstDash val="solid"/>
+            <a:round/>
+            <a:headEnd type="none" w="sm" len="sm"/>
+            <a:tailEnd type="none" w="sm" len="sm"/>
+          </a:ln>
+        </p:spPr>
+        <p:txBody>
+          <a:bodyPr spcFirstLastPara="1" wrap="square" lIns="9125" tIns="9125" rIns="9125" bIns="9125" anchor="t" anchorCtr="0">
+            <a:spAutoFit/>
+          </a:bodyPr>
+          <a:lstStyle/>
+          <a:p>
+            <a:pPr marL="171450" lvl="0" indent="-133350" algn="l" rtl="0">
+              <a:spcBef>
+                <a:spcPts val="0"/>
+              </a:spcBef>
+              <a:spcAft>
+                <a:spcPts val="0"/>
+              </a:spcAft>
+              <a:buClr>
+                <a:srgbClr val="FF0000"/>
+              </a:buClr>
+              <a:buSzPts val="1200"/>
+              <a:buFont typeface="Calibri"/>
+              <a:buChar char="●"/>
+            </a:pPr>
+            <a:r>
+              <a:rPr lang="en" sz="1200" b="1">
+                <a:solidFill>
+                  <a:srgbClr val="FF0000"/>
+                </a:solidFill>
+                <a:latin typeface="Calibri"/>
+                <a:ea typeface="Calibri"/>
+                <a:cs typeface="Calibri"/>
+                <a:sym typeface="Calibri"/>
+              </a:rPr>
+              <a:t>Google Doppl - visualize outfit on you</a:t>
+            </a:r>
+            <a:endParaRPr sz="1200" b="1">
+              <a:solidFill>
+                <a:srgbClr val="FF0000"/>
+              </a:solidFill>
+              <a:latin typeface="Calibri"/>
+              <a:ea typeface="Calibri"/>
+              <a:cs typeface="Calibri"/>
+              <a:sym typeface="Calibri"/>
+            </a:endParaRPr>
+          </a:p>
+          <a:p>
+            <a:pPr marL="171450" lvl="0" indent="-114300" algn="l" rtl="0">
+              <a:spcBef>
+                <a:spcPts val="0"/>
+              </a:spcBef>
+              <a:spcAft>
+                <a:spcPts val="0"/>
+              </a:spcAft>
+              <a:buClr>
+                <a:schemeClr val="dk1"/>
+              </a:buClr>
+              <a:buSzPts val="900"/>
+              <a:buFont typeface="Calibri"/>
+              <a:buChar char="●"/>
+            </a:pPr>
+            <a:r>
+              <a:rPr lang="en" sz="900" u="sng">
+                <a:solidFill>
+                  <a:schemeClr val="hlink"/>
+                </a:solidFill>
+                <a:latin typeface="Calibri"/>
+                <a:ea typeface="Calibri"/>
+                <a:cs typeface="Calibri"/>
+                <a:sym typeface="Calibri"/>
+                <a:hlinkClick r:id="rId7"/>
+              </a:rPr>
+              <a:t>https://blog.google/technology/google-labs/doppl/</a:t>
+            </a:r>
+            <a:r>
+              <a:rPr lang="en" sz="900">
+                <a:solidFill>
+                  <a:schemeClr val="dk1"/>
+                </a:solidFill>
+                <a:latin typeface="Calibri"/>
+                <a:ea typeface="Calibri"/>
+                <a:cs typeface="Calibri"/>
+                <a:sym typeface="Calibri"/>
+              </a:rPr>
+              <a:t> </a:t>
+            </a:r>
+            <a:endParaRPr sz="900">
+              <a:solidFill>
+                <a:schemeClr val="dk1"/>
+              </a:solidFill>
+              <a:latin typeface="Calibri"/>
+              <a:ea typeface="Calibri"/>
+              <a:cs typeface="Calibri"/>
+              <a:sym typeface="Calibri"/>
+            </a:endParaRPr>
+          </a:p>
+        </p:txBody>
+      </p:sp>
+      <p:pic>
+        <p:nvPicPr>
+          <p:cNvPr id="248" name="Google Shape;248;p27"/>
+          <p:cNvPicPr preferRelativeResize="0"/>
+          <p:nvPr/>
+        </p:nvPicPr>
+        <p:blipFill>
+          <a:blip r:embed="rId8" cstate="email">
+            <a:alphaModFix/>
+            <a:extLst>
+              <a:ext uri="{28A0092B-C50C-407E-A947-70E740481C1C}">
+                <a14:useLocalDpi xmlns:a14="http://schemas.microsoft.com/office/drawing/2010/main"/>
+              </a:ext>
+            </a:extLst>
+          </a:blip>
+          <a:stretch>
+            <a:fillRect/>
+          </a:stretch>
+        </p:blipFill>
+        <p:spPr>
+          <a:xfrm>
+            <a:off x="7212562" y="352125"/>
+            <a:ext cx="1845802" cy="3868406"/>
+          </a:xfrm>
+          <a:prstGeom prst="rect">
+            <a:avLst/>
+          </a:prstGeom>
+          <a:noFill/>
+          <a:ln w="9525" cap="flat" cmpd="sng">
+            <a:solidFill>
+              <a:srgbClr val="FF0000"/>
+            </a:solidFill>
+            <a:prstDash val="solid"/>
+            <a:round/>
+            <a:headEnd type="none" w="sm" len="sm"/>
+            <a:tailEnd type="none" w="sm" len="sm"/>
+          </a:ln>
+        </p:spPr>
+      </p:pic>
     </p:spTree>
   </p:cSld>
   <p:clrMapOvr>
@@ -18296,7 +18536,7 @@
   <p:cSld>
     <p:spTree>
       <p:nvGrpSpPr>
-        <p:cNvPr id="1" name="Shape 250"/>
+        <p:cNvPr id="1" name="Shape 252"/>
         <p:cNvGrpSpPr/>
         <p:nvPr/>
       </p:nvGrpSpPr>
@@ -18310,7 +18550,7 @@
       </p:grpSpPr>
       <p:sp>
         <p:nvSpPr>
-          <p:cNvPr id="251" name="Google Shape;251;p28"/>
+          <p:cNvPr id="253" name="Google Shape;253;p28"/>
           <p:cNvSpPr txBox="1"/>
           <p:nvPr/>
         </p:nvSpPr>
@@ -18376,7 +18616,7 @@
       </p:sp>
       <p:sp>
         <p:nvSpPr>
-          <p:cNvPr id="252" name="Google Shape;252;p28"/>
+          <p:cNvPr id="254" name="Google Shape;254;p28"/>
           <p:cNvSpPr txBox="1"/>
           <p:nvPr/>
         </p:nvSpPr>
@@ -18769,7 +19009,7 @@
       </p:sp>
       <p:pic>
         <p:nvPicPr>
-          <p:cNvPr id="253" name="Google Shape;253;p28"/>
+          <p:cNvPr id="255" name="Google Shape;255;p28"/>
           <p:cNvPicPr preferRelativeResize="0"/>
           <p:nvPr/>
         </p:nvPicPr>
@@ -18802,14 +19042,14 @@
       </p:pic>
       <p:sp>
         <p:nvSpPr>
-          <p:cNvPr id="254" name="Google Shape;254;p28"/>
+          <p:cNvPr id="256" name="Google Shape;256;p28"/>
           <p:cNvSpPr txBox="1"/>
           <p:nvPr/>
         </p:nvSpPr>
         <p:spPr>
           <a:xfrm>
             <a:off x="93475" y="2550557"/>
-            <a:ext cx="4446000" cy="711000"/>
+            <a:ext cx="4446000" cy="1173000"/>
           </a:xfrm>
           <a:prstGeom prst="rect">
             <a:avLst/>
@@ -18857,7 +19097,7 @@
                 <a:cs typeface="Calibri"/>
                 <a:sym typeface="Calibri"/>
               </a:rPr>
-              <a:t>Meta Poaches Three OpenAI Researchers</a:t>
+              <a:t>Meta has hired OpenAI researcher Trapit Bansal</a:t>
             </a:r>
             <a:endParaRPr sz="1200" b="1">
               <a:solidFill>
@@ -18878,13 +19118,50 @@
                 <a:spcPts val="0"/>
               </a:spcAft>
               <a:buClr>
-                <a:schemeClr val="dk1"/>
+                <a:srgbClr val="FF0000"/>
               </a:buClr>
               <a:buSzPts val="900"/>
               <a:buFont typeface="Calibri"/>
               <a:buChar char="●"/>
             </a:pPr>
             <a:r>
+              <a:rPr lang="en" sz="1200" b="1">
+                <a:solidFill>
+                  <a:srgbClr val="FF0000"/>
+                </a:solidFill>
+                <a:latin typeface="Calibri"/>
+                <a:ea typeface="Calibri"/>
+                <a:cs typeface="Calibri"/>
+                <a:sym typeface="Calibri"/>
+              </a:rPr>
+              <a:t>Meta hires 3 OpenAI researchers in Zurich</a:t>
+            </a:r>
+            <a:endParaRPr sz="1200" b="1">
+              <a:solidFill>
+                <a:srgbClr val="FF0000"/>
+              </a:solidFill>
+              <a:latin typeface="Calibri"/>
+              <a:ea typeface="Calibri"/>
+              <a:cs typeface="Calibri"/>
+              <a:sym typeface="Calibri"/>
+            </a:endParaRPr>
+          </a:p>
+          <a:p>
+            <a:pPr marL="171450" lvl="0" indent="-114300" algn="l" rtl="0">
+              <a:spcBef>
+                <a:spcPts val="0"/>
+              </a:spcBef>
+              <a:spcAft>
+                <a:spcPts val="0"/>
+              </a:spcAft>
+              <a:buClr>
+                <a:schemeClr val="dk1"/>
+              </a:buClr>
+              <a:buSzPts val="900"/>
+              <a:buFont typeface="Calibri"/>
+              <a:buChar char="●"/>
+            </a:pPr>
+            <a:r>
               <a:rPr lang="en" sz="1200">
                 <a:solidFill>
                   <a:schemeClr val="dk1"/>
@@ -18894,7 +19171,7 @@
                 <a:cs typeface="Calibri"/>
                 <a:sym typeface="Calibri"/>
               </a:rPr>
-              <a:t>Meta has hired Lucas Beyer, Alexander Kolesnikov and Xiaohua Zhai from OpenAI Zurich for its superintelligence effort</a:t>
+              <a:t>Lucas Beyer, Alexander Kolesnikov and Xiaohua Zhai - all 3 from  OpenAI Zurich</a:t>
             </a:r>
             <a:endParaRPr sz="900">
               <a:solidFill>
@@ -18956,8 +19233,97 @@
               <a:sym typeface="Calibri"/>
             </a:endParaRPr>
           </a:p>
+          <a:p>
+            <a:pPr marL="171450" lvl="0" indent="-114300" algn="l" rtl="0">
+              <a:spcBef>
+                <a:spcPts val="0"/>
+              </a:spcBef>
+              <a:spcAft>
+                <a:spcPts val="0"/>
+              </a:spcAft>
+              <a:buClr>
+                <a:schemeClr val="dk1"/>
+              </a:buClr>
+              <a:buSzPts val="900"/>
+              <a:buFont typeface="Calibri"/>
+              <a:buChar char="●"/>
+            </a:pPr>
+            <a:r>
+              <a:rPr lang="en" sz="900" u="sng">
+                <a:solidFill>
+                  <a:schemeClr val="hlink"/>
+                </a:solidFill>
+                <a:latin typeface="Calibri"/>
+                <a:ea typeface="Calibri"/>
+                <a:cs typeface="Calibri"/>
+                <a:sym typeface="Calibri"/>
+                <a:hlinkClick r:id="rId7"/>
+              </a:rPr>
+              <a:t>https://techcrunch.com/2025/06/26/meta-hires-key-openai-researcher-to-work-on-ai-reasoning-models/</a:t>
+            </a:r>
+            <a:r>
+              <a:rPr lang="en" sz="900">
+                <a:solidFill>
+                  <a:schemeClr val="dk1"/>
+                </a:solidFill>
+                <a:latin typeface="Calibri"/>
+                <a:ea typeface="Calibri"/>
+                <a:cs typeface="Calibri"/>
+                <a:sym typeface="Calibri"/>
+              </a:rPr>
+              <a:t> </a:t>
+            </a:r>
+            <a:endParaRPr sz="900">
+              <a:solidFill>
+                <a:schemeClr val="dk1"/>
+              </a:solidFill>
+              <a:latin typeface="Calibri"/>
+              <a:ea typeface="Calibri"/>
+              <a:cs typeface="Calibri"/>
+              <a:sym typeface="Calibri"/>
+            </a:endParaRPr>
+          </a:p>
         </p:txBody>
       </p:sp>
+      <p:pic>
+        <p:nvPicPr>
+          <p:cNvPr id="257" name="Google Shape;257;p28"/>
+          <p:cNvPicPr preferRelativeResize="0"/>
+          <p:nvPr/>
+        </p:nvPicPr>
+        <p:blipFill>
+          <a:blip r:embed="rId8" cstate="email">
+            <a:alphaModFix/>
+            <a:extLst>
+              <a:ext uri="{28A0092B-C50C-407E-A947-70E740481C1C}">
+                <a14:useLocalDpi xmlns:a14="http://schemas.microsoft.com/office/drawing/2010/main"/>
+              </a:ext>
+            </a:extLst>
+          </a:blip>
+          <a:stretch>
+            <a:fillRect/>
+          </a:stretch>
+        </p:blipFill>
+        <p:spPr>
+          <a:xfrm>
+            <a:off x="4693350" y="2508344"/>
+            <a:ext cx="1064750" cy="1257400"/>
+          </a:xfrm>
+          <a:prstGeom prst="rect">
+            <a:avLst/>
+          </a:prstGeom>
+          <a:noFill/>
+          <a:ln w="9525" cap="flat" cmpd="sng">
+            <a:solidFill>
+              <a:srgbClr val="FF0000"/>
+            </a:solidFill>
+            <a:prstDash val="solid"/>
+            <a:round/>
+            <a:headEnd type="none" w="sm" len="sm"/>
+            <a:tailEnd type="none" w="sm" len="sm"/>
+          </a:ln>
+        </p:spPr>
+      </p:pic>
     </p:spTree>
   </p:cSld>
   <p:clrMapOvr>
@@ -18971,7 +19337,7 @@
   <p:cSld>
     <p:spTree>
       <p:nvGrpSpPr>
-        <p:cNvPr id="1" name="Shape 258"/>
+        <p:cNvPr id="1" name="Shape 261"/>
         <p:cNvGrpSpPr/>
         <p:nvPr/>
       </p:nvGrpSpPr>
@@ -18985,7 +19351,7 @@
       </p:grpSpPr>
       <p:sp>
         <p:nvSpPr>
-          <p:cNvPr id="259" name="Google Shape;259;p29"/>
+          <p:cNvPr id="262" name="Google Shape;262;p29"/>
           <p:cNvSpPr txBox="1"/>
           <p:nvPr/>
         </p:nvSpPr>
@@ -19051,7 +19417,7 @@
       </p:sp>
       <p:sp>
         <p:nvSpPr>
-          <p:cNvPr id="260" name="Google Shape;260;p29"/>
+          <p:cNvPr id="263" name="Google Shape;263;p29"/>
           <p:cNvSpPr txBox="1"/>
           <p:nvPr/>
         </p:nvSpPr>
@@ -19878,7 +20244,7 @@
       </p:sp>
       <p:pic>
         <p:nvPicPr>
-          <p:cNvPr id="261" name="Google Shape;261;p29"/>
+          <p:cNvPr id="264" name="Google Shape;264;p29"/>
           <p:cNvPicPr preferRelativeResize="0"/>
           <p:nvPr/>
         </p:nvPicPr>
@@ -19928,7 +20294,7 @@
   <p:cSld>
     <p:spTree>
       <p:nvGrpSpPr>
-        <p:cNvPr id="1" name="Shape 265"/>
+        <p:cNvPr id="1" name="Shape 268"/>
         <p:cNvGrpSpPr/>
         <p:nvPr/>
       </p:nvGrpSpPr>
@@ -19942,7 +20308,7 @@
       </p:grpSpPr>
       <p:sp>
         <p:nvSpPr>
-          <p:cNvPr id="266" name="Google Shape;266;p30"/>
+          <p:cNvPr id="269" name="Google Shape;269;p30"/>
           <p:cNvSpPr txBox="1"/>
           <p:nvPr/>
         </p:nvSpPr>
@@ -20008,7 +20374,7 @@
       </p:sp>
       <p:sp>
         <p:nvSpPr>
-          <p:cNvPr id="267" name="Google Shape;267;p30"/>
+          <p:cNvPr id="270" name="Google Shape;270;p30"/>
           <p:cNvSpPr txBox="1"/>
           <p:nvPr/>
         </p:nvSpPr>
@@ -20498,7 +20864,7 @@
       </p:sp>
       <p:pic>
         <p:nvPicPr>
-          <p:cNvPr id="268" name="Google Shape;268;p30"/>
+          <p:cNvPr id="271" name="Google Shape;271;p30"/>
           <p:cNvPicPr preferRelativeResize="0"/>
           <p:nvPr/>
         </p:nvPicPr>
@@ -20543,7 +20909,7 @@
   <p:cSld>
     <p:spTree>
       <p:nvGrpSpPr>
-        <p:cNvPr id="1" name="Shape 272"/>
+        <p:cNvPr id="1" name="Shape 275"/>
         <p:cNvGrpSpPr/>
         <p:nvPr/>
       </p:nvGrpSpPr>
@@ -20557,7 +20923,7 @@
       </p:grpSpPr>
       <p:sp>
         <p:nvSpPr>
-          <p:cNvPr id="273" name="Google Shape;273;p31"/>
+          <p:cNvPr id="276" name="Google Shape;276;p31"/>
           <p:cNvSpPr txBox="1"/>
           <p:nvPr/>
         </p:nvSpPr>
@@ -20623,7 +20989,7 @@
       </p:sp>
       <p:sp>
         <p:nvSpPr>
-          <p:cNvPr id="274" name="Google Shape;274;p31"/>
+          <p:cNvPr id="277" name="Google Shape;277;p31"/>
           <p:cNvSpPr txBox="1"/>
           <p:nvPr/>
         </p:nvSpPr>
@@ -21056,7 +21422,7 @@
       </p:sp>
       <p:sp>
         <p:nvSpPr>
-          <p:cNvPr id="275" name="Google Shape;275;p31"/>
+          <p:cNvPr id="278" name="Google Shape;278;p31"/>
           <p:cNvSpPr txBox="1"/>
           <p:nvPr/>
         </p:nvSpPr>
@@ -21290,7 +21656,7 @@
       </p:sp>
       <p:pic>
         <p:nvPicPr>
-          <p:cNvPr id="276" name="Google Shape;276;p31"/>
+          <p:cNvPr id="279" name="Google Shape;279;p31"/>
           <p:cNvPicPr preferRelativeResize="0"/>
           <p:nvPr/>
         </p:nvPicPr>
@@ -21340,7 +21706,7 @@
   <p:cSld>
     <p:spTree>
       <p:nvGrpSpPr>
-        <p:cNvPr id="1" name="Shape 280"/>
+        <p:cNvPr id="1" name="Shape 283"/>
         <p:cNvGrpSpPr/>
         <p:nvPr/>
       </p:nvGrpSpPr>
@@ -21354,7 +21720,7 @@
       </p:grpSpPr>
       <p:sp>
         <p:nvSpPr>
-          <p:cNvPr id="281" name="Google Shape;281;p32"/>
+          <p:cNvPr id="284" name="Google Shape;284;p32"/>
           <p:cNvSpPr txBox="1"/>
           <p:nvPr/>
         </p:nvSpPr>
@@ -21420,7 +21786,7 @@
       </p:sp>
       <p:sp>
         <p:nvSpPr>
-          <p:cNvPr id="282" name="Google Shape;282;p32"/>
+          <p:cNvPr id="285" name="Google Shape;285;p32"/>
           <p:cNvSpPr txBox="1"/>
           <p:nvPr/>
         </p:nvSpPr>
@@ -22067,7 +22433,7 @@
       </p:sp>
       <p:pic>
         <p:nvPicPr>
-          <p:cNvPr id="283" name="Google Shape;283;p32"/>
+          <p:cNvPr id="286" name="Google Shape;286;p32"/>
           <p:cNvPicPr preferRelativeResize="0"/>
           <p:nvPr/>
         </p:nvPicPr>
@@ -22111,7 +22477,7 @@
   <p:cSld>
     <p:spTree>
       <p:nvGrpSpPr>
-        <p:cNvPr id="1" name="Shape 287"/>
+        <p:cNvPr id="1" name="Shape 290"/>
         <p:cNvGrpSpPr/>
         <p:nvPr/>
       </p:nvGrpSpPr>
@@ -22125,7 +22491,7 @@
       </p:grpSpPr>
       <p:sp>
         <p:nvSpPr>
-          <p:cNvPr id="288" name="Google Shape;288;p33"/>
+          <p:cNvPr id="291" name="Google Shape;291;p33"/>
           <p:cNvSpPr txBox="1"/>
           <p:nvPr/>
         </p:nvSpPr>
@@ -22191,7 +22557,7 @@
       </p:sp>
       <p:sp>
         <p:nvSpPr>
-          <p:cNvPr id="289" name="Google Shape;289;p33"/>
+          <p:cNvPr id="292" name="Google Shape;292;p33"/>
           <p:cNvSpPr txBox="1"/>
           <p:nvPr/>
         </p:nvSpPr>
@@ -22689,7 +23055,7 @@
       </p:sp>
       <p:pic>
         <p:nvPicPr>
-          <p:cNvPr id="290" name="Google Shape;290;p33"/>
+          <p:cNvPr id="293" name="Google Shape;293;p33"/>
           <p:cNvPicPr preferRelativeResize="0"/>
           <p:nvPr/>
         </p:nvPicPr>
@@ -26342,7 +26708,7 @@
             <a:tbl>
               <a:tblPr>
                 <a:noFill/>
-                <a:tableStyleId>{E318B31A-255C-4A5F-9448-2583F3E32FEA}</a:tableStyleId>
+                <a:tableStyleId>{37FF0A62-B95C-4B3C-9F69-B364A9881D61}</a:tableStyleId>
               </a:tblPr>
               <a:tblGrid>
                 <a:gridCol w="1809750">
@@ -30633,7 +30999,7 @@
             <a:tbl>
               <a:tblPr>
                 <a:noFill/>
-                <a:tableStyleId>{E318B31A-255C-4A5F-9448-2583F3E32FEA}</a:tableStyleId>
+                <a:tableStyleId>{37FF0A62-B95C-4B3C-9F69-B364A9881D61}</a:tableStyleId>
               </a:tblPr>
               <a:tblGrid>
                 <a:gridCol w="2112775">
@@ -34339,7 +34705,7 @@
   <p:cSld>
     <p:spTree>
       <p:nvGrpSpPr>
-        <p:cNvPr id="1" name="Shape 294"/>
+        <p:cNvPr id="1" name="Shape 297"/>
         <p:cNvGrpSpPr/>
         <p:nvPr/>
       </p:nvGrpSpPr>
@@ -34353,7 +34719,7 @@
       </p:grpSpPr>
       <p:sp>
         <p:nvSpPr>
-          <p:cNvPr id="295" name="Google Shape;295;p34"/>
+          <p:cNvPr id="298" name="Google Shape;298;p34"/>
           <p:cNvSpPr txBox="1"/>
           <p:nvPr/>
         </p:nvSpPr>
@@ -34419,7 +34785,7 @@
       </p:sp>
       <p:sp>
         <p:nvSpPr>
-          <p:cNvPr id="296" name="Google Shape;296;p34"/>
+          <p:cNvPr id="299" name="Google Shape;299;p34"/>
           <p:cNvSpPr txBox="1"/>
           <p:nvPr/>
         </p:nvSpPr>
@@ -34942,7 +35308,7 @@
       </p:sp>
       <p:sp>
         <p:nvSpPr>
-          <p:cNvPr id="297" name="Google Shape;297;p34"/>
+          <p:cNvPr id="300" name="Google Shape;300;p34"/>
           <p:cNvSpPr txBox="1"/>
           <p:nvPr/>
         </p:nvSpPr>
@@ -35288,7 +35654,7 @@
       </p:sp>
       <p:pic>
         <p:nvPicPr>
-          <p:cNvPr id="298" name="Google Shape;298;p34"/>
+          <p:cNvPr id="301" name="Google Shape;301;p34"/>
           <p:cNvPicPr preferRelativeResize="0"/>
           <p:nvPr/>
         </p:nvPicPr>
@@ -35333,7 +35699,7 @@
   <p:cSld>
     <p:spTree>
       <p:nvGrpSpPr>
-        <p:cNvPr id="1" name="Shape 302"/>
+        <p:cNvPr id="1" name="Shape 305"/>
         <p:cNvGrpSpPr/>
         <p:nvPr/>
       </p:nvGrpSpPr>
@@ -35347,7 +35713,7 @@
       </p:grpSpPr>
       <p:sp>
         <p:nvSpPr>
-          <p:cNvPr id="303" name="Google Shape;303;p35"/>
+          <p:cNvPr id="306" name="Google Shape;306;p35"/>
           <p:cNvSpPr txBox="1"/>
           <p:nvPr/>
         </p:nvSpPr>
@@ -35413,13 +35779,13 @@
       </p:sp>
       <p:sp>
         <p:nvSpPr>
-          <p:cNvPr id="304" name="Google Shape;304;p35"/>
+          <p:cNvPr id="307" name="Google Shape;307;p35"/>
           <p:cNvSpPr txBox="1"/>
           <p:nvPr/>
         </p:nvSpPr>
         <p:spPr>
           <a:xfrm>
-            <a:off x="2102050" y="153675"/>
+            <a:off x="2102050" y="77475"/>
             <a:ext cx="1800600" cy="387900"/>
           </a:xfrm>
           <a:prstGeom prst="rect">
@@ -35541,7 +35907,7 @@
       </p:sp>
       <p:pic>
         <p:nvPicPr>
-          <p:cNvPr id="305" name="Google Shape;305;p35"/>
+          <p:cNvPr id="308" name="Google Shape;308;p35"/>
           <p:cNvPicPr preferRelativeResize="0"/>
           <p:nvPr/>
         </p:nvPicPr>
@@ -35560,8 +35926,8 @@
         </p:blipFill>
         <p:spPr>
           <a:xfrm>
-            <a:off x="81950" y="3082075"/>
-            <a:ext cx="4779675" cy="1973074"/>
+            <a:off x="67350" y="557944"/>
+            <a:ext cx="5059152" cy="1876055"/>
           </a:xfrm>
           <a:prstGeom prst="rect">
             <a:avLst/>
@@ -35580,7 +35946,7 @@
       </p:pic>
       <p:pic>
         <p:nvPicPr>
-          <p:cNvPr id="306" name="Google Shape;306;p35"/>
+          <p:cNvPr id="309" name="Google Shape;309;p35"/>
           <p:cNvPicPr preferRelativeResize="0"/>
           <p:nvPr/>
         </p:nvPicPr>
@@ -35599,8 +35965,8 @@
         </p:blipFill>
         <p:spPr>
           <a:xfrm>
-            <a:off x="81950" y="661013"/>
-            <a:ext cx="4531627" cy="2301632"/>
+            <a:off x="67350" y="2526575"/>
+            <a:ext cx="5059149" cy="2574795"/>
           </a:xfrm>
           <a:prstGeom prst="rect">
             <a:avLst/>
@@ -35617,6 +35983,180 @@
           </a:ln>
         </p:spPr>
       </p:pic>
+      <p:sp>
+        <p:nvSpPr>
+          <p:cNvPr id="310" name="Google Shape;310;p35"/>
+          <p:cNvSpPr txBox="1"/>
+          <p:nvPr/>
+        </p:nvSpPr>
+        <p:spPr>
+          <a:xfrm>
+            <a:off x="5421475" y="557950"/>
+            <a:ext cx="3473700" cy="757200"/>
+          </a:xfrm>
+          <a:prstGeom prst="rect">
+            <a:avLst/>
+          </a:prstGeom>
+          <a:solidFill>
+            <a:srgbClr val="FFF2CC"/>
+          </a:solidFill>
+          <a:ln w="9525" cap="flat" cmpd="sng">
+            <a:solidFill>
+              <a:srgbClr val="FF0000"/>
+            </a:solidFill>
+            <a:prstDash val="solid"/>
+            <a:round/>
+            <a:headEnd type="none" w="sm" len="sm"/>
+            <a:tailEnd type="none" w="sm" len="sm"/>
+          </a:ln>
+        </p:spPr>
+        <p:txBody>
+          <a:bodyPr spcFirstLastPara="1" wrap="square" lIns="9125" tIns="9125" rIns="9125" bIns="9125" anchor="t" anchorCtr="0">
+            <a:spAutoFit/>
+          </a:bodyPr>
+          <a:lstStyle/>
+          <a:p>
+            <a:pPr marL="171450" marR="0" lvl="0" indent="-133350" algn="l" rtl="0">
+              <a:lnSpc>
+                <a:spcPct val="100000"/>
+              </a:lnSpc>
+              <a:spcBef>
+                <a:spcPts val="0"/>
+              </a:spcBef>
+              <a:spcAft>
+                <a:spcPts val="0"/>
+              </a:spcAft>
+              <a:buSzPts val="1200"/>
+              <a:buFont typeface="Calibri"/>
+              <a:buChar char="●"/>
+            </a:pPr>
+            <a:r>
+              <a:rPr lang="en" sz="1200">
+                <a:latin typeface="Calibri"/>
+                <a:ea typeface="Calibri"/>
+                <a:cs typeface="Calibri"/>
+                <a:sym typeface="Calibri"/>
+              </a:rPr>
+              <a:t>Tech Layoffs in 2025: 63,443 people (so far)</a:t>
+            </a:r>
+            <a:endParaRPr sz="1200">
+              <a:latin typeface="Calibri"/>
+              <a:ea typeface="Calibri"/>
+              <a:cs typeface="Calibri"/>
+              <a:sym typeface="Calibri"/>
+            </a:endParaRPr>
+          </a:p>
+          <a:p>
+            <a:pPr marL="171450" marR="0" lvl="0" indent="-133350" algn="l" rtl="0">
+              <a:lnSpc>
+                <a:spcPct val="100000"/>
+              </a:lnSpc>
+              <a:spcBef>
+                <a:spcPts val="0"/>
+              </a:spcBef>
+              <a:spcAft>
+                <a:spcPts val="0"/>
+              </a:spcAft>
+              <a:buSzPts val="1200"/>
+              <a:buFont typeface="Calibri"/>
+              <a:buChar char="●"/>
+            </a:pPr>
+            <a:r>
+              <a:rPr lang="en" sz="1200">
+                <a:latin typeface="Calibri"/>
+                <a:ea typeface="Calibri"/>
+                <a:cs typeface="Calibri"/>
+                <a:sym typeface="Calibri"/>
+              </a:rPr>
+              <a:t>Compared to 2024: 152,922 people</a:t>
+            </a:r>
+            <a:endParaRPr sz="1200">
+              <a:latin typeface="Calibri"/>
+              <a:ea typeface="Calibri"/>
+              <a:cs typeface="Calibri"/>
+              <a:sym typeface="Calibri"/>
+            </a:endParaRPr>
+          </a:p>
+          <a:p>
+            <a:pPr marL="171450" marR="0" lvl="0" indent="-133350" algn="l" rtl="0">
+              <a:lnSpc>
+                <a:spcPct val="100000"/>
+              </a:lnSpc>
+              <a:spcBef>
+                <a:spcPts val="0"/>
+              </a:spcBef>
+              <a:spcAft>
+                <a:spcPts val="0"/>
+              </a:spcAft>
+              <a:buSzPts val="1200"/>
+              <a:buFont typeface="Calibri"/>
+              <a:buChar char="●"/>
+            </a:pPr>
+            <a:r>
+              <a:rPr lang="en" sz="1200">
+                <a:latin typeface="Calibri"/>
+                <a:ea typeface="Calibri"/>
+                <a:cs typeface="Calibri"/>
+                <a:sym typeface="Calibri"/>
+              </a:rPr>
+              <a:t>First 6 months of 2025 vs 2024: 83% vs 100%</a:t>
+            </a:r>
+            <a:endParaRPr sz="1200">
+              <a:latin typeface="Calibri"/>
+              <a:ea typeface="Calibri"/>
+              <a:cs typeface="Calibri"/>
+              <a:sym typeface="Calibri"/>
+            </a:endParaRPr>
+          </a:p>
+          <a:p>
+            <a:pPr marL="171450" marR="0" lvl="0" indent="-133350" algn="l" rtl="0">
+              <a:lnSpc>
+                <a:spcPct val="100000"/>
+              </a:lnSpc>
+              <a:spcBef>
+                <a:spcPts val="0"/>
+              </a:spcBef>
+              <a:spcAft>
+                <a:spcPts val="0"/>
+              </a:spcAft>
+              <a:buSzPts val="1200"/>
+              <a:buFont typeface="Calibri"/>
+              <a:buChar char="●"/>
+            </a:pPr>
+            <a:r>
+              <a:rPr lang="en" sz="1200" u="sng">
+                <a:solidFill>
+                  <a:schemeClr val="hlink"/>
+                </a:solidFill>
+                <a:latin typeface="Calibri"/>
+                <a:ea typeface="Calibri"/>
+                <a:cs typeface="Calibri"/>
+                <a:sym typeface="Calibri"/>
+                <a:hlinkClick r:id="rId3"/>
+              </a:rPr>
+              <a:t>https://layoffs.fyi</a:t>
+            </a:r>
+            <a:r>
+              <a:rPr lang="en" sz="1200">
+                <a:latin typeface="Calibri"/>
+                <a:ea typeface="Calibri"/>
+                <a:cs typeface="Calibri"/>
+                <a:sym typeface="Calibri"/>
+              </a:rPr>
+              <a:t> </a:t>
+            </a:r>
+            <a:endParaRPr sz="1200" i="0" u="none" strike="noStrike" cap="none">
+              <a:solidFill>
+                <a:srgbClr val="000000"/>
+              </a:solidFill>
+              <a:latin typeface="Calibri"/>
+              <a:ea typeface="Calibri"/>
+              <a:cs typeface="Calibri"/>
+              <a:sym typeface="Calibri"/>
+            </a:endParaRPr>
+          </a:p>
+        </p:txBody>
+      </p:sp>
     </p:spTree>
   </p:cSld>
   <p:clrMapOvr>
@@ -35630,7 +36170,7 @@
   <p:cSld>
     <p:spTree>
       <p:nvGrpSpPr>
-        <p:cNvPr id="1" name="Shape 310"/>
+        <p:cNvPr id="1" name="Shape 314"/>
         <p:cNvGrpSpPr/>
         <p:nvPr/>
       </p:nvGrpSpPr>
@@ -35644,7 +36184,7 @@
       </p:grpSpPr>
       <p:pic>
         <p:nvPicPr>
-          <p:cNvPr id="311" name="Google Shape;311;p36"/>
+          <p:cNvPr id="315" name="Google Shape;315;p36"/>
           <p:cNvPicPr preferRelativeResize="0"/>
           <p:nvPr/>
         </p:nvPicPr>
@@ -35676,7 +36216,7 @@
       </p:pic>
       <p:sp>
         <p:nvSpPr>
-          <p:cNvPr id="312" name="Google Shape;312;p36"/>
+          <p:cNvPr id="316" name="Google Shape;316;p36"/>
           <p:cNvSpPr txBox="1"/>
           <p:nvPr/>
         </p:nvSpPr>
@@ -35742,7 +36282,7 @@
       </p:sp>
       <p:sp>
         <p:nvSpPr>
-          <p:cNvPr id="313" name="Google Shape;313;p36"/>
+          <p:cNvPr id="317" name="Google Shape;317;p36"/>
           <p:cNvSpPr txBox="1"/>
           <p:nvPr/>
         </p:nvSpPr>
@@ -36172,7 +36712,7 @@
       </p:sp>
       <p:pic>
         <p:nvPicPr>
-          <p:cNvPr id="314" name="Google Shape;314;p36"/>
+          <p:cNvPr id="318" name="Google Shape;318;p36"/>
           <p:cNvPicPr preferRelativeResize="0"/>
           <p:nvPr/>
         </p:nvPicPr>
@@ -36204,7 +36744,7 @@
       </p:pic>
       <p:sp>
         <p:nvSpPr>
-          <p:cNvPr id="315" name="Google Shape;315;p36"/>
+          <p:cNvPr id="319" name="Google Shape;319;p36"/>
           <p:cNvSpPr txBox="1"/>
           <p:nvPr/>
         </p:nvSpPr>
@@ -36283,7 +36823,7 @@
       </p:sp>
       <p:sp>
         <p:nvSpPr>
-          <p:cNvPr id="316" name="Google Shape;316;p36"/>
+          <p:cNvPr id="320" name="Google Shape;320;p36"/>
           <p:cNvSpPr txBox="1"/>
           <p:nvPr/>
         </p:nvSpPr>
@@ -36360,7 +36900,7 @@
   <p:cSld>
     <p:spTree>
       <p:nvGrpSpPr>
-        <p:cNvPr id="1" name="Shape 320"/>
+        <p:cNvPr id="1" name="Shape 324"/>
         <p:cNvGrpSpPr/>
         <p:nvPr/>
       </p:nvGrpSpPr>
@@ -36374,7 +36914,7 @@
       </p:grpSpPr>
       <p:sp>
         <p:nvSpPr>
-          <p:cNvPr id="321" name="Google Shape;321;p37"/>
+          <p:cNvPr id="325" name="Google Shape;325;p37"/>
           <p:cNvSpPr txBox="1"/>
           <p:nvPr/>
         </p:nvSpPr>
